--- a/RELATORIO PROVA P2/relatorio-pmbok-capitulo4-jharbes.pptx
+++ b/RELATORIO PROVA P2/relatorio-pmbok-capitulo4-jharbes.pptx
@@ -2,10 +2,15 @@
 <file path=ppt/presentation.xml><?xml version="1.0" encoding="utf-8"?>
 <p:presentation xmlns:a="http://schemas.openxmlformats.org/drawingml/2006/main" xmlns:r="http://schemas.openxmlformats.org/officeDocument/2006/relationships" xmlns:p="http://schemas.openxmlformats.org/presentationml/2006/main" saveSubsetFonts="1">
   <p:sldMasterIdLst>
-    <p:sldMasterId id="2147483648" r:id="rId1"/>
+    <p:sldMasterId id="2147483684" r:id="rId1"/>
   </p:sldMasterIdLst>
   <p:sldIdLst>
     <p:sldId id="256" r:id="rId2"/>
+    <p:sldId id="257" r:id="rId3"/>
+    <p:sldId id="258" r:id="rId4"/>
+    <p:sldId id="259" r:id="rId5"/>
+    <p:sldId id="260" r:id="rId6"/>
+    <p:sldId id="261" r:id="rId7"/>
   </p:sldIdLst>
   <p:sldSz cx="12192000" cy="6858000"/>
   <p:notesSz cx="6858000" cy="9144000"/>
@@ -115,83 +120,16 @@
 <file path=ppt/revisionInfo.xml><?xml version="1.0" encoding="utf-8"?>
 <p1510:revInfo xmlns:a="http://schemas.openxmlformats.org/drawingml/2006/main" xmlns:r="http://schemas.openxmlformats.org/officeDocument/2006/relationships" xmlns:p1510="http://schemas.microsoft.com/office/powerpoint/2015/10/main">
   <p1510:revLst>
+    <p1510:client id="{48F91746-B893-61F0-E2B5-F484DCEDD16B}" v="339" dt="2022-12-03T12:17:06.023"/>
     <p1510:client id="{89141EF4-D9B1-448E-BF85-A061974F4635}" v="40" dt="2022-11-30T16:19:30.454"/>
+    <p1510:client id="{AAE71220-A1A8-A349-D335-1D78B8499119}" v="13" dt="2022-12-03T12:10:22.569"/>
   </p1510:revLst>
 </p1510:revInfo>
 </file>
 
-<file path=ppt/changesInfos/changesInfo1.xml><?xml version="1.0" encoding="utf-8"?>
-<pc:chgInfo xmlns:a="http://schemas.openxmlformats.org/drawingml/2006/main" xmlns:r="http://schemas.openxmlformats.org/officeDocument/2006/relationships" xmlns:ac="http://schemas.microsoft.com/office/drawing/2013/main/command" xmlns:pc="http://schemas.microsoft.com/office/powerpoint/2013/main/command">
-  <pc:docChgLst>
-    <pc:chgData name="JORGE NAMI HARBES" userId="S::10231086741@cefet-rj.br::d5eec4ca-06c5-4bd8-b65d-5e62aea524f1" providerId="AD" clId="Web-{89141EF4-D9B1-448E-BF85-A061974F4635}"/>
-    <pc:docChg chg="modSld">
-      <pc:chgData name="JORGE NAMI HARBES" userId="S::10231086741@cefet-rj.br::d5eec4ca-06c5-4bd8-b65d-5e62aea524f1" providerId="AD" clId="Web-{89141EF4-D9B1-448E-BF85-A061974F4635}" dt="2022-11-30T16:19:30.454" v="41" actId="20577"/>
-      <pc:docMkLst>
-        <pc:docMk/>
-      </pc:docMkLst>
-      <pc:sldChg chg="addSp modSp mod setBg">
-        <pc:chgData name="JORGE NAMI HARBES" userId="S::10231086741@cefet-rj.br::d5eec4ca-06c5-4bd8-b65d-5e62aea524f1" providerId="AD" clId="Web-{89141EF4-D9B1-448E-BF85-A061974F4635}" dt="2022-11-30T16:19:30.454" v="41" actId="20577"/>
-        <pc:sldMkLst>
-          <pc:docMk/>
-          <pc:sldMk cId="2210866551" sldId="256"/>
-        </pc:sldMkLst>
-        <pc:spChg chg="mod">
-          <ac:chgData name="JORGE NAMI HARBES" userId="S::10231086741@cefet-rj.br::d5eec4ca-06c5-4bd8-b65d-5e62aea524f1" providerId="AD" clId="Web-{89141EF4-D9B1-448E-BF85-A061974F4635}" dt="2022-11-30T16:19:18.204" v="39" actId="1076"/>
-          <ac:spMkLst>
-            <pc:docMk/>
-            <pc:sldMk cId="2210866551" sldId="256"/>
-            <ac:spMk id="2" creationId="{00000000-0000-0000-0000-000000000000}"/>
-          </ac:spMkLst>
-        </pc:spChg>
-        <pc:spChg chg="mod">
-          <ac:chgData name="JORGE NAMI HARBES" userId="S::10231086741@cefet-rj.br::d5eec4ca-06c5-4bd8-b65d-5e62aea524f1" providerId="AD" clId="Web-{89141EF4-D9B1-448E-BF85-A061974F4635}" dt="2022-11-30T16:19:30.454" v="41" actId="20577"/>
-          <ac:spMkLst>
-            <pc:docMk/>
-            <pc:sldMk cId="2210866551" sldId="256"/>
-            <ac:spMk id="3" creationId="{00000000-0000-0000-0000-000000000000}"/>
-          </ac:spMkLst>
-        </pc:spChg>
-        <pc:spChg chg="add">
-          <ac:chgData name="JORGE NAMI HARBES" userId="S::10231086741@cefet-rj.br::d5eec4ca-06c5-4bd8-b65d-5e62aea524f1" providerId="AD" clId="Web-{89141EF4-D9B1-448E-BF85-A061974F4635}" dt="2022-11-30T16:15:15.298" v="5"/>
-          <ac:spMkLst>
-            <pc:docMk/>
-            <pc:sldMk cId="2210866551" sldId="256"/>
-            <ac:spMk id="10" creationId="{41F18803-BE79-4916-AE6B-5DE238B367F0}"/>
-          </ac:spMkLst>
-        </pc:spChg>
-        <pc:spChg chg="add">
-          <ac:chgData name="JORGE NAMI HARBES" userId="S::10231086741@cefet-rj.br::d5eec4ca-06c5-4bd8-b65d-5e62aea524f1" providerId="AD" clId="Web-{89141EF4-D9B1-448E-BF85-A061974F4635}" dt="2022-11-30T16:15:15.298" v="5"/>
-          <ac:spMkLst>
-            <pc:docMk/>
-            <pc:sldMk cId="2210866551" sldId="256"/>
-            <ac:spMk id="12" creationId="{C15229F3-7A2E-4558-98FE-7A5F69409DCE}"/>
-          </ac:spMkLst>
-        </pc:spChg>
-        <pc:picChg chg="add mod ord">
-          <ac:chgData name="JORGE NAMI HARBES" userId="S::10231086741@cefet-rj.br::d5eec4ca-06c5-4bd8-b65d-5e62aea524f1" providerId="AD" clId="Web-{89141EF4-D9B1-448E-BF85-A061974F4635}" dt="2022-11-30T16:15:15.298" v="5"/>
-          <ac:picMkLst>
-            <pc:docMk/>
-            <pc:sldMk cId="2210866551" sldId="256"/>
-            <ac:picMk id="4" creationId="{299AA7BA-00D0-8B94-16D6-DBEA09654EE3}"/>
-          </ac:picMkLst>
-        </pc:picChg>
-        <pc:picChg chg="add mod">
-          <ac:chgData name="JORGE NAMI HARBES" userId="S::10231086741@cefet-rj.br::d5eec4ca-06c5-4bd8-b65d-5e62aea524f1" providerId="AD" clId="Web-{89141EF4-D9B1-448E-BF85-A061974F4635}" dt="2022-11-30T16:15:15.298" v="5"/>
-          <ac:picMkLst>
-            <pc:docMk/>
-            <pc:sldMk cId="2210866551" sldId="256"/>
-            <ac:picMk id="5" creationId="{4548D243-C1FC-34F6-602B-6A350AD6D279}"/>
-          </ac:picMkLst>
-        </pc:picChg>
-      </pc:sldChg>
-    </pc:docChg>
-  </pc:docChgLst>
-</pc:chgInfo>
-</file>
-
 <file path=ppt/slideLayouts/slideLayout1.xml><?xml version="1.0" encoding="utf-8"?>
 <p:sldLayout xmlns:a="http://schemas.openxmlformats.org/drawingml/2006/main" xmlns:r="http://schemas.openxmlformats.org/officeDocument/2006/relationships" xmlns:p="http://schemas.openxmlformats.org/presentationml/2006/main" type="title" preserve="1">
-  <p:cSld name="Slide de título">
+  <p:cSld name="Title Slide">
     <p:spTree>
       <p:nvGrpSpPr>
         <p:cNvPr id="1" name=""/>
@@ -208,7 +146,7 @@
       </p:grpSpPr>
       <p:sp>
         <p:nvSpPr>
-          <p:cNvPr id="2" name="Título 1"/>
+          <p:cNvPr id="2" name="Title 1"/>
           <p:cNvSpPr>
             <a:spLocks noGrp="1"/>
           </p:cNvSpPr>
@@ -231,16 +169,15 @@
           </a:lstStyle>
           <a:p>
             <a:r>
-              <a:rPr lang="pt-BR"/>
-              <a:t>Clique para editar o título mestre</a:t>
-            </a:r>
-            <a:endParaRPr lang="de-DE"/>
-          </a:p>
-        </p:txBody>
-      </p:sp>
-      <p:sp>
-        <p:nvSpPr>
-          <p:cNvPr id="3" name="Subtítulo 2"/>
+              <a:rPr lang="en-US" dirty="0"/>
+              <a:t>Click to edit Master title style</a:t>
+            </a:r>
+          </a:p>
+        </p:txBody>
+      </p:sp>
+      <p:sp>
+        <p:nvSpPr>
+          <p:cNvPr id="3" name="Subtitle 2"/>
           <p:cNvSpPr>
             <a:spLocks noGrp="1"/>
           </p:cNvSpPr>
@@ -296,16 +233,15 @@
           </a:lstStyle>
           <a:p>
             <a:r>
-              <a:rPr lang="pt-BR"/>
-              <a:t>Clique para editar o estilo do subtítulo mestre</a:t>
-            </a:r>
-            <a:endParaRPr lang="de-DE"/>
-          </a:p>
-        </p:txBody>
-      </p:sp>
-      <p:sp>
-        <p:nvSpPr>
-          <p:cNvPr id="4" name="Espaço Reservado para Data 3"/>
+              <a:rPr lang="en-US" dirty="0"/>
+              <a:t>Click to edit Master subtitle style</a:t>
+            </a:r>
+          </a:p>
+        </p:txBody>
+      </p:sp>
+      <p:sp>
+        <p:nvSpPr>
+          <p:cNvPr id="4" name="Date Placeholder 3"/>
           <p:cNvSpPr>
             <a:spLocks noGrp="1"/>
           </p:cNvSpPr>
@@ -318,17 +254,17 @@
           <a:bodyPr/>
           <a:lstStyle/>
           <a:p>
-            <a:fld id="{F0E51C7C-CEA3-4CAA-BE4B-344879E7C377}" type="datetimeFigureOut">
-              <a:rPr lang="de-DE" smtClean="0"/>
-              <a:t>30.11.2022</a:t>
+            <a:fld id="{C764DE79-268F-4C1A-8933-263129D2AF90}" type="datetimeFigureOut">
+              <a:rPr lang="en-US" dirty="0"/>
+              <a:t>12/3/2022</a:t>
             </a:fld>
-            <a:endParaRPr lang="de-DE"/>
-          </a:p>
-        </p:txBody>
-      </p:sp>
-      <p:sp>
-        <p:nvSpPr>
-          <p:cNvPr id="5" name="Espaço Reservado para Rodapé 4"/>
+            <a:endParaRPr lang="en-US" dirty="0"/>
+          </a:p>
+        </p:txBody>
+      </p:sp>
+      <p:sp>
+        <p:nvSpPr>
+          <p:cNvPr id="5" name="Footer Placeholder 4"/>
           <p:cNvSpPr>
             <a:spLocks noGrp="1"/>
           </p:cNvSpPr>
@@ -341,13 +277,13 @@
           <a:bodyPr/>
           <a:lstStyle/>
           <a:p>
-            <a:endParaRPr lang="de-DE"/>
-          </a:p>
-        </p:txBody>
-      </p:sp>
-      <p:sp>
-        <p:nvSpPr>
-          <p:cNvPr id="6" name="Espaço Reservado para Número de Slide 5"/>
+            <a:endParaRPr lang="en-US" dirty="0"/>
+          </a:p>
+        </p:txBody>
+      </p:sp>
+      <p:sp>
+        <p:nvSpPr>
+          <p:cNvPr id="6" name="Slide Number Placeholder 5"/>
           <p:cNvSpPr>
             <a:spLocks noGrp="1"/>
           </p:cNvSpPr>
@@ -360,18 +296,18 @@
           <a:bodyPr/>
           <a:lstStyle/>
           <a:p>
-            <a:fld id="{754FE2FE-B55E-4328-8F5C-2CEB8781A47B}" type="slidenum">
-              <a:rPr lang="de-DE" smtClean="0"/>
+            <a:fld id="{48F63A3B-78C7-47BE-AE5E-E10140E04643}" type="slidenum">
+              <a:rPr lang="en-US" dirty="0"/>
               <a:t>‹nº›</a:t>
             </a:fld>
-            <a:endParaRPr lang="de-DE"/>
+            <a:endParaRPr lang="en-US" dirty="0"/>
           </a:p>
         </p:txBody>
       </p:sp>
     </p:spTree>
     <p:extLst>
       <p:ext uri="{BB962C8B-B14F-4D97-AF65-F5344CB8AC3E}">
-        <p14:creationId xmlns:p14="http://schemas.microsoft.com/office/powerpoint/2010/main" val="877683876"/>
+        <p14:creationId xmlns:p14="http://schemas.microsoft.com/office/powerpoint/2010/main" val="3255357716"/>
       </p:ext>
     </p:extLst>
   </p:cSld>
@@ -383,7 +319,7 @@
 
 <file path=ppt/slideLayouts/slideLayout10.xml><?xml version="1.0" encoding="utf-8"?>
 <p:sldLayout xmlns:a="http://schemas.openxmlformats.org/drawingml/2006/main" xmlns:r="http://schemas.openxmlformats.org/officeDocument/2006/relationships" xmlns:p="http://schemas.openxmlformats.org/presentationml/2006/main" type="vertTx" preserve="1">
-  <p:cSld name="Título e texto vertical">
+  <p:cSld name="Title and Vertical Text">
     <p:spTree>
       <p:nvGrpSpPr>
         <p:cNvPr id="1" name=""/>
@@ -400,7 +336,7 @@
       </p:grpSpPr>
       <p:sp>
         <p:nvSpPr>
-          <p:cNvPr id="2" name="Título 1"/>
+          <p:cNvPr id="2" name="Title 1"/>
           <p:cNvSpPr>
             <a:spLocks noGrp="1"/>
           </p:cNvSpPr>
@@ -414,16 +350,15 @@
           <a:lstStyle/>
           <a:p>
             <a:r>
-              <a:rPr lang="pt-BR"/>
-              <a:t>Clique para editar o título mestre</a:t>
-            </a:r>
-            <a:endParaRPr lang="de-DE"/>
-          </a:p>
-        </p:txBody>
-      </p:sp>
-      <p:sp>
-        <p:nvSpPr>
-          <p:cNvPr id="3" name="Espaço Reservado para Texto Vertical 2"/>
+              <a:rPr lang="en-US" dirty="0"/>
+              <a:t>Click to edit Master title style</a:t>
+            </a:r>
+          </a:p>
+        </p:txBody>
+      </p:sp>
+      <p:sp>
+        <p:nvSpPr>
+          <p:cNvPr id="3" name="Vertical Text Placeholder 2"/>
           <p:cNvSpPr>
             <a:spLocks noGrp="1"/>
           </p:cNvSpPr>
@@ -438,44 +373,43 @@
           <a:p>
             <a:pPr lvl="0"/>
             <a:r>
-              <a:rPr lang="pt-BR"/>
-              <a:t>Clique para editar o texto mestre</a:t>
+              <a:rPr lang="en-US" dirty="0"/>
+              <a:t>Click to edit Master text styles</a:t>
             </a:r>
           </a:p>
           <a:p>
             <a:pPr lvl="1"/>
             <a:r>
-              <a:rPr lang="pt-BR"/>
-              <a:t>Segundo nível</a:t>
+              <a:rPr lang="en-US" dirty="0"/>
+              <a:t>Second level</a:t>
             </a:r>
           </a:p>
           <a:p>
             <a:pPr lvl="2"/>
             <a:r>
-              <a:rPr lang="pt-BR"/>
-              <a:t>Terceiro nível</a:t>
+              <a:rPr lang="en-US" dirty="0"/>
+              <a:t>Third level</a:t>
             </a:r>
           </a:p>
           <a:p>
             <a:pPr lvl="3"/>
             <a:r>
-              <a:rPr lang="pt-BR"/>
-              <a:t>Quarto nível</a:t>
+              <a:rPr lang="en-US" dirty="0"/>
+              <a:t>Fourth level</a:t>
             </a:r>
           </a:p>
           <a:p>
             <a:pPr lvl="4"/>
             <a:r>
-              <a:rPr lang="pt-BR"/>
-              <a:t>Quinto nível</a:t>
-            </a:r>
-            <a:endParaRPr lang="de-DE"/>
-          </a:p>
-        </p:txBody>
-      </p:sp>
-      <p:sp>
-        <p:nvSpPr>
-          <p:cNvPr id="4" name="Espaço Reservado para Data 3"/>
+              <a:rPr lang="en-US" dirty="0"/>
+              <a:t>Fifth level</a:t>
+            </a:r>
+          </a:p>
+        </p:txBody>
+      </p:sp>
+      <p:sp>
+        <p:nvSpPr>
+          <p:cNvPr id="4" name="Date Placeholder 3"/>
           <p:cNvSpPr>
             <a:spLocks noGrp="1"/>
           </p:cNvSpPr>
@@ -488,17 +422,17 @@
           <a:bodyPr/>
           <a:lstStyle/>
           <a:p>
-            <a:fld id="{F0E51C7C-CEA3-4CAA-BE4B-344879E7C377}" type="datetimeFigureOut">
-              <a:rPr lang="de-DE" smtClean="0"/>
-              <a:t>30.11.2022</a:t>
+            <a:fld id="{C764DE79-268F-4C1A-8933-263129D2AF90}" type="datetimeFigureOut">
+              <a:rPr lang="en-US" dirty="0"/>
+              <a:t>12/3/2022</a:t>
             </a:fld>
-            <a:endParaRPr lang="de-DE"/>
-          </a:p>
-        </p:txBody>
-      </p:sp>
-      <p:sp>
-        <p:nvSpPr>
-          <p:cNvPr id="5" name="Espaço Reservado para Rodapé 4"/>
+            <a:endParaRPr lang="en-US" dirty="0"/>
+          </a:p>
+        </p:txBody>
+      </p:sp>
+      <p:sp>
+        <p:nvSpPr>
+          <p:cNvPr id="5" name="Footer Placeholder 4"/>
           <p:cNvSpPr>
             <a:spLocks noGrp="1"/>
           </p:cNvSpPr>
@@ -511,13 +445,13 @@
           <a:bodyPr/>
           <a:lstStyle/>
           <a:p>
-            <a:endParaRPr lang="de-DE"/>
-          </a:p>
-        </p:txBody>
-      </p:sp>
-      <p:sp>
-        <p:nvSpPr>
-          <p:cNvPr id="6" name="Espaço Reservado para Número de Slide 5"/>
+            <a:endParaRPr lang="en-US" dirty="0"/>
+          </a:p>
+        </p:txBody>
+      </p:sp>
+      <p:sp>
+        <p:nvSpPr>
+          <p:cNvPr id="6" name="Slide Number Placeholder 5"/>
           <p:cNvSpPr>
             <a:spLocks noGrp="1"/>
           </p:cNvSpPr>
@@ -530,18 +464,18 @@
           <a:bodyPr/>
           <a:lstStyle/>
           <a:p>
-            <a:fld id="{754FE2FE-B55E-4328-8F5C-2CEB8781A47B}" type="slidenum">
-              <a:rPr lang="de-DE" smtClean="0"/>
+            <a:fld id="{48F63A3B-78C7-47BE-AE5E-E10140E04643}" type="slidenum">
+              <a:rPr lang="en-US" dirty="0"/>
               <a:t>‹nº›</a:t>
             </a:fld>
-            <a:endParaRPr lang="de-DE"/>
+            <a:endParaRPr lang="en-US" dirty="0"/>
           </a:p>
         </p:txBody>
       </p:sp>
     </p:spTree>
     <p:extLst>
       <p:ext uri="{BB962C8B-B14F-4D97-AF65-F5344CB8AC3E}">
-        <p14:creationId xmlns:p14="http://schemas.microsoft.com/office/powerpoint/2010/main" val="746588027"/>
+        <p14:creationId xmlns:p14="http://schemas.microsoft.com/office/powerpoint/2010/main" val="4096378985"/>
       </p:ext>
     </p:extLst>
   </p:cSld>
@@ -553,7 +487,7 @@
 
 <file path=ppt/slideLayouts/slideLayout11.xml><?xml version="1.0" encoding="utf-8"?>
 <p:sldLayout xmlns:a="http://schemas.openxmlformats.org/drawingml/2006/main" xmlns:r="http://schemas.openxmlformats.org/officeDocument/2006/relationships" xmlns:p="http://schemas.openxmlformats.org/presentationml/2006/main" type="vertTitleAndTx" preserve="1">
-  <p:cSld name="Título e texto verticais">
+  <p:cSld name="Vertical Title and Text">
     <p:spTree>
       <p:nvGrpSpPr>
         <p:cNvPr id="1" name=""/>
@@ -570,7 +504,7 @@
       </p:grpSpPr>
       <p:sp>
         <p:nvSpPr>
-          <p:cNvPr id="2" name="Título Vertical 1"/>
+          <p:cNvPr id="2" name="Vertical Title 1"/>
           <p:cNvSpPr>
             <a:spLocks noGrp="1"/>
           </p:cNvSpPr>
@@ -589,16 +523,15 @@
           <a:lstStyle/>
           <a:p>
             <a:r>
-              <a:rPr lang="pt-BR"/>
-              <a:t>Clique para editar o título mestre</a:t>
-            </a:r>
-            <a:endParaRPr lang="de-DE"/>
-          </a:p>
-        </p:txBody>
-      </p:sp>
-      <p:sp>
-        <p:nvSpPr>
-          <p:cNvPr id="3" name="Espaço Reservado para Texto Vertical 2"/>
+              <a:rPr lang="en-US" dirty="0"/>
+              <a:t>Click to edit Master title style</a:t>
+            </a:r>
+          </a:p>
+        </p:txBody>
+      </p:sp>
+      <p:sp>
+        <p:nvSpPr>
+          <p:cNvPr id="3" name="Vertical Text Placeholder 2"/>
           <p:cNvSpPr>
             <a:spLocks noGrp="1"/>
           </p:cNvSpPr>
@@ -618,44 +551,43 @@
           <a:p>
             <a:pPr lvl="0"/>
             <a:r>
-              <a:rPr lang="pt-BR"/>
-              <a:t>Clique para editar o texto mestre</a:t>
+              <a:rPr lang="en-US" dirty="0"/>
+              <a:t>Click to edit Master text styles</a:t>
             </a:r>
           </a:p>
           <a:p>
             <a:pPr lvl="1"/>
             <a:r>
-              <a:rPr lang="pt-BR"/>
-              <a:t>Segundo nível</a:t>
+              <a:rPr lang="en-US" dirty="0"/>
+              <a:t>Second level</a:t>
             </a:r>
           </a:p>
           <a:p>
             <a:pPr lvl="2"/>
             <a:r>
-              <a:rPr lang="pt-BR"/>
-              <a:t>Terceiro nível</a:t>
+              <a:rPr lang="en-US" dirty="0"/>
+              <a:t>Third level</a:t>
             </a:r>
           </a:p>
           <a:p>
             <a:pPr lvl="3"/>
             <a:r>
-              <a:rPr lang="pt-BR"/>
-              <a:t>Quarto nível</a:t>
+              <a:rPr lang="en-US" dirty="0"/>
+              <a:t>Fourth level</a:t>
             </a:r>
           </a:p>
           <a:p>
             <a:pPr lvl="4"/>
             <a:r>
-              <a:rPr lang="pt-BR"/>
-              <a:t>Quinto nível</a:t>
-            </a:r>
-            <a:endParaRPr lang="de-DE"/>
-          </a:p>
-        </p:txBody>
-      </p:sp>
-      <p:sp>
-        <p:nvSpPr>
-          <p:cNvPr id="4" name="Espaço Reservado para Data 3"/>
+              <a:rPr lang="en-US" dirty="0"/>
+              <a:t>Fifth level</a:t>
+            </a:r>
+          </a:p>
+        </p:txBody>
+      </p:sp>
+      <p:sp>
+        <p:nvSpPr>
+          <p:cNvPr id="4" name="Date Placeholder 3"/>
           <p:cNvSpPr>
             <a:spLocks noGrp="1"/>
           </p:cNvSpPr>
@@ -668,17 +600,17 @@
           <a:bodyPr/>
           <a:lstStyle/>
           <a:p>
-            <a:fld id="{F0E51C7C-CEA3-4CAA-BE4B-344879E7C377}" type="datetimeFigureOut">
-              <a:rPr lang="de-DE" smtClean="0"/>
-              <a:t>30.11.2022</a:t>
+            <a:fld id="{C764DE79-268F-4C1A-8933-263129D2AF90}" type="datetimeFigureOut">
+              <a:rPr lang="en-US" dirty="0"/>
+              <a:t>12/3/2022</a:t>
             </a:fld>
-            <a:endParaRPr lang="de-DE"/>
-          </a:p>
-        </p:txBody>
-      </p:sp>
-      <p:sp>
-        <p:nvSpPr>
-          <p:cNvPr id="5" name="Espaço Reservado para Rodapé 4"/>
+            <a:endParaRPr lang="en-US" dirty="0"/>
+          </a:p>
+        </p:txBody>
+      </p:sp>
+      <p:sp>
+        <p:nvSpPr>
+          <p:cNvPr id="5" name="Footer Placeholder 4"/>
           <p:cNvSpPr>
             <a:spLocks noGrp="1"/>
           </p:cNvSpPr>
@@ -691,13 +623,13 @@
           <a:bodyPr/>
           <a:lstStyle/>
           <a:p>
-            <a:endParaRPr lang="de-DE"/>
-          </a:p>
-        </p:txBody>
-      </p:sp>
-      <p:sp>
-        <p:nvSpPr>
-          <p:cNvPr id="6" name="Espaço Reservado para Número de Slide 5"/>
+            <a:endParaRPr lang="en-US" dirty="0"/>
+          </a:p>
+        </p:txBody>
+      </p:sp>
+      <p:sp>
+        <p:nvSpPr>
+          <p:cNvPr id="6" name="Slide Number Placeholder 5"/>
           <p:cNvSpPr>
             <a:spLocks noGrp="1"/>
           </p:cNvSpPr>
@@ -710,18 +642,18 @@
           <a:bodyPr/>
           <a:lstStyle/>
           <a:p>
-            <a:fld id="{754FE2FE-B55E-4328-8F5C-2CEB8781A47B}" type="slidenum">
-              <a:rPr lang="de-DE" smtClean="0"/>
+            <a:fld id="{48F63A3B-78C7-47BE-AE5E-E10140E04643}" type="slidenum">
+              <a:rPr lang="en-US" dirty="0"/>
               <a:t>‹nº›</a:t>
             </a:fld>
-            <a:endParaRPr lang="de-DE"/>
+            <a:endParaRPr lang="en-US" dirty="0"/>
           </a:p>
         </p:txBody>
       </p:sp>
     </p:spTree>
     <p:extLst>
       <p:ext uri="{BB962C8B-B14F-4D97-AF65-F5344CB8AC3E}">
-        <p14:creationId xmlns:p14="http://schemas.microsoft.com/office/powerpoint/2010/main" val="1306397509"/>
+        <p14:creationId xmlns:p14="http://schemas.microsoft.com/office/powerpoint/2010/main" val="3001573531"/>
       </p:ext>
     </p:extLst>
   </p:cSld>
@@ -733,7 +665,7 @@
 
 <file path=ppt/slideLayouts/slideLayout2.xml><?xml version="1.0" encoding="utf-8"?>
 <p:sldLayout xmlns:a="http://schemas.openxmlformats.org/drawingml/2006/main" xmlns:r="http://schemas.openxmlformats.org/officeDocument/2006/relationships" xmlns:p="http://schemas.openxmlformats.org/presentationml/2006/main" type="obj" preserve="1">
-  <p:cSld name="Título e conteúdo">
+  <p:cSld name="Title and Content">
     <p:spTree>
       <p:nvGrpSpPr>
         <p:cNvPr id="1" name=""/>
@@ -750,7 +682,7 @@
       </p:grpSpPr>
       <p:sp>
         <p:nvSpPr>
-          <p:cNvPr id="2" name="Título 1"/>
+          <p:cNvPr id="2" name="Title 1"/>
           <p:cNvSpPr>
             <a:spLocks noGrp="1"/>
           </p:cNvSpPr>
@@ -764,16 +696,15 @@
           <a:lstStyle/>
           <a:p>
             <a:r>
-              <a:rPr lang="pt-BR"/>
-              <a:t>Clique para editar o título mestre</a:t>
-            </a:r>
-            <a:endParaRPr lang="de-DE"/>
-          </a:p>
-        </p:txBody>
-      </p:sp>
-      <p:sp>
-        <p:nvSpPr>
-          <p:cNvPr id="3" name="Espaço Reservado para Conteúdo 2"/>
+              <a:rPr lang="en-US" dirty="0"/>
+              <a:t>Click to edit Master title style</a:t>
+            </a:r>
+          </a:p>
+        </p:txBody>
+      </p:sp>
+      <p:sp>
+        <p:nvSpPr>
+          <p:cNvPr id="3" name="Content Placeholder 2"/>
           <p:cNvSpPr>
             <a:spLocks noGrp="1"/>
           </p:cNvSpPr>
@@ -788,44 +719,43 @@
           <a:p>
             <a:pPr lvl="0"/>
             <a:r>
-              <a:rPr lang="pt-BR"/>
-              <a:t>Clique para editar o texto mestre</a:t>
+              <a:rPr lang="en-US" dirty="0"/>
+              <a:t>Click to edit Master text styles</a:t>
             </a:r>
           </a:p>
           <a:p>
             <a:pPr lvl="1"/>
             <a:r>
-              <a:rPr lang="pt-BR"/>
-              <a:t>Segundo nível</a:t>
+              <a:rPr lang="en-US" dirty="0"/>
+              <a:t>Second level</a:t>
             </a:r>
           </a:p>
           <a:p>
             <a:pPr lvl="2"/>
             <a:r>
-              <a:rPr lang="pt-BR"/>
-              <a:t>Terceiro nível</a:t>
+              <a:rPr lang="en-US" dirty="0"/>
+              <a:t>Third level</a:t>
             </a:r>
           </a:p>
           <a:p>
             <a:pPr lvl="3"/>
             <a:r>
-              <a:rPr lang="pt-BR"/>
-              <a:t>Quarto nível</a:t>
+              <a:rPr lang="en-US" dirty="0"/>
+              <a:t>Fourth level</a:t>
             </a:r>
           </a:p>
           <a:p>
             <a:pPr lvl="4"/>
             <a:r>
-              <a:rPr lang="pt-BR"/>
-              <a:t>Quinto nível</a:t>
-            </a:r>
-            <a:endParaRPr lang="de-DE"/>
-          </a:p>
-        </p:txBody>
-      </p:sp>
-      <p:sp>
-        <p:nvSpPr>
-          <p:cNvPr id="4" name="Espaço Reservado para Data 3"/>
+              <a:rPr lang="en-US" dirty="0"/>
+              <a:t>Fifth level</a:t>
+            </a:r>
+          </a:p>
+        </p:txBody>
+      </p:sp>
+      <p:sp>
+        <p:nvSpPr>
+          <p:cNvPr id="4" name="Date Placeholder 3"/>
           <p:cNvSpPr>
             <a:spLocks noGrp="1"/>
           </p:cNvSpPr>
@@ -838,17 +768,17 @@
           <a:bodyPr/>
           <a:lstStyle/>
           <a:p>
-            <a:fld id="{F0E51C7C-CEA3-4CAA-BE4B-344879E7C377}" type="datetimeFigureOut">
-              <a:rPr lang="de-DE" smtClean="0"/>
-              <a:t>30.11.2022</a:t>
+            <a:fld id="{C764DE79-268F-4C1A-8933-263129D2AF90}" type="datetimeFigureOut">
+              <a:rPr lang="en-US" dirty="0"/>
+              <a:t>12/3/2022</a:t>
             </a:fld>
-            <a:endParaRPr lang="de-DE"/>
-          </a:p>
-        </p:txBody>
-      </p:sp>
-      <p:sp>
-        <p:nvSpPr>
-          <p:cNvPr id="5" name="Espaço Reservado para Rodapé 4"/>
+            <a:endParaRPr lang="en-US" dirty="0"/>
+          </a:p>
+        </p:txBody>
+      </p:sp>
+      <p:sp>
+        <p:nvSpPr>
+          <p:cNvPr id="5" name="Footer Placeholder 4"/>
           <p:cNvSpPr>
             <a:spLocks noGrp="1"/>
           </p:cNvSpPr>
@@ -861,13 +791,13 @@
           <a:bodyPr/>
           <a:lstStyle/>
           <a:p>
-            <a:endParaRPr lang="de-DE"/>
-          </a:p>
-        </p:txBody>
-      </p:sp>
-      <p:sp>
-        <p:nvSpPr>
-          <p:cNvPr id="6" name="Espaço Reservado para Número de Slide 5"/>
+            <a:endParaRPr lang="en-US" dirty="0"/>
+          </a:p>
+        </p:txBody>
+      </p:sp>
+      <p:sp>
+        <p:nvSpPr>
+          <p:cNvPr id="6" name="Slide Number Placeholder 5"/>
           <p:cNvSpPr>
             <a:spLocks noGrp="1"/>
           </p:cNvSpPr>
@@ -880,18 +810,18 @@
           <a:bodyPr/>
           <a:lstStyle/>
           <a:p>
-            <a:fld id="{754FE2FE-B55E-4328-8F5C-2CEB8781A47B}" type="slidenum">
-              <a:rPr lang="de-DE" smtClean="0"/>
+            <a:fld id="{48F63A3B-78C7-47BE-AE5E-E10140E04643}" type="slidenum">
+              <a:rPr lang="en-US" dirty="0"/>
               <a:t>‹nº›</a:t>
             </a:fld>
-            <a:endParaRPr lang="de-DE"/>
+            <a:endParaRPr lang="en-US" dirty="0"/>
           </a:p>
         </p:txBody>
       </p:sp>
     </p:spTree>
     <p:extLst>
       <p:ext uri="{BB962C8B-B14F-4D97-AF65-F5344CB8AC3E}">
-        <p14:creationId xmlns:p14="http://schemas.microsoft.com/office/powerpoint/2010/main" val="314005268"/>
+        <p14:creationId xmlns:p14="http://schemas.microsoft.com/office/powerpoint/2010/main" val="2698491310"/>
       </p:ext>
     </p:extLst>
   </p:cSld>
@@ -903,7 +833,7 @@
 
 <file path=ppt/slideLayouts/slideLayout3.xml><?xml version="1.0" encoding="utf-8"?>
 <p:sldLayout xmlns:a="http://schemas.openxmlformats.org/drawingml/2006/main" xmlns:r="http://schemas.openxmlformats.org/officeDocument/2006/relationships" xmlns:p="http://schemas.openxmlformats.org/presentationml/2006/main" type="secHead" preserve="1">
-  <p:cSld name="Cabeçalho da Seção">
+  <p:cSld name="Section Header">
     <p:spTree>
       <p:nvGrpSpPr>
         <p:cNvPr id="1" name=""/>
@@ -920,7 +850,7 @@
       </p:grpSpPr>
       <p:sp>
         <p:nvSpPr>
-          <p:cNvPr id="2" name="Título 1"/>
+          <p:cNvPr id="2" name="Title 1"/>
           <p:cNvSpPr>
             <a:spLocks noGrp="1"/>
           </p:cNvSpPr>
@@ -943,16 +873,15 @@
           </a:lstStyle>
           <a:p>
             <a:r>
-              <a:rPr lang="pt-BR"/>
-              <a:t>Clique para editar o título mestre</a:t>
-            </a:r>
-            <a:endParaRPr lang="de-DE"/>
-          </a:p>
-        </p:txBody>
-      </p:sp>
-      <p:sp>
-        <p:nvSpPr>
-          <p:cNvPr id="3" name="Espaço Reservado para Texto 2"/>
+              <a:rPr lang="en-US" dirty="0"/>
+              <a:t>Click to edit Master title style</a:t>
+            </a:r>
+          </a:p>
+        </p:txBody>
+      </p:sp>
+      <p:sp>
+        <p:nvSpPr>
+          <p:cNvPr id="3" name="Text Placeholder 2"/>
           <p:cNvSpPr>
             <a:spLocks noGrp="1"/>
           </p:cNvSpPr>
@@ -1063,15 +992,15 @@
           <a:p>
             <a:pPr lvl="0"/>
             <a:r>
-              <a:rPr lang="pt-BR"/>
-              <a:t>Clique para editar o texto mestre</a:t>
-            </a:r>
-          </a:p>
-        </p:txBody>
-      </p:sp>
-      <p:sp>
-        <p:nvSpPr>
-          <p:cNvPr id="4" name="Espaço Reservado para Data 3"/>
+              <a:rPr lang="en-US" dirty="0"/>
+              <a:t>Click to edit Master text styles</a:t>
+            </a:r>
+          </a:p>
+        </p:txBody>
+      </p:sp>
+      <p:sp>
+        <p:nvSpPr>
+          <p:cNvPr id="4" name="Date Placeholder 3"/>
           <p:cNvSpPr>
             <a:spLocks noGrp="1"/>
           </p:cNvSpPr>
@@ -1084,17 +1013,17 @@
           <a:bodyPr/>
           <a:lstStyle/>
           <a:p>
-            <a:fld id="{F0E51C7C-CEA3-4CAA-BE4B-344879E7C377}" type="datetimeFigureOut">
-              <a:rPr lang="de-DE" smtClean="0"/>
-              <a:t>30.11.2022</a:t>
+            <a:fld id="{C764DE79-268F-4C1A-8933-263129D2AF90}" type="datetimeFigureOut">
+              <a:rPr lang="en-US" dirty="0"/>
+              <a:t>12/3/2022</a:t>
             </a:fld>
-            <a:endParaRPr lang="de-DE"/>
-          </a:p>
-        </p:txBody>
-      </p:sp>
-      <p:sp>
-        <p:nvSpPr>
-          <p:cNvPr id="5" name="Espaço Reservado para Rodapé 4"/>
+            <a:endParaRPr lang="en-US" dirty="0"/>
+          </a:p>
+        </p:txBody>
+      </p:sp>
+      <p:sp>
+        <p:nvSpPr>
+          <p:cNvPr id="5" name="Footer Placeholder 4"/>
           <p:cNvSpPr>
             <a:spLocks noGrp="1"/>
           </p:cNvSpPr>
@@ -1107,13 +1036,13 @@
           <a:bodyPr/>
           <a:lstStyle/>
           <a:p>
-            <a:endParaRPr lang="de-DE"/>
-          </a:p>
-        </p:txBody>
-      </p:sp>
-      <p:sp>
-        <p:nvSpPr>
-          <p:cNvPr id="6" name="Espaço Reservado para Número de Slide 5"/>
+            <a:endParaRPr lang="en-US" dirty="0"/>
+          </a:p>
+        </p:txBody>
+      </p:sp>
+      <p:sp>
+        <p:nvSpPr>
+          <p:cNvPr id="6" name="Slide Number Placeholder 5"/>
           <p:cNvSpPr>
             <a:spLocks noGrp="1"/>
           </p:cNvSpPr>
@@ -1126,18 +1055,18 @@
           <a:bodyPr/>
           <a:lstStyle/>
           <a:p>
-            <a:fld id="{754FE2FE-B55E-4328-8F5C-2CEB8781A47B}" type="slidenum">
-              <a:rPr lang="de-DE" smtClean="0"/>
+            <a:fld id="{48F63A3B-78C7-47BE-AE5E-E10140E04643}" type="slidenum">
+              <a:rPr lang="en-US" dirty="0"/>
               <a:t>‹nº›</a:t>
             </a:fld>
-            <a:endParaRPr lang="de-DE"/>
+            <a:endParaRPr lang="en-US" dirty="0"/>
           </a:p>
         </p:txBody>
       </p:sp>
     </p:spTree>
     <p:extLst>
       <p:ext uri="{BB962C8B-B14F-4D97-AF65-F5344CB8AC3E}">
-        <p14:creationId xmlns:p14="http://schemas.microsoft.com/office/powerpoint/2010/main" val="3781375764"/>
+        <p14:creationId xmlns:p14="http://schemas.microsoft.com/office/powerpoint/2010/main" val="637942749"/>
       </p:ext>
     </p:extLst>
   </p:cSld>
@@ -1149,7 +1078,7 @@
 
 <file path=ppt/slideLayouts/slideLayout4.xml><?xml version="1.0" encoding="utf-8"?>
 <p:sldLayout xmlns:a="http://schemas.openxmlformats.org/drawingml/2006/main" xmlns:r="http://schemas.openxmlformats.org/officeDocument/2006/relationships" xmlns:p="http://schemas.openxmlformats.org/presentationml/2006/main" type="twoObj" preserve="1">
-  <p:cSld name="Duas Partes de Conteúdo">
+  <p:cSld name="Two Content">
     <p:spTree>
       <p:nvGrpSpPr>
         <p:cNvPr id="1" name=""/>
@@ -1166,7 +1095,7 @@
       </p:grpSpPr>
       <p:sp>
         <p:nvSpPr>
-          <p:cNvPr id="2" name="Título 1"/>
+          <p:cNvPr id="2" name="Title 1"/>
           <p:cNvSpPr>
             <a:spLocks noGrp="1"/>
           </p:cNvSpPr>
@@ -1180,16 +1109,15 @@
           <a:lstStyle/>
           <a:p>
             <a:r>
-              <a:rPr lang="pt-BR"/>
-              <a:t>Clique para editar o título mestre</a:t>
-            </a:r>
-            <a:endParaRPr lang="de-DE"/>
-          </a:p>
-        </p:txBody>
-      </p:sp>
-      <p:sp>
-        <p:nvSpPr>
-          <p:cNvPr id="3" name="Espaço Reservado para Conteúdo 2"/>
+              <a:rPr lang="en-US" dirty="0"/>
+              <a:t>Click to edit Master title style</a:t>
+            </a:r>
+          </a:p>
+        </p:txBody>
+      </p:sp>
+      <p:sp>
+        <p:nvSpPr>
+          <p:cNvPr id="3" name="Content Placeholder 2"/>
           <p:cNvSpPr>
             <a:spLocks noGrp="1"/>
           </p:cNvSpPr>
@@ -1209,44 +1137,43 @@
           <a:p>
             <a:pPr lvl="0"/>
             <a:r>
-              <a:rPr lang="pt-BR"/>
-              <a:t>Clique para editar o texto mestre</a:t>
+              <a:rPr lang="en-US" dirty="0"/>
+              <a:t>Click to edit Master text styles</a:t>
             </a:r>
           </a:p>
           <a:p>
             <a:pPr lvl="1"/>
             <a:r>
-              <a:rPr lang="pt-BR"/>
-              <a:t>Segundo nível</a:t>
+              <a:rPr lang="en-US" dirty="0"/>
+              <a:t>Second level</a:t>
             </a:r>
           </a:p>
           <a:p>
             <a:pPr lvl="2"/>
             <a:r>
-              <a:rPr lang="pt-BR"/>
-              <a:t>Terceiro nível</a:t>
+              <a:rPr lang="en-US" dirty="0"/>
+              <a:t>Third level</a:t>
             </a:r>
           </a:p>
           <a:p>
             <a:pPr lvl="3"/>
             <a:r>
-              <a:rPr lang="pt-BR"/>
-              <a:t>Quarto nível</a:t>
+              <a:rPr lang="en-US" dirty="0"/>
+              <a:t>Fourth level</a:t>
             </a:r>
           </a:p>
           <a:p>
             <a:pPr lvl="4"/>
             <a:r>
-              <a:rPr lang="pt-BR"/>
-              <a:t>Quinto nível</a:t>
-            </a:r>
-            <a:endParaRPr lang="de-DE"/>
-          </a:p>
-        </p:txBody>
-      </p:sp>
-      <p:sp>
-        <p:nvSpPr>
-          <p:cNvPr id="4" name="Espaço Reservado para Conteúdo 3"/>
+              <a:rPr lang="en-US" dirty="0"/>
+              <a:t>Fifth level</a:t>
+            </a:r>
+          </a:p>
+        </p:txBody>
+      </p:sp>
+      <p:sp>
+        <p:nvSpPr>
+          <p:cNvPr id="4" name="Content Placeholder 3"/>
           <p:cNvSpPr>
             <a:spLocks noGrp="1"/>
           </p:cNvSpPr>
@@ -1266,44 +1193,43 @@
           <a:p>
             <a:pPr lvl="0"/>
             <a:r>
-              <a:rPr lang="pt-BR"/>
-              <a:t>Clique para editar o texto mestre</a:t>
+              <a:rPr lang="en-US" dirty="0"/>
+              <a:t>Click to edit Master text styles</a:t>
             </a:r>
           </a:p>
           <a:p>
             <a:pPr lvl="1"/>
             <a:r>
-              <a:rPr lang="pt-BR"/>
-              <a:t>Segundo nível</a:t>
+              <a:rPr lang="en-US" dirty="0"/>
+              <a:t>Second level</a:t>
             </a:r>
           </a:p>
           <a:p>
             <a:pPr lvl="2"/>
             <a:r>
-              <a:rPr lang="pt-BR"/>
-              <a:t>Terceiro nível</a:t>
+              <a:rPr lang="en-US" dirty="0"/>
+              <a:t>Third level</a:t>
             </a:r>
           </a:p>
           <a:p>
             <a:pPr lvl="3"/>
             <a:r>
-              <a:rPr lang="pt-BR"/>
-              <a:t>Quarto nível</a:t>
+              <a:rPr lang="en-US" dirty="0"/>
+              <a:t>Fourth level</a:t>
             </a:r>
           </a:p>
           <a:p>
             <a:pPr lvl="4"/>
             <a:r>
-              <a:rPr lang="pt-BR"/>
-              <a:t>Quinto nível</a:t>
-            </a:r>
-            <a:endParaRPr lang="de-DE"/>
-          </a:p>
-        </p:txBody>
-      </p:sp>
-      <p:sp>
-        <p:nvSpPr>
-          <p:cNvPr id="5" name="Espaço Reservado para Data 4"/>
+              <a:rPr lang="en-US" dirty="0"/>
+              <a:t>Fifth level</a:t>
+            </a:r>
+          </a:p>
+        </p:txBody>
+      </p:sp>
+      <p:sp>
+        <p:nvSpPr>
+          <p:cNvPr id="5" name="Date Placeholder 4"/>
           <p:cNvSpPr>
             <a:spLocks noGrp="1"/>
           </p:cNvSpPr>
@@ -1316,17 +1242,17 @@
           <a:bodyPr/>
           <a:lstStyle/>
           <a:p>
-            <a:fld id="{F0E51C7C-CEA3-4CAA-BE4B-344879E7C377}" type="datetimeFigureOut">
-              <a:rPr lang="de-DE" smtClean="0"/>
-              <a:t>30.11.2022</a:t>
+            <a:fld id="{C764DE79-268F-4C1A-8933-263129D2AF90}" type="datetimeFigureOut">
+              <a:rPr lang="en-US" dirty="0"/>
+              <a:t>12/3/2022</a:t>
             </a:fld>
-            <a:endParaRPr lang="de-DE"/>
-          </a:p>
-        </p:txBody>
-      </p:sp>
-      <p:sp>
-        <p:nvSpPr>
-          <p:cNvPr id="6" name="Espaço Reservado para Rodapé 5"/>
+            <a:endParaRPr lang="en-US" dirty="0"/>
+          </a:p>
+        </p:txBody>
+      </p:sp>
+      <p:sp>
+        <p:nvSpPr>
+          <p:cNvPr id="6" name="Footer Placeholder 5"/>
           <p:cNvSpPr>
             <a:spLocks noGrp="1"/>
           </p:cNvSpPr>
@@ -1339,13 +1265,13 @@
           <a:bodyPr/>
           <a:lstStyle/>
           <a:p>
-            <a:endParaRPr lang="de-DE"/>
-          </a:p>
-        </p:txBody>
-      </p:sp>
-      <p:sp>
-        <p:nvSpPr>
-          <p:cNvPr id="7" name="Espaço Reservado para Número de Slide 6"/>
+            <a:endParaRPr lang="en-US" dirty="0"/>
+          </a:p>
+        </p:txBody>
+      </p:sp>
+      <p:sp>
+        <p:nvSpPr>
+          <p:cNvPr id="7" name="Slide Number Placeholder 6"/>
           <p:cNvSpPr>
             <a:spLocks noGrp="1"/>
           </p:cNvSpPr>
@@ -1358,18 +1284,18 @@
           <a:bodyPr/>
           <a:lstStyle/>
           <a:p>
-            <a:fld id="{754FE2FE-B55E-4328-8F5C-2CEB8781A47B}" type="slidenum">
-              <a:rPr lang="de-DE" smtClean="0"/>
+            <a:fld id="{48F63A3B-78C7-47BE-AE5E-E10140E04643}" type="slidenum">
+              <a:rPr lang="en-US" dirty="0"/>
               <a:t>‹nº›</a:t>
             </a:fld>
-            <a:endParaRPr lang="de-DE"/>
+            <a:endParaRPr lang="en-US" dirty="0"/>
           </a:p>
         </p:txBody>
       </p:sp>
     </p:spTree>
     <p:extLst>
       <p:ext uri="{BB962C8B-B14F-4D97-AF65-F5344CB8AC3E}">
-        <p14:creationId xmlns:p14="http://schemas.microsoft.com/office/powerpoint/2010/main" val="2124613824"/>
+        <p14:creationId xmlns:p14="http://schemas.microsoft.com/office/powerpoint/2010/main" val="3682241658"/>
       </p:ext>
     </p:extLst>
   </p:cSld>
@@ -1381,7 +1307,7 @@
 
 <file path=ppt/slideLayouts/slideLayout5.xml><?xml version="1.0" encoding="utf-8"?>
 <p:sldLayout xmlns:a="http://schemas.openxmlformats.org/drawingml/2006/main" xmlns:r="http://schemas.openxmlformats.org/officeDocument/2006/relationships" xmlns:p="http://schemas.openxmlformats.org/presentationml/2006/main" type="twoTxTwoObj" preserve="1">
-  <p:cSld name="Comparação">
+  <p:cSld name="Comparison">
     <p:spTree>
       <p:nvGrpSpPr>
         <p:cNvPr id="1" name=""/>
@@ -1398,7 +1324,7 @@
       </p:grpSpPr>
       <p:sp>
         <p:nvSpPr>
-          <p:cNvPr id="2" name="Título 1"/>
+          <p:cNvPr id="2" name="Title 1"/>
           <p:cNvSpPr>
             <a:spLocks noGrp="1"/>
           </p:cNvSpPr>
@@ -1417,16 +1343,15 @@
           <a:lstStyle/>
           <a:p>
             <a:r>
-              <a:rPr lang="pt-BR"/>
-              <a:t>Clique para editar o título mestre</a:t>
-            </a:r>
-            <a:endParaRPr lang="de-DE"/>
-          </a:p>
-        </p:txBody>
-      </p:sp>
-      <p:sp>
-        <p:nvSpPr>
-          <p:cNvPr id="3" name="Espaço Reservado para Texto 2"/>
+              <a:rPr lang="en-US" dirty="0"/>
+              <a:t>Click to edit Master title style</a:t>
+            </a:r>
+          </a:p>
+        </p:txBody>
+      </p:sp>
+      <p:sp>
+        <p:nvSpPr>
+          <p:cNvPr id="3" name="Text Placeholder 2"/>
           <p:cNvSpPr>
             <a:spLocks noGrp="1"/>
           </p:cNvSpPr>
@@ -1483,15 +1408,15 @@
           <a:p>
             <a:pPr lvl="0"/>
             <a:r>
-              <a:rPr lang="pt-BR"/>
-              <a:t>Clique para editar o texto mestre</a:t>
-            </a:r>
-          </a:p>
-        </p:txBody>
-      </p:sp>
-      <p:sp>
-        <p:nvSpPr>
-          <p:cNvPr id="4" name="Espaço Reservado para Conteúdo 3"/>
+              <a:rPr lang="en-US" dirty="0"/>
+              <a:t>Click to edit Master text styles</a:t>
+            </a:r>
+          </a:p>
+        </p:txBody>
+      </p:sp>
+      <p:sp>
+        <p:nvSpPr>
+          <p:cNvPr id="4" name="Content Placeholder 3"/>
           <p:cNvSpPr>
             <a:spLocks noGrp="1"/>
           </p:cNvSpPr>
@@ -1511,44 +1436,43 @@
           <a:p>
             <a:pPr lvl="0"/>
             <a:r>
-              <a:rPr lang="pt-BR"/>
-              <a:t>Clique para editar o texto mestre</a:t>
+              <a:rPr lang="en-US" dirty="0"/>
+              <a:t>Click to edit Master text styles</a:t>
             </a:r>
           </a:p>
           <a:p>
             <a:pPr lvl="1"/>
             <a:r>
-              <a:rPr lang="pt-BR"/>
-              <a:t>Segundo nível</a:t>
+              <a:rPr lang="en-US" dirty="0"/>
+              <a:t>Second level</a:t>
             </a:r>
           </a:p>
           <a:p>
             <a:pPr lvl="2"/>
             <a:r>
-              <a:rPr lang="pt-BR"/>
-              <a:t>Terceiro nível</a:t>
+              <a:rPr lang="en-US" dirty="0"/>
+              <a:t>Third level</a:t>
             </a:r>
           </a:p>
           <a:p>
             <a:pPr lvl="3"/>
             <a:r>
-              <a:rPr lang="pt-BR"/>
-              <a:t>Quarto nível</a:t>
+              <a:rPr lang="en-US" dirty="0"/>
+              <a:t>Fourth level</a:t>
             </a:r>
           </a:p>
           <a:p>
             <a:pPr lvl="4"/>
             <a:r>
-              <a:rPr lang="pt-BR"/>
-              <a:t>Quinto nível</a:t>
-            </a:r>
-            <a:endParaRPr lang="de-DE"/>
-          </a:p>
-        </p:txBody>
-      </p:sp>
-      <p:sp>
-        <p:nvSpPr>
-          <p:cNvPr id="5" name="Espaço Reservado para Texto 4"/>
+              <a:rPr lang="en-US" dirty="0"/>
+              <a:t>Fifth level</a:t>
+            </a:r>
+          </a:p>
+        </p:txBody>
+      </p:sp>
+      <p:sp>
+        <p:nvSpPr>
+          <p:cNvPr id="5" name="Text Placeholder 4"/>
           <p:cNvSpPr>
             <a:spLocks noGrp="1"/>
           </p:cNvSpPr>
@@ -1605,15 +1529,15 @@
           <a:p>
             <a:pPr lvl="0"/>
             <a:r>
-              <a:rPr lang="pt-BR"/>
-              <a:t>Clique para editar o texto mestre</a:t>
-            </a:r>
-          </a:p>
-        </p:txBody>
-      </p:sp>
-      <p:sp>
-        <p:nvSpPr>
-          <p:cNvPr id="6" name="Espaço Reservado para Conteúdo 5"/>
+              <a:rPr lang="en-US" dirty="0"/>
+              <a:t>Click to edit Master text styles</a:t>
+            </a:r>
+          </a:p>
+        </p:txBody>
+      </p:sp>
+      <p:sp>
+        <p:nvSpPr>
+          <p:cNvPr id="6" name="Content Placeholder 5"/>
           <p:cNvSpPr>
             <a:spLocks noGrp="1"/>
           </p:cNvSpPr>
@@ -1633,44 +1557,43 @@
           <a:p>
             <a:pPr lvl="0"/>
             <a:r>
-              <a:rPr lang="pt-BR"/>
-              <a:t>Clique para editar o texto mestre</a:t>
+              <a:rPr lang="en-US" dirty="0"/>
+              <a:t>Click to edit Master text styles</a:t>
             </a:r>
           </a:p>
           <a:p>
             <a:pPr lvl="1"/>
             <a:r>
-              <a:rPr lang="pt-BR"/>
-              <a:t>Segundo nível</a:t>
+              <a:rPr lang="en-US" dirty="0"/>
+              <a:t>Second level</a:t>
             </a:r>
           </a:p>
           <a:p>
             <a:pPr lvl="2"/>
             <a:r>
-              <a:rPr lang="pt-BR"/>
-              <a:t>Terceiro nível</a:t>
+              <a:rPr lang="en-US" dirty="0"/>
+              <a:t>Third level</a:t>
             </a:r>
           </a:p>
           <a:p>
             <a:pPr lvl="3"/>
             <a:r>
-              <a:rPr lang="pt-BR"/>
-              <a:t>Quarto nível</a:t>
+              <a:rPr lang="en-US" dirty="0"/>
+              <a:t>Fourth level</a:t>
             </a:r>
           </a:p>
           <a:p>
             <a:pPr lvl="4"/>
             <a:r>
-              <a:rPr lang="pt-BR"/>
-              <a:t>Quinto nível</a:t>
-            </a:r>
-            <a:endParaRPr lang="de-DE"/>
-          </a:p>
-        </p:txBody>
-      </p:sp>
-      <p:sp>
-        <p:nvSpPr>
-          <p:cNvPr id="7" name="Espaço Reservado para Data 6"/>
+              <a:rPr lang="en-US" dirty="0"/>
+              <a:t>Fifth level</a:t>
+            </a:r>
+          </a:p>
+        </p:txBody>
+      </p:sp>
+      <p:sp>
+        <p:nvSpPr>
+          <p:cNvPr id="7" name="Date Placeholder 6"/>
           <p:cNvSpPr>
             <a:spLocks noGrp="1"/>
           </p:cNvSpPr>
@@ -1683,17 +1606,17 @@
           <a:bodyPr/>
           <a:lstStyle/>
           <a:p>
-            <a:fld id="{F0E51C7C-CEA3-4CAA-BE4B-344879E7C377}" type="datetimeFigureOut">
-              <a:rPr lang="de-DE" smtClean="0"/>
-              <a:t>30.11.2022</a:t>
+            <a:fld id="{C764DE79-268F-4C1A-8933-263129D2AF90}" type="datetimeFigureOut">
+              <a:rPr lang="en-US" dirty="0"/>
+              <a:t>12/3/2022</a:t>
             </a:fld>
-            <a:endParaRPr lang="de-DE"/>
-          </a:p>
-        </p:txBody>
-      </p:sp>
-      <p:sp>
-        <p:nvSpPr>
-          <p:cNvPr id="8" name="Espaço Reservado para Rodapé 7"/>
+            <a:endParaRPr lang="en-US" dirty="0"/>
+          </a:p>
+        </p:txBody>
+      </p:sp>
+      <p:sp>
+        <p:nvSpPr>
+          <p:cNvPr id="8" name="Footer Placeholder 7"/>
           <p:cNvSpPr>
             <a:spLocks noGrp="1"/>
           </p:cNvSpPr>
@@ -1706,13 +1629,13 @@
           <a:bodyPr/>
           <a:lstStyle/>
           <a:p>
-            <a:endParaRPr lang="de-DE"/>
-          </a:p>
-        </p:txBody>
-      </p:sp>
-      <p:sp>
-        <p:nvSpPr>
-          <p:cNvPr id="9" name="Espaço Reservado para Número de Slide 8"/>
+            <a:endParaRPr lang="en-US" dirty="0"/>
+          </a:p>
+        </p:txBody>
+      </p:sp>
+      <p:sp>
+        <p:nvSpPr>
+          <p:cNvPr id="9" name="Slide Number Placeholder 8"/>
           <p:cNvSpPr>
             <a:spLocks noGrp="1"/>
           </p:cNvSpPr>
@@ -1725,18 +1648,18 @@
           <a:bodyPr/>
           <a:lstStyle/>
           <a:p>
-            <a:fld id="{754FE2FE-B55E-4328-8F5C-2CEB8781A47B}" type="slidenum">
-              <a:rPr lang="de-DE" smtClean="0"/>
+            <a:fld id="{48F63A3B-78C7-47BE-AE5E-E10140E04643}" type="slidenum">
+              <a:rPr lang="en-US" dirty="0"/>
               <a:t>‹nº›</a:t>
             </a:fld>
-            <a:endParaRPr lang="de-DE"/>
+            <a:endParaRPr lang="en-US" dirty="0"/>
           </a:p>
         </p:txBody>
       </p:sp>
     </p:spTree>
     <p:extLst>
       <p:ext uri="{BB962C8B-B14F-4D97-AF65-F5344CB8AC3E}">
-        <p14:creationId xmlns:p14="http://schemas.microsoft.com/office/powerpoint/2010/main" val="3694421058"/>
+        <p14:creationId xmlns:p14="http://schemas.microsoft.com/office/powerpoint/2010/main" val="164351292"/>
       </p:ext>
     </p:extLst>
   </p:cSld>
@@ -1748,7 +1671,7 @@
 
 <file path=ppt/slideLayouts/slideLayout6.xml><?xml version="1.0" encoding="utf-8"?>
 <p:sldLayout xmlns:a="http://schemas.openxmlformats.org/drawingml/2006/main" xmlns:r="http://schemas.openxmlformats.org/officeDocument/2006/relationships" xmlns:p="http://schemas.openxmlformats.org/presentationml/2006/main" type="titleOnly" preserve="1">
-  <p:cSld name="Somente título">
+  <p:cSld name="Title Only">
     <p:spTree>
       <p:nvGrpSpPr>
         <p:cNvPr id="1" name=""/>
@@ -1765,7 +1688,7 @@
       </p:grpSpPr>
       <p:sp>
         <p:nvSpPr>
-          <p:cNvPr id="2" name="Título 1"/>
+          <p:cNvPr id="2" name="Title 1"/>
           <p:cNvSpPr>
             <a:spLocks noGrp="1"/>
           </p:cNvSpPr>
@@ -1779,16 +1702,15 @@
           <a:lstStyle/>
           <a:p>
             <a:r>
-              <a:rPr lang="pt-BR"/>
-              <a:t>Clique para editar o título mestre</a:t>
-            </a:r>
-            <a:endParaRPr lang="de-DE"/>
-          </a:p>
-        </p:txBody>
-      </p:sp>
-      <p:sp>
-        <p:nvSpPr>
-          <p:cNvPr id="3" name="Espaço Reservado para Data 2"/>
+              <a:rPr lang="en-US" dirty="0"/>
+              <a:t>Click to edit Master title style</a:t>
+            </a:r>
+          </a:p>
+        </p:txBody>
+      </p:sp>
+      <p:sp>
+        <p:nvSpPr>
+          <p:cNvPr id="3" name="Date Placeholder 2"/>
           <p:cNvSpPr>
             <a:spLocks noGrp="1"/>
           </p:cNvSpPr>
@@ -1801,17 +1723,17 @@
           <a:bodyPr/>
           <a:lstStyle/>
           <a:p>
-            <a:fld id="{F0E51C7C-CEA3-4CAA-BE4B-344879E7C377}" type="datetimeFigureOut">
-              <a:rPr lang="de-DE" smtClean="0"/>
-              <a:t>30.11.2022</a:t>
+            <a:fld id="{C764DE79-268F-4C1A-8933-263129D2AF90}" type="datetimeFigureOut">
+              <a:rPr lang="en-US" dirty="0"/>
+              <a:t>12/3/2022</a:t>
             </a:fld>
-            <a:endParaRPr lang="de-DE"/>
-          </a:p>
-        </p:txBody>
-      </p:sp>
-      <p:sp>
-        <p:nvSpPr>
-          <p:cNvPr id="4" name="Espaço Reservado para Rodapé 3"/>
+            <a:endParaRPr lang="en-US" dirty="0"/>
+          </a:p>
+        </p:txBody>
+      </p:sp>
+      <p:sp>
+        <p:nvSpPr>
+          <p:cNvPr id="4" name="Footer Placeholder 3"/>
           <p:cNvSpPr>
             <a:spLocks noGrp="1"/>
           </p:cNvSpPr>
@@ -1824,13 +1746,13 @@
           <a:bodyPr/>
           <a:lstStyle/>
           <a:p>
-            <a:endParaRPr lang="de-DE"/>
-          </a:p>
-        </p:txBody>
-      </p:sp>
-      <p:sp>
-        <p:nvSpPr>
-          <p:cNvPr id="5" name="Espaço Reservado para Número de Slide 4"/>
+            <a:endParaRPr lang="en-US" dirty="0"/>
+          </a:p>
+        </p:txBody>
+      </p:sp>
+      <p:sp>
+        <p:nvSpPr>
+          <p:cNvPr id="5" name="Slide Number Placeholder 4"/>
           <p:cNvSpPr>
             <a:spLocks noGrp="1"/>
           </p:cNvSpPr>
@@ -1843,18 +1765,18 @@
           <a:bodyPr/>
           <a:lstStyle/>
           <a:p>
-            <a:fld id="{754FE2FE-B55E-4328-8F5C-2CEB8781A47B}" type="slidenum">
-              <a:rPr lang="de-DE" smtClean="0"/>
+            <a:fld id="{48F63A3B-78C7-47BE-AE5E-E10140E04643}" type="slidenum">
+              <a:rPr lang="en-US" dirty="0"/>
               <a:t>‹nº›</a:t>
             </a:fld>
-            <a:endParaRPr lang="de-DE"/>
+            <a:endParaRPr lang="en-US" dirty="0"/>
           </a:p>
         </p:txBody>
       </p:sp>
     </p:spTree>
     <p:extLst>
       <p:ext uri="{BB962C8B-B14F-4D97-AF65-F5344CB8AC3E}">
-        <p14:creationId xmlns:p14="http://schemas.microsoft.com/office/powerpoint/2010/main" val="3108533492"/>
+        <p14:creationId xmlns:p14="http://schemas.microsoft.com/office/powerpoint/2010/main" val="2248124653"/>
       </p:ext>
     </p:extLst>
   </p:cSld>
@@ -1866,7 +1788,7 @@
 
 <file path=ppt/slideLayouts/slideLayout7.xml><?xml version="1.0" encoding="utf-8"?>
 <p:sldLayout xmlns:a="http://schemas.openxmlformats.org/drawingml/2006/main" xmlns:r="http://schemas.openxmlformats.org/officeDocument/2006/relationships" xmlns:p="http://schemas.openxmlformats.org/presentationml/2006/main" type="blank" preserve="1">
-  <p:cSld name="Em branco">
+  <p:cSld name="Blank">
     <p:spTree>
       <p:nvGrpSpPr>
         <p:cNvPr id="1" name=""/>
@@ -1883,7 +1805,7 @@
       </p:grpSpPr>
       <p:sp>
         <p:nvSpPr>
-          <p:cNvPr id="2" name="Espaço Reservado para Data 1"/>
+          <p:cNvPr id="2" name="Date Placeholder 1"/>
           <p:cNvSpPr>
             <a:spLocks noGrp="1"/>
           </p:cNvSpPr>
@@ -1896,17 +1818,17 @@
           <a:bodyPr/>
           <a:lstStyle/>
           <a:p>
-            <a:fld id="{F0E51C7C-CEA3-4CAA-BE4B-344879E7C377}" type="datetimeFigureOut">
-              <a:rPr lang="de-DE" smtClean="0"/>
-              <a:t>30.11.2022</a:t>
+            <a:fld id="{C764DE79-268F-4C1A-8933-263129D2AF90}" type="datetimeFigureOut">
+              <a:rPr lang="en-US" dirty="0"/>
+              <a:t>12/3/2022</a:t>
             </a:fld>
-            <a:endParaRPr lang="de-DE"/>
-          </a:p>
-        </p:txBody>
-      </p:sp>
-      <p:sp>
-        <p:nvSpPr>
-          <p:cNvPr id="3" name="Espaço Reservado para Rodapé 2"/>
+            <a:endParaRPr lang="en-US" dirty="0"/>
+          </a:p>
+        </p:txBody>
+      </p:sp>
+      <p:sp>
+        <p:nvSpPr>
+          <p:cNvPr id="3" name="Footer Placeholder 2"/>
           <p:cNvSpPr>
             <a:spLocks noGrp="1"/>
           </p:cNvSpPr>
@@ -1919,13 +1841,13 @@
           <a:bodyPr/>
           <a:lstStyle/>
           <a:p>
-            <a:endParaRPr lang="de-DE"/>
-          </a:p>
-        </p:txBody>
-      </p:sp>
-      <p:sp>
-        <p:nvSpPr>
-          <p:cNvPr id="4" name="Espaço Reservado para Número de Slide 3"/>
+            <a:endParaRPr lang="en-US" dirty="0"/>
+          </a:p>
+        </p:txBody>
+      </p:sp>
+      <p:sp>
+        <p:nvSpPr>
+          <p:cNvPr id="4" name="Slide Number Placeholder 3"/>
           <p:cNvSpPr>
             <a:spLocks noGrp="1"/>
           </p:cNvSpPr>
@@ -1938,18 +1860,18 @@
           <a:bodyPr/>
           <a:lstStyle/>
           <a:p>
-            <a:fld id="{754FE2FE-B55E-4328-8F5C-2CEB8781A47B}" type="slidenum">
-              <a:rPr lang="de-DE" smtClean="0"/>
+            <a:fld id="{48F63A3B-78C7-47BE-AE5E-E10140E04643}" type="slidenum">
+              <a:rPr lang="en-US" dirty="0"/>
               <a:t>‹nº›</a:t>
             </a:fld>
-            <a:endParaRPr lang="de-DE"/>
+            <a:endParaRPr lang="en-US" dirty="0"/>
           </a:p>
         </p:txBody>
       </p:sp>
     </p:spTree>
     <p:extLst>
       <p:ext uri="{BB962C8B-B14F-4D97-AF65-F5344CB8AC3E}">
-        <p14:creationId xmlns:p14="http://schemas.microsoft.com/office/powerpoint/2010/main" val="578281579"/>
+        <p14:creationId xmlns:p14="http://schemas.microsoft.com/office/powerpoint/2010/main" val="891220416"/>
       </p:ext>
     </p:extLst>
   </p:cSld>
@@ -1961,7 +1883,7 @@
 
 <file path=ppt/slideLayouts/slideLayout8.xml><?xml version="1.0" encoding="utf-8"?>
 <p:sldLayout xmlns:a="http://schemas.openxmlformats.org/drawingml/2006/main" xmlns:r="http://schemas.openxmlformats.org/officeDocument/2006/relationships" xmlns:p="http://schemas.openxmlformats.org/presentationml/2006/main" type="objTx" preserve="1">
-  <p:cSld name="Conteúdo com Legenda">
+  <p:cSld name="Content with Caption">
     <p:spTree>
       <p:nvGrpSpPr>
         <p:cNvPr id="1" name=""/>
@@ -1978,7 +1900,7 @@
       </p:grpSpPr>
       <p:sp>
         <p:nvSpPr>
-          <p:cNvPr id="2" name="Título 1"/>
+          <p:cNvPr id="2" name="Title 1"/>
           <p:cNvSpPr>
             <a:spLocks noGrp="1"/>
           </p:cNvSpPr>
@@ -2001,16 +1923,15 @@
           </a:lstStyle>
           <a:p>
             <a:r>
-              <a:rPr lang="pt-BR"/>
-              <a:t>Clique para editar o título mestre</a:t>
-            </a:r>
-            <a:endParaRPr lang="de-DE"/>
-          </a:p>
-        </p:txBody>
-      </p:sp>
-      <p:sp>
-        <p:nvSpPr>
-          <p:cNvPr id="3" name="Espaço Reservado para Conteúdo 2"/>
+              <a:rPr lang="en-US" dirty="0"/>
+              <a:t>Click to edit Master title style</a:t>
+            </a:r>
+          </a:p>
+        </p:txBody>
+      </p:sp>
+      <p:sp>
+        <p:nvSpPr>
+          <p:cNvPr id="3" name="Content Placeholder 2"/>
           <p:cNvSpPr>
             <a:spLocks noGrp="1"/>
           </p:cNvSpPr>
@@ -2058,44 +1979,43 @@
           <a:p>
             <a:pPr lvl="0"/>
             <a:r>
-              <a:rPr lang="pt-BR"/>
-              <a:t>Clique para editar o texto mestre</a:t>
+              <a:rPr lang="en-US" dirty="0"/>
+              <a:t>Click to edit Master text styles</a:t>
             </a:r>
           </a:p>
           <a:p>
             <a:pPr lvl="1"/>
             <a:r>
-              <a:rPr lang="pt-BR"/>
-              <a:t>Segundo nível</a:t>
+              <a:rPr lang="en-US" dirty="0"/>
+              <a:t>Second level</a:t>
             </a:r>
           </a:p>
           <a:p>
             <a:pPr lvl="2"/>
             <a:r>
-              <a:rPr lang="pt-BR"/>
-              <a:t>Terceiro nível</a:t>
+              <a:rPr lang="en-US" dirty="0"/>
+              <a:t>Third level</a:t>
             </a:r>
           </a:p>
           <a:p>
             <a:pPr lvl="3"/>
             <a:r>
-              <a:rPr lang="pt-BR"/>
-              <a:t>Quarto nível</a:t>
+              <a:rPr lang="en-US" dirty="0"/>
+              <a:t>Fourth level</a:t>
             </a:r>
           </a:p>
           <a:p>
             <a:pPr lvl="4"/>
             <a:r>
-              <a:rPr lang="pt-BR"/>
-              <a:t>Quinto nível</a:t>
-            </a:r>
-            <a:endParaRPr lang="de-DE"/>
-          </a:p>
-        </p:txBody>
-      </p:sp>
-      <p:sp>
-        <p:nvSpPr>
-          <p:cNvPr id="4" name="Espaço Reservado para Texto 3"/>
+              <a:rPr lang="en-US" dirty="0"/>
+              <a:t>Fifth level</a:t>
+            </a:r>
+          </a:p>
+        </p:txBody>
+      </p:sp>
+      <p:sp>
+        <p:nvSpPr>
+          <p:cNvPr id="4" name="Text Placeholder 3"/>
           <p:cNvSpPr>
             <a:spLocks noGrp="1"/>
           </p:cNvSpPr>
@@ -2152,15 +2072,15 @@
           <a:p>
             <a:pPr lvl="0"/>
             <a:r>
-              <a:rPr lang="pt-BR"/>
-              <a:t>Clique para editar o texto mestre</a:t>
-            </a:r>
-          </a:p>
-        </p:txBody>
-      </p:sp>
-      <p:sp>
-        <p:nvSpPr>
-          <p:cNvPr id="5" name="Espaço Reservado para Data 4"/>
+              <a:rPr lang="en-US" dirty="0"/>
+              <a:t>Click to edit Master text styles</a:t>
+            </a:r>
+          </a:p>
+        </p:txBody>
+      </p:sp>
+      <p:sp>
+        <p:nvSpPr>
+          <p:cNvPr id="5" name="Date Placeholder 4"/>
           <p:cNvSpPr>
             <a:spLocks noGrp="1"/>
           </p:cNvSpPr>
@@ -2173,17 +2093,17 @@
           <a:bodyPr/>
           <a:lstStyle/>
           <a:p>
-            <a:fld id="{F0E51C7C-CEA3-4CAA-BE4B-344879E7C377}" type="datetimeFigureOut">
-              <a:rPr lang="de-DE" smtClean="0"/>
-              <a:t>30.11.2022</a:t>
+            <a:fld id="{C764DE79-268F-4C1A-8933-263129D2AF90}" type="datetimeFigureOut">
+              <a:rPr lang="en-US" dirty="0"/>
+              <a:t>12/3/2022</a:t>
             </a:fld>
-            <a:endParaRPr lang="de-DE"/>
-          </a:p>
-        </p:txBody>
-      </p:sp>
-      <p:sp>
-        <p:nvSpPr>
-          <p:cNvPr id="6" name="Espaço Reservado para Rodapé 5"/>
+            <a:endParaRPr lang="en-US" dirty="0"/>
+          </a:p>
+        </p:txBody>
+      </p:sp>
+      <p:sp>
+        <p:nvSpPr>
+          <p:cNvPr id="6" name="Footer Placeholder 5"/>
           <p:cNvSpPr>
             <a:spLocks noGrp="1"/>
           </p:cNvSpPr>
@@ -2196,13 +2116,13 @@
           <a:bodyPr/>
           <a:lstStyle/>
           <a:p>
-            <a:endParaRPr lang="de-DE"/>
-          </a:p>
-        </p:txBody>
-      </p:sp>
-      <p:sp>
-        <p:nvSpPr>
-          <p:cNvPr id="7" name="Espaço Reservado para Número de Slide 6"/>
+            <a:endParaRPr lang="en-US" dirty="0"/>
+          </a:p>
+        </p:txBody>
+      </p:sp>
+      <p:sp>
+        <p:nvSpPr>
+          <p:cNvPr id="7" name="Slide Number Placeholder 6"/>
           <p:cNvSpPr>
             <a:spLocks noGrp="1"/>
           </p:cNvSpPr>
@@ -2215,18 +2135,18 @@
           <a:bodyPr/>
           <a:lstStyle/>
           <a:p>
-            <a:fld id="{754FE2FE-B55E-4328-8F5C-2CEB8781A47B}" type="slidenum">
-              <a:rPr lang="de-DE" smtClean="0"/>
+            <a:fld id="{48F63A3B-78C7-47BE-AE5E-E10140E04643}" type="slidenum">
+              <a:rPr lang="en-US" dirty="0"/>
               <a:t>‹nº›</a:t>
             </a:fld>
-            <a:endParaRPr lang="de-DE"/>
+            <a:endParaRPr lang="en-US" dirty="0"/>
           </a:p>
         </p:txBody>
       </p:sp>
     </p:spTree>
     <p:extLst>
       <p:ext uri="{BB962C8B-B14F-4D97-AF65-F5344CB8AC3E}">
-        <p14:creationId xmlns:p14="http://schemas.microsoft.com/office/powerpoint/2010/main" val="2217836567"/>
+        <p14:creationId xmlns:p14="http://schemas.microsoft.com/office/powerpoint/2010/main" val="411617495"/>
       </p:ext>
     </p:extLst>
   </p:cSld>
@@ -2238,7 +2158,7 @@
 
 <file path=ppt/slideLayouts/slideLayout9.xml><?xml version="1.0" encoding="utf-8"?>
 <p:sldLayout xmlns:a="http://schemas.openxmlformats.org/drawingml/2006/main" xmlns:r="http://schemas.openxmlformats.org/officeDocument/2006/relationships" xmlns:p="http://schemas.openxmlformats.org/presentationml/2006/main" type="picTx" preserve="1">
-  <p:cSld name="Imagem com Legenda">
+  <p:cSld name="Picture with Caption">
     <p:spTree>
       <p:nvGrpSpPr>
         <p:cNvPr id="1" name=""/>
@@ -2255,7 +2175,7 @@
       </p:grpSpPr>
       <p:sp>
         <p:nvSpPr>
-          <p:cNvPr id="2" name="Título 1"/>
+          <p:cNvPr id="2" name="Title 1"/>
           <p:cNvSpPr>
             <a:spLocks noGrp="1"/>
           </p:cNvSpPr>
@@ -2278,18 +2198,17 @@
           </a:lstStyle>
           <a:p>
             <a:r>
-              <a:rPr lang="pt-BR"/>
-              <a:t>Clique para editar o título mestre</a:t>
-            </a:r>
-            <a:endParaRPr lang="de-DE"/>
-          </a:p>
-        </p:txBody>
-      </p:sp>
-      <p:sp>
-        <p:nvSpPr>
-          <p:cNvPr id="3" name="Espaço Reservado para Imagem 2"/>
-          <p:cNvSpPr>
-            <a:spLocks noGrp="1"/>
+              <a:rPr lang="en-US" dirty="0"/>
+              <a:t>Click to edit Master title style</a:t>
+            </a:r>
+          </a:p>
+        </p:txBody>
+      </p:sp>
+      <p:sp>
+        <p:nvSpPr>
+          <p:cNvPr id="3" name="Picture Placeholder 2"/>
+          <p:cNvSpPr>
+            <a:spLocks noGrp="1" noChangeAspect="1"/>
           </p:cNvSpPr>
           <p:nvPr>
             <p:ph type="pic" idx="1"/>
@@ -2302,71 +2221,71 @@
           </a:xfrm>
         </p:spPr>
         <p:txBody>
+          <a:bodyPr anchor="t"/>
+          <a:lstStyle>
+            <a:lvl1pPr marL="0" indent="0">
+              <a:buNone/>
+              <a:defRPr sz="3200"/>
+            </a:lvl1pPr>
+            <a:lvl2pPr marL="457200" indent="0">
+              <a:buNone/>
+              <a:defRPr sz="2800"/>
+            </a:lvl2pPr>
+            <a:lvl3pPr marL="914400" indent="0">
+              <a:buNone/>
+              <a:defRPr sz="2400"/>
+            </a:lvl3pPr>
+            <a:lvl4pPr marL="1371600" indent="0">
+              <a:buNone/>
+              <a:defRPr sz="2000"/>
+            </a:lvl4pPr>
+            <a:lvl5pPr marL="1828800" indent="0">
+              <a:buNone/>
+              <a:defRPr sz="2000"/>
+            </a:lvl5pPr>
+            <a:lvl6pPr marL="2286000" indent="0">
+              <a:buNone/>
+              <a:defRPr sz="2000"/>
+            </a:lvl6pPr>
+            <a:lvl7pPr marL="2743200" indent="0">
+              <a:buNone/>
+              <a:defRPr sz="2000"/>
+            </a:lvl7pPr>
+            <a:lvl8pPr marL="3200400" indent="0">
+              <a:buNone/>
+              <a:defRPr sz="2000"/>
+            </a:lvl8pPr>
+            <a:lvl9pPr marL="3657600" indent="0">
+              <a:buNone/>
+              <a:defRPr sz="2000"/>
+            </a:lvl9pPr>
+          </a:lstStyle>
+          <a:p>
+            <a:endParaRPr lang="en-US" dirty="0"/>
+          </a:p>
+        </p:txBody>
+      </p:sp>
+      <p:sp>
+        <p:nvSpPr>
+          <p:cNvPr id="4" name="Text Placeholder 3"/>
+          <p:cNvSpPr>
+            <a:spLocks noGrp="1"/>
+          </p:cNvSpPr>
+          <p:nvPr>
+            <p:ph type="body" sz="half" idx="2"/>
+          </p:nvPr>
+        </p:nvSpPr>
+        <p:spPr>
+          <a:xfrm>
+            <a:off x="839788" y="2057400"/>
+            <a:ext cx="3932237" cy="3811588"/>
+          </a:xfrm>
+        </p:spPr>
+        <p:txBody>
           <a:bodyPr/>
           <a:lstStyle>
             <a:lvl1pPr marL="0" indent="0">
               <a:buNone/>
-              <a:defRPr sz="3200"/>
-            </a:lvl1pPr>
-            <a:lvl2pPr marL="457200" indent="0">
-              <a:buNone/>
-              <a:defRPr sz="2800"/>
-            </a:lvl2pPr>
-            <a:lvl3pPr marL="914400" indent="0">
-              <a:buNone/>
-              <a:defRPr sz="2400"/>
-            </a:lvl3pPr>
-            <a:lvl4pPr marL="1371600" indent="0">
-              <a:buNone/>
-              <a:defRPr sz="2000"/>
-            </a:lvl4pPr>
-            <a:lvl5pPr marL="1828800" indent="0">
-              <a:buNone/>
-              <a:defRPr sz="2000"/>
-            </a:lvl5pPr>
-            <a:lvl6pPr marL="2286000" indent="0">
-              <a:buNone/>
-              <a:defRPr sz="2000"/>
-            </a:lvl6pPr>
-            <a:lvl7pPr marL="2743200" indent="0">
-              <a:buNone/>
-              <a:defRPr sz="2000"/>
-            </a:lvl7pPr>
-            <a:lvl8pPr marL="3200400" indent="0">
-              <a:buNone/>
-              <a:defRPr sz="2000"/>
-            </a:lvl8pPr>
-            <a:lvl9pPr marL="3657600" indent="0">
-              <a:buNone/>
-              <a:defRPr sz="2000"/>
-            </a:lvl9pPr>
-          </a:lstStyle>
-          <a:p>
-            <a:endParaRPr lang="de-DE"/>
-          </a:p>
-        </p:txBody>
-      </p:sp>
-      <p:sp>
-        <p:nvSpPr>
-          <p:cNvPr id="4" name="Espaço Reservado para Texto 3"/>
-          <p:cNvSpPr>
-            <a:spLocks noGrp="1"/>
-          </p:cNvSpPr>
-          <p:nvPr>
-            <p:ph type="body" sz="half" idx="2"/>
-          </p:nvPr>
-        </p:nvSpPr>
-        <p:spPr>
-          <a:xfrm>
-            <a:off x="839788" y="2057400"/>
-            <a:ext cx="3932237" cy="3811588"/>
-          </a:xfrm>
-        </p:spPr>
-        <p:txBody>
-          <a:bodyPr/>
-          <a:lstStyle>
-            <a:lvl1pPr marL="0" indent="0">
-              <a:buNone/>
               <a:defRPr sz="1600"/>
             </a:lvl1pPr>
             <a:lvl2pPr marL="457200" indent="0">
@@ -2405,15 +2324,15 @@
           <a:p>
             <a:pPr lvl="0"/>
             <a:r>
-              <a:rPr lang="pt-BR"/>
-              <a:t>Clique para editar o texto mestre</a:t>
-            </a:r>
-          </a:p>
-        </p:txBody>
-      </p:sp>
-      <p:sp>
-        <p:nvSpPr>
-          <p:cNvPr id="5" name="Espaço Reservado para Data 4"/>
+              <a:rPr lang="en-US" dirty="0"/>
+              <a:t>Click to edit Master text styles</a:t>
+            </a:r>
+          </a:p>
+        </p:txBody>
+      </p:sp>
+      <p:sp>
+        <p:nvSpPr>
+          <p:cNvPr id="5" name="Date Placeholder 4"/>
           <p:cNvSpPr>
             <a:spLocks noGrp="1"/>
           </p:cNvSpPr>
@@ -2426,17 +2345,17 @@
           <a:bodyPr/>
           <a:lstStyle/>
           <a:p>
-            <a:fld id="{F0E51C7C-CEA3-4CAA-BE4B-344879E7C377}" type="datetimeFigureOut">
-              <a:rPr lang="de-DE" smtClean="0"/>
-              <a:t>30.11.2022</a:t>
+            <a:fld id="{C764DE79-268F-4C1A-8933-263129D2AF90}" type="datetimeFigureOut">
+              <a:rPr lang="en-US" dirty="0"/>
+              <a:t>12/3/2022</a:t>
             </a:fld>
-            <a:endParaRPr lang="de-DE"/>
-          </a:p>
-        </p:txBody>
-      </p:sp>
-      <p:sp>
-        <p:nvSpPr>
-          <p:cNvPr id="6" name="Espaço Reservado para Rodapé 5"/>
+            <a:endParaRPr lang="en-US" dirty="0"/>
+          </a:p>
+        </p:txBody>
+      </p:sp>
+      <p:sp>
+        <p:nvSpPr>
+          <p:cNvPr id="6" name="Footer Placeholder 5"/>
           <p:cNvSpPr>
             <a:spLocks noGrp="1"/>
           </p:cNvSpPr>
@@ -2449,13 +2368,13 @@
           <a:bodyPr/>
           <a:lstStyle/>
           <a:p>
-            <a:endParaRPr lang="de-DE"/>
-          </a:p>
-        </p:txBody>
-      </p:sp>
-      <p:sp>
-        <p:nvSpPr>
-          <p:cNvPr id="7" name="Espaço Reservado para Número de Slide 6"/>
+            <a:endParaRPr lang="en-US" dirty="0"/>
+          </a:p>
+        </p:txBody>
+      </p:sp>
+      <p:sp>
+        <p:nvSpPr>
+          <p:cNvPr id="7" name="Slide Number Placeholder 6"/>
           <p:cNvSpPr>
             <a:spLocks noGrp="1"/>
           </p:cNvSpPr>
@@ -2468,18 +2387,18 @@
           <a:bodyPr/>
           <a:lstStyle/>
           <a:p>
-            <a:fld id="{754FE2FE-B55E-4328-8F5C-2CEB8781A47B}" type="slidenum">
-              <a:rPr lang="de-DE" smtClean="0"/>
+            <a:fld id="{48F63A3B-78C7-47BE-AE5E-E10140E04643}" type="slidenum">
+              <a:rPr lang="en-US" dirty="0"/>
               <a:t>‹nº›</a:t>
             </a:fld>
-            <a:endParaRPr lang="de-DE"/>
+            <a:endParaRPr lang="en-US" dirty="0"/>
           </a:p>
         </p:txBody>
       </p:sp>
     </p:spTree>
     <p:extLst>
       <p:ext uri="{BB962C8B-B14F-4D97-AF65-F5344CB8AC3E}">
-        <p14:creationId xmlns:p14="http://schemas.microsoft.com/office/powerpoint/2010/main" val="2245566346"/>
+        <p14:creationId xmlns:p14="http://schemas.microsoft.com/office/powerpoint/2010/main" val="1972807429"/>
       </p:ext>
     </p:extLst>
   </p:cSld>
@@ -2513,7 +2432,7 @@
       </p:grpSpPr>
       <p:sp>
         <p:nvSpPr>
-          <p:cNvPr id="2" name="Espaço Reservado para Título 1"/>
+          <p:cNvPr id="2" name="Title Placeholder 1"/>
           <p:cNvSpPr>
             <a:spLocks noGrp="1"/>
           </p:cNvSpPr>
@@ -2537,16 +2456,15 @@
           <a:lstStyle/>
           <a:p>
             <a:r>
-              <a:rPr lang="pt-BR"/>
-              <a:t>Clique para editar o título mestre</a:t>
-            </a:r>
-            <a:endParaRPr lang="de-DE"/>
-          </a:p>
-        </p:txBody>
-      </p:sp>
-      <p:sp>
-        <p:nvSpPr>
-          <p:cNvPr id="3" name="Espaço Reservado para Texto 2"/>
+              <a:rPr lang="en-US" dirty="0"/>
+              <a:t>Click to edit Master title style</a:t>
+            </a:r>
+          </a:p>
+        </p:txBody>
+      </p:sp>
+      <p:sp>
+        <p:nvSpPr>
+          <p:cNvPr id="3" name="Text Placeholder 2"/>
           <p:cNvSpPr>
             <a:spLocks noGrp="1"/>
           </p:cNvSpPr>
@@ -2571,44 +2489,43 @@
           <a:p>
             <a:pPr lvl="0"/>
             <a:r>
-              <a:rPr lang="pt-BR"/>
-              <a:t>Clique para editar o texto mestre</a:t>
+              <a:rPr lang="en-US" dirty="0"/>
+              <a:t>Click to edit Master text styles</a:t>
             </a:r>
           </a:p>
           <a:p>
             <a:pPr lvl="1"/>
             <a:r>
-              <a:rPr lang="pt-BR"/>
-              <a:t>Segundo nível</a:t>
+              <a:rPr lang="en-US" dirty="0"/>
+              <a:t>Second level</a:t>
             </a:r>
           </a:p>
           <a:p>
             <a:pPr lvl="2"/>
             <a:r>
-              <a:rPr lang="pt-BR"/>
-              <a:t>Terceiro nível</a:t>
+              <a:rPr lang="en-US" dirty="0"/>
+              <a:t>Third level</a:t>
             </a:r>
           </a:p>
           <a:p>
             <a:pPr lvl="3"/>
             <a:r>
-              <a:rPr lang="pt-BR"/>
-              <a:t>Quarto nível</a:t>
+              <a:rPr lang="en-US" dirty="0"/>
+              <a:t>Fourth level</a:t>
             </a:r>
           </a:p>
           <a:p>
             <a:pPr lvl="4"/>
             <a:r>
-              <a:rPr lang="pt-BR"/>
-              <a:t>Quinto nível</a:t>
-            </a:r>
-            <a:endParaRPr lang="de-DE"/>
-          </a:p>
-        </p:txBody>
-      </p:sp>
-      <p:sp>
-        <p:nvSpPr>
-          <p:cNvPr id="4" name="Espaço Reservado para Data 3"/>
+              <a:rPr lang="en-US" dirty="0"/>
+              <a:t>Fifth level</a:t>
+            </a:r>
+          </a:p>
+        </p:txBody>
+      </p:sp>
+      <p:sp>
+        <p:nvSpPr>
+          <p:cNvPr id="4" name="Date Placeholder 3"/>
           <p:cNvSpPr>
             <a:spLocks noGrp="1"/>
           </p:cNvSpPr>
@@ -2639,17 +2556,17 @@
             </a:lvl1pPr>
           </a:lstStyle>
           <a:p>
-            <a:fld id="{F0E51C7C-CEA3-4CAA-BE4B-344879E7C377}" type="datetimeFigureOut">
-              <a:rPr lang="de-DE" smtClean="0"/>
-              <a:t>30.11.2022</a:t>
+            <a:fld id="{C764DE79-268F-4C1A-8933-263129D2AF90}" type="datetimeFigureOut">
+              <a:rPr lang="en-US" dirty="0"/>
+              <a:t>12/3/2022</a:t>
             </a:fld>
-            <a:endParaRPr lang="de-DE"/>
-          </a:p>
-        </p:txBody>
-      </p:sp>
-      <p:sp>
-        <p:nvSpPr>
-          <p:cNvPr id="5" name="Espaço Reservado para Rodapé 4"/>
+            <a:endParaRPr lang="en-US" dirty="0"/>
+          </a:p>
+        </p:txBody>
+      </p:sp>
+      <p:sp>
+        <p:nvSpPr>
+          <p:cNvPr id="5" name="Footer Placeholder 4"/>
           <p:cNvSpPr>
             <a:spLocks noGrp="1"/>
           </p:cNvSpPr>
@@ -2680,13 +2597,13 @@
             </a:lvl1pPr>
           </a:lstStyle>
           <a:p>
-            <a:endParaRPr lang="de-DE"/>
-          </a:p>
-        </p:txBody>
-      </p:sp>
-      <p:sp>
-        <p:nvSpPr>
-          <p:cNvPr id="6" name="Espaço Reservado para Número de Slide 5"/>
+            <a:endParaRPr lang="en-US" dirty="0"/>
+          </a:p>
+        </p:txBody>
+      </p:sp>
+      <p:sp>
+        <p:nvSpPr>
+          <p:cNvPr id="6" name="Slide Number Placeholder 5"/>
           <p:cNvSpPr>
             <a:spLocks noGrp="1"/>
           </p:cNvSpPr>
@@ -2717,34 +2634,34 @@
             </a:lvl1pPr>
           </a:lstStyle>
           <a:p>
-            <a:fld id="{754FE2FE-B55E-4328-8F5C-2CEB8781A47B}" type="slidenum">
-              <a:rPr lang="de-DE" smtClean="0"/>
+            <a:fld id="{48F63A3B-78C7-47BE-AE5E-E10140E04643}" type="slidenum">
+              <a:rPr lang="en-US" dirty="0"/>
               <a:t>‹nº›</a:t>
             </a:fld>
-            <a:endParaRPr lang="de-DE"/>
+            <a:endParaRPr lang="en-US" dirty="0"/>
           </a:p>
         </p:txBody>
       </p:sp>
     </p:spTree>
     <p:extLst>
       <p:ext uri="{BB962C8B-B14F-4D97-AF65-F5344CB8AC3E}">
-        <p14:creationId xmlns:p14="http://schemas.microsoft.com/office/powerpoint/2010/main" val="2675746937"/>
+        <p14:creationId xmlns:p14="http://schemas.microsoft.com/office/powerpoint/2010/main" val="1935814060"/>
       </p:ext>
     </p:extLst>
   </p:cSld>
   <p:clrMap bg1="lt1" tx1="dk1" bg2="lt2" tx2="dk2" accent1="accent1" accent2="accent2" accent3="accent3" accent4="accent4" accent5="accent5" accent6="accent6" hlink="hlink" folHlink="folHlink"/>
   <p:sldLayoutIdLst>
-    <p:sldLayoutId id="2147483649" r:id="rId1"/>
-    <p:sldLayoutId id="2147483650" r:id="rId2"/>
-    <p:sldLayoutId id="2147483651" r:id="rId3"/>
-    <p:sldLayoutId id="2147483652" r:id="rId4"/>
-    <p:sldLayoutId id="2147483653" r:id="rId5"/>
-    <p:sldLayoutId id="2147483654" r:id="rId6"/>
-    <p:sldLayoutId id="2147483655" r:id="rId7"/>
-    <p:sldLayoutId id="2147483656" r:id="rId8"/>
-    <p:sldLayoutId id="2147483657" r:id="rId9"/>
-    <p:sldLayoutId id="2147483658" r:id="rId10"/>
-    <p:sldLayoutId id="2147483659" r:id="rId11"/>
+    <p:sldLayoutId id="2147483685" r:id="rId1"/>
+    <p:sldLayoutId id="2147483686" r:id="rId2"/>
+    <p:sldLayoutId id="2147483687" r:id="rId3"/>
+    <p:sldLayoutId id="2147483688" r:id="rId4"/>
+    <p:sldLayoutId id="2147483689" r:id="rId5"/>
+    <p:sldLayoutId id="2147483690" r:id="rId6"/>
+    <p:sldLayoutId id="2147483691" r:id="rId7"/>
+    <p:sldLayoutId id="2147483692" r:id="rId8"/>
+    <p:sldLayoutId id="2147483693" r:id="rId9"/>
+    <p:sldLayoutId id="2147483694" r:id="rId10"/>
+    <p:sldLayoutId id="2147483695" r:id="rId11"/>
   </p:sldLayoutIdLst>
   <p:txStyles>
     <p:titleStyle>
@@ -2932,7 +2849,7 @@
     </p:bodyStyle>
     <p:otherStyle>
       <a:defPPr>
-        <a:defRPr lang="de-DE"/>
+        <a:defRPr lang="en-US"/>
       </a:defPPr>
       <a:lvl1pPr marL="0" algn="l" defTabSz="914400" rtl="0" eaLnBrk="1" latinLnBrk="0" hangingPunct="1">
         <a:defRPr sz="1800" kern="1200">
@@ -3168,12 +3085,110 @@
           </a:p>
         </p:txBody>
       </p:sp>
-      <p:sp>
-        <p:nvSpPr>
-          <p:cNvPr id="10" name="Freeform 17">
+      <p:pic>
+        <p:nvPicPr>
+          <p:cNvPr id="5" name="Imagem 5">
             <a:extLst>
               <a:ext uri="{FF2B5EF4-FFF2-40B4-BE49-F238E27FC236}">
-                <a16:creationId xmlns:a16="http://schemas.microsoft.com/office/drawing/2014/main" id="{41F18803-BE79-4916-AE6B-5DE238B367F0}"/>
+                <a16:creationId xmlns:a16="http://schemas.microsoft.com/office/drawing/2014/main" id="{4548D243-C1FC-34F6-602B-6A350AD6D279}"/>
+              </a:ext>
+            </a:extLst>
+          </p:cNvPr>
+          <p:cNvPicPr>
+            <a:picLocks noChangeAspect="1"/>
+          </p:cNvPicPr>
+          <p:nvPr/>
+        </p:nvPicPr>
+        <p:blipFill>
+          <a:blip r:embed="rId2"/>
+          <a:stretch>
+            <a:fillRect/>
+          </a:stretch>
+        </p:blipFill>
+        <p:spPr>
+          <a:xfrm>
+            <a:off x="8663110" y="1051013"/>
+            <a:ext cx="3207156" cy="2217120"/>
+          </a:xfrm>
+          <a:prstGeom prst="rect">
+            <a:avLst/>
+          </a:prstGeom>
+        </p:spPr>
+      </p:pic>
+      <p:pic>
+        <p:nvPicPr>
+          <p:cNvPr id="4" name="Imagem 4">
+            <a:extLst>
+              <a:ext uri="{FF2B5EF4-FFF2-40B4-BE49-F238E27FC236}">
+                <a16:creationId xmlns:a16="http://schemas.microsoft.com/office/drawing/2014/main" id="{299AA7BA-00D0-8B94-16D6-DBEA09654EE3}"/>
+              </a:ext>
+            </a:extLst>
+          </p:cNvPr>
+          <p:cNvPicPr>
+            <a:picLocks noChangeAspect="1"/>
+          </p:cNvPicPr>
+          <p:nvPr/>
+        </p:nvPicPr>
+        <p:blipFill>
+          <a:blip r:embed="rId3"/>
+          <a:stretch>
+            <a:fillRect/>
+          </a:stretch>
+        </p:blipFill>
+        <p:spPr>
+          <a:xfrm>
+            <a:off x="7829549" y="4226702"/>
+            <a:ext cx="4040717" cy="1353639"/>
+          </a:xfrm>
+          <a:prstGeom prst="rect">
+            <a:avLst/>
+          </a:prstGeom>
+        </p:spPr>
+      </p:pic>
+    </p:spTree>
+    <p:extLst>
+      <p:ext uri="{BB962C8B-B14F-4D97-AF65-F5344CB8AC3E}">
+        <p14:creationId xmlns:p14="http://schemas.microsoft.com/office/powerpoint/2010/main" val="2210866551"/>
+      </p:ext>
+    </p:extLst>
+  </p:cSld>
+  <p:clrMapOvr>
+    <a:masterClrMapping/>
+  </p:clrMapOvr>
+</p:sld>
+</file>
+
+<file path=ppt/slides/slide2.xml><?xml version="1.0" encoding="utf-8"?>
+<p:sld xmlns:a="http://schemas.openxmlformats.org/drawingml/2006/main" xmlns:r="http://schemas.openxmlformats.org/officeDocument/2006/relationships" xmlns:p="http://schemas.openxmlformats.org/presentationml/2006/main">
+  <p:cSld>
+    <p:bg>
+      <p:bgPr>
+        <a:solidFill>
+          <a:schemeClr val="bg1"/>
+        </a:solidFill>
+        <a:effectLst/>
+      </p:bgPr>
+    </p:bg>
+    <p:spTree>
+      <p:nvGrpSpPr>
+        <p:cNvPr id="1" name=""/>
+        <p:cNvGrpSpPr/>
+        <p:nvPr/>
+      </p:nvGrpSpPr>
+      <p:grpSpPr>
+        <a:xfrm>
+          <a:off x="0" y="0"/>
+          <a:ext cx="0" cy="0"/>
+          <a:chOff x="0" y="0"/>
+          <a:chExt cx="0" cy="0"/>
+        </a:xfrm>
+      </p:grpSpPr>
+      <p:sp>
+        <p:nvSpPr>
+          <p:cNvPr id="39" name="Rectangle 38">
+            <a:extLst>
+              <a:ext uri="{FF2B5EF4-FFF2-40B4-BE49-F238E27FC236}">
+                <a16:creationId xmlns:a16="http://schemas.microsoft.com/office/drawing/2014/main" id="{2B566528-1B12-4246-9431-5C2D7D081168}"/>
               </a:ext>
               <a:ext uri="{C183D7F6-B498-43B3-948B-1728B52AA6E4}">
                 <adec:decorative xmlns:adec="http://schemas.microsoft.com/office/drawing/2017/decorative" val="1"/>
@@ -3194,136 +3209,13 @@
         <p:spPr>
           <a:xfrm>
             <a:off x="0" y="0"/>
-            <a:ext cx="8663110" cy="2130951"/>
-          </a:xfrm>
-          <a:custGeom>
+            <a:ext cx="12192000" cy="6858000"/>
+          </a:xfrm>
+          <a:prstGeom prst="rect">
             <a:avLst/>
-            <a:gdLst>
-              <a:gd name="connsiteX0" fmla="*/ 0 w 8663110"/>
-              <a:gd name="connsiteY0" fmla="*/ 0 h 2130951"/>
-              <a:gd name="connsiteX1" fmla="*/ 819150 w 8663110"/>
-              <a:gd name="connsiteY1" fmla="*/ 0 h 2130951"/>
-              <a:gd name="connsiteX2" fmla="*/ 1028700 w 8663110"/>
-              <a:gd name="connsiteY2" fmla="*/ 0 h 2130951"/>
-              <a:gd name="connsiteX3" fmla="*/ 4187970 w 8663110"/>
-              <a:gd name="connsiteY3" fmla="*/ 0 h 2130951"/>
-              <a:gd name="connsiteX4" fmla="*/ 4400550 w 8663110"/>
-              <a:gd name="connsiteY4" fmla="*/ 0 h 2130951"/>
-              <a:gd name="connsiteX5" fmla="*/ 5262791 w 8663110"/>
-              <a:gd name="connsiteY5" fmla="*/ 0 h 2130951"/>
-              <a:gd name="connsiteX6" fmla="*/ 5262791 w 8663110"/>
-              <a:gd name="connsiteY6" fmla="*/ 478 h 2130951"/>
-              <a:gd name="connsiteX7" fmla="*/ 8663110 w 8663110"/>
-              <a:gd name="connsiteY7" fmla="*/ 478 h 2130951"/>
-              <a:gd name="connsiteX8" fmla="*/ 7676422 w 8663110"/>
-              <a:gd name="connsiteY8" fmla="*/ 2130951 h 2130951"/>
-              <a:gd name="connsiteX9" fmla="*/ 4400550 w 8663110"/>
-              <a:gd name="connsiteY9" fmla="*/ 2130951 h 2130951"/>
-              <a:gd name="connsiteX10" fmla="*/ 4187970 w 8663110"/>
-              <a:gd name="connsiteY10" fmla="*/ 2130951 h 2130951"/>
-              <a:gd name="connsiteX11" fmla="*/ 1028700 w 8663110"/>
-              <a:gd name="connsiteY11" fmla="*/ 2130951 h 2130951"/>
-              <a:gd name="connsiteX12" fmla="*/ 819150 w 8663110"/>
-              <a:gd name="connsiteY12" fmla="*/ 2130951 h 2130951"/>
-              <a:gd name="connsiteX13" fmla="*/ 0 w 8663110"/>
-              <a:gd name="connsiteY13" fmla="*/ 2130951 h 2130951"/>
-            </a:gdLst>
-            <a:ahLst/>
-            <a:cxnLst>
-              <a:cxn ang="0">
-                <a:pos x="connsiteX0" y="connsiteY0"/>
-              </a:cxn>
-              <a:cxn ang="0">
-                <a:pos x="connsiteX1" y="connsiteY1"/>
-              </a:cxn>
-              <a:cxn ang="0">
-                <a:pos x="connsiteX2" y="connsiteY2"/>
-              </a:cxn>
-              <a:cxn ang="0">
-                <a:pos x="connsiteX3" y="connsiteY3"/>
-              </a:cxn>
-              <a:cxn ang="0">
-                <a:pos x="connsiteX4" y="connsiteY4"/>
-              </a:cxn>
-              <a:cxn ang="0">
-                <a:pos x="connsiteX5" y="connsiteY5"/>
-              </a:cxn>
-              <a:cxn ang="0">
-                <a:pos x="connsiteX6" y="connsiteY6"/>
-              </a:cxn>
-              <a:cxn ang="0">
-                <a:pos x="connsiteX7" y="connsiteY7"/>
-              </a:cxn>
-              <a:cxn ang="0">
-                <a:pos x="connsiteX8" y="connsiteY8"/>
-              </a:cxn>
-              <a:cxn ang="0">
-                <a:pos x="connsiteX9" y="connsiteY9"/>
-              </a:cxn>
-              <a:cxn ang="0">
-                <a:pos x="connsiteX10" y="connsiteY10"/>
-              </a:cxn>
-              <a:cxn ang="0">
-                <a:pos x="connsiteX11" y="connsiteY11"/>
-              </a:cxn>
-              <a:cxn ang="0">
-                <a:pos x="connsiteX12" y="connsiteY12"/>
-              </a:cxn>
-              <a:cxn ang="0">
-                <a:pos x="connsiteX13" y="connsiteY13"/>
-              </a:cxn>
-            </a:cxnLst>
-            <a:rect l="l" t="t" r="r" b="b"/>
-            <a:pathLst>
-              <a:path w="8663110" h="2130951">
-                <a:moveTo>
-                  <a:pt x="0" y="0"/>
-                </a:moveTo>
-                <a:lnTo>
-                  <a:pt x="819150" y="0"/>
-                </a:lnTo>
-                <a:lnTo>
-                  <a:pt x="1028700" y="0"/>
-                </a:lnTo>
-                <a:lnTo>
-                  <a:pt x="4187970" y="0"/>
-                </a:lnTo>
-                <a:lnTo>
-                  <a:pt x="4400550" y="0"/>
-                </a:lnTo>
-                <a:lnTo>
-                  <a:pt x="5262791" y="0"/>
-                </a:lnTo>
-                <a:lnTo>
-                  <a:pt x="5262791" y="478"/>
-                </a:lnTo>
-                <a:lnTo>
-                  <a:pt x="8663110" y="478"/>
-                </a:lnTo>
-                <a:lnTo>
-                  <a:pt x="7676422" y="2130951"/>
-                </a:lnTo>
-                <a:lnTo>
-                  <a:pt x="4400550" y="2130951"/>
-                </a:lnTo>
-                <a:lnTo>
-                  <a:pt x="4187970" y="2130951"/>
-                </a:lnTo>
-                <a:lnTo>
-                  <a:pt x="1028700" y="2130951"/>
-                </a:lnTo>
-                <a:lnTo>
-                  <a:pt x="819150" y="2130951"/>
-                </a:lnTo>
-                <a:lnTo>
-                  <a:pt x="0" y="2130951"/>
-                </a:lnTo>
-                <a:close/>
-              </a:path>
-            </a:pathLst>
-          </a:custGeom>
+          </a:prstGeom>
           <a:solidFill>
-            <a:srgbClr val="364D64"/>
+            <a:schemeClr val="bg1"/>
           </a:solidFill>
           <a:ln>
             <a:noFill/>
@@ -3350,46 +3242,160 @@
           <a:lstStyle/>
           <a:p>
             <a:pPr algn="ctr"/>
-            <a:endParaRPr lang="en-US"/>
-          </a:p>
-        </p:txBody>
-      </p:sp>
-      <p:pic>
-        <p:nvPicPr>
-          <p:cNvPr id="5" name="Imagem 5">
+            <a:endParaRPr lang="en-US" dirty="0"/>
+          </a:p>
+        </p:txBody>
+      </p:sp>
+      <p:sp>
+        <p:nvSpPr>
+          <p:cNvPr id="2" name="Título 1">
             <a:extLst>
               <a:ext uri="{FF2B5EF4-FFF2-40B4-BE49-F238E27FC236}">
-                <a16:creationId xmlns:a16="http://schemas.microsoft.com/office/drawing/2014/main" id="{4548D243-C1FC-34F6-602B-6A350AD6D279}"/>
+                <a16:creationId xmlns:a16="http://schemas.microsoft.com/office/drawing/2014/main" id="{46991FFA-5E35-051D-3B8C-8962250E1C9A}"/>
               </a:ext>
             </a:extLst>
           </p:cNvPr>
-          <p:cNvPicPr>
-            <a:picLocks noChangeAspect="1"/>
-          </p:cNvPicPr>
-          <p:nvPr/>
-        </p:nvPicPr>
-        <p:blipFill>
-          <a:blip r:embed="rId2"/>
-          <a:stretch>
-            <a:fillRect/>
-          </a:stretch>
-        </p:blipFill>
+          <p:cNvSpPr>
+            <a:spLocks noGrp="1"/>
+          </p:cNvSpPr>
+          <p:nvPr>
+            <p:ph type="title"/>
+          </p:nvPr>
+        </p:nvSpPr>
         <p:spPr>
           <a:xfrm>
-            <a:off x="8663110" y="1051013"/>
-            <a:ext cx="3207156" cy="2217120"/>
-          </a:xfrm>
-          <a:prstGeom prst="rect">
-            <a:avLst/>
-          </a:prstGeom>
-        </p:spPr>
-      </p:pic>
-      <p:sp>
-        <p:nvSpPr>
-          <p:cNvPr id="12" name="Freeform 18">
+            <a:off x="643467" y="321734"/>
+            <a:ext cx="10905066" cy="1135737"/>
+          </a:xfrm>
+        </p:spPr>
+        <p:txBody>
+          <a:bodyPr>
+            <a:normAutofit/>
+          </a:bodyPr>
+          <a:lstStyle/>
+          <a:p>
+            <a:r>
+              <a:rPr lang="pt-BR" sz="3600" b="1" dirty="0">
+                <a:solidFill>
+                  <a:schemeClr val="accent1">
+                    <a:lumMod val="50000"/>
+                  </a:schemeClr>
+                </a:solidFill>
+                <a:cs typeface="Calibri Light"/>
+              </a:rPr>
+              <a:t>Processos</a:t>
+            </a:r>
+            <a:endParaRPr lang="pt-BR" sz="3600" b="1" dirty="0">
+              <a:solidFill>
+                <a:schemeClr val="accent1">
+                  <a:lumMod val="50000"/>
+                </a:schemeClr>
+              </a:solidFill>
+            </a:endParaRPr>
+          </a:p>
+        </p:txBody>
+      </p:sp>
+      <p:sp>
+        <p:nvSpPr>
+          <p:cNvPr id="3" name="Espaço Reservado para Conteúdo 2">
             <a:extLst>
               <a:ext uri="{FF2B5EF4-FFF2-40B4-BE49-F238E27FC236}">
-                <a16:creationId xmlns:a16="http://schemas.microsoft.com/office/drawing/2014/main" id="{C15229F3-7A2E-4558-98FE-7A5F69409DCE}"/>
+                <a16:creationId xmlns:a16="http://schemas.microsoft.com/office/drawing/2014/main" id="{1F560DD4-1938-249D-D353-6A108002A6DE}"/>
+              </a:ext>
+            </a:extLst>
+          </p:cNvPr>
+          <p:cNvSpPr>
+            <a:spLocks noGrp="1"/>
+          </p:cNvSpPr>
+          <p:nvPr>
+            <p:ph idx="1"/>
+          </p:nvPr>
+        </p:nvSpPr>
+        <p:spPr>
+          <a:xfrm>
+            <a:off x="643467" y="1782981"/>
+            <a:ext cx="10905066" cy="4393982"/>
+          </a:xfrm>
+        </p:spPr>
+        <p:txBody>
+          <a:bodyPr vert="horz" lIns="91440" tIns="45720" rIns="91440" bIns="45720" rtlCol="0" anchor="t">
+            <a:normAutofit/>
+          </a:bodyPr>
+          <a:lstStyle/>
+          <a:p>
+            <a:pPr marL="457200" indent="-457200">
+              <a:buAutoNum type="arabicPeriod"/>
+            </a:pPr>
+            <a:r>
+              <a:rPr lang="pt-BR" sz="2000" dirty="0">
+                <a:cs typeface="Calibri" panose="020F0502020204030204"/>
+              </a:rPr>
+              <a:t>Desenvolver o Plano do Projeto ou Termo de Abertura (Project Charter)</a:t>
+            </a:r>
+          </a:p>
+          <a:p>
+            <a:pPr marL="457200" indent="-457200">
+              <a:buAutoNum type="arabicPeriod"/>
+            </a:pPr>
+            <a:r>
+              <a:rPr lang="pt-BR" sz="2000" dirty="0">
+                <a:cs typeface="Calibri" panose="020F0502020204030204"/>
+              </a:rPr>
+              <a:t>Desenvolver o Plano de Gerenciamento do Projeto.</a:t>
+            </a:r>
+          </a:p>
+          <a:p>
+            <a:pPr marL="457200" indent="-457200">
+              <a:buAutoNum type="arabicPeriod"/>
+            </a:pPr>
+            <a:r>
+              <a:rPr lang="pt-BR" sz="2000" dirty="0">
+                <a:cs typeface="Calibri" panose="020F0502020204030204"/>
+              </a:rPr>
+              <a:t>Orientar e Gerenciar o trabalho no projeto.</a:t>
+            </a:r>
+          </a:p>
+          <a:p>
+            <a:pPr marL="457200" indent="-457200">
+              <a:buAutoNum type="arabicPeriod"/>
+            </a:pPr>
+            <a:r>
+              <a:rPr lang="pt-BR" sz="2000" dirty="0">
+                <a:cs typeface="Calibri" panose="020F0502020204030204"/>
+              </a:rPr>
+              <a:t>Monitorar e Controlar o trabalho no projeto</a:t>
+            </a:r>
+          </a:p>
+          <a:p>
+            <a:pPr marL="457200" indent="-457200">
+              <a:buAutoNum type="arabicPeriod"/>
+            </a:pPr>
+            <a:r>
+              <a:rPr lang="pt-BR" sz="2000" dirty="0">
+                <a:cs typeface="Calibri" panose="020F0502020204030204"/>
+              </a:rPr>
+              <a:t>Manter o controle integrado das mudanças</a:t>
+            </a:r>
+          </a:p>
+          <a:p>
+            <a:pPr marL="457200" indent="-457200">
+              <a:buAutoNum type="arabicPeriod"/>
+            </a:pPr>
+            <a:r>
+              <a:rPr lang="pt-BR" sz="2000" dirty="0">
+                <a:cs typeface="Calibri" panose="020F0502020204030204"/>
+              </a:rPr>
+              <a:t>Fechar uma fase ou o projeto.</a:t>
+            </a:r>
+          </a:p>
+        </p:txBody>
+      </p:sp>
+      <p:sp>
+        <p:nvSpPr>
+          <p:cNvPr id="41" name="Rectangle 40">
+            <a:extLst>
+              <a:ext uri="{FF2B5EF4-FFF2-40B4-BE49-F238E27FC236}">
+                <a16:creationId xmlns:a16="http://schemas.microsoft.com/office/drawing/2014/main" id="{2E80C965-DB6D-4F81-9E9E-B027384D0BD6}"/>
               </a:ext>
               <a:ext uri="{C183D7F6-B498-43B3-948B-1728B52AA6E4}">
                 <adec:decorative xmlns:adec="http://schemas.microsoft.com/office/drawing/2017/decorative" val="1"/>
@@ -3408,98 +3414,17 @@
           </p:nvPr>
         </p:nvSpPr>
         <p:spPr>
-          <a:xfrm>
-            <a:off x="-1" y="4683319"/>
-            <a:ext cx="6516874" cy="2174681"/>
-          </a:xfrm>
-          <a:custGeom>
+          <a:xfrm rot="2700000">
+            <a:off x="11052629" y="2120024"/>
+            <a:ext cx="645368" cy="645368"/>
+          </a:xfrm>
+          <a:prstGeom prst="rect">
             <a:avLst/>
-            <a:gdLst>
-              <a:gd name="connsiteX0" fmla="*/ 0 w 6516874"/>
-              <a:gd name="connsiteY0" fmla="*/ 0 h 2174681"/>
-              <a:gd name="connsiteX1" fmla="*/ 819150 w 6516874"/>
-              <a:gd name="connsiteY1" fmla="*/ 0 h 2174681"/>
-              <a:gd name="connsiteX2" fmla="*/ 1038225 w 6516874"/>
-              <a:gd name="connsiteY2" fmla="*/ 0 h 2174681"/>
-              <a:gd name="connsiteX3" fmla="*/ 6516874 w 6516874"/>
-              <a:gd name="connsiteY3" fmla="*/ 0 h 2174681"/>
-              <a:gd name="connsiteX4" fmla="*/ 5509712 w 6516874"/>
-              <a:gd name="connsiteY4" fmla="*/ 2174681 h 2174681"/>
-              <a:gd name="connsiteX5" fmla="*/ 1038225 w 6516874"/>
-              <a:gd name="connsiteY5" fmla="*/ 2174681 h 2174681"/>
-              <a:gd name="connsiteX6" fmla="*/ 947987 w 6516874"/>
-              <a:gd name="connsiteY6" fmla="*/ 2174681 h 2174681"/>
-              <a:gd name="connsiteX7" fmla="*/ 819150 w 6516874"/>
-              <a:gd name="connsiteY7" fmla="*/ 2174681 h 2174681"/>
-              <a:gd name="connsiteX8" fmla="*/ 0 w 6516874"/>
-              <a:gd name="connsiteY8" fmla="*/ 2174681 h 2174681"/>
-            </a:gdLst>
-            <a:ahLst/>
-            <a:cxnLst>
-              <a:cxn ang="0">
-                <a:pos x="connsiteX0" y="connsiteY0"/>
-              </a:cxn>
-              <a:cxn ang="0">
-                <a:pos x="connsiteX1" y="connsiteY1"/>
-              </a:cxn>
-              <a:cxn ang="0">
-                <a:pos x="connsiteX2" y="connsiteY2"/>
-              </a:cxn>
-              <a:cxn ang="0">
-                <a:pos x="connsiteX3" y="connsiteY3"/>
-              </a:cxn>
-              <a:cxn ang="0">
-                <a:pos x="connsiteX4" y="connsiteY4"/>
-              </a:cxn>
-              <a:cxn ang="0">
-                <a:pos x="connsiteX5" y="connsiteY5"/>
-              </a:cxn>
-              <a:cxn ang="0">
-                <a:pos x="connsiteX6" y="connsiteY6"/>
-              </a:cxn>
-              <a:cxn ang="0">
-                <a:pos x="connsiteX7" y="connsiteY7"/>
-              </a:cxn>
-              <a:cxn ang="0">
-                <a:pos x="connsiteX8" y="connsiteY8"/>
-              </a:cxn>
-            </a:cxnLst>
-            <a:rect l="l" t="t" r="r" b="b"/>
-            <a:pathLst>
-              <a:path w="6516874" h="2174681">
-                <a:moveTo>
-                  <a:pt x="0" y="0"/>
-                </a:moveTo>
-                <a:lnTo>
-                  <a:pt x="819150" y="0"/>
-                </a:lnTo>
-                <a:lnTo>
-                  <a:pt x="1038225" y="0"/>
-                </a:lnTo>
-                <a:lnTo>
-                  <a:pt x="6516874" y="0"/>
-                </a:lnTo>
-                <a:lnTo>
-                  <a:pt x="5509712" y="2174681"/>
-                </a:lnTo>
-                <a:lnTo>
-                  <a:pt x="1038225" y="2174681"/>
-                </a:lnTo>
-                <a:lnTo>
-                  <a:pt x="947987" y="2174681"/>
-                </a:lnTo>
-                <a:lnTo>
-                  <a:pt x="819150" y="2174681"/>
-                </a:lnTo>
-                <a:lnTo>
-                  <a:pt x="0" y="2174681"/>
-                </a:lnTo>
-                <a:close/>
-              </a:path>
-            </a:pathLst>
-          </a:custGeom>
+          </a:prstGeom>
           <a:solidFill>
-            <a:srgbClr val="4A4A4A"/>
+            <a:schemeClr val="accent4">
+              <a:alpha val="30000"/>
+            </a:schemeClr>
           </a:solidFill>
           <a:ln>
             <a:noFill/>
@@ -3522,6 +3447,140 @@
           </a:fontRef>
         </p:style>
         <p:txBody>
+          <a:bodyPr rtlCol="0" anchor="ctr"/>
+          <a:lstStyle/>
+          <a:p>
+            <a:pPr algn="ctr"/>
+            <a:endParaRPr lang="en-US"/>
+          </a:p>
+        </p:txBody>
+      </p:sp>
+      <p:sp>
+        <p:nvSpPr>
+          <p:cNvPr id="43" name="Isosceles Triangle 42">
+            <a:extLst>
+              <a:ext uri="{FF2B5EF4-FFF2-40B4-BE49-F238E27FC236}">
+                <a16:creationId xmlns:a16="http://schemas.microsoft.com/office/drawing/2014/main" id="{A580F890-B085-4E95-96AA-55AEBEC5CE6E}"/>
+              </a:ext>
+              <a:ext uri="{C183D7F6-B498-43B3-948B-1728B52AA6E4}">
+                <adec:decorative xmlns:adec="http://schemas.microsoft.com/office/drawing/2017/decorative" val="1"/>
+              </a:ext>
+            </a:extLst>
+          </p:cNvPr>
+          <p:cNvSpPr>
+            <a:spLocks noGrp="1" noRot="1" noChangeAspect="1" noMove="1" noResize="1" noEditPoints="1" noAdjustHandles="1" noChangeArrowheads="1" noChangeShapeType="1" noTextEdit="1"/>
+          </p:cNvSpPr>
+          <p:nvPr>
+            <p:extLst>
+              <p:ext uri="{386F3935-93C4-4BCD-93E2-E3B085C9AB24}">
+                <p16:designElem xmlns:p16="http://schemas.microsoft.com/office/powerpoint/2015/main" val="1"/>
+              </p:ext>
+            </p:extLst>
+          </p:nvPr>
+        </p:nvSpPr>
+        <p:spPr>
+          <a:xfrm rot="16200000">
+            <a:off x="10289068" y="1343027"/>
+            <a:ext cx="2532832" cy="1273032"/>
+          </a:xfrm>
+          <a:prstGeom prst="triangle">
+            <a:avLst>
+              <a:gd name="adj" fmla="val 50000"/>
+            </a:avLst>
+          </a:prstGeom>
+          <a:solidFill>
+            <a:schemeClr val="accent4">
+              <a:alpha val="30000"/>
+            </a:schemeClr>
+          </a:solidFill>
+          <a:ln>
+            <a:noFill/>
+          </a:ln>
+        </p:spPr>
+        <p:style>
+          <a:lnRef idx="2">
+            <a:schemeClr val="accent1">
+              <a:shade val="50000"/>
+            </a:schemeClr>
+          </a:lnRef>
+          <a:fillRef idx="1">
+            <a:schemeClr val="accent1"/>
+          </a:fillRef>
+          <a:effectRef idx="0">
+            <a:schemeClr val="accent1"/>
+          </a:effectRef>
+          <a:fontRef idx="minor">
+            <a:schemeClr val="lt1"/>
+          </a:fontRef>
+        </p:style>
+        <p:txBody>
+          <a:bodyPr rtlCol="0" anchor="ctr"/>
+          <a:lstStyle/>
+          <a:p>
+            <a:pPr algn="ctr"/>
+            <a:endParaRPr lang="en-US"/>
+          </a:p>
+        </p:txBody>
+      </p:sp>
+      <p:sp>
+        <p:nvSpPr>
+          <p:cNvPr id="45" name="Isosceles Triangle 44">
+            <a:extLst>
+              <a:ext uri="{FF2B5EF4-FFF2-40B4-BE49-F238E27FC236}">
+                <a16:creationId xmlns:a16="http://schemas.microsoft.com/office/drawing/2014/main" id="{D3F51FEB-38FB-4F6C-9F7B-2F2AFAB65463}"/>
+              </a:ext>
+              <a:ext uri="{C183D7F6-B498-43B3-948B-1728B52AA6E4}">
+                <adec:decorative xmlns:adec="http://schemas.microsoft.com/office/drawing/2017/decorative" val="1"/>
+              </a:ext>
+            </a:extLst>
+          </p:cNvPr>
+          <p:cNvSpPr>
+            <a:spLocks noGrp="1" noRot="1" noChangeAspect="1" noMove="1" noResize="1" noEditPoints="1" noAdjustHandles="1" noChangeArrowheads="1" noChangeShapeType="1" noTextEdit="1"/>
+          </p:cNvSpPr>
+          <p:nvPr>
+            <p:extLst>
+              <p:ext uri="{386F3935-93C4-4BCD-93E2-E3B085C9AB24}">
+                <p16:designElem xmlns:p16="http://schemas.microsoft.com/office/powerpoint/2015/main" val="1"/>
+              </p:ext>
+            </p:extLst>
+          </p:nvPr>
+        </p:nvSpPr>
+        <p:spPr>
+          <a:xfrm rot="5400000">
+            <a:off x="-501760" y="5103257"/>
+            <a:ext cx="2017580" cy="1014060"/>
+          </a:xfrm>
+          <a:prstGeom prst="triangle">
+            <a:avLst>
+              <a:gd name="adj" fmla="val 50000"/>
+            </a:avLst>
+          </a:prstGeom>
+          <a:solidFill>
+            <a:schemeClr val="accent1">
+              <a:alpha val="30000"/>
+            </a:schemeClr>
+          </a:solidFill>
+          <a:ln>
+            <a:noFill/>
+          </a:ln>
+        </p:spPr>
+        <p:style>
+          <a:lnRef idx="2">
+            <a:schemeClr val="accent1">
+              <a:shade val="50000"/>
+            </a:schemeClr>
+          </a:lnRef>
+          <a:fillRef idx="1">
+            <a:schemeClr val="accent1"/>
+          </a:fillRef>
+          <a:effectRef idx="0">
+            <a:schemeClr val="accent1"/>
+          </a:effectRef>
+          <a:fontRef idx="minor">
+            <a:schemeClr val="lt1"/>
+          </a:fontRef>
+        </p:style>
+        <p:txBody>
           <a:bodyPr wrap="square" rtlCol="0" anchor="ctr">
             <a:noAutofit/>
           </a:bodyPr>
@@ -3532,40 +3591,2117 @@
           </a:p>
         </p:txBody>
       </p:sp>
-      <p:pic>
-        <p:nvPicPr>
-          <p:cNvPr id="4" name="Imagem 4">
+      <p:sp>
+        <p:nvSpPr>
+          <p:cNvPr id="47" name="Rectangle 46">
             <a:extLst>
               <a:ext uri="{FF2B5EF4-FFF2-40B4-BE49-F238E27FC236}">
-                <a16:creationId xmlns:a16="http://schemas.microsoft.com/office/drawing/2014/main" id="{299AA7BA-00D0-8B94-16D6-DBEA09654EE3}"/>
+                <a16:creationId xmlns:a16="http://schemas.microsoft.com/office/drawing/2014/main" id="{1E547BA6-BAE0-43BB-A7CA-60F69CE252F0}"/>
+              </a:ext>
+              <a:ext uri="{C183D7F6-B498-43B3-948B-1728B52AA6E4}">
+                <adec:decorative xmlns:adec="http://schemas.microsoft.com/office/drawing/2017/decorative" val="1"/>
               </a:ext>
             </a:extLst>
           </p:cNvPr>
-          <p:cNvPicPr>
-            <a:picLocks noChangeAspect="1"/>
-          </p:cNvPicPr>
-          <p:nvPr/>
-        </p:nvPicPr>
-        <p:blipFill>
-          <a:blip r:embed="rId3"/>
-          <a:stretch>
-            <a:fillRect/>
-          </a:stretch>
-        </p:blipFill>
-        <p:spPr>
-          <a:xfrm>
-            <a:off x="7829549" y="4226702"/>
-            <a:ext cx="4040717" cy="1353639"/>
+          <p:cNvSpPr>
+            <a:spLocks noGrp="1" noRot="1" noChangeAspect="1" noMove="1" noResize="1" noEditPoints="1" noAdjustHandles="1" noChangeArrowheads="1" noChangeShapeType="1" noTextEdit="1"/>
+          </p:cNvSpPr>
+          <p:nvPr>
+            <p:extLst>
+              <p:ext uri="{386F3935-93C4-4BCD-93E2-E3B085C9AB24}">
+                <p16:designElem xmlns:p16="http://schemas.microsoft.com/office/powerpoint/2015/main" val="1"/>
+              </p:ext>
+            </p:extLst>
+          </p:nvPr>
+        </p:nvSpPr>
+        <p:spPr>
+          <a:xfrm rot="2700000">
+            <a:off x="427916" y="5728708"/>
+            <a:ext cx="485578" cy="485578"/>
           </a:xfrm>
           <a:prstGeom prst="rect">
             <a:avLst/>
           </a:prstGeom>
-        </p:spPr>
-      </p:pic>
+          <a:solidFill>
+            <a:schemeClr val="accent1">
+              <a:alpha val="30000"/>
+            </a:schemeClr>
+          </a:solidFill>
+          <a:ln>
+            <a:noFill/>
+          </a:ln>
+        </p:spPr>
+        <p:style>
+          <a:lnRef idx="2">
+            <a:schemeClr val="accent1">
+              <a:shade val="50000"/>
+            </a:schemeClr>
+          </a:lnRef>
+          <a:fillRef idx="1">
+            <a:schemeClr val="accent1"/>
+          </a:fillRef>
+          <a:effectRef idx="0">
+            <a:schemeClr val="accent1"/>
+          </a:effectRef>
+          <a:fontRef idx="minor">
+            <a:schemeClr val="lt1"/>
+          </a:fontRef>
+        </p:style>
+        <p:txBody>
+          <a:bodyPr wrap="square" rtlCol="0" anchor="ctr">
+            <a:noAutofit/>
+          </a:bodyPr>
+          <a:lstStyle/>
+          <a:p>
+            <a:pPr algn="ctr"/>
+            <a:endParaRPr lang="en-US"/>
+          </a:p>
+        </p:txBody>
+      </p:sp>
     </p:spTree>
     <p:extLst>
       <p:ext uri="{BB962C8B-B14F-4D97-AF65-F5344CB8AC3E}">
-        <p14:creationId xmlns:p14="http://schemas.microsoft.com/office/powerpoint/2010/main" val="2210866551"/>
+        <p14:creationId xmlns:p14="http://schemas.microsoft.com/office/powerpoint/2010/main" val="269989566"/>
+      </p:ext>
+    </p:extLst>
+  </p:cSld>
+  <p:clrMapOvr>
+    <a:masterClrMapping/>
+  </p:clrMapOvr>
+</p:sld>
+</file>
+
+<file path=ppt/slides/slide3.xml><?xml version="1.0" encoding="utf-8"?>
+<p:sld xmlns:a="http://schemas.openxmlformats.org/drawingml/2006/main" xmlns:r="http://schemas.openxmlformats.org/officeDocument/2006/relationships" xmlns:p="http://schemas.openxmlformats.org/presentationml/2006/main">
+  <p:cSld>
+    <p:bg>
+      <p:bgPr>
+        <a:solidFill>
+          <a:schemeClr val="bg1"/>
+        </a:solidFill>
+        <a:effectLst/>
+      </p:bgPr>
+    </p:bg>
+    <p:spTree>
+      <p:nvGrpSpPr>
+        <p:cNvPr id="1" name=""/>
+        <p:cNvGrpSpPr/>
+        <p:nvPr/>
+      </p:nvGrpSpPr>
+      <p:grpSpPr>
+        <a:xfrm>
+          <a:off x="0" y="0"/>
+          <a:ext cx="0" cy="0"/>
+          <a:chOff x="0" y="0"/>
+          <a:chExt cx="0" cy="0"/>
+        </a:xfrm>
+      </p:grpSpPr>
+      <p:sp>
+        <p:nvSpPr>
+          <p:cNvPr id="39" name="Rectangle 38">
+            <a:extLst>
+              <a:ext uri="{FF2B5EF4-FFF2-40B4-BE49-F238E27FC236}">
+                <a16:creationId xmlns:a16="http://schemas.microsoft.com/office/drawing/2014/main" id="{2B566528-1B12-4246-9431-5C2D7D081168}"/>
+              </a:ext>
+              <a:ext uri="{C183D7F6-B498-43B3-948B-1728B52AA6E4}">
+                <adec:decorative xmlns:adec="http://schemas.microsoft.com/office/drawing/2017/decorative" val="1"/>
+              </a:ext>
+            </a:extLst>
+          </p:cNvPr>
+          <p:cNvSpPr>
+            <a:spLocks noGrp="1" noRot="1" noChangeAspect="1" noMove="1" noResize="1" noEditPoints="1" noAdjustHandles="1" noChangeArrowheads="1" noChangeShapeType="1" noTextEdit="1"/>
+          </p:cNvSpPr>
+          <p:nvPr>
+            <p:extLst>
+              <p:ext uri="{386F3935-93C4-4BCD-93E2-E3B085C9AB24}">
+                <p16:designElem xmlns:p16="http://schemas.microsoft.com/office/powerpoint/2015/main" val="1"/>
+              </p:ext>
+            </p:extLst>
+          </p:nvPr>
+        </p:nvSpPr>
+        <p:spPr>
+          <a:xfrm>
+            <a:off x="0" y="0"/>
+            <a:ext cx="12192000" cy="6858000"/>
+          </a:xfrm>
+          <a:prstGeom prst="rect">
+            <a:avLst/>
+          </a:prstGeom>
+          <a:solidFill>
+            <a:schemeClr val="bg1"/>
+          </a:solidFill>
+          <a:ln>
+            <a:noFill/>
+          </a:ln>
+        </p:spPr>
+        <p:style>
+          <a:lnRef idx="2">
+            <a:schemeClr val="accent1">
+              <a:shade val="50000"/>
+            </a:schemeClr>
+          </a:lnRef>
+          <a:fillRef idx="1">
+            <a:schemeClr val="accent1"/>
+          </a:fillRef>
+          <a:effectRef idx="0">
+            <a:schemeClr val="accent1"/>
+          </a:effectRef>
+          <a:fontRef idx="minor">
+            <a:schemeClr val="lt1"/>
+          </a:fontRef>
+        </p:style>
+        <p:txBody>
+          <a:bodyPr rtlCol="0" anchor="ctr"/>
+          <a:lstStyle/>
+          <a:p>
+            <a:pPr algn="ctr"/>
+            <a:endParaRPr lang="en-US" dirty="0"/>
+          </a:p>
+        </p:txBody>
+      </p:sp>
+      <p:sp>
+        <p:nvSpPr>
+          <p:cNvPr id="2" name="Título 1">
+            <a:extLst>
+              <a:ext uri="{FF2B5EF4-FFF2-40B4-BE49-F238E27FC236}">
+                <a16:creationId xmlns:a16="http://schemas.microsoft.com/office/drawing/2014/main" id="{46991FFA-5E35-051D-3B8C-8962250E1C9A}"/>
+              </a:ext>
+            </a:extLst>
+          </p:cNvPr>
+          <p:cNvSpPr>
+            <a:spLocks noGrp="1"/>
+          </p:cNvSpPr>
+          <p:nvPr>
+            <p:ph type="title"/>
+          </p:nvPr>
+        </p:nvSpPr>
+        <p:spPr>
+          <a:xfrm>
+            <a:off x="643467" y="321734"/>
+            <a:ext cx="10905066" cy="1135737"/>
+          </a:xfrm>
+        </p:spPr>
+        <p:txBody>
+          <a:bodyPr>
+            <a:normAutofit/>
+          </a:bodyPr>
+          <a:lstStyle/>
+          <a:p>
+            <a:r>
+              <a:rPr lang="pt-BR" sz="3600" b="1" dirty="0">
+                <a:ea typeface="+mj-lt"/>
+                <a:cs typeface="+mj-lt"/>
+              </a:rPr>
+              <a:t>Gerenciamento da integração do projeto</a:t>
+            </a:r>
+            <a:endParaRPr lang="pt-BR" dirty="0"/>
+          </a:p>
+        </p:txBody>
+      </p:sp>
+      <p:sp>
+        <p:nvSpPr>
+          <p:cNvPr id="3" name="Espaço Reservado para Conteúdo 2">
+            <a:extLst>
+              <a:ext uri="{FF2B5EF4-FFF2-40B4-BE49-F238E27FC236}">
+                <a16:creationId xmlns:a16="http://schemas.microsoft.com/office/drawing/2014/main" id="{1F560DD4-1938-249D-D353-6A108002A6DE}"/>
+              </a:ext>
+            </a:extLst>
+          </p:cNvPr>
+          <p:cNvSpPr>
+            <a:spLocks noGrp="1"/>
+          </p:cNvSpPr>
+          <p:nvPr>
+            <p:ph idx="1"/>
+          </p:nvPr>
+        </p:nvSpPr>
+        <p:spPr>
+          <a:xfrm>
+            <a:off x="643467" y="1782981"/>
+            <a:ext cx="10905066" cy="4393982"/>
+          </a:xfrm>
+        </p:spPr>
+        <p:txBody>
+          <a:bodyPr vert="horz" lIns="91440" tIns="45720" rIns="91440" bIns="45720" rtlCol="0" anchor="t">
+            <a:normAutofit/>
+          </a:bodyPr>
+          <a:lstStyle/>
+          <a:p>
+            <a:r>
+              <a:rPr lang="pt-BR" sz="2000" dirty="0">
+                <a:ea typeface="+mn-lt"/>
+                <a:cs typeface="+mn-lt"/>
+              </a:rPr>
+              <a:t>A integração, no contexto do gerenciamento de um projeto, consiste em fazer escolhas sobre em que pontos concentrar recursos e esforço e em qualquer dia específico, antecipando e tratando possíveis problemas, antes de se tornarem críticos, coordenando o trabalho visando o bem geral do projeto.</a:t>
+            </a:r>
+            <a:endParaRPr lang="pt-BR" dirty="0">
+              <a:ea typeface="+mn-lt"/>
+              <a:cs typeface="+mn-lt"/>
+            </a:endParaRPr>
+          </a:p>
+          <a:p>
+            <a:r>
+              <a:rPr lang="pt-BR" sz="2000" dirty="0">
+                <a:ea typeface="+mn-lt"/>
+                <a:cs typeface="+mn-lt"/>
+              </a:rPr>
+              <a:t>O esforço de integração também envolve fazer compensações entre </a:t>
+            </a:r>
+            <a:r>
+              <a:rPr lang="pt-BR" sz="2000" dirty="0">
+                <a:solidFill>
+                  <a:srgbClr val="C00000"/>
+                </a:solidFill>
+                <a:ea typeface="+mn-lt"/>
+                <a:cs typeface="+mn-lt"/>
+              </a:rPr>
+              <a:t>objetivos e alternativas conflitantes.</a:t>
+            </a:r>
+          </a:p>
+        </p:txBody>
+      </p:sp>
+      <p:sp>
+        <p:nvSpPr>
+          <p:cNvPr id="41" name="Rectangle 40">
+            <a:extLst>
+              <a:ext uri="{FF2B5EF4-FFF2-40B4-BE49-F238E27FC236}">
+                <a16:creationId xmlns:a16="http://schemas.microsoft.com/office/drawing/2014/main" id="{2E80C965-DB6D-4F81-9E9E-B027384D0BD6}"/>
+              </a:ext>
+              <a:ext uri="{C183D7F6-B498-43B3-948B-1728B52AA6E4}">
+                <adec:decorative xmlns:adec="http://schemas.microsoft.com/office/drawing/2017/decorative" val="1"/>
+              </a:ext>
+            </a:extLst>
+          </p:cNvPr>
+          <p:cNvSpPr>
+            <a:spLocks noGrp="1" noRot="1" noChangeAspect="1" noMove="1" noResize="1" noEditPoints="1" noAdjustHandles="1" noChangeArrowheads="1" noChangeShapeType="1" noTextEdit="1"/>
+          </p:cNvSpPr>
+          <p:nvPr>
+            <p:extLst>
+              <p:ext uri="{386F3935-93C4-4BCD-93E2-E3B085C9AB24}">
+                <p16:designElem xmlns:p16="http://schemas.microsoft.com/office/powerpoint/2015/main" val="1"/>
+              </p:ext>
+            </p:extLst>
+          </p:nvPr>
+        </p:nvSpPr>
+        <p:spPr>
+          <a:xfrm rot="2700000">
+            <a:off x="11052629" y="2120024"/>
+            <a:ext cx="645368" cy="645368"/>
+          </a:xfrm>
+          <a:prstGeom prst="rect">
+            <a:avLst/>
+          </a:prstGeom>
+          <a:solidFill>
+            <a:schemeClr val="accent4">
+              <a:alpha val="30000"/>
+            </a:schemeClr>
+          </a:solidFill>
+          <a:ln>
+            <a:noFill/>
+          </a:ln>
+        </p:spPr>
+        <p:style>
+          <a:lnRef idx="2">
+            <a:schemeClr val="accent1">
+              <a:shade val="50000"/>
+            </a:schemeClr>
+          </a:lnRef>
+          <a:fillRef idx="1">
+            <a:schemeClr val="accent1"/>
+          </a:fillRef>
+          <a:effectRef idx="0">
+            <a:schemeClr val="accent1"/>
+          </a:effectRef>
+          <a:fontRef idx="minor">
+            <a:schemeClr val="lt1"/>
+          </a:fontRef>
+        </p:style>
+        <p:txBody>
+          <a:bodyPr rtlCol="0" anchor="ctr"/>
+          <a:lstStyle/>
+          <a:p>
+            <a:pPr algn="ctr"/>
+            <a:endParaRPr lang="en-US"/>
+          </a:p>
+        </p:txBody>
+      </p:sp>
+      <p:sp>
+        <p:nvSpPr>
+          <p:cNvPr id="43" name="Isosceles Triangle 42">
+            <a:extLst>
+              <a:ext uri="{FF2B5EF4-FFF2-40B4-BE49-F238E27FC236}">
+                <a16:creationId xmlns:a16="http://schemas.microsoft.com/office/drawing/2014/main" id="{A580F890-B085-4E95-96AA-55AEBEC5CE6E}"/>
+              </a:ext>
+              <a:ext uri="{C183D7F6-B498-43B3-948B-1728B52AA6E4}">
+                <adec:decorative xmlns:adec="http://schemas.microsoft.com/office/drawing/2017/decorative" val="1"/>
+              </a:ext>
+            </a:extLst>
+          </p:cNvPr>
+          <p:cNvSpPr>
+            <a:spLocks noGrp="1" noRot="1" noChangeAspect="1" noMove="1" noResize="1" noEditPoints="1" noAdjustHandles="1" noChangeArrowheads="1" noChangeShapeType="1" noTextEdit="1"/>
+          </p:cNvSpPr>
+          <p:nvPr>
+            <p:extLst>
+              <p:ext uri="{386F3935-93C4-4BCD-93E2-E3B085C9AB24}">
+                <p16:designElem xmlns:p16="http://schemas.microsoft.com/office/powerpoint/2015/main" val="1"/>
+              </p:ext>
+            </p:extLst>
+          </p:nvPr>
+        </p:nvSpPr>
+        <p:spPr>
+          <a:xfrm rot="16200000">
+            <a:off x="10289068" y="1343027"/>
+            <a:ext cx="2532832" cy="1273032"/>
+          </a:xfrm>
+          <a:prstGeom prst="triangle">
+            <a:avLst>
+              <a:gd name="adj" fmla="val 50000"/>
+            </a:avLst>
+          </a:prstGeom>
+          <a:solidFill>
+            <a:schemeClr val="accent4">
+              <a:alpha val="30000"/>
+            </a:schemeClr>
+          </a:solidFill>
+          <a:ln>
+            <a:noFill/>
+          </a:ln>
+        </p:spPr>
+        <p:style>
+          <a:lnRef idx="2">
+            <a:schemeClr val="accent1">
+              <a:shade val="50000"/>
+            </a:schemeClr>
+          </a:lnRef>
+          <a:fillRef idx="1">
+            <a:schemeClr val="accent1"/>
+          </a:fillRef>
+          <a:effectRef idx="0">
+            <a:schemeClr val="accent1"/>
+          </a:effectRef>
+          <a:fontRef idx="minor">
+            <a:schemeClr val="lt1"/>
+          </a:fontRef>
+        </p:style>
+        <p:txBody>
+          <a:bodyPr rtlCol="0" anchor="ctr"/>
+          <a:lstStyle/>
+          <a:p>
+            <a:pPr algn="ctr"/>
+            <a:endParaRPr lang="en-US"/>
+          </a:p>
+        </p:txBody>
+      </p:sp>
+      <p:sp>
+        <p:nvSpPr>
+          <p:cNvPr id="45" name="Isosceles Triangle 44">
+            <a:extLst>
+              <a:ext uri="{FF2B5EF4-FFF2-40B4-BE49-F238E27FC236}">
+                <a16:creationId xmlns:a16="http://schemas.microsoft.com/office/drawing/2014/main" id="{D3F51FEB-38FB-4F6C-9F7B-2F2AFAB65463}"/>
+              </a:ext>
+              <a:ext uri="{C183D7F6-B498-43B3-948B-1728B52AA6E4}">
+                <adec:decorative xmlns:adec="http://schemas.microsoft.com/office/drawing/2017/decorative" val="1"/>
+              </a:ext>
+            </a:extLst>
+          </p:cNvPr>
+          <p:cNvSpPr>
+            <a:spLocks noGrp="1" noRot="1" noChangeAspect="1" noMove="1" noResize="1" noEditPoints="1" noAdjustHandles="1" noChangeArrowheads="1" noChangeShapeType="1" noTextEdit="1"/>
+          </p:cNvSpPr>
+          <p:nvPr>
+            <p:extLst>
+              <p:ext uri="{386F3935-93C4-4BCD-93E2-E3B085C9AB24}">
+                <p16:designElem xmlns:p16="http://schemas.microsoft.com/office/powerpoint/2015/main" val="1"/>
+              </p:ext>
+            </p:extLst>
+          </p:nvPr>
+        </p:nvSpPr>
+        <p:spPr>
+          <a:xfrm rot="5400000">
+            <a:off x="-501760" y="5103257"/>
+            <a:ext cx="2017580" cy="1014060"/>
+          </a:xfrm>
+          <a:prstGeom prst="triangle">
+            <a:avLst>
+              <a:gd name="adj" fmla="val 50000"/>
+            </a:avLst>
+          </a:prstGeom>
+          <a:solidFill>
+            <a:schemeClr val="accent1">
+              <a:alpha val="30000"/>
+            </a:schemeClr>
+          </a:solidFill>
+          <a:ln>
+            <a:noFill/>
+          </a:ln>
+        </p:spPr>
+        <p:style>
+          <a:lnRef idx="2">
+            <a:schemeClr val="accent1">
+              <a:shade val="50000"/>
+            </a:schemeClr>
+          </a:lnRef>
+          <a:fillRef idx="1">
+            <a:schemeClr val="accent1"/>
+          </a:fillRef>
+          <a:effectRef idx="0">
+            <a:schemeClr val="accent1"/>
+          </a:effectRef>
+          <a:fontRef idx="minor">
+            <a:schemeClr val="lt1"/>
+          </a:fontRef>
+        </p:style>
+        <p:txBody>
+          <a:bodyPr wrap="square" rtlCol="0" anchor="ctr">
+            <a:noAutofit/>
+          </a:bodyPr>
+          <a:lstStyle/>
+          <a:p>
+            <a:pPr algn="ctr"/>
+            <a:endParaRPr lang="en-US"/>
+          </a:p>
+        </p:txBody>
+      </p:sp>
+      <p:sp>
+        <p:nvSpPr>
+          <p:cNvPr id="47" name="Rectangle 46">
+            <a:extLst>
+              <a:ext uri="{FF2B5EF4-FFF2-40B4-BE49-F238E27FC236}">
+                <a16:creationId xmlns:a16="http://schemas.microsoft.com/office/drawing/2014/main" id="{1E547BA6-BAE0-43BB-A7CA-60F69CE252F0}"/>
+              </a:ext>
+              <a:ext uri="{C183D7F6-B498-43B3-948B-1728B52AA6E4}">
+                <adec:decorative xmlns:adec="http://schemas.microsoft.com/office/drawing/2017/decorative" val="1"/>
+              </a:ext>
+            </a:extLst>
+          </p:cNvPr>
+          <p:cNvSpPr>
+            <a:spLocks noGrp="1" noRot="1" noChangeAspect="1" noMove="1" noResize="1" noEditPoints="1" noAdjustHandles="1" noChangeArrowheads="1" noChangeShapeType="1" noTextEdit="1"/>
+          </p:cNvSpPr>
+          <p:nvPr>
+            <p:extLst>
+              <p:ext uri="{386F3935-93C4-4BCD-93E2-E3B085C9AB24}">
+                <p16:designElem xmlns:p16="http://schemas.microsoft.com/office/powerpoint/2015/main" val="1"/>
+              </p:ext>
+            </p:extLst>
+          </p:nvPr>
+        </p:nvSpPr>
+        <p:spPr>
+          <a:xfrm rot="2700000">
+            <a:off x="427916" y="5728708"/>
+            <a:ext cx="485578" cy="485578"/>
+          </a:xfrm>
+          <a:prstGeom prst="rect">
+            <a:avLst/>
+          </a:prstGeom>
+          <a:solidFill>
+            <a:schemeClr val="accent1">
+              <a:alpha val="30000"/>
+            </a:schemeClr>
+          </a:solidFill>
+          <a:ln>
+            <a:noFill/>
+          </a:ln>
+        </p:spPr>
+        <p:style>
+          <a:lnRef idx="2">
+            <a:schemeClr val="accent1">
+              <a:shade val="50000"/>
+            </a:schemeClr>
+          </a:lnRef>
+          <a:fillRef idx="1">
+            <a:schemeClr val="accent1"/>
+          </a:fillRef>
+          <a:effectRef idx="0">
+            <a:schemeClr val="accent1"/>
+          </a:effectRef>
+          <a:fontRef idx="minor">
+            <a:schemeClr val="lt1"/>
+          </a:fontRef>
+        </p:style>
+        <p:txBody>
+          <a:bodyPr wrap="square" rtlCol="0" anchor="ctr">
+            <a:noAutofit/>
+          </a:bodyPr>
+          <a:lstStyle/>
+          <a:p>
+            <a:pPr algn="ctr"/>
+            <a:endParaRPr lang="en-US"/>
+          </a:p>
+        </p:txBody>
+      </p:sp>
+    </p:spTree>
+    <p:extLst>
+      <p:ext uri="{BB962C8B-B14F-4D97-AF65-F5344CB8AC3E}">
+        <p14:creationId xmlns:p14="http://schemas.microsoft.com/office/powerpoint/2010/main" val="2163148118"/>
+      </p:ext>
+    </p:extLst>
+  </p:cSld>
+  <p:clrMapOvr>
+    <a:masterClrMapping/>
+  </p:clrMapOvr>
+</p:sld>
+</file>
+
+<file path=ppt/slides/slide4.xml><?xml version="1.0" encoding="utf-8"?>
+<p:sld xmlns:a="http://schemas.openxmlformats.org/drawingml/2006/main" xmlns:r="http://schemas.openxmlformats.org/officeDocument/2006/relationships" xmlns:p="http://schemas.openxmlformats.org/presentationml/2006/main">
+  <p:cSld>
+    <p:bg>
+      <p:bgPr>
+        <a:solidFill>
+          <a:schemeClr val="bg1"/>
+        </a:solidFill>
+        <a:effectLst/>
+      </p:bgPr>
+    </p:bg>
+    <p:spTree>
+      <p:nvGrpSpPr>
+        <p:cNvPr id="1" name=""/>
+        <p:cNvGrpSpPr/>
+        <p:nvPr/>
+      </p:nvGrpSpPr>
+      <p:grpSpPr>
+        <a:xfrm>
+          <a:off x="0" y="0"/>
+          <a:ext cx="0" cy="0"/>
+          <a:chOff x="0" y="0"/>
+          <a:chExt cx="0" cy="0"/>
+        </a:xfrm>
+      </p:grpSpPr>
+      <p:sp>
+        <p:nvSpPr>
+          <p:cNvPr id="39" name="Rectangle 38">
+            <a:extLst>
+              <a:ext uri="{FF2B5EF4-FFF2-40B4-BE49-F238E27FC236}">
+                <a16:creationId xmlns:a16="http://schemas.microsoft.com/office/drawing/2014/main" id="{2B566528-1B12-4246-9431-5C2D7D081168}"/>
+              </a:ext>
+              <a:ext uri="{C183D7F6-B498-43B3-948B-1728B52AA6E4}">
+                <adec:decorative xmlns:adec="http://schemas.microsoft.com/office/drawing/2017/decorative" val="1"/>
+              </a:ext>
+            </a:extLst>
+          </p:cNvPr>
+          <p:cNvSpPr>
+            <a:spLocks noGrp="1" noRot="1" noChangeAspect="1" noMove="1" noResize="1" noEditPoints="1" noAdjustHandles="1" noChangeArrowheads="1" noChangeShapeType="1" noTextEdit="1"/>
+          </p:cNvSpPr>
+          <p:nvPr>
+            <p:extLst>
+              <p:ext uri="{386F3935-93C4-4BCD-93E2-E3B085C9AB24}">
+                <p16:designElem xmlns:p16="http://schemas.microsoft.com/office/powerpoint/2015/main" val="1"/>
+              </p:ext>
+            </p:extLst>
+          </p:nvPr>
+        </p:nvSpPr>
+        <p:spPr>
+          <a:xfrm>
+            <a:off x="0" y="0"/>
+            <a:ext cx="12192000" cy="6858000"/>
+          </a:xfrm>
+          <a:prstGeom prst="rect">
+            <a:avLst/>
+          </a:prstGeom>
+          <a:solidFill>
+            <a:schemeClr val="bg1"/>
+          </a:solidFill>
+          <a:ln>
+            <a:noFill/>
+          </a:ln>
+        </p:spPr>
+        <p:style>
+          <a:lnRef idx="2">
+            <a:schemeClr val="accent1">
+              <a:shade val="50000"/>
+            </a:schemeClr>
+          </a:lnRef>
+          <a:fillRef idx="1">
+            <a:schemeClr val="accent1"/>
+          </a:fillRef>
+          <a:effectRef idx="0">
+            <a:schemeClr val="accent1"/>
+          </a:effectRef>
+          <a:fontRef idx="minor">
+            <a:schemeClr val="lt1"/>
+          </a:fontRef>
+        </p:style>
+        <p:txBody>
+          <a:bodyPr rtlCol="0" anchor="ctr"/>
+          <a:lstStyle/>
+          <a:p>
+            <a:pPr algn="ctr"/>
+            <a:endParaRPr lang="en-US" dirty="0"/>
+          </a:p>
+        </p:txBody>
+      </p:sp>
+      <p:sp>
+        <p:nvSpPr>
+          <p:cNvPr id="2" name="Título 1">
+            <a:extLst>
+              <a:ext uri="{FF2B5EF4-FFF2-40B4-BE49-F238E27FC236}">
+                <a16:creationId xmlns:a16="http://schemas.microsoft.com/office/drawing/2014/main" id="{46991FFA-5E35-051D-3B8C-8962250E1C9A}"/>
+              </a:ext>
+            </a:extLst>
+          </p:cNvPr>
+          <p:cNvSpPr>
+            <a:spLocks noGrp="1"/>
+          </p:cNvSpPr>
+          <p:nvPr>
+            <p:ph type="title"/>
+          </p:nvPr>
+        </p:nvSpPr>
+        <p:spPr>
+          <a:xfrm>
+            <a:off x="643467" y="321734"/>
+            <a:ext cx="10905066" cy="1135737"/>
+          </a:xfrm>
+        </p:spPr>
+        <p:txBody>
+          <a:bodyPr>
+            <a:normAutofit/>
+          </a:bodyPr>
+          <a:lstStyle/>
+          <a:p>
+            <a:r>
+              <a:rPr lang="pt-BR" sz="3600" b="1" dirty="0">
+                <a:ea typeface="+mj-lt"/>
+                <a:cs typeface="+mj-lt"/>
+              </a:rPr>
+              <a:t>4.1 Desenvolver o plano do projeto</a:t>
+            </a:r>
+            <a:endParaRPr lang="pt-BR" dirty="0"/>
+          </a:p>
+        </p:txBody>
+      </p:sp>
+      <p:sp>
+        <p:nvSpPr>
+          <p:cNvPr id="3" name="Espaço Reservado para Conteúdo 2">
+            <a:extLst>
+              <a:ext uri="{FF2B5EF4-FFF2-40B4-BE49-F238E27FC236}">
+                <a16:creationId xmlns:a16="http://schemas.microsoft.com/office/drawing/2014/main" id="{1F560DD4-1938-249D-D353-6A108002A6DE}"/>
+              </a:ext>
+            </a:extLst>
+          </p:cNvPr>
+          <p:cNvSpPr>
+            <a:spLocks noGrp="1"/>
+          </p:cNvSpPr>
+          <p:nvPr>
+            <p:ph idx="1"/>
+          </p:nvPr>
+        </p:nvSpPr>
+        <p:spPr>
+          <a:xfrm>
+            <a:off x="643467" y="1782981"/>
+            <a:ext cx="10905066" cy="4393982"/>
+          </a:xfrm>
+        </p:spPr>
+        <p:txBody>
+          <a:bodyPr vert="horz" lIns="91440" tIns="45720" rIns="91440" bIns="45720" rtlCol="0" anchor="t">
+            <a:normAutofit/>
+          </a:bodyPr>
+          <a:lstStyle/>
+          <a:p>
+            <a:pPr marL="0" indent="0">
+              <a:buNone/>
+            </a:pPr>
+            <a:r>
+              <a:rPr lang="pt-BR" sz="2000" dirty="0">
+                <a:ea typeface="+mn-lt"/>
+                <a:cs typeface="+mn-lt"/>
+              </a:rPr>
+              <a:t>Entradas.</a:t>
+            </a:r>
+            <a:endParaRPr lang="pt-BR" sz="2000" dirty="0">
+              <a:solidFill>
+                <a:srgbClr val="000000"/>
+              </a:solidFill>
+              <a:ea typeface="+mn-lt"/>
+              <a:cs typeface="+mn-lt"/>
+            </a:endParaRPr>
+          </a:p>
+          <a:p>
+            <a:pPr marL="0" indent="0">
+              <a:buNone/>
+            </a:pPr>
+            <a:r>
+              <a:rPr lang="pt-BR" sz="2000" dirty="0">
+                <a:ea typeface="+mn-lt"/>
+                <a:cs typeface="+mn-lt"/>
+              </a:rPr>
+              <a:t>1 Declaração de trabalho</a:t>
+            </a:r>
+            <a:endParaRPr lang="pt-BR" dirty="0">
+              <a:cs typeface="Calibri" panose="020F0502020204030204"/>
+            </a:endParaRPr>
+          </a:p>
+          <a:p>
+            <a:r>
+              <a:rPr lang="pt-BR" sz="2000" dirty="0">
+                <a:ea typeface="+mn-lt"/>
+                <a:cs typeface="+mn-lt"/>
+              </a:rPr>
+              <a:t>A declaração do trabalho é uma descrição dos produtos ou serviços que serão fornecidos pelo projeto. São necessidades de negócios, requisitos do serviço ou produto, recebidas do cliente externo como parte de um documento de licitação, solicitações de proposta, informações, preços ou como parte de um contrato..</a:t>
+            </a:r>
+            <a:endParaRPr lang="pt-BR" dirty="0"/>
+          </a:p>
+          <a:p>
+            <a:pPr marL="0" indent="0">
+              <a:buNone/>
+            </a:pPr>
+            <a:r>
+              <a:rPr lang="pt-BR" sz="2000" dirty="0">
+                <a:ea typeface="+mn-lt"/>
+                <a:cs typeface="+mn-lt"/>
+              </a:rPr>
+              <a:t>2 Modelo / plano do negócio</a:t>
+            </a:r>
+            <a:endParaRPr lang="pt-BR" dirty="0">
+              <a:cs typeface="Calibri" panose="020F0502020204030204"/>
+            </a:endParaRPr>
+          </a:p>
+          <a:p>
+            <a:endParaRPr lang="pt-BR" sz="2000" dirty="0">
+              <a:solidFill>
+                <a:srgbClr val="000000"/>
+              </a:solidFill>
+              <a:ea typeface="+mn-lt"/>
+              <a:cs typeface="+mn-lt"/>
+            </a:endParaRPr>
+          </a:p>
+        </p:txBody>
+      </p:sp>
+      <p:sp>
+        <p:nvSpPr>
+          <p:cNvPr id="41" name="Rectangle 40">
+            <a:extLst>
+              <a:ext uri="{FF2B5EF4-FFF2-40B4-BE49-F238E27FC236}">
+                <a16:creationId xmlns:a16="http://schemas.microsoft.com/office/drawing/2014/main" id="{2E80C965-DB6D-4F81-9E9E-B027384D0BD6}"/>
+              </a:ext>
+              <a:ext uri="{C183D7F6-B498-43B3-948B-1728B52AA6E4}">
+                <adec:decorative xmlns:adec="http://schemas.microsoft.com/office/drawing/2017/decorative" val="1"/>
+              </a:ext>
+            </a:extLst>
+          </p:cNvPr>
+          <p:cNvSpPr>
+            <a:spLocks noGrp="1" noRot="1" noChangeAspect="1" noMove="1" noResize="1" noEditPoints="1" noAdjustHandles="1" noChangeArrowheads="1" noChangeShapeType="1" noTextEdit="1"/>
+          </p:cNvSpPr>
+          <p:nvPr>
+            <p:extLst>
+              <p:ext uri="{386F3935-93C4-4BCD-93E2-E3B085C9AB24}">
+                <p16:designElem xmlns:p16="http://schemas.microsoft.com/office/powerpoint/2015/main" val="1"/>
+              </p:ext>
+            </p:extLst>
+          </p:nvPr>
+        </p:nvSpPr>
+        <p:spPr>
+          <a:xfrm rot="2700000">
+            <a:off x="11052629" y="2120024"/>
+            <a:ext cx="645368" cy="645368"/>
+          </a:xfrm>
+          <a:prstGeom prst="rect">
+            <a:avLst/>
+          </a:prstGeom>
+          <a:solidFill>
+            <a:schemeClr val="accent4">
+              <a:alpha val="30000"/>
+            </a:schemeClr>
+          </a:solidFill>
+          <a:ln>
+            <a:noFill/>
+          </a:ln>
+        </p:spPr>
+        <p:style>
+          <a:lnRef idx="2">
+            <a:schemeClr val="accent1">
+              <a:shade val="50000"/>
+            </a:schemeClr>
+          </a:lnRef>
+          <a:fillRef idx="1">
+            <a:schemeClr val="accent1"/>
+          </a:fillRef>
+          <a:effectRef idx="0">
+            <a:schemeClr val="accent1"/>
+          </a:effectRef>
+          <a:fontRef idx="minor">
+            <a:schemeClr val="lt1"/>
+          </a:fontRef>
+        </p:style>
+        <p:txBody>
+          <a:bodyPr rtlCol="0" anchor="ctr"/>
+          <a:lstStyle/>
+          <a:p>
+            <a:pPr algn="ctr"/>
+            <a:endParaRPr lang="en-US"/>
+          </a:p>
+        </p:txBody>
+      </p:sp>
+      <p:sp>
+        <p:nvSpPr>
+          <p:cNvPr id="43" name="Isosceles Triangle 42">
+            <a:extLst>
+              <a:ext uri="{FF2B5EF4-FFF2-40B4-BE49-F238E27FC236}">
+                <a16:creationId xmlns:a16="http://schemas.microsoft.com/office/drawing/2014/main" id="{A580F890-B085-4E95-96AA-55AEBEC5CE6E}"/>
+              </a:ext>
+              <a:ext uri="{C183D7F6-B498-43B3-948B-1728B52AA6E4}">
+                <adec:decorative xmlns:adec="http://schemas.microsoft.com/office/drawing/2017/decorative" val="1"/>
+              </a:ext>
+            </a:extLst>
+          </p:cNvPr>
+          <p:cNvSpPr>
+            <a:spLocks noGrp="1" noRot="1" noChangeAspect="1" noMove="1" noResize="1" noEditPoints="1" noAdjustHandles="1" noChangeArrowheads="1" noChangeShapeType="1" noTextEdit="1"/>
+          </p:cNvSpPr>
+          <p:nvPr>
+            <p:extLst>
+              <p:ext uri="{386F3935-93C4-4BCD-93E2-E3B085C9AB24}">
+                <p16:designElem xmlns:p16="http://schemas.microsoft.com/office/powerpoint/2015/main" val="1"/>
+              </p:ext>
+            </p:extLst>
+          </p:nvPr>
+        </p:nvSpPr>
+        <p:spPr>
+          <a:xfrm rot="16200000">
+            <a:off x="10289068" y="1343027"/>
+            <a:ext cx="2532832" cy="1273032"/>
+          </a:xfrm>
+          <a:prstGeom prst="triangle">
+            <a:avLst>
+              <a:gd name="adj" fmla="val 50000"/>
+            </a:avLst>
+          </a:prstGeom>
+          <a:solidFill>
+            <a:schemeClr val="accent4">
+              <a:alpha val="30000"/>
+            </a:schemeClr>
+          </a:solidFill>
+          <a:ln>
+            <a:noFill/>
+          </a:ln>
+        </p:spPr>
+        <p:style>
+          <a:lnRef idx="2">
+            <a:schemeClr val="accent1">
+              <a:shade val="50000"/>
+            </a:schemeClr>
+          </a:lnRef>
+          <a:fillRef idx="1">
+            <a:schemeClr val="accent1"/>
+          </a:fillRef>
+          <a:effectRef idx="0">
+            <a:schemeClr val="accent1"/>
+          </a:effectRef>
+          <a:fontRef idx="minor">
+            <a:schemeClr val="lt1"/>
+          </a:fontRef>
+        </p:style>
+        <p:txBody>
+          <a:bodyPr rtlCol="0" anchor="ctr"/>
+          <a:lstStyle/>
+          <a:p>
+            <a:pPr algn="ctr"/>
+            <a:endParaRPr lang="en-US"/>
+          </a:p>
+        </p:txBody>
+      </p:sp>
+      <p:sp>
+        <p:nvSpPr>
+          <p:cNvPr id="45" name="Isosceles Triangle 44">
+            <a:extLst>
+              <a:ext uri="{FF2B5EF4-FFF2-40B4-BE49-F238E27FC236}">
+                <a16:creationId xmlns:a16="http://schemas.microsoft.com/office/drawing/2014/main" id="{D3F51FEB-38FB-4F6C-9F7B-2F2AFAB65463}"/>
+              </a:ext>
+              <a:ext uri="{C183D7F6-B498-43B3-948B-1728B52AA6E4}">
+                <adec:decorative xmlns:adec="http://schemas.microsoft.com/office/drawing/2017/decorative" val="1"/>
+              </a:ext>
+            </a:extLst>
+          </p:cNvPr>
+          <p:cNvSpPr>
+            <a:spLocks noGrp="1" noRot="1" noChangeAspect="1" noMove="1" noResize="1" noEditPoints="1" noAdjustHandles="1" noChangeArrowheads="1" noChangeShapeType="1" noTextEdit="1"/>
+          </p:cNvSpPr>
+          <p:nvPr>
+            <p:extLst>
+              <p:ext uri="{386F3935-93C4-4BCD-93E2-E3B085C9AB24}">
+                <p16:designElem xmlns:p16="http://schemas.microsoft.com/office/powerpoint/2015/main" val="1"/>
+              </p:ext>
+            </p:extLst>
+          </p:nvPr>
+        </p:nvSpPr>
+        <p:spPr>
+          <a:xfrm rot="5400000">
+            <a:off x="-501760" y="5103257"/>
+            <a:ext cx="2017580" cy="1014060"/>
+          </a:xfrm>
+          <a:prstGeom prst="triangle">
+            <a:avLst>
+              <a:gd name="adj" fmla="val 50000"/>
+            </a:avLst>
+          </a:prstGeom>
+          <a:solidFill>
+            <a:schemeClr val="accent1">
+              <a:alpha val="30000"/>
+            </a:schemeClr>
+          </a:solidFill>
+          <a:ln>
+            <a:noFill/>
+          </a:ln>
+        </p:spPr>
+        <p:style>
+          <a:lnRef idx="2">
+            <a:schemeClr val="accent1">
+              <a:shade val="50000"/>
+            </a:schemeClr>
+          </a:lnRef>
+          <a:fillRef idx="1">
+            <a:schemeClr val="accent1"/>
+          </a:fillRef>
+          <a:effectRef idx="0">
+            <a:schemeClr val="accent1"/>
+          </a:effectRef>
+          <a:fontRef idx="minor">
+            <a:schemeClr val="lt1"/>
+          </a:fontRef>
+        </p:style>
+        <p:txBody>
+          <a:bodyPr wrap="square" rtlCol="0" anchor="ctr">
+            <a:noAutofit/>
+          </a:bodyPr>
+          <a:lstStyle/>
+          <a:p>
+            <a:pPr algn="ctr"/>
+            <a:endParaRPr lang="en-US"/>
+          </a:p>
+        </p:txBody>
+      </p:sp>
+      <p:sp>
+        <p:nvSpPr>
+          <p:cNvPr id="47" name="Rectangle 46">
+            <a:extLst>
+              <a:ext uri="{FF2B5EF4-FFF2-40B4-BE49-F238E27FC236}">
+                <a16:creationId xmlns:a16="http://schemas.microsoft.com/office/drawing/2014/main" id="{1E547BA6-BAE0-43BB-A7CA-60F69CE252F0}"/>
+              </a:ext>
+              <a:ext uri="{C183D7F6-B498-43B3-948B-1728B52AA6E4}">
+                <adec:decorative xmlns:adec="http://schemas.microsoft.com/office/drawing/2017/decorative" val="1"/>
+              </a:ext>
+            </a:extLst>
+          </p:cNvPr>
+          <p:cNvSpPr>
+            <a:spLocks noGrp="1" noRot="1" noChangeAspect="1" noMove="1" noResize="1" noEditPoints="1" noAdjustHandles="1" noChangeArrowheads="1" noChangeShapeType="1" noTextEdit="1"/>
+          </p:cNvSpPr>
+          <p:nvPr>
+            <p:extLst>
+              <p:ext uri="{386F3935-93C4-4BCD-93E2-E3B085C9AB24}">
+                <p16:designElem xmlns:p16="http://schemas.microsoft.com/office/powerpoint/2015/main" val="1"/>
+              </p:ext>
+            </p:extLst>
+          </p:nvPr>
+        </p:nvSpPr>
+        <p:spPr>
+          <a:xfrm rot="2700000">
+            <a:off x="427916" y="5728708"/>
+            <a:ext cx="485578" cy="485578"/>
+          </a:xfrm>
+          <a:prstGeom prst="rect">
+            <a:avLst/>
+          </a:prstGeom>
+          <a:solidFill>
+            <a:schemeClr val="accent1">
+              <a:alpha val="30000"/>
+            </a:schemeClr>
+          </a:solidFill>
+          <a:ln>
+            <a:noFill/>
+          </a:ln>
+        </p:spPr>
+        <p:style>
+          <a:lnRef idx="2">
+            <a:schemeClr val="accent1">
+              <a:shade val="50000"/>
+            </a:schemeClr>
+          </a:lnRef>
+          <a:fillRef idx="1">
+            <a:schemeClr val="accent1"/>
+          </a:fillRef>
+          <a:effectRef idx="0">
+            <a:schemeClr val="accent1"/>
+          </a:effectRef>
+          <a:fontRef idx="minor">
+            <a:schemeClr val="lt1"/>
+          </a:fontRef>
+        </p:style>
+        <p:txBody>
+          <a:bodyPr wrap="square" rtlCol="0" anchor="ctr">
+            <a:noAutofit/>
+          </a:bodyPr>
+          <a:lstStyle/>
+          <a:p>
+            <a:pPr algn="ctr"/>
+            <a:endParaRPr lang="en-US"/>
+          </a:p>
+        </p:txBody>
+      </p:sp>
+    </p:spTree>
+    <p:extLst>
+      <p:ext uri="{BB962C8B-B14F-4D97-AF65-F5344CB8AC3E}">
+        <p14:creationId xmlns:p14="http://schemas.microsoft.com/office/powerpoint/2010/main" val="1150286963"/>
+      </p:ext>
+    </p:extLst>
+  </p:cSld>
+  <p:clrMapOvr>
+    <a:masterClrMapping/>
+  </p:clrMapOvr>
+</p:sld>
+</file>
+
+<file path=ppt/slides/slide5.xml><?xml version="1.0" encoding="utf-8"?>
+<p:sld xmlns:a="http://schemas.openxmlformats.org/drawingml/2006/main" xmlns:r="http://schemas.openxmlformats.org/officeDocument/2006/relationships" xmlns:p="http://schemas.openxmlformats.org/presentationml/2006/main">
+  <p:cSld>
+    <p:bg>
+      <p:bgPr>
+        <a:solidFill>
+          <a:schemeClr val="bg1"/>
+        </a:solidFill>
+        <a:effectLst/>
+      </p:bgPr>
+    </p:bg>
+    <p:spTree>
+      <p:nvGrpSpPr>
+        <p:cNvPr id="1" name=""/>
+        <p:cNvGrpSpPr/>
+        <p:nvPr/>
+      </p:nvGrpSpPr>
+      <p:grpSpPr>
+        <a:xfrm>
+          <a:off x="0" y="0"/>
+          <a:ext cx="0" cy="0"/>
+          <a:chOff x="0" y="0"/>
+          <a:chExt cx="0" cy="0"/>
+        </a:xfrm>
+      </p:grpSpPr>
+      <p:sp>
+        <p:nvSpPr>
+          <p:cNvPr id="39" name="Rectangle 38">
+            <a:extLst>
+              <a:ext uri="{FF2B5EF4-FFF2-40B4-BE49-F238E27FC236}">
+                <a16:creationId xmlns:a16="http://schemas.microsoft.com/office/drawing/2014/main" id="{2B566528-1B12-4246-9431-5C2D7D081168}"/>
+              </a:ext>
+              <a:ext uri="{C183D7F6-B498-43B3-948B-1728B52AA6E4}">
+                <adec:decorative xmlns:adec="http://schemas.microsoft.com/office/drawing/2017/decorative" val="1"/>
+              </a:ext>
+            </a:extLst>
+          </p:cNvPr>
+          <p:cNvSpPr>
+            <a:spLocks noGrp="1" noRot="1" noChangeAspect="1" noMove="1" noResize="1" noEditPoints="1" noAdjustHandles="1" noChangeArrowheads="1" noChangeShapeType="1" noTextEdit="1"/>
+          </p:cNvSpPr>
+          <p:nvPr>
+            <p:extLst>
+              <p:ext uri="{386F3935-93C4-4BCD-93E2-E3B085C9AB24}">
+                <p16:designElem xmlns:p16="http://schemas.microsoft.com/office/powerpoint/2015/main" val="1"/>
+              </p:ext>
+            </p:extLst>
+          </p:nvPr>
+        </p:nvSpPr>
+        <p:spPr>
+          <a:xfrm>
+            <a:off x="0" y="0"/>
+            <a:ext cx="12192000" cy="6858000"/>
+          </a:xfrm>
+          <a:prstGeom prst="rect">
+            <a:avLst/>
+          </a:prstGeom>
+          <a:solidFill>
+            <a:schemeClr val="bg1"/>
+          </a:solidFill>
+          <a:ln>
+            <a:noFill/>
+          </a:ln>
+        </p:spPr>
+        <p:style>
+          <a:lnRef idx="2">
+            <a:schemeClr val="accent1">
+              <a:shade val="50000"/>
+            </a:schemeClr>
+          </a:lnRef>
+          <a:fillRef idx="1">
+            <a:schemeClr val="accent1"/>
+          </a:fillRef>
+          <a:effectRef idx="0">
+            <a:schemeClr val="accent1"/>
+          </a:effectRef>
+          <a:fontRef idx="minor">
+            <a:schemeClr val="lt1"/>
+          </a:fontRef>
+        </p:style>
+        <p:txBody>
+          <a:bodyPr rtlCol="0" anchor="ctr"/>
+          <a:lstStyle/>
+          <a:p>
+            <a:pPr algn="ctr"/>
+            <a:endParaRPr lang="en-US" dirty="0"/>
+          </a:p>
+        </p:txBody>
+      </p:sp>
+      <p:sp>
+        <p:nvSpPr>
+          <p:cNvPr id="2" name="Título 1">
+            <a:extLst>
+              <a:ext uri="{FF2B5EF4-FFF2-40B4-BE49-F238E27FC236}">
+                <a16:creationId xmlns:a16="http://schemas.microsoft.com/office/drawing/2014/main" id="{46991FFA-5E35-051D-3B8C-8962250E1C9A}"/>
+              </a:ext>
+            </a:extLst>
+          </p:cNvPr>
+          <p:cNvSpPr>
+            <a:spLocks noGrp="1"/>
+          </p:cNvSpPr>
+          <p:nvPr>
+            <p:ph type="title"/>
+          </p:nvPr>
+        </p:nvSpPr>
+        <p:spPr>
+          <a:xfrm>
+            <a:off x="643467" y="321734"/>
+            <a:ext cx="10905066" cy="1135737"/>
+          </a:xfrm>
+        </p:spPr>
+        <p:txBody>
+          <a:bodyPr>
+            <a:normAutofit/>
+          </a:bodyPr>
+          <a:lstStyle/>
+          <a:p>
+            <a:r>
+              <a:rPr lang="pt-BR" sz="3600" b="1" dirty="0">
+                <a:ea typeface="+mj-lt"/>
+                <a:cs typeface="+mj-lt"/>
+              </a:rPr>
+              <a:t>4.1 Desenvolver o plano do projeto</a:t>
+            </a:r>
+            <a:endParaRPr lang="pt-BR" dirty="0"/>
+          </a:p>
+        </p:txBody>
+      </p:sp>
+      <p:sp>
+        <p:nvSpPr>
+          <p:cNvPr id="3" name="Espaço Reservado para Conteúdo 2">
+            <a:extLst>
+              <a:ext uri="{FF2B5EF4-FFF2-40B4-BE49-F238E27FC236}">
+                <a16:creationId xmlns:a16="http://schemas.microsoft.com/office/drawing/2014/main" id="{1F560DD4-1938-249D-D353-6A108002A6DE}"/>
+              </a:ext>
+            </a:extLst>
+          </p:cNvPr>
+          <p:cNvSpPr>
+            <a:spLocks noGrp="1"/>
+          </p:cNvSpPr>
+          <p:nvPr>
+            <p:ph idx="1"/>
+          </p:nvPr>
+        </p:nvSpPr>
+        <p:spPr>
+          <a:xfrm>
+            <a:off x="643467" y="1782981"/>
+            <a:ext cx="10905066" cy="4393982"/>
+          </a:xfrm>
+        </p:spPr>
+        <p:txBody>
+          <a:bodyPr vert="horz" lIns="91440" tIns="45720" rIns="91440" bIns="45720" rtlCol="0" anchor="t">
+            <a:normAutofit/>
+          </a:bodyPr>
+          <a:lstStyle/>
+          <a:p>
+            <a:pPr>
+              <a:buNone/>
+            </a:pPr>
+            <a:r>
+              <a:rPr lang="pt-BR" sz="2000" dirty="0">
+                <a:ea typeface="+mn-lt"/>
+                <a:cs typeface="+mn-lt"/>
+              </a:rPr>
+              <a:t>Entradas.</a:t>
+            </a:r>
+            <a:endParaRPr lang="pt-BR" dirty="0">
+              <a:ea typeface="+mn-lt"/>
+              <a:cs typeface="+mn-lt"/>
+            </a:endParaRPr>
+          </a:p>
+          <a:p>
+            <a:pPr>
+              <a:buNone/>
+            </a:pPr>
+            <a:r>
+              <a:rPr lang="pt-BR" sz="2000" dirty="0">
+                <a:ea typeface="+mn-lt"/>
+                <a:cs typeface="+mn-lt"/>
+              </a:rPr>
+              <a:t>3 Acordos.</a:t>
+            </a:r>
+            <a:endParaRPr lang="pt-BR" dirty="0"/>
+          </a:p>
+          <a:p>
+            <a:pPr>
+              <a:buNone/>
+            </a:pPr>
+            <a:r>
+              <a:rPr lang="pt-BR" sz="2000" dirty="0">
+                <a:ea typeface="+mn-lt"/>
+                <a:cs typeface="+mn-lt"/>
+              </a:rPr>
+              <a:t>4 Fatores ambientais da empresa</a:t>
+            </a:r>
+            <a:endParaRPr lang="pt-BR" dirty="0"/>
+          </a:p>
+          <a:p>
+            <a:pPr>
+              <a:buNone/>
+            </a:pPr>
+            <a:r>
+              <a:rPr lang="pt-BR" sz="2000" dirty="0">
+                <a:ea typeface="+mn-lt"/>
+                <a:cs typeface="+mn-lt"/>
+              </a:rPr>
+              <a:t>Todos e quaisquer sistemas e fatores que cercam e influenciam o sucesso do projeto.</a:t>
+            </a:r>
+            <a:endParaRPr lang="pt-BR" dirty="0">
+              <a:ea typeface="+mn-lt"/>
+              <a:cs typeface="+mn-lt"/>
+            </a:endParaRPr>
+          </a:p>
+          <a:p>
+            <a:pPr>
+              <a:buNone/>
+            </a:pPr>
+            <a:r>
+              <a:rPr lang="pt-BR" sz="2000" dirty="0">
+                <a:ea typeface="+mn-lt"/>
+                <a:cs typeface="+mn-lt"/>
+              </a:rPr>
+              <a:t>5 Ativos de processos organizacionais</a:t>
+            </a:r>
+            <a:endParaRPr lang="pt-BR" dirty="0"/>
+          </a:p>
+          <a:p>
+            <a:pPr>
+              <a:buNone/>
+            </a:pPr>
+            <a:r>
+              <a:rPr lang="pt-BR" sz="2000" dirty="0">
+                <a:ea typeface="+mn-lt"/>
+                <a:cs typeface="+mn-lt"/>
+              </a:rPr>
+              <a:t>Todas organizações envolvidas no projeto podem ter políticas, procedimentos, planos e diretrizes formais e informais a considerar.</a:t>
+            </a:r>
+            <a:endParaRPr lang="pt-BR" dirty="0">
+              <a:ea typeface="+mn-lt"/>
+              <a:cs typeface="+mn-lt"/>
+            </a:endParaRPr>
+          </a:p>
+          <a:p>
+            <a:pPr>
+              <a:buNone/>
+            </a:pPr>
+            <a:r>
+              <a:rPr lang="pt-BR" sz="2000" dirty="0">
+                <a:ea typeface="+mn-lt"/>
+                <a:cs typeface="+mn-lt"/>
+              </a:rPr>
+              <a:t>Esses ativos também representam o aprendizado e o conhecimento das organizações obtidos de projetos anteriores.</a:t>
+            </a:r>
+            <a:endParaRPr lang="pt-BR" dirty="0">
+              <a:cs typeface="Calibri"/>
+            </a:endParaRPr>
+          </a:p>
+          <a:p>
+            <a:pPr marL="0" indent="0">
+              <a:buNone/>
+            </a:pPr>
+            <a:endParaRPr lang="pt-BR" sz="2000" dirty="0">
+              <a:cs typeface="Calibri" panose="020F0502020204030204"/>
+            </a:endParaRPr>
+          </a:p>
+          <a:p>
+            <a:endParaRPr lang="pt-BR" sz="2000" dirty="0">
+              <a:solidFill>
+                <a:srgbClr val="000000"/>
+              </a:solidFill>
+              <a:ea typeface="+mn-lt"/>
+              <a:cs typeface="+mn-lt"/>
+            </a:endParaRPr>
+          </a:p>
+        </p:txBody>
+      </p:sp>
+      <p:sp>
+        <p:nvSpPr>
+          <p:cNvPr id="41" name="Rectangle 40">
+            <a:extLst>
+              <a:ext uri="{FF2B5EF4-FFF2-40B4-BE49-F238E27FC236}">
+                <a16:creationId xmlns:a16="http://schemas.microsoft.com/office/drawing/2014/main" id="{2E80C965-DB6D-4F81-9E9E-B027384D0BD6}"/>
+              </a:ext>
+              <a:ext uri="{C183D7F6-B498-43B3-948B-1728B52AA6E4}">
+                <adec:decorative xmlns:adec="http://schemas.microsoft.com/office/drawing/2017/decorative" val="1"/>
+              </a:ext>
+            </a:extLst>
+          </p:cNvPr>
+          <p:cNvSpPr>
+            <a:spLocks noGrp="1" noRot="1" noChangeAspect="1" noMove="1" noResize="1" noEditPoints="1" noAdjustHandles="1" noChangeArrowheads="1" noChangeShapeType="1" noTextEdit="1"/>
+          </p:cNvSpPr>
+          <p:nvPr>
+            <p:extLst>
+              <p:ext uri="{386F3935-93C4-4BCD-93E2-E3B085C9AB24}">
+                <p16:designElem xmlns:p16="http://schemas.microsoft.com/office/powerpoint/2015/main" val="1"/>
+              </p:ext>
+            </p:extLst>
+          </p:nvPr>
+        </p:nvSpPr>
+        <p:spPr>
+          <a:xfrm rot="2700000">
+            <a:off x="11052629" y="2120024"/>
+            <a:ext cx="645368" cy="645368"/>
+          </a:xfrm>
+          <a:prstGeom prst="rect">
+            <a:avLst/>
+          </a:prstGeom>
+          <a:solidFill>
+            <a:schemeClr val="accent4">
+              <a:alpha val="30000"/>
+            </a:schemeClr>
+          </a:solidFill>
+          <a:ln>
+            <a:noFill/>
+          </a:ln>
+        </p:spPr>
+        <p:style>
+          <a:lnRef idx="2">
+            <a:schemeClr val="accent1">
+              <a:shade val="50000"/>
+            </a:schemeClr>
+          </a:lnRef>
+          <a:fillRef idx="1">
+            <a:schemeClr val="accent1"/>
+          </a:fillRef>
+          <a:effectRef idx="0">
+            <a:schemeClr val="accent1"/>
+          </a:effectRef>
+          <a:fontRef idx="minor">
+            <a:schemeClr val="lt1"/>
+          </a:fontRef>
+        </p:style>
+        <p:txBody>
+          <a:bodyPr rtlCol="0" anchor="ctr"/>
+          <a:lstStyle/>
+          <a:p>
+            <a:pPr algn="ctr"/>
+            <a:endParaRPr lang="en-US"/>
+          </a:p>
+        </p:txBody>
+      </p:sp>
+      <p:sp>
+        <p:nvSpPr>
+          <p:cNvPr id="43" name="Isosceles Triangle 42">
+            <a:extLst>
+              <a:ext uri="{FF2B5EF4-FFF2-40B4-BE49-F238E27FC236}">
+                <a16:creationId xmlns:a16="http://schemas.microsoft.com/office/drawing/2014/main" id="{A580F890-B085-4E95-96AA-55AEBEC5CE6E}"/>
+              </a:ext>
+              <a:ext uri="{C183D7F6-B498-43B3-948B-1728B52AA6E4}">
+                <adec:decorative xmlns:adec="http://schemas.microsoft.com/office/drawing/2017/decorative" val="1"/>
+              </a:ext>
+            </a:extLst>
+          </p:cNvPr>
+          <p:cNvSpPr>
+            <a:spLocks noGrp="1" noRot="1" noChangeAspect="1" noMove="1" noResize="1" noEditPoints="1" noAdjustHandles="1" noChangeArrowheads="1" noChangeShapeType="1" noTextEdit="1"/>
+          </p:cNvSpPr>
+          <p:nvPr>
+            <p:extLst>
+              <p:ext uri="{386F3935-93C4-4BCD-93E2-E3B085C9AB24}">
+                <p16:designElem xmlns:p16="http://schemas.microsoft.com/office/powerpoint/2015/main" val="1"/>
+              </p:ext>
+            </p:extLst>
+          </p:nvPr>
+        </p:nvSpPr>
+        <p:spPr>
+          <a:xfrm rot="16200000">
+            <a:off x="10289068" y="1343027"/>
+            <a:ext cx="2532832" cy="1273032"/>
+          </a:xfrm>
+          <a:prstGeom prst="triangle">
+            <a:avLst>
+              <a:gd name="adj" fmla="val 50000"/>
+            </a:avLst>
+          </a:prstGeom>
+          <a:solidFill>
+            <a:schemeClr val="accent4">
+              <a:alpha val="30000"/>
+            </a:schemeClr>
+          </a:solidFill>
+          <a:ln>
+            <a:noFill/>
+          </a:ln>
+        </p:spPr>
+        <p:style>
+          <a:lnRef idx="2">
+            <a:schemeClr val="accent1">
+              <a:shade val="50000"/>
+            </a:schemeClr>
+          </a:lnRef>
+          <a:fillRef idx="1">
+            <a:schemeClr val="accent1"/>
+          </a:fillRef>
+          <a:effectRef idx="0">
+            <a:schemeClr val="accent1"/>
+          </a:effectRef>
+          <a:fontRef idx="minor">
+            <a:schemeClr val="lt1"/>
+          </a:fontRef>
+        </p:style>
+        <p:txBody>
+          <a:bodyPr rtlCol="0" anchor="ctr"/>
+          <a:lstStyle/>
+          <a:p>
+            <a:pPr algn="ctr"/>
+            <a:endParaRPr lang="en-US"/>
+          </a:p>
+        </p:txBody>
+      </p:sp>
+      <p:sp>
+        <p:nvSpPr>
+          <p:cNvPr id="45" name="Isosceles Triangle 44">
+            <a:extLst>
+              <a:ext uri="{FF2B5EF4-FFF2-40B4-BE49-F238E27FC236}">
+                <a16:creationId xmlns:a16="http://schemas.microsoft.com/office/drawing/2014/main" id="{D3F51FEB-38FB-4F6C-9F7B-2F2AFAB65463}"/>
+              </a:ext>
+              <a:ext uri="{C183D7F6-B498-43B3-948B-1728B52AA6E4}">
+                <adec:decorative xmlns:adec="http://schemas.microsoft.com/office/drawing/2017/decorative" val="1"/>
+              </a:ext>
+            </a:extLst>
+          </p:cNvPr>
+          <p:cNvSpPr>
+            <a:spLocks noGrp="1" noRot="1" noChangeAspect="1" noMove="1" noResize="1" noEditPoints="1" noAdjustHandles="1" noChangeArrowheads="1" noChangeShapeType="1" noTextEdit="1"/>
+          </p:cNvSpPr>
+          <p:nvPr>
+            <p:extLst>
+              <p:ext uri="{386F3935-93C4-4BCD-93E2-E3B085C9AB24}">
+                <p16:designElem xmlns:p16="http://schemas.microsoft.com/office/powerpoint/2015/main" val="1"/>
+              </p:ext>
+            </p:extLst>
+          </p:nvPr>
+        </p:nvSpPr>
+        <p:spPr>
+          <a:xfrm rot="5400000">
+            <a:off x="-501760" y="5103257"/>
+            <a:ext cx="2017580" cy="1014060"/>
+          </a:xfrm>
+          <a:prstGeom prst="triangle">
+            <a:avLst>
+              <a:gd name="adj" fmla="val 50000"/>
+            </a:avLst>
+          </a:prstGeom>
+          <a:solidFill>
+            <a:schemeClr val="accent1">
+              <a:alpha val="30000"/>
+            </a:schemeClr>
+          </a:solidFill>
+          <a:ln>
+            <a:noFill/>
+          </a:ln>
+        </p:spPr>
+        <p:style>
+          <a:lnRef idx="2">
+            <a:schemeClr val="accent1">
+              <a:shade val="50000"/>
+            </a:schemeClr>
+          </a:lnRef>
+          <a:fillRef idx="1">
+            <a:schemeClr val="accent1"/>
+          </a:fillRef>
+          <a:effectRef idx="0">
+            <a:schemeClr val="accent1"/>
+          </a:effectRef>
+          <a:fontRef idx="minor">
+            <a:schemeClr val="lt1"/>
+          </a:fontRef>
+        </p:style>
+        <p:txBody>
+          <a:bodyPr wrap="square" rtlCol="0" anchor="ctr">
+            <a:noAutofit/>
+          </a:bodyPr>
+          <a:lstStyle/>
+          <a:p>
+            <a:pPr algn="ctr"/>
+            <a:endParaRPr lang="en-US"/>
+          </a:p>
+        </p:txBody>
+      </p:sp>
+      <p:sp>
+        <p:nvSpPr>
+          <p:cNvPr id="47" name="Rectangle 46">
+            <a:extLst>
+              <a:ext uri="{FF2B5EF4-FFF2-40B4-BE49-F238E27FC236}">
+                <a16:creationId xmlns:a16="http://schemas.microsoft.com/office/drawing/2014/main" id="{1E547BA6-BAE0-43BB-A7CA-60F69CE252F0}"/>
+              </a:ext>
+              <a:ext uri="{C183D7F6-B498-43B3-948B-1728B52AA6E4}">
+                <adec:decorative xmlns:adec="http://schemas.microsoft.com/office/drawing/2017/decorative" val="1"/>
+              </a:ext>
+            </a:extLst>
+          </p:cNvPr>
+          <p:cNvSpPr>
+            <a:spLocks noGrp="1" noRot="1" noChangeAspect="1" noMove="1" noResize="1" noEditPoints="1" noAdjustHandles="1" noChangeArrowheads="1" noChangeShapeType="1" noTextEdit="1"/>
+          </p:cNvSpPr>
+          <p:nvPr>
+            <p:extLst>
+              <p:ext uri="{386F3935-93C4-4BCD-93E2-E3B085C9AB24}">
+                <p16:designElem xmlns:p16="http://schemas.microsoft.com/office/powerpoint/2015/main" val="1"/>
+              </p:ext>
+            </p:extLst>
+          </p:nvPr>
+        </p:nvSpPr>
+        <p:spPr>
+          <a:xfrm rot="2700000">
+            <a:off x="427916" y="5728708"/>
+            <a:ext cx="485578" cy="485578"/>
+          </a:xfrm>
+          <a:prstGeom prst="rect">
+            <a:avLst/>
+          </a:prstGeom>
+          <a:solidFill>
+            <a:schemeClr val="accent1">
+              <a:alpha val="30000"/>
+            </a:schemeClr>
+          </a:solidFill>
+          <a:ln>
+            <a:noFill/>
+          </a:ln>
+        </p:spPr>
+        <p:style>
+          <a:lnRef idx="2">
+            <a:schemeClr val="accent1">
+              <a:shade val="50000"/>
+            </a:schemeClr>
+          </a:lnRef>
+          <a:fillRef idx="1">
+            <a:schemeClr val="accent1"/>
+          </a:fillRef>
+          <a:effectRef idx="0">
+            <a:schemeClr val="accent1"/>
+          </a:effectRef>
+          <a:fontRef idx="minor">
+            <a:schemeClr val="lt1"/>
+          </a:fontRef>
+        </p:style>
+        <p:txBody>
+          <a:bodyPr wrap="square" rtlCol="0" anchor="ctr">
+            <a:noAutofit/>
+          </a:bodyPr>
+          <a:lstStyle/>
+          <a:p>
+            <a:pPr algn="ctr"/>
+            <a:endParaRPr lang="en-US"/>
+          </a:p>
+        </p:txBody>
+      </p:sp>
+    </p:spTree>
+    <p:extLst>
+      <p:ext uri="{BB962C8B-B14F-4D97-AF65-F5344CB8AC3E}">
+        <p14:creationId xmlns:p14="http://schemas.microsoft.com/office/powerpoint/2010/main" val="2690849113"/>
+      </p:ext>
+    </p:extLst>
+  </p:cSld>
+  <p:clrMapOvr>
+    <a:masterClrMapping/>
+  </p:clrMapOvr>
+</p:sld>
+</file>
+
+<file path=ppt/slides/slide6.xml><?xml version="1.0" encoding="utf-8"?>
+<p:sld xmlns:a="http://schemas.openxmlformats.org/drawingml/2006/main" xmlns:r="http://schemas.openxmlformats.org/officeDocument/2006/relationships" xmlns:p="http://schemas.openxmlformats.org/presentationml/2006/main">
+  <p:cSld>
+    <p:bg>
+      <p:bgPr>
+        <a:solidFill>
+          <a:schemeClr val="bg1"/>
+        </a:solidFill>
+        <a:effectLst/>
+      </p:bgPr>
+    </p:bg>
+    <p:spTree>
+      <p:nvGrpSpPr>
+        <p:cNvPr id="1" name=""/>
+        <p:cNvGrpSpPr/>
+        <p:nvPr/>
+      </p:nvGrpSpPr>
+      <p:grpSpPr>
+        <a:xfrm>
+          <a:off x="0" y="0"/>
+          <a:ext cx="0" cy="0"/>
+          <a:chOff x="0" y="0"/>
+          <a:chExt cx="0" cy="0"/>
+        </a:xfrm>
+      </p:grpSpPr>
+      <p:sp>
+        <p:nvSpPr>
+          <p:cNvPr id="39" name="Rectangle 38">
+            <a:extLst>
+              <a:ext uri="{FF2B5EF4-FFF2-40B4-BE49-F238E27FC236}">
+                <a16:creationId xmlns:a16="http://schemas.microsoft.com/office/drawing/2014/main" id="{2B566528-1B12-4246-9431-5C2D7D081168}"/>
+              </a:ext>
+              <a:ext uri="{C183D7F6-B498-43B3-948B-1728B52AA6E4}">
+                <adec:decorative xmlns:adec="http://schemas.microsoft.com/office/drawing/2017/decorative" val="1"/>
+              </a:ext>
+            </a:extLst>
+          </p:cNvPr>
+          <p:cNvSpPr>
+            <a:spLocks noGrp="1" noRot="1" noChangeAspect="1" noMove="1" noResize="1" noEditPoints="1" noAdjustHandles="1" noChangeArrowheads="1" noChangeShapeType="1" noTextEdit="1"/>
+          </p:cNvSpPr>
+          <p:nvPr>
+            <p:extLst>
+              <p:ext uri="{386F3935-93C4-4BCD-93E2-E3B085C9AB24}">
+                <p16:designElem xmlns:p16="http://schemas.microsoft.com/office/powerpoint/2015/main" val="1"/>
+              </p:ext>
+            </p:extLst>
+          </p:nvPr>
+        </p:nvSpPr>
+        <p:spPr>
+          <a:xfrm>
+            <a:off x="0" y="0"/>
+            <a:ext cx="12192000" cy="6858000"/>
+          </a:xfrm>
+          <a:prstGeom prst="rect">
+            <a:avLst/>
+          </a:prstGeom>
+          <a:solidFill>
+            <a:schemeClr val="bg1"/>
+          </a:solidFill>
+          <a:ln>
+            <a:noFill/>
+          </a:ln>
+        </p:spPr>
+        <p:style>
+          <a:lnRef idx="2">
+            <a:schemeClr val="accent1">
+              <a:shade val="50000"/>
+            </a:schemeClr>
+          </a:lnRef>
+          <a:fillRef idx="1">
+            <a:schemeClr val="accent1"/>
+          </a:fillRef>
+          <a:effectRef idx="0">
+            <a:schemeClr val="accent1"/>
+          </a:effectRef>
+          <a:fontRef idx="minor">
+            <a:schemeClr val="lt1"/>
+          </a:fontRef>
+        </p:style>
+        <p:txBody>
+          <a:bodyPr rtlCol="0" anchor="ctr"/>
+          <a:lstStyle/>
+          <a:p>
+            <a:pPr algn="ctr"/>
+            <a:endParaRPr lang="en-US" dirty="0"/>
+          </a:p>
+        </p:txBody>
+      </p:sp>
+      <p:sp>
+        <p:nvSpPr>
+          <p:cNvPr id="2" name="Título 1">
+            <a:extLst>
+              <a:ext uri="{FF2B5EF4-FFF2-40B4-BE49-F238E27FC236}">
+                <a16:creationId xmlns:a16="http://schemas.microsoft.com/office/drawing/2014/main" id="{46991FFA-5E35-051D-3B8C-8962250E1C9A}"/>
+              </a:ext>
+            </a:extLst>
+          </p:cNvPr>
+          <p:cNvSpPr>
+            <a:spLocks noGrp="1"/>
+          </p:cNvSpPr>
+          <p:nvPr>
+            <p:ph type="title"/>
+          </p:nvPr>
+        </p:nvSpPr>
+        <p:spPr>
+          <a:xfrm>
+            <a:off x="643467" y="321734"/>
+            <a:ext cx="10905066" cy="1135737"/>
+          </a:xfrm>
+        </p:spPr>
+        <p:txBody>
+          <a:bodyPr>
+            <a:normAutofit/>
+          </a:bodyPr>
+          <a:lstStyle/>
+          <a:p>
+            <a:r>
+              <a:rPr lang="pt-BR" sz="3600" b="1" dirty="0">
+                <a:ea typeface="+mj-lt"/>
+                <a:cs typeface="+mj-lt"/>
+              </a:rPr>
+              <a:t>Detalhamento das Entradas</a:t>
+            </a:r>
+            <a:endParaRPr lang="pt-BR" dirty="0"/>
+          </a:p>
+        </p:txBody>
+      </p:sp>
+      <p:sp>
+        <p:nvSpPr>
+          <p:cNvPr id="3" name="Espaço Reservado para Conteúdo 2">
+            <a:extLst>
+              <a:ext uri="{FF2B5EF4-FFF2-40B4-BE49-F238E27FC236}">
+                <a16:creationId xmlns:a16="http://schemas.microsoft.com/office/drawing/2014/main" id="{1F560DD4-1938-249D-D353-6A108002A6DE}"/>
+              </a:ext>
+            </a:extLst>
+          </p:cNvPr>
+          <p:cNvSpPr>
+            <a:spLocks noGrp="1"/>
+          </p:cNvSpPr>
+          <p:nvPr>
+            <p:ph idx="1"/>
+          </p:nvPr>
+        </p:nvSpPr>
+        <p:spPr>
+          <a:xfrm>
+            <a:off x="643467" y="1782981"/>
+            <a:ext cx="10905066" cy="4393982"/>
+          </a:xfrm>
+        </p:spPr>
+        <p:txBody>
+          <a:bodyPr vert="horz" lIns="91440" tIns="45720" rIns="91440" bIns="45720" rtlCol="0" anchor="t">
+            <a:normAutofit/>
+          </a:bodyPr>
+          <a:lstStyle/>
+          <a:p>
+            <a:pPr>
+              <a:buNone/>
+            </a:pPr>
+            <a:r>
+              <a:rPr lang="pt-BR" sz="2000" dirty="0">
+                <a:ea typeface="+mn-lt"/>
+                <a:cs typeface="+mn-lt"/>
+              </a:rPr>
+              <a:t>A declaração de trabalho é uma descrição narrativa dos produtos, serviços ou resultados esperados para o tratamento de algum problema ou necessidade.</a:t>
+            </a:r>
+            <a:endParaRPr lang="pt-BR" dirty="0">
+              <a:ea typeface="+mn-lt"/>
+              <a:cs typeface="+mn-lt"/>
+            </a:endParaRPr>
+          </a:p>
+          <a:p>
+            <a:pPr>
+              <a:buNone/>
+            </a:pPr>
+            <a:r>
+              <a:rPr lang="pt-BR" sz="2000" dirty="0">
+                <a:ea typeface="+mn-lt"/>
+                <a:cs typeface="+mn-lt"/>
+              </a:rPr>
+              <a:t>Em projetos internos, o solicitante provê os requisitos.</a:t>
+            </a:r>
+            <a:endParaRPr lang="pt-BR" dirty="0">
+              <a:ea typeface="+mn-lt"/>
+              <a:cs typeface="+mn-lt"/>
+            </a:endParaRPr>
+          </a:p>
+          <a:p>
+            <a:pPr>
+              <a:buNone/>
+            </a:pPr>
+            <a:r>
+              <a:rPr lang="pt-BR" sz="2000" dirty="0">
+                <a:ea typeface="+mn-lt"/>
+                <a:cs typeface="+mn-lt"/>
+              </a:rPr>
+              <a:t>Para externos, pode ser uma licitação, um convite, parte de um contrato ou resultado de algum levantamento junto a cliente.</a:t>
+            </a:r>
+            <a:endParaRPr lang="pt-BR" dirty="0">
+              <a:ea typeface="+mn-lt"/>
+              <a:cs typeface="+mn-lt"/>
+            </a:endParaRPr>
+          </a:p>
+          <a:p>
+            <a:pPr>
+              <a:buNone/>
+            </a:pPr>
+            <a:endParaRPr lang="pt-BR" sz="2000" dirty="0">
+              <a:cs typeface="Calibri" panose="020F0502020204030204"/>
+            </a:endParaRPr>
+          </a:p>
+          <a:p>
+            <a:pPr marL="0" indent="0">
+              <a:buNone/>
+            </a:pPr>
+            <a:endParaRPr lang="pt-BR" sz="2000" dirty="0">
+              <a:cs typeface="Calibri" panose="020F0502020204030204"/>
+            </a:endParaRPr>
+          </a:p>
+          <a:p>
+            <a:endParaRPr lang="pt-BR" sz="2000" dirty="0">
+              <a:solidFill>
+                <a:srgbClr val="000000"/>
+              </a:solidFill>
+              <a:ea typeface="+mn-lt"/>
+              <a:cs typeface="+mn-lt"/>
+            </a:endParaRPr>
+          </a:p>
+        </p:txBody>
+      </p:sp>
+      <p:sp>
+        <p:nvSpPr>
+          <p:cNvPr id="41" name="Rectangle 40">
+            <a:extLst>
+              <a:ext uri="{FF2B5EF4-FFF2-40B4-BE49-F238E27FC236}">
+                <a16:creationId xmlns:a16="http://schemas.microsoft.com/office/drawing/2014/main" id="{2E80C965-DB6D-4F81-9E9E-B027384D0BD6}"/>
+              </a:ext>
+              <a:ext uri="{C183D7F6-B498-43B3-948B-1728B52AA6E4}">
+                <adec:decorative xmlns:adec="http://schemas.microsoft.com/office/drawing/2017/decorative" val="1"/>
+              </a:ext>
+            </a:extLst>
+          </p:cNvPr>
+          <p:cNvSpPr>
+            <a:spLocks noGrp="1" noRot="1" noChangeAspect="1" noMove="1" noResize="1" noEditPoints="1" noAdjustHandles="1" noChangeArrowheads="1" noChangeShapeType="1" noTextEdit="1"/>
+          </p:cNvSpPr>
+          <p:nvPr>
+            <p:extLst>
+              <p:ext uri="{386F3935-93C4-4BCD-93E2-E3B085C9AB24}">
+                <p16:designElem xmlns:p16="http://schemas.microsoft.com/office/powerpoint/2015/main" val="1"/>
+              </p:ext>
+            </p:extLst>
+          </p:nvPr>
+        </p:nvSpPr>
+        <p:spPr>
+          <a:xfrm rot="2700000">
+            <a:off x="11052629" y="2120024"/>
+            <a:ext cx="645368" cy="645368"/>
+          </a:xfrm>
+          <a:prstGeom prst="rect">
+            <a:avLst/>
+          </a:prstGeom>
+          <a:solidFill>
+            <a:schemeClr val="accent4">
+              <a:alpha val="30000"/>
+            </a:schemeClr>
+          </a:solidFill>
+          <a:ln>
+            <a:noFill/>
+          </a:ln>
+        </p:spPr>
+        <p:style>
+          <a:lnRef idx="2">
+            <a:schemeClr val="accent1">
+              <a:shade val="50000"/>
+            </a:schemeClr>
+          </a:lnRef>
+          <a:fillRef idx="1">
+            <a:schemeClr val="accent1"/>
+          </a:fillRef>
+          <a:effectRef idx="0">
+            <a:schemeClr val="accent1"/>
+          </a:effectRef>
+          <a:fontRef idx="minor">
+            <a:schemeClr val="lt1"/>
+          </a:fontRef>
+        </p:style>
+        <p:txBody>
+          <a:bodyPr rtlCol="0" anchor="ctr"/>
+          <a:lstStyle/>
+          <a:p>
+            <a:pPr algn="ctr"/>
+            <a:endParaRPr lang="en-US"/>
+          </a:p>
+        </p:txBody>
+      </p:sp>
+      <p:sp>
+        <p:nvSpPr>
+          <p:cNvPr id="43" name="Isosceles Triangle 42">
+            <a:extLst>
+              <a:ext uri="{FF2B5EF4-FFF2-40B4-BE49-F238E27FC236}">
+                <a16:creationId xmlns:a16="http://schemas.microsoft.com/office/drawing/2014/main" id="{A580F890-B085-4E95-96AA-55AEBEC5CE6E}"/>
+              </a:ext>
+              <a:ext uri="{C183D7F6-B498-43B3-948B-1728B52AA6E4}">
+                <adec:decorative xmlns:adec="http://schemas.microsoft.com/office/drawing/2017/decorative" val="1"/>
+              </a:ext>
+            </a:extLst>
+          </p:cNvPr>
+          <p:cNvSpPr>
+            <a:spLocks noGrp="1" noRot="1" noChangeAspect="1" noMove="1" noResize="1" noEditPoints="1" noAdjustHandles="1" noChangeArrowheads="1" noChangeShapeType="1" noTextEdit="1"/>
+          </p:cNvSpPr>
+          <p:nvPr>
+            <p:extLst>
+              <p:ext uri="{386F3935-93C4-4BCD-93E2-E3B085C9AB24}">
+                <p16:designElem xmlns:p16="http://schemas.microsoft.com/office/powerpoint/2015/main" val="1"/>
+              </p:ext>
+            </p:extLst>
+          </p:nvPr>
+        </p:nvSpPr>
+        <p:spPr>
+          <a:xfrm rot="16200000">
+            <a:off x="10289068" y="1343027"/>
+            <a:ext cx="2532832" cy="1273032"/>
+          </a:xfrm>
+          <a:prstGeom prst="triangle">
+            <a:avLst>
+              <a:gd name="adj" fmla="val 50000"/>
+            </a:avLst>
+          </a:prstGeom>
+          <a:solidFill>
+            <a:schemeClr val="accent4">
+              <a:alpha val="30000"/>
+            </a:schemeClr>
+          </a:solidFill>
+          <a:ln>
+            <a:noFill/>
+          </a:ln>
+        </p:spPr>
+        <p:style>
+          <a:lnRef idx="2">
+            <a:schemeClr val="accent1">
+              <a:shade val="50000"/>
+            </a:schemeClr>
+          </a:lnRef>
+          <a:fillRef idx="1">
+            <a:schemeClr val="accent1"/>
+          </a:fillRef>
+          <a:effectRef idx="0">
+            <a:schemeClr val="accent1"/>
+          </a:effectRef>
+          <a:fontRef idx="minor">
+            <a:schemeClr val="lt1"/>
+          </a:fontRef>
+        </p:style>
+        <p:txBody>
+          <a:bodyPr rtlCol="0" anchor="ctr"/>
+          <a:lstStyle/>
+          <a:p>
+            <a:pPr algn="ctr"/>
+            <a:endParaRPr lang="en-US"/>
+          </a:p>
+        </p:txBody>
+      </p:sp>
+      <p:sp>
+        <p:nvSpPr>
+          <p:cNvPr id="45" name="Isosceles Triangle 44">
+            <a:extLst>
+              <a:ext uri="{FF2B5EF4-FFF2-40B4-BE49-F238E27FC236}">
+                <a16:creationId xmlns:a16="http://schemas.microsoft.com/office/drawing/2014/main" id="{D3F51FEB-38FB-4F6C-9F7B-2F2AFAB65463}"/>
+              </a:ext>
+              <a:ext uri="{C183D7F6-B498-43B3-948B-1728B52AA6E4}">
+                <adec:decorative xmlns:adec="http://schemas.microsoft.com/office/drawing/2017/decorative" val="1"/>
+              </a:ext>
+            </a:extLst>
+          </p:cNvPr>
+          <p:cNvSpPr>
+            <a:spLocks noGrp="1" noRot="1" noChangeAspect="1" noMove="1" noResize="1" noEditPoints="1" noAdjustHandles="1" noChangeArrowheads="1" noChangeShapeType="1" noTextEdit="1"/>
+          </p:cNvSpPr>
+          <p:nvPr>
+            <p:extLst>
+              <p:ext uri="{386F3935-93C4-4BCD-93E2-E3B085C9AB24}">
+                <p16:designElem xmlns:p16="http://schemas.microsoft.com/office/powerpoint/2015/main" val="1"/>
+              </p:ext>
+            </p:extLst>
+          </p:nvPr>
+        </p:nvSpPr>
+        <p:spPr>
+          <a:xfrm rot="5400000">
+            <a:off x="-501760" y="5103257"/>
+            <a:ext cx="2017580" cy="1014060"/>
+          </a:xfrm>
+          <a:prstGeom prst="triangle">
+            <a:avLst>
+              <a:gd name="adj" fmla="val 50000"/>
+            </a:avLst>
+          </a:prstGeom>
+          <a:solidFill>
+            <a:schemeClr val="accent1">
+              <a:alpha val="30000"/>
+            </a:schemeClr>
+          </a:solidFill>
+          <a:ln>
+            <a:noFill/>
+          </a:ln>
+        </p:spPr>
+        <p:style>
+          <a:lnRef idx="2">
+            <a:schemeClr val="accent1">
+              <a:shade val="50000"/>
+            </a:schemeClr>
+          </a:lnRef>
+          <a:fillRef idx="1">
+            <a:schemeClr val="accent1"/>
+          </a:fillRef>
+          <a:effectRef idx="0">
+            <a:schemeClr val="accent1"/>
+          </a:effectRef>
+          <a:fontRef idx="minor">
+            <a:schemeClr val="lt1"/>
+          </a:fontRef>
+        </p:style>
+        <p:txBody>
+          <a:bodyPr wrap="square" rtlCol="0" anchor="ctr">
+            <a:noAutofit/>
+          </a:bodyPr>
+          <a:lstStyle/>
+          <a:p>
+            <a:pPr algn="ctr"/>
+            <a:endParaRPr lang="en-US"/>
+          </a:p>
+        </p:txBody>
+      </p:sp>
+      <p:sp>
+        <p:nvSpPr>
+          <p:cNvPr id="47" name="Rectangle 46">
+            <a:extLst>
+              <a:ext uri="{FF2B5EF4-FFF2-40B4-BE49-F238E27FC236}">
+                <a16:creationId xmlns:a16="http://schemas.microsoft.com/office/drawing/2014/main" id="{1E547BA6-BAE0-43BB-A7CA-60F69CE252F0}"/>
+              </a:ext>
+              <a:ext uri="{C183D7F6-B498-43B3-948B-1728B52AA6E4}">
+                <adec:decorative xmlns:adec="http://schemas.microsoft.com/office/drawing/2017/decorative" val="1"/>
+              </a:ext>
+            </a:extLst>
+          </p:cNvPr>
+          <p:cNvSpPr>
+            <a:spLocks noGrp="1" noRot="1" noChangeAspect="1" noMove="1" noResize="1" noEditPoints="1" noAdjustHandles="1" noChangeArrowheads="1" noChangeShapeType="1" noTextEdit="1"/>
+          </p:cNvSpPr>
+          <p:nvPr>
+            <p:extLst>
+              <p:ext uri="{386F3935-93C4-4BCD-93E2-E3B085C9AB24}">
+                <p16:designElem xmlns:p16="http://schemas.microsoft.com/office/powerpoint/2015/main" val="1"/>
+              </p:ext>
+            </p:extLst>
+          </p:nvPr>
+        </p:nvSpPr>
+        <p:spPr>
+          <a:xfrm rot="2700000">
+            <a:off x="427916" y="5728708"/>
+            <a:ext cx="485578" cy="485578"/>
+          </a:xfrm>
+          <a:prstGeom prst="rect">
+            <a:avLst/>
+          </a:prstGeom>
+          <a:solidFill>
+            <a:schemeClr val="accent1">
+              <a:alpha val="30000"/>
+            </a:schemeClr>
+          </a:solidFill>
+          <a:ln>
+            <a:noFill/>
+          </a:ln>
+        </p:spPr>
+        <p:style>
+          <a:lnRef idx="2">
+            <a:schemeClr val="accent1">
+              <a:shade val="50000"/>
+            </a:schemeClr>
+          </a:lnRef>
+          <a:fillRef idx="1">
+            <a:schemeClr val="accent1"/>
+          </a:fillRef>
+          <a:effectRef idx="0">
+            <a:schemeClr val="accent1"/>
+          </a:effectRef>
+          <a:fontRef idx="minor">
+            <a:schemeClr val="lt1"/>
+          </a:fontRef>
+        </p:style>
+        <p:txBody>
+          <a:bodyPr wrap="square" rtlCol="0" anchor="ctr">
+            <a:noAutofit/>
+          </a:bodyPr>
+          <a:lstStyle/>
+          <a:p>
+            <a:pPr algn="ctr"/>
+            <a:endParaRPr lang="en-US"/>
+          </a:p>
+        </p:txBody>
+      </p:sp>
+    </p:spTree>
+    <p:extLst>
+      <p:ext uri="{BB962C8B-B14F-4D97-AF65-F5344CB8AC3E}">
+        <p14:creationId xmlns:p14="http://schemas.microsoft.com/office/powerpoint/2010/main" val="818561505"/>
       </p:ext>
     </p:extLst>
   </p:cSld>
@@ -3576,9 +5712,9 @@
 </file>
 
 <file path=ppt/theme/theme1.xml><?xml version="1.0" encoding="utf-8"?>
-<a:theme xmlns:a="http://schemas.openxmlformats.org/drawingml/2006/main" name="Tema do Office">
+<a:theme xmlns:a="http://schemas.openxmlformats.org/drawingml/2006/main" name="Office Theme">
   <a:themeElements>
-    <a:clrScheme name="Escritório">
+    <a:clrScheme name="Office Theme">
       <a:dk1>
         <a:sysClr val="windowText" lastClr="000000"/>
       </a:dk1>
@@ -3616,14 +5752,14 @@
         <a:srgbClr val="954F72"/>
       </a:folHlink>
     </a:clrScheme>
-    <a:fontScheme name="Escritório">
+    <a:fontScheme name="Office Theme">
       <a:majorFont>
         <a:latin typeface="Calibri Light" panose="020F0302020204030204"/>
         <a:ea typeface=""/>
         <a:cs typeface=""/>
-        <a:font script="Jpan" typeface="ＭＳ Ｐゴシック"/>
+        <a:font script="Jpan" typeface="游ゴシック Light"/>
         <a:font script="Hang" typeface="맑은 고딕"/>
-        <a:font script="Hans" typeface="宋体"/>
+        <a:font script="Hans" typeface="等线 Light"/>
         <a:font script="Hant" typeface="新細明體"/>
         <a:font script="Arab" typeface="Times New Roman"/>
         <a:font script="Hebr" typeface="Times New Roman"/>
@@ -3656,9 +5792,9 @@
         <a:latin typeface="Calibri" panose="020F0502020204030204"/>
         <a:ea typeface=""/>
         <a:cs typeface=""/>
-        <a:font script="Jpan" typeface="ＭＳ Ｐゴシック"/>
+        <a:font script="Jpan" typeface="游ゴシック"/>
         <a:font script="Hang" typeface="맑은 고딕"/>
-        <a:font script="Hans" typeface="宋体"/>
+        <a:font script="Hans" typeface="等线"/>
         <a:font script="Hant" typeface="新細明體"/>
         <a:font script="Arab" typeface="Arial"/>
         <a:font script="Hebr" typeface="Arial"/>
@@ -3688,7 +5824,7 @@
         <a:font script="Geor" typeface="Sylfaen"/>
       </a:minorFont>
     </a:fontScheme>
-    <a:fmtScheme name="Escritório">
+    <a:fmtScheme name="Office Theme">
       <a:fillStyleLst>
         <a:solidFill>
           <a:schemeClr val="phClr"/>

--- a/RELATORIO PROVA P2/relatorio-pmbok-capitulo4-jharbes.pptx
+++ b/RELATORIO PROVA P2/relatorio-pmbok-capitulo4-jharbes.pptx
@@ -11,6 +11,10 @@
     <p:sldId id="259" r:id="rId5"/>
     <p:sldId id="260" r:id="rId6"/>
     <p:sldId id="261" r:id="rId7"/>
+    <p:sldId id="262" r:id="rId8"/>
+    <p:sldId id="263" r:id="rId9"/>
+    <p:sldId id="264" r:id="rId10"/>
+    <p:sldId id="265" r:id="rId11"/>
   </p:sldIdLst>
   <p:sldSz cx="12192000" cy="6858000"/>
   <p:notesSz cx="6858000" cy="9144000"/>
@@ -120,7 +124,7 @@
 <file path=ppt/revisionInfo.xml><?xml version="1.0" encoding="utf-8"?>
 <p1510:revInfo xmlns:a="http://schemas.openxmlformats.org/drawingml/2006/main" xmlns:r="http://schemas.openxmlformats.org/officeDocument/2006/relationships" xmlns:p1510="http://schemas.microsoft.com/office/powerpoint/2015/10/main">
   <p1510:revLst>
-    <p1510:client id="{48F91746-B893-61F0-E2B5-F484DCEDD16B}" v="339" dt="2022-12-03T12:17:06.023"/>
+    <p1510:client id="{48F91746-B893-61F0-E2B5-F484DCEDD16B}" v="352" dt="2022-12-03T12:34:12.174"/>
     <p1510:client id="{89141EF4-D9B1-448E-BF85-A061974F4635}" v="40" dt="2022-11-30T16:19:30.454"/>
     <p1510:client id="{AAE71220-A1A8-A349-D335-1D78B8499119}" v="13" dt="2022-12-03T12:10:22.569"/>
   </p1510:revLst>
@@ -3158,6 +3162,553 @@
 </p:sld>
 </file>
 
+<file path=ppt/slides/slide10.xml><?xml version="1.0" encoding="utf-8"?>
+<p:sld xmlns:a="http://schemas.openxmlformats.org/drawingml/2006/main" xmlns:r="http://schemas.openxmlformats.org/officeDocument/2006/relationships" xmlns:p="http://schemas.openxmlformats.org/presentationml/2006/main">
+  <p:cSld>
+    <p:bg>
+      <p:bgPr>
+        <a:solidFill>
+          <a:schemeClr val="bg1"/>
+        </a:solidFill>
+        <a:effectLst/>
+      </p:bgPr>
+    </p:bg>
+    <p:spTree>
+      <p:nvGrpSpPr>
+        <p:cNvPr id="1" name=""/>
+        <p:cNvGrpSpPr/>
+        <p:nvPr/>
+      </p:nvGrpSpPr>
+      <p:grpSpPr>
+        <a:xfrm>
+          <a:off x="0" y="0"/>
+          <a:ext cx="0" cy="0"/>
+          <a:chOff x="0" y="0"/>
+          <a:chExt cx="0" cy="0"/>
+        </a:xfrm>
+      </p:grpSpPr>
+      <p:sp>
+        <p:nvSpPr>
+          <p:cNvPr id="39" name="Rectangle 38">
+            <a:extLst>
+              <a:ext uri="{FF2B5EF4-FFF2-40B4-BE49-F238E27FC236}">
+                <a16:creationId xmlns:a16="http://schemas.microsoft.com/office/drawing/2014/main" id="{2B566528-1B12-4246-9431-5C2D7D081168}"/>
+              </a:ext>
+              <a:ext uri="{C183D7F6-B498-43B3-948B-1728B52AA6E4}">
+                <adec:decorative xmlns:adec="http://schemas.microsoft.com/office/drawing/2017/decorative" val="1"/>
+              </a:ext>
+            </a:extLst>
+          </p:cNvPr>
+          <p:cNvSpPr>
+            <a:spLocks noGrp="1" noRot="1" noChangeAspect="1" noMove="1" noResize="1" noEditPoints="1" noAdjustHandles="1" noChangeArrowheads="1" noChangeShapeType="1" noTextEdit="1"/>
+          </p:cNvSpPr>
+          <p:nvPr>
+            <p:extLst>
+              <p:ext uri="{386F3935-93C4-4BCD-93E2-E3B085C9AB24}">
+                <p16:designElem xmlns:p16="http://schemas.microsoft.com/office/powerpoint/2015/main" val="1"/>
+              </p:ext>
+            </p:extLst>
+          </p:nvPr>
+        </p:nvSpPr>
+        <p:spPr>
+          <a:xfrm>
+            <a:off x="0" y="0"/>
+            <a:ext cx="12192000" cy="6858000"/>
+          </a:xfrm>
+          <a:prstGeom prst="rect">
+            <a:avLst/>
+          </a:prstGeom>
+          <a:solidFill>
+            <a:schemeClr val="bg1"/>
+          </a:solidFill>
+          <a:ln>
+            <a:noFill/>
+          </a:ln>
+        </p:spPr>
+        <p:style>
+          <a:lnRef idx="2">
+            <a:schemeClr val="accent1">
+              <a:shade val="50000"/>
+            </a:schemeClr>
+          </a:lnRef>
+          <a:fillRef idx="1">
+            <a:schemeClr val="accent1"/>
+          </a:fillRef>
+          <a:effectRef idx="0">
+            <a:schemeClr val="accent1"/>
+          </a:effectRef>
+          <a:fontRef idx="minor">
+            <a:schemeClr val="lt1"/>
+          </a:fontRef>
+        </p:style>
+        <p:txBody>
+          <a:bodyPr rtlCol="0" anchor="ctr"/>
+          <a:lstStyle/>
+          <a:p>
+            <a:pPr algn="ctr"/>
+            <a:endParaRPr lang="en-US" dirty="0"/>
+          </a:p>
+        </p:txBody>
+      </p:sp>
+      <p:sp>
+        <p:nvSpPr>
+          <p:cNvPr id="2" name="Título 1">
+            <a:extLst>
+              <a:ext uri="{FF2B5EF4-FFF2-40B4-BE49-F238E27FC236}">
+                <a16:creationId xmlns:a16="http://schemas.microsoft.com/office/drawing/2014/main" id="{46991FFA-5E35-051D-3B8C-8962250E1C9A}"/>
+              </a:ext>
+            </a:extLst>
+          </p:cNvPr>
+          <p:cNvSpPr>
+            <a:spLocks noGrp="1"/>
+          </p:cNvSpPr>
+          <p:nvPr>
+            <p:ph type="title"/>
+          </p:nvPr>
+        </p:nvSpPr>
+        <p:spPr>
+          <a:xfrm>
+            <a:off x="643467" y="321734"/>
+            <a:ext cx="10905066" cy="1135737"/>
+          </a:xfrm>
+        </p:spPr>
+        <p:txBody>
+          <a:bodyPr>
+            <a:normAutofit/>
+          </a:bodyPr>
+          <a:lstStyle/>
+          <a:p>
+            <a:r>
+              <a:rPr lang="pt-BR" sz="3600" b="1" dirty="0">
+                <a:ea typeface="+mj-lt"/>
+                <a:cs typeface="+mj-lt"/>
+              </a:rPr>
+              <a:t>Detalhamento das Entradas</a:t>
+            </a:r>
+            <a:endParaRPr lang="pt-BR" dirty="0"/>
+          </a:p>
+        </p:txBody>
+      </p:sp>
+      <p:sp>
+        <p:nvSpPr>
+          <p:cNvPr id="3" name="Espaço Reservado para Conteúdo 2">
+            <a:extLst>
+              <a:ext uri="{FF2B5EF4-FFF2-40B4-BE49-F238E27FC236}">
+                <a16:creationId xmlns:a16="http://schemas.microsoft.com/office/drawing/2014/main" id="{1F560DD4-1938-249D-D353-6A108002A6DE}"/>
+              </a:ext>
+            </a:extLst>
+          </p:cNvPr>
+          <p:cNvSpPr>
+            <a:spLocks noGrp="1"/>
+          </p:cNvSpPr>
+          <p:nvPr>
+            <p:ph idx="1"/>
+          </p:nvPr>
+        </p:nvSpPr>
+        <p:spPr>
+          <a:xfrm>
+            <a:off x="643467" y="1782981"/>
+            <a:ext cx="10905066" cy="4393982"/>
+          </a:xfrm>
+        </p:spPr>
+        <p:txBody>
+          <a:bodyPr vert="horz" lIns="91440" tIns="45720" rIns="91440" bIns="45720" rtlCol="0" anchor="t">
+            <a:normAutofit/>
+          </a:bodyPr>
+          <a:lstStyle/>
+          <a:p>
+            <a:pPr>
+              <a:buNone/>
+            </a:pPr>
+            <a:r>
+              <a:rPr lang="pt-BR" sz="2000" dirty="0">
+                <a:ea typeface="+mn-lt"/>
+                <a:cs typeface="+mn-lt"/>
+              </a:rPr>
+              <a:t>Ainda fatores ambientais da empresa</a:t>
+            </a:r>
+            <a:endParaRPr lang="pt-BR" dirty="0"/>
+          </a:p>
+          <a:p>
+            <a:pPr>
+              <a:buNone/>
+            </a:pPr>
+            <a:r>
+              <a:rPr lang="pt-BR" sz="2000" dirty="0">
+                <a:ea typeface="+mn-lt"/>
+                <a:cs typeface="+mn-lt"/>
+              </a:rPr>
+              <a:t>Tolerância a risco das partes interessadas</a:t>
+            </a:r>
+            <a:endParaRPr lang="pt-BR" dirty="0"/>
+          </a:p>
+          <a:p>
+            <a:pPr>
+              <a:buNone/>
+            </a:pPr>
+            <a:r>
+              <a:rPr lang="pt-BR" sz="2000" dirty="0">
+                <a:ea typeface="+mn-lt"/>
+                <a:cs typeface="+mn-lt"/>
+              </a:rPr>
+              <a:t>Bancos de dados comerciais (dados padronizados de estimativa de custos, informações sobre estudos de risco do setor e bancos de dados de riscos)</a:t>
+            </a:r>
+            <a:endParaRPr lang="pt-BR" dirty="0"/>
+          </a:p>
+          <a:p>
+            <a:pPr>
+              <a:buNone/>
+            </a:pPr>
+            <a:r>
+              <a:rPr lang="pt-BR" sz="2000" dirty="0">
+                <a:ea typeface="+mn-lt"/>
+                <a:cs typeface="+mn-lt"/>
+              </a:rPr>
+              <a:t>Sistemas de informações do gerenciamento de projetos (conjunto de ferramentas automatizadas, para elaboração de cronogramas, sistema de gerenciamento de configuração, coleta e distribuição de informações ou interfaces Web para outros sistemas on-line automatizados).</a:t>
+            </a:r>
+            <a:endParaRPr lang="pt-BR" dirty="0"/>
+          </a:p>
+          <a:p>
+            <a:pPr>
+              <a:buNone/>
+            </a:pPr>
+            <a:endParaRPr lang="pt-BR" sz="2000" dirty="0">
+              <a:cs typeface="Calibri"/>
+            </a:endParaRPr>
+          </a:p>
+          <a:p>
+            <a:pPr>
+              <a:buNone/>
+            </a:pPr>
+            <a:endParaRPr lang="pt-BR" sz="2000" dirty="0">
+              <a:cs typeface="Calibri"/>
+            </a:endParaRPr>
+          </a:p>
+          <a:p>
+            <a:pPr>
+              <a:buNone/>
+            </a:pPr>
+            <a:endParaRPr lang="pt-BR" sz="2000" dirty="0">
+              <a:cs typeface="Calibri"/>
+            </a:endParaRPr>
+          </a:p>
+          <a:p>
+            <a:pPr>
+              <a:buNone/>
+            </a:pPr>
+            <a:endParaRPr lang="pt-BR" sz="2000" dirty="0">
+              <a:ea typeface="+mn-lt"/>
+              <a:cs typeface="+mn-lt"/>
+            </a:endParaRPr>
+          </a:p>
+          <a:p>
+            <a:pPr>
+              <a:buNone/>
+            </a:pPr>
+            <a:endParaRPr lang="pt-BR" sz="2000" dirty="0">
+              <a:cs typeface="Calibri" panose="020F0502020204030204"/>
+            </a:endParaRPr>
+          </a:p>
+          <a:p>
+            <a:pPr marL="0" indent="0">
+              <a:buNone/>
+            </a:pPr>
+            <a:endParaRPr lang="pt-BR" sz="2000" dirty="0">
+              <a:cs typeface="Calibri" panose="020F0502020204030204"/>
+            </a:endParaRPr>
+          </a:p>
+          <a:p>
+            <a:endParaRPr lang="pt-BR" sz="2000" dirty="0">
+              <a:solidFill>
+                <a:srgbClr val="000000"/>
+              </a:solidFill>
+              <a:ea typeface="+mn-lt"/>
+              <a:cs typeface="+mn-lt"/>
+            </a:endParaRPr>
+          </a:p>
+        </p:txBody>
+      </p:sp>
+      <p:sp>
+        <p:nvSpPr>
+          <p:cNvPr id="41" name="Rectangle 40">
+            <a:extLst>
+              <a:ext uri="{FF2B5EF4-FFF2-40B4-BE49-F238E27FC236}">
+                <a16:creationId xmlns:a16="http://schemas.microsoft.com/office/drawing/2014/main" id="{2E80C965-DB6D-4F81-9E9E-B027384D0BD6}"/>
+              </a:ext>
+              <a:ext uri="{C183D7F6-B498-43B3-948B-1728B52AA6E4}">
+                <adec:decorative xmlns:adec="http://schemas.microsoft.com/office/drawing/2017/decorative" val="1"/>
+              </a:ext>
+            </a:extLst>
+          </p:cNvPr>
+          <p:cNvSpPr>
+            <a:spLocks noGrp="1" noRot="1" noChangeAspect="1" noMove="1" noResize="1" noEditPoints="1" noAdjustHandles="1" noChangeArrowheads="1" noChangeShapeType="1" noTextEdit="1"/>
+          </p:cNvSpPr>
+          <p:nvPr>
+            <p:extLst>
+              <p:ext uri="{386F3935-93C4-4BCD-93E2-E3B085C9AB24}">
+                <p16:designElem xmlns:p16="http://schemas.microsoft.com/office/powerpoint/2015/main" val="1"/>
+              </p:ext>
+            </p:extLst>
+          </p:nvPr>
+        </p:nvSpPr>
+        <p:spPr>
+          <a:xfrm rot="2700000">
+            <a:off x="11052629" y="2120024"/>
+            <a:ext cx="645368" cy="645368"/>
+          </a:xfrm>
+          <a:prstGeom prst="rect">
+            <a:avLst/>
+          </a:prstGeom>
+          <a:solidFill>
+            <a:schemeClr val="accent4">
+              <a:alpha val="30000"/>
+            </a:schemeClr>
+          </a:solidFill>
+          <a:ln>
+            <a:noFill/>
+          </a:ln>
+        </p:spPr>
+        <p:style>
+          <a:lnRef idx="2">
+            <a:schemeClr val="accent1">
+              <a:shade val="50000"/>
+            </a:schemeClr>
+          </a:lnRef>
+          <a:fillRef idx="1">
+            <a:schemeClr val="accent1"/>
+          </a:fillRef>
+          <a:effectRef idx="0">
+            <a:schemeClr val="accent1"/>
+          </a:effectRef>
+          <a:fontRef idx="minor">
+            <a:schemeClr val="lt1"/>
+          </a:fontRef>
+        </p:style>
+        <p:txBody>
+          <a:bodyPr rtlCol="0" anchor="ctr"/>
+          <a:lstStyle/>
+          <a:p>
+            <a:pPr algn="ctr"/>
+            <a:endParaRPr lang="en-US"/>
+          </a:p>
+        </p:txBody>
+      </p:sp>
+      <p:sp>
+        <p:nvSpPr>
+          <p:cNvPr id="43" name="Isosceles Triangle 42">
+            <a:extLst>
+              <a:ext uri="{FF2B5EF4-FFF2-40B4-BE49-F238E27FC236}">
+                <a16:creationId xmlns:a16="http://schemas.microsoft.com/office/drawing/2014/main" id="{A580F890-B085-4E95-96AA-55AEBEC5CE6E}"/>
+              </a:ext>
+              <a:ext uri="{C183D7F6-B498-43B3-948B-1728B52AA6E4}">
+                <adec:decorative xmlns:adec="http://schemas.microsoft.com/office/drawing/2017/decorative" val="1"/>
+              </a:ext>
+            </a:extLst>
+          </p:cNvPr>
+          <p:cNvSpPr>
+            <a:spLocks noGrp="1" noRot="1" noChangeAspect="1" noMove="1" noResize="1" noEditPoints="1" noAdjustHandles="1" noChangeArrowheads="1" noChangeShapeType="1" noTextEdit="1"/>
+          </p:cNvSpPr>
+          <p:nvPr>
+            <p:extLst>
+              <p:ext uri="{386F3935-93C4-4BCD-93E2-E3B085C9AB24}">
+                <p16:designElem xmlns:p16="http://schemas.microsoft.com/office/powerpoint/2015/main" val="1"/>
+              </p:ext>
+            </p:extLst>
+          </p:nvPr>
+        </p:nvSpPr>
+        <p:spPr>
+          <a:xfrm rot="16200000">
+            <a:off x="10289068" y="1343027"/>
+            <a:ext cx="2532832" cy="1273032"/>
+          </a:xfrm>
+          <a:prstGeom prst="triangle">
+            <a:avLst>
+              <a:gd name="adj" fmla="val 50000"/>
+            </a:avLst>
+          </a:prstGeom>
+          <a:solidFill>
+            <a:schemeClr val="accent4">
+              <a:alpha val="30000"/>
+            </a:schemeClr>
+          </a:solidFill>
+          <a:ln>
+            <a:noFill/>
+          </a:ln>
+        </p:spPr>
+        <p:style>
+          <a:lnRef idx="2">
+            <a:schemeClr val="accent1">
+              <a:shade val="50000"/>
+            </a:schemeClr>
+          </a:lnRef>
+          <a:fillRef idx="1">
+            <a:schemeClr val="accent1"/>
+          </a:fillRef>
+          <a:effectRef idx="0">
+            <a:schemeClr val="accent1"/>
+          </a:effectRef>
+          <a:fontRef idx="minor">
+            <a:schemeClr val="lt1"/>
+          </a:fontRef>
+        </p:style>
+        <p:txBody>
+          <a:bodyPr rtlCol="0" anchor="ctr"/>
+          <a:lstStyle/>
+          <a:p>
+            <a:pPr algn="ctr"/>
+            <a:endParaRPr lang="en-US"/>
+          </a:p>
+        </p:txBody>
+      </p:sp>
+      <p:sp>
+        <p:nvSpPr>
+          <p:cNvPr id="45" name="Isosceles Triangle 44">
+            <a:extLst>
+              <a:ext uri="{FF2B5EF4-FFF2-40B4-BE49-F238E27FC236}">
+                <a16:creationId xmlns:a16="http://schemas.microsoft.com/office/drawing/2014/main" id="{D3F51FEB-38FB-4F6C-9F7B-2F2AFAB65463}"/>
+              </a:ext>
+              <a:ext uri="{C183D7F6-B498-43B3-948B-1728B52AA6E4}">
+                <adec:decorative xmlns:adec="http://schemas.microsoft.com/office/drawing/2017/decorative" val="1"/>
+              </a:ext>
+            </a:extLst>
+          </p:cNvPr>
+          <p:cNvSpPr>
+            <a:spLocks noGrp="1" noRot="1" noChangeAspect="1" noMove="1" noResize="1" noEditPoints="1" noAdjustHandles="1" noChangeArrowheads="1" noChangeShapeType="1" noTextEdit="1"/>
+          </p:cNvSpPr>
+          <p:nvPr>
+            <p:extLst>
+              <p:ext uri="{386F3935-93C4-4BCD-93E2-E3B085C9AB24}">
+                <p16:designElem xmlns:p16="http://schemas.microsoft.com/office/powerpoint/2015/main" val="1"/>
+              </p:ext>
+            </p:extLst>
+          </p:nvPr>
+        </p:nvSpPr>
+        <p:spPr>
+          <a:xfrm rot="5400000">
+            <a:off x="-501760" y="5103257"/>
+            <a:ext cx="2017580" cy="1014060"/>
+          </a:xfrm>
+          <a:prstGeom prst="triangle">
+            <a:avLst>
+              <a:gd name="adj" fmla="val 50000"/>
+            </a:avLst>
+          </a:prstGeom>
+          <a:solidFill>
+            <a:schemeClr val="accent1">
+              <a:alpha val="30000"/>
+            </a:schemeClr>
+          </a:solidFill>
+          <a:ln>
+            <a:noFill/>
+          </a:ln>
+        </p:spPr>
+        <p:style>
+          <a:lnRef idx="2">
+            <a:schemeClr val="accent1">
+              <a:shade val="50000"/>
+            </a:schemeClr>
+          </a:lnRef>
+          <a:fillRef idx="1">
+            <a:schemeClr val="accent1"/>
+          </a:fillRef>
+          <a:effectRef idx="0">
+            <a:schemeClr val="accent1"/>
+          </a:effectRef>
+          <a:fontRef idx="minor">
+            <a:schemeClr val="lt1"/>
+          </a:fontRef>
+        </p:style>
+        <p:txBody>
+          <a:bodyPr wrap="square" rtlCol="0" anchor="ctr">
+            <a:noAutofit/>
+          </a:bodyPr>
+          <a:lstStyle/>
+          <a:p>
+            <a:pPr algn="ctr"/>
+            <a:endParaRPr lang="en-US"/>
+          </a:p>
+        </p:txBody>
+      </p:sp>
+      <p:sp>
+        <p:nvSpPr>
+          <p:cNvPr id="47" name="Rectangle 46">
+            <a:extLst>
+              <a:ext uri="{FF2B5EF4-FFF2-40B4-BE49-F238E27FC236}">
+                <a16:creationId xmlns:a16="http://schemas.microsoft.com/office/drawing/2014/main" id="{1E547BA6-BAE0-43BB-A7CA-60F69CE252F0}"/>
+              </a:ext>
+              <a:ext uri="{C183D7F6-B498-43B3-948B-1728B52AA6E4}">
+                <adec:decorative xmlns:adec="http://schemas.microsoft.com/office/drawing/2017/decorative" val="1"/>
+              </a:ext>
+            </a:extLst>
+          </p:cNvPr>
+          <p:cNvSpPr>
+            <a:spLocks noGrp="1" noRot="1" noChangeAspect="1" noMove="1" noResize="1" noEditPoints="1" noAdjustHandles="1" noChangeArrowheads="1" noChangeShapeType="1" noTextEdit="1"/>
+          </p:cNvSpPr>
+          <p:nvPr>
+            <p:extLst>
+              <p:ext uri="{386F3935-93C4-4BCD-93E2-E3B085C9AB24}">
+                <p16:designElem xmlns:p16="http://schemas.microsoft.com/office/powerpoint/2015/main" val="1"/>
+              </p:ext>
+            </p:extLst>
+          </p:nvPr>
+        </p:nvSpPr>
+        <p:spPr>
+          <a:xfrm rot="2700000">
+            <a:off x="427916" y="5728708"/>
+            <a:ext cx="485578" cy="485578"/>
+          </a:xfrm>
+          <a:prstGeom prst="rect">
+            <a:avLst/>
+          </a:prstGeom>
+          <a:solidFill>
+            <a:schemeClr val="accent1">
+              <a:alpha val="30000"/>
+            </a:schemeClr>
+          </a:solidFill>
+          <a:ln>
+            <a:noFill/>
+          </a:ln>
+        </p:spPr>
+        <p:style>
+          <a:lnRef idx="2">
+            <a:schemeClr val="accent1">
+              <a:shade val="50000"/>
+            </a:schemeClr>
+          </a:lnRef>
+          <a:fillRef idx="1">
+            <a:schemeClr val="accent1"/>
+          </a:fillRef>
+          <a:effectRef idx="0">
+            <a:schemeClr val="accent1"/>
+          </a:effectRef>
+          <a:fontRef idx="minor">
+            <a:schemeClr val="lt1"/>
+          </a:fontRef>
+        </p:style>
+        <p:txBody>
+          <a:bodyPr wrap="square" rtlCol="0" anchor="ctr">
+            <a:noAutofit/>
+          </a:bodyPr>
+          <a:lstStyle/>
+          <a:p>
+            <a:pPr algn="ctr"/>
+            <a:endParaRPr lang="en-US"/>
+          </a:p>
+        </p:txBody>
+      </p:sp>
+    </p:spTree>
+    <p:extLst>
+      <p:ext uri="{BB962C8B-B14F-4D97-AF65-F5344CB8AC3E}">
+        <p14:creationId xmlns:p14="http://schemas.microsoft.com/office/powerpoint/2010/main" val="810214421"/>
+      </p:ext>
+    </p:extLst>
+  </p:cSld>
+  <p:clrMapOvr>
+    <a:masterClrMapping/>
+  </p:clrMapOvr>
+</p:sld>
+</file>
+
 <file path=ppt/slides/slide2.xml><?xml version="1.0" encoding="utf-8"?>
 <p:sld xmlns:a="http://schemas.openxmlformats.org/drawingml/2006/main" xmlns:r="http://schemas.openxmlformats.org/officeDocument/2006/relationships" xmlns:p="http://schemas.openxmlformats.org/presentationml/2006/main">
   <p:cSld>
@@ -5702,6 +6253,1705 @@
     <p:extLst>
       <p:ext uri="{BB962C8B-B14F-4D97-AF65-F5344CB8AC3E}">
         <p14:creationId xmlns:p14="http://schemas.microsoft.com/office/powerpoint/2010/main" val="818561505"/>
+      </p:ext>
+    </p:extLst>
+  </p:cSld>
+  <p:clrMapOvr>
+    <a:masterClrMapping/>
+  </p:clrMapOvr>
+</p:sld>
+</file>
+
+<file path=ppt/slides/slide7.xml><?xml version="1.0" encoding="utf-8"?>
+<p:sld xmlns:a="http://schemas.openxmlformats.org/drawingml/2006/main" xmlns:r="http://schemas.openxmlformats.org/officeDocument/2006/relationships" xmlns:p="http://schemas.openxmlformats.org/presentationml/2006/main">
+  <p:cSld>
+    <p:bg>
+      <p:bgPr>
+        <a:solidFill>
+          <a:schemeClr val="bg1"/>
+        </a:solidFill>
+        <a:effectLst/>
+      </p:bgPr>
+    </p:bg>
+    <p:spTree>
+      <p:nvGrpSpPr>
+        <p:cNvPr id="1" name=""/>
+        <p:cNvGrpSpPr/>
+        <p:nvPr/>
+      </p:nvGrpSpPr>
+      <p:grpSpPr>
+        <a:xfrm>
+          <a:off x="0" y="0"/>
+          <a:ext cx="0" cy="0"/>
+          <a:chOff x="0" y="0"/>
+          <a:chExt cx="0" cy="0"/>
+        </a:xfrm>
+      </p:grpSpPr>
+      <p:sp>
+        <p:nvSpPr>
+          <p:cNvPr id="39" name="Rectangle 38">
+            <a:extLst>
+              <a:ext uri="{FF2B5EF4-FFF2-40B4-BE49-F238E27FC236}">
+                <a16:creationId xmlns:a16="http://schemas.microsoft.com/office/drawing/2014/main" id="{2B566528-1B12-4246-9431-5C2D7D081168}"/>
+              </a:ext>
+              <a:ext uri="{C183D7F6-B498-43B3-948B-1728B52AA6E4}">
+                <adec:decorative xmlns:adec="http://schemas.microsoft.com/office/drawing/2017/decorative" val="1"/>
+              </a:ext>
+            </a:extLst>
+          </p:cNvPr>
+          <p:cNvSpPr>
+            <a:spLocks noGrp="1" noRot="1" noChangeAspect="1" noMove="1" noResize="1" noEditPoints="1" noAdjustHandles="1" noChangeArrowheads="1" noChangeShapeType="1" noTextEdit="1"/>
+          </p:cNvSpPr>
+          <p:nvPr>
+            <p:extLst>
+              <p:ext uri="{386F3935-93C4-4BCD-93E2-E3B085C9AB24}">
+                <p16:designElem xmlns:p16="http://schemas.microsoft.com/office/powerpoint/2015/main" val="1"/>
+              </p:ext>
+            </p:extLst>
+          </p:nvPr>
+        </p:nvSpPr>
+        <p:spPr>
+          <a:xfrm>
+            <a:off x="0" y="0"/>
+            <a:ext cx="12192000" cy="6858000"/>
+          </a:xfrm>
+          <a:prstGeom prst="rect">
+            <a:avLst/>
+          </a:prstGeom>
+          <a:solidFill>
+            <a:schemeClr val="bg1"/>
+          </a:solidFill>
+          <a:ln>
+            <a:noFill/>
+          </a:ln>
+        </p:spPr>
+        <p:style>
+          <a:lnRef idx="2">
+            <a:schemeClr val="accent1">
+              <a:shade val="50000"/>
+            </a:schemeClr>
+          </a:lnRef>
+          <a:fillRef idx="1">
+            <a:schemeClr val="accent1"/>
+          </a:fillRef>
+          <a:effectRef idx="0">
+            <a:schemeClr val="accent1"/>
+          </a:effectRef>
+          <a:fontRef idx="minor">
+            <a:schemeClr val="lt1"/>
+          </a:fontRef>
+        </p:style>
+        <p:txBody>
+          <a:bodyPr rtlCol="0" anchor="ctr"/>
+          <a:lstStyle/>
+          <a:p>
+            <a:pPr algn="ctr"/>
+            <a:endParaRPr lang="en-US" dirty="0"/>
+          </a:p>
+        </p:txBody>
+      </p:sp>
+      <p:sp>
+        <p:nvSpPr>
+          <p:cNvPr id="2" name="Título 1">
+            <a:extLst>
+              <a:ext uri="{FF2B5EF4-FFF2-40B4-BE49-F238E27FC236}">
+                <a16:creationId xmlns:a16="http://schemas.microsoft.com/office/drawing/2014/main" id="{46991FFA-5E35-051D-3B8C-8962250E1C9A}"/>
+              </a:ext>
+            </a:extLst>
+          </p:cNvPr>
+          <p:cNvSpPr>
+            <a:spLocks noGrp="1"/>
+          </p:cNvSpPr>
+          <p:nvPr>
+            <p:ph type="title"/>
+          </p:nvPr>
+        </p:nvSpPr>
+        <p:spPr>
+          <a:xfrm>
+            <a:off x="643467" y="321734"/>
+            <a:ext cx="10905066" cy="1135737"/>
+          </a:xfrm>
+        </p:spPr>
+        <p:txBody>
+          <a:bodyPr>
+            <a:normAutofit/>
+          </a:bodyPr>
+          <a:lstStyle/>
+          <a:p>
+            <a:r>
+              <a:rPr lang="pt-BR" sz="3600" b="1" dirty="0">
+                <a:ea typeface="+mj-lt"/>
+                <a:cs typeface="+mj-lt"/>
+              </a:rPr>
+              <a:t>Detalhamento das Entradas</a:t>
+            </a:r>
+            <a:endParaRPr lang="pt-BR" dirty="0"/>
+          </a:p>
+        </p:txBody>
+      </p:sp>
+      <p:sp>
+        <p:nvSpPr>
+          <p:cNvPr id="3" name="Espaço Reservado para Conteúdo 2">
+            <a:extLst>
+              <a:ext uri="{FF2B5EF4-FFF2-40B4-BE49-F238E27FC236}">
+                <a16:creationId xmlns:a16="http://schemas.microsoft.com/office/drawing/2014/main" id="{1F560DD4-1938-249D-D353-6A108002A6DE}"/>
+              </a:ext>
+            </a:extLst>
+          </p:cNvPr>
+          <p:cNvSpPr>
+            <a:spLocks noGrp="1"/>
+          </p:cNvSpPr>
+          <p:nvPr>
+            <p:ph idx="1"/>
+          </p:nvPr>
+        </p:nvSpPr>
+        <p:spPr>
+          <a:xfrm>
+            <a:off x="643467" y="1782981"/>
+            <a:ext cx="10905066" cy="4393982"/>
+          </a:xfrm>
+        </p:spPr>
+        <p:txBody>
+          <a:bodyPr vert="horz" lIns="91440" tIns="45720" rIns="91440" bIns="45720" rtlCol="0" anchor="t">
+            <a:normAutofit/>
+          </a:bodyPr>
+          <a:lstStyle/>
+          <a:p>
+            <a:pPr>
+              <a:buNone/>
+            </a:pPr>
+            <a:r>
+              <a:rPr lang="pt-BR" sz="2000" dirty="0">
+                <a:ea typeface="+mn-lt"/>
+                <a:cs typeface="+mn-lt"/>
+              </a:rPr>
+              <a:t>A declaração de trabalho deve conter pelo menos:</a:t>
+            </a:r>
+            <a:endParaRPr lang="pt-BR" dirty="0"/>
+          </a:p>
+          <a:p>
+            <a:pPr>
+              <a:buNone/>
+            </a:pPr>
+            <a:r>
+              <a:rPr lang="pt-BR" sz="2000" dirty="0">
+                <a:ea typeface="+mn-lt"/>
+                <a:cs typeface="+mn-lt"/>
+              </a:rPr>
+              <a:t>O problema a resolver – pode ser uma demanda de mercado, avanço tecnológico, requisito legal ou consideração ambiental.</a:t>
+            </a:r>
+            <a:endParaRPr lang="pt-BR" dirty="0"/>
+          </a:p>
+          <a:p>
+            <a:pPr>
+              <a:buNone/>
+            </a:pPr>
+            <a:r>
+              <a:rPr lang="pt-BR" sz="2000" dirty="0">
+                <a:ea typeface="+mn-lt"/>
+                <a:cs typeface="+mn-lt"/>
+              </a:rPr>
+              <a:t>Delimitação do escopo do produto e restrições para o trabalho de desenvolvimento.</a:t>
+            </a:r>
+            <a:endParaRPr lang="pt-BR" dirty="0"/>
+          </a:p>
+          <a:p>
+            <a:pPr>
+              <a:buNone/>
+            </a:pPr>
+            <a:r>
+              <a:rPr lang="pt-BR" sz="2000" dirty="0">
+                <a:ea typeface="+mn-lt"/>
+                <a:cs typeface="+mn-lt"/>
+              </a:rPr>
+              <a:t>Alinhamento ao plano estratégico da entidade – projetos devem contribuir para os objetivos maiores da empresa.</a:t>
+            </a:r>
+            <a:endParaRPr lang="pt-BR" dirty="0"/>
+          </a:p>
+          <a:p>
+            <a:pPr>
+              <a:buNone/>
+            </a:pPr>
+            <a:endParaRPr lang="pt-BR" sz="2000" dirty="0">
+              <a:ea typeface="+mn-lt"/>
+              <a:cs typeface="+mn-lt"/>
+            </a:endParaRPr>
+          </a:p>
+          <a:p>
+            <a:pPr>
+              <a:buNone/>
+            </a:pPr>
+            <a:endParaRPr lang="pt-BR" sz="2000" dirty="0">
+              <a:cs typeface="Calibri" panose="020F0502020204030204"/>
+            </a:endParaRPr>
+          </a:p>
+          <a:p>
+            <a:pPr marL="0" indent="0">
+              <a:buNone/>
+            </a:pPr>
+            <a:endParaRPr lang="pt-BR" sz="2000" dirty="0">
+              <a:cs typeface="Calibri" panose="020F0502020204030204"/>
+            </a:endParaRPr>
+          </a:p>
+          <a:p>
+            <a:endParaRPr lang="pt-BR" sz="2000" dirty="0">
+              <a:solidFill>
+                <a:srgbClr val="000000"/>
+              </a:solidFill>
+              <a:ea typeface="+mn-lt"/>
+              <a:cs typeface="+mn-lt"/>
+            </a:endParaRPr>
+          </a:p>
+        </p:txBody>
+      </p:sp>
+      <p:sp>
+        <p:nvSpPr>
+          <p:cNvPr id="41" name="Rectangle 40">
+            <a:extLst>
+              <a:ext uri="{FF2B5EF4-FFF2-40B4-BE49-F238E27FC236}">
+                <a16:creationId xmlns:a16="http://schemas.microsoft.com/office/drawing/2014/main" id="{2E80C965-DB6D-4F81-9E9E-B027384D0BD6}"/>
+              </a:ext>
+              <a:ext uri="{C183D7F6-B498-43B3-948B-1728B52AA6E4}">
+                <adec:decorative xmlns:adec="http://schemas.microsoft.com/office/drawing/2017/decorative" val="1"/>
+              </a:ext>
+            </a:extLst>
+          </p:cNvPr>
+          <p:cNvSpPr>
+            <a:spLocks noGrp="1" noRot="1" noChangeAspect="1" noMove="1" noResize="1" noEditPoints="1" noAdjustHandles="1" noChangeArrowheads="1" noChangeShapeType="1" noTextEdit="1"/>
+          </p:cNvSpPr>
+          <p:nvPr>
+            <p:extLst>
+              <p:ext uri="{386F3935-93C4-4BCD-93E2-E3B085C9AB24}">
+                <p16:designElem xmlns:p16="http://schemas.microsoft.com/office/powerpoint/2015/main" val="1"/>
+              </p:ext>
+            </p:extLst>
+          </p:nvPr>
+        </p:nvSpPr>
+        <p:spPr>
+          <a:xfrm rot="2700000">
+            <a:off x="11052629" y="2120024"/>
+            <a:ext cx="645368" cy="645368"/>
+          </a:xfrm>
+          <a:prstGeom prst="rect">
+            <a:avLst/>
+          </a:prstGeom>
+          <a:solidFill>
+            <a:schemeClr val="accent4">
+              <a:alpha val="30000"/>
+            </a:schemeClr>
+          </a:solidFill>
+          <a:ln>
+            <a:noFill/>
+          </a:ln>
+        </p:spPr>
+        <p:style>
+          <a:lnRef idx="2">
+            <a:schemeClr val="accent1">
+              <a:shade val="50000"/>
+            </a:schemeClr>
+          </a:lnRef>
+          <a:fillRef idx="1">
+            <a:schemeClr val="accent1"/>
+          </a:fillRef>
+          <a:effectRef idx="0">
+            <a:schemeClr val="accent1"/>
+          </a:effectRef>
+          <a:fontRef idx="minor">
+            <a:schemeClr val="lt1"/>
+          </a:fontRef>
+        </p:style>
+        <p:txBody>
+          <a:bodyPr rtlCol="0" anchor="ctr"/>
+          <a:lstStyle/>
+          <a:p>
+            <a:pPr algn="ctr"/>
+            <a:endParaRPr lang="en-US"/>
+          </a:p>
+        </p:txBody>
+      </p:sp>
+      <p:sp>
+        <p:nvSpPr>
+          <p:cNvPr id="43" name="Isosceles Triangle 42">
+            <a:extLst>
+              <a:ext uri="{FF2B5EF4-FFF2-40B4-BE49-F238E27FC236}">
+                <a16:creationId xmlns:a16="http://schemas.microsoft.com/office/drawing/2014/main" id="{A580F890-B085-4E95-96AA-55AEBEC5CE6E}"/>
+              </a:ext>
+              <a:ext uri="{C183D7F6-B498-43B3-948B-1728B52AA6E4}">
+                <adec:decorative xmlns:adec="http://schemas.microsoft.com/office/drawing/2017/decorative" val="1"/>
+              </a:ext>
+            </a:extLst>
+          </p:cNvPr>
+          <p:cNvSpPr>
+            <a:spLocks noGrp="1" noRot="1" noChangeAspect="1" noMove="1" noResize="1" noEditPoints="1" noAdjustHandles="1" noChangeArrowheads="1" noChangeShapeType="1" noTextEdit="1"/>
+          </p:cNvSpPr>
+          <p:nvPr>
+            <p:extLst>
+              <p:ext uri="{386F3935-93C4-4BCD-93E2-E3B085C9AB24}">
+                <p16:designElem xmlns:p16="http://schemas.microsoft.com/office/powerpoint/2015/main" val="1"/>
+              </p:ext>
+            </p:extLst>
+          </p:nvPr>
+        </p:nvSpPr>
+        <p:spPr>
+          <a:xfrm rot="16200000">
+            <a:off x="10289068" y="1343027"/>
+            <a:ext cx="2532832" cy="1273032"/>
+          </a:xfrm>
+          <a:prstGeom prst="triangle">
+            <a:avLst>
+              <a:gd name="adj" fmla="val 50000"/>
+            </a:avLst>
+          </a:prstGeom>
+          <a:solidFill>
+            <a:schemeClr val="accent4">
+              <a:alpha val="30000"/>
+            </a:schemeClr>
+          </a:solidFill>
+          <a:ln>
+            <a:noFill/>
+          </a:ln>
+        </p:spPr>
+        <p:style>
+          <a:lnRef idx="2">
+            <a:schemeClr val="accent1">
+              <a:shade val="50000"/>
+            </a:schemeClr>
+          </a:lnRef>
+          <a:fillRef idx="1">
+            <a:schemeClr val="accent1"/>
+          </a:fillRef>
+          <a:effectRef idx="0">
+            <a:schemeClr val="accent1"/>
+          </a:effectRef>
+          <a:fontRef idx="minor">
+            <a:schemeClr val="lt1"/>
+          </a:fontRef>
+        </p:style>
+        <p:txBody>
+          <a:bodyPr rtlCol="0" anchor="ctr"/>
+          <a:lstStyle/>
+          <a:p>
+            <a:pPr algn="ctr"/>
+            <a:endParaRPr lang="en-US"/>
+          </a:p>
+        </p:txBody>
+      </p:sp>
+      <p:sp>
+        <p:nvSpPr>
+          <p:cNvPr id="45" name="Isosceles Triangle 44">
+            <a:extLst>
+              <a:ext uri="{FF2B5EF4-FFF2-40B4-BE49-F238E27FC236}">
+                <a16:creationId xmlns:a16="http://schemas.microsoft.com/office/drawing/2014/main" id="{D3F51FEB-38FB-4F6C-9F7B-2F2AFAB65463}"/>
+              </a:ext>
+              <a:ext uri="{C183D7F6-B498-43B3-948B-1728B52AA6E4}">
+                <adec:decorative xmlns:adec="http://schemas.microsoft.com/office/drawing/2017/decorative" val="1"/>
+              </a:ext>
+            </a:extLst>
+          </p:cNvPr>
+          <p:cNvSpPr>
+            <a:spLocks noGrp="1" noRot="1" noChangeAspect="1" noMove="1" noResize="1" noEditPoints="1" noAdjustHandles="1" noChangeArrowheads="1" noChangeShapeType="1" noTextEdit="1"/>
+          </p:cNvSpPr>
+          <p:nvPr>
+            <p:extLst>
+              <p:ext uri="{386F3935-93C4-4BCD-93E2-E3B085C9AB24}">
+                <p16:designElem xmlns:p16="http://schemas.microsoft.com/office/powerpoint/2015/main" val="1"/>
+              </p:ext>
+            </p:extLst>
+          </p:nvPr>
+        </p:nvSpPr>
+        <p:spPr>
+          <a:xfrm rot="5400000">
+            <a:off x="-501760" y="5103257"/>
+            <a:ext cx="2017580" cy="1014060"/>
+          </a:xfrm>
+          <a:prstGeom prst="triangle">
+            <a:avLst>
+              <a:gd name="adj" fmla="val 50000"/>
+            </a:avLst>
+          </a:prstGeom>
+          <a:solidFill>
+            <a:schemeClr val="accent1">
+              <a:alpha val="30000"/>
+            </a:schemeClr>
+          </a:solidFill>
+          <a:ln>
+            <a:noFill/>
+          </a:ln>
+        </p:spPr>
+        <p:style>
+          <a:lnRef idx="2">
+            <a:schemeClr val="accent1">
+              <a:shade val="50000"/>
+            </a:schemeClr>
+          </a:lnRef>
+          <a:fillRef idx="1">
+            <a:schemeClr val="accent1"/>
+          </a:fillRef>
+          <a:effectRef idx="0">
+            <a:schemeClr val="accent1"/>
+          </a:effectRef>
+          <a:fontRef idx="minor">
+            <a:schemeClr val="lt1"/>
+          </a:fontRef>
+        </p:style>
+        <p:txBody>
+          <a:bodyPr wrap="square" rtlCol="0" anchor="ctr">
+            <a:noAutofit/>
+          </a:bodyPr>
+          <a:lstStyle/>
+          <a:p>
+            <a:pPr algn="ctr"/>
+            <a:endParaRPr lang="en-US"/>
+          </a:p>
+        </p:txBody>
+      </p:sp>
+      <p:sp>
+        <p:nvSpPr>
+          <p:cNvPr id="47" name="Rectangle 46">
+            <a:extLst>
+              <a:ext uri="{FF2B5EF4-FFF2-40B4-BE49-F238E27FC236}">
+                <a16:creationId xmlns:a16="http://schemas.microsoft.com/office/drawing/2014/main" id="{1E547BA6-BAE0-43BB-A7CA-60F69CE252F0}"/>
+              </a:ext>
+              <a:ext uri="{C183D7F6-B498-43B3-948B-1728B52AA6E4}">
+                <adec:decorative xmlns:adec="http://schemas.microsoft.com/office/drawing/2017/decorative" val="1"/>
+              </a:ext>
+            </a:extLst>
+          </p:cNvPr>
+          <p:cNvSpPr>
+            <a:spLocks noGrp="1" noRot="1" noChangeAspect="1" noMove="1" noResize="1" noEditPoints="1" noAdjustHandles="1" noChangeArrowheads="1" noChangeShapeType="1" noTextEdit="1"/>
+          </p:cNvSpPr>
+          <p:nvPr>
+            <p:extLst>
+              <p:ext uri="{386F3935-93C4-4BCD-93E2-E3B085C9AB24}">
+                <p16:designElem xmlns:p16="http://schemas.microsoft.com/office/powerpoint/2015/main" val="1"/>
+              </p:ext>
+            </p:extLst>
+          </p:nvPr>
+        </p:nvSpPr>
+        <p:spPr>
+          <a:xfrm rot="2700000">
+            <a:off x="427916" y="5728708"/>
+            <a:ext cx="485578" cy="485578"/>
+          </a:xfrm>
+          <a:prstGeom prst="rect">
+            <a:avLst/>
+          </a:prstGeom>
+          <a:solidFill>
+            <a:schemeClr val="accent1">
+              <a:alpha val="30000"/>
+            </a:schemeClr>
+          </a:solidFill>
+          <a:ln>
+            <a:noFill/>
+          </a:ln>
+        </p:spPr>
+        <p:style>
+          <a:lnRef idx="2">
+            <a:schemeClr val="accent1">
+              <a:shade val="50000"/>
+            </a:schemeClr>
+          </a:lnRef>
+          <a:fillRef idx="1">
+            <a:schemeClr val="accent1"/>
+          </a:fillRef>
+          <a:effectRef idx="0">
+            <a:schemeClr val="accent1"/>
+          </a:effectRef>
+          <a:fontRef idx="minor">
+            <a:schemeClr val="lt1"/>
+          </a:fontRef>
+        </p:style>
+        <p:txBody>
+          <a:bodyPr wrap="square" rtlCol="0" anchor="ctr">
+            <a:noAutofit/>
+          </a:bodyPr>
+          <a:lstStyle/>
+          <a:p>
+            <a:pPr algn="ctr"/>
+            <a:endParaRPr lang="en-US"/>
+          </a:p>
+        </p:txBody>
+      </p:sp>
+    </p:spTree>
+    <p:extLst>
+      <p:ext uri="{BB962C8B-B14F-4D97-AF65-F5344CB8AC3E}">
+        <p14:creationId xmlns:p14="http://schemas.microsoft.com/office/powerpoint/2010/main" val="3136037066"/>
+      </p:ext>
+    </p:extLst>
+  </p:cSld>
+  <p:clrMapOvr>
+    <a:masterClrMapping/>
+  </p:clrMapOvr>
+</p:sld>
+</file>
+
+<file path=ppt/slides/slide8.xml><?xml version="1.0" encoding="utf-8"?>
+<p:sld xmlns:a="http://schemas.openxmlformats.org/drawingml/2006/main" xmlns:r="http://schemas.openxmlformats.org/officeDocument/2006/relationships" xmlns:p="http://schemas.openxmlformats.org/presentationml/2006/main">
+  <p:cSld>
+    <p:bg>
+      <p:bgPr>
+        <a:solidFill>
+          <a:schemeClr val="bg1"/>
+        </a:solidFill>
+        <a:effectLst/>
+      </p:bgPr>
+    </p:bg>
+    <p:spTree>
+      <p:nvGrpSpPr>
+        <p:cNvPr id="1" name=""/>
+        <p:cNvGrpSpPr/>
+        <p:nvPr/>
+      </p:nvGrpSpPr>
+      <p:grpSpPr>
+        <a:xfrm>
+          <a:off x="0" y="0"/>
+          <a:ext cx="0" cy="0"/>
+          <a:chOff x="0" y="0"/>
+          <a:chExt cx="0" cy="0"/>
+        </a:xfrm>
+      </p:grpSpPr>
+      <p:sp>
+        <p:nvSpPr>
+          <p:cNvPr id="39" name="Rectangle 38">
+            <a:extLst>
+              <a:ext uri="{FF2B5EF4-FFF2-40B4-BE49-F238E27FC236}">
+                <a16:creationId xmlns:a16="http://schemas.microsoft.com/office/drawing/2014/main" id="{2B566528-1B12-4246-9431-5C2D7D081168}"/>
+              </a:ext>
+              <a:ext uri="{C183D7F6-B498-43B3-948B-1728B52AA6E4}">
+                <adec:decorative xmlns:adec="http://schemas.microsoft.com/office/drawing/2017/decorative" val="1"/>
+              </a:ext>
+            </a:extLst>
+          </p:cNvPr>
+          <p:cNvSpPr>
+            <a:spLocks noGrp="1" noRot="1" noChangeAspect="1" noMove="1" noResize="1" noEditPoints="1" noAdjustHandles="1" noChangeArrowheads="1" noChangeShapeType="1" noTextEdit="1"/>
+          </p:cNvSpPr>
+          <p:nvPr>
+            <p:extLst>
+              <p:ext uri="{386F3935-93C4-4BCD-93E2-E3B085C9AB24}">
+                <p16:designElem xmlns:p16="http://schemas.microsoft.com/office/powerpoint/2015/main" val="1"/>
+              </p:ext>
+            </p:extLst>
+          </p:nvPr>
+        </p:nvSpPr>
+        <p:spPr>
+          <a:xfrm>
+            <a:off x="0" y="0"/>
+            <a:ext cx="12192000" cy="6858000"/>
+          </a:xfrm>
+          <a:prstGeom prst="rect">
+            <a:avLst/>
+          </a:prstGeom>
+          <a:solidFill>
+            <a:schemeClr val="bg1"/>
+          </a:solidFill>
+          <a:ln>
+            <a:noFill/>
+          </a:ln>
+        </p:spPr>
+        <p:style>
+          <a:lnRef idx="2">
+            <a:schemeClr val="accent1">
+              <a:shade val="50000"/>
+            </a:schemeClr>
+          </a:lnRef>
+          <a:fillRef idx="1">
+            <a:schemeClr val="accent1"/>
+          </a:fillRef>
+          <a:effectRef idx="0">
+            <a:schemeClr val="accent1"/>
+          </a:effectRef>
+          <a:fontRef idx="minor">
+            <a:schemeClr val="lt1"/>
+          </a:fontRef>
+        </p:style>
+        <p:txBody>
+          <a:bodyPr rtlCol="0" anchor="ctr"/>
+          <a:lstStyle/>
+          <a:p>
+            <a:pPr algn="ctr"/>
+            <a:endParaRPr lang="en-US" dirty="0"/>
+          </a:p>
+        </p:txBody>
+      </p:sp>
+      <p:sp>
+        <p:nvSpPr>
+          <p:cNvPr id="2" name="Título 1">
+            <a:extLst>
+              <a:ext uri="{FF2B5EF4-FFF2-40B4-BE49-F238E27FC236}">
+                <a16:creationId xmlns:a16="http://schemas.microsoft.com/office/drawing/2014/main" id="{46991FFA-5E35-051D-3B8C-8962250E1C9A}"/>
+              </a:ext>
+            </a:extLst>
+          </p:cNvPr>
+          <p:cNvSpPr>
+            <a:spLocks noGrp="1"/>
+          </p:cNvSpPr>
+          <p:nvPr>
+            <p:ph type="title"/>
+          </p:nvPr>
+        </p:nvSpPr>
+        <p:spPr>
+          <a:xfrm>
+            <a:off x="643467" y="321734"/>
+            <a:ext cx="10905066" cy="1135737"/>
+          </a:xfrm>
+        </p:spPr>
+        <p:txBody>
+          <a:bodyPr>
+            <a:normAutofit/>
+          </a:bodyPr>
+          <a:lstStyle/>
+          <a:p>
+            <a:r>
+              <a:rPr lang="pt-BR" sz="3600" b="1" dirty="0">
+                <a:ea typeface="+mj-lt"/>
+                <a:cs typeface="+mj-lt"/>
+              </a:rPr>
+              <a:t>Detalhamento das Entradas</a:t>
+            </a:r>
+            <a:endParaRPr lang="pt-BR" dirty="0"/>
+          </a:p>
+        </p:txBody>
+      </p:sp>
+      <p:sp>
+        <p:nvSpPr>
+          <p:cNvPr id="3" name="Espaço Reservado para Conteúdo 2">
+            <a:extLst>
+              <a:ext uri="{FF2B5EF4-FFF2-40B4-BE49-F238E27FC236}">
+                <a16:creationId xmlns:a16="http://schemas.microsoft.com/office/drawing/2014/main" id="{1F560DD4-1938-249D-D353-6A108002A6DE}"/>
+              </a:ext>
+            </a:extLst>
+          </p:cNvPr>
+          <p:cNvSpPr>
+            <a:spLocks noGrp="1"/>
+          </p:cNvSpPr>
+          <p:nvPr>
+            <p:ph idx="1"/>
+          </p:nvPr>
+        </p:nvSpPr>
+        <p:spPr>
+          <a:xfrm>
+            <a:off x="643467" y="1782981"/>
+            <a:ext cx="10905066" cy="4393982"/>
+          </a:xfrm>
+        </p:spPr>
+        <p:txBody>
+          <a:bodyPr vert="horz" lIns="91440" tIns="45720" rIns="91440" bIns="45720" rtlCol="0" anchor="t">
+            <a:normAutofit/>
+          </a:bodyPr>
+          <a:lstStyle/>
+          <a:p>
+            <a:pPr>
+              <a:buNone/>
+            </a:pPr>
+            <a:r>
+              <a:rPr lang="pt-BR" sz="2000" dirty="0">
+                <a:ea typeface="+mn-lt"/>
+                <a:cs typeface="+mn-lt"/>
+              </a:rPr>
+              <a:t>O modelo, o plano de negócio ou documento similar descreve a razão pela qual o projeto deve ser efetuado e suas fronteiras.</a:t>
+            </a:r>
+            <a:endParaRPr lang="pt-BR" dirty="0"/>
+          </a:p>
+          <a:p>
+            <a:pPr>
+              <a:buNone/>
+            </a:pPr>
+            <a:r>
+              <a:rPr lang="pt-BR" sz="2000" dirty="0">
+                <a:ea typeface="+mn-lt"/>
+                <a:cs typeface="+mn-lt"/>
+              </a:rPr>
+              <a:t>Traz a análise custo-benefício estabelecendo limites para o projeto.</a:t>
+            </a:r>
+            <a:endParaRPr lang="pt-BR" dirty="0"/>
+          </a:p>
+          <a:p>
+            <a:pPr>
+              <a:buNone/>
+            </a:pPr>
+            <a:r>
+              <a:rPr lang="pt-BR" sz="2000" dirty="0">
+                <a:ea typeface="+mn-lt"/>
+                <a:cs typeface="+mn-lt"/>
+              </a:rPr>
+              <a:t>Apresenta elementos para a análise de riscos, informações de interfaces, mercado esperado, influencias e pressupostos para a decisão de seguir com o projeto.</a:t>
+            </a:r>
+            <a:endParaRPr lang="pt-BR" dirty="0"/>
+          </a:p>
+          <a:p>
+            <a:pPr>
+              <a:buNone/>
+            </a:pPr>
+            <a:r>
+              <a:rPr lang="pt-BR" sz="2000" dirty="0">
+                <a:ea typeface="+mn-lt"/>
+                <a:cs typeface="+mn-lt"/>
+              </a:rPr>
+              <a:t>Acordos podem ter sido necessários</a:t>
+            </a:r>
+            <a:endParaRPr lang="pt-BR" dirty="0"/>
+          </a:p>
+          <a:p>
+            <a:pPr>
+              <a:buNone/>
+            </a:pPr>
+            <a:r>
+              <a:rPr lang="pt-BR" sz="2000" dirty="0">
+                <a:ea typeface="+mn-lt"/>
+                <a:cs typeface="+mn-lt"/>
+              </a:rPr>
+              <a:t>MOU (memorando de entendimentos)</a:t>
+            </a:r>
+            <a:endParaRPr lang="pt-BR" dirty="0"/>
+          </a:p>
+          <a:p>
+            <a:pPr>
+              <a:buNone/>
+            </a:pPr>
+            <a:r>
+              <a:rPr lang="pt-BR" sz="2000" dirty="0">
+                <a:ea typeface="+mn-lt"/>
+                <a:cs typeface="+mn-lt"/>
+              </a:rPr>
+              <a:t>SLA (acordo de níveis de serviço)</a:t>
+            </a:r>
+            <a:endParaRPr lang="pt-BR" dirty="0"/>
+          </a:p>
+          <a:p>
+            <a:pPr>
+              <a:buNone/>
+            </a:pPr>
+            <a:r>
+              <a:rPr lang="pt-BR" sz="2000" dirty="0">
+                <a:ea typeface="+mn-lt"/>
+                <a:cs typeface="+mn-lt"/>
+              </a:rPr>
+              <a:t>NDA (non </a:t>
+            </a:r>
+            <a:r>
+              <a:rPr lang="pt-BR" sz="2000" dirty="0" err="1">
+                <a:ea typeface="+mn-lt"/>
+                <a:cs typeface="+mn-lt"/>
+              </a:rPr>
+              <a:t>disclosure</a:t>
+            </a:r>
+            <a:r>
+              <a:rPr lang="pt-BR" sz="2000" dirty="0">
+                <a:ea typeface="+mn-lt"/>
+                <a:cs typeface="+mn-lt"/>
+              </a:rPr>
+              <a:t> </a:t>
+            </a:r>
+            <a:r>
+              <a:rPr lang="pt-BR" sz="2000" dirty="0" err="1">
+                <a:ea typeface="+mn-lt"/>
+                <a:cs typeface="+mn-lt"/>
+              </a:rPr>
+              <a:t>agreement</a:t>
+            </a:r>
+            <a:r>
+              <a:rPr lang="pt-BR" sz="2000" dirty="0">
+                <a:ea typeface="+mn-lt"/>
+                <a:cs typeface="+mn-lt"/>
+              </a:rPr>
+              <a:t> – sigilo)</a:t>
+            </a:r>
+            <a:endParaRPr lang="pt-BR" dirty="0"/>
+          </a:p>
+          <a:p>
+            <a:pPr>
+              <a:buNone/>
+            </a:pPr>
+            <a:r>
+              <a:rPr lang="pt-BR" sz="2000" dirty="0">
+                <a:ea typeface="+mn-lt"/>
+                <a:cs typeface="+mn-lt"/>
+              </a:rPr>
+              <a:t>Cartas de intenção...</a:t>
+            </a:r>
+            <a:endParaRPr lang="pt-BR" dirty="0"/>
+          </a:p>
+          <a:p>
+            <a:pPr>
+              <a:buNone/>
+            </a:pPr>
+            <a:endParaRPr lang="pt-BR" sz="2000" dirty="0">
+              <a:cs typeface="Calibri"/>
+            </a:endParaRPr>
+          </a:p>
+          <a:p>
+            <a:pPr>
+              <a:buNone/>
+            </a:pPr>
+            <a:endParaRPr lang="pt-BR" sz="2000" dirty="0">
+              <a:ea typeface="+mn-lt"/>
+              <a:cs typeface="+mn-lt"/>
+            </a:endParaRPr>
+          </a:p>
+          <a:p>
+            <a:pPr>
+              <a:buNone/>
+            </a:pPr>
+            <a:endParaRPr lang="pt-BR" sz="2000" dirty="0">
+              <a:cs typeface="Calibri" panose="020F0502020204030204"/>
+            </a:endParaRPr>
+          </a:p>
+          <a:p>
+            <a:pPr marL="0" indent="0">
+              <a:buNone/>
+            </a:pPr>
+            <a:endParaRPr lang="pt-BR" sz="2000" dirty="0">
+              <a:cs typeface="Calibri" panose="020F0502020204030204"/>
+            </a:endParaRPr>
+          </a:p>
+          <a:p>
+            <a:endParaRPr lang="pt-BR" sz="2000" dirty="0">
+              <a:solidFill>
+                <a:srgbClr val="000000"/>
+              </a:solidFill>
+              <a:ea typeface="+mn-lt"/>
+              <a:cs typeface="+mn-lt"/>
+            </a:endParaRPr>
+          </a:p>
+        </p:txBody>
+      </p:sp>
+      <p:sp>
+        <p:nvSpPr>
+          <p:cNvPr id="41" name="Rectangle 40">
+            <a:extLst>
+              <a:ext uri="{FF2B5EF4-FFF2-40B4-BE49-F238E27FC236}">
+                <a16:creationId xmlns:a16="http://schemas.microsoft.com/office/drawing/2014/main" id="{2E80C965-DB6D-4F81-9E9E-B027384D0BD6}"/>
+              </a:ext>
+              <a:ext uri="{C183D7F6-B498-43B3-948B-1728B52AA6E4}">
+                <adec:decorative xmlns:adec="http://schemas.microsoft.com/office/drawing/2017/decorative" val="1"/>
+              </a:ext>
+            </a:extLst>
+          </p:cNvPr>
+          <p:cNvSpPr>
+            <a:spLocks noGrp="1" noRot="1" noChangeAspect="1" noMove="1" noResize="1" noEditPoints="1" noAdjustHandles="1" noChangeArrowheads="1" noChangeShapeType="1" noTextEdit="1"/>
+          </p:cNvSpPr>
+          <p:nvPr>
+            <p:extLst>
+              <p:ext uri="{386F3935-93C4-4BCD-93E2-E3B085C9AB24}">
+                <p16:designElem xmlns:p16="http://schemas.microsoft.com/office/powerpoint/2015/main" val="1"/>
+              </p:ext>
+            </p:extLst>
+          </p:nvPr>
+        </p:nvSpPr>
+        <p:spPr>
+          <a:xfrm rot="2700000">
+            <a:off x="11052629" y="2120024"/>
+            <a:ext cx="645368" cy="645368"/>
+          </a:xfrm>
+          <a:prstGeom prst="rect">
+            <a:avLst/>
+          </a:prstGeom>
+          <a:solidFill>
+            <a:schemeClr val="accent4">
+              <a:alpha val="30000"/>
+            </a:schemeClr>
+          </a:solidFill>
+          <a:ln>
+            <a:noFill/>
+          </a:ln>
+        </p:spPr>
+        <p:style>
+          <a:lnRef idx="2">
+            <a:schemeClr val="accent1">
+              <a:shade val="50000"/>
+            </a:schemeClr>
+          </a:lnRef>
+          <a:fillRef idx="1">
+            <a:schemeClr val="accent1"/>
+          </a:fillRef>
+          <a:effectRef idx="0">
+            <a:schemeClr val="accent1"/>
+          </a:effectRef>
+          <a:fontRef idx="minor">
+            <a:schemeClr val="lt1"/>
+          </a:fontRef>
+        </p:style>
+        <p:txBody>
+          <a:bodyPr rtlCol="0" anchor="ctr"/>
+          <a:lstStyle/>
+          <a:p>
+            <a:pPr algn="ctr"/>
+            <a:endParaRPr lang="en-US"/>
+          </a:p>
+        </p:txBody>
+      </p:sp>
+      <p:sp>
+        <p:nvSpPr>
+          <p:cNvPr id="43" name="Isosceles Triangle 42">
+            <a:extLst>
+              <a:ext uri="{FF2B5EF4-FFF2-40B4-BE49-F238E27FC236}">
+                <a16:creationId xmlns:a16="http://schemas.microsoft.com/office/drawing/2014/main" id="{A580F890-B085-4E95-96AA-55AEBEC5CE6E}"/>
+              </a:ext>
+              <a:ext uri="{C183D7F6-B498-43B3-948B-1728B52AA6E4}">
+                <adec:decorative xmlns:adec="http://schemas.microsoft.com/office/drawing/2017/decorative" val="1"/>
+              </a:ext>
+            </a:extLst>
+          </p:cNvPr>
+          <p:cNvSpPr>
+            <a:spLocks noGrp="1" noRot="1" noChangeAspect="1" noMove="1" noResize="1" noEditPoints="1" noAdjustHandles="1" noChangeArrowheads="1" noChangeShapeType="1" noTextEdit="1"/>
+          </p:cNvSpPr>
+          <p:nvPr>
+            <p:extLst>
+              <p:ext uri="{386F3935-93C4-4BCD-93E2-E3B085C9AB24}">
+                <p16:designElem xmlns:p16="http://schemas.microsoft.com/office/powerpoint/2015/main" val="1"/>
+              </p:ext>
+            </p:extLst>
+          </p:nvPr>
+        </p:nvSpPr>
+        <p:spPr>
+          <a:xfrm rot="16200000">
+            <a:off x="10289068" y="1343027"/>
+            <a:ext cx="2532832" cy="1273032"/>
+          </a:xfrm>
+          <a:prstGeom prst="triangle">
+            <a:avLst>
+              <a:gd name="adj" fmla="val 50000"/>
+            </a:avLst>
+          </a:prstGeom>
+          <a:solidFill>
+            <a:schemeClr val="accent4">
+              <a:alpha val="30000"/>
+            </a:schemeClr>
+          </a:solidFill>
+          <a:ln>
+            <a:noFill/>
+          </a:ln>
+        </p:spPr>
+        <p:style>
+          <a:lnRef idx="2">
+            <a:schemeClr val="accent1">
+              <a:shade val="50000"/>
+            </a:schemeClr>
+          </a:lnRef>
+          <a:fillRef idx="1">
+            <a:schemeClr val="accent1"/>
+          </a:fillRef>
+          <a:effectRef idx="0">
+            <a:schemeClr val="accent1"/>
+          </a:effectRef>
+          <a:fontRef idx="minor">
+            <a:schemeClr val="lt1"/>
+          </a:fontRef>
+        </p:style>
+        <p:txBody>
+          <a:bodyPr rtlCol="0" anchor="ctr"/>
+          <a:lstStyle/>
+          <a:p>
+            <a:pPr algn="ctr"/>
+            <a:endParaRPr lang="en-US"/>
+          </a:p>
+        </p:txBody>
+      </p:sp>
+      <p:sp>
+        <p:nvSpPr>
+          <p:cNvPr id="45" name="Isosceles Triangle 44">
+            <a:extLst>
+              <a:ext uri="{FF2B5EF4-FFF2-40B4-BE49-F238E27FC236}">
+                <a16:creationId xmlns:a16="http://schemas.microsoft.com/office/drawing/2014/main" id="{D3F51FEB-38FB-4F6C-9F7B-2F2AFAB65463}"/>
+              </a:ext>
+              <a:ext uri="{C183D7F6-B498-43B3-948B-1728B52AA6E4}">
+                <adec:decorative xmlns:adec="http://schemas.microsoft.com/office/drawing/2017/decorative" val="1"/>
+              </a:ext>
+            </a:extLst>
+          </p:cNvPr>
+          <p:cNvSpPr>
+            <a:spLocks noGrp="1" noRot="1" noChangeAspect="1" noMove="1" noResize="1" noEditPoints="1" noAdjustHandles="1" noChangeArrowheads="1" noChangeShapeType="1" noTextEdit="1"/>
+          </p:cNvSpPr>
+          <p:nvPr>
+            <p:extLst>
+              <p:ext uri="{386F3935-93C4-4BCD-93E2-E3B085C9AB24}">
+                <p16:designElem xmlns:p16="http://schemas.microsoft.com/office/powerpoint/2015/main" val="1"/>
+              </p:ext>
+            </p:extLst>
+          </p:nvPr>
+        </p:nvSpPr>
+        <p:spPr>
+          <a:xfrm rot="5400000">
+            <a:off x="-501760" y="5103257"/>
+            <a:ext cx="2017580" cy="1014060"/>
+          </a:xfrm>
+          <a:prstGeom prst="triangle">
+            <a:avLst>
+              <a:gd name="adj" fmla="val 50000"/>
+            </a:avLst>
+          </a:prstGeom>
+          <a:solidFill>
+            <a:schemeClr val="accent1">
+              <a:alpha val="30000"/>
+            </a:schemeClr>
+          </a:solidFill>
+          <a:ln>
+            <a:noFill/>
+          </a:ln>
+        </p:spPr>
+        <p:style>
+          <a:lnRef idx="2">
+            <a:schemeClr val="accent1">
+              <a:shade val="50000"/>
+            </a:schemeClr>
+          </a:lnRef>
+          <a:fillRef idx="1">
+            <a:schemeClr val="accent1"/>
+          </a:fillRef>
+          <a:effectRef idx="0">
+            <a:schemeClr val="accent1"/>
+          </a:effectRef>
+          <a:fontRef idx="minor">
+            <a:schemeClr val="lt1"/>
+          </a:fontRef>
+        </p:style>
+        <p:txBody>
+          <a:bodyPr wrap="square" rtlCol="0" anchor="ctr">
+            <a:noAutofit/>
+          </a:bodyPr>
+          <a:lstStyle/>
+          <a:p>
+            <a:pPr algn="ctr"/>
+            <a:endParaRPr lang="en-US"/>
+          </a:p>
+        </p:txBody>
+      </p:sp>
+      <p:sp>
+        <p:nvSpPr>
+          <p:cNvPr id="47" name="Rectangle 46">
+            <a:extLst>
+              <a:ext uri="{FF2B5EF4-FFF2-40B4-BE49-F238E27FC236}">
+                <a16:creationId xmlns:a16="http://schemas.microsoft.com/office/drawing/2014/main" id="{1E547BA6-BAE0-43BB-A7CA-60F69CE252F0}"/>
+              </a:ext>
+              <a:ext uri="{C183D7F6-B498-43B3-948B-1728B52AA6E4}">
+                <adec:decorative xmlns:adec="http://schemas.microsoft.com/office/drawing/2017/decorative" val="1"/>
+              </a:ext>
+            </a:extLst>
+          </p:cNvPr>
+          <p:cNvSpPr>
+            <a:spLocks noGrp="1" noRot="1" noChangeAspect="1" noMove="1" noResize="1" noEditPoints="1" noAdjustHandles="1" noChangeArrowheads="1" noChangeShapeType="1" noTextEdit="1"/>
+          </p:cNvSpPr>
+          <p:nvPr>
+            <p:extLst>
+              <p:ext uri="{386F3935-93C4-4BCD-93E2-E3B085C9AB24}">
+                <p16:designElem xmlns:p16="http://schemas.microsoft.com/office/powerpoint/2015/main" val="1"/>
+              </p:ext>
+            </p:extLst>
+          </p:nvPr>
+        </p:nvSpPr>
+        <p:spPr>
+          <a:xfrm rot="2700000">
+            <a:off x="427916" y="5728708"/>
+            <a:ext cx="485578" cy="485578"/>
+          </a:xfrm>
+          <a:prstGeom prst="rect">
+            <a:avLst/>
+          </a:prstGeom>
+          <a:solidFill>
+            <a:schemeClr val="accent1">
+              <a:alpha val="30000"/>
+            </a:schemeClr>
+          </a:solidFill>
+          <a:ln>
+            <a:noFill/>
+          </a:ln>
+        </p:spPr>
+        <p:style>
+          <a:lnRef idx="2">
+            <a:schemeClr val="accent1">
+              <a:shade val="50000"/>
+            </a:schemeClr>
+          </a:lnRef>
+          <a:fillRef idx="1">
+            <a:schemeClr val="accent1"/>
+          </a:fillRef>
+          <a:effectRef idx="0">
+            <a:schemeClr val="accent1"/>
+          </a:effectRef>
+          <a:fontRef idx="minor">
+            <a:schemeClr val="lt1"/>
+          </a:fontRef>
+        </p:style>
+        <p:txBody>
+          <a:bodyPr wrap="square" rtlCol="0" anchor="ctr">
+            <a:noAutofit/>
+          </a:bodyPr>
+          <a:lstStyle/>
+          <a:p>
+            <a:pPr algn="ctr"/>
+            <a:endParaRPr lang="en-US"/>
+          </a:p>
+        </p:txBody>
+      </p:sp>
+    </p:spTree>
+    <p:extLst>
+      <p:ext uri="{BB962C8B-B14F-4D97-AF65-F5344CB8AC3E}">
+        <p14:creationId xmlns:p14="http://schemas.microsoft.com/office/powerpoint/2010/main" val="1466527007"/>
+      </p:ext>
+    </p:extLst>
+  </p:cSld>
+  <p:clrMapOvr>
+    <a:masterClrMapping/>
+  </p:clrMapOvr>
+</p:sld>
+</file>
+
+<file path=ppt/slides/slide9.xml><?xml version="1.0" encoding="utf-8"?>
+<p:sld xmlns:a="http://schemas.openxmlformats.org/drawingml/2006/main" xmlns:r="http://schemas.openxmlformats.org/officeDocument/2006/relationships" xmlns:p="http://schemas.openxmlformats.org/presentationml/2006/main">
+  <p:cSld>
+    <p:bg>
+      <p:bgPr>
+        <a:solidFill>
+          <a:schemeClr val="bg1"/>
+        </a:solidFill>
+        <a:effectLst/>
+      </p:bgPr>
+    </p:bg>
+    <p:spTree>
+      <p:nvGrpSpPr>
+        <p:cNvPr id="1" name=""/>
+        <p:cNvGrpSpPr/>
+        <p:nvPr/>
+      </p:nvGrpSpPr>
+      <p:grpSpPr>
+        <a:xfrm>
+          <a:off x="0" y="0"/>
+          <a:ext cx="0" cy="0"/>
+          <a:chOff x="0" y="0"/>
+          <a:chExt cx="0" cy="0"/>
+        </a:xfrm>
+      </p:grpSpPr>
+      <p:sp>
+        <p:nvSpPr>
+          <p:cNvPr id="39" name="Rectangle 38">
+            <a:extLst>
+              <a:ext uri="{FF2B5EF4-FFF2-40B4-BE49-F238E27FC236}">
+                <a16:creationId xmlns:a16="http://schemas.microsoft.com/office/drawing/2014/main" id="{2B566528-1B12-4246-9431-5C2D7D081168}"/>
+              </a:ext>
+              <a:ext uri="{C183D7F6-B498-43B3-948B-1728B52AA6E4}">
+                <adec:decorative xmlns:adec="http://schemas.microsoft.com/office/drawing/2017/decorative" val="1"/>
+              </a:ext>
+            </a:extLst>
+          </p:cNvPr>
+          <p:cNvSpPr>
+            <a:spLocks noGrp="1" noRot="1" noChangeAspect="1" noMove="1" noResize="1" noEditPoints="1" noAdjustHandles="1" noChangeArrowheads="1" noChangeShapeType="1" noTextEdit="1"/>
+          </p:cNvSpPr>
+          <p:nvPr>
+            <p:extLst>
+              <p:ext uri="{386F3935-93C4-4BCD-93E2-E3B085C9AB24}">
+                <p16:designElem xmlns:p16="http://schemas.microsoft.com/office/powerpoint/2015/main" val="1"/>
+              </p:ext>
+            </p:extLst>
+          </p:nvPr>
+        </p:nvSpPr>
+        <p:spPr>
+          <a:xfrm>
+            <a:off x="0" y="0"/>
+            <a:ext cx="12192000" cy="6858000"/>
+          </a:xfrm>
+          <a:prstGeom prst="rect">
+            <a:avLst/>
+          </a:prstGeom>
+          <a:solidFill>
+            <a:schemeClr val="bg1"/>
+          </a:solidFill>
+          <a:ln>
+            <a:noFill/>
+          </a:ln>
+        </p:spPr>
+        <p:style>
+          <a:lnRef idx="2">
+            <a:schemeClr val="accent1">
+              <a:shade val="50000"/>
+            </a:schemeClr>
+          </a:lnRef>
+          <a:fillRef idx="1">
+            <a:schemeClr val="accent1"/>
+          </a:fillRef>
+          <a:effectRef idx="0">
+            <a:schemeClr val="accent1"/>
+          </a:effectRef>
+          <a:fontRef idx="minor">
+            <a:schemeClr val="lt1"/>
+          </a:fontRef>
+        </p:style>
+        <p:txBody>
+          <a:bodyPr rtlCol="0" anchor="ctr"/>
+          <a:lstStyle/>
+          <a:p>
+            <a:pPr algn="ctr"/>
+            <a:endParaRPr lang="en-US" dirty="0"/>
+          </a:p>
+        </p:txBody>
+      </p:sp>
+      <p:sp>
+        <p:nvSpPr>
+          <p:cNvPr id="2" name="Título 1">
+            <a:extLst>
+              <a:ext uri="{FF2B5EF4-FFF2-40B4-BE49-F238E27FC236}">
+                <a16:creationId xmlns:a16="http://schemas.microsoft.com/office/drawing/2014/main" id="{46991FFA-5E35-051D-3B8C-8962250E1C9A}"/>
+              </a:ext>
+            </a:extLst>
+          </p:cNvPr>
+          <p:cNvSpPr>
+            <a:spLocks noGrp="1"/>
+          </p:cNvSpPr>
+          <p:nvPr>
+            <p:ph type="title"/>
+          </p:nvPr>
+        </p:nvSpPr>
+        <p:spPr>
+          <a:xfrm>
+            <a:off x="643467" y="321734"/>
+            <a:ext cx="10905066" cy="1135737"/>
+          </a:xfrm>
+        </p:spPr>
+        <p:txBody>
+          <a:bodyPr>
+            <a:normAutofit/>
+          </a:bodyPr>
+          <a:lstStyle/>
+          <a:p>
+            <a:r>
+              <a:rPr lang="pt-BR" sz="3600" b="1" dirty="0">
+                <a:ea typeface="+mj-lt"/>
+                <a:cs typeface="+mj-lt"/>
+              </a:rPr>
+              <a:t>Detalhamento das Entradas</a:t>
+            </a:r>
+            <a:endParaRPr lang="pt-BR" dirty="0"/>
+          </a:p>
+        </p:txBody>
+      </p:sp>
+      <p:sp>
+        <p:nvSpPr>
+          <p:cNvPr id="3" name="Espaço Reservado para Conteúdo 2">
+            <a:extLst>
+              <a:ext uri="{FF2B5EF4-FFF2-40B4-BE49-F238E27FC236}">
+                <a16:creationId xmlns:a16="http://schemas.microsoft.com/office/drawing/2014/main" id="{1F560DD4-1938-249D-D353-6A108002A6DE}"/>
+              </a:ext>
+            </a:extLst>
+          </p:cNvPr>
+          <p:cNvSpPr>
+            <a:spLocks noGrp="1"/>
+          </p:cNvSpPr>
+          <p:nvPr>
+            <p:ph idx="1"/>
+          </p:nvPr>
+        </p:nvSpPr>
+        <p:spPr>
+          <a:xfrm>
+            <a:off x="643467" y="1782981"/>
+            <a:ext cx="10905066" cy="4393982"/>
+          </a:xfrm>
+        </p:spPr>
+        <p:txBody>
+          <a:bodyPr vert="horz" lIns="91440" tIns="45720" rIns="91440" bIns="45720" rtlCol="0" anchor="t">
+            <a:normAutofit/>
+          </a:bodyPr>
+          <a:lstStyle/>
+          <a:p>
+            <a:pPr>
+              <a:buNone/>
+            </a:pPr>
+            <a:r>
+              <a:rPr lang="pt-BR" sz="2000" dirty="0">
+                <a:ea typeface="+mn-lt"/>
+                <a:cs typeface="+mn-lt"/>
+              </a:rPr>
+              <a:t>Nos fatores ambientais da empresa</a:t>
+            </a:r>
+            <a:endParaRPr lang="pt-BR" dirty="0"/>
+          </a:p>
+          <a:p>
+            <a:pPr>
+              <a:buNone/>
+            </a:pPr>
+            <a:r>
+              <a:rPr lang="pt-BR" sz="2000" dirty="0">
+                <a:ea typeface="+mn-lt"/>
+                <a:cs typeface="+mn-lt"/>
+              </a:rPr>
+              <a:t>Infraestrutura (equipamentos e instalações)</a:t>
+            </a:r>
+            <a:endParaRPr lang="pt-BR" dirty="0"/>
+          </a:p>
+          <a:p>
+            <a:pPr>
+              <a:buNone/>
+            </a:pPr>
+            <a:r>
+              <a:rPr lang="pt-BR" sz="2000" dirty="0">
+                <a:ea typeface="+mn-lt"/>
+                <a:cs typeface="+mn-lt"/>
+              </a:rPr>
+              <a:t>Recursos humanos (habilidades, disciplinas e conhecimento, como projeto, desenvolvimento, departamento jurídico, contratação e compras)</a:t>
+            </a:r>
+            <a:endParaRPr lang="pt-BR" dirty="0"/>
+          </a:p>
+          <a:p>
+            <a:pPr>
+              <a:buNone/>
+            </a:pPr>
+            <a:r>
+              <a:rPr lang="pt-BR" sz="2000" dirty="0">
+                <a:ea typeface="+mn-lt"/>
+                <a:cs typeface="+mn-lt"/>
+              </a:rPr>
+              <a:t>Administração de pessoal (diretrizes de contratação e demissão, análises de desempenho dos funcionários e registros de treinamento)</a:t>
+            </a:r>
+            <a:endParaRPr lang="pt-BR" dirty="0"/>
+          </a:p>
+          <a:p>
+            <a:pPr>
+              <a:buNone/>
+            </a:pPr>
+            <a:r>
+              <a:rPr lang="pt-BR" sz="2000" dirty="0">
+                <a:ea typeface="+mn-lt"/>
+                <a:cs typeface="+mn-lt"/>
+              </a:rPr>
+              <a:t>Sistema de autorização do trabalho da empresa</a:t>
+            </a:r>
+            <a:endParaRPr lang="pt-BR" dirty="0"/>
+          </a:p>
+          <a:p>
+            <a:pPr>
+              <a:buNone/>
+            </a:pPr>
+            <a:r>
+              <a:rPr lang="pt-BR" sz="2000" dirty="0">
+                <a:ea typeface="+mn-lt"/>
+                <a:cs typeface="+mn-lt"/>
+              </a:rPr>
+              <a:t>Condições do mercado</a:t>
+            </a:r>
+            <a:endParaRPr lang="pt-BR" dirty="0"/>
+          </a:p>
+          <a:p>
+            <a:pPr>
+              <a:buNone/>
+            </a:pPr>
+            <a:endParaRPr lang="pt-BR" sz="2000" dirty="0">
+              <a:cs typeface="Calibri"/>
+            </a:endParaRPr>
+          </a:p>
+          <a:p>
+            <a:pPr>
+              <a:buNone/>
+            </a:pPr>
+            <a:endParaRPr lang="pt-BR" sz="2000" dirty="0">
+              <a:cs typeface="Calibri"/>
+            </a:endParaRPr>
+          </a:p>
+          <a:p>
+            <a:pPr>
+              <a:buNone/>
+            </a:pPr>
+            <a:endParaRPr lang="pt-BR" sz="2000" dirty="0">
+              <a:ea typeface="+mn-lt"/>
+              <a:cs typeface="+mn-lt"/>
+            </a:endParaRPr>
+          </a:p>
+          <a:p>
+            <a:pPr>
+              <a:buNone/>
+            </a:pPr>
+            <a:endParaRPr lang="pt-BR" sz="2000" dirty="0">
+              <a:cs typeface="Calibri" panose="020F0502020204030204"/>
+            </a:endParaRPr>
+          </a:p>
+          <a:p>
+            <a:pPr marL="0" indent="0">
+              <a:buNone/>
+            </a:pPr>
+            <a:endParaRPr lang="pt-BR" sz="2000" dirty="0">
+              <a:cs typeface="Calibri" panose="020F0502020204030204"/>
+            </a:endParaRPr>
+          </a:p>
+          <a:p>
+            <a:endParaRPr lang="pt-BR" sz="2000" dirty="0">
+              <a:solidFill>
+                <a:srgbClr val="000000"/>
+              </a:solidFill>
+              <a:ea typeface="+mn-lt"/>
+              <a:cs typeface="+mn-lt"/>
+            </a:endParaRPr>
+          </a:p>
+        </p:txBody>
+      </p:sp>
+      <p:sp>
+        <p:nvSpPr>
+          <p:cNvPr id="41" name="Rectangle 40">
+            <a:extLst>
+              <a:ext uri="{FF2B5EF4-FFF2-40B4-BE49-F238E27FC236}">
+                <a16:creationId xmlns:a16="http://schemas.microsoft.com/office/drawing/2014/main" id="{2E80C965-DB6D-4F81-9E9E-B027384D0BD6}"/>
+              </a:ext>
+              <a:ext uri="{C183D7F6-B498-43B3-948B-1728B52AA6E4}">
+                <adec:decorative xmlns:adec="http://schemas.microsoft.com/office/drawing/2017/decorative" val="1"/>
+              </a:ext>
+            </a:extLst>
+          </p:cNvPr>
+          <p:cNvSpPr>
+            <a:spLocks noGrp="1" noRot="1" noChangeAspect="1" noMove="1" noResize="1" noEditPoints="1" noAdjustHandles="1" noChangeArrowheads="1" noChangeShapeType="1" noTextEdit="1"/>
+          </p:cNvSpPr>
+          <p:nvPr>
+            <p:extLst>
+              <p:ext uri="{386F3935-93C4-4BCD-93E2-E3B085C9AB24}">
+                <p16:designElem xmlns:p16="http://schemas.microsoft.com/office/powerpoint/2015/main" val="1"/>
+              </p:ext>
+            </p:extLst>
+          </p:nvPr>
+        </p:nvSpPr>
+        <p:spPr>
+          <a:xfrm rot="2700000">
+            <a:off x="11052629" y="2120024"/>
+            <a:ext cx="645368" cy="645368"/>
+          </a:xfrm>
+          <a:prstGeom prst="rect">
+            <a:avLst/>
+          </a:prstGeom>
+          <a:solidFill>
+            <a:schemeClr val="accent4">
+              <a:alpha val="30000"/>
+            </a:schemeClr>
+          </a:solidFill>
+          <a:ln>
+            <a:noFill/>
+          </a:ln>
+        </p:spPr>
+        <p:style>
+          <a:lnRef idx="2">
+            <a:schemeClr val="accent1">
+              <a:shade val="50000"/>
+            </a:schemeClr>
+          </a:lnRef>
+          <a:fillRef idx="1">
+            <a:schemeClr val="accent1"/>
+          </a:fillRef>
+          <a:effectRef idx="0">
+            <a:schemeClr val="accent1"/>
+          </a:effectRef>
+          <a:fontRef idx="minor">
+            <a:schemeClr val="lt1"/>
+          </a:fontRef>
+        </p:style>
+        <p:txBody>
+          <a:bodyPr rtlCol="0" anchor="ctr"/>
+          <a:lstStyle/>
+          <a:p>
+            <a:pPr algn="ctr"/>
+            <a:endParaRPr lang="en-US"/>
+          </a:p>
+        </p:txBody>
+      </p:sp>
+      <p:sp>
+        <p:nvSpPr>
+          <p:cNvPr id="43" name="Isosceles Triangle 42">
+            <a:extLst>
+              <a:ext uri="{FF2B5EF4-FFF2-40B4-BE49-F238E27FC236}">
+                <a16:creationId xmlns:a16="http://schemas.microsoft.com/office/drawing/2014/main" id="{A580F890-B085-4E95-96AA-55AEBEC5CE6E}"/>
+              </a:ext>
+              <a:ext uri="{C183D7F6-B498-43B3-948B-1728B52AA6E4}">
+                <adec:decorative xmlns:adec="http://schemas.microsoft.com/office/drawing/2017/decorative" val="1"/>
+              </a:ext>
+            </a:extLst>
+          </p:cNvPr>
+          <p:cNvSpPr>
+            <a:spLocks noGrp="1" noRot="1" noChangeAspect="1" noMove="1" noResize="1" noEditPoints="1" noAdjustHandles="1" noChangeArrowheads="1" noChangeShapeType="1" noTextEdit="1"/>
+          </p:cNvSpPr>
+          <p:nvPr>
+            <p:extLst>
+              <p:ext uri="{386F3935-93C4-4BCD-93E2-E3B085C9AB24}">
+                <p16:designElem xmlns:p16="http://schemas.microsoft.com/office/powerpoint/2015/main" val="1"/>
+              </p:ext>
+            </p:extLst>
+          </p:nvPr>
+        </p:nvSpPr>
+        <p:spPr>
+          <a:xfrm rot="16200000">
+            <a:off x="10289068" y="1343027"/>
+            <a:ext cx="2532832" cy="1273032"/>
+          </a:xfrm>
+          <a:prstGeom prst="triangle">
+            <a:avLst>
+              <a:gd name="adj" fmla="val 50000"/>
+            </a:avLst>
+          </a:prstGeom>
+          <a:solidFill>
+            <a:schemeClr val="accent4">
+              <a:alpha val="30000"/>
+            </a:schemeClr>
+          </a:solidFill>
+          <a:ln>
+            <a:noFill/>
+          </a:ln>
+        </p:spPr>
+        <p:style>
+          <a:lnRef idx="2">
+            <a:schemeClr val="accent1">
+              <a:shade val="50000"/>
+            </a:schemeClr>
+          </a:lnRef>
+          <a:fillRef idx="1">
+            <a:schemeClr val="accent1"/>
+          </a:fillRef>
+          <a:effectRef idx="0">
+            <a:schemeClr val="accent1"/>
+          </a:effectRef>
+          <a:fontRef idx="minor">
+            <a:schemeClr val="lt1"/>
+          </a:fontRef>
+        </p:style>
+        <p:txBody>
+          <a:bodyPr rtlCol="0" anchor="ctr"/>
+          <a:lstStyle/>
+          <a:p>
+            <a:pPr algn="ctr"/>
+            <a:endParaRPr lang="en-US"/>
+          </a:p>
+        </p:txBody>
+      </p:sp>
+      <p:sp>
+        <p:nvSpPr>
+          <p:cNvPr id="45" name="Isosceles Triangle 44">
+            <a:extLst>
+              <a:ext uri="{FF2B5EF4-FFF2-40B4-BE49-F238E27FC236}">
+                <a16:creationId xmlns:a16="http://schemas.microsoft.com/office/drawing/2014/main" id="{D3F51FEB-38FB-4F6C-9F7B-2F2AFAB65463}"/>
+              </a:ext>
+              <a:ext uri="{C183D7F6-B498-43B3-948B-1728B52AA6E4}">
+                <adec:decorative xmlns:adec="http://schemas.microsoft.com/office/drawing/2017/decorative" val="1"/>
+              </a:ext>
+            </a:extLst>
+          </p:cNvPr>
+          <p:cNvSpPr>
+            <a:spLocks noGrp="1" noRot="1" noChangeAspect="1" noMove="1" noResize="1" noEditPoints="1" noAdjustHandles="1" noChangeArrowheads="1" noChangeShapeType="1" noTextEdit="1"/>
+          </p:cNvSpPr>
+          <p:nvPr>
+            <p:extLst>
+              <p:ext uri="{386F3935-93C4-4BCD-93E2-E3B085C9AB24}">
+                <p16:designElem xmlns:p16="http://schemas.microsoft.com/office/powerpoint/2015/main" val="1"/>
+              </p:ext>
+            </p:extLst>
+          </p:nvPr>
+        </p:nvSpPr>
+        <p:spPr>
+          <a:xfrm rot="5400000">
+            <a:off x="-501760" y="5103257"/>
+            <a:ext cx="2017580" cy="1014060"/>
+          </a:xfrm>
+          <a:prstGeom prst="triangle">
+            <a:avLst>
+              <a:gd name="adj" fmla="val 50000"/>
+            </a:avLst>
+          </a:prstGeom>
+          <a:solidFill>
+            <a:schemeClr val="accent1">
+              <a:alpha val="30000"/>
+            </a:schemeClr>
+          </a:solidFill>
+          <a:ln>
+            <a:noFill/>
+          </a:ln>
+        </p:spPr>
+        <p:style>
+          <a:lnRef idx="2">
+            <a:schemeClr val="accent1">
+              <a:shade val="50000"/>
+            </a:schemeClr>
+          </a:lnRef>
+          <a:fillRef idx="1">
+            <a:schemeClr val="accent1"/>
+          </a:fillRef>
+          <a:effectRef idx="0">
+            <a:schemeClr val="accent1"/>
+          </a:effectRef>
+          <a:fontRef idx="minor">
+            <a:schemeClr val="lt1"/>
+          </a:fontRef>
+        </p:style>
+        <p:txBody>
+          <a:bodyPr wrap="square" rtlCol="0" anchor="ctr">
+            <a:noAutofit/>
+          </a:bodyPr>
+          <a:lstStyle/>
+          <a:p>
+            <a:pPr algn="ctr"/>
+            <a:endParaRPr lang="en-US"/>
+          </a:p>
+        </p:txBody>
+      </p:sp>
+      <p:sp>
+        <p:nvSpPr>
+          <p:cNvPr id="47" name="Rectangle 46">
+            <a:extLst>
+              <a:ext uri="{FF2B5EF4-FFF2-40B4-BE49-F238E27FC236}">
+                <a16:creationId xmlns:a16="http://schemas.microsoft.com/office/drawing/2014/main" id="{1E547BA6-BAE0-43BB-A7CA-60F69CE252F0}"/>
+              </a:ext>
+              <a:ext uri="{C183D7F6-B498-43B3-948B-1728B52AA6E4}">
+                <adec:decorative xmlns:adec="http://schemas.microsoft.com/office/drawing/2017/decorative" val="1"/>
+              </a:ext>
+            </a:extLst>
+          </p:cNvPr>
+          <p:cNvSpPr>
+            <a:spLocks noGrp="1" noRot="1" noChangeAspect="1" noMove="1" noResize="1" noEditPoints="1" noAdjustHandles="1" noChangeArrowheads="1" noChangeShapeType="1" noTextEdit="1"/>
+          </p:cNvSpPr>
+          <p:nvPr>
+            <p:extLst>
+              <p:ext uri="{386F3935-93C4-4BCD-93E2-E3B085C9AB24}">
+                <p16:designElem xmlns:p16="http://schemas.microsoft.com/office/powerpoint/2015/main" val="1"/>
+              </p:ext>
+            </p:extLst>
+          </p:nvPr>
+        </p:nvSpPr>
+        <p:spPr>
+          <a:xfrm rot="2700000">
+            <a:off x="427916" y="5728708"/>
+            <a:ext cx="485578" cy="485578"/>
+          </a:xfrm>
+          <a:prstGeom prst="rect">
+            <a:avLst/>
+          </a:prstGeom>
+          <a:solidFill>
+            <a:schemeClr val="accent1">
+              <a:alpha val="30000"/>
+            </a:schemeClr>
+          </a:solidFill>
+          <a:ln>
+            <a:noFill/>
+          </a:ln>
+        </p:spPr>
+        <p:style>
+          <a:lnRef idx="2">
+            <a:schemeClr val="accent1">
+              <a:shade val="50000"/>
+            </a:schemeClr>
+          </a:lnRef>
+          <a:fillRef idx="1">
+            <a:schemeClr val="accent1"/>
+          </a:fillRef>
+          <a:effectRef idx="0">
+            <a:schemeClr val="accent1"/>
+          </a:effectRef>
+          <a:fontRef idx="minor">
+            <a:schemeClr val="lt1"/>
+          </a:fontRef>
+        </p:style>
+        <p:txBody>
+          <a:bodyPr wrap="square" rtlCol="0" anchor="ctr">
+            <a:noAutofit/>
+          </a:bodyPr>
+          <a:lstStyle/>
+          <a:p>
+            <a:pPr algn="ctr"/>
+            <a:endParaRPr lang="en-US"/>
+          </a:p>
+        </p:txBody>
+      </p:sp>
+    </p:spTree>
+    <p:extLst>
+      <p:ext uri="{BB962C8B-B14F-4D97-AF65-F5344CB8AC3E}">
+        <p14:creationId xmlns:p14="http://schemas.microsoft.com/office/powerpoint/2010/main" val="1655922193"/>
       </p:ext>
     </p:extLst>
   </p:cSld>

--- a/RELATORIO PROVA P2/relatorio-pmbok-capitulo4-jharbes.pptx
+++ b/RELATORIO PROVA P2/relatorio-pmbok-capitulo4-jharbes.pptx
@@ -15,6 +15,9 @@
     <p:sldId id="263" r:id="rId9"/>
     <p:sldId id="264" r:id="rId10"/>
     <p:sldId id="265" r:id="rId11"/>
+    <p:sldId id="266" r:id="rId12"/>
+    <p:sldId id="269" r:id="rId13"/>
+    <p:sldId id="270" r:id="rId14"/>
   </p:sldIdLst>
   <p:sldSz cx="12192000" cy="6858000"/>
   <p:notesSz cx="6858000" cy="9144000"/>
@@ -124,6 +127,7 @@
 <file path=ppt/revisionInfo.xml><?xml version="1.0" encoding="utf-8"?>
 <p1510:revInfo xmlns:a="http://schemas.openxmlformats.org/drawingml/2006/main" xmlns:r="http://schemas.openxmlformats.org/officeDocument/2006/relationships" xmlns:p1510="http://schemas.microsoft.com/office/powerpoint/2015/10/main">
   <p1510:revLst>
+    <p1510:client id="{050E0636-B272-A9D5-2FB9-AFCB5B698113}" v="17" dt="2022-12-03T12:41:43.864"/>
     <p1510:client id="{48F91746-B893-61F0-E2B5-F484DCEDD16B}" v="352" dt="2022-12-03T12:34:12.174"/>
     <p1510:client id="{89141EF4-D9B1-448E-BF85-A061974F4635}" v="40" dt="2022-11-30T16:19:30.454"/>
     <p1510:client id="{AAE71220-A1A8-A349-D335-1D78B8499119}" v="13" dt="2022-12-03T12:10:22.569"/>
@@ -173,7 +177,7 @@
           </a:lstStyle>
           <a:p>
             <a:r>
-              <a:rPr lang="en-US" dirty="0"/>
+              <a:rPr lang="en-US"/>
               <a:t>Click to edit Master title style</a:t>
             </a:r>
           </a:p>
@@ -237,7 +241,7 @@
           </a:lstStyle>
           <a:p>
             <a:r>
-              <a:rPr lang="en-US" dirty="0"/>
+              <a:rPr lang="en-US"/>
               <a:t>Click to edit Master subtitle style</a:t>
             </a:r>
           </a:p>
@@ -262,7 +266,7 @@
               <a:rPr lang="en-US" dirty="0"/>
               <a:t>12/3/2022</a:t>
             </a:fld>
-            <a:endParaRPr lang="en-US" dirty="0"/>
+            <a:endParaRPr lang="en-US"/>
           </a:p>
         </p:txBody>
       </p:sp>
@@ -281,7 +285,7 @@
           <a:bodyPr/>
           <a:lstStyle/>
           <a:p>
-            <a:endParaRPr lang="en-US" dirty="0"/>
+            <a:endParaRPr lang="en-US"/>
           </a:p>
         </p:txBody>
       </p:sp>
@@ -304,7 +308,7 @@
               <a:rPr lang="en-US" dirty="0"/>
               <a:t>‹nº›</a:t>
             </a:fld>
-            <a:endParaRPr lang="en-US" dirty="0"/>
+            <a:endParaRPr lang="en-US"/>
           </a:p>
         </p:txBody>
       </p:sp>
@@ -354,7 +358,7 @@
           <a:lstStyle/>
           <a:p>
             <a:r>
-              <a:rPr lang="en-US" dirty="0"/>
+              <a:rPr lang="en-US"/>
               <a:t>Click to edit Master title style</a:t>
             </a:r>
           </a:p>
@@ -377,35 +381,35 @@
           <a:p>
             <a:pPr lvl="0"/>
             <a:r>
-              <a:rPr lang="en-US" dirty="0"/>
+              <a:rPr lang="en-US"/>
               <a:t>Click to edit Master text styles</a:t>
             </a:r>
           </a:p>
           <a:p>
             <a:pPr lvl="1"/>
             <a:r>
-              <a:rPr lang="en-US" dirty="0"/>
+              <a:rPr lang="en-US"/>
               <a:t>Second level</a:t>
             </a:r>
           </a:p>
           <a:p>
             <a:pPr lvl="2"/>
             <a:r>
-              <a:rPr lang="en-US" dirty="0"/>
+              <a:rPr lang="en-US"/>
               <a:t>Third level</a:t>
             </a:r>
           </a:p>
           <a:p>
             <a:pPr lvl="3"/>
             <a:r>
-              <a:rPr lang="en-US" dirty="0"/>
+              <a:rPr lang="en-US"/>
               <a:t>Fourth level</a:t>
             </a:r>
           </a:p>
           <a:p>
             <a:pPr lvl="4"/>
             <a:r>
-              <a:rPr lang="en-US" dirty="0"/>
+              <a:rPr lang="en-US"/>
               <a:t>Fifth level</a:t>
             </a:r>
           </a:p>
@@ -430,7 +434,7 @@
               <a:rPr lang="en-US" dirty="0"/>
               <a:t>12/3/2022</a:t>
             </a:fld>
-            <a:endParaRPr lang="en-US" dirty="0"/>
+            <a:endParaRPr lang="en-US"/>
           </a:p>
         </p:txBody>
       </p:sp>
@@ -449,7 +453,7 @@
           <a:bodyPr/>
           <a:lstStyle/>
           <a:p>
-            <a:endParaRPr lang="en-US" dirty="0"/>
+            <a:endParaRPr lang="en-US"/>
           </a:p>
         </p:txBody>
       </p:sp>
@@ -472,7 +476,7 @@
               <a:rPr lang="en-US" dirty="0"/>
               <a:t>‹nº›</a:t>
             </a:fld>
-            <a:endParaRPr lang="en-US" dirty="0"/>
+            <a:endParaRPr lang="en-US"/>
           </a:p>
         </p:txBody>
       </p:sp>
@@ -527,7 +531,7 @@
           <a:lstStyle/>
           <a:p>
             <a:r>
-              <a:rPr lang="en-US" dirty="0"/>
+              <a:rPr lang="en-US"/>
               <a:t>Click to edit Master title style</a:t>
             </a:r>
           </a:p>
@@ -555,35 +559,35 @@
           <a:p>
             <a:pPr lvl="0"/>
             <a:r>
-              <a:rPr lang="en-US" dirty="0"/>
+              <a:rPr lang="en-US"/>
               <a:t>Click to edit Master text styles</a:t>
             </a:r>
           </a:p>
           <a:p>
             <a:pPr lvl="1"/>
             <a:r>
-              <a:rPr lang="en-US" dirty="0"/>
+              <a:rPr lang="en-US"/>
               <a:t>Second level</a:t>
             </a:r>
           </a:p>
           <a:p>
             <a:pPr lvl="2"/>
             <a:r>
-              <a:rPr lang="en-US" dirty="0"/>
+              <a:rPr lang="en-US"/>
               <a:t>Third level</a:t>
             </a:r>
           </a:p>
           <a:p>
             <a:pPr lvl="3"/>
             <a:r>
-              <a:rPr lang="en-US" dirty="0"/>
+              <a:rPr lang="en-US"/>
               <a:t>Fourth level</a:t>
             </a:r>
           </a:p>
           <a:p>
             <a:pPr lvl="4"/>
             <a:r>
-              <a:rPr lang="en-US" dirty="0"/>
+              <a:rPr lang="en-US"/>
               <a:t>Fifth level</a:t>
             </a:r>
           </a:p>
@@ -608,7 +612,7 @@
               <a:rPr lang="en-US" dirty="0"/>
               <a:t>12/3/2022</a:t>
             </a:fld>
-            <a:endParaRPr lang="en-US" dirty="0"/>
+            <a:endParaRPr lang="en-US"/>
           </a:p>
         </p:txBody>
       </p:sp>
@@ -627,7 +631,7 @@
           <a:bodyPr/>
           <a:lstStyle/>
           <a:p>
-            <a:endParaRPr lang="en-US" dirty="0"/>
+            <a:endParaRPr lang="en-US"/>
           </a:p>
         </p:txBody>
       </p:sp>
@@ -650,7 +654,7 @@
               <a:rPr lang="en-US" dirty="0"/>
               <a:t>‹nº›</a:t>
             </a:fld>
-            <a:endParaRPr lang="en-US" dirty="0"/>
+            <a:endParaRPr lang="en-US"/>
           </a:p>
         </p:txBody>
       </p:sp>
@@ -700,7 +704,7 @@
           <a:lstStyle/>
           <a:p>
             <a:r>
-              <a:rPr lang="en-US" dirty="0"/>
+              <a:rPr lang="en-US"/>
               <a:t>Click to edit Master title style</a:t>
             </a:r>
           </a:p>
@@ -723,35 +727,35 @@
           <a:p>
             <a:pPr lvl="0"/>
             <a:r>
-              <a:rPr lang="en-US" dirty="0"/>
+              <a:rPr lang="en-US"/>
               <a:t>Click to edit Master text styles</a:t>
             </a:r>
           </a:p>
           <a:p>
             <a:pPr lvl="1"/>
             <a:r>
-              <a:rPr lang="en-US" dirty="0"/>
+              <a:rPr lang="en-US"/>
               <a:t>Second level</a:t>
             </a:r>
           </a:p>
           <a:p>
             <a:pPr lvl="2"/>
             <a:r>
-              <a:rPr lang="en-US" dirty="0"/>
+              <a:rPr lang="en-US"/>
               <a:t>Third level</a:t>
             </a:r>
           </a:p>
           <a:p>
             <a:pPr lvl="3"/>
             <a:r>
-              <a:rPr lang="en-US" dirty="0"/>
+              <a:rPr lang="en-US"/>
               <a:t>Fourth level</a:t>
             </a:r>
           </a:p>
           <a:p>
             <a:pPr lvl="4"/>
             <a:r>
-              <a:rPr lang="en-US" dirty="0"/>
+              <a:rPr lang="en-US"/>
               <a:t>Fifth level</a:t>
             </a:r>
           </a:p>
@@ -776,7 +780,7 @@
               <a:rPr lang="en-US" dirty="0"/>
               <a:t>12/3/2022</a:t>
             </a:fld>
-            <a:endParaRPr lang="en-US" dirty="0"/>
+            <a:endParaRPr lang="en-US"/>
           </a:p>
         </p:txBody>
       </p:sp>
@@ -795,7 +799,7 @@
           <a:bodyPr/>
           <a:lstStyle/>
           <a:p>
-            <a:endParaRPr lang="en-US" dirty="0"/>
+            <a:endParaRPr lang="en-US"/>
           </a:p>
         </p:txBody>
       </p:sp>
@@ -818,7 +822,7 @@
               <a:rPr lang="en-US" dirty="0"/>
               <a:t>‹nº›</a:t>
             </a:fld>
-            <a:endParaRPr lang="en-US" dirty="0"/>
+            <a:endParaRPr lang="en-US"/>
           </a:p>
         </p:txBody>
       </p:sp>
@@ -877,7 +881,7 @@
           </a:lstStyle>
           <a:p>
             <a:r>
-              <a:rPr lang="en-US" dirty="0"/>
+              <a:rPr lang="en-US"/>
               <a:t>Click to edit Master title style</a:t>
             </a:r>
           </a:p>
@@ -996,7 +1000,7 @@
           <a:p>
             <a:pPr lvl="0"/>
             <a:r>
-              <a:rPr lang="en-US" dirty="0"/>
+              <a:rPr lang="en-US"/>
               <a:t>Click to edit Master text styles</a:t>
             </a:r>
           </a:p>
@@ -1021,7 +1025,7 @@
               <a:rPr lang="en-US" dirty="0"/>
               <a:t>12/3/2022</a:t>
             </a:fld>
-            <a:endParaRPr lang="en-US" dirty="0"/>
+            <a:endParaRPr lang="en-US"/>
           </a:p>
         </p:txBody>
       </p:sp>
@@ -1040,7 +1044,7 @@
           <a:bodyPr/>
           <a:lstStyle/>
           <a:p>
-            <a:endParaRPr lang="en-US" dirty="0"/>
+            <a:endParaRPr lang="en-US"/>
           </a:p>
         </p:txBody>
       </p:sp>
@@ -1063,7 +1067,7 @@
               <a:rPr lang="en-US" dirty="0"/>
               <a:t>‹nº›</a:t>
             </a:fld>
-            <a:endParaRPr lang="en-US" dirty="0"/>
+            <a:endParaRPr lang="en-US"/>
           </a:p>
         </p:txBody>
       </p:sp>
@@ -1113,7 +1117,7 @@
           <a:lstStyle/>
           <a:p>
             <a:r>
-              <a:rPr lang="en-US" dirty="0"/>
+              <a:rPr lang="en-US"/>
               <a:t>Click to edit Master title style</a:t>
             </a:r>
           </a:p>
@@ -1141,35 +1145,35 @@
           <a:p>
             <a:pPr lvl="0"/>
             <a:r>
-              <a:rPr lang="en-US" dirty="0"/>
+              <a:rPr lang="en-US"/>
               <a:t>Click to edit Master text styles</a:t>
             </a:r>
           </a:p>
           <a:p>
             <a:pPr lvl="1"/>
             <a:r>
-              <a:rPr lang="en-US" dirty="0"/>
+              <a:rPr lang="en-US"/>
               <a:t>Second level</a:t>
             </a:r>
           </a:p>
           <a:p>
             <a:pPr lvl="2"/>
             <a:r>
-              <a:rPr lang="en-US" dirty="0"/>
+              <a:rPr lang="en-US"/>
               <a:t>Third level</a:t>
             </a:r>
           </a:p>
           <a:p>
             <a:pPr lvl="3"/>
             <a:r>
-              <a:rPr lang="en-US" dirty="0"/>
+              <a:rPr lang="en-US"/>
               <a:t>Fourth level</a:t>
             </a:r>
           </a:p>
           <a:p>
             <a:pPr lvl="4"/>
             <a:r>
-              <a:rPr lang="en-US" dirty="0"/>
+              <a:rPr lang="en-US"/>
               <a:t>Fifth level</a:t>
             </a:r>
           </a:p>
@@ -1197,35 +1201,35 @@
           <a:p>
             <a:pPr lvl="0"/>
             <a:r>
-              <a:rPr lang="en-US" dirty="0"/>
+              <a:rPr lang="en-US"/>
               <a:t>Click to edit Master text styles</a:t>
             </a:r>
           </a:p>
           <a:p>
             <a:pPr lvl="1"/>
             <a:r>
-              <a:rPr lang="en-US" dirty="0"/>
+              <a:rPr lang="en-US"/>
               <a:t>Second level</a:t>
             </a:r>
           </a:p>
           <a:p>
             <a:pPr lvl="2"/>
             <a:r>
-              <a:rPr lang="en-US" dirty="0"/>
+              <a:rPr lang="en-US"/>
               <a:t>Third level</a:t>
             </a:r>
           </a:p>
           <a:p>
             <a:pPr lvl="3"/>
             <a:r>
-              <a:rPr lang="en-US" dirty="0"/>
+              <a:rPr lang="en-US"/>
               <a:t>Fourth level</a:t>
             </a:r>
           </a:p>
           <a:p>
             <a:pPr lvl="4"/>
             <a:r>
-              <a:rPr lang="en-US" dirty="0"/>
+              <a:rPr lang="en-US"/>
               <a:t>Fifth level</a:t>
             </a:r>
           </a:p>
@@ -1250,7 +1254,7 @@
               <a:rPr lang="en-US" dirty="0"/>
               <a:t>12/3/2022</a:t>
             </a:fld>
-            <a:endParaRPr lang="en-US" dirty="0"/>
+            <a:endParaRPr lang="en-US"/>
           </a:p>
         </p:txBody>
       </p:sp>
@@ -1269,7 +1273,7 @@
           <a:bodyPr/>
           <a:lstStyle/>
           <a:p>
-            <a:endParaRPr lang="en-US" dirty="0"/>
+            <a:endParaRPr lang="en-US"/>
           </a:p>
         </p:txBody>
       </p:sp>
@@ -1292,7 +1296,7 @@
               <a:rPr lang="en-US" dirty="0"/>
               <a:t>‹nº›</a:t>
             </a:fld>
-            <a:endParaRPr lang="en-US" dirty="0"/>
+            <a:endParaRPr lang="en-US"/>
           </a:p>
         </p:txBody>
       </p:sp>
@@ -1347,7 +1351,7 @@
           <a:lstStyle/>
           <a:p>
             <a:r>
-              <a:rPr lang="en-US" dirty="0"/>
+              <a:rPr lang="en-US"/>
               <a:t>Click to edit Master title style</a:t>
             </a:r>
           </a:p>
@@ -1412,7 +1416,7 @@
           <a:p>
             <a:pPr lvl="0"/>
             <a:r>
-              <a:rPr lang="en-US" dirty="0"/>
+              <a:rPr lang="en-US"/>
               <a:t>Click to edit Master text styles</a:t>
             </a:r>
           </a:p>
@@ -1440,35 +1444,35 @@
           <a:p>
             <a:pPr lvl="0"/>
             <a:r>
-              <a:rPr lang="en-US" dirty="0"/>
+              <a:rPr lang="en-US"/>
               <a:t>Click to edit Master text styles</a:t>
             </a:r>
           </a:p>
           <a:p>
             <a:pPr lvl="1"/>
             <a:r>
-              <a:rPr lang="en-US" dirty="0"/>
+              <a:rPr lang="en-US"/>
               <a:t>Second level</a:t>
             </a:r>
           </a:p>
           <a:p>
             <a:pPr lvl="2"/>
             <a:r>
-              <a:rPr lang="en-US" dirty="0"/>
+              <a:rPr lang="en-US"/>
               <a:t>Third level</a:t>
             </a:r>
           </a:p>
           <a:p>
             <a:pPr lvl="3"/>
             <a:r>
-              <a:rPr lang="en-US" dirty="0"/>
+              <a:rPr lang="en-US"/>
               <a:t>Fourth level</a:t>
             </a:r>
           </a:p>
           <a:p>
             <a:pPr lvl="4"/>
             <a:r>
-              <a:rPr lang="en-US" dirty="0"/>
+              <a:rPr lang="en-US"/>
               <a:t>Fifth level</a:t>
             </a:r>
           </a:p>
@@ -1533,7 +1537,7 @@
           <a:p>
             <a:pPr lvl="0"/>
             <a:r>
-              <a:rPr lang="en-US" dirty="0"/>
+              <a:rPr lang="en-US"/>
               <a:t>Click to edit Master text styles</a:t>
             </a:r>
           </a:p>
@@ -1561,35 +1565,35 @@
           <a:p>
             <a:pPr lvl="0"/>
             <a:r>
-              <a:rPr lang="en-US" dirty="0"/>
+              <a:rPr lang="en-US"/>
               <a:t>Click to edit Master text styles</a:t>
             </a:r>
           </a:p>
           <a:p>
             <a:pPr lvl="1"/>
             <a:r>
-              <a:rPr lang="en-US" dirty="0"/>
+              <a:rPr lang="en-US"/>
               <a:t>Second level</a:t>
             </a:r>
           </a:p>
           <a:p>
             <a:pPr lvl="2"/>
             <a:r>
-              <a:rPr lang="en-US" dirty="0"/>
+              <a:rPr lang="en-US"/>
               <a:t>Third level</a:t>
             </a:r>
           </a:p>
           <a:p>
             <a:pPr lvl="3"/>
             <a:r>
-              <a:rPr lang="en-US" dirty="0"/>
+              <a:rPr lang="en-US"/>
               <a:t>Fourth level</a:t>
             </a:r>
           </a:p>
           <a:p>
             <a:pPr lvl="4"/>
             <a:r>
-              <a:rPr lang="en-US" dirty="0"/>
+              <a:rPr lang="en-US"/>
               <a:t>Fifth level</a:t>
             </a:r>
           </a:p>
@@ -1614,7 +1618,7 @@
               <a:rPr lang="en-US" dirty="0"/>
               <a:t>12/3/2022</a:t>
             </a:fld>
-            <a:endParaRPr lang="en-US" dirty="0"/>
+            <a:endParaRPr lang="en-US"/>
           </a:p>
         </p:txBody>
       </p:sp>
@@ -1633,7 +1637,7 @@
           <a:bodyPr/>
           <a:lstStyle/>
           <a:p>
-            <a:endParaRPr lang="en-US" dirty="0"/>
+            <a:endParaRPr lang="en-US"/>
           </a:p>
         </p:txBody>
       </p:sp>
@@ -1656,7 +1660,7 @@
               <a:rPr lang="en-US" dirty="0"/>
               <a:t>‹nº›</a:t>
             </a:fld>
-            <a:endParaRPr lang="en-US" dirty="0"/>
+            <a:endParaRPr lang="en-US"/>
           </a:p>
         </p:txBody>
       </p:sp>
@@ -1706,7 +1710,7 @@
           <a:lstStyle/>
           <a:p>
             <a:r>
-              <a:rPr lang="en-US" dirty="0"/>
+              <a:rPr lang="en-US"/>
               <a:t>Click to edit Master title style</a:t>
             </a:r>
           </a:p>
@@ -1731,7 +1735,7 @@
               <a:rPr lang="en-US" dirty="0"/>
               <a:t>12/3/2022</a:t>
             </a:fld>
-            <a:endParaRPr lang="en-US" dirty="0"/>
+            <a:endParaRPr lang="en-US"/>
           </a:p>
         </p:txBody>
       </p:sp>
@@ -1750,7 +1754,7 @@
           <a:bodyPr/>
           <a:lstStyle/>
           <a:p>
-            <a:endParaRPr lang="en-US" dirty="0"/>
+            <a:endParaRPr lang="en-US"/>
           </a:p>
         </p:txBody>
       </p:sp>
@@ -1773,7 +1777,7 @@
               <a:rPr lang="en-US" dirty="0"/>
               <a:t>‹nº›</a:t>
             </a:fld>
-            <a:endParaRPr lang="en-US" dirty="0"/>
+            <a:endParaRPr lang="en-US"/>
           </a:p>
         </p:txBody>
       </p:sp>
@@ -1826,7 +1830,7 @@
               <a:rPr lang="en-US" dirty="0"/>
               <a:t>12/3/2022</a:t>
             </a:fld>
-            <a:endParaRPr lang="en-US" dirty="0"/>
+            <a:endParaRPr lang="en-US"/>
           </a:p>
         </p:txBody>
       </p:sp>
@@ -1845,7 +1849,7 @@
           <a:bodyPr/>
           <a:lstStyle/>
           <a:p>
-            <a:endParaRPr lang="en-US" dirty="0"/>
+            <a:endParaRPr lang="en-US"/>
           </a:p>
         </p:txBody>
       </p:sp>
@@ -1868,7 +1872,7 @@
               <a:rPr lang="en-US" dirty="0"/>
               <a:t>‹nº›</a:t>
             </a:fld>
-            <a:endParaRPr lang="en-US" dirty="0"/>
+            <a:endParaRPr lang="en-US"/>
           </a:p>
         </p:txBody>
       </p:sp>
@@ -1927,7 +1931,7 @@
           </a:lstStyle>
           <a:p>
             <a:r>
-              <a:rPr lang="en-US" dirty="0"/>
+              <a:rPr lang="en-US"/>
               <a:t>Click to edit Master title style</a:t>
             </a:r>
           </a:p>
@@ -1983,35 +1987,35 @@
           <a:p>
             <a:pPr lvl="0"/>
             <a:r>
-              <a:rPr lang="en-US" dirty="0"/>
+              <a:rPr lang="en-US"/>
               <a:t>Click to edit Master text styles</a:t>
             </a:r>
           </a:p>
           <a:p>
             <a:pPr lvl="1"/>
             <a:r>
-              <a:rPr lang="en-US" dirty="0"/>
+              <a:rPr lang="en-US"/>
               <a:t>Second level</a:t>
             </a:r>
           </a:p>
           <a:p>
             <a:pPr lvl="2"/>
             <a:r>
-              <a:rPr lang="en-US" dirty="0"/>
+              <a:rPr lang="en-US"/>
               <a:t>Third level</a:t>
             </a:r>
           </a:p>
           <a:p>
             <a:pPr lvl="3"/>
             <a:r>
-              <a:rPr lang="en-US" dirty="0"/>
+              <a:rPr lang="en-US"/>
               <a:t>Fourth level</a:t>
             </a:r>
           </a:p>
           <a:p>
             <a:pPr lvl="4"/>
             <a:r>
-              <a:rPr lang="en-US" dirty="0"/>
+              <a:rPr lang="en-US"/>
               <a:t>Fifth level</a:t>
             </a:r>
           </a:p>
@@ -2076,7 +2080,7 @@
           <a:p>
             <a:pPr lvl="0"/>
             <a:r>
-              <a:rPr lang="en-US" dirty="0"/>
+              <a:rPr lang="en-US"/>
               <a:t>Click to edit Master text styles</a:t>
             </a:r>
           </a:p>
@@ -2101,7 +2105,7 @@
               <a:rPr lang="en-US" dirty="0"/>
               <a:t>12/3/2022</a:t>
             </a:fld>
-            <a:endParaRPr lang="en-US" dirty="0"/>
+            <a:endParaRPr lang="en-US"/>
           </a:p>
         </p:txBody>
       </p:sp>
@@ -2120,7 +2124,7 @@
           <a:bodyPr/>
           <a:lstStyle/>
           <a:p>
-            <a:endParaRPr lang="en-US" dirty="0"/>
+            <a:endParaRPr lang="en-US"/>
           </a:p>
         </p:txBody>
       </p:sp>
@@ -2143,7 +2147,7 @@
               <a:rPr lang="en-US" dirty="0"/>
               <a:t>‹nº›</a:t>
             </a:fld>
-            <a:endParaRPr lang="en-US" dirty="0"/>
+            <a:endParaRPr lang="en-US"/>
           </a:p>
         </p:txBody>
       </p:sp>
@@ -2202,7 +2206,7 @@
           </a:lstStyle>
           <a:p>
             <a:r>
-              <a:rPr lang="en-US" dirty="0"/>
+              <a:rPr lang="en-US"/>
               <a:t>Click to edit Master title style</a:t>
             </a:r>
           </a:p>
@@ -2265,7 +2269,7 @@
             </a:lvl9pPr>
           </a:lstStyle>
           <a:p>
-            <a:endParaRPr lang="en-US" dirty="0"/>
+            <a:endParaRPr lang="en-US"/>
           </a:p>
         </p:txBody>
       </p:sp>
@@ -2328,7 +2332,7 @@
           <a:p>
             <a:pPr lvl="0"/>
             <a:r>
-              <a:rPr lang="en-US" dirty="0"/>
+              <a:rPr lang="en-US"/>
               <a:t>Click to edit Master text styles</a:t>
             </a:r>
           </a:p>
@@ -2353,7 +2357,7 @@
               <a:rPr lang="en-US" dirty="0"/>
               <a:t>12/3/2022</a:t>
             </a:fld>
-            <a:endParaRPr lang="en-US" dirty="0"/>
+            <a:endParaRPr lang="en-US"/>
           </a:p>
         </p:txBody>
       </p:sp>
@@ -2372,7 +2376,7 @@
           <a:bodyPr/>
           <a:lstStyle/>
           <a:p>
-            <a:endParaRPr lang="en-US" dirty="0"/>
+            <a:endParaRPr lang="en-US"/>
           </a:p>
         </p:txBody>
       </p:sp>
@@ -2395,7 +2399,7 @@
               <a:rPr lang="en-US" dirty="0"/>
               <a:t>‹nº›</a:t>
             </a:fld>
-            <a:endParaRPr lang="en-US" dirty="0"/>
+            <a:endParaRPr lang="en-US"/>
           </a:p>
         </p:txBody>
       </p:sp>
@@ -2460,7 +2464,7 @@
           <a:lstStyle/>
           <a:p>
             <a:r>
-              <a:rPr lang="en-US" dirty="0"/>
+              <a:rPr lang="en-US"/>
               <a:t>Click to edit Master title style</a:t>
             </a:r>
           </a:p>
@@ -2493,35 +2497,35 @@
           <a:p>
             <a:pPr lvl="0"/>
             <a:r>
-              <a:rPr lang="en-US" dirty="0"/>
+              <a:rPr lang="en-US"/>
               <a:t>Click to edit Master text styles</a:t>
             </a:r>
           </a:p>
           <a:p>
             <a:pPr lvl="1"/>
             <a:r>
-              <a:rPr lang="en-US" dirty="0"/>
+              <a:rPr lang="en-US"/>
               <a:t>Second level</a:t>
             </a:r>
           </a:p>
           <a:p>
             <a:pPr lvl="2"/>
             <a:r>
-              <a:rPr lang="en-US" dirty="0"/>
+              <a:rPr lang="en-US"/>
               <a:t>Third level</a:t>
             </a:r>
           </a:p>
           <a:p>
             <a:pPr lvl="3"/>
             <a:r>
-              <a:rPr lang="en-US" dirty="0"/>
+              <a:rPr lang="en-US"/>
               <a:t>Fourth level</a:t>
             </a:r>
           </a:p>
           <a:p>
             <a:pPr lvl="4"/>
             <a:r>
-              <a:rPr lang="en-US" dirty="0"/>
+              <a:rPr lang="en-US"/>
               <a:t>Fifth level</a:t>
             </a:r>
           </a:p>
@@ -2564,7 +2568,7 @@
               <a:rPr lang="en-US" dirty="0"/>
               <a:t>12/3/2022</a:t>
             </a:fld>
-            <a:endParaRPr lang="en-US" dirty="0"/>
+            <a:endParaRPr lang="en-US"/>
           </a:p>
         </p:txBody>
       </p:sp>
@@ -2601,7 +2605,7 @@
             </a:lvl1pPr>
           </a:lstStyle>
           <a:p>
-            <a:endParaRPr lang="en-US" dirty="0"/>
+            <a:endParaRPr lang="en-US"/>
           </a:p>
         </p:txBody>
       </p:sp>
@@ -2642,7 +2646,7 @@
               <a:rPr lang="en-US" dirty="0"/>
               <a:t>‹nº›</a:t>
             </a:fld>
-            <a:endParaRPr lang="en-US" dirty="0"/>
+            <a:endParaRPr lang="en-US"/>
           </a:p>
         </p:txBody>
       </p:sp>
@@ -2999,36 +3003,36 @@
           <a:p>
             <a:pPr algn="l"/>
             <a:r>
-              <a:rPr lang="de-DE" sz="4000" dirty="0">
+              <a:rPr lang="de-DE" sz="4000">
                 <a:cs typeface="Calibri Light"/>
               </a:rPr>
               <a:t>PMBOK 5ª </a:t>
             </a:r>
             <a:r>
-              <a:rPr lang="de-DE" sz="4000" dirty="0" err="1">
+              <a:rPr lang="de-DE" sz="4000" err="1">
                 <a:cs typeface="Calibri Light"/>
               </a:rPr>
               <a:t>Edição</a:t>
             </a:r>
             <a:r>
-              <a:rPr lang="de-DE" sz="4000" dirty="0">
+              <a:rPr lang="de-DE" sz="4000">
                 <a:cs typeface="Calibri Light"/>
               </a:rPr>
               <a:t> </a:t>
             </a:r>
             <a:r>
-              <a:rPr lang="de-DE" sz="4000" dirty="0" err="1">
+              <a:rPr lang="de-DE" sz="4000" err="1">
                 <a:cs typeface="Calibri Light"/>
               </a:rPr>
               <a:t>Capítulo</a:t>
             </a:r>
             <a:r>
-              <a:rPr lang="de-DE" sz="4000" dirty="0">
+              <a:rPr lang="de-DE" sz="4000">
                 <a:cs typeface="Calibri Light"/>
               </a:rPr>
               <a:t> 4</a:t>
             </a:r>
-            <a:endParaRPr lang="en-US" sz="4000" dirty="0"/>
+            <a:endParaRPr lang="en-US" sz="4000"/>
           </a:p>
         </p:txBody>
       </p:sp>
@@ -3056,36 +3060,36 @@
           <a:p>
             <a:pPr algn="l"/>
             <a:r>
-              <a:rPr lang="de-DE" b="1" dirty="0" err="1">
+              <a:rPr lang="de-DE" b="1" err="1">
                 <a:cs typeface="Calibri"/>
               </a:rPr>
               <a:t>Gerenciamento</a:t>
             </a:r>
             <a:r>
-              <a:rPr lang="de-DE" b="1" dirty="0">
+              <a:rPr lang="de-DE" b="1">
                 <a:cs typeface="Calibri"/>
               </a:rPr>
               <a:t> da </a:t>
             </a:r>
             <a:r>
-              <a:rPr lang="de-DE" b="1" dirty="0" err="1">
+              <a:rPr lang="de-DE" b="1" err="1">
                 <a:cs typeface="Calibri"/>
               </a:rPr>
               <a:t>integração</a:t>
             </a:r>
             <a:r>
-              <a:rPr lang="de-DE" b="1" dirty="0">
+              <a:rPr lang="de-DE" b="1">
                 <a:cs typeface="Calibri"/>
               </a:rPr>
               <a:t> do </a:t>
             </a:r>
             <a:r>
-              <a:rPr lang="de-DE" b="1" dirty="0" err="1">
+              <a:rPr lang="de-DE" b="1" err="1">
                 <a:cs typeface="Calibri"/>
               </a:rPr>
               <a:t>projeto</a:t>
             </a:r>
-            <a:endParaRPr lang="de-DE" b="1" dirty="0" err="1"/>
+            <a:endParaRPr lang="de-DE" b="1" err="1"/>
           </a:p>
         </p:txBody>
       </p:sp>
@@ -3246,7 +3250,7 @@
           <a:lstStyle/>
           <a:p>
             <a:pPr algn="ctr"/>
-            <a:endParaRPr lang="en-US" dirty="0"/>
+            <a:endParaRPr lang="en-US"/>
           </a:p>
         </p:txBody>
       </p:sp>
@@ -3279,13 +3283,13 @@
           <a:lstStyle/>
           <a:p>
             <a:r>
-              <a:rPr lang="pt-BR" sz="3600" b="1" dirty="0">
+              <a:rPr lang="pt-BR" sz="3600" b="1">
                 <a:ea typeface="+mj-lt"/>
                 <a:cs typeface="+mj-lt"/>
               </a:rPr>
               <a:t>Detalhamento das Entradas</a:t>
             </a:r>
-            <a:endParaRPr lang="pt-BR" dirty="0"/>
+            <a:endParaRPr lang="pt-BR"/>
           </a:p>
         </p:txBody>
       </p:sp>
@@ -3321,58 +3325,58 @@
               <a:buNone/>
             </a:pPr>
             <a:r>
-              <a:rPr lang="pt-BR" sz="2000" dirty="0">
+              <a:rPr lang="pt-BR" sz="2000">
                 <a:ea typeface="+mn-lt"/>
                 <a:cs typeface="+mn-lt"/>
               </a:rPr>
               <a:t>Ainda fatores ambientais da empresa</a:t>
             </a:r>
-            <a:endParaRPr lang="pt-BR" dirty="0"/>
+            <a:endParaRPr lang="pt-BR"/>
           </a:p>
           <a:p>
             <a:pPr>
               <a:buNone/>
             </a:pPr>
             <a:r>
-              <a:rPr lang="pt-BR" sz="2000" dirty="0">
+              <a:rPr lang="pt-BR" sz="2000">
                 <a:ea typeface="+mn-lt"/>
                 <a:cs typeface="+mn-lt"/>
               </a:rPr>
               <a:t>Tolerância a risco das partes interessadas</a:t>
             </a:r>
-            <a:endParaRPr lang="pt-BR" dirty="0"/>
+            <a:endParaRPr lang="pt-BR"/>
           </a:p>
           <a:p>
             <a:pPr>
               <a:buNone/>
             </a:pPr>
             <a:r>
-              <a:rPr lang="pt-BR" sz="2000" dirty="0">
+              <a:rPr lang="pt-BR" sz="2000">
                 <a:ea typeface="+mn-lt"/>
                 <a:cs typeface="+mn-lt"/>
               </a:rPr>
               <a:t>Bancos de dados comerciais (dados padronizados de estimativa de custos, informações sobre estudos de risco do setor e bancos de dados de riscos)</a:t>
             </a:r>
-            <a:endParaRPr lang="pt-BR" dirty="0"/>
+            <a:endParaRPr lang="pt-BR"/>
           </a:p>
           <a:p>
             <a:pPr>
               <a:buNone/>
             </a:pPr>
             <a:r>
-              <a:rPr lang="pt-BR" sz="2000" dirty="0">
+              <a:rPr lang="pt-BR" sz="2000">
                 <a:ea typeface="+mn-lt"/>
                 <a:cs typeface="+mn-lt"/>
               </a:rPr>
               <a:t>Sistemas de informações do gerenciamento de projetos (conjunto de ferramentas automatizadas, para elaboração de cronogramas, sistema de gerenciamento de configuração, coleta e distribuição de informações ou interfaces Web para outros sistemas on-line automatizados).</a:t>
             </a:r>
-            <a:endParaRPr lang="pt-BR" dirty="0"/>
+            <a:endParaRPr lang="pt-BR"/>
           </a:p>
           <a:p>
             <a:pPr>
               <a:buNone/>
             </a:pPr>
-            <a:endParaRPr lang="pt-BR" sz="2000" dirty="0">
+            <a:endParaRPr lang="pt-BR" sz="2000">
               <a:cs typeface="Calibri"/>
             </a:endParaRPr>
           </a:p>
@@ -3380,7 +3384,7 @@
             <a:pPr>
               <a:buNone/>
             </a:pPr>
-            <a:endParaRPr lang="pt-BR" sz="2000" dirty="0">
+            <a:endParaRPr lang="pt-BR" sz="2000">
               <a:cs typeface="Calibri"/>
             </a:endParaRPr>
           </a:p>
@@ -3388,7 +3392,7 @@
             <a:pPr>
               <a:buNone/>
             </a:pPr>
-            <a:endParaRPr lang="pt-BR" sz="2000" dirty="0">
+            <a:endParaRPr lang="pt-BR" sz="2000">
               <a:cs typeface="Calibri"/>
             </a:endParaRPr>
           </a:p>
@@ -3396,7 +3400,7 @@
             <a:pPr>
               <a:buNone/>
             </a:pPr>
-            <a:endParaRPr lang="pt-BR" sz="2000" dirty="0">
+            <a:endParaRPr lang="pt-BR" sz="2000">
               <a:ea typeface="+mn-lt"/>
               <a:cs typeface="+mn-lt"/>
             </a:endParaRPr>
@@ -3405,7 +3409,7 @@
             <a:pPr>
               <a:buNone/>
             </a:pPr>
-            <a:endParaRPr lang="pt-BR" sz="2000" dirty="0">
+            <a:endParaRPr lang="pt-BR" sz="2000">
               <a:cs typeface="Calibri" panose="020F0502020204030204"/>
             </a:endParaRPr>
           </a:p>
@@ -3413,12 +3417,12 @@
             <a:pPr marL="0" indent="0">
               <a:buNone/>
             </a:pPr>
-            <a:endParaRPr lang="pt-BR" sz="2000" dirty="0">
+            <a:endParaRPr lang="pt-BR" sz="2000">
               <a:cs typeface="Calibri" panose="020F0502020204030204"/>
             </a:endParaRPr>
           </a:p>
           <a:p>
-            <a:endParaRPr lang="pt-BR" sz="2000" dirty="0">
+            <a:endParaRPr lang="pt-BR" sz="2000">
               <a:solidFill>
                 <a:srgbClr val="000000"/>
               </a:solidFill>
@@ -3700,6 +3704,1731 @@
     <p:extLst>
       <p:ext uri="{BB962C8B-B14F-4D97-AF65-F5344CB8AC3E}">
         <p14:creationId xmlns:p14="http://schemas.microsoft.com/office/powerpoint/2010/main" val="810214421"/>
+      </p:ext>
+    </p:extLst>
+  </p:cSld>
+  <p:clrMapOvr>
+    <a:masterClrMapping/>
+  </p:clrMapOvr>
+</p:sld>
+</file>
+
+<file path=ppt/slides/slide11.xml><?xml version="1.0" encoding="utf-8"?>
+<p:sld xmlns:a="http://schemas.openxmlformats.org/drawingml/2006/main" xmlns:r="http://schemas.openxmlformats.org/officeDocument/2006/relationships" xmlns:p="http://schemas.openxmlformats.org/presentationml/2006/main">
+  <p:cSld>
+    <p:bg>
+      <p:bgPr>
+        <a:solidFill>
+          <a:schemeClr val="bg1"/>
+        </a:solidFill>
+        <a:effectLst/>
+      </p:bgPr>
+    </p:bg>
+    <p:spTree>
+      <p:nvGrpSpPr>
+        <p:cNvPr id="1" name=""/>
+        <p:cNvGrpSpPr/>
+        <p:nvPr/>
+      </p:nvGrpSpPr>
+      <p:grpSpPr>
+        <a:xfrm>
+          <a:off x="0" y="0"/>
+          <a:ext cx="0" cy="0"/>
+          <a:chOff x="0" y="0"/>
+          <a:chExt cx="0" cy="0"/>
+        </a:xfrm>
+      </p:grpSpPr>
+      <p:sp>
+        <p:nvSpPr>
+          <p:cNvPr id="39" name="Rectangle 38">
+            <a:extLst>
+              <a:ext uri="{FF2B5EF4-FFF2-40B4-BE49-F238E27FC236}">
+                <a16:creationId xmlns:a16="http://schemas.microsoft.com/office/drawing/2014/main" id="{2B566528-1B12-4246-9431-5C2D7D081168}"/>
+              </a:ext>
+              <a:ext uri="{C183D7F6-B498-43B3-948B-1728B52AA6E4}">
+                <adec:decorative xmlns:adec="http://schemas.microsoft.com/office/drawing/2017/decorative" val="1"/>
+              </a:ext>
+            </a:extLst>
+          </p:cNvPr>
+          <p:cNvSpPr>
+            <a:spLocks noGrp="1" noRot="1" noChangeAspect="1" noMove="1" noResize="1" noEditPoints="1" noAdjustHandles="1" noChangeArrowheads="1" noChangeShapeType="1" noTextEdit="1"/>
+          </p:cNvSpPr>
+          <p:nvPr>
+            <p:extLst>
+              <p:ext uri="{386F3935-93C4-4BCD-93E2-E3B085C9AB24}">
+                <p16:designElem xmlns:p16="http://schemas.microsoft.com/office/powerpoint/2015/main" val="1"/>
+              </p:ext>
+            </p:extLst>
+          </p:nvPr>
+        </p:nvSpPr>
+        <p:spPr>
+          <a:xfrm>
+            <a:off x="0" y="0"/>
+            <a:ext cx="12192000" cy="6858000"/>
+          </a:xfrm>
+          <a:prstGeom prst="rect">
+            <a:avLst/>
+          </a:prstGeom>
+          <a:solidFill>
+            <a:schemeClr val="bg1"/>
+          </a:solidFill>
+          <a:ln>
+            <a:noFill/>
+          </a:ln>
+        </p:spPr>
+        <p:style>
+          <a:lnRef idx="2">
+            <a:schemeClr val="accent1">
+              <a:shade val="50000"/>
+            </a:schemeClr>
+          </a:lnRef>
+          <a:fillRef idx="1">
+            <a:schemeClr val="accent1"/>
+          </a:fillRef>
+          <a:effectRef idx="0">
+            <a:schemeClr val="accent1"/>
+          </a:effectRef>
+          <a:fontRef idx="minor">
+            <a:schemeClr val="lt1"/>
+          </a:fontRef>
+        </p:style>
+        <p:txBody>
+          <a:bodyPr rtlCol="0" anchor="ctr"/>
+          <a:lstStyle/>
+          <a:p>
+            <a:pPr algn="ctr"/>
+            <a:endParaRPr lang="en-US"/>
+          </a:p>
+        </p:txBody>
+      </p:sp>
+      <p:sp>
+        <p:nvSpPr>
+          <p:cNvPr id="2" name="Título 1">
+            <a:extLst>
+              <a:ext uri="{FF2B5EF4-FFF2-40B4-BE49-F238E27FC236}">
+                <a16:creationId xmlns:a16="http://schemas.microsoft.com/office/drawing/2014/main" id="{46991FFA-5E35-051D-3B8C-8962250E1C9A}"/>
+              </a:ext>
+            </a:extLst>
+          </p:cNvPr>
+          <p:cNvSpPr>
+            <a:spLocks noGrp="1"/>
+          </p:cNvSpPr>
+          <p:nvPr>
+            <p:ph type="title"/>
+          </p:nvPr>
+        </p:nvSpPr>
+        <p:spPr>
+          <a:xfrm>
+            <a:off x="643467" y="321734"/>
+            <a:ext cx="10905066" cy="1135737"/>
+          </a:xfrm>
+        </p:spPr>
+        <p:txBody>
+          <a:bodyPr>
+            <a:normAutofit/>
+          </a:bodyPr>
+          <a:lstStyle/>
+          <a:p>
+            <a:r>
+              <a:rPr lang="pt-BR" sz="3600" b="1">
+                <a:ea typeface="+mj-lt"/>
+                <a:cs typeface="+mj-lt"/>
+              </a:rPr>
+              <a:t>Detalhamento das Entradas</a:t>
+            </a:r>
+            <a:endParaRPr lang="pt-BR"/>
+          </a:p>
+        </p:txBody>
+      </p:sp>
+      <p:sp>
+        <p:nvSpPr>
+          <p:cNvPr id="3" name="Espaço Reservado para Conteúdo 2">
+            <a:extLst>
+              <a:ext uri="{FF2B5EF4-FFF2-40B4-BE49-F238E27FC236}">
+                <a16:creationId xmlns:a16="http://schemas.microsoft.com/office/drawing/2014/main" id="{1F560DD4-1938-249D-D353-6A108002A6DE}"/>
+              </a:ext>
+            </a:extLst>
+          </p:cNvPr>
+          <p:cNvSpPr>
+            <a:spLocks noGrp="1"/>
+          </p:cNvSpPr>
+          <p:nvPr>
+            <p:ph idx="1"/>
+          </p:nvPr>
+        </p:nvSpPr>
+        <p:spPr>
+          <a:xfrm>
+            <a:off x="643467" y="1782981"/>
+            <a:ext cx="10905066" cy="4393982"/>
+          </a:xfrm>
+        </p:spPr>
+        <p:txBody>
+          <a:bodyPr vert="horz" lIns="91440" tIns="45720" rIns="91440" bIns="45720" rtlCol="0" anchor="t">
+            <a:normAutofit/>
+          </a:bodyPr>
+          <a:lstStyle/>
+          <a:p>
+            <a:pPr>
+              <a:buNone/>
+            </a:pPr>
+            <a:r>
+              <a:rPr lang="pt-BR" sz="2000" dirty="0">
+                <a:ea typeface="+mn-lt"/>
+                <a:cs typeface="+mn-lt"/>
+              </a:rPr>
+              <a:t>Os ativos de processos organizacionais poderiam ser agrupados em duas categorias:</a:t>
+            </a:r>
+            <a:endParaRPr lang="pt-BR" dirty="0"/>
+          </a:p>
+          <a:p>
+            <a:pPr>
+              <a:buNone/>
+            </a:pPr>
+            <a:r>
+              <a:rPr lang="pt-BR" sz="2000" dirty="0">
+                <a:ea typeface="+mn-lt"/>
+                <a:cs typeface="+mn-lt"/>
+              </a:rPr>
+              <a:t>1ª) Procedimentos da organização para realizar o trabalho:</a:t>
+            </a:r>
+            <a:endParaRPr lang="pt-BR" dirty="0"/>
+          </a:p>
+          <a:p>
+            <a:pPr>
+              <a:buNone/>
+            </a:pPr>
+            <a:r>
+              <a:rPr lang="pt-BR" sz="2000" dirty="0">
+                <a:ea typeface="+mn-lt"/>
+                <a:cs typeface="+mn-lt"/>
+              </a:rPr>
+              <a:t>Processos organizacionais padrão, como normas, políticas (segurança, saúde e política de gerenciamento de projetos), ciclos de vida padrão do produto e do projeto, políticas e procedimentos de qualidade</a:t>
+            </a:r>
+            <a:endParaRPr lang="pt-BR" dirty="0"/>
+          </a:p>
+          <a:p>
+            <a:pPr>
+              <a:buNone/>
+            </a:pPr>
+            <a:r>
+              <a:rPr lang="pt-BR" sz="2000" dirty="0">
+                <a:ea typeface="+mn-lt"/>
+                <a:cs typeface="+mn-lt"/>
+              </a:rPr>
+              <a:t>Por exemplo: auditorias de processo, metas de melhoria, listas de verificação e definições padronizadas de processos para uso na organização.</a:t>
+            </a:r>
+            <a:endParaRPr lang="pt-BR" dirty="0"/>
+          </a:p>
+          <a:p>
+            <a:pPr>
+              <a:buNone/>
+            </a:pPr>
+            <a:endParaRPr lang="pt-BR" sz="2000" dirty="0">
+              <a:cs typeface="Calibri"/>
+            </a:endParaRPr>
+          </a:p>
+          <a:p>
+            <a:pPr>
+              <a:buNone/>
+            </a:pPr>
+            <a:endParaRPr lang="pt-BR" sz="2000">
+              <a:cs typeface="Calibri"/>
+            </a:endParaRPr>
+          </a:p>
+          <a:p>
+            <a:pPr>
+              <a:buNone/>
+            </a:pPr>
+            <a:endParaRPr lang="pt-BR" sz="2000">
+              <a:cs typeface="Calibri"/>
+            </a:endParaRPr>
+          </a:p>
+          <a:p>
+            <a:pPr>
+              <a:buNone/>
+            </a:pPr>
+            <a:endParaRPr lang="pt-BR" sz="2000">
+              <a:cs typeface="Calibri"/>
+            </a:endParaRPr>
+          </a:p>
+          <a:p>
+            <a:pPr>
+              <a:buNone/>
+            </a:pPr>
+            <a:endParaRPr lang="pt-BR" sz="2000">
+              <a:ea typeface="+mn-lt"/>
+              <a:cs typeface="+mn-lt"/>
+            </a:endParaRPr>
+          </a:p>
+          <a:p>
+            <a:pPr>
+              <a:buNone/>
+            </a:pPr>
+            <a:endParaRPr lang="pt-BR" sz="2000">
+              <a:cs typeface="Calibri" panose="020F0502020204030204"/>
+            </a:endParaRPr>
+          </a:p>
+          <a:p>
+            <a:pPr marL="0" indent="0">
+              <a:buNone/>
+            </a:pPr>
+            <a:endParaRPr lang="pt-BR" sz="2000">
+              <a:cs typeface="Calibri" panose="020F0502020204030204"/>
+            </a:endParaRPr>
+          </a:p>
+          <a:p>
+            <a:endParaRPr lang="pt-BR" sz="2000">
+              <a:solidFill>
+                <a:srgbClr val="000000"/>
+              </a:solidFill>
+              <a:ea typeface="+mn-lt"/>
+              <a:cs typeface="+mn-lt"/>
+            </a:endParaRPr>
+          </a:p>
+        </p:txBody>
+      </p:sp>
+      <p:sp>
+        <p:nvSpPr>
+          <p:cNvPr id="41" name="Rectangle 40">
+            <a:extLst>
+              <a:ext uri="{FF2B5EF4-FFF2-40B4-BE49-F238E27FC236}">
+                <a16:creationId xmlns:a16="http://schemas.microsoft.com/office/drawing/2014/main" id="{2E80C965-DB6D-4F81-9E9E-B027384D0BD6}"/>
+              </a:ext>
+              <a:ext uri="{C183D7F6-B498-43B3-948B-1728B52AA6E4}">
+                <adec:decorative xmlns:adec="http://schemas.microsoft.com/office/drawing/2017/decorative" val="1"/>
+              </a:ext>
+            </a:extLst>
+          </p:cNvPr>
+          <p:cNvSpPr>
+            <a:spLocks noGrp="1" noRot="1" noChangeAspect="1" noMove="1" noResize="1" noEditPoints="1" noAdjustHandles="1" noChangeArrowheads="1" noChangeShapeType="1" noTextEdit="1"/>
+          </p:cNvSpPr>
+          <p:nvPr>
+            <p:extLst>
+              <p:ext uri="{386F3935-93C4-4BCD-93E2-E3B085C9AB24}">
+                <p16:designElem xmlns:p16="http://schemas.microsoft.com/office/powerpoint/2015/main" val="1"/>
+              </p:ext>
+            </p:extLst>
+          </p:nvPr>
+        </p:nvSpPr>
+        <p:spPr>
+          <a:xfrm rot="2700000">
+            <a:off x="11052629" y="2120024"/>
+            <a:ext cx="645368" cy="645368"/>
+          </a:xfrm>
+          <a:prstGeom prst="rect">
+            <a:avLst/>
+          </a:prstGeom>
+          <a:solidFill>
+            <a:schemeClr val="accent4">
+              <a:alpha val="30000"/>
+            </a:schemeClr>
+          </a:solidFill>
+          <a:ln>
+            <a:noFill/>
+          </a:ln>
+        </p:spPr>
+        <p:style>
+          <a:lnRef idx="2">
+            <a:schemeClr val="accent1">
+              <a:shade val="50000"/>
+            </a:schemeClr>
+          </a:lnRef>
+          <a:fillRef idx="1">
+            <a:schemeClr val="accent1"/>
+          </a:fillRef>
+          <a:effectRef idx="0">
+            <a:schemeClr val="accent1"/>
+          </a:effectRef>
+          <a:fontRef idx="minor">
+            <a:schemeClr val="lt1"/>
+          </a:fontRef>
+        </p:style>
+        <p:txBody>
+          <a:bodyPr rtlCol="0" anchor="ctr"/>
+          <a:lstStyle/>
+          <a:p>
+            <a:pPr algn="ctr"/>
+            <a:endParaRPr lang="en-US"/>
+          </a:p>
+        </p:txBody>
+      </p:sp>
+      <p:sp>
+        <p:nvSpPr>
+          <p:cNvPr id="43" name="Isosceles Triangle 42">
+            <a:extLst>
+              <a:ext uri="{FF2B5EF4-FFF2-40B4-BE49-F238E27FC236}">
+                <a16:creationId xmlns:a16="http://schemas.microsoft.com/office/drawing/2014/main" id="{A580F890-B085-4E95-96AA-55AEBEC5CE6E}"/>
+              </a:ext>
+              <a:ext uri="{C183D7F6-B498-43B3-948B-1728B52AA6E4}">
+                <adec:decorative xmlns:adec="http://schemas.microsoft.com/office/drawing/2017/decorative" val="1"/>
+              </a:ext>
+            </a:extLst>
+          </p:cNvPr>
+          <p:cNvSpPr>
+            <a:spLocks noGrp="1" noRot="1" noChangeAspect="1" noMove="1" noResize="1" noEditPoints="1" noAdjustHandles="1" noChangeArrowheads="1" noChangeShapeType="1" noTextEdit="1"/>
+          </p:cNvSpPr>
+          <p:nvPr>
+            <p:extLst>
+              <p:ext uri="{386F3935-93C4-4BCD-93E2-E3B085C9AB24}">
+                <p16:designElem xmlns:p16="http://schemas.microsoft.com/office/powerpoint/2015/main" val="1"/>
+              </p:ext>
+            </p:extLst>
+          </p:nvPr>
+        </p:nvSpPr>
+        <p:spPr>
+          <a:xfrm rot="16200000">
+            <a:off x="10289068" y="1343027"/>
+            <a:ext cx="2532832" cy="1273032"/>
+          </a:xfrm>
+          <a:prstGeom prst="triangle">
+            <a:avLst>
+              <a:gd name="adj" fmla="val 50000"/>
+            </a:avLst>
+          </a:prstGeom>
+          <a:solidFill>
+            <a:schemeClr val="accent4">
+              <a:alpha val="30000"/>
+            </a:schemeClr>
+          </a:solidFill>
+          <a:ln>
+            <a:noFill/>
+          </a:ln>
+        </p:spPr>
+        <p:style>
+          <a:lnRef idx="2">
+            <a:schemeClr val="accent1">
+              <a:shade val="50000"/>
+            </a:schemeClr>
+          </a:lnRef>
+          <a:fillRef idx="1">
+            <a:schemeClr val="accent1"/>
+          </a:fillRef>
+          <a:effectRef idx="0">
+            <a:schemeClr val="accent1"/>
+          </a:effectRef>
+          <a:fontRef idx="minor">
+            <a:schemeClr val="lt1"/>
+          </a:fontRef>
+        </p:style>
+        <p:txBody>
+          <a:bodyPr rtlCol="0" anchor="ctr"/>
+          <a:lstStyle/>
+          <a:p>
+            <a:pPr algn="ctr"/>
+            <a:endParaRPr lang="en-US"/>
+          </a:p>
+        </p:txBody>
+      </p:sp>
+      <p:sp>
+        <p:nvSpPr>
+          <p:cNvPr id="45" name="Isosceles Triangle 44">
+            <a:extLst>
+              <a:ext uri="{FF2B5EF4-FFF2-40B4-BE49-F238E27FC236}">
+                <a16:creationId xmlns:a16="http://schemas.microsoft.com/office/drawing/2014/main" id="{D3F51FEB-38FB-4F6C-9F7B-2F2AFAB65463}"/>
+              </a:ext>
+              <a:ext uri="{C183D7F6-B498-43B3-948B-1728B52AA6E4}">
+                <adec:decorative xmlns:adec="http://schemas.microsoft.com/office/drawing/2017/decorative" val="1"/>
+              </a:ext>
+            </a:extLst>
+          </p:cNvPr>
+          <p:cNvSpPr>
+            <a:spLocks noGrp="1" noRot="1" noChangeAspect="1" noMove="1" noResize="1" noEditPoints="1" noAdjustHandles="1" noChangeArrowheads="1" noChangeShapeType="1" noTextEdit="1"/>
+          </p:cNvSpPr>
+          <p:nvPr>
+            <p:extLst>
+              <p:ext uri="{386F3935-93C4-4BCD-93E2-E3B085C9AB24}">
+                <p16:designElem xmlns:p16="http://schemas.microsoft.com/office/powerpoint/2015/main" val="1"/>
+              </p:ext>
+            </p:extLst>
+          </p:nvPr>
+        </p:nvSpPr>
+        <p:spPr>
+          <a:xfrm rot="5400000">
+            <a:off x="-501760" y="5103257"/>
+            <a:ext cx="2017580" cy="1014060"/>
+          </a:xfrm>
+          <a:prstGeom prst="triangle">
+            <a:avLst>
+              <a:gd name="adj" fmla="val 50000"/>
+            </a:avLst>
+          </a:prstGeom>
+          <a:solidFill>
+            <a:schemeClr val="accent1">
+              <a:alpha val="30000"/>
+            </a:schemeClr>
+          </a:solidFill>
+          <a:ln>
+            <a:noFill/>
+          </a:ln>
+        </p:spPr>
+        <p:style>
+          <a:lnRef idx="2">
+            <a:schemeClr val="accent1">
+              <a:shade val="50000"/>
+            </a:schemeClr>
+          </a:lnRef>
+          <a:fillRef idx="1">
+            <a:schemeClr val="accent1"/>
+          </a:fillRef>
+          <a:effectRef idx="0">
+            <a:schemeClr val="accent1"/>
+          </a:effectRef>
+          <a:fontRef idx="minor">
+            <a:schemeClr val="lt1"/>
+          </a:fontRef>
+        </p:style>
+        <p:txBody>
+          <a:bodyPr wrap="square" rtlCol="0" anchor="ctr">
+            <a:noAutofit/>
+          </a:bodyPr>
+          <a:lstStyle/>
+          <a:p>
+            <a:pPr algn="ctr"/>
+            <a:endParaRPr lang="en-US"/>
+          </a:p>
+        </p:txBody>
+      </p:sp>
+      <p:sp>
+        <p:nvSpPr>
+          <p:cNvPr id="47" name="Rectangle 46">
+            <a:extLst>
+              <a:ext uri="{FF2B5EF4-FFF2-40B4-BE49-F238E27FC236}">
+                <a16:creationId xmlns:a16="http://schemas.microsoft.com/office/drawing/2014/main" id="{1E547BA6-BAE0-43BB-A7CA-60F69CE252F0}"/>
+              </a:ext>
+              <a:ext uri="{C183D7F6-B498-43B3-948B-1728B52AA6E4}">
+                <adec:decorative xmlns:adec="http://schemas.microsoft.com/office/drawing/2017/decorative" val="1"/>
+              </a:ext>
+            </a:extLst>
+          </p:cNvPr>
+          <p:cNvSpPr>
+            <a:spLocks noGrp="1" noRot="1" noChangeAspect="1" noMove="1" noResize="1" noEditPoints="1" noAdjustHandles="1" noChangeArrowheads="1" noChangeShapeType="1" noTextEdit="1"/>
+          </p:cNvSpPr>
+          <p:nvPr>
+            <p:extLst>
+              <p:ext uri="{386F3935-93C4-4BCD-93E2-E3B085C9AB24}">
+                <p16:designElem xmlns:p16="http://schemas.microsoft.com/office/powerpoint/2015/main" val="1"/>
+              </p:ext>
+            </p:extLst>
+          </p:nvPr>
+        </p:nvSpPr>
+        <p:spPr>
+          <a:xfrm rot="2700000">
+            <a:off x="427916" y="5728708"/>
+            <a:ext cx="485578" cy="485578"/>
+          </a:xfrm>
+          <a:prstGeom prst="rect">
+            <a:avLst/>
+          </a:prstGeom>
+          <a:solidFill>
+            <a:schemeClr val="accent1">
+              <a:alpha val="30000"/>
+            </a:schemeClr>
+          </a:solidFill>
+          <a:ln>
+            <a:noFill/>
+          </a:ln>
+        </p:spPr>
+        <p:style>
+          <a:lnRef idx="2">
+            <a:schemeClr val="accent1">
+              <a:shade val="50000"/>
+            </a:schemeClr>
+          </a:lnRef>
+          <a:fillRef idx="1">
+            <a:schemeClr val="accent1"/>
+          </a:fillRef>
+          <a:effectRef idx="0">
+            <a:schemeClr val="accent1"/>
+          </a:effectRef>
+          <a:fontRef idx="minor">
+            <a:schemeClr val="lt1"/>
+          </a:fontRef>
+        </p:style>
+        <p:txBody>
+          <a:bodyPr wrap="square" rtlCol="0" anchor="ctr">
+            <a:noAutofit/>
+          </a:bodyPr>
+          <a:lstStyle/>
+          <a:p>
+            <a:pPr algn="ctr"/>
+            <a:endParaRPr lang="en-US"/>
+          </a:p>
+        </p:txBody>
+      </p:sp>
+    </p:spTree>
+    <p:extLst>
+      <p:ext uri="{BB962C8B-B14F-4D97-AF65-F5344CB8AC3E}">
+        <p14:creationId xmlns:p14="http://schemas.microsoft.com/office/powerpoint/2010/main" val="256691131"/>
+      </p:ext>
+    </p:extLst>
+  </p:cSld>
+  <p:clrMapOvr>
+    <a:masterClrMapping/>
+  </p:clrMapOvr>
+</p:sld>
+</file>
+
+<file path=ppt/slides/slide12.xml><?xml version="1.0" encoding="utf-8"?>
+<p:sld xmlns:a="http://schemas.openxmlformats.org/drawingml/2006/main" xmlns:r="http://schemas.openxmlformats.org/officeDocument/2006/relationships" xmlns:p="http://schemas.openxmlformats.org/presentationml/2006/main">
+  <p:cSld>
+    <p:bg>
+      <p:bgPr>
+        <a:solidFill>
+          <a:schemeClr val="bg1"/>
+        </a:solidFill>
+        <a:effectLst/>
+      </p:bgPr>
+    </p:bg>
+    <p:spTree>
+      <p:nvGrpSpPr>
+        <p:cNvPr id="1" name=""/>
+        <p:cNvGrpSpPr/>
+        <p:nvPr/>
+      </p:nvGrpSpPr>
+      <p:grpSpPr>
+        <a:xfrm>
+          <a:off x="0" y="0"/>
+          <a:ext cx="0" cy="0"/>
+          <a:chOff x="0" y="0"/>
+          <a:chExt cx="0" cy="0"/>
+        </a:xfrm>
+      </p:grpSpPr>
+      <p:sp>
+        <p:nvSpPr>
+          <p:cNvPr id="39" name="Rectangle 38">
+            <a:extLst>
+              <a:ext uri="{FF2B5EF4-FFF2-40B4-BE49-F238E27FC236}">
+                <a16:creationId xmlns:a16="http://schemas.microsoft.com/office/drawing/2014/main" id="{2B566528-1B12-4246-9431-5C2D7D081168}"/>
+              </a:ext>
+              <a:ext uri="{C183D7F6-B498-43B3-948B-1728B52AA6E4}">
+                <adec:decorative xmlns:adec="http://schemas.microsoft.com/office/drawing/2017/decorative" val="1"/>
+              </a:ext>
+            </a:extLst>
+          </p:cNvPr>
+          <p:cNvSpPr>
+            <a:spLocks noGrp="1" noRot="1" noChangeAspect="1" noMove="1" noResize="1" noEditPoints="1" noAdjustHandles="1" noChangeArrowheads="1" noChangeShapeType="1" noTextEdit="1"/>
+          </p:cNvSpPr>
+          <p:nvPr>
+            <p:extLst>
+              <p:ext uri="{386F3935-93C4-4BCD-93E2-E3B085C9AB24}">
+                <p16:designElem xmlns:p16="http://schemas.microsoft.com/office/powerpoint/2015/main" val="1"/>
+              </p:ext>
+            </p:extLst>
+          </p:nvPr>
+        </p:nvSpPr>
+        <p:spPr>
+          <a:xfrm>
+            <a:off x="0" y="0"/>
+            <a:ext cx="12192000" cy="6858000"/>
+          </a:xfrm>
+          <a:prstGeom prst="rect">
+            <a:avLst/>
+          </a:prstGeom>
+          <a:solidFill>
+            <a:schemeClr val="bg1"/>
+          </a:solidFill>
+          <a:ln>
+            <a:noFill/>
+          </a:ln>
+        </p:spPr>
+        <p:style>
+          <a:lnRef idx="2">
+            <a:schemeClr val="accent1">
+              <a:shade val="50000"/>
+            </a:schemeClr>
+          </a:lnRef>
+          <a:fillRef idx="1">
+            <a:schemeClr val="accent1"/>
+          </a:fillRef>
+          <a:effectRef idx="0">
+            <a:schemeClr val="accent1"/>
+          </a:effectRef>
+          <a:fontRef idx="minor">
+            <a:schemeClr val="lt1"/>
+          </a:fontRef>
+        </p:style>
+        <p:txBody>
+          <a:bodyPr rtlCol="0" anchor="ctr"/>
+          <a:lstStyle/>
+          <a:p>
+            <a:pPr algn="ctr"/>
+            <a:endParaRPr lang="en-US"/>
+          </a:p>
+        </p:txBody>
+      </p:sp>
+      <p:sp>
+        <p:nvSpPr>
+          <p:cNvPr id="2" name="Título 1">
+            <a:extLst>
+              <a:ext uri="{FF2B5EF4-FFF2-40B4-BE49-F238E27FC236}">
+                <a16:creationId xmlns:a16="http://schemas.microsoft.com/office/drawing/2014/main" id="{46991FFA-5E35-051D-3B8C-8962250E1C9A}"/>
+              </a:ext>
+            </a:extLst>
+          </p:cNvPr>
+          <p:cNvSpPr>
+            <a:spLocks noGrp="1"/>
+          </p:cNvSpPr>
+          <p:nvPr>
+            <p:ph type="title"/>
+          </p:nvPr>
+        </p:nvSpPr>
+        <p:spPr>
+          <a:xfrm>
+            <a:off x="643467" y="321734"/>
+            <a:ext cx="10905066" cy="1135737"/>
+          </a:xfrm>
+        </p:spPr>
+        <p:txBody>
+          <a:bodyPr>
+            <a:normAutofit/>
+          </a:bodyPr>
+          <a:lstStyle/>
+          <a:p>
+            <a:r>
+              <a:rPr lang="pt-BR" sz="3600" b="1">
+                <a:ea typeface="+mj-lt"/>
+                <a:cs typeface="+mj-lt"/>
+              </a:rPr>
+              <a:t>Detalhamento das Entradas</a:t>
+            </a:r>
+            <a:endParaRPr lang="pt-BR"/>
+          </a:p>
+        </p:txBody>
+      </p:sp>
+      <p:sp>
+        <p:nvSpPr>
+          <p:cNvPr id="3" name="Espaço Reservado para Conteúdo 2">
+            <a:extLst>
+              <a:ext uri="{FF2B5EF4-FFF2-40B4-BE49-F238E27FC236}">
+                <a16:creationId xmlns:a16="http://schemas.microsoft.com/office/drawing/2014/main" id="{1F560DD4-1938-249D-D353-6A108002A6DE}"/>
+              </a:ext>
+            </a:extLst>
+          </p:cNvPr>
+          <p:cNvSpPr>
+            <a:spLocks noGrp="1"/>
+          </p:cNvSpPr>
+          <p:nvPr>
+            <p:ph idx="1"/>
+          </p:nvPr>
+        </p:nvSpPr>
+        <p:spPr>
+          <a:xfrm>
+            <a:off x="643467" y="1782981"/>
+            <a:ext cx="10905066" cy="4393982"/>
+          </a:xfrm>
+        </p:spPr>
+        <p:txBody>
+          <a:bodyPr vert="horz" lIns="91440" tIns="45720" rIns="91440" bIns="45720" rtlCol="0" anchor="t">
+            <a:normAutofit/>
+          </a:bodyPr>
+          <a:lstStyle/>
+          <a:p>
+            <a:pPr>
+              <a:buNone/>
+            </a:pPr>
+            <a:r>
+              <a:rPr lang="pt-BR" sz="2000" dirty="0">
+                <a:ea typeface="+mn-lt"/>
+                <a:cs typeface="+mn-lt"/>
+              </a:rPr>
+              <a:t>1ª) mais procedimentos da organização para realizar o trabalho:</a:t>
+            </a:r>
+            <a:endParaRPr lang="pt-BR" dirty="0">
+              <a:ea typeface="+mn-lt"/>
+              <a:cs typeface="+mn-lt"/>
+            </a:endParaRPr>
+          </a:p>
+          <a:p>
+            <a:pPr>
+              <a:buNone/>
+            </a:pPr>
+            <a:r>
+              <a:rPr lang="pt-BR" sz="2000" dirty="0">
+                <a:ea typeface="+mn-lt"/>
+                <a:cs typeface="+mn-lt"/>
+              </a:rPr>
+              <a:t>Diretrizes padronizadas, instruções de trabalho, critérios de avaliação de propostas e de medição de desempenho</a:t>
+            </a:r>
+            <a:endParaRPr lang="pt-BR" dirty="0"/>
+          </a:p>
+          <a:p>
+            <a:pPr>
+              <a:buNone/>
+            </a:pPr>
+            <a:r>
+              <a:rPr lang="pt-BR" sz="2000" dirty="0">
+                <a:ea typeface="+mn-lt"/>
+                <a:cs typeface="+mn-lt"/>
+              </a:rPr>
+              <a:t>Modelos (de risco, estrutura analítica do projeto, do diagrama de rede do cronograma do projeto)</a:t>
+            </a:r>
+            <a:endParaRPr lang="pt-BR" dirty="0"/>
+          </a:p>
+          <a:p>
+            <a:pPr>
+              <a:buNone/>
+            </a:pPr>
+            <a:r>
+              <a:rPr lang="pt-BR" sz="2000" dirty="0">
+                <a:ea typeface="+mn-lt"/>
+                <a:cs typeface="+mn-lt"/>
+              </a:rPr>
+              <a:t>Diretrizes e critérios para adequação do conjunto de processos padrão da organização para satisfazer às necessidades específicas do projeto</a:t>
+            </a:r>
+            <a:endParaRPr lang="pt-BR" dirty="0"/>
+          </a:p>
+          <a:p>
+            <a:pPr>
+              <a:buNone/>
+            </a:pPr>
+            <a:r>
+              <a:rPr lang="pt-BR" sz="2000" dirty="0">
+                <a:ea typeface="+mn-lt"/>
+                <a:cs typeface="+mn-lt"/>
+              </a:rPr>
+              <a:t>Requisitos de comunicação da organização (a tecnologia de comunicação específica disponível, meios de comunicação permitidos, retenção de registros e requisitos de segurança).</a:t>
+            </a:r>
+            <a:endParaRPr lang="pt-BR" dirty="0"/>
+          </a:p>
+          <a:p>
+            <a:pPr>
+              <a:buNone/>
+            </a:pPr>
+            <a:endParaRPr lang="pt-BR" sz="2000" dirty="0">
+              <a:cs typeface="Calibri"/>
+            </a:endParaRPr>
+          </a:p>
+          <a:p>
+            <a:pPr>
+              <a:buNone/>
+            </a:pPr>
+            <a:endParaRPr lang="pt-BR" sz="2000" dirty="0">
+              <a:cs typeface="Calibri"/>
+            </a:endParaRPr>
+          </a:p>
+          <a:p>
+            <a:pPr>
+              <a:buNone/>
+            </a:pPr>
+            <a:endParaRPr lang="pt-BR" sz="2000">
+              <a:cs typeface="Calibri"/>
+            </a:endParaRPr>
+          </a:p>
+          <a:p>
+            <a:pPr>
+              <a:buNone/>
+            </a:pPr>
+            <a:endParaRPr lang="pt-BR" sz="2000">
+              <a:cs typeface="Calibri"/>
+            </a:endParaRPr>
+          </a:p>
+          <a:p>
+            <a:pPr>
+              <a:buNone/>
+            </a:pPr>
+            <a:endParaRPr lang="pt-BR" sz="2000">
+              <a:cs typeface="Calibri"/>
+            </a:endParaRPr>
+          </a:p>
+          <a:p>
+            <a:pPr>
+              <a:buNone/>
+            </a:pPr>
+            <a:endParaRPr lang="pt-BR" sz="2000">
+              <a:ea typeface="+mn-lt"/>
+              <a:cs typeface="+mn-lt"/>
+            </a:endParaRPr>
+          </a:p>
+          <a:p>
+            <a:pPr>
+              <a:buNone/>
+            </a:pPr>
+            <a:endParaRPr lang="pt-BR" sz="2000">
+              <a:cs typeface="Calibri" panose="020F0502020204030204"/>
+            </a:endParaRPr>
+          </a:p>
+          <a:p>
+            <a:pPr marL="0" indent="0">
+              <a:buNone/>
+            </a:pPr>
+            <a:endParaRPr lang="pt-BR" sz="2000">
+              <a:cs typeface="Calibri" panose="020F0502020204030204"/>
+            </a:endParaRPr>
+          </a:p>
+          <a:p>
+            <a:endParaRPr lang="pt-BR" sz="2000">
+              <a:solidFill>
+                <a:srgbClr val="000000"/>
+              </a:solidFill>
+              <a:ea typeface="+mn-lt"/>
+              <a:cs typeface="+mn-lt"/>
+            </a:endParaRPr>
+          </a:p>
+        </p:txBody>
+      </p:sp>
+      <p:sp>
+        <p:nvSpPr>
+          <p:cNvPr id="41" name="Rectangle 40">
+            <a:extLst>
+              <a:ext uri="{FF2B5EF4-FFF2-40B4-BE49-F238E27FC236}">
+                <a16:creationId xmlns:a16="http://schemas.microsoft.com/office/drawing/2014/main" id="{2E80C965-DB6D-4F81-9E9E-B027384D0BD6}"/>
+              </a:ext>
+              <a:ext uri="{C183D7F6-B498-43B3-948B-1728B52AA6E4}">
+                <adec:decorative xmlns:adec="http://schemas.microsoft.com/office/drawing/2017/decorative" val="1"/>
+              </a:ext>
+            </a:extLst>
+          </p:cNvPr>
+          <p:cNvSpPr>
+            <a:spLocks noGrp="1" noRot="1" noChangeAspect="1" noMove="1" noResize="1" noEditPoints="1" noAdjustHandles="1" noChangeArrowheads="1" noChangeShapeType="1" noTextEdit="1"/>
+          </p:cNvSpPr>
+          <p:nvPr>
+            <p:extLst>
+              <p:ext uri="{386F3935-93C4-4BCD-93E2-E3B085C9AB24}">
+                <p16:designElem xmlns:p16="http://schemas.microsoft.com/office/powerpoint/2015/main" val="1"/>
+              </p:ext>
+            </p:extLst>
+          </p:nvPr>
+        </p:nvSpPr>
+        <p:spPr>
+          <a:xfrm rot="2700000">
+            <a:off x="11052629" y="2120024"/>
+            <a:ext cx="645368" cy="645368"/>
+          </a:xfrm>
+          <a:prstGeom prst="rect">
+            <a:avLst/>
+          </a:prstGeom>
+          <a:solidFill>
+            <a:schemeClr val="accent4">
+              <a:alpha val="30000"/>
+            </a:schemeClr>
+          </a:solidFill>
+          <a:ln>
+            <a:noFill/>
+          </a:ln>
+        </p:spPr>
+        <p:style>
+          <a:lnRef idx="2">
+            <a:schemeClr val="accent1">
+              <a:shade val="50000"/>
+            </a:schemeClr>
+          </a:lnRef>
+          <a:fillRef idx="1">
+            <a:schemeClr val="accent1"/>
+          </a:fillRef>
+          <a:effectRef idx="0">
+            <a:schemeClr val="accent1"/>
+          </a:effectRef>
+          <a:fontRef idx="minor">
+            <a:schemeClr val="lt1"/>
+          </a:fontRef>
+        </p:style>
+        <p:txBody>
+          <a:bodyPr rtlCol="0" anchor="ctr"/>
+          <a:lstStyle/>
+          <a:p>
+            <a:pPr algn="ctr"/>
+            <a:endParaRPr lang="en-US"/>
+          </a:p>
+        </p:txBody>
+      </p:sp>
+      <p:sp>
+        <p:nvSpPr>
+          <p:cNvPr id="43" name="Isosceles Triangle 42">
+            <a:extLst>
+              <a:ext uri="{FF2B5EF4-FFF2-40B4-BE49-F238E27FC236}">
+                <a16:creationId xmlns:a16="http://schemas.microsoft.com/office/drawing/2014/main" id="{A580F890-B085-4E95-96AA-55AEBEC5CE6E}"/>
+              </a:ext>
+              <a:ext uri="{C183D7F6-B498-43B3-948B-1728B52AA6E4}">
+                <adec:decorative xmlns:adec="http://schemas.microsoft.com/office/drawing/2017/decorative" val="1"/>
+              </a:ext>
+            </a:extLst>
+          </p:cNvPr>
+          <p:cNvSpPr>
+            <a:spLocks noGrp="1" noRot="1" noChangeAspect="1" noMove="1" noResize="1" noEditPoints="1" noAdjustHandles="1" noChangeArrowheads="1" noChangeShapeType="1" noTextEdit="1"/>
+          </p:cNvSpPr>
+          <p:nvPr>
+            <p:extLst>
+              <p:ext uri="{386F3935-93C4-4BCD-93E2-E3B085C9AB24}">
+                <p16:designElem xmlns:p16="http://schemas.microsoft.com/office/powerpoint/2015/main" val="1"/>
+              </p:ext>
+            </p:extLst>
+          </p:nvPr>
+        </p:nvSpPr>
+        <p:spPr>
+          <a:xfrm rot="16200000">
+            <a:off x="10289068" y="1343027"/>
+            <a:ext cx="2532832" cy="1273032"/>
+          </a:xfrm>
+          <a:prstGeom prst="triangle">
+            <a:avLst>
+              <a:gd name="adj" fmla="val 50000"/>
+            </a:avLst>
+          </a:prstGeom>
+          <a:solidFill>
+            <a:schemeClr val="accent4">
+              <a:alpha val="30000"/>
+            </a:schemeClr>
+          </a:solidFill>
+          <a:ln>
+            <a:noFill/>
+          </a:ln>
+        </p:spPr>
+        <p:style>
+          <a:lnRef idx="2">
+            <a:schemeClr val="accent1">
+              <a:shade val="50000"/>
+            </a:schemeClr>
+          </a:lnRef>
+          <a:fillRef idx="1">
+            <a:schemeClr val="accent1"/>
+          </a:fillRef>
+          <a:effectRef idx="0">
+            <a:schemeClr val="accent1"/>
+          </a:effectRef>
+          <a:fontRef idx="minor">
+            <a:schemeClr val="lt1"/>
+          </a:fontRef>
+        </p:style>
+        <p:txBody>
+          <a:bodyPr rtlCol="0" anchor="ctr"/>
+          <a:lstStyle/>
+          <a:p>
+            <a:pPr algn="ctr"/>
+            <a:endParaRPr lang="en-US"/>
+          </a:p>
+        </p:txBody>
+      </p:sp>
+      <p:sp>
+        <p:nvSpPr>
+          <p:cNvPr id="45" name="Isosceles Triangle 44">
+            <a:extLst>
+              <a:ext uri="{FF2B5EF4-FFF2-40B4-BE49-F238E27FC236}">
+                <a16:creationId xmlns:a16="http://schemas.microsoft.com/office/drawing/2014/main" id="{D3F51FEB-38FB-4F6C-9F7B-2F2AFAB65463}"/>
+              </a:ext>
+              <a:ext uri="{C183D7F6-B498-43B3-948B-1728B52AA6E4}">
+                <adec:decorative xmlns:adec="http://schemas.microsoft.com/office/drawing/2017/decorative" val="1"/>
+              </a:ext>
+            </a:extLst>
+          </p:cNvPr>
+          <p:cNvSpPr>
+            <a:spLocks noGrp="1" noRot="1" noChangeAspect="1" noMove="1" noResize="1" noEditPoints="1" noAdjustHandles="1" noChangeArrowheads="1" noChangeShapeType="1" noTextEdit="1"/>
+          </p:cNvSpPr>
+          <p:nvPr>
+            <p:extLst>
+              <p:ext uri="{386F3935-93C4-4BCD-93E2-E3B085C9AB24}">
+                <p16:designElem xmlns:p16="http://schemas.microsoft.com/office/powerpoint/2015/main" val="1"/>
+              </p:ext>
+            </p:extLst>
+          </p:nvPr>
+        </p:nvSpPr>
+        <p:spPr>
+          <a:xfrm rot="5400000">
+            <a:off x="-501760" y="5103257"/>
+            <a:ext cx="2017580" cy="1014060"/>
+          </a:xfrm>
+          <a:prstGeom prst="triangle">
+            <a:avLst>
+              <a:gd name="adj" fmla="val 50000"/>
+            </a:avLst>
+          </a:prstGeom>
+          <a:solidFill>
+            <a:schemeClr val="accent1">
+              <a:alpha val="30000"/>
+            </a:schemeClr>
+          </a:solidFill>
+          <a:ln>
+            <a:noFill/>
+          </a:ln>
+        </p:spPr>
+        <p:style>
+          <a:lnRef idx="2">
+            <a:schemeClr val="accent1">
+              <a:shade val="50000"/>
+            </a:schemeClr>
+          </a:lnRef>
+          <a:fillRef idx="1">
+            <a:schemeClr val="accent1"/>
+          </a:fillRef>
+          <a:effectRef idx="0">
+            <a:schemeClr val="accent1"/>
+          </a:effectRef>
+          <a:fontRef idx="minor">
+            <a:schemeClr val="lt1"/>
+          </a:fontRef>
+        </p:style>
+        <p:txBody>
+          <a:bodyPr wrap="square" rtlCol="0" anchor="ctr">
+            <a:noAutofit/>
+          </a:bodyPr>
+          <a:lstStyle/>
+          <a:p>
+            <a:pPr algn="ctr"/>
+            <a:endParaRPr lang="en-US"/>
+          </a:p>
+        </p:txBody>
+      </p:sp>
+      <p:sp>
+        <p:nvSpPr>
+          <p:cNvPr id="47" name="Rectangle 46">
+            <a:extLst>
+              <a:ext uri="{FF2B5EF4-FFF2-40B4-BE49-F238E27FC236}">
+                <a16:creationId xmlns:a16="http://schemas.microsoft.com/office/drawing/2014/main" id="{1E547BA6-BAE0-43BB-A7CA-60F69CE252F0}"/>
+              </a:ext>
+              <a:ext uri="{C183D7F6-B498-43B3-948B-1728B52AA6E4}">
+                <adec:decorative xmlns:adec="http://schemas.microsoft.com/office/drawing/2017/decorative" val="1"/>
+              </a:ext>
+            </a:extLst>
+          </p:cNvPr>
+          <p:cNvSpPr>
+            <a:spLocks noGrp="1" noRot="1" noChangeAspect="1" noMove="1" noResize="1" noEditPoints="1" noAdjustHandles="1" noChangeArrowheads="1" noChangeShapeType="1" noTextEdit="1"/>
+          </p:cNvSpPr>
+          <p:nvPr>
+            <p:extLst>
+              <p:ext uri="{386F3935-93C4-4BCD-93E2-E3B085C9AB24}">
+                <p16:designElem xmlns:p16="http://schemas.microsoft.com/office/powerpoint/2015/main" val="1"/>
+              </p:ext>
+            </p:extLst>
+          </p:nvPr>
+        </p:nvSpPr>
+        <p:spPr>
+          <a:xfrm rot="2700000">
+            <a:off x="427916" y="5728708"/>
+            <a:ext cx="485578" cy="485578"/>
+          </a:xfrm>
+          <a:prstGeom prst="rect">
+            <a:avLst/>
+          </a:prstGeom>
+          <a:solidFill>
+            <a:schemeClr val="accent1">
+              <a:alpha val="30000"/>
+            </a:schemeClr>
+          </a:solidFill>
+          <a:ln>
+            <a:noFill/>
+          </a:ln>
+        </p:spPr>
+        <p:style>
+          <a:lnRef idx="2">
+            <a:schemeClr val="accent1">
+              <a:shade val="50000"/>
+            </a:schemeClr>
+          </a:lnRef>
+          <a:fillRef idx="1">
+            <a:schemeClr val="accent1"/>
+          </a:fillRef>
+          <a:effectRef idx="0">
+            <a:schemeClr val="accent1"/>
+          </a:effectRef>
+          <a:fontRef idx="minor">
+            <a:schemeClr val="lt1"/>
+          </a:fontRef>
+        </p:style>
+        <p:txBody>
+          <a:bodyPr wrap="square" rtlCol="0" anchor="ctr">
+            <a:noAutofit/>
+          </a:bodyPr>
+          <a:lstStyle/>
+          <a:p>
+            <a:pPr algn="ctr"/>
+            <a:endParaRPr lang="en-US"/>
+          </a:p>
+        </p:txBody>
+      </p:sp>
+    </p:spTree>
+    <p:extLst>
+      <p:ext uri="{BB962C8B-B14F-4D97-AF65-F5344CB8AC3E}">
+        <p14:creationId xmlns:p14="http://schemas.microsoft.com/office/powerpoint/2010/main" val="381622943"/>
+      </p:ext>
+    </p:extLst>
+  </p:cSld>
+  <p:clrMapOvr>
+    <a:masterClrMapping/>
+  </p:clrMapOvr>
+</p:sld>
+</file>
+
+<file path=ppt/slides/slide13.xml><?xml version="1.0" encoding="utf-8"?>
+<p:sld xmlns:a="http://schemas.openxmlformats.org/drawingml/2006/main" xmlns:r="http://schemas.openxmlformats.org/officeDocument/2006/relationships" xmlns:p="http://schemas.openxmlformats.org/presentationml/2006/main">
+  <p:cSld>
+    <p:bg>
+      <p:bgPr>
+        <a:solidFill>
+          <a:schemeClr val="bg1"/>
+        </a:solidFill>
+        <a:effectLst/>
+      </p:bgPr>
+    </p:bg>
+    <p:spTree>
+      <p:nvGrpSpPr>
+        <p:cNvPr id="1" name=""/>
+        <p:cNvGrpSpPr/>
+        <p:nvPr/>
+      </p:nvGrpSpPr>
+      <p:grpSpPr>
+        <a:xfrm>
+          <a:off x="0" y="0"/>
+          <a:ext cx="0" cy="0"/>
+          <a:chOff x="0" y="0"/>
+          <a:chExt cx="0" cy="0"/>
+        </a:xfrm>
+      </p:grpSpPr>
+      <p:sp>
+        <p:nvSpPr>
+          <p:cNvPr id="39" name="Rectangle 38">
+            <a:extLst>
+              <a:ext uri="{FF2B5EF4-FFF2-40B4-BE49-F238E27FC236}">
+                <a16:creationId xmlns:a16="http://schemas.microsoft.com/office/drawing/2014/main" id="{2B566528-1B12-4246-9431-5C2D7D081168}"/>
+              </a:ext>
+              <a:ext uri="{C183D7F6-B498-43B3-948B-1728B52AA6E4}">
+                <adec:decorative xmlns:adec="http://schemas.microsoft.com/office/drawing/2017/decorative" val="1"/>
+              </a:ext>
+            </a:extLst>
+          </p:cNvPr>
+          <p:cNvSpPr>
+            <a:spLocks noGrp="1" noRot="1" noChangeAspect="1" noMove="1" noResize="1" noEditPoints="1" noAdjustHandles="1" noChangeArrowheads="1" noChangeShapeType="1" noTextEdit="1"/>
+          </p:cNvSpPr>
+          <p:nvPr>
+            <p:extLst>
+              <p:ext uri="{386F3935-93C4-4BCD-93E2-E3B085C9AB24}">
+                <p16:designElem xmlns:p16="http://schemas.microsoft.com/office/powerpoint/2015/main" val="1"/>
+              </p:ext>
+            </p:extLst>
+          </p:nvPr>
+        </p:nvSpPr>
+        <p:spPr>
+          <a:xfrm>
+            <a:off x="0" y="0"/>
+            <a:ext cx="12192000" cy="6858000"/>
+          </a:xfrm>
+          <a:prstGeom prst="rect">
+            <a:avLst/>
+          </a:prstGeom>
+          <a:solidFill>
+            <a:schemeClr val="bg1"/>
+          </a:solidFill>
+          <a:ln>
+            <a:noFill/>
+          </a:ln>
+        </p:spPr>
+        <p:style>
+          <a:lnRef idx="2">
+            <a:schemeClr val="accent1">
+              <a:shade val="50000"/>
+            </a:schemeClr>
+          </a:lnRef>
+          <a:fillRef idx="1">
+            <a:schemeClr val="accent1"/>
+          </a:fillRef>
+          <a:effectRef idx="0">
+            <a:schemeClr val="accent1"/>
+          </a:effectRef>
+          <a:fontRef idx="minor">
+            <a:schemeClr val="lt1"/>
+          </a:fontRef>
+        </p:style>
+        <p:txBody>
+          <a:bodyPr rtlCol="0" anchor="ctr"/>
+          <a:lstStyle/>
+          <a:p>
+            <a:pPr algn="ctr"/>
+            <a:endParaRPr lang="en-US"/>
+          </a:p>
+        </p:txBody>
+      </p:sp>
+      <p:sp>
+        <p:nvSpPr>
+          <p:cNvPr id="2" name="Título 1">
+            <a:extLst>
+              <a:ext uri="{FF2B5EF4-FFF2-40B4-BE49-F238E27FC236}">
+                <a16:creationId xmlns:a16="http://schemas.microsoft.com/office/drawing/2014/main" id="{46991FFA-5E35-051D-3B8C-8962250E1C9A}"/>
+              </a:ext>
+            </a:extLst>
+          </p:cNvPr>
+          <p:cNvSpPr>
+            <a:spLocks noGrp="1"/>
+          </p:cNvSpPr>
+          <p:nvPr>
+            <p:ph type="title"/>
+          </p:nvPr>
+        </p:nvSpPr>
+        <p:spPr>
+          <a:xfrm>
+            <a:off x="643467" y="321734"/>
+            <a:ext cx="10905066" cy="1135737"/>
+          </a:xfrm>
+        </p:spPr>
+        <p:txBody>
+          <a:bodyPr>
+            <a:normAutofit/>
+          </a:bodyPr>
+          <a:lstStyle/>
+          <a:p>
+            <a:r>
+              <a:rPr lang="pt-BR" sz="3600" b="1">
+                <a:ea typeface="+mj-lt"/>
+                <a:cs typeface="+mj-lt"/>
+              </a:rPr>
+              <a:t>Detalhamento das Entradas</a:t>
+            </a:r>
+            <a:endParaRPr lang="pt-BR"/>
+          </a:p>
+        </p:txBody>
+      </p:sp>
+      <p:sp>
+        <p:nvSpPr>
+          <p:cNvPr id="3" name="Espaço Reservado para Conteúdo 2">
+            <a:extLst>
+              <a:ext uri="{FF2B5EF4-FFF2-40B4-BE49-F238E27FC236}">
+                <a16:creationId xmlns:a16="http://schemas.microsoft.com/office/drawing/2014/main" id="{1F560DD4-1938-249D-D353-6A108002A6DE}"/>
+              </a:ext>
+            </a:extLst>
+          </p:cNvPr>
+          <p:cNvSpPr>
+            <a:spLocks noGrp="1"/>
+          </p:cNvSpPr>
+          <p:nvPr>
+            <p:ph idx="1"/>
+          </p:nvPr>
+        </p:nvSpPr>
+        <p:spPr>
+          <a:xfrm>
+            <a:off x="643467" y="1782981"/>
+            <a:ext cx="10905066" cy="4393982"/>
+          </a:xfrm>
+        </p:spPr>
+        <p:txBody>
+          <a:bodyPr vert="horz" lIns="91440" tIns="45720" rIns="91440" bIns="45720" rtlCol="0" anchor="t">
+            <a:normAutofit/>
+          </a:bodyPr>
+          <a:lstStyle/>
+          <a:p>
+            <a:pPr>
+              <a:buNone/>
+            </a:pPr>
+            <a:r>
+              <a:rPr lang="pt-BR" sz="2000" dirty="0">
+                <a:ea typeface="+mn-lt"/>
+                <a:cs typeface="+mn-lt"/>
+              </a:rPr>
+              <a:t>1ª) ainda mais procedimentos da organização para realizar o trabalho:</a:t>
+            </a:r>
+            <a:endParaRPr lang="pt-BR" dirty="0">
+              <a:ea typeface="+mn-lt"/>
+              <a:cs typeface="+mn-lt"/>
+            </a:endParaRPr>
+          </a:p>
+          <a:p>
+            <a:pPr>
+              <a:buNone/>
+            </a:pPr>
+            <a:r>
+              <a:rPr lang="pt-BR" sz="2000" dirty="0">
+                <a:ea typeface="+mn-lt"/>
+                <a:cs typeface="+mn-lt"/>
+              </a:rPr>
+              <a:t>Os requisitos ou diretrizes para encerramento do projeto (auditorias finais do projeto, avaliações, validações de produtos e critérios de aceitação)</a:t>
+            </a:r>
+            <a:endParaRPr lang="pt-BR" dirty="0"/>
+          </a:p>
+          <a:p>
+            <a:pPr>
+              <a:buNone/>
+            </a:pPr>
+            <a:r>
+              <a:rPr lang="pt-BR" sz="2000" dirty="0">
+                <a:ea typeface="+mn-lt"/>
+                <a:cs typeface="+mn-lt"/>
+              </a:rPr>
+              <a:t>Os controles financeiros (relatórios de horas, revisões de despesas e desembolsos necessários, códigos de contabilidade e cláusulas contratuais padrão)</a:t>
+            </a:r>
+            <a:endParaRPr lang="pt-BR" dirty="0">
+              <a:ea typeface="+mn-lt"/>
+              <a:cs typeface="+mn-lt"/>
+            </a:endParaRPr>
+          </a:p>
+          <a:p>
+            <a:pPr>
+              <a:buNone/>
+            </a:pPr>
+            <a:r>
+              <a:rPr lang="pt-BR" sz="2000" dirty="0">
+                <a:ea typeface="+mn-lt"/>
+                <a:cs typeface="+mn-lt"/>
+              </a:rPr>
+              <a:t>O gerenciamento de problemas e defeitos, sua identificação, resolução e acompanhamento de itens de </a:t>
+            </a:r>
+            <a:r>
+              <a:rPr lang="pt-BR" sz="2000" dirty="0" err="1">
+                <a:ea typeface="+mn-lt"/>
+                <a:cs typeface="+mn-lt"/>
+              </a:rPr>
+              <a:t>ação.O</a:t>
+            </a:r>
+            <a:r>
+              <a:rPr lang="pt-BR" sz="2000" dirty="0">
+                <a:ea typeface="+mn-lt"/>
+                <a:cs typeface="+mn-lt"/>
+              </a:rPr>
+              <a:t> controle de mudanças, inclusive os passos para modificação das normas, políticas, planos e procedimentos oficiais da empresa — ou quaisquer documentos do projeto — e como essas mudanças serão aprovadas e validadas.</a:t>
+            </a:r>
+            <a:endParaRPr lang="pt-BR" dirty="0"/>
+          </a:p>
+          <a:p>
+            <a:pPr>
+              <a:buNone/>
+            </a:pPr>
+            <a:endParaRPr lang="pt-BR" sz="2000" dirty="0">
+              <a:cs typeface="Calibri"/>
+            </a:endParaRPr>
+          </a:p>
+          <a:p>
+            <a:pPr>
+              <a:buNone/>
+            </a:pPr>
+            <a:endParaRPr lang="pt-BR" sz="2000" dirty="0">
+              <a:cs typeface="Calibri"/>
+            </a:endParaRPr>
+          </a:p>
+          <a:p>
+            <a:pPr>
+              <a:buNone/>
+            </a:pPr>
+            <a:endParaRPr lang="pt-BR" sz="2000" dirty="0">
+              <a:cs typeface="Calibri"/>
+            </a:endParaRPr>
+          </a:p>
+          <a:p>
+            <a:pPr>
+              <a:buNone/>
+            </a:pPr>
+            <a:endParaRPr lang="pt-BR" sz="2000">
+              <a:cs typeface="Calibri"/>
+            </a:endParaRPr>
+          </a:p>
+          <a:p>
+            <a:pPr>
+              <a:buNone/>
+            </a:pPr>
+            <a:endParaRPr lang="pt-BR" sz="2000">
+              <a:cs typeface="Calibri"/>
+            </a:endParaRPr>
+          </a:p>
+          <a:p>
+            <a:pPr>
+              <a:buNone/>
+            </a:pPr>
+            <a:endParaRPr lang="pt-BR" sz="2000">
+              <a:cs typeface="Calibri"/>
+            </a:endParaRPr>
+          </a:p>
+          <a:p>
+            <a:pPr>
+              <a:buNone/>
+            </a:pPr>
+            <a:endParaRPr lang="pt-BR" sz="2000">
+              <a:ea typeface="+mn-lt"/>
+              <a:cs typeface="+mn-lt"/>
+            </a:endParaRPr>
+          </a:p>
+          <a:p>
+            <a:pPr>
+              <a:buNone/>
+            </a:pPr>
+            <a:endParaRPr lang="pt-BR" sz="2000">
+              <a:cs typeface="Calibri" panose="020F0502020204030204"/>
+            </a:endParaRPr>
+          </a:p>
+          <a:p>
+            <a:pPr marL="0" indent="0">
+              <a:buNone/>
+            </a:pPr>
+            <a:endParaRPr lang="pt-BR" sz="2000">
+              <a:cs typeface="Calibri" panose="020F0502020204030204"/>
+            </a:endParaRPr>
+          </a:p>
+          <a:p>
+            <a:endParaRPr lang="pt-BR" sz="2000">
+              <a:solidFill>
+                <a:srgbClr val="000000"/>
+              </a:solidFill>
+              <a:ea typeface="+mn-lt"/>
+              <a:cs typeface="+mn-lt"/>
+            </a:endParaRPr>
+          </a:p>
+        </p:txBody>
+      </p:sp>
+      <p:sp>
+        <p:nvSpPr>
+          <p:cNvPr id="41" name="Rectangle 40">
+            <a:extLst>
+              <a:ext uri="{FF2B5EF4-FFF2-40B4-BE49-F238E27FC236}">
+                <a16:creationId xmlns:a16="http://schemas.microsoft.com/office/drawing/2014/main" id="{2E80C965-DB6D-4F81-9E9E-B027384D0BD6}"/>
+              </a:ext>
+              <a:ext uri="{C183D7F6-B498-43B3-948B-1728B52AA6E4}">
+                <adec:decorative xmlns:adec="http://schemas.microsoft.com/office/drawing/2017/decorative" val="1"/>
+              </a:ext>
+            </a:extLst>
+          </p:cNvPr>
+          <p:cNvSpPr>
+            <a:spLocks noGrp="1" noRot="1" noChangeAspect="1" noMove="1" noResize="1" noEditPoints="1" noAdjustHandles="1" noChangeArrowheads="1" noChangeShapeType="1" noTextEdit="1"/>
+          </p:cNvSpPr>
+          <p:nvPr>
+            <p:extLst>
+              <p:ext uri="{386F3935-93C4-4BCD-93E2-E3B085C9AB24}">
+                <p16:designElem xmlns:p16="http://schemas.microsoft.com/office/powerpoint/2015/main" val="1"/>
+              </p:ext>
+            </p:extLst>
+          </p:nvPr>
+        </p:nvSpPr>
+        <p:spPr>
+          <a:xfrm rot="2700000">
+            <a:off x="11052629" y="2120024"/>
+            <a:ext cx="645368" cy="645368"/>
+          </a:xfrm>
+          <a:prstGeom prst="rect">
+            <a:avLst/>
+          </a:prstGeom>
+          <a:solidFill>
+            <a:schemeClr val="accent4">
+              <a:alpha val="30000"/>
+            </a:schemeClr>
+          </a:solidFill>
+          <a:ln>
+            <a:noFill/>
+          </a:ln>
+        </p:spPr>
+        <p:style>
+          <a:lnRef idx="2">
+            <a:schemeClr val="accent1">
+              <a:shade val="50000"/>
+            </a:schemeClr>
+          </a:lnRef>
+          <a:fillRef idx="1">
+            <a:schemeClr val="accent1"/>
+          </a:fillRef>
+          <a:effectRef idx="0">
+            <a:schemeClr val="accent1"/>
+          </a:effectRef>
+          <a:fontRef idx="minor">
+            <a:schemeClr val="lt1"/>
+          </a:fontRef>
+        </p:style>
+        <p:txBody>
+          <a:bodyPr rtlCol="0" anchor="ctr"/>
+          <a:lstStyle/>
+          <a:p>
+            <a:pPr algn="ctr"/>
+            <a:endParaRPr lang="en-US"/>
+          </a:p>
+        </p:txBody>
+      </p:sp>
+      <p:sp>
+        <p:nvSpPr>
+          <p:cNvPr id="43" name="Isosceles Triangle 42">
+            <a:extLst>
+              <a:ext uri="{FF2B5EF4-FFF2-40B4-BE49-F238E27FC236}">
+                <a16:creationId xmlns:a16="http://schemas.microsoft.com/office/drawing/2014/main" id="{A580F890-B085-4E95-96AA-55AEBEC5CE6E}"/>
+              </a:ext>
+              <a:ext uri="{C183D7F6-B498-43B3-948B-1728B52AA6E4}">
+                <adec:decorative xmlns:adec="http://schemas.microsoft.com/office/drawing/2017/decorative" val="1"/>
+              </a:ext>
+            </a:extLst>
+          </p:cNvPr>
+          <p:cNvSpPr>
+            <a:spLocks noGrp="1" noRot="1" noChangeAspect="1" noMove="1" noResize="1" noEditPoints="1" noAdjustHandles="1" noChangeArrowheads="1" noChangeShapeType="1" noTextEdit="1"/>
+          </p:cNvSpPr>
+          <p:nvPr>
+            <p:extLst>
+              <p:ext uri="{386F3935-93C4-4BCD-93E2-E3B085C9AB24}">
+                <p16:designElem xmlns:p16="http://schemas.microsoft.com/office/powerpoint/2015/main" val="1"/>
+              </p:ext>
+            </p:extLst>
+          </p:nvPr>
+        </p:nvSpPr>
+        <p:spPr>
+          <a:xfrm rot="16200000">
+            <a:off x="10289068" y="1343027"/>
+            <a:ext cx="2532832" cy="1273032"/>
+          </a:xfrm>
+          <a:prstGeom prst="triangle">
+            <a:avLst>
+              <a:gd name="adj" fmla="val 50000"/>
+            </a:avLst>
+          </a:prstGeom>
+          <a:solidFill>
+            <a:schemeClr val="accent4">
+              <a:alpha val="30000"/>
+            </a:schemeClr>
+          </a:solidFill>
+          <a:ln>
+            <a:noFill/>
+          </a:ln>
+        </p:spPr>
+        <p:style>
+          <a:lnRef idx="2">
+            <a:schemeClr val="accent1">
+              <a:shade val="50000"/>
+            </a:schemeClr>
+          </a:lnRef>
+          <a:fillRef idx="1">
+            <a:schemeClr val="accent1"/>
+          </a:fillRef>
+          <a:effectRef idx="0">
+            <a:schemeClr val="accent1"/>
+          </a:effectRef>
+          <a:fontRef idx="minor">
+            <a:schemeClr val="lt1"/>
+          </a:fontRef>
+        </p:style>
+        <p:txBody>
+          <a:bodyPr rtlCol="0" anchor="ctr"/>
+          <a:lstStyle/>
+          <a:p>
+            <a:pPr algn="ctr"/>
+            <a:endParaRPr lang="en-US"/>
+          </a:p>
+        </p:txBody>
+      </p:sp>
+      <p:sp>
+        <p:nvSpPr>
+          <p:cNvPr id="45" name="Isosceles Triangle 44">
+            <a:extLst>
+              <a:ext uri="{FF2B5EF4-FFF2-40B4-BE49-F238E27FC236}">
+                <a16:creationId xmlns:a16="http://schemas.microsoft.com/office/drawing/2014/main" id="{D3F51FEB-38FB-4F6C-9F7B-2F2AFAB65463}"/>
+              </a:ext>
+              <a:ext uri="{C183D7F6-B498-43B3-948B-1728B52AA6E4}">
+                <adec:decorative xmlns:adec="http://schemas.microsoft.com/office/drawing/2017/decorative" val="1"/>
+              </a:ext>
+            </a:extLst>
+          </p:cNvPr>
+          <p:cNvSpPr>
+            <a:spLocks noGrp="1" noRot="1" noChangeAspect="1" noMove="1" noResize="1" noEditPoints="1" noAdjustHandles="1" noChangeArrowheads="1" noChangeShapeType="1" noTextEdit="1"/>
+          </p:cNvSpPr>
+          <p:nvPr>
+            <p:extLst>
+              <p:ext uri="{386F3935-93C4-4BCD-93E2-E3B085C9AB24}">
+                <p16:designElem xmlns:p16="http://schemas.microsoft.com/office/powerpoint/2015/main" val="1"/>
+              </p:ext>
+            </p:extLst>
+          </p:nvPr>
+        </p:nvSpPr>
+        <p:spPr>
+          <a:xfrm rot="5400000">
+            <a:off x="-501760" y="5103257"/>
+            <a:ext cx="2017580" cy="1014060"/>
+          </a:xfrm>
+          <a:prstGeom prst="triangle">
+            <a:avLst>
+              <a:gd name="adj" fmla="val 50000"/>
+            </a:avLst>
+          </a:prstGeom>
+          <a:solidFill>
+            <a:schemeClr val="accent1">
+              <a:alpha val="30000"/>
+            </a:schemeClr>
+          </a:solidFill>
+          <a:ln>
+            <a:noFill/>
+          </a:ln>
+        </p:spPr>
+        <p:style>
+          <a:lnRef idx="2">
+            <a:schemeClr val="accent1">
+              <a:shade val="50000"/>
+            </a:schemeClr>
+          </a:lnRef>
+          <a:fillRef idx="1">
+            <a:schemeClr val="accent1"/>
+          </a:fillRef>
+          <a:effectRef idx="0">
+            <a:schemeClr val="accent1"/>
+          </a:effectRef>
+          <a:fontRef idx="minor">
+            <a:schemeClr val="lt1"/>
+          </a:fontRef>
+        </p:style>
+        <p:txBody>
+          <a:bodyPr wrap="square" rtlCol="0" anchor="ctr">
+            <a:noAutofit/>
+          </a:bodyPr>
+          <a:lstStyle/>
+          <a:p>
+            <a:pPr algn="ctr"/>
+            <a:endParaRPr lang="en-US"/>
+          </a:p>
+        </p:txBody>
+      </p:sp>
+      <p:sp>
+        <p:nvSpPr>
+          <p:cNvPr id="47" name="Rectangle 46">
+            <a:extLst>
+              <a:ext uri="{FF2B5EF4-FFF2-40B4-BE49-F238E27FC236}">
+                <a16:creationId xmlns:a16="http://schemas.microsoft.com/office/drawing/2014/main" id="{1E547BA6-BAE0-43BB-A7CA-60F69CE252F0}"/>
+              </a:ext>
+              <a:ext uri="{C183D7F6-B498-43B3-948B-1728B52AA6E4}">
+                <adec:decorative xmlns:adec="http://schemas.microsoft.com/office/drawing/2017/decorative" val="1"/>
+              </a:ext>
+            </a:extLst>
+          </p:cNvPr>
+          <p:cNvSpPr>
+            <a:spLocks noGrp="1" noRot="1" noChangeAspect="1" noMove="1" noResize="1" noEditPoints="1" noAdjustHandles="1" noChangeArrowheads="1" noChangeShapeType="1" noTextEdit="1"/>
+          </p:cNvSpPr>
+          <p:nvPr>
+            <p:extLst>
+              <p:ext uri="{386F3935-93C4-4BCD-93E2-E3B085C9AB24}">
+                <p16:designElem xmlns:p16="http://schemas.microsoft.com/office/powerpoint/2015/main" val="1"/>
+              </p:ext>
+            </p:extLst>
+          </p:nvPr>
+        </p:nvSpPr>
+        <p:spPr>
+          <a:xfrm rot="2700000">
+            <a:off x="427916" y="5728708"/>
+            <a:ext cx="485578" cy="485578"/>
+          </a:xfrm>
+          <a:prstGeom prst="rect">
+            <a:avLst/>
+          </a:prstGeom>
+          <a:solidFill>
+            <a:schemeClr val="accent1">
+              <a:alpha val="30000"/>
+            </a:schemeClr>
+          </a:solidFill>
+          <a:ln>
+            <a:noFill/>
+          </a:ln>
+        </p:spPr>
+        <p:style>
+          <a:lnRef idx="2">
+            <a:schemeClr val="accent1">
+              <a:shade val="50000"/>
+            </a:schemeClr>
+          </a:lnRef>
+          <a:fillRef idx="1">
+            <a:schemeClr val="accent1"/>
+          </a:fillRef>
+          <a:effectRef idx="0">
+            <a:schemeClr val="accent1"/>
+          </a:effectRef>
+          <a:fontRef idx="minor">
+            <a:schemeClr val="lt1"/>
+          </a:fontRef>
+        </p:style>
+        <p:txBody>
+          <a:bodyPr wrap="square" rtlCol="0" anchor="ctr">
+            <a:noAutofit/>
+          </a:bodyPr>
+          <a:lstStyle/>
+          <a:p>
+            <a:pPr algn="ctr"/>
+            <a:endParaRPr lang="en-US"/>
+          </a:p>
+        </p:txBody>
+      </p:sp>
+    </p:spTree>
+    <p:extLst>
+      <p:ext uri="{BB962C8B-B14F-4D97-AF65-F5344CB8AC3E}">
+        <p14:creationId xmlns:p14="http://schemas.microsoft.com/office/powerpoint/2010/main" val="2314090114"/>
       </p:ext>
     </p:extLst>
   </p:cSld>
@@ -3793,7 +5522,7 @@
           <a:lstStyle/>
           <a:p>
             <a:pPr algn="ctr"/>
-            <a:endParaRPr lang="en-US" dirty="0"/>
+            <a:endParaRPr lang="en-US"/>
           </a:p>
         </p:txBody>
       </p:sp>
@@ -3826,7 +5555,7 @@
           <a:lstStyle/>
           <a:p>
             <a:r>
-              <a:rPr lang="pt-BR" sz="3600" b="1" dirty="0">
+              <a:rPr lang="pt-BR" sz="3600" b="1">
                 <a:solidFill>
                   <a:schemeClr val="accent1">
                     <a:lumMod val="50000"/>
@@ -3836,7 +5565,7 @@
               </a:rPr>
               <a:t>Processos</a:t>
             </a:r>
-            <a:endParaRPr lang="pt-BR" sz="3600" b="1" dirty="0">
+            <a:endParaRPr lang="pt-BR" sz="3600" b="1">
               <a:solidFill>
                 <a:schemeClr val="accent1">
                   <a:lumMod val="50000"/>
@@ -3878,7 +5607,7 @@
               <a:buAutoNum type="arabicPeriod"/>
             </a:pPr>
             <a:r>
-              <a:rPr lang="pt-BR" sz="2000" dirty="0">
+              <a:rPr lang="pt-BR" sz="2000">
                 <a:cs typeface="Calibri" panose="020F0502020204030204"/>
               </a:rPr>
               <a:t>Desenvolver o Plano do Projeto ou Termo de Abertura (Project Charter)</a:t>
@@ -3889,7 +5618,7 @@
               <a:buAutoNum type="arabicPeriod"/>
             </a:pPr>
             <a:r>
-              <a:rPr lang="pt-BR" sz="2000" dirty="0">
+              <a:rPr lang="pt-BR" sz="2000">
                 <a:cs typeface="Calibri" panose="020F0502020204030204"/>
               </a:rPr>
               <a:t>Desenvolver o Plano de Gerenciamento do Projeto.</a:t>
@@ -3900,7 +5629,7 @@
               <a:buAutoNum type="arabicPeriod"/>
             </a:pPr>
             <a:r>
-              <a:rPr lang="pt-BR" sz="2000" dirty="0">
+              <a:rPr lang="pt-BR" sz="2000">
                 <a:cs typeface="Calibri" panose="020F0502020204030204"/>
               </a:rPr>
               <a:t>Orientar e Gerenciar o trabalho no projeto.</a:t>
@@ -3911,7 +5640,7 @@
               <a:buAutoNum type="arabicPeriod"/>
             </a:pPr>
             <a:r>
-              <a:rPr lang="pt-BR" sz="2000" dirty="0">
+              <a:rPr lang="pt-BR" sz="2000">
                 <a:cs typeface="Calibri" panose="020F0502020204030204"/>
               </a:rPr>
               <a:t>Monitorar e Controlar o trabalho no projeto</a:t>
@@ -3922,7 +5651,7 @@
               <a:buAutoNum type="arabicPeriod"/>
             </a:pPr>
             <a:r>
-              <a:rPr lang="pt-BR" sz="2000" dirty="0">
+              <a:rPr lang="pt-BR" sz="2000">
                 <a:cs typeface="Calibri" panose="020F0502020204030204"/>
               </a:rPr>
               <a:t>Manter o controle integrado das mudanças</a:t>
@@ -3933,7 +5662,7 @@
               <a:buAutoNum type="arabicPeriod"/>
             </a:pPr>
             <a:r>
-              <a:rPr lang="pt-BR" sz="2000" dirty="0">
+              <a:rPr lang="pt-BR" sz="2000">
                 <a:cs typeface="Calibri" panose="020F0502020204030204"/>
               </a:rPr>
               <a:t>Fechar uma fase ou o projeto.</a:t>
@@ -4306,7 +6035,7 @@
           <a:lstStyle/>
           <a:p>
             <a:pPr algn="ctr"/>
-            <a:endParaRPr lang="en-US" dirty="0"/>
+            <a:endParaRPr lang="en-US"/>
           </a:p>
         </p:txBody>
       </p:sp>
@@ -4339,13 +6068,13 @@
           <a:lstStyle/>
           <a:p>
             <a:r>
-              <a:rPr lang="pt-BR" sz="3600" b="1" dirty="0">
+              <a:rPr lang="pt-BR" sz="3600" b="1">
                 <a:ea typeface="+mj-lt"/>
                 <a:cs typeface="+mj-lt"/>
               </a:rPr>
               <a:t>Gerenciamento da integração do projeto</a:t>
             </a:r>
-            <a:endParaRPr lang="pt-BR" dirty="0"/>
+            <a:endParaRPr lang="pt-BR"/>
           </a:p>
         </p:txBody>
       </p:sp>
@@ -4378,27 +6107,27 @@
           <a:lstStyle/>
           <a:p>
             <a:r>
-              <a:rPr lang="pt-BR" sz="2000" dirty="0">
+              <a:rPr lang="pt-BR" sz="2000">
                 <a:ea typeface="+mn-lt"/>
                 <a:cs typeface="+mn-lt"/>
               </a:rPr>
               <a:t>A integração, no contexto do gerenciamento de um projeto, consiste em fazer escolhas sobre em que pontos concentrar recursos e esforço e em qualquer dia específico, antecipando e tratando possíveis problemas, antes de se tornarem críticos, coordenando o trabalho visando o bem geral do projeto.</a:t>
             </a:r>
-            <a:endParaRPr lang="pt-BR" dirty="0">
+            <a:endParaRPr lang="pt-BR">
               <a:ea typeface="+mn-lt"/>
               <a:cs typeface="+mn-lt"/>
             </a:endParaRPr>
           </a:p>
           <a:p>
             <a:r>
-              <a:rPr lang="pt-BR" sz="2000" dirty="0">
+              <a:rPr lang="pt-BR" sz="2000">
                 <a:ea typeface="+mn-lt"/>
                 <a:cs typeface="+mn-lt"/>
               </a:rPr>
               <a:t>O esforço de integração também envolve fazer compensações entre </a:t>
             </a:r>
             <a:r>
-              <a:rPr lang="pt-BR" sz="2000" dirty="0">
+              <a:rPr lang="pt-BR" sz="2000">
                 <a:solidFill>
                   <a:srgbClr val="C00000"/>
                 </a:solidFill>
@@ -4775,7 +6504,7 @@
           <a:lstStyle/>
           <a:p>
             <a:pPr algn="ctr"/>
-            <a:endParaRPr lang="en-US" dirty="0"/>
+            <a:endParaRPr lang="en-US"/>
           </a:p>
         </p:txBody>
       </p:sp>
@@ -4808,13 +6537,13 @@
           <a:lstStyle/>
           <a:p>
             <a:r>
-              <a:rPr lang="pt-BR" sz="3600" b="1" dirty="0">
+              <a:rPr lang="pt-BR" sz="3600" b="1">
                 <a:ea typeface="+mj-lt"/>
                 <a:cs typeface="+mj-lt"/>
               </a:rPr>
               <a:t>4.1 Desenvolver o plano do projeto</a:t>
             </a:r>
-            <a:endParaRPr lang="pt-BR" dirty="0"/>
+            <a:endParaRPr lang="pt-BR"/>
           </a:p>
         </p:txBody>
       </p:sp>
@@ -4850,13 +6579,13 @@
               <a:buNone/>
             </a:pPr>
             <a:r>
-              <a:rPr lang="pt-BR" sz="2000" dirty="0">
+              <a:rPr lang="pt-BR" sz="2000">
                 <a:ea typeface="+mn-lt"/>
                 <a:cs typeface="+mn-lt"/>
               </a:rPr>
               <a:t>Entradas.</a:t>
             </a:r>
-            <a:endParaRPr lang="pt-BR" sz="2000" dirty="0">
+            <a:endParaRPr lang="pt-BR" sz="2000">
               <a:solidFill>
                 <a:srgbClr val="000000"/>
               </a:solidFill>
@@ -4869,43 +6598,43 @@
               <a:buNone/>
             </a:pPr>
             <a:r>
-              <a:rPr lang="pt-BR" sz="2000" dirty="0">
+              <a:rPr lang="pt-BR" sz="2000">
                 <a:ea typeface="+mn-lt"/>
                 <a:cs typeface="+mn-lt"/>
               </a:rPr>
               <a:t>1 Declaração de trabalho</a:t>
             </a:r>
-            <a:endParaRPr lang="pt-BR" dirty="0">
+            <a:endParaRPr lang="pt-BR">
               <a:cs typeface="Calibri" panose="020F0502020204030204"/>
             </a:endParaRPr>
           </a:p>
           <a:p>
             <a:r>
-              <a:rPr lang="pt-BR" sz="2000" dirty="0">
+              <a:rPr lang="pt-BR" sz="2000">
                 <a:ea typeface="+mn-lt"/>
                 <a:cs typeface="+mn-lt"/>
               </a:rPr>
               <a:t>A declaração do trabalho é uma descrição dos produtos ou serviços que serão fornecidos pelo projeto. São necessidades de negócios, requisitos do serviço ou produto, recebidas do cliente externo como parte de um documento de licitação, solicitações de proposta, informações, preços ou como parte de um contrato..</a:t>
             </a:r>
-            <a:endParaRPr lang="pt-BR" dirty="0"/>
+            <a:endParaRPr lang="pt-BR"/>
           </a:p>
           <a:p>
             <a:pPr marL="0" indent="0">
               <a:buNone/>
             </a:pPr>
             <a:r>
-              <a:rPr lang="pt-BR" sz="2000" dirty="0">
+              <a:rPr lang="pt-BR" sz="2000">
                 <a:ea typeface="+mn-lt"/>
                 <a:cs typeface="+mn-lt"/>
               </a:rPr>
               <a:t>2 Modelo / plano do negócio</a:t>
             </a:r>
-            <a:endParaRPr lang="pt-BR" dirty="0">
+            <a:endParaRPr lang="pt-BR">
               <a:cs typeface="Calibri" panose="020F0502020204030204"/>
             </a:endParaRPr>
           </a:p>
           <a:p>
-            <a:endParaRPr lang="pt-BR" sz="2000" dirty="0">
+            <a:endParaRPr lang="pt-BR" sz="2000">
               <a:solidFill>
                 <a:srgbClr val="000000"/>
               </a:solidFill>
@@ -5280,7 +7009,7 @@
           <a:lstStyle/>
           <a:p>
             <a:pPr algn="ctr"/>
-            <a:endParaRPr lang="en-US" dirty="0"/>
+            <a:endParaRPr lang="en-US"/>
           </a:p>
         </p:txBody>
       </p:sp>
@@ -5313,13 +7042,13 @@
           <a:lstStyle/>
           <a:p>
             <a:r>
-              <a:rPr lang="pt-BR" sz="3600" b="1" dirty="0">
+              <a:rPr lang="pt-BR" sz="3600" b="1">
                 <a:ea typeface="+mj-lt"/>
                 <a:cs typeface="+mj-lt"/>
               </a:rPr>
               <a:t>4.1 Desenvolver o plano do projeto</a:t>
             </a:r>
-            <a:endParaRPr lang="pt-BR" dirty="0"/>
+            <a:endParaRPr lang="pt-BR"/>
           </a:p>
         </p:txBody>
       </p:sp>
@@ -5355,13 +7084,13 @@
               <a:buNone/>
             </a:pPr>
             <a:r>
-              <a:rPr lang="pt-BR" sz="2000" dirty="0">
+              <a:rPr lang="pt-BR" sz="2000">
                 <a:ea typeface="+mn-lt"/>
                 <a:cs typeface="+mn-lt"/>
               </a:rPr>
               <a:t>Entradas.</a:t>
             </a:r>
-            <a:endParaRPr lang="pt-BR" dirty="0">
+            <a:endParaRPr lang="pt-BR">
               <a:ea typeface="+mn-lt"/>
               <a:cs typeface="+mn-lt"/>
             </a:endParaRPr>
@@ -5371,39 +7100,39 @@
               <a:buNone/>
             </a:pPr>
             <a:r>
-              <a:rPr lang="pt-BR" sz="2000" dirty="0">
+              <a:rPr lang="pt-BR" sz="2000">
                 <a:ea typeface="+mn-lt"/>
                 <a:cs typeface="+mn-lt"/>
               </a:rPr>
               <a:t>3 Acordos.</a:t>
             </a:r>
-            <a:endParaRPr lang="pt-BR" dirty="0"/>
+            <a:endParaRPr lang="pt-BR"/>
           </a:p>
           <a:p>
             <a:pPr>
               <a:buNone/>
             </a:pPr>
             <a:r>
-              <a:rPr lang="pt-BR" sz="2000" dirty="0">
+              <a:rPr lang="pt-BR" sz="2000">
                 <a:ea typeface="+mn-lt"/>
                 <a:cs typeface="+mn-lt"/>
               </a:rPr>
               <a:t>4 Fatores ambientais da empresa</a:t>
             </a:r>
-            <a:endParaRPr lang="pt-BR" dirty="0"/>
+            <a:endParaRPr lang="pt-BR"/>
           </a:p>
           <a:p>
             <a:pPr>
               <a:buNone/>
             </a:pPr>
             <a:r>
-              <a:rPr lang="pt-BR" sz="2000" dirty="0">
+              <a:rPr lang="pt-BR" sz="2000">
                 <a:ea typeface="+mn-lt"/>
                 <a:cs typeface="+mn-lt"/>
               </a:rPr>
               <a:t>Todos e quaisquer sistemas e fatores que cercam e influenciam o sucesso do projeto.</a:t>
             </a:r>
-            <a:endParaRPr lang="pt-BR" dirty="0">
+            <a:endParaRPr lang="pt-BR">
               <a:ea typeface="+mn-lt"/>
               <a:cs typeface="+mn-lt"/>
             </a:endParaRPr>
@@ -5413,26 +7142,26 @@
               <a:buNone/>
             </a:pPr>
             <a:r>
-              <a:rPr lang="pt-BR" sz="2000" dirty="0">
+              <a:rPr lang="pt-BR" sz="2000">
                 <a:ea typeface="+mn-lt"/>
                 <a:cs typeface="+mn-lt"/>
               </a:rPr>
               <a:t>5 Ativos de processos organizacionais</a:t>
             </a:r>
-            <a:endParaRPr lang="pt-BR" dirty="0"/>
+            <a:endParaRPr lang="pt-BR"/>
           </a:p>
           <a:p>
             <a:pPr>
               <a:buNone/>
             </a:pPr>
             <a:r>
-              <a:rPr lang="pt-BR" sz="2000" dirty="0">
+              <a:rPr lang="pt-BR" sz="2000">
                 <a:ea typeface="+mn-lt"/>
                 <a:cs typeface="+mn-lt"/>
               </a:rPr>
               <a:t>Todas organizações envolvidas no projeto podem ter políticas, procedimentos, planos e diretrizes formais e informais a considerar.</a:t>
             </a:r>
-            <a:endParaRPr lang="pt-BR" dirty="0">
+            <a:endParaRPr lang="pt-BR">
               <a:ea typeface="+mn-lt"/>
               <a:cs typeface="+mn-lt"/>
             </a:endParaRPr>
@@ -5442,13 +7171,13 @@
               <a:buNone/>
             </a:pPr>
             <a:r>
-              <a:rPr lang="pt-BR" sz="2000" dirty="0">
+              <a:rPr lang="pt-BR" sz="2000">
                 <a:ea typeface="+mn-lt"/>
                 <a:cs typeface="+mn-lt"/>
               </a:rPr>
               <a:t>Esses ativos também representam o aprendizado e o conhecimento das organizações obtidos de projetos anteriores.</a:t>
             </a:r>
-            <a:endParaRPr lang="pt-BR" dirty="0">
+            <a:endParaRPr lang="pt-BR">
               <a:cs typeface="Calibri"/>
             </a:endParaRPr>
           </a:p>
@@ -5456,12 +7185,12 @@
             <a:pPr marL="0" indent="0">
               <a:buNone/>
             </a:pPr>
-            <a:endParaRPr lang="pt-BR" sz="2000" dirty="0">
+            <a:endParaRPr lang="pt-BR" sz="2000">
               <a:cs typeface="Calibri" panose="020F0502020204030204"/>
             </a:endParaRPr>
           </a:p>
           <a:p>
-            <a:endParaRPr lang="pt-BR" sz="2000" dirty="0">
+            <a:endParaRPr lang="pt-BR" sz="2000">
               <a:solidFill>
                 <a:srgbClr val="000000"/>
               </a:solidFill>
@@ -5836,7 +7565,7 @@
           <a:lstStyle/>
           <a:p>
             <a:pPr algn="ctr"/>
-            <a:endParaRPr lang="en-US" dirty="0"/>
+            <a:endParaRPr lang="en-US"/>
           </a:p>
         </p:txBody>
       </p:sp>
@@ -5869,13 +7598,13 @@
           <a:lstStyle/>
           <a:p>
             <a:r>
-              <a:rPr lang="pt-BR" sz="3600" b="1" dirty="0">
+              <a:rPr lang="pt-BR" sz="3600" b="1">
                 <a:ea typeface="+mj-lt"/>
                 <a:cs typeface="+mj-lt"/>
               </a:rPr>
               <a:t>Detalhamento das Entradas</a:t>
             </a:r>
-            <a:endParaRPr lang="pt-BR" dirty="0"/>
+            <a:endParaRPr lang="pt-BR"/>
           </a:p>
         </p:txBody>
       </p:sp>
@@ -5911,13 +7640,13 @@
               <a:buNone/>
             </a:pPr>
             <a:r>
-              <a:rPr lang="pt-BR" sz="2000" dirty="0">
+              <a:rPr lang="pt-BR" sz="2000">
                 <a:ea typeface="+mn-lt"/>
                 <a:cs typeface="+mn-lt"/>
               </a:rPr>
               <a:t>A declaração de trabalho é uma descrição narrativa dos produtos, serviços ou resultados esperados para o tratamento de algum problema ou necessidade.</a:t>
             </a:r>
-            <a:endParaRPr lang="pt-BR" dirty="0">
+            <a:endParaRPr lang="pt-BR">
               <a:ea typeface="+mn-lt"/>
               <a:cs typeface="+mn-lt"/>
             </a:endParaRPr>
@@ -5927,13 +7656,13 @@
               <a:buNone/>
             </a:pPr>
             <a:r>
-              <a:rPr lang="pt-BR" sz="2000" dirty="0">
+              <a:rPr lang="pt-BR" sz="2000">
                 <a:ea typeface="+mn-lt"/>
                 <a:cs typeface="+mn-lt"/>
               </a:rPr>
               <a:t>Em projetos internos, o solicitante provê os requisitos.</a:t>
             </a:r>
-            <a:endParaRPr lang="pt-BR" dirty="0">
+            <a:endParaRPr lang="pt-BR">
               <a:ea typeface="+mn-lt"/>
               <a:cs typeface="+mn-lt"/>
             </a:endParaRPr>
@@ -5943,13 +7672,13 @@
               <a:buNone/>
             </a:pPr>
             <a:r>
-              <a:rPr lang="pt-BR" sz="2000" dirty="0">
+              <a:rPr lang="pt-BR" sz="2000">
                 <a:ea typeface="+mn-lt"/>
                 <a:cs typeface="+mn-lt"/>
               </a:rPr>
               <a:t>Para externos, pode ser uma licitação, um convite, parte de um contrato ou resultado de algum levantamento junto a cliente.</a:t>
             </a:r>
-            <a:endParaRPr lang="pt-BR" dirty="0">
+            <a:endParaRPr lang="pt-BR">
               <a:ea typeface="+mn-lt"/>
               <a:cs typeface="+mn-lt"/>
             </a:endParaRPr>
@@ -5958,7 +7687,7 @@
             <a:pPr>
               <a:buNone/>
             </a:pPr>
-            <a:endParaRPr lang="pt-BR" sz="2000" dirty="0">
+            <a:endParaRPr lang="pt-BR" sz="2000">
               <a:cs typeface="Calibri" panose="020F0502020204030204"/>
             </a:endParaRPr>
           </a:p>
@@ -5966,12 +7695,12 @@
             <a:pPr marL="0" indent="0">
               <a:buNone/>
             </a:pPr>
-            <a:endParaRPr lang="pt-BR" sz="2000" dirty="0">
+            <a:endParaRPr lang="pt-BR" sz="2000">
               <a:cs typeface="Calibri" panose="020F0502020204030204"/>
             </a:endParaRPr>
           </a:p>
           <a:p>
-            <a:endParaRPr lang="pt-BR" sz="2000" dirty="0">
+            <a:endParaRPr lang="pt-BR" sz="2000">
               <a:solidFill>
                 <a:srgbClr val="000000"/>
               </a:solidFill>
@@ -6346,7 +8075,7 @@
           <a:lstStyle/>
           <a:p>
             <a:pPr algn="ctr"/>
-            <a:endParaRPr lang="en-US" dirty="0"/>
+            <a:endParaRPr lang="en-US"/>
           </a:p>
         </p:txBody>
       </p:sp>
@@ -6379,13 +8108,13 @@
           <a:lstStyle/>
           <a:p>
             <a:r>
-              <a:rPr lang="pt-BR" sz="3600" b="1" dirty="0">
+              <a:rPr lang="pt-BR" sz="3600" b="1">
                 <a:ea typeface="+mj-lt"/>
                 <a:cs typeface="+mj-lt"/>
               </a:rPr>
               <a:t>Detalhamento das Entradas</a:t>
             </a:r>
-            <a:endParaRPr lang="pt-BR" dirty="0"/>
+            <a:endParaRPr lang="pt-BR"/>
           </a:p>
         </p:txBody>
       </p:sp>
@@ -6421,58 +8150,58 @@
               <a:buNone/>
             </a:pPr>
             <a:r>
-              <a:rPr lang="pt-BR" sz="2000" dirty="0">
+              <a:rPr lang="pt-BR" sz="2000">
                 <a:ea typeface="+mn-lt"/>
                 <a:cs typeface="+mn-lt"/>
               </a:rPr>
               <a:t>A declaração de trabalho deve conter pelo menos:</a:t>
             </a:r>
-            <a:endParaRPr lang="pt-BR" dirty="0"/>
+            <a:endParaRPr lang="pt-BR"/>
           </a:p>
           <a:p>
             <a:pPr>
               <a:buNone/>
             </a:pPr>
             <a:r>
-              <a:rPr lang="pt-BR" sz="2000" dirty="0">
+              <a:rPr lang="pt-BR" sz="2000">
                 <a:ea typeface="+mn-lt"/>
                 <a:cs typeface="+mn-lt"/>
               </a:rPr>
               <a:t>O problema a resolver – pode ser uma demanda de mercado, avanço tecnológico, requisito legal ou consideração ambiental.</a:t>
             </a:r>
-            <a:endParaRPr lang="pt-BR" dirty="0"/>
+            <a:endParaRPr lang="pt-BR"/>
           </a:p>
           <a:p>
             <a:pPr>
               <a:buNone/>
             </a:pPr>
             <a:r>
-              <a:rPr lang="pt-BR" sz="2000" dirty="0">
+              <a:rPr lang="pt-BR" sz="2000">
                 <a:ea typeface="+mn-lt"/>
                 <a:cs typeface="+mn-lt"/>
               </a:rPr>
               <a:t>Delimitação do escopo do produto e restrições para o trabalho de desenvolvimento.</a:t>
             </a:r>
-            <a:endParaRPr lang="pt-BR" dirty="0"/>
+            <a:endParaRPr lang="pt-BR"/>
           </a:p>
           <a:p>
             <a:pPr>
               <a:buNone/>
             </a:pPr>
             <a:r>
-              <a:rPr lang="pt-BR" sz="2000" dirty="0">
+              <a:rPr lang="pt-BR" sz="2000">
                 <a:ea typeface="+mn-lt"/>
                 <a:cs typeface="+mn-lt"/>
               </a:rPr>
               <a:t>Alinhamento ao plano estratégico da entidade – projetos devem contribuir para os objetivos maiores da empresa.</a:t>
             </a:r>
-            <a:endParaRPr lang="pt-BR" dirty="0"/>
+            <a:endParaRPr lang="pt-BR"/>
           </a:p>
           <a:p>
             <a:pPr>
               <a:buNone/>
             </a:pPr>
-            <a:endParaRPr lang="pt-BR" sz="2000" dirty="0">
+            <a:endParaRPr lang="pt-BR" sz="2000">
               <a:ea typeface="+mn-lt"/>
               <a:cs typeface="+mn-lt"/>
             </a:endParaRPr>
@@ -6481,7 +8210,7 @@
             <a:pPr>
               <a:buNone/>
             </a:pPr>
-            <a:endParaRPr lang="pt-BR" sz="2000" dirty="0">
+            <a:endParaRPr lang="pt-BR" sz="2000">
               <a:cs typeface="Calibri" panose="020F0502020204030204"/>
             </a:endParaRPr>
           </a:p>
@@ -6489,12 +8218,12 @@
             <a:pPr marL="0" indent="0">
               <a:buNone/>
             </a:pPr>
-            <a:endParaRPr lang="pt-BR" sz="2000" dirty="0">
+            <a:endParaRPr lang="pt-BR" sz="2000">
               <a:cs typeface="Calibri" panose="020F0502020204030204"/>
             </a:endParaRPr>
           </a:p>
           <a:p>
-            <a:endParaRPr lang="pt-BR" sz="2000" dirty="0">
+            <a:endParaRPr lang="pt-BR" sz="2000">
               <a:solidFill>
                 <a:srgbClr val="000000"/>
               </a:solidFill>
@@ -6869,7 +8598,7 @@
           <a:lstStyle/>
           <a:p>
             <a:pPr algn="ctr"/>
-            <a:endParaRPr lang="en-US" dirty="0"/>
+            <a:endParaRPr lang="en-US"/>
           </a:p>
         </p:txBody>
       </p:sp>
@@ -6902,13 +8631,13 @@
           <a:lstStyle/>
           <a:p>
             <a:r>
-              <a:rPr lang="pt-BR" sz="3600" b="1" dirty="0">
+              <a:rPr lang="pt-BR" sz="3600" b="1">
                 <a:ea typeface="+mj-lt"/>
                 <a:cs typeface="+mj-lt"/>
               </a:rPr>
               <a:t>Detalhamento das Entradas</a:t>
             </a:r>
-            <a:endParaRPr lang="pt-BR" dirty="0"/>
+            <a:endParaRPr lang="pt-BR"/>
           </a:p>
         </p:txBody>
       </p:sp>
@@ -6944,138 +8673,138 @@
               <a:buNone/>
             </a:pPr>
             <a:r>
-              <a:rPr lang="pt-BR" sz="2000" dirty="0">
+              <a:rPr lang="pt-BR" sz="2000">
                 <a:ea typeface="+mn-lt"/>
                 <a:cs typeface="+mn-lt"/>
               </a:rPr>
               <a:t>O modelo, o plano de negócio ou documento similar descreve a razão pela qual o projeto deve ser efetuado e suas fronteiras.</a:t>
             </a:r>
-            <a:endParaRPr lang="pt-BR" dirty="0"/>
+            <a:endParaRPr lang="pt-BR"/>
           </a:p>
           <a:p>
             <a:pPr>
               <a:buNone/>
             </a:pPr>
             <a:r>
-              <a:rPr lang="pt-BR" sz="2000" dirty="0">
+              <a:rPr lang="pt-BR" sz="2000">
                 <a:ea typeface="+mn-lt"/>
                 <a:cs typeface="+mn-lt"/>
               </a:rPr>
               <a:t>Traz a análise custo-benefício estabelecendo limites para o projeto.</a:t>
             </a:r>
-            <a:endParaRPr lang="pt-BR" dirty="0"/>
+            <a:endParaRPr lang="pt-BR"/>
           </a:p>
           <a:p>
             <a:pPr>
               <a:buNone/>
             </a:pPr>
             <a:r>
-              <a:rPr lang="pt-BR" sz="2000" dirty="0">
+              <a:rPr lang="pt-BR" sz="2000">
                 <a:ea typeface="+mn-lt"/>
                 <a:cs typeface="+mn-lt"/>
               </a:rPr>
               <a:t>Apresenta elementos para a análise de riscos, informações de interfaces, mercado esperado, influencias e pressupostos para a decisão de seguir com o projeto.</a:t>
             </a:r>
-            <a:endParaRPr lang="pt-BR" dirty="0"/>
+            <a:endParaRPr lang="pt-BR"/>
           </a:p>
           <a:p>
             <a:pPr>
               <a:buNone/>
             </a:pPr>
             <a:r>
-              <a:rPr lang="pt-BR" sz="2000" dirty="0">
+              <a:rPr lang="pt-BR" sz="2000">
                 <a:ea typeface="+mn-lt"/>
                 <a:cs typeface="+mn-lt"/>
               </a:rPr>
               <a:t>Acordos podem ter sido necessários</a:t>
             </a:r>
-            <a:endParaRPr lang="pt-BR" dirty="0"/>
+            <a:endParaRPr lang="pt-BR"/>
           </a:p>
           <a:p>
             <a:pPr>
               <a:buNone/>
             </a:pPr>
             <a:r>
-              <a:rPr lang="pt-BR" sz="2000" dirty="0">
+              <a:rPr lang="pt-BR" sz="2000">
                 <a:ea typeface="+mn-lt"/>
                 <a:cs typeface="+mn-lt"/>
               </a:rPr>
               <a:t>MOU (memorando de entendimentos)</a:t>
             </a:r>
-            <a:endParaRPr lang="pt-BR" dirty="0"/>
+            <a:endParaRPr lang="pt-BR"/>
           </a:p>
           <a:p>
             <a:pPr>
               <a:buNone/>
             </a:pPr>
             <a:r>
-              <a:rPr lang="pt-BR" sz="2000" dirty="0">
+              <a:rPr lang="pt-BR" sz="2000">
                 <a:ea typeface="+mn-lt"/>
                 <a:cs typeface="+mn-lt"/>
               </a:rPr>
               <a:t>SLA (acordo de níveis de serviço)</a:t>
             </a:r>
-            <a:endParaRPr lang="pt-BR" dirty="0"/>
+            <a:endParaRPr lang="pt-BR"/>
           </a:p>
           <a:p>
             <a:pPr>
               <a:buNone/>
             </a:pPr>
             <a:r>
-              <a:rPr lang="pt-BR" sz="2000" dirty="0">
+              <a:rPr lang="pt-BR" sz="2000">
                 <a:ea typeface="+mn-lt"/>
                 <a:cs typeface="+mn-lt"/>
               </a:rPr>
               <a:t>NDA (non </a:t>
             </a:r>
             <a:r>
-              <a:rPr lang="pt-BR" sz="2000" dirty="0" err="1">
+              <a:rPr lang="pt-BR" sz="2000" err="1">
                 <a:ea typeface="+mn-lt"/>
                 <a:cs typeface="+mn-lt"/>
               </a:rPr>
               <a:t>disclosure</a:t>
             </a:r>
             <a:r>
-              <a:rPr lang="pt-BR" sz="2000" dirty="0">
+              <a:rPr lang="pt-BR" sz="2000">
                 <a:ea typeface="+mn-lt"/>
                 <a:cs typeface="+mn-lt"/>
               </a:rPr>
               <a:t> </a:t>
             </a:r>
             <a:r>
-              <a:rPr lang="pt-BR" sz="2000" dirty="0" err="1">
+              <a:rPr lang="pt-BR" sz="2000" err="1">
                 <a:ea typeface="+mn-lt"/>
                 <a:cs typeface="+mn-lt"/>
               </a:rPr>
               <a:t>agreement</a:t>
             </a:r>
             <a:r>
-              <a:rPr lang="pt-BR" sz="2000" dirty="0">
+              <a:rPr lang="pt-BR" sz="2000">
                 <a:ea typeface="+mn-lt"/>
                 <a:cs typeface="+mn-lt"/>
               </a:rPr>
               <a:t> – sigilo)</a:t>
             </a:r>
-            <a:endParaRPr lang="pt-BR" dirty="0"/>
+            <a:endParaRPr lang="pt-BR"/>
           </a:p>
           <a:p>
             <a:pPr>
               <a:buNone/>
             </a:pPr>
             <a:r>
-              <a:rPr lang="pt-BR" sz="2000" dirty="0">
+              <a:rPr lang="pt-BR" sz="2000">
                 <a:ea typeface="+mn-lt"/>
                 <a:cs typeface="+mn-lt"/>
               </a:rPr>
               <a:t>Cartas de intenção...</a:t>
             </a:r>
-            <a:endParaRPr lang="pt-BR" dirty="0"/>
+            <a:endParaRPr lang="pt-BR"/>
           </a:p>
           <a:p>
             <a:pPr>
               <a:buNone/>
             </a:pPr>
-            <a:endParaRPr lang="pt-BR" sz="2000" dirty="0">
+            <a:endParaRPr lang="pt-BR" sz="2000">
               <a:cs typeface="Calibri"/>
             </a:endParaRPr>
           </a:p>
@@ -7083,7 +8812,7 @@
             <a:pPr>
               <a:buNone/>
             </a:pPr>
-            <a:endParaRPr lang="pt-BR" sz="2000" dirty="0">
+            <a:endParaRPr lang="pt-BR" sz="2000">
               <a:ea typeface="+mn-lt"/>
               <a:cs typeface="+mn-lt"/>
             </a:endParaRPr>
@@ -7092,7 +8821,7 @@
             <a:pPr>
               <a:buNone/>
             </a:pPr>
-            <a:endParaRPr lang="pt-BR" sz="2000" dirty="0">
+            <a:endParaRPr lang="pt-BR" sz="2000">
               <a:cs typeface="Calibri" panose="020F0502020204030204"/>
             </a:endParaRPr>
           </a:p>
@@ -7100,12 +8829,12 @@
             <a:pPr marL="0" indent="0">
               <a:buNone/>
             </a:pPr>
-            <a:endParaRPr lang="pt-BR" sz="2000" dirty="0">
+            <a:endParaRPr lang="pt-BR" sz="2000">
               <a:cs typeface="Calibri" panose="020F0502020204030204"/>
             </a:endParaRPr>
           </a:p>
           <a:p>
-            <a:endParaRPr lang="pt-BR" sz="2000" dirty="0">
+            <a:endParaRPr lang="pt-BR" sz="2000">
               <a:solidFill>
                 <a:srgbClr val="000000"/>
               </a:solidFill>
@@ -7480,7 +9209,7 @@
           <a:lstStyle/>
           <a:p>
             <a:pPr algn="ctr"/>
-            <a:endParaRPr lang="en-US" dirty="0"/>
+            <a:endParaRPr lang="en-US"/>
           </a:p>
         </p:txBody>
       </p:sp>
@@ -7513,13 +9242,13 @@
           <a:lstStyle/>
           <a:p>
             <a:r>
-              <a:rPr lang="pt-BR" sz="3600" b="1" dirty="0">
+              <a:rPr lang="pt-BR" sz="3600" b="1">
                 <a:ea typeface="+mj-lt"/>
                 <a:cs typeface="+mj-lt"/>
               </a:rPr>
               <a:t>Detalhamento das Entradas</a:t>
             </a:r>
-            <a:endParaRPr lang="pt-BR" dirty="0"/>
+            <a:endParaRPr lang="pt-BR"/>
           </a:p>
         </p:txBody>
       </p:sp>
@@ -7555,84 +9284,84 @@
               <a:buNone/>
             </a:pPr>
             <a:r>
-              <a:rPr lang="pt-BR" sz="2000" dirty="0">
+              <a:rPr lang="pt-BR" sz="2000">
                 <a:ea typeface="+mn-lt"/>
                 <a:cs typeface="+mn-lt"/>
               </a:rPr>
               <a:t>Nos fatores ambientais da empresa</a:t>
             </a:r>
-            <a:endParaRPr lang="pt-BR" dirty="0"/>
+            <a:endParaRPr lang="pt-BR"/>
           </a:p>
           <a:p>
             <a:pPr>
               <a:buNone/>
             </a:pPr>
             <a:r>
-              <a:rPr lang="pt-BR" sz="2000" dirty="0">
+              <a:rPr lang="pt-BR" sz="2000">
                 <a:ea typeface="+mn-lt"/>
                 <a:cs typeface="+mn-lt"/>
               </a:rPr>
               <a:t>Infraestrutura (equipamentos e instalações)</a:t>
             </a:r>
-            <a:endParaRPr lang="pt-BR" dirty="0"/>
+            <a:endParaRPr lang="pt-BR"/>
           </a:p>
           <a:p>
             <a:pPr>
               <a:buNone/>
             </a:pPr>
             <a:r>
-              <a:rPr lang="pt-BR" sz="2000" dirty="0">
+              <a:rPr lang="pt-BR" sz="2000">
                 <a:ea typeface="+mn-lt"/>
                 <a:cs typeface="+mn-lt"/>
               </a:rPr>
               <a:t>Recursos humanos (habilidades, disciplinas e conhecimento, como projeto, desenvolvimento, departamento jurídico, contratação e compras)</a:t>
             </a:r>
-            <a:endParaRPr lang="pt-BR" dirty="0"/>
+            <a:endParaRPr lang="pt-BR"/>
           </a:p>
           <a:p>
             <a:pPr>
               <a:buNone/>
             </a:pPr>
             <a:r>
-              <a:rPr lang="pt-BR" sz="2000" dirty="0">
+              <a:rPr lang="pt-BR" sz="2000">
                 <a:ea typeface="+mn-lt"/>
                 <a:cs typeface="+mn-lt"/>
               </a:rPr>
               <a:t>Administração de pessoal (diretrizes de contratação e demissão, análises de desempenho dos funcionários e registros de treinamento)</a:t>
             </a:r>
-            <a:endParaRPr lang="pt-BR" dirty="0"/>
+            <a:endParaRPr lang="pt-BR"/>
           </a:p>
           <a:p>
             <a:pPr>
               <a:buNone/>
             </a:pPr>
             <a:r>
-              <a:rPr lang="pt-BR" sz="2000" dirty="0">
+              <a:rPr lang="pt-BR" sz="2000">
                 <a:ea typeface="+mn-lt"/>
                 <a:cs typeface="+mn-lt"/>
               </a:rPr>
               <a:t>Sistema de autorização do trabalho da empresa</a:t>
             </a:r>
-            <a:endParaRPr lang="pt-BR" dirty="0"/>
+            <a:endParaRPr lang="pt-BR"/>
           </a:p>
           <a:p>
             <a:pPr>
               <a:buNone/>
             </a:pPr>
             <a:r>
-              <a:rPr lang="pt-BR" sz="2000" dirty="0">
+              <a:rPr lang="pt-BR" sz="2000">
                 <a:ea typeface="+mn-lt"/>
                 <a:cs typeface="+mn-lt"/>
               </a:rPr>
               <a:t>Condições do mercado</a:t>
             </a:r>
-            <a:endParaRPr lang="pt-BR" dirty="0"/>
+            <a:endParaRPr lang="pt-BR"/>
           </a:p>
           <a:p>
             <a:pPr>
               <a:buNone/>
             </a:pPr>
-            <a:endParaRPr lang="pt-BR" sz="2000" dirty="0">
+            <a:endParaRPr lang="pt-BR" sz="2000">
               <a:cs typeface="Calibri"/>
             </a:endParaRPr>
           </a:p>
@@ -7640,7 +9369,7 @@
             <a:pPr>
               <a:buNone/>
             </a:pPr>
-            <a:endParaRPr lang="pt-BR" sz="2000" dirty="0">
+            <a:endParaRPr lang="pt-BR" sz="2000">
               <a:cs typeface="Calibri"/>
             </a:endParaRPr>
           </a:p>
@@ -7648,7 +9377,7 @@
             <a:pPr>
               <a:buNone/>
             </a:pPr>
-            <a:endParaRPr lang="pt-BR" sz="2000" dirty="0">
+            <a:endParaRPr lang="pt-BR" sz="2000">
               <a:ea typeface="+mn-lt"/>
               <a:cs typeface="+mn-lt"/>
             </a:endParaRPr>
@@ -7657,7 +9386,7 @@
             <a:pPr>
               <a:buNone/>
             </a:pPr>
-            <a:endParaRPr lang="pt-BR" sz="2000" dirty="0">
+            <a:endParaRPr lang="pt-BR" sz="2000">
               <a:cs typeface="Calibri" panose="020F0502020204030204"/>
             </a:endParaRPr>
           </a:p>
@@ -7665,12 +9394,12 @@
             <a:pPr marL="0" indent="0">
               <a:buNone/>
             </a:pPr>
-            <a:endParaRPr lang="pt-BR" sz="2000" dirty="0">
+            <a:endParaRPr lang="pt-BR" sz="2000">
               <a:cs typeface="Calibri" panose="020F0502020204030204"/>
             </a:endParaRPr>
           </a:p>
           <a:p>
-            <a:endParaRPr lang="pt-BR" sz="2000" dirty="0">
+            <a:endParaRPr lang="pt-BR" sz="2000">
               <a:solidFill>
                 <a:srgbClr val="000000"/>
               </a:solidFill>

--- a/RELATORIO PROVA P2/relatorio-pmbok-capitulo4-jharbes.pptx
+++ b/RELATORIO PROVA P2/relatorio-pmbok-capitulo4-jharbes.pptx
@@ -18,6 +18,12 @@
     <p:sldId id="266" r:id="rId12"/>
     <p:sldId id="269" r:id="rId13"/>
     <p:sldId id="270" r:id="rId14"/>
+    <p:sldId id="271" r:id="rId15"/>
+    <p:sldId id="272" r:id="rId16"/>
+    <p:sldId id="273" r:id="rId17"/>
+    <p:sldId id="274" r:id="rId18"/>
+    <p:sldId id="275" r:id="rId19"/>
+    <p:sldId id="276" r:id="rId20"/>
   </p:sldIdLst>
   <p:sldSz cx="12192000" cy="6858000"/>
   <p:notesSz cx="6858000" cy="9144000"/>
@@ -127,7 +133,7 @@
 <file path=ppt/revisionInfo.xml><?xml version="1.0" encoding="utf-8"?>
 <p1510:revInfo xmlns:a="http://schemas.openxmlformats.org/drawingml/2006/main" xmlns:r="http://schemas.openxmlformats.org/officeDocument/2006/relationships" xmlns:p1510="http://schemas.microsoft.com/office/powerpoint/2015/10/main">
   <p1510:revLst>
-    <p1510:client id="{050E0636-B272-A9D5-2FB9-AFCB5B698113}" v="17" dt="2022-12-03T12:41:43.864"/>
+    <p1510:client id="{050E0636-B272-A9D5-2FB9-AFCB5B698113}" v="41" dt="2022-12-03T12:54:24.537"/>
     <p1510:client id="{48F91746-B893-61F0-E2B5-F484DCEDD16B}" v="352" dt="2022-12-03T12:34:12.174"/>
     <p1510:client id="{89141EF4-D9B1-448E-BF85-A061974F4635}" v="40" dt="2022-11-30T16:19:30.454"/>
     <p1510:client id="{AAE71220-A1A8-A349-D335-1D78B8499119}" v="13" dt="2022-12-03T12:10:22.569"/>
@@ -5438,6 +5444,3658 @@
 </p:sld>
 </file>
 
+<file path=ppt/slides/slide14.xml><?xml version="1.0" encoding="utf-8"?>
+<p:sld xmlns:a="http://schemas.openxmlformats.org/drawingml/2006/main" xmlns:r="http://schemas.openxmlformats.org/officeDocument/2006/relationships" xmlns:p="http://schemas.openxmlformats.org/presentationml/2006/main">
+  <p:cSld>
+    <p:bg>
+      <p:bgPr>
+        <a:solidFill>
+          <a:schemeClr val="bg1"/>
+        </a:solidFill>
+        <a:effectLst/>
+      </p:bgPr>
+    </p:bg>
+    <p:spTree>
+      <p:nvGrpSpPr>
+        <p:cNvPr id="1" name=""/>
+        <p:cNvGrpSpPr/>
+        <p:nvPr/>
+      </p:nvGrpSpPr>
+      <p:grpSpPr>
+        <a:xfrm>
+          <a:off x="0" y="0"/>
+          <a:ext cx="0" cy="0"/>
+          <a:chOff x="0" y="0"/>
+          <a:chExt cx="0" cy="0"/>
+        </a:xfrm>
+      </p:grpSpPr>
+      <p:sp>
+        <p:nvSpPr>
+          <p:cNvPr id="39" name="Rectangle 38">
+            <a:extLst>
+              <a:ext uri="{FF2B5EF4-FFF2-40B4-BE49-F238E27FC236}">
+                <a16:creationId xmlns:a16="http://schemas.microsoft.com/office/drawing/2014/main" id="{2B566528-1B12-4246-9431-5C2D7D081168}"/>
+              </a:ext>
+              <a:ext uri="{C183D7F6-B498-43B3-948B-1728B52AA6E4}">
+                <adec:decorative xmlns:adec="http://schemas.microsoft.com/office/drawing/2017/decorative" val="1"/>
+              </a:ext>
+            </a:extLst>
+          </p:cNvPr>
+          <p:cNvSpPr>
+            <a:spLocks noGrp="1" noRot="1" noChangeAspect="1" noMove="1" noResize="1" noEditPoints="1" noAdjustHandles="1" noChangeArrowheads="1" noChangeShapeType="1" noTextEdit="1"/>
+          </p:cNvSpPr>
+          <p:nvPr>
+            <p:extLst>
+              <p:ext uri="{386F3935-93C4-4BCD-93E2-E3B085C9AB24}">
+                <p16:designElem xmlns:p16="http://schemas.microsoft.com/office/powerpoint/2015/main" val="1"/>
+              </p:ext>
+            </p:extLst>
+          </p:nvPr>
+        </p:nvSpPr>
+        <p:spPr>
+          <a:xfrm>
+            <a:off x="0" y="0"/>
+            <a:ext cx="12192000" cy="6858000"/>
+          </a:xfrm>
+          <a:prstGeom prst="rect">
+            <a:avLst/>
+          </a:prstGeom>
+          <a:solidFill>
+            <a:schemeClr val="bg1"/>
+          </a:solidFill>
+          <a:ln>
+            <a:noFill/>
+          </a:ln>
+        </p:spPr>
+        <p:style>
+          <a:lnRef idx="2">
+            <a:schemeClr val="accent1">
+              <a:shade val="50000"/>
+            </a:schemeClr>
+          </a:lnRef>
+          <a:fillRef idx="1">
+            <a:schemeClr val="accent1"/>
+          </a:fillRef>
+          <a:effectRef idx="0">
+            <a:schemeClr val="accent1"/>
+          </a:effectRef>
+          <a:fontRef idx="minor">
+            <a:schemeClr val="lt1"/>
+          </a:fontRef>
+        </p:style>
+        <p:txBody>
+          <a:bodyPr rtlCol="0" anchor="ctr"/>
+          <a:lstStyle/>
+          <a:p>
+            <a:pPr algn="ctr"/>
+            <a:endParaRPr lang="en-US"/>
+          </a:p>
+        </p:txBody>
+      </p:sp>
+      <p:sp>
+        <p:nvSpPr>
+          <p:cNvPr id="2" name="Título 1">
+            <a:extLst>
+              <a:ext uri="{FF2B5EF4-FFF2-40B4-BE49-F238E27FC236}">
+                <a16:creationId xmlns:a16="http://schemas.microsoft.com/office/drawing/2014/main" id="{46991FFA-5E35-051D-3B8C-8962250E1C9A}"/>
+              </a:ext>
+            </a:extLst>
+          </p:cNvPr>
+          <p:cNvSpPr>
+            <a:spLocks noGrp="1"/>
+          </p:cNvSpPr>
+          <p:nvPr>
+            <p:ph type="title"/>
+          </p:nvPr>
+        </p:nvSpPr>
+        <p:spPr>
+          <a:xfrm>
+            <a:off x="643467" y="321734"/>
+            <a:ext cx="10905066" cy="1135737"/>
+          </a:xfrm>
+        </p:spPr>
+        <p:txBody>
+          <a:bodyPr>
+            <a:normAutofit/>
+          </a:bodyPr>
+          <a:lstStyle/>
+          <a:p>
+            <a:r>
+              <a:rPr lang="pt-BR" sz="3600" b="1">
+                <a:ea typeface="+mj-lt"/>
+                <a:cs typeface="+mj-lt"/>
+              </a:rPr>
+              <a:t>Detalhamento das Entradas</a:t>
+            </a:r>
+            <a:endParaRPr lang="pt-BR"/>
+          </a:p>
+        </p:txBody>
+      </p:sp>
+      <p:sp>
+        <p:nvSpPr>
+          <p:cNvPr id="3" name="Espaço Reservado para Conteúdo 2">
+            <a:extLst>
+              <a:ext uri="{FF2B5EF4-FFF2-40B4-BE49-F238E27FC236}">
+                <a16:creationId xmlns:a16="http://schemas.microsoft.com/office/drawing/2014/main" id="{1F560DD4-1938-249D-D353-6A108002A6DE}"/>
+              </a:ext>
+            </a:extLst>
+          </p:cNvPr>
+          <p:cNvSpPr>
+            <a:spLocks noGrp="1"/>
+          </p:cNvSpPr>
+          <p:nvPr>
+            <p:ph idx="1"/>
+          </p:nvPr>
+        </p:nvSpPr>
+        <p:spPr>
+          <a:xfrm>
+            <a:off x="643467" y="1782981"/>
+            <a:ext cx="10905066" cy="4393982"/>
+          </a:xfrm>
+        </p:spPr>
+        <p:txBody>
+          <a:bodyPr vert="horz" lIns="91440" tIns="45720" rIns="91440" bIns="45720" rtlCol="0" anchor="t">
+            <a:normAutofit/>
+          </a:bodyPr>
+          <a:lstStyle/>
+          <a:p>
+            <a:pPr>
+              <a:buNone/>
+            </a:pPr>
+            <a:r>
+              <a:rPr lang="pt-BR" sz="2000" dirty="0">
+                <a:ea typeface="+mn-lt"/>
+                <a:cs typeface="+mn-lt"/>
+              </a:rPr>
+              <a:t>1ª) último - procedimentos da organização para realizar o trabalho:</a:t>
+            </a:r>
+            <a:endParaRPr lang="pt-BR" dirty="0">
+              <a:ea typeface="+mn-lt"/>
+              <a:cs typeface="+mn-lt"/>
+            </a:endParaRPr>
+          </a:p>
+          <a:p>
+            <a:pPr>
+              <a:buNone/>
+            </a:pPr>
+            <a:r>
+              <a:rPr lang="pt-BR" sz="2000" dirty="0">
+                <a:ea typeface="+mn-lt"/>
+                <a:cs typeface="+mn-lt"/>
+              </a:rPr>
+              <a:t>Procedimentos de controle de riscos, inclusive categorias de risco, impacto e definição de probabilidade e matriz de probabilidade e impacto;</a:t>
+            </a:r>
+            <a:endParaRPr lang="pt-BR" dirty="0"/>
+          </a:p>
+          <a:p>
+            <a:pPr>
+              <a:buNone/>
+            </a:pPr>
+            <a:r>
+              <a:rPr lang="pt-BR" sz="2000" dirty="0">
+                <a:ea typeface="+mn-lt"/>
+                <a:cs typeface="+mn-lt"/>
+              </a:rPr>
+              <a:t>Procedimentos para aprovar e emitir autorizações do trabalho;</a:t>
+            </a:r>
+            <a:endParaRPr lang="pt-BR" dirty="0"/>
+          </a:p>
+          <a:p>
+            <a:pPr>
+              <a:buNone/>
+            </a:pPr>
+            <a:r>
+              <a:rPr lang="pt-BR" sz="2000" dirty="0">
+                <a:ea typeface="+mn-lt"/>
+                <a:cs typeface="+mn-lt"/>
+              </a:rPr>
+              <a:t>E demais idiossincrasias das rotinas da organização, legislação a obedecer, regras da “matriz”, idioma dos documentos...</a:t>
+            </a:r>
+            <a:endParaRPr lang="pt-BR" dirty="0"/>
+          </a:p>
+          <a:p>
+            <a:pPr>
+              <a:buNone/>
+            </a:pPr>
+            <a:endParaRPr lang="pt-BR" sz="2000" dirty="0">
+              <a:cs typeface="Calibri"/>
+            </a:endParaRPr>
+          </a:p>
+          <a:p>
+            <a:pPr>
+              <a:buNone/>
+            </a:pPr>
+            <a:endParaRPr lang="pt-BR" sz="2000" dirty="0">
+              <a:cs typeface="Calibri"/>
+            </a:endParaRPr>
+          </a:p>
+          <a:p>
+            <a:pPr>
+              <a:buNone/>
+            </a:pPr>
+            <a:endParaRPr lang="pt-BR" sz="2000" dirty="0">
+              <a:cs typeface="Calibri"/>
+            </a:endParaRPr>
+          </a:p>
+          <a:p>
+            <a:pPr>
+              <a:buNone/>
+            </a:pPr>
+            <a:endParaRPr lang="pt-BR" sz="2000" dirty="0">
+              <a:cs typeface="Calibri"/>
+            </a:endParaRPr>
+          </a:p>
+          <a:p>
+            <a:pPr>
+              <a:buNone/>
+            </a:pPr>
+            <a:endParaRPr lang="pt-BR" sz="2000">
+              <a:cs typeface="Calibri"/>
+            </a:endParaRPr>
+          </a:p>
+          <a:p>
+            <a:pPr>
+              <a:buNone/>
+            </a:pPr>
+            <a:endParaRPr lang="pt-BR" sz="2000">
+              <a:cs typeface="Calibri"/>
+            </a:endParaRPr>
+          </a:p>
+          <a:p>
+            <a:pPr>
+              <a:buNone/>
+            </a:pPr>
+            <a:endParaRPr lang="pt-BR" sz="2000">
+              <a:cs typeface="Calibri"/>
+            </a:endParaRPr>
+          </a:p>
+          <a:p>
+            <a:pPr>
+              <a:buNone/>
+            </a:pPr>
+            <a:endParaRPr lang="pt-BR" sz="2000">
+              <a:ea typeface="+mn-lt"/>
+              <a:cs typeface="+mn-lt"/>
+            </a:endParaRPr>
+          </a:p>
+          <a:p>
+            <a:pPr>
+              <a:buNone/>
+            </a:pPr>
+            <a:endParaRPr lang="pt-BR" sz="2000">
+              <a:cs typeface="Calibri" panose="020F0502020204030204"/>
+            </a:endParaRPr>
+          </a:p>
+          <a:p>
+            <a:pPr marL="0" indent="0">
+              <a:buNone/>
+            </a:pPr>
+            <a:endParaRPr lang="pt-BR" sz="2000">
+              <a:cs typeface="Calibri" panose="020F0502020204030204"/>
+            </a:endParaRPr>
+          </a:p>
+          <a:p>
+            <a:endParaRPr lang="pt-BR" sz="2000">
+              <a:solidFill>
+                <a:srgbClr val="000000"/>
+              </a:solidFill>
+              <a:ea typeface="+mn-lt"/>
+              <a:cs typeface="+mn-lt"/>
+            </a:endParaRPr>
+          </a:p>
+        </p:txBody>
+      </p:sp>
+      <p:sp>
+        <p:nvSpPr>
+          <p:cNvPr id="41" name="Rectangle 40">
+            <a:extLst>
+              <a:ext uri="{FF2B5EF4-FFF2-40B4-BE49-F238E27FC236}">
+                <a16:creationId xmlns:a16="http://schemas.microsoft.com/office/drawing/2014/main" id="{2E80C965-DB6D-4F81-9E9E-B027384D0BD6}"/>
+              </a:ext>
+              <a:ext uri="{C183D7F6-B498-43B3-948B-1728B52AA6E4}">
+                <adec:decorative xmlns:adec="http://schemas.microsoft.com/office/drawing/2017/decorative" val="1"/>
+              </a:ext>
+            </a:extLst>
+          </p:cNvPr>
+          <p:cNvSpPr>
+            <a:spLocks noGrp="1" noRot="1" noChangeAspect="1" noMove="1" noResize="1" noEditPoints="1" noAdjustHandles="1" noChangeArrowheads="1" noChangeShapeType="1" noTextEdit="1"/>
+          </p:cNvSpPr>
+          <p:nvPr>
+            <p:extLst>
+              <p:ext uri="{386F3935-93C4-4BCD-93E2-E3B085C9AB24}">
+                <p16:designElem xmlns:p16="http://schemas.microsoft.com/office/powerpoint/2015/main" val="1"/>
+              </p:ext>
+            </p:extLst>
+          </p:nvPr>
+        </p:nvSpPr>
+        <p:spPr>
+          <a:xfrm rot="2700000">
+            <a:off x="11052629" y="2120024"/>
+            <a:ext cx="645368" cy="645368"/>
+          </a:xfrm>
+          <a:prstGeom prst="rect">
+            <a:avLst/>
+          </a:prstGeom>
+          <a:solidFill>
+            <a:schemeClr val="accent4">
+              <a:alpha val="30000"/>
+            </a:schemeClr>
+          </a:solidFill>
+          <a:ln>
+            <a:noFill/>
+          </a:ln>
+        </p:spPr>
+        <p:style>
+          <a:lnRef idx="2">
+            <a:schemeClr val="accent1">
+              <a:shade val="50000"/>
+            </a:schemeClr>
+          </a:lnRef>
+          <a:fillRef idx="1">
+            <a:schemeClr val="accent1"/>
+          </a:fillRef>
+          <a:effectRef idx="0">
+            <a:schemeClr val="accent1"/>
+          </a:effectRef>
+          <a:fontRef idx="minor">
+            <a:schemeClr val="lt1"/>
+          </a:fontRef>
+        </p:style>
+        <p:txBody>
+          <a:bodyPr rtlCol="0" anchor="ctr"/>
+          <a:lstStyle/>
+          <a:p>
+            <a:pPr algn="ctr"/>
+            <a:endParaRPr lang="en-US"/>
+          </a:p>
+        </p:txBody>
+      </p:sp>
+      <p:sp>
+        <p:nvSpPr>
+          <p:cNvPr id="43" name="Isosceles Triangle 42">
+            <a:extLst>
+              <a:ext uri="{FF2B5EF4-FFF2-40B4-BE49-F238E27FC236}">
+                <a16:creationId xmlns:a16="http://schemas.microsoft.com/office/drawing/2014/main" id="{A580F890-B085-4E95-96AA-55AEBEC5CE6E}"/>
+              </a:ext>
+              <a:ext uri="{C183D7F6-B498-43B3-948B-1728B52AA6E4}">
+                <adec:decorative xmlns:adec="http://schemas.microsoft.com/office/drawing/2017/decorative" val="1"/>
+              </a:ext>
+            </a:extLst>
+          </p:cNvPr>
+          <p:cNvSpPr>
+            <a:spLocks noGrp="1" noRot="1" noChangeAspect="1" noMove="1" noResize="1" noEditPoints="1" noAdjustHandles="1" noChangeArrowheads="1" noChangeShapeType="1" noTextEdit="1"/>
+          </p:cNvSpPr>
+          <p:nvPr>
+            <p:extLst>
+              <p:ext uri="{386F3935-93C4-4BCD-93E2-E3B085C9AB24}">
+                <p16:designElem xmlns:p16="http://schemas.microsoft.com/office/powerpoint/2015/main" val="1"/>
+              </p:ext>
+            </p:extLst>
+          </p:nvPr>
+        </p:nvSpPr>
+        <p:spPr>
+          <a:xfrm rot="16200000">
+            <a:off x="10289068" y="1343027"/>
+            <a:ext cx="2532832" cy="1273032"/>
+          </a:xfrm>
+          <a:prstGeom prst="triangle">
+            <a:avLst>
+              <a:gd name="adj" fmla="val 50000"/>
+            </a:avLst>
+          </a:prstGeom>
+          <a:solidFill>
+            <a:schemeClr val="accent4">
+              <a:alpha val="30000"/>
+            </a:schemeClr>
+          </a:solidFill>
+          <a:ln>
+            <a:noFill/>
+          </a:ln>
+        </p:spPr>
+        <p:style>
+          <a:lnRef idx="2">
+            <a:schemeClr val="accent1">
+              <a:shade val="50000"/>
+            </a:schemeClr>
+          </a:lnRef>
+          <a:fillRef idx="1">
+            <a:schemeClr val="accent1"/>
+          </a:fillRef>
+          <a:effectRef idx="0">
+            <a:schemeClr val="accent1"/>
+          </a:effectRef>
+          <a:fontRef idx="minor">
+            <a:schemeClr val="lt1"/>
+          </a:fontRef>
+        </p:style>
+        <p:txBody>
+          <a:bodyPr rtlCol="0" anchor="ctr"/>
+          <a:lstStyle/>
+          <a:p>
+            <a:pPr algn="ctr"/>
+            <a:endParaRPr lang="en-US"/>
+          </a:p>
+        </p:txBody>
+      </p:sp>
+      <p:sp>
+        <p:nvSpPr>
+          <p:cNvPr id="45" name="Isosceles Triangle 44">
+            <a:extLst>
+              <a:ext uri="{FF2B5EF4-FFF2-40B4-BE49-F238E27FC236}">
+                <a16:creationId xmlns:a16="http://schemas.microsoft.com/office/drawing/2014/main" id="{D3F51FEB-38FB-4F6C-9F7B-2F2AFAB65463}"/>
+              </a:ext>
+              <a:ext uri="{C183D7F6-B498-43B3-948B-1728B52AA6E4}">
+                <adec:decorative xmlns:adec="http://schemas.microsoft.com/office/drawing/2017/decorative" val="1"/>
+              </a:ext>
+            </a:extLst>
+          </p:cNvPr>
+          <p:cNvSpPr>
+            <a:spLocks noGrp="1" noRot="1" noChangeAspect="1" noMove="1" noResize="1" noEditPoints="1" noAdjustHandles="1" noChangeArrowheads="1" noChangeShapeType="1" noTextEdit="1"/>
+          </p:cNvSpPr>
+          <p:nvPr>
+            <p:extLst>
+              <p:ext uri="{386F3935-93C4-4BCD-93E2-E3B085C9AB24}">
+                <p16:designElem xmlns:p16="http://schemas.microsoft.com/office/powerpoint/2015/main" val="1"/>
+              </p:ext>
+            </p:extLst>
+          </p:nvPr>
+        </p:nvSpPr>
+        <p:spPr>
+          <a:xfrm rot="5400000">
+            <a:off x="-501760" y="5103257"/>
+            <a:ext cx="2017580" cy="1014060"/>
+          </a:xfrm>
+          <a:prstGeom prst="triangle">
+            <a:avLst>
+              <a:gd name="adj" fmla="val 50000"/>
+            </a:avLst>
+          </a:prstGeom>
+          <a:solidFill>
+            <a:schemeClr val="accent1">
+              <a:alpha val="30000"/>
+            </a:schemeClr>
+          </a:solidFill>
+          <a:ln>
+            <a:noFill/>
+          </a:ln>
+        </p:spPr>
+        <p:style>
+          <a:lnRef idx="2">
+            <a:schemeClr val="accent1">
+              <a:shade val="50000"/>
+            </a:schemeClr>
+          </a:lnRef>
+          <a:fillRef idx="1">
+            <a:schemeClr val="accent1"/>
+          </a:fillRef>
+          <a:effectRef idx="0">
+            <a:schemeClr val="accent1"/>
+          </a:effectRef>
+          <a:fontRef idx="minor">
+            <a:schemeClr val="lt1"/>
+          </a:fontRef>
+        </p:style>
+        <p:txBody>
+          <a:bodyPr wrap="square" rtlCol="0" anchor="ctr">
+            <a:noAutofit/>
+          </a:bodyPr>
+          <a:lstStyle/>
+          <a:p>
+            <a:pPr algn="ctr"/>
+            <a:endParaRPr lang="en-US"/>
+          </a:p>
+        </p:txBody>
+      </p:sp>
+      <p:sp>
+        <p:nvSpPr>
+          <p:cNvPr id="47" name="Rectangle 46">
+            <a:extLst>
+              <a:ext uri="{FF2B5EF4-FFF2-40B4-BE49-F238E27FC236}">
+                <a16:creationId xmlns:a16="http://schemas.microsoft.com/office/drawing/2014/main" id="{1E547BA6-BAE0-43BB-A7CA-60F69CE252F0}"/>
+              </a:ext>
+              <a:ext uri="{C183D7F6-B498-43B3-948B-1728B52AA6E4}">
+                <adec:decorative xmlns:adec="http://schemas.microsoft.com/office/drawing/2017/decorative" val="1"/>
+              </a:ext>
+            </a:extLst>
+          </p:cNvPr>
+          <p:cNvSpPr>
+            <a:spLocks noGrp="1" noRot="1" noChangeAspect="1" noMove="1" noResize="1" noEditPoints="1" noAdjustHandles="1" noChangeArrowheads="1" noChangeShapeType="1" noTextEdit="1"/>
+          </p:cNvSpPr>
+          <p:nvPr>
+            <p:extLst>
+              <p:ext uri="{386F3935-93C4-4BCD-93E2-E3B085C9AB24}">
+                <p16:designElem xmlns:p16="http://schemas.microsoft.com/office/powerpoint/2015/main" val="1"/>
+              </p:ext>
+            </p:extLst>
+          </p:nvPr>
+        </p:nvSpPr>
+        <p:spPr>
+          <a:xfrm rot="2700000">
+            <a:off x="427916" y="5728708"/>
+            <a:ext cx="485578" cy="485578"/>
+          </a:xfrm>
+          <a:prstGeom prst="rect">
+            <a:avLst/>
+          </a:prstGeom>
+          <a:solidFill>
+            <a:schemeClr val="accent1">
+              <a:alpha val="30000"/>
+            </a:schemeClr>
+          </a:solidFill>
+          <a:ln>
+            <a:noFill/>
+          </a:ln>
+        </p:spPr>
+        <p:style>
+          <a:lnRef idx="2">
+            <a:schemeClr val="accent1">
+              <a:shade val="50000"/>
+            </a:schemeClr>
+          </a:lnRef>
+          <a:fillRef idx="1">
+            <a:schemeClr val="accent1"/>
+          </a:fillRef>
+          <a:effectRef idx="0">
+            <a:schemeClr val="accent1"/>
+          </a:effectRef>
+          <a:fontRef idx="minor">
+            <a:schemeClr val="lt1"/>
+          </a:fontRef>
+        </p:style>
+        <p:txBody>
+          <a:bodyPr wrap="square" rtlCol="0" anchor="ctr">
+            <a:noAutofit/>
+          </a:bodyPr>
+          <a:lstStyle/>
+          <a:p>
+            <a:pPr algn="ctr"/>
+            <a:endParaRPr lang="en-US"/>
+          </a:p>
+        </p:txBody>
+      </p:sp>
+    </p:spTree>
+    <p:extLst>
+      <p:ext uri="{BB962C8B-B14F-4D97-AF65-F5344CB8AC3E}">
+        <p14:creationId xmlns:p14="http://schemas.microsoft.com/office/powerpoint/2010/main" val="2500993328"/>
+      </p:ext>
+    </p:extLst>
+  </p:cSld>
+  <p:clrMapOvr>
+    <a:masterClrMapping/>
+  </p:clrMapOvr>
+</p:sld>
+</file>
+
+<file path=ppt/slides/slide15.xml><?xml version="1.0" encoding="utf-8"?>
+<p:sld xmlns:a="http://schemas.openxmlformats.org/drawingml/2006/main" xmlns:r="http://schemas.openxmlformats.org/officeDocument/2006/relationships" xmlns:p="http://schemas.openxmlformats.org/presentationml/2006/main">
+  <p:cSld>
+    <p:bg>
+      <p:bgPr>
+        <a:solidFill>
+          <a:schemeClr val="bg1"/>
+        </a:solidFill>
+        <a:effectLst/>
+      </p:bgPr>
+    </p:bg>
+    <p:spTree>
+      <p:nvGrpSpPr>
+        <p:cNvPr id="1" name=""/>
+        <p:cNvGrpSpPr/>
+        <p:nvPr/>
+      </p:nvGrpSpPr>
+      <p:grpSpPr>
+        <a:xfrm>
+          <a:off x="0" y="0"/>
+          <a:ext cx="0" cy="0"/>
+          <a:chOff x="0" y="0"/>
+          <a:chExt cx="0" cy="0"/>
+        </a:xfrm>
+      </p:grpSpPr>
+      <p:sp>
+        <p:nvSpPr>
+          <p:cNvPr id="39" name="Rectangle 38">
+            <a:extLst>
+              <a:ext uri="{FF2B5EF4-FFF2-40B4-BE49-F238E27FC236}">
+                <a16:creationId xmlns:a16="http://schemas.microsoft.com/office/drawing/2014/main" id="{2B566528-1B12-4246-9431-5C2D7D081168}"/>
+              </a:ext>
+              <a:ext uri="{C183D7F6-B498-43B3-948B-1728B52AA6E4}">
+                <adec:decorative xmlns:adec="http://schemas.microsoft.com/office/drawing/2017/decorative" val="1"/>
+              </a:ext>
+            </a:extLst>
+          </p:cNvPr>
+          <p:cNvSpPr>
+            <a:spLocks noGrp="1" noRot="1" noChangeAspect="1" noMove="1" noResize="1" noEditPoints="1" noAdjustHandles="1" noChangeArrowheads="1" noChangeShapeType="1" noTextEdit="1"/>
+          </p:cNvSpPr>
+          <p:nvPr>
+            <p:extLst>
+              <p:ext uri="{386F3935-93C4-4BCD-93E2-E3B085C9AB24}">
+                <p16:designElem xmlns:p16="http://schemas.microsoft.com/office/powerpoint/2015/main" val="1"/>
+              </p:ext>
+            </p:extLst>
+          </p:nvPr>
+        </p:nvSpPr>
+        <p:spPr>
+          <a:xfrm>
+            <a:off x="0" y="0"/>
+            <a:ext cx="12192000" cy="6858000"/>
+          </a:xfrm>
+          <a:prstGeom prst="rect">
+            <a:avLst/>
+          </a:prstGeom>
+          <a:solidFill>
+            <a:schemeClr val="bg1"/>
+          </a:solidFill>
+          <a:ln>
+            <a:noFill/>
+          </a:ln>
+        </p:spPr>
+        <p:style>
+          <a:lnRef idx="2">
+            <a:schemeClr val="accent1">
+              <a:shade val="50000"/>
+            </a:schemeClr>
+          </a:lnRef>
+          <a:fillRef idx="1">
+            <a:schemeClr val="accent1"/>
+          </a:fillRef>
+          <a:effectRef idx="0">
+            <a:schemeClr val="accent1"/>
+          </a:effectRef>
+          <a:fontRef idx="minor">
+            <a:schemeClr val="lt1"/>
+          </a:fontRef>
+        </p:style>
+        <p:txBody>
+          <a:bodyPr rtlCol="0" anchor="ctr"/>
+          <a:lstStyle/>
+          <a:p>
+            <a:pPr algn="ctr"/>
+            <a:endParaRPr lang="en-US"/>
+          </a:p>
+        </p:txBody>
+      </p:sp>
+      <p:sp>
+        <p:nvSpPr>
+          <p:cNvPr id="2" name="Título 1">
+            <a:extLst>
+              <a:ext uri="{FF2B5EF4-FFF2-40B4-BE49-F238E27FC236}">
+                <a16:creationId xmlns:a16="http://schemas.microsoft.com/office/drawing/2014/main" id="{46991FFA-5E35-051D-3B8C-8962250E1C9A}"/>
+              </a:ext>
+            </a:extLst>
+          </p:cNvPr>
+          <p:cNvSpPr>
+            <a:spLocks noGrp="1"/>
+          </p:cNvSpPr>
+          <p:nvPr>
+            <p:ph type="title"/>
+          </p:nvPr>
+        </p:nvSpPr>
+        <p:spPr>
+          <a:xfrm>
+            <a:off x="643467" y="321734"/>
+            <a:ext cx="10905066" cy="1135737"/>
+          </a:xfrm>
+        </p:spPr>
+        <p:txBody>
+          <a:bodyPr>
+            <a:normAutofit/>
+          </a:bodyPr>
+          <a:lstStyle/>
+          <a:p>
+            <a:r>
+              <a:rPr lang="pt-BR" sz="3600" b="1">
+                <a:ea typeface="+mj-lt"/>
+                <a:cs typeface="+mj-lt"/>
+              </a:rPr>
+              <a:t>Detalhamento das Entradas</a:t>
+            </a:r>
+            <a:endParaRPr lang="pt-BR"/>
+          </a:p>
+        </p:txBody>
+      </p:sp>
+      <p:sp>
+        <p:nvSpPr>
+          <p:cNvPr id="3" name="Espaço Reservado para Conteúdo 2">
+            <a:extLst>
+              <a:ext uri="{FF2B5EF4-FFF2-40B4-BE49-F238E27FC236}">
+                <a16:creationId xmlns:a16="http://schemas.microsoft.com/office/drawing/2014/main" id="{1F560DD4-1938-249D-D353-6A108002A6DE}"/>
+              </a:ext>
+            </a:extLst>
+          </p:cNvPr>
+          <p:cNvSpPr>
+            <a:spLocks noGrp="1"/>
+          </p:cNvSpPr>
+          <p:nvPr>
+            <p:ph idx="1"/>
+          </p:nvPr>
+        </p:nvSpPr>
+        <p:spPr>
+          <a:xfrm>
+            <a:off x="643467" y="1782981"/>
+            <a:ext cx="10905066" cy="4393982"/>
+          </a:xfrm>
+        </p:spPr>
+        <p:txBody>
+          <a:bodyPr vert="horz" lIns="91440" tIns="45720" rIns="91440" bIns="45720" rtlCol="0" anchor="t">
+            <a:normAutofit/>
+          </a:bodyPr>
+          <a:lstStyle/>
+          <a:p>
+            <a:pPr>
+              <a:buNone/>
+            </a:pPr>
+            <a:r>
+              <a:rPr lang="pt-BR" sz="2000" b="1" dirty="0">
+                <a:ea typeface="+mn-lt"/>
+                <a:cs typeface="+mn-lt"/>
+              </a:rPr>
+              <a:t>Ativos de processos organizacionais</a:t>
+            </a:r>
+            <a:endParaRPr lang="pt-BR" b="1" dirty="0"/>
+          </a:p>
+          <a:p>
+            <a:pPr>
+              <a:buNone/>
+            </a:pPr>
+            <a:r>
+              <a:rPr lang="pt-BR" sz="2000" dirty="0">
+                <a:ea typeface="+mn-lt"/>
+                <a:cs typeface="+mn-lt"/>
+              </a:rPr>
+              <a:t>2ª) Base de conhecimento corporativo para armazenar e recuperar informações:</a:t>
+            </a:r>
+            <a:endParaRPr lang="pt-BR" dirty="0">
+              <a:ea typeface="+mn-lt"/>
+              <a:cs typeface="+mn-lt"/>
+            </a:endParaRPr>
+          </a:p>
+          <a:p>
+            <a:pPr>
+              <a:buNone/>
+            </a:pPr>
+            <a:r>
+              <a:rPr lang="pt-BR" sz="2000" dirty="0">
+                <a:ea typeface="+mn-lt"/>
+                <a:cs typeface="+mn-lt"/>
+              </a:rPr>
+              <a:t>Banco de dados de medição de processos usado para coletar e disponibilizar os dados de medição de processos e produtos;</a:t>
+            </a:r>
+            <a:endParaRPr lang="pt-BR" dirty="0">
+              <a:ea typeface="+mn-lt"/>
+              <a:cs typeface="+mn-lt"/>
+            </a:endParaRPr>
+          </a:p>
+          <a:p>
+            <a:pPr>
+              <a:buNone/>
+            </a:pPr>
+            <a:r>
+              <a:rPr lang="pt-BR" sz="2000" dirty="0">
+                <a:ea typeface="+mn-lt"/>
+                <a:cs typeface="+mn-lt"/>
+              </a:rPr>
+              <a:t>Arquivos do projeto</a:t>
+            </a:r>
+            <a:endParaRPr lang="pt-BR" dirty="0"/>
+          </a:p>
+          <a:p>
+            <a:pPr>
+              <a:buNone/>
+            </a:pPr>
+            <a:r>
+              <a:rPr lang="pt-BR" sz="2000" dirty="0">
+                <a:ea typeface="+mn-lt"/>
+                <a:cs typeface="+mn-lt"/>
+              </a:rPr>
+              <a:t>escopo, custo, cronograma e linhas de base da qualidade, da medição de desempenho, calendários do projeto, diagramas de rede do cronograma do projeto, registros de riscos, ações de resposta planejadas e impacto de risco definido...</a:t>
+            </a:r>
+            <a:endParaRPr lang="pt-BR" dirty="0"/>
+          </a:p>
+          <a:p>
+            <a:pPr>
+              <a:buNone/>
+            </a:pPr>
+            <a:r>
+              <a:rPr lang="pt-BR" sz="2000" dirty="0">
+                <a:ea typeface="+mn-lt"/>
+                <a:cs typeface="+mn-lt"/>
+              </a:rPr>
+              <a:t>Informações históricas e lições aprendidas (registros e documentos de projetos, todas as informações e a documentação relativas ao encerramento do projeto, sobre os resultados de decisões a respeito da seleção de projetos anteriores, seu desempenho e informações do esforço de gerenciamento de riscos).</a:t>
+            </a:r>
+            <a:endParaRPr lang="pt-BR" dirty="0"/>
+          </a:p>
+          <a:p>
+            <a:pPr>
+              <a:buNone/>
+            </a:pPr>
+            <a:endParaRPr lang="pt-BR" sz="2000" dirty="0">
+              <a:cs typeface="Calibri"/>
+            </a:endParaRPr>
+          </a:p>
+          <a:p>
+            <a:pPr>
+              <a:buNone/>
+            </a:pPr>
+            <a:endParaRPr lang="pt-BR" sz="2000" dirty="0">
+              <a:cs typeface="Calibri"/>
+            </a:endParaRPr>
+          </a:p>
+          <a:p>
+            <a:pPr>
+              <a:buNone/>
+            </a:pPr>
+            <a:endParaRPr lang="pt-BR" sz="2000" dirty="0">
+              <a:cs typeface="Calibri"/>
+            </a:endParaRPr>
+          </a:p>
+          <a:p>
+            <a:pPr>
+              <a:buNone/>
+            </a:pPr>
+            <a:endParaRPr lang="pt-BR" sz="2000" dirty="0">
+              <a:cs typeface="Calibri"/>
+            </a:endParaRPr>
+          </a:p>
+          <a:p>
+            <a:pPr>
+              <a:buNone/>
+            </a:pPr>
+            <a:endParaRPr lang="pt-BR" sz="2000" dirty="0">
+              <a:cs typeface="Calibri"/>
+            </a:endParaRPr>
+          </a:p>
+          <a:p>
+            <a:pPr>
+              <a:buNone/>
+            </a:pPr>
+            <a:endParaRPr lang="pt-BR" sz="2000">
+              <a:cs typeface="Calibri"/>
+            </a:endParaRPr>
+          </a:p>
+          <a:p>
+            <a:pPr>
+              <a:buNone/>
+            </a:pPr>
+            <a:endParaRPr lang="pt-BR" sz="2000">
+              <a:cs typeface="Calibri"/>
+            </a:endParaRPr>
+          </a:p>
+          <a:p>
+            <a:pPr>
+              <a:buNone/>
+            </a:pPr>
+            <a:endParaRPr lang="pt-BR" sz="2000">
+              <a:cs typeface="Calibri"/>
+            </a:endParaRPr>
+          </a:p>
+          <a:p>
+            <a:pPr>
+              <a:buNone/>
+            </a:pPr>
+            <a:endParaRPr lang="pt-BR" sz="2000">
+              <a:ea typeface="+mn-lt"/>
+              <a:cs typeface="+mn-lt"/>
+            </a:endParaRPr>
+          </a:p>
+          <a:p>
+            <a:pPr>
+              <a:buNone/>
+            </a:pPr>
+            <a:endParaRPr lang="pt-BR" sz="2000">
+              <a:cs typeface="Calibri" panose="020F0502020204030204"/>
+            </a:endParaRPr>
+          </a:p>
+          <a:p>
+            <a:pPr marL="0" indent="0">
+              <a:buNone/>
+            </a:pPr>
+            <a:endParaRPr lang="pt-BR" sz="2000">
+              <a:cs typeface="Calibri" panose="020F0502020204030204"/>
+            </a:endParaRPr>
+          </a:p>
+          <a:p>
+            <a:endParaRPr lang="pt-BR" sz="2000">
+              <a:solidFill>
+                <a:srgbClr val="000000"/>
+              </a:solidFill>
+              <a:ea typeface="+mn-lt"/>
+              <a:cs typeface="+mn-lt"/>
+            </a:endParaRPr>
+          </a:p>
+        </p:txBody>
+      </p:sp>
+      <p:sp>
+        <p:nvSpPr>
+          <p:cNvPr id="41" name="Rectangle 40">
+            <a:extLst>
+              <a:ext uri="{FF2B5EF4-FFF2-40B4-BE49-F238E27FC236}">
+                <a16:creationId xmlns:a16="http://schemas.microsoft.com/office/drawing/2014/main" id="{2E80C965-DB6D-4F81-9E9E-B027384D0BD6}"/>
+              </a:ext>
+              <a:ext uri="{C183D7F6-B498-43B3-948B-1728B52AA6E4}">
+                <adec:decorative xmlns:adec="http://schemas.microsoft.com/office/drawing/2017/decorative" val="1"/>
+              </a:ext>
+            </a:extLst>
+          </p:cNvPr>
+          <p:cNvSpPr>
+            <a:spLocks noGrp="1" noRot="1" noChangeAspect="1" noMove="1" noResize="1" noEditPoints="1" noAdjustHandles="1" noChangeArrowheads="1" noChangeShapeType="1" noTextEdit="1"/>
+          </p:cNvSpPr>
+          <p:nvPr>
+            <p:extLst>
+              <p:ext uri="{386F3935-93C4-4BCD-93E2-E3B085C9AB24}">
+                <p16:designElem xmlns:p16="http://schemas.microsoft.com/office/powerpoint/2015/main" val="1"/>
+              </p:ext>
+            </p:extLst>
+          </p:nvPr>
+        </p:nvSpPr>
+        <p:spPr>
+          <a:xfrm rot="2700000">
+            <a:off x="11052629" y="2120024"/>
+            <a:ext cx="645368" cy="645368"/>
+          </a:xfrm>
+          <a:prstGeom prst="rect">
+            <a:avLst/>
+          </a:prstGeom>
+          <a:solidFill>
+            <a:schemeClr val="accent4">
+              <a:alpha val="30000"/>
+            </a:schemeClr>
+          </a:solidFill>
+          <a:ln>
+            <a:noFill/>
+          </a:ln>
+        </p:spPr>
+        <p:style>
+          <a:lnRef idx="2">
+            <a:schemeClr val="accent1">
+              <a:shade val="50000"/>
+            </a:schemeClr>
+          </a:lnRef>
+          <a:fillRef idx="1">
+            <a:schemeClr val="accent1"/>
+          </a:fillRef>
+          <a:effectRef idx="0">
+            <a:schemeClr val="accent1"/>
+          </a:effectRef>
+          <a:fontRef idx="minor">
+            <a:schemeClr val="lt1"/>
+          </a:fontRef>
+        </p:style>
+        <p:txBody>
+          <a:bodyPr rtlCol="0" anchor="ctr"/>
+          <a:lstStyle/>
+          <a:p>
+            <a:pPr algn="ctr"/>
+            <a:endParaRPr lang="en-US"/>
+          </a:p>
+        </p:txBody>
+      </p:sp>
+      <p:sp>
+        <p:nvSpPr>
+          <p:cNvPr id="43" name="Isosceles Triangle 42">
+            <a:extLst>
+              <a:ext uri="{FF2B5EF4-FFF2-40B4-BE49-F238E27FC236}">
+                <a16:creationId xmlns:a16="http://schemas.microsoft.com/office/drawing/2014/main" id="{A580F890-B085-4E95-96AA-55AEBEC5CE6E}"/>
+              </a:ext>
+              <a:ext uri="{C183D7F6-B498-43B3-948B-1728B52AA6E4}">
+                <adec:decorative xmlns:adec="http://schemas.microsoft.com/office/drawing/2017/decorative" val="1"/>
+              </a:ext>
+            </a:extLst>
+          </p:cNvPr>
+          <p:cNvSpPr>
+            <a:spLocks noGrp="1" noRot="1" noChangeAspect="1" noMove="1" noResize="1" noEditPoints="1" noAdjustHandles="1" noChangeArrowheads="1" noChangeShapeType="1" noTextEdit="1"/>
+          </p:cNvSpPr>
+          <p:nvPr>
+            <p:extLst>
+              <p:ext uri="{386F3935-93C4-4BCD-93E2-E3B085C9AB24}">
+                <p16:designElem xmlns:p16="http://schemas.microsoft.com/office/powerpoint/2015/main" val="1"/>
+              </p:ext>
+            </p:extLst>
+          </p:nvPr>
+        </p:nvSpPr>
+        <p:spPr>
+          <a:xfrm rot="16200000">
+            <a:off x="10289068" y="1343027"/>
+            <a:ext cx="2532832" cy="1273032"/>
+          </a:xfrm>
+          <a:prstGeom prst="triangle">
+            <a:avLst>
+              <a:gd name="adj" fmla="val 50000"/>
+            </a:avLst>
+          </a:prstGeom>
+          <a:solidFill>
+            <a:schemeClr val="accent4">
+              <a:alpha val="30000"/>
+            </a:schemeClr>
+          </a:solidFill>
+          <a:ln>
+            <a:noFill/>
+          </a:ln>
+        </p:spPr>
+        <p:style>
+          <a:lnRef idx="2">
+            <a:schemeClr val="accent1">
+              <a:shade val="50000"/>
+            </a:schemeClr>
+          </a:lnRef>
+          <a:fillRef idx="1">
+            <a:schemeClr val="accent1"/>
+          </a:fillRef>
+          <a:effectRef idx="0">
+            <a:schemeClr val="accent1"/>
+          </a:effectRef>
+          <a:fontRef idx="minor">
+            <a:schemeClr val="lt1"/>
+          </a:fontRef>
+        </p:style>
+        <p:txBody>
+          <a:bodyPr rtlCol="0" anchor="ctr"/>
+          <a:lstStyle/>
+          <a:p>
+            <a:pPr algn="ctr"/>
+            <a:endParaRPr lang="en-US"/>
+          </a:p>
+        </p:txBody>
+      </p:sp>
+      <p:sp>
+        <p:nvSpPr>
+          <p:cNvPr id="45" name="Isosceles Triangle 44">
+            <a:extLst>
+              <a:ext uri="{FF2B5EF4-FFF2-40B4-BE49-F238E27FC236}">
+                <a16:creationId xmlns:a16="http://schemas.microsoft.com/office/drawing/2014/main" id="{D3F51FEB-38FB-4F6C-9F7B-2F2AFAB65463}"/>
+              </a:ext>
+              <a:ext uri="{C183D7F6-B498-43B3-948B-1728B52AA6E4}">
+                <adec:decorative xmlns:adec="http://schemas.microsoft.com/office/drawing/2017/decorative" val="1"/>
+              </a:ext>
+            </a:extLst>
+          </p:cNvPr>
+          <p:cNvSpPr>
+            <a:spLocks noGrp="1" noRot="1" noChangeAspect="1" noMove="1" noResize="1" noEditPoints="1" noAdjustHandles="1" noChangeArrowheads="1" noChangeShapeType="1" noTextEdit="1"/>
+          </p:cNvSpPr>
+          <p:nvPr>
+            <p:extLst>
+              <p:ext uri="{386F3935-93C4-4BCD-93E2-E3B085C9AB24}">
+                <p16:designElem xmlns:p16="http://schemas.microsoft.com/office/powerpoint/2015/main" val="1"/>
+              </p:ext>
+            </p:extLst>
+          </p:nvPr>
+        </p:nvSpPr>
+        <p:spPr>
+          <a:xfrm rot="5400000">
+            <a:off x="-501760" y="5103257"/>
+            <a:ext cx="2017580" cy="1014060"/>
+          </a:xfrm>
+          <a:prstGeom prst="triangle">
+            <a:avLst>
+              <a:gd name="adj" fmla="val 50000"/>
+            </a:avLst>
+          </a:prstGeom>
+          <a:solidFill>
+            <a:schemeClr val="accent1">
+              <a:alpha val="30000"/>
+            </a:schemeClr>
+          </a:solidFill>
+          <a:ln>
+            <a:noFill/>
+          </a:ln>
+        </p:spPr>
+        <p:style>
+          <a:lnRef idx="2">
+            <a:schemeClr val="accent1">
+              <a:shade val="50000"/>
+            </a:schemeClr>
+          </a:lnRef>
+          <a:fillRef idx="1">
+            <a:schemeClr val="accent1"/>
+          </a:fillRef>
+          <a:effectRef idx="0">
+            <a:schemeClr val="accent1"/>
+          </a:effectRef>
+          <a:fontRef idx="minor">
+            <a:schemeClr val="lt1"/>
+          </a:fontRef>
+        </p:style>
+        <p:txBody>
+          <a:bodyPr wrap="square" rtlCol="0" anchor="ctr">
+            <a:noAutofit/>
+          </a:bodyPr>
+          <a:lstStyle/>
+          <a:p>
+            <a:pPr algn="ctr"/>
+            <a:endParaRPr lang="en-US"/>
+          </a:p>
+        </p:txBody>
+      </p:sp>
+      <p:sp>
+        <p:nvSpPr>
+          <p:cNvPr id="47" name="Rectangle 46">
+            <a:extLst>
+              <a:ext uri="{FF2B5EF4-FFF2-40B4-BE49-F238E27FC236}">
+                <a16:creationId xmlns:a16="http://schemas.microsoft.com/office/drawing/2014/main" id="{1E547BA6-BAE0-43BB-A7CA-60F69CE252F0}"/>
+              </a:ext>
+              <a:ext uri="{C183D7F6-B498-43B3-948B-1728B52AA6E4}">
+                <adec:decorative xmlns:adec="http://schemas.microsoft.com/office/drawing/2017/decorative" val="1"/>
+              </a:ext>
+            </a:extLst>
+          </p:cNvPr>
+          <p:cNvSpPr>
+            <a:spLocks noGrp="1" noRot="1" noChangeAspect="1" noMove="1" noResize="1" noEditPoints="1" noAdjustHandles="1" noChangeArrowheads="1" noChangeShapeType="1" noTextEdit="1"/>
+          </p:cNvSpPr>
+          <p:nvPr>
+            <p:extLst>
+              <p:ext uri="{386F3935-93C4-4BCD-93E2-E3B085C9AB24}">
+                <p16:designElem xmlns:p16="http://schemas.microsoft.com/office/powerpoint/2015/main" val="1"/>
+              </p:ext>
+            </p:extLst>
+          </p:nvPr>
+        </p:nvSpPr>
+        <p:spPr>
+          <a:xfrm rot="2700000">
+            <a:off x="427916" y="5728708"/>
+            <a:ext cx="485578" cy="485578"/>
+          </a:xfrm>
+          <a:prstGeom prst="rect">
+            <a:avLst/>
+          </a:prstGeom>
+          <a:solidFill>
+            <a:schemeClr val="accent1">
+              <a:alpha val="30000"/>
+            </a:schemeClr>
+          </a:solidFill>
+          <a:ln>
+            <a:noFill/>
+          </a:ln>
+        </p:spPr>
+        <p:style>
+          <a:lnRef idx="2">
+            <a:schemeClr val="accent1">
+              <a:shade val="50000"/>
+            </a:schemeClr>
+          </a:lnRef>
+          <a:fillRef idx="1">
+            <a:schemeClr val="accent1"/>
+          </a:fillRef>
+          <a:effectRef idx="0">
+            <a:schemeClr val="accent1"/>
+          </a:effectRef>
+          <a:fontRef idx="minor">
+            <a:schemeClr val="lt1"/>
+          </a:fontRef>
+        </p:style>
+        <p:txBody>
+          <a:bodyPr wrap="square" rtlCol="0" anchor="ctr">
+            <a:noAutofit/>
+          </a:bodyPr>
+          <a:lstStyle/>
+          <a:p>
+            <a:pPr algn="ctr"/>
+            <a:endParaRPr lang="en-US"/>
+          </a:p>
+        </p:txBody>
+      </p:sp>
+    </p:spTree>
+    <p:extLst>
+      <p:ext uri="{BB962C8B-B14F-4D97-AF65-F5344CB8AC3E}">
+        <p14:creationId xmlns:p14="http://schemas.microsoft.com/office/powerpoint/2010/main" val="2095517453"/>
+      </p:ext>
+    </p:extLst>
+  </p:cSld>
+  <p:clrMapOvr>
+    <a:masterClrMapping/>
+  </p:clrMapOvr>
+</p:sld>
+</file>
+
+<file path=ppt/slides/slide16.xml><?xml version="1.0" encoding="utf-8"?>
+<p:sld xmlns:a="http://schemas.openxmlformats.org/drawingml/2006/main" xmlns:r="http://schemas.openxmlformats.org/officeDocument/2006/relationships" xmlns:p="http://schemas.openxmlformats.org/presentationml/2006/main">
+  <p:cSld>
+    <p:bg>
+      <p:bgPr>
+        <a:solidFill>
+          <a:schemeClr val="bg1"/>
+        </a:solidFill>
+        <a:effectLst/>
+      </p:bgPr>
+    </p:bg>
+    <p:spTree>
+      <p:nvGrpSpPr>
+        <p:cNvPr id="1" name=""/>
+        <p:cNvGrpSpPr/>
+        <p:nvPr/>
+      </p:nvGrpSpPr>
+      <p:grpSpPr>
+        <a:xfrm>
+          <a:off x="0" y="0"/>
+          <a:ext cx="0" cy="0"/>
+          <a:chOff x="0" y="0"/>
+          <a:chExt cx="0" cy="0"/>
+        </a:xfrm>
+      </p:grpSpPr>
+      <p:sp>
+        <p:nvSpPr>
+          <p:cNvPr id="39" name="Rectangle 38">
+            <a:extLst>
+              <a:ext uri="{FF2B5EF4-FFF2-40B4-BE49-F238E27FC236}">
+                <a16:creationId xmlns:a16="http://schemas.microsoft.com/office/drawing/2014/main" id="{2B566528-1B12-4246-9431-5C2D7D081168}"/>
+              </a:ext>
+              <a:ext uri="{C183D7F6-B498-43B3-948B-1728B52AA6E4}">
+                <adec:decorative xmlns:adec="http://schemas.microsoft.com/office/drawing/2017/decorative" val="1"/>
+              </a:ext>
+            </a:extLst>
+          </p:cNvPr>
+          <p:cNvSpPr>
+            <a:spLocks noGrp="1" noRot="1" noChangeAspect="1" noMove="1" noResize="1" noEditPoints="1" noAdjustHandles="1" noChangeArrowheads="1" noChangeShapeType="1" noTextEdit="1"/>
+          </p:cNvSpPr>
+          <p:nvPr>
+            <p:extLst>
+              <p:ext uri="{386F3935-93C4-4BCD-93E2-E3B085C9AB24}">
+                <p16:designElem xmlns:p16="http://schemas.microsoft.com/office/powerpoint/2015/main" val="1"/>
+              </p:ext>
+            </p:extLst>
+          </p:nvPr>
+        </p:nvSpPr>
+        <p:spPr>
+          <a:xfrm>
+            <a:off x="0" y="0"/>
+            <a:ext cx="12192000" cy="6858000"/>
+          </a:xfrm>
+          <a:prstGeom prst="rect">
+            <a:avLst/>
+          </a:prstGeom>
+          <a:solidFill>
+            <a:schemeClr val="bg1"/>
+          </a:solidFill>
+          <a:ln>
+            <a:noFill/>
+          </a:ln>
+        </p:spPr>
+        <p:style>
+          <a:lnRef idx="2">
+            <a:schemeClr val="accent1">
+              <a:shade val="50000"/>
+            </a:schemeClr>
+          </a:lnRef>
+          <a:fillRef idx="1">
+            <a:schemeClr val="accent1"/>
+          </a:fillRef>
+          <a:effectRef idx="0">
+            <a:schemeClr val="accent1"/>
+          </a:effectRef>
+          <a:fontRef idx="minor">
+            <a:schemeClr val="lt1"/>
+          </a:fontRef>
+        </p:style>
+        <p:txBody>
+          <a:bodyPr rtlCol="0" anchor="ctr"/>
+          <a:lstStyle/>
+          <a:p>
+            <a:pPr algn="ctr"/>
+            <a:endParaRPr lang="en-US"/>
+          </a:p>
+        </p:txBody>
+      </p:sp>
+      <p:sp>
+        <p:nvSpPr>
+          <p:cNvPr id="2" name="Título 1">
+            <a:extLst>
+              <a:ext uri="{FF2B5EF4-FFF2-40B4-BE49-F238E27FC236}">
+                <a16:creationId xmlns:a16="http://schemas.microsoft.com/office/drawing/2014/main" id="{46991FFA-5E35-051D-3B8C-8962250E1C9A}"/>
+              </a:ext>
+            </a:extLst>
+          </p:cNvPr>
+          <p:cNvSpPr>
+            <a:spLocks noGrp="1"/>
+          </p:cNvSpPr>
+          <p:nvPr>
+            <p:ph type="title"/>
+          </p:nvPr>
+        </p:nvSpPr>
+        <p:spPr>
+          <a:xfrm>
+            <a:off x="643467" y="321734"/>
+            <a:ext cx="10905066" cy="1135737"/>
+          </a:xfrm>
+        </p:spPr>
+        <p:txBody>
+          <a:bodyPr>
+            <a:normAutofit/>
+          </a:bodyPr>
+          <a:lstStyle/>
+          <a:p>
+            <a:r>
+              <a:rPr lang="pt-BR" sz="3600" b="1">
+                <a:ea typeface="+mj-lt"/>
+                <a:cs typeface="+mj-lt"/>
+              </a:rPr>
+              <a:t>Detalhamento das Entradas</a:t>
+            </a:r>
+            <a:endParaRPr lang="pt-BR"/>
+          </a:p>
+        </p:txBody>
+      </p:sp>
+      <p:sp>
+        <p:nvSpPr>
+          <p:cNvPr id="3" name="Espaço Reservado para Conteúdo 2">
+            <a:extLst>
+              <a:ext uri="{FF2B5EF4-FFF2-40B4-BE49-F238E27FC236}">
+                <a16:creationId xmlns:a16="http://schemas.microsoft.com/office/drawing/2014/main" id="{1F560DD4-1938-249D-D353-6A108002A6DE}"/>
+              </a:ext>
+            </a:extLst>
+          </p:cNvPr>
+          <p:cNvSpPr>
+            <a:spLocks noGrp="1"/>
+          </p:cNvSpPr>
+          <p:nvPr>
+            <p:ph idx="1"/>
+          </p:nvPr>
+        </p:nvSpPr>
+        <p:spPr>
+          <a:xfrm>
+            <a:off x="643467" y="1782981"/>
+            <a:ext cx="10905066" cy="4393982"/>
+          </a:xfrm>
+        </p:spPr>
+        <p:txBody>
+          <a:bodyPr vert="horz" lIns="91440" tIns="45720" rIns="91440" bIns="45720" rtlCol="0" anchor="t">
+            <a:normAutofit/>
+          </a:bodyPr>
+          <a:lstStyle/>
+          <a:p>
+            <a:pPr>
+              <a:buNone/>
+            </a:pPr>
+            <a:r>
+              <a:rPr lang="pt-BR" sz="2000" b="1" dirty="0">
+                <a:ea typeface="+mn-lt"/>
+                <a:cs typeface="+mn-lt"/>
+              </a:rPr>
+              <a:t>Base de conhecimento corporativo da empresa</a:t>
+            </a:r>
+            <a:endParaRPr lang="pt-BR" b="1" dirty="0"/>
+          </a:p>
+          <a:p>
+            <a:pPr>
+              <a:buNone/>
+            </a:pPr>
+            <a:r>
+              <a:rPr lang="pt-BR" sz="2000" dirty="0">
+                <a:ea typeface="+mn-lt"/>
+                <a:cs typeface="+mn-lt"/>
+              </a:rPr>
+              <a:t>Banco de dados de gerenciamento de problemas e defeitos contendo o andamento de problemas e defeitos, informações de controle, resolução de problemas e defeitos e resultados de itens de ação.</a:t>
+            </a:r>
+            <a:endParaRPr lang="pt-BR" dirty="0"/>
+          </a:p>
+          <a:p>
+            <a:pPr>
+              <a:buNone/>
+            </a:pPr>
+            <a:r>
+              <a:rPr lang="pt-BR" sz="2000" dirty="0">
+                <a:ea typeface="+mn-lt"/>
+                <a:cs typeface="+mn-lt"/>
+              </a:rPr>
+              <a:t>Base de conhecimento de gerenciamento de configuração contendo as versões e as linhas de base de todas as normas, políticas, procedimentos oficiais da empresa e quaisquer documentos de projetos.</a:t>
+            </a:r>
+            <a:endParaRPr lang="pt-BR" dirty="0"/>
+          </a:p>
+          <a:p>
+            <a:pPr>
+              <a:buNone/>
+            </a:pPr>
+            <a:r>
+              <a:rPr lang="pt-BR" sz="2000" dirty="0">
+                <a:ea typeface="+mn-lt"/>
+                <a:cs typeface="+mn-lt"/>
+              </a:rPr>
+              <a:t>Banco de dados financeiro contendo informações como horas de mão-de-obra, custos incorridos, orçamentos e estouros nos custos do projeto.</a:t>
+            </a:r>
+            <a:endParaRPr lang="pt-BR" dirty="0"/>
+          </a:p>
+          <a:p>
+            <a:pPr>
+              <a:buNone/>
+            </a:pPr>
+            <a:endParaRPr lang="pt-BR" sz="2000" b="1" dirty="0">
+              <a:cs typeface="Calibri"/>
+            </a:endParaRPr>
+          </a:p>
+          <a:p>
+            <a:pPr>
+              <a:buNone/>
+            </a:pPr>
+            <a:endParaRPr lang="pt-BR" sz="2000" dirty="0">
+              <a:cs typeface="Calibri"/>
+            </a:endParaRPr>
+          </a:p>
+          <a:p>
+            <a:pPr>
+              <a:buNone/>
+            </a:pPr>
+            <a:endParaRPr lang="pt-BR" sz="2000" dirty="0">
+              <a:cs typeface="Calibri"/>
+            </a:endParaRPr>
+          </a:p>
+          <a:p>
+            <a:pPr>
+              <a:buNone/>
+            </a:pPr>
+            <a:endParaRPr lang="pt-BR" sz="2000" dirty="0">
+              <a:cs typeface="Calibri"/>
+            </a:endParaRPr>
+          </a:p>
+          <a:p>
+            <a:pPr>
+              <a:buNone/>
+            </a:pPr>
+            <a:endParaRPr lang="pt-BR" sz="2000" dirty="0">
+              <a:cs typeface="Calibri"/>
+            </a:endParaRPr>
+          </a:p>
+          <a:p>
+            <a:pPr>
+              <a:buNone/>
+            </a:pPr>
+            <a:endParaRPr lang="pt-BR" sz="2000" dirty="0">
+              <a:cs typeface="Calibri"/>
+            </a:endParaRPr>
+          </a:p>
+          <a:p>
+            <a:pPr>
+              <a:buNone/>
+            </a:pPr>
+            <a:endParaRPr lang="pt-BR" sz="2000">
+              <a:cs typeface="Calibri"/>
+            </a:endParaRPr>
+          </a:p>
+          <a:p>
+            <a:pPr>
+              <a:buNone/>
+            </a:pPr>
+            <a:endParaRPr lang="pt-BR" sz="2000">
+              <a:cs typeface="Calibri"/>
+            </a:endParaRPr>
+          </a:p>
+          <a:p>
+            <a:pPr>
+              <a:buNone/>
+            </a:pPr>
+            <a:endParaRPr lang="pt-BR" sz="2000">
+              <a:cs typeface="Calibri"/>
+            </a:endParaRPr>
+          </a:p>
+          <a:p>
+            <a:pPr>
+              <a:buNone/>
+            </a:pPr>
+            <a:endParaRPr lang="pt-BR" sz="2000">
+              <a:ea typeface="+mn-lt"/>
+              <a:cs typeface="+mn-lt"/>
+            </a:endParaRPr>
+          </a:p>
+          <a:p>
+            <a:pPr>
+              <a:buNone/>
+            </a:pPr>
+            <a:endParaRPr lang="pt-BR" sz="2000">
+              <a:cs typeface="Calibri" panose="020F0502020204030204"/>
+            </a:endParaRPr>
+          </a:p>
+          <a:p>
+            <a:pPr marL="0" indent="0">
+              <a:buNone/>
+            </a:pPr>
+            <a:endParaRPr lang="pt-BR" sz="2000">
+              <a:cs typeface="Calibri" panose="020F0502020204030204"/>
+            </a:endParaRPr>
+          </a:p>
+          <a:p>
+            <a:endParaRPr lang="pt-BR" sz="2000">
+              <a:solidFill>
+                <a:srgbClr val="000000"/>
+              </a:solidFill>
+              <a:ea typeface="+mn-lt"/>
+              <a:cs typeface="+mn-lt"/>
+            </a:endParaRPr>
+          </a:p>
+        </p:txBody>
+      </p:sp>
+      <p:sp>
+        <p:nvSpPr>
+          <p:cNvPr id="41" name="Rectangle 40">
+            <a:extLst>
+              <a:ext uri="{FF2B5EF4-FFF2-40B4-BE49-F238E27FC236}">
+                <a16:creationId xmlns:a16="http://schemas.microsoft.com/office/drawing/2014/main" id="{2E80C965-DB6D-4F81-9E9E-B027384D0BD6}"/>
+              </a:ext>
+              <a:ext uri="{C183D7F6-B498-43B3-948B-1728B52AA6E4}">
+                <adec:decorative xmlns:adec="http://schemas.microsoft.com/office/drawing/2017/decorative" val="1"/>
+              </a:ext>
+            </a:extLst>
+          </p:cNvPr>
+          <p:cNvSpPr>
+            <a:spLocks noGrp="1" noRot="1" noChangeAspect="1" noMove="1" noResize="1" noEditPoints="1" noAdjustHandles="1" noChangeArrowheads="1" noChangeShapeType="1" noTextEdit="1"/>
+          </p:cNvSpPr>
+          <p:nvPr>
+            <p:extLst>
+              <p:ext uri="{386F3935-93C4-4BCD-93E2-E3B085C9AB24}">
+                <p16:designElem xmlns:p16="http://schemas.microsoft.com/office/powerpoint/2015/main" val="1"/>
+              </p:ext>
+            </p:extLst>
+          </p:nvPr>
+        </p:nvSpPr>
+        <p:spPr>
+          <a:xfrm rot="2700000">
+            <a:off x="11052629" y="2120024"/>
+            <a:ext cx="645368" cy="645368"/>
+          </a:xfrm>
+          <a:prstGeom prst="rect">
+            <a:avLst/>
+          </a:prstGeom>
+          <a:solidFill>
+            <a:schemeClr val="accent4">
+              <a:alpha val="30000"/>
+            </a:schemeClr>
+          </a:solidFill>
+          <a:ln>
+            <a:noFill/>
+          </a:ln>
+        </p:spPr>
+        <p:style>
+          <a:lnRef idx="2">
+            <a:schemeClr val="accent1">
+              <a:shade val="50000"/>
+            </a:schemeClr>
+          </a:lnRef>
+          <a:fillRef idx="1">
+            <a:schemeClr val="accent1"/>
+          </a:fillRef>
+          <a:effectRef idx="0">
+            <a:schemeClr val="accent1"/>
+          </a:effectRef>
+          <a:fontRef idx="minor">
+            <a:schemeClr val="lt1"/>
+          </a:fontRef>
+        </p:style>
+        <p:txBody>
+          <a:bodyPr rtlCol="0" anchor="ctr"/>
+          <a:lstStyle/>
+          <a:p>
+            <a:pPr algn="ctr"/>
+            <a:endParaRPr lang="en-US"/>
+          </a:p>
+        </p:txBody>
+      </p:sp>
+      <p:sp>
+        <p:nvSpPr>
+          <p:cNvPr id="43" name="Isosceles Triangle 42">
+            <a:extLst>
+              <a:ext uri="{FF2B5EF4-FFF2-40B4-BE49-F238E27FC236}">
+                <a16:creationId xmlns:a16="http://schemas.microsoft.com/office/drawing/2014/main" id="{A580F890-B085-4E95-96AA-55AEBEC5CE6E}"/>
+              </a:ext>
+              <a:ext uri="{C183D7F6-B498-43B3-948B-1728B52AA6E4}">
+                <adec:decorative xmlns:adec="http://schemas.microsoft.com/office/drawing/2017/decorative" val="1"/>
+              </a:ext>
+            </a:extLst>
+          </p:cNvPr>
+          <p:cNvSpPr>
+            <a:spLocks noGrp="1" noRot="1" noChangeAspect="1" noMove="1" noResize="1" noEditPoints="1" noAdjustHandles="1" noChangeArrowheads="1" noChangeShapeType="1" noTextEdit="1"/>
+          </p:cNvSpPr>
+          <p:nvPr>
+            <p:extLst>
+              <p:ext uri="{386F3935-93C4-4BCD-93E2-E3B085C9AB24}">
+                <p16:designElem xmlns:p16="http://schemas.microsoft.com/office/powerpoint/2015/main" val="1"/>
+              </p:ext>
+            </p:extLst>
+          </p:nvPr>
+        </p:nvSpPr>
+        <p:spPr>
+          <a:xfrm rot="16200000">
+            <a:off x="10289068" y="1343027"/>
+            <a:ext cx="2532832" cy="1273032"/>
+          </a:xfrm>
+          <a:prstGeom prst="triangle">
+            <a:avLst>
+              <a:gd name="adj" fmla="val 50000"/>
+            </a:avLst>
+          </a:prstGeom>
+          <a:solidFill>
+            <a:schemeClr val="accent4">
+              <a:alpha val="30000"/>
+            </a:schemeClr>
+          </a:solidFill>
+          <a:ln>
+            <a:noFill/>
+          </a:ln>
+        </p:spPr>
+        <p:style>
+          <a:lnRef idx="2">
+            <a:schemeClr val="accent1">
+              <a:shade val="50000"/>
+            </a:schemeClr>
+          </a:lnRef>
+          <a:fillRef idx="1">
+            <a:schemeClr val="accent1"/>
+          </a:fillRef>
+          <a:effectRef idx="0">
+            <a:schemeClr val="accent1"/>
+          </a:effectRef>
+          <a:fontRef idx="minor">
+            <a:schemeClr val="lt1"/>
+          </a:fontRef>
+        </p:style>
+        <p:txBody>
+          <a:bodyPr rtlCol="0" anchor="ctr"/>
+          <a:lstStyle/>
+          <a:p>
+            <a:pPr algn="ctr"/>
+            <a:endParaRPr lang="en-US"/>
+          </a:p>
+        </p:txBody>
+      </p:sp>
+      <p:sp>
+        <p:nvSpPr>
+          <p:cNvPr id="45" name="Isosceles Triangle 44">
+            <a:extLst>
+              <a:ext uri="{FF2B5EF4-FFF2-40B4-BE49-F238E27FC236}">
+                <a16:creationId xmlns:a16="http://schemas.microsoft.com/office/drawing/2014/main" id="{D3F51FEB-38FB-4F6C-9F7B-2F2AFAB65463}"/>
+              </a:ext>
+              <a:ext uri="{C183D7F6-B498-43B3-948B-1728B52AA6E4}">
+                <adec:decorative xmlns:adec="http://schemas.microsoft.com/office/drawing/2017/decorative" val="1"/>
+              </a:ext>
+            </a:extLst>
+          </p:cNvPr>
+          <p:cNvSpPr>
+            <a:spLocks noGrp="1" noRot="1" noChangeAspect="1" noMove="1" noResize="1" noEditPoints="1" noAdjustHandles="1" noChangeArrowheads="1" noChangeShapeType="1" noTextEdit="1"/>
+          </p:cNvSpPr>
+          <p:nvPr>
+            <p:extLst>
+              <p:ext uri="{386F3935-93C4-4BCD-93E2-E3B085C9AB24}">
+                <p16:designElem xmlns:p16="http://schemas.microsoft.com/office/powerpoint/2015/main" val="1"/>
+              </p:ext>
+            </p:extLst>
+          </p:nvPr>
+        </p:nvSpPr>
+        <p:spPr>
+          <a:xfrm rot="5400000">
+            <a:off x="-501760" y="5103257"/>
+            <a:ext cx="2017580" cy="1014060"/>
+          </a:xfrm>
+          <a:prstGeom prst="triangle">
+            <a:avLst>
+              <a:gd name="adj" fmla="val 50000"/>
+            </a:avLst>
+          </a:prstGeom>
+          <a:solidFill>
+            <a:schemeClr val="accent1">
+              <a:alpha val="30000"/>
+            </a:schemeClr>
+          </a:solidFill>
+          <a:ln>
+            <a:noFill/>
+          </a:ln>
+        </p:spPr>
+        <p:style>
+          <a:lnRef idx="2">
+            <a:schemeClr val="accent1">
+              <a:shade val="50000"/>
+            </a:schemeClr>
+          </a:lnRef>
+          <a:fillRef idx="1">
+            <a:schemeClr val="accent1"/>
+          </a:fillRef>
+          <a:effectRef idx="0">
+            <a:schemeClr val="accent1"/>
+          </a:effectRef>
+          <a:fontRef idx="minor">
+            <a:schemeClr val="lt1"/>
+          </a:fontRef>
+        </p:style>
+        <p:txBody>
+          <a:bodyPr wrap="square" rtlCol="0" anchor="ctr">
+            <a:noAutofit/>
+          </a:bodyPr>
+          <a:lstStyle/>
+          <a:p>
+            <a:pPr algn="ctr"/>
+            <a:endParaRPr lang="en-US"/>
+          </a:p>
+        </p:txBody>
+      </p:sp>
+      <p:sp>
+        <p:nvSpPr>
+          <p:cNvPr id="47" name="Rectangle 46">
+            <a:extLst>
+              <a:ext uri="{FF2B5EF4-FFF2-40B4-BE49-F238E27FC236}">
+                <a16:creationId xmlns:a16="http://schemas.microsoft.com/office/drawing/2014/main" id="{1E547BA6-BAE0-43BB-A7CA-60F69CE252F0}"/>
+              </a:ext>
+              <a:ext uri="{C183D7F6-B498-43B3-948B-1728B52AA6E4}">
+                <adec:decorative xmlns:adec="http://schemas.microsoft.com/office/drawing/2017/decorative" val="1"/>
+              </a:ext>
+            </a:extLst>
+          </p:cNvPr>
+          <p:cNvSpPr>
+            <a:spLocks noGrp="1" noRot="1" noChangeAspect="1" noMove="1" noResize="1" noEditPoints="1" noAdjustHandles="1" noChangeArrowheads="1" noChangeShapeType="1" noTextEdit="1"/>
+          </p:cNvSpPr>
+          <p:nvPr>
+            <p:extLst>
+              <p:ext uri="{386F3935-93C4-4BCD-93E2-E3B085C9AB24}">
+                <p16:designElem xmlns:p16="http://schemas.microsoft.com/office/powerpoint/2015/main" val="1"/>
+              </p:ext>
+            </p:extLst>
+          </p:nvPr>
+        </p:nvSpPr>
+        <p:spPr>
+          <a:xfrm rot="2700000">
+            <a:off x="427916" y="5728708"/>
+            <a:ext cx="485578" cy="485578"/>
+          </a:xfrm>
+          <a:prstGeom prst="rect">
+            <a:avLst/>
+          </a:prstGeom>
+          <a:solidFill>
+            <a:schemeClr val="accent1">
+              <a:alpha val="30000"/>
+            </a:schemeClr>
+          </a:solidFill>
+          <a:ln>
+            <a:noFill/>
+          </a:ln>
+        </p:spPr>
+        <p:style>
+          <a:lnRef idx="2">
+            <a:schemeClr val="accent1">
+              <a:shade val="50000"/>
+            </a:schemeClr>
+          </a:lnRef>
+          <a:fillRef idx="1">
+            <a:schemeClr val="accent1"/>
+          </a:fillRef>
+          <a:effectRef idx="0">
+            <a:schemeClr val="accent1"/>
+          </a:effectRef>
+          <a:fontRef idx="minor">
+            <a:schemeClr val="lt1"/>
+          </a:fontRef>
+        </p:style>
+        <p:txBody>
+          <a:bodyPr wrap="square" rtlCol="0" anchor="ctr">
+            <a:noAutofit/>
+          </a:bodyPr>
+          <a:lstStyle/>
+          <a:p>
+            <a:pPr algn="ctr"/>
+            <a:endParaRPr lang="en-US"/>
+          </a:p>
+        </p:txBody>
+      </p:sp>
+    </p:spTree>
+    <p:extLst>
+      <p:ext uri="{BB962C8B-B14F-4D97-AF65-F5344CB8AC3E}">
+        <p14:creationId xmlns:p14="http://schemas.microsoft.com/office/powerpoint/2010/main" val="1867382942"/>
+      </p:ext>
+    </p:extLst>
+  </p:cSld>
+  <p:clrMapOvr>
+    <a:masterClrMapping/>
+  </p:clrMapOvr>
+</p:sld>
+</file>
+
+<file path=ppt/slides/slide17.xml><?xml version="1.0" encoding="utf-8"?>
+<p:sld xmlns:a="http://schemas.openxmlformats.org/drawingml/2006/main" xmlns:r="http://schemas.openxmlformats.org/officeDocument/2006/relationships" xmlns:p="http://schemas.openxmlformats.org/presentationml/2006/main">
+  <p:cSld>
+    <p:bg>
+      <p:bgPr>
+        <a:solidFill>
+          <a:schemeClr val="bg1"/>
+        </a:solidFill>
+        <a:effectLst/>
+      </p:bgPr>
+    </p:bg>
+    <p:spTree>
+      <p:nvGrpSpPr>
+        <p:cNvPr id="1" name=""/>
+        <p:cNvGrpSpPr/>
+        <p:nvPr/>
+      </p:nvGrpSpPr>
+      <p:grpSpPr>
+        <a:xfrm>
+          <a:off x="0" y="0"/>
+          <a:ext cx="0" cy="0"/>
+          <a:chOff x="0" y="0"/>
+          <a:chExt cx="0" cy="0"/>
+        </a:xfrm>
+      </p:grpSpPr>
+      <p:sp>
+        <p:nvSpPr>
+          <p:cNvPr id="39" name="Rectangle 38">
+            <a:extLst>
+              <a:ext uri="{FF2B5EF4-FFF2-40B4-BE49-F238E27FC236}">
+                <a16:creationId xmlns:a16="http://schemas.microsoft.com/office/drawing/2014/main" id="{2B566528-1B12-4246-9431-5C2D7D081168}"/>
+              </a:ext>
+              <a:ext uri="{C183D7F6-B498-43B3-948B-1728B52AA6E4}">
+                <adec:decorative xmlns:adec="http://schemas.microsoft.com/office/drawing/2017/decorative" val="1"/>
+              </a:ext>
+            </a:extLst>
+          </p:cNvPr>
+          <p:cNvSpPr>
+            <a:spLocks noGrp="1" noRot="1" noChangeAspect="1" noMove="1" noResize="1" noEditPoints="1" noAdjustHandles="1" noChangeArrowheads="1" noChangeShapeType="1" noTextEdit="1"/>
+          </p:cNvSpPr>
+          <p:nvPr>
+            <p:extLst>
+              <p:ext uri="{386F3935-93C4-4BCD-93E2-E3B085C9AB24}">
+                <p16:designElem xmlns:p16="http://schemas.microsoft.com/office/powerpoint/2015/main" val="1"/>
+              </p:ext>
+            </p:extLst>
+          </p:nvPr>
+        </p:nvSpPr>
+        <p:spPr>
+          <a:xfrm>
+            <a:off x="0" y="0"/>
+            <a:ext cx="12192000" cy="6858000"/>
+          </a:xfrm>
+          <a:prstGeom prst="rect">
+            <a:avLst/>
+          </a:prstGeom>
+          <a:solidFill>
+            <a:schemeClr val="bg1"/>
+          </a:solidFill>
+          <a:ln>
+            <a:noFill/>
+          </a:ln>
+        </p:spPr>
+        <p:style>
+          <a:lnRef idx="2">
+            <a:schemeClr val="accent1">
+              <a:shade val="50000"/>
+            </a:schemeClr>
+          </a:lnRef>
+          <a:fillRef idx="1">
+            <a:schemeClr val="accent1"/>
+          </a:fillRef>
+          <a:effectRef idx="0">
+            <a:schemeClr val="accent1"/>
+          </a:effectRef>
+          <a:fontRef idx="minor">
+            <a:schemeClr val="lt1"/>
+          </a:fontRef>
+        </p:style>
+        <p:txBody>
+          <a:bodyPr rtlCol="0" anchor="ctr"/>
+          <a:lstStyle/>
+          <a:p>
+            <a:pPr algn="ctr"/>
+            <a:endParaRPr lang="en-US"/>
+          </a:p>
+        </p:txBody>
+      </p:sp>
+      <p:sp>
+        <p:nvSpPr>
+          <p:cNvPr id="2" name="Título 1">
+            <a:extLst>
+              <a:ext uri="{FF2B5EF4-FFF2-40B4-BE49-F238E27FC236}">
+                <a16:creationId xmlns:a16="http://schemas.microsoft.com/office/drawing/2014/main" id="{46991FFA-5E35-051D-3B8C-8962250E1C9A}"/>
+              </a:ext>
+            </a:extLst>
+          </p:cNvPr>
+          <p:cNvSpPr>
+            <a:spLocks noGrp="1"/>
+          </p:cNvSpPr>
+          <p:nvPr>
+            <p:ph type="title"/>
+          </p:nvPr>
+        </p:nvSpPr>
+        <p:spPr>
+          <a:xfrm>
+            <a:off x="643467" y="321734"/>
+            <a:ext cx="10905066" cy="1135737"/>
+          </a:xfrm>
+        </p:spPr>
+        <p:txBody>
+          <a:bodyPr>
+            <a:normAutofit/>
+          </a:bodyPr>
+          <a:lstStyle/>
+          <a:p>
+            <a:r>
+              <a:rPr lang="pt-BR" sz="3600" b="1" dirty="0">
+                <a:ea typeface="+mj-lt"/>
+                <a:cs typeface="+mj-lt"/>
+              </a:rPr>
+              <a:t>Ferramentas e técnicas</a:t>
+            </a:r>
+            <a:endParaRPr lang="pt-BR" dirty="0"/>
+          </a:p>
+        </p:txBody>
+      </p:sp>
+      <p:sp>
+        <p:nvSpPr>
+          <p:cNvPr id="3" name="Espaço Reservado para Conteúdo 2">
+            <a:extLst>
+              <a:ext uri="{FF2B5EF4-FFF2-40B4-BE49-F238E27FC236}">
+                <a16:creationId xmlns:a16="http://schemas.microsoft.com/office/drawing/2014/main" id="{1F560DD4-1938-249D-D353-6A108002A6DE}"/>
+              </a:ext>
+            </a:extLst>
+          </p:cNvPr>
+          <p:cNvSpPr>
+            <a:spLocks noGrp="1"/>
+          </p:cNvSpPr>
+          <p:nvPr>
+            <p:ph idx="1"/>
+          </p:nvPr>
+        </p:nvSpPr>
+        <p:spPr>
+          <a:xfrm>
+            <a:off x="643467" y="1782981"/>
+            <a:ext cx="10905066" cy="4393982"/>
+          </a:xfrm>
+        </p:spPr>
+        <p:txBody>
+          <a:bodyPr vert="horz" lIns="91440" tIns="45720" rIns="91440" bIns="45720" rtlCol="0" anchor="t">
+            <a:normAutofit/>
+          </a:bodyPr>
+          <a:lstStyle/>
+          <a:p>
+            <a:pPr>
+              <a:buNone/>
+            </a:pPr>
+            <a:r>
+              <a:rPr lang="pt-BR" sz="2000" b="1" dirty="0">
+                <a:ea typeface="+mn-lt"/>
+                <a:cs typeface="+mn-lt"/>
+              </a:rPr>
+              <a:t>.1 Opinião especializada</a:t>
+            </a:r>
+            <a:endParaRPr lang="pt-BR" b="1" dirty="0"/>
+          </a:p>
+          <a:p>
+            <a:pPr>
+              <a:buNone/>
+            </a:pPr>
+            <a:r>
+              <a:rPr lang="pt-BR" sz="2000" dirty="0">
+                <a:ea typeface="+mn-lt"/>
+                <a:cs typeface="+mn-lt"/>
+              </a:rPr>
+              <a:t>Usada para avaliar as entradas necessárias para desenvolver o termo de abertura do projeto. São aplicadas a qualquer detalhe técnico e de gerenciamento durante esse processo.</a:t>
+            </a:r>
+            <a:endParaRPr lang="pt-BR" dirty="0">
+              <a:ea typeface="+mn-lt"/>
+              <a:cs typeface="+mn-lt"/>
+            </a:endParaRPr>
+          </a:p>
+          <a:p>
+            <a:pPr>
+              <a:buNone/>
+            </a:pPr>
+            <a:r>
+              <a:rPr lang="pt-BR" sz="2000" dirty="0">
+                <a:ea typeface="+mn-lt"/>
+                <a:cs typeface="+mn-lt"/>
+              </a:rPr>
+              <a:t>Essa especialização pode ser oferecida por qualquer grupo ou pessoa com conhecimento ou treinamento especializado, disponível em outras unidades dentro da organização, consultores, partes interessadas (como clientes ou patrocinadores), associações profissionais e técnicas...</a:t>
+            </a:r>
+            <a:endParaRPr lang="pt-BR" dirty="0"/>
+          </a:p>
+          <a:p>
+            <a:pPr>
+              <a:buNone/>
+            </a:pPr>
+            <a:endParaRPr lang="pt-BR" sz="2000" b="1" dirty="0">
+              <a:cs typeface="Calibri"/>
+            </a:endParaRPr>
+          </a:p>
+          <a:p>
+            <a:pPr>
+              <a:buNone/>
+            </a:pPr>
+            <a:endParaRPr lang="pt-BR" sz="2000" b="1" dirty="0">
+              <a:cs typeface="Calibri"/>
+            </a:endParaRPr>
+          </a:p>
+          <a:p>
+            <a:pPr>
+              <a:buNone/>
+            </a:pPr>
+            <a:endParaRPr lang="pt-BR" sz="2000" dirty="0">
+              <a:cs typeface="Calibri"/>
+            </a:endParaRPr>
+          </a:p>
+          <a:p>
+            <a:pPr>
+              <a:buNone/>
+            </a:pPr>
+            <a:endParaRPr lang="pt-BR" sz="2000" dirty="0">
+              <a:cs typeface="Calibri"/>
+            </a:endParaRPr>
+          </a:p>
+          <a:p>
+            <a:pPr>
+              <a:buNone/>
+            </a:pPr>
+            <a:endParaRPr lang="pt-BR" sz="2000" dirty="0">
+              <a:cs typeface="Calibri"/>
+            </a:endParaRPr>
+          </a:p>
+          <a:p>
+            <a:pPr>
+              <a:buNone/>
+            </a:pPr>
+            <a:endParaRPr lang="pt-BR" sz="2000" dirty="0">
+              <a:cs typeface="Calibri"/>
+            </a:endParaRPr>
+          </a:p>
+          <a:p>
+            <a:pPr>
+              <a:buNone/>
+            </a:pPr>
+            <a:endParaRPr lang="pt-BR" sz="2000" dirty="0">
+              <a:cs typeface="Calibri"/>
+            </a:endParaRPr>
+          </a:p>
+          <a:p>
+            <a:pPr>
+              <a:buNone/>
+            </a:pPr>
+            <a:endParaRPr lang="pt-BR" sz="2000">
+              <a:cs typeface="Calibri"/>
+            </a:endParaRPr>
+          </a:p>
+          <a:p>
+            <a:pPr>
+              <a:buNone/>
+            </a:pPr>
+            <a:endParaRPr lang="pt-BR" sz="2000">
+              <a:cs typeface="Calibri"/>
+            </a:endParaRPr>
+          </a:p>
+          <a:p>
+            <a:pPr>
+              <a:buNone/>
+            </a:pPr>
+            <a:endParaRPr lang="pt-BR" sz="2000">
+              <a:cs typeface="Calibri"/>
+            </a:endParaRPr>
+          </a:p>
+          <a:p>
+            <a:pPr>
+              <a:buNone/>
+            </a:pPr>
+            <a:endParaRPr lang="pt-BR" sz="2000">
+              <a:ea typeface="+mn-lt"/>
+              <a:cs typeface="+mn-lt"/>
+            </a:endParaRPr>
+          </a:p>
+          <a:p>
+            <a:pPr>
+              <a:buNone/>
+            </a:pPr>
+            <a:endParaRPr lang="pt-BR" sz="2000">
+              <a:cs typeface="Calibri" panose="020F0502020204030204"/>
+            </a:endParaRPr>
+          </a:p>
+          <a:p>
+            <a:pPr marL="0" indent="0">
+              <a:buNone/>
+            </a:pPr>
+            <a:endParaRPr lang="pt-BR" sz="2000">
+              <a:cs typeface="Calibri" panose="020F0502020204030204"/>
+            </a:endParaRPr>
+          </a:p>
+          <a:p>
+            <a:endParaRPr lang="pt-BR" sz="2000">
+              <a:solidFill>
+                <a:srgbClr val="000000"/>
+              </a:solidFill>
+              <a:ea typeface="+mn-lt"/>
+              <a:cs typeface="+mn-lt"/>
+            </a:endParaRPr>
+          </a:p>
+        </p:txBody>
+      </p:sp>
+      <p:sp>
+        <p:nvSpPr>
+          <p:cNvPr id="41" name="Rectangle 40">
+            <a:extLst>
+              <a:ext uri="{FF2B5EF4-FFF2-40B4-BE49-F238E27FC236}">
+                <a16:creationId xmlns:a16="http://schemas.microsoft.com/office/drawing/2014/main" id="{2E80C965-DB6D-4F81-9E9E-B027384D0BD6}"/>
+              </a:ext>
+              <a:ext uri="{C183D7F6-B498-43B3-948B-1728B52AA6E4}">
+                <adec:decorative xmlns:adec="http://schemas.microsoft.com/office/drawing/2017/decorative" val="1"/>
+              </a:ext>
+            </a:extLst>
+          </p:cNvPr>
+          <p:cNvSpPr>
+            <a:spLocks noGrp="1" noRot="1" noChangeAspect="1" noMove="1" noResize="1" noEditPoints="1" noAdjustHandles="1" noChangeArrowheads="1" noChangeShapeType="1" noTextEdit="1"/>
+          </p:cNvSpPr>
+          <p:nvPr>
+            <p:extLst>
+              <p:ext uri="{386F3935-93C4-4BCD-93E2-E3B085C9AB24}">
+                <p16:designElem xmlns:p16="http://schemas.microsoft.com/office/powerpoint/2015/main" val="1"/>
+              </p:ext>
+            </p:extLst>
+          </p:nvPr>
+        </p:nvSpPr>
+        <p:spPr>
+          <a:xfrm rot="2700000">
+            <a:off x="11052629" y="2120024"/>
+            <a:ext cx="645368" cy="645368"/>
+          </a:xfrm>
+          <a:prstGeom prst="rect">
+            <a:avLst/>
+          </a:prstGeom>
+          <a:solidFill>
+            <a:schemeClr val="accent4">
+              <a:alpha val="30000"/>
+            </a:schemeClr>
+          </a:solidFill>
+          <a:ln>
+            <a:noFill/>
+          </a:ln>
+        </p:spPr>
+        <p:style>
+          <a:lnRef idx="2">
+            <a:schemeClr val="accent1">
+              <a:shade val="50000"/>
+            </a:schemeClr>
+          </a:lnRef>
+          <a:fillRef idx="1">
+            <a:schemeClr val="accent1"/>
+          </a:fillRef>
+          <a:effectRef idx="0">
+            <a:schemeClr val="accent1"/>
+          </a:effectRef>
+          <a:fontRef idx="minor">
+            <a:schemeClr val="lt1"/>
+          </a:fontRef>
+        </p:style>
+        <p:txBody>
+          <a:bodyPr rtlCol="0" anchor="ctr"/>
+          <a:lstStyle/>
+          <a:p>
+            <a:pPr algn="ctr"/>
+            <a:endParaRPr lang="en-US"/>
+          </a:p>
+        </p:txBody>
+      </p:sp>
+      <p:sp>
+        <p:nvSpPr>
+          <p:cNvPr id="43" name="Isosceles Triangle 42">
+            <a:extLst>
+              <a:ext uri="{FF2B5EF4-FFF2-40B4-BE49-F238E27FC236}">
+                <a16:creationId xmlns:a16="http://schemas.microsoft.com/office/drawing/2014/main" id="{A580F890-B085-4E95-96AA-55AEBEC5CE6E}"/>
+              </a:ext>
+              <a:ext uri="{C183D7F6-B498-43B3-948B-1728B52AA6E4}">
+                <adec:decorative xmlns:adec="http://schemas.microsoft.com/office/drawing/2017/decorative" val="1"/>
+              </a:ext>
+            </a:extLst>
+          </p:cNvPr>
+          <p:cNvSpPr>
+            <a:spLocks noGrp="1" noRot="1" noChangeAspect="1" noMove="1" noResize="1" noEditPoints="1" noAdjustHandles="1" noChangeArrowheads="1" noChangeShapeType="1" noTextEdit="1"/>
+          </p:cNvSpPr>
+          <p:nvPr>
+            <p:extLst>
+              <p:ext uri="{386F3935-93C4-4BCD-93E2-E3B085C9AB24}">
+                <p16:designElem xmlns:p16="http://schemas.microsoft.com/office/powerpoint/2015/main" val="1"/>
+              </p:ext>
+            </p:extLst>
+          </p:nvPr>
+        </p:nvSpPr>
+        <p:spPr>
+          <a:xfrm rot="16200000">
+            <a:off x="10289068" y="1343027"/>
+            <a:ext cx="2532832" cy="1273032"/>
+          </a:xfrm>
+          <a:prstGeom prst="triangle">
+            <a:avLst>
+              <a:gd name="adj" fmla="val 50000"/>
+            </a:avLst>
+          </a:prstGeom>
+          <a:solidFill>
+            <a:schemeClr val="accent4">
+              <a:alpha val="30000"/>
+            </a:schemeClr>
+          </a:solidFill>
+          <a:ln>
+            <a:noFill/>
+          </a:ln>
+        </p:spPr>
+        <p:style>
+          <a:lnRef idx="2">
+            <a:schemeClr val="accent1">
+              <a:shade val="50000"/>
+            </a:schemeClr>
+          </a:lnRef>
+          <a:fillRef idx="1">
+            <a:schemeClr val="accent1"/>
+          </a:fillRef>
+          <a:effectRef idx="0">
+            <a:schemeClr val="accent1"/>
+          </a:effectRef>
+          <a:fontRef idx="minor">
+            <a:schemeClr val="lt1"/>
+          </a:fontRef>
+        </p:style>
+        <p:txBody>
+          <a:bodyPr rtlCol="0" anchor="ctr"/>
+          <a:lstStyle/>
+          <a:p>
+            <a:pPr algn="ctr"/>
+            <a:endParaRPr lang="en-US"/>
+          </a:p>
+        </p:txBody>
+      </p:sp>
+      <p:sp>
+        <p:nvSpPr>
+          <p:cNvPr id="45" name="Isosceles Triangle 44">
+            <a:extLst>
+              <a:ext uri="{FF2B5EF4-FFF2-40B4-BE49-F238E27FC236}">
+                <a16:creationId xmlns:a16="http://schemas.microsoft.com/office/drawing/2014/main" id="{D3F51FEB-38FB-4F6C-9F7B-2F2AFAB65463}"/>
+              </a:ext>
+              <a:ext uri="{C183D7F6-B498-43B3-948B-1728B52AA6E4}">
+                <adec:decorative xmlns:adec="http://schemas.microsoft.com/office/drawing/2017/decorative" val="1"/>
+              </a:ext>
+            </a:extLst>
+          </p:cNvPr>
+          <p:cNvSpPr>
+            <a:spLocks noGrp="1" noRot="1" noChangeAspect="1" noMove="1" noResize="1" noEditPoints="1" noAdjustHandles="1" noChangeArrowheads="1" noChangeShapeType="1" noTextEdit="1"/>
+          </p:cNvSpPr>
+          <p:nvPr>
+            <p:extLst>
+              <p:ext uri="{386F3935-93C4-4BCD-93E2-E3B085C9AB24}">
+                <p16:designElem xmlns:p16="http://schemas.microsoft.com/office/powerpoint/2015/main" val="1"/>
+              </p:ext>
+            </p:extLst>
+          </p:nvPr>
+        </p:nvSpPr>
+        <p:spPr>
+          <a:xfrm rot="5400000">
+            <a:off x="-501760" y="5103257"/>
+            <a:ext cx="2017580" cy="1014060"/>
+          </a:xfrm>
+          <a:prstGeom prst="triangle">
+            <a:avLst>
+              <a:gd name="adj" fmla="val 50000"/>
+            </a:avLst>
+          </a:prstGeom>
+          <a:solidFill>
+            <a:schemeClr val="accent1">
+              <a:alpha val="30000"/>
+            </a:schemeClr>
+          </a:solidFill>
+          <a:ln>
+            <a:noFill/>
+          </a:ln>
+        </p:spPr>
+        <p:style>
+          <a:lnRef idx="2">
+            <a:schemeClr val="accent1">
+              <a:shade val="50000"/>
+            </a:schemeClr>
+          </a:lnRef>
+          <a:fillRef idx="1">
+            <a:schemeClr val="accent1"/>
+          </a:fillRef>
+          <a:effectRef idx="0">
+            <a:schemeClr val="accent1"/>
+          </a:effectRef>
+          <a:fontRef idx="minor">
+            <a:schemeClr val="lt1"/>
+          </a:fontRef>
+        </p:style>
+        <p:txBody>
+          <a:bodyPr wrap="square" rtlCol="0" anchor="ctr">
+            <a:noAutofit/>
+          </a:bodyPr>
+          <a:lstStyle/>
+          <a:p>
+            <a:pPr algn="ctr"/>
+            <a:endParaRPr lang="en-US"/>
+          </a:p>
+        </p:txBody>
+      </p:sp>
+      <p:sp>
+        <p:nvSpPr>
+          <p:cNvPr id="47" name="Rectangle 46">
+            <a:extLst>
+              <a:ext uri="{FF2B5EF4-FFF2-40B4-BE49-F238E27FC236}">
+                <a16:creationId xmlns:a16="http://schemas.microsoft.com/office/drawing/2014/main" id="{1E547BA6-BAE0-43BB-A7CA-60F69CE252F0}"/>
+              </a:ext>
+              <a:ext uri="{C183D7F6-B498-43B3-948B-1728B52AA6E4}">
+                <adec:decorative xmlns:adec="http://schemas.microsoft.com/office/drawing/2017/decorative" val="1"/>
+              </a:ext>
+            </a:extLst>
+          </p:cNvPr>
+          <p:cNvSpPr>
+            <a:spLocks noGrp="1" noRot="1" noChangeAspect="1" noMove="1" noResize="1" noEditPoints="1" noAdjustHandles="1" noChangeArrowheads="1" noChangeShapeType="1" noTextEdit="1"/>
+          </p:cNvSpPr>
+          <p:nvPr>
+            <p:extLst>
+              <p:ext uri="{386F3935-93C4-4BCD-93E2-E3B085C9AB24}">
+                <p16:designElem xmlns:p16="http://schemas.microsoft.com/office/powerpoint/2015/main" val="1"/>
+              </p:ext>
+            </p:extLst>
+          </p:nvPr>
+        </p:nvSpPr>
+        <p:spPr>
+          <a:xfrm rot="2700000">
+            <a:off x="427916" y="5728708"/>
+            <a:ext cx="485578" cy="485578"/>
+          </a:xfrm>
+          <a:prstGeom prst="rect">
+            <a:avLst/>
+          </a:prstGeom>
+          <a:solidFill>
+            <a:schemeClr val="accent1">
+              <a:alpha val="30000"/>
+            </a:schemeClr>
+          </a:solidFill>
+          <a:ln>
+            <a:noFill/>
+          </a:ln>
+        </p:spPr>
+        <p:style>
+          <a:lnRef idx="2">
+            <a:schemeClr val="accent1">
+              <a:shade val="50000"/>
+            </a:schemeClr>
+          </a:lnRef>
+          <a:fillRef idx="1">
+            <a:schemeClr val="accent1"/>
+          </a:fillRef>
+          <a:effectRef idx="0">
+            <a:schemeClr val="accent1"/>
+          </a:effectRef>
+          <a:fontRef idx="minor">
+            <a:schemeClr val="lt1"/>
+          </a:fontRef>
+        </p:style>
+        <p:txBody>
+          <a:bodyPr wrap="square" rtlCol="0" anchor="ctr">
+            <a:noAutofit/>
+          </a:bodyPr>
+          <a:lstStyle/>
+          <a:p>
+            <a:pPr algn="ctr"/>
+            <a:endParaRPr lang="en-US"/>
+          </a:p>
+        </p:txBody>
+      </p:sp>
+    </p:spTree>
+    <p:extLst>
+      <p:ext uri="{BB962C8B-B14F-4D97-AF65-F5344CB8AC3E}">
+        <p14:creationId xmlns:p14="http://schemas.microsoft.com/office/powerpoint/2010/main" val="434101809"/>
+      </p:ext>
+    </p:extLst>
+  </p:cSld>
+  <p:clrMapOvr>
+    <a:masterClrMapping/>
+  </p:clrMapOvr>
+</p:sld>
+</file>
+
+<file path=ppt/slides/slide18.xml><?xml version="1.0" encoding="utf-8"?>
+<p:sld xmlns:a="http://schemas.openxmlformats.org/drawingml/2006/main" xmlns:r="http://schemas.openxmlformats.org/officeDocument/2006/relationships" xmlns:p="http://schemas.openxmlformats.org/presentationml/2006/main">
+  <p:cSld>
+    <p:bg>
+      <p:bgPr>
+        <a:solidFill>
+          <a:schemeClr val="bg1"/>
+        </a:solidFill>
+        <a:effectLst/>
+      </p:bgPr>
+    </p:bg>
+    <p:spTree>
+      <p:nvGrpSpPr>
+        <p:cNvPr id="1" name=""/>
+        <p:cNvGrpSpPr/>
+        <p:nvPr/>
+      </p:nvGrpSpPr>
+      <p:grpSpPr>
+        <a:xfrm>
+          <a:off x="0" y="0"/>
+          <a:ext cx="0" cy="0"/>
+          <a:chOff x="0" y="0"/>
+          <a:chExt cx="0" cy="0"/>
+        </a:xfrm>
+      </p:grpSpPr>
+      <p:sp>
+        <p:nvSpPr>
+          <p:cNvPr id="39" name="Rectangle 38">
+            <a:extLst>
+              <a:ext uri="{FF2B5EF4-FFF2-40B4-BE49-F238E27FC236}">
+                <a16:creationId xmlns:a16="http://schemas.microsoft.com/office/drawing/2014/main" id="{2B566528-1B12-4246-9431-5C2D7D081168}"/>
+              </a:ext>
+              <a:ext uri="{C183D7F6-B498-43B3-948B-1728B52AA6E4}">
+                <adec:decorative xmlns:adec="http://schemas.microsoft.com/office/drawing/2017/decorative" val="1"/>
+              </a:ext>
+            </a:extLst>
+          </p:cNvPr>
+          <p:cNvSpPr>
+            <a:spLocks noGrp="1" noRot="1" noChangeAspect="1" noMove="1" noResize="1" noEditPoints="1" noAdjustHandles="1" noChangeArrowheads="1" noChangeShapeType="1" noTextEdit="1"/>
+          </p:cNvSpPr>
+          <p:nvPr>
+            <p:extLst>
+              <p:ext uri="{386F3935-93C4-4BCD-93E2-E3B085C9AB24}">
+                <p16:designElem xmlns:p16="http://schemas.microsoft.com/office/powerpoint/2015/main" val="1"/>
+              </p:ext>
+            </p:extLst>
+          </p:nvPr>
+        </p:nvSpPr>
+        <p:spPr>
+          <a:xfrm>
+            <a:off x="0" y="0"/>
+            <a:ext cx="12192000" cy="6858000"/>
+          </a:xfrm>
+          <a:prstGeom prst="rect">
+            <a:avLst/>
+          </a:prstGeom>
+          <a:solidFill>
+            <a:schemeClr val="bg1"/>
+          </a:solidFill>
+          <a:ln>
+            <a:noFill/>
+          </a:ln>
+        </p:spPr>
+        <p:style>
+          <a:lnRef idx="2">
+            <a:schemeClr val="accent1">
+              <a:shade val="50000"/>
+            </a:schemeClr>
+          </a:lnRef>
+          <a:fillRef idx="1">
+            <a:schemeClr val="accent1"/>
+          </a:fillRef>
+          <a:effectRef idx="0">
+            <a:schemeClr val="accent1"/>
+          </a:effectRef>
+          <a:fontRef idx="minor">
+            <a:schemeClr val="lt1"/>
+          </a:fontRef>
+        </p:style>
+        <p:txBody>
+          <a:bodyPr rtlCol="0" anchor="ctr"/>
+          <a:lstStyle/>
+          <a:p>
+            <a:pPr algn="ctr"/>
+            <a:endParaRPr lang="en-US"/>
+          </a:p>
+        </p:txBody>
+      </p:sp>
+      <p:sp>
+        <p:nvSpPr>
+          <p:cNvPr id="2" name="Título 1">
+            <a:extLst>
+              <a:ext uri="{FF2B5EF4-FFF2-40B4-BE49-F238E27FC236}">
+                <a16:creationId xmlns:a16="http://schemas.microsoft.com/office/drawing/2014/main" id="{46991FFA-5E35-051D-3B8C-8962250E1C9A}"/>
+              </a:ext>
+            </a:extLst>
+          </p:cNvPr>
+          <p:cNvSpPr>
+            <a:spLocks noGrp="1"/>
+          </p:cNvSpPr>
+          <p:nvPr>
+            <p:ph type="title"/>
+          </p:nvPr>
+        </p:nvSpPr>
+        <p:spPr>
+          <a:xfrm>
+            <a:off x="643467" y="321734"/>
+            <a:ext cx="10905066" cy="1135737"/>
+          </a:xfrm>
+        </p:spPr>
+        <p:txBody>
+          <a:bodyPr>
+            <a:normAutofit/>
+          </a:bodyPr>
+          <a:lstStyle/>
+          <a:p>
+            <a:r>
+              <a:rPr lang="pt-BR" sz="3600" b="1" dirty="0">
+                <a:ea typeface="+mj-lt"/>
+                <a:cs typeface="+mj-lt"/>
+              </a:rPr>
+              <a:t>Ferramentas e técnicas</a:t>
+            </a:r>
+            <a:endParaRPr lang="pt-BR" dirty="0"/>
+          </a:p>
+        </p:txBody>
+      </p:sp>
+      <p:sp>
+        <p:nvSpPr>
+          <p:cNvPr id="3" name="Espaço Reservado para Conteúdo 2">
+            <a:extLst>
+              <a:ext uri="{FF2B5EF4-FFF2-40B4-BE49-F238E27FC236}">
+                <a16:creationId xmlns:a16="http://schemas.microsoft.com/office/drawing/2014/main" id="{1F560DD4-1938-249D-D353-6A108002A6DE}"/>
+              </a:ext>
+            </a:extLst>
+          </p:cNvPr>
+          <p:cNvSpPr>
+            <a:spLocks noGrp="1"/>
+          </p:cNvSpPr>
+          <p:nvPr>
+            <p:ph idx="1"/>
+          </p:nvPr>
+        </p:nvSpPr>
+        <p:spPr>
+          <a:xfrm>
+            <a:off x="643467" y="1782981"/>
+            <a:ext cx="10905066" cy="4393982"/>
+          </a:xfrm>
+        </p:spPr>
+        <p:txBody>
+          <a:bodyPr vert="horz" lIns="91440" tIns="45720" rIns="91440" bIns="45720" rtlCol="0" anchor="t">
+            <a:normAutofit/>
+          </a:bodyPr>
+          <a:lstStyle/>
+          <a:p>
+            <a:pPr>
+              <a:buNone/>
+            </a:pPr>
+            <a:r>
+              <a:rPr lang="pt-BR" sz="2000" b="1" dirty="0">
+                <a:ea typeface="+mn-lt"/>
+                <a:cs typeface="+mn-lt"/>
+              </a:rPr>
+              <a:t>.2 Técnicas de facilitadores</a:t>
+            </a:r>
+            <a:endParaRPr lang="pt-BR" b="1" dirty="0"/>
+          </a:p>
+          <a:p>
+            <a:pPr>
+              <a:buNone/>
+            </a:pPr>
+            <a:r>
+              <a:rPr lang="pt-BR" sz="2000" dirty="0">
+                <a:ea typeface="+mn-lt"/>
+                <a:cs typeface="+mn-lt"/>
+              </a:rPr>
+              <a:t>Brainstorming, resolução de conflitos, design </a:t>
+            </a:r>
+            <a:r>
+              <a:rPr lang="pt-BR" sz="2000" dirty="0" err="1">
+                <a:ea typeface="+mn-lt"/>
+                <a:cs typeface="+mn-lt"/>
+              </a:rPr>
+              <a:t>thinking</a:t>
+            </a:r>
+            <a:r>
+              <a:rPr lang="pt-BR" sz="2000" dirty="0">
+                <a:ea typeface="+mn-lt"/>
+                <a:cs typeface="+mn-lt"/>
+              </a:rPr>
+              <a:t>, resolução de problemas e reuniões.</a:t>
+            </a:r>
+            <a:endParaRPr lang="pt-BR" dirty="0"/>
+          </a:p>
+          <a:p>
+            <a:pPr>
+              <a:buNone/>
+            </a:pPr>
+            <a:r>
+              <a:rPr lang="pt-BR" sz="2000" dirty="0">
+                <a:ea typeface="+mn-lt"/>
+                <a:cs typeface="+mn-lt"/>
+              </a:rPr>
+              <a:t>Medição de benefícios, modelos de pontuação, contribuição de benefícios ou modelos econômicos.</a:t>
+            </a:r>
+            <a:endParaRPr lang="pt-BR" dirty="0">
+              <a:ea typeface="+mn-lt"/>
+              <a:cs typeface="+mn-lt"/>
+            </a:endParaRPr>
+          </a:p>
+          <a:p>
+            <a:pPr>
+              <a:buNone/>
+            </a:pPr>
+            <a:r>
+              <a:rPr lang="pt-BR" sz="2000" dirty="0">
+                <a:ea typeface="+mn-lt"/>
+                <a:cs typeface="+mn-lt"/>
+              </a:rPr>
+              <a:t>Modelos matemáticos que usam algoritmos de programação linear, não-linear, dinâmica...</a:t>
+            </a:r>
+            <a:endParaRPr lang="pt-BR" dirty="0">
+              <a:ea typeface="+mn-lt"/>
+              <a:cs typeface="+mn-lt"/>
+            </a:endParaRPr>
+          </a:p>
+          <a:p>
+            <a:pPr>
+              <a:buNone/>
+            </a:pPr>
+            <a:r>
+              <a:rPr lang="pt-BR" sz="2000" dirty="0">
+                <a:ea typeface="+mn-lt"/>
+                <a:cs typeface="+mn-lt"/>
+              </a:rPr>
+              <a:t>Estatísticas</a:t>
+            </a:r>
+            <a:endParaRPr lang="pt-BR" dirty="0"/>
+          </a:p>
+          <a:p>
+            <a:pPr>
+              <a:buNone/>
+            </a:pPr>
+            <a:endParaRPr lang="pt-BR" sz="2000" b="1" dirty="0">
+              <a:cs typeface="Calibri"/>
+            </a:endParaRPr>
+          </a:p>
+          <a:p>
+            <a:pPr>
+              <a:buNone/>
+            </a:pPr>
+            <a:endParaRPr lang="pt-BR" sz="2000" b="1" dirty="0">
+              <a:cs typeface="Calibri"/>
+            </a:endParaRPr>
+          </a:p>
+          <a:p>
+            <a:pPr>
+              <a:buNone/>
+            </a:pPr>
+            <a:endParaRPr lang="pt-BR" sz="2000" b="1" dirty="0">
+              <a:cs typeface="Calibri"/>
+            </a:endParaRPr>
+          </a:p>
+          <a:p>
+            <a:pPr>
+              <a:buNone/>
+            </a:pPr>
+            <a:endParaRPr lang="pt-BR" sz="2000" dirty="0">
+              <a:cs typeface="Calibri"/>
+            </a:endParaRPr>
+          </a:p>
+          <a:p>
+            <a:pPr>
+              <a:buNone/>
+            </a:pPr>
+            <a:endParaRPr lang="pt-BR" sz="2000" dirty="0">
+              <a:cs typeface="Calibri"/>
+            </a:endParaRPr>
+          </a:p>
+          <a:p>
+            <a:pPr>
+              <a:buNone/>
+            </a:pPr>
+            <a:endParaRPr lang="pt-BR" sz="2000" dirty="0">
+              <a:cs typeface="Calibri"/>
+            </a:endParaRPr>
+          </a:p>
+          <a:p>
+            <a:pPr>
+              <a:buNone/>
+            </a:pPr>
+            <a:endParaRPr lang="pt-BR" sz="2000" dirty="0">
+              <a:cs typeface="Calibri"/>
+            </a:endParaRPr>
+          </a:p>
+          <a:p>
+            <a:pPr>
+              <a:buNone/>
+            </a:pPr>
+            <a:endParaRPr lang="pt-BR" sz="2000" dirty="0">
+              <a:cs typeface="Calibri"/>
+            </a:endParaRPr>
+          </a:p>
+          <a:p>
+            <a:pPr>
+              <a:buNone/>
+            </a:pPr>
+            <a:endParaRPr lang="pt-BR" sz="2000">
+              <a:cs typeface="Calibri"/>
+            </a:endParaRPr>
+          </a:p>
+          <a:p>
+            <a:pPr>
+              <a:buNone/>
+            </a:pPr>
+            <a:endParaRPr lang="pt-BR" sz="2000">
+              <a:cs typeface="Calibri"/>
+            </a:endParaRPr>
+          </a:p>
+          <a:p>
+            <a:pPr>
+              <a:buNone/>
+            </a:pPr>
+            <a:endParaRPr lang="pt-BR" sz="2000">
+              <a:cs typeface="Calibri"/>
+            </a:endParaRPr>
+          </a:p>
+          <a:p>
+            <a:pPr>
+              <a:buNone/>
+            </a:pPr>
+            <a:endParaRPr lang="pt-BR" sz="2000">
+              <a:ea typeface="+mn-lt"/>
+              <a:cs typeface="+mn-lt"/>
+            </a:endParaRPr>
+          </a:p>
+          <a:p>
+            <a:pPr>
+              <a:buNone/>
+            </a:pPr>
+            <a:endParaRPr lang="pt-BR" sz="2000">
+              <a:cs typeface="Calibri" panose="020F0502020204030204"/>
+            </a:endParaRPr>
+          </a:p>
+          <a:p>
+            <a:pPr marL="0" indent="0">
+              <a:buNone/>
+            </a:pPr>
+            <a:endParaRPr lang="pt-BR" sz="2000">
+              <a:cs typeface="Calibri" panose="020F0502020204030204"/>
+            </a:endParaRPr>
+          </a:p>
+          <a:p>
+            <a:endParaRPr lang="pt-BR" sz="2000">
+              <a:solidFill>
+                <a:srgbClr val="000000"/>
+              </a:solidFill>
+              <a:ea typeface="+mn-lt"/>
+              <a:cs typeface="+mn-lt"/>
+            </a:endParaRPr>
+          </a:p>
+        </p:txBody>
+      </p:sp>
+      <p:sp>
+        <p:nvSpPr>
+          <p:cNvPr id="41" name="Rectangle 40">
+            <a:extLst>
+              <a:ext uri="{FF2B5EF4-FFF2-40B4-BE49-F238E27FC236}">
+                <a16:creationId xmlns:a16="http://schemas.microsoft.com/office/drawing/2014/main" id="{2E80C965-DB6D-4F81-9E9E-B027384D0BD6}"/>
+              </a:ext>
+              <a:ext uri="{C183D7F6-B498-43B3-948B-1728B52AA6E4}">
+                <adec:decorative xmlns:adec="http://schemas.microsoft.com/office/drawing/2017/decorative" val="1"/>
+              </a:ext>
+            </a:extLst>
+          </p:cNvPr>
+          <p:cNvSpPr>
+            <a:spLocks noGrp="1" noRot="1" noChangeAspect="1" noMove="1" noResize="1" noEditPoints="1" noAdjustHandles="1" noChangeArrowheads="1" noChangeShapeType="1" noTextEdit="1"/>
+          </p:cNvSpPr>
+          <p:nvPr>
+            <p:extLst>
+              <p:ext uri="{386F3935-93C4-4BCD-93E2-E3B085C9AB24}">
+                <p16:designElem xmlns:p16="http://schemas.microsoft.com/office/powerpoint/2015/main" val="1"/>
+              </p:ext>
+            </p:extLst>
+          </p:nvPr>
+        </p:nvSpPr>
+        <p:spPr>
+          <a:xfrm rot="2700000">
+            <a:off x="11052629" y="2120024"/>
+            <a:ext cx="645368" cy="645368"/>
+          </a:xfrm>
+          <a:prstGeom prst="rect">
+            <a:avLst/>
+          </a:prstGeom>
+          <a:solidFill>
+            <a:schemeClr val="accent4">
+              <a:alpha val="30000"/>
+            </a:schemeClr>
+          </a:solidFill>
+          <a:ln>
+            <a:noFill/>
+          </a:ln>
+        </p:spPr>
+        <p:style>
+          <a:lnRef idx="2">
+            <a:schemeClr val="accent1">
+              <a:shade val="50000"/>
+            </a:schemeClr>
+          </a:lnRef>
+          <a:fillRef idx="1">
+            <a:schemeClr val="accent1"/>
+          </a:fillRef>
+          <a:effectRef idx="0">
+            <a:schemeClr val="accent1"/>
+          </a:effectRef>
+          <a:fontRef idx="minor">
+            <a:schemeClr val="lt1"/>
+          </a:fontRef>
+        </p:style>
+        <p:txBody>
+          <a:bodyPr rtlCol="0" anchor="ctr"/>
+          <a:lstStyle/>
+          <a:p>
+            <a:pPr algn="ctr"/>
+            <a:endParaRPr lang="en-US"/>
+          </a:p>
+        </p:txBody>
+      </p:sp>
+      <p:sp>
+        <p:nvSpPr>
+          <p:cNvPr id="43" name="Isosceles Triangle 42">
+            <a:extLst>
+              <a:ext uri="{FF2B5EF4-FFF2-40B4-BE49-F238E27FC236}">
+                <a16:creationId xmlns:a16="http://schemas.microsoft.com/office/drawing/2014/main" id="{A580F890-B085-4E95-96AA-55AEBEC5CE6E}"/>
+              </a:ext>
+              <a:ext uri="{C183D7F6-B498-43B3-948B-1728B52AA6E4}">
+                <adec:decorative xmlns:adec="http://schemas.microsoft.com/office/drawing/2017/decorative" val="1"/>
+              </a:ext>
+            </a:extLst>
+          </p:cNvPr>
+          <p:cNvSpPr>
+            <a:spLocks noGrp="1" noRot="1" noChangeAspect="1" noMove="1" noResize="1" noEditPoints="1" noAdjustHandles="1" noChangeArrowheads="1" noChangeShapeType="1" noTextEdit="1"/>
+          </p:cNvSpPr>
+          <p:nvPr>
+            <p:extLst>
+              <p:ext uri="{386F3935-93C4-4BCD-93E2-E3B085C9AB24}">
+                <p16:designElem xmlns:p16="http://schemas.microsoft.com/office/powerpoint/2015/main" val="1"/>
+              </p:ext>
+            </p:extLst>
+          </p:nvPr>
+        </p:nvSpPr>
+        <p:spPr>
+          <a:xfrm rot="16200000">
+            <a:off x="10289068" y="1343027"/>
+            <a:ext cx="2532832" cy="1273032"/>
+          </a:xfrm>
+          <a:prstGeom prst="triangle">
+            <a:avLst>
+              <a:gd name="adj" fmla="val 50000"/>
+            </a:avLst>
+          </a:prstGeom>
+          <a:solidFill>
+            <a:schemeClr val="accent4">
+              <a:alpha val="30000"/>
+            </a:schemeClr>
+          </a:solidFill>
+          <a:ln>
+            <a:noFill/>
+          </a:ln>
+        </p:spPr>
+        <p:style>
+          <a:lnRef idx="2">
+            <a:schemeClr val="accent1">
+              <a:shade val="50000"/>
+            </a:schemeClr>
+          </a:lnRef>
+          <a:fillRef idx="1">
+            <a:schemeClr val="accent1"/>
+          </a:fillRef>
+          <a:effectRef idx="0">
+            <a:schemeClr val="accent1"/>
+          </a:effectRef>
+          <a:fontRef idx="minor">
+            <a:schemeClr val="lt1"/>
+          </a:fontRef>
+        </p:style>
+        <p:txBody>
+          <a:bodyPr rtlCol="0" anchor="ctr"/>
+          <a:lstStyle/>
+          <a:p>
+            <a:pPr algn="ctr"/>
+            <a:endParaRPr lang="en-US"/>
+          </a:p>
+        </p:txBody>
+      </p:sp>
+      <p:sp>
+        <p:nvSpPr>
+          <p:cNvPr id="45" name="Isosceles Triangle 44">
+            <a:extLst>
+              <a:ext uri="{FF2B5EF4-FFF2-40B4-BE49-F238E27FC236}">
+                <a16:creationId xmlns:a16="http://schemas.microsoft.com/office/drawing/2014/main" id="{D3F51FEB-38FB-4F6C-9F7B-2F2AFAB65463}"/>
+              </a:ext>
+              <a:ext uri="{C183D7F6-B498-43B3-948B-1728B52AA6E4}">
+                <adec:decorative xmlns:adec="http://schemas.microsoft.com/office/drawing/2017/decorative" val="1"/>
+              </a:ext>
+            </a:extLst>
+          </p:cNvPr>
+          <p:cNvSpPr>
+            <a:spLocks noGrp="1" noRot="1" noChangeAspect="1" noMove="1" noResize="1" noEditPoints="1" noAdjustHandles="1" noChangeArrowheads="1" noChangeShapeType="1" noTextEdit="1"/>
+          </p:cNvSpPr>
+          <p:nvPr>
+            <p:extLst>
+              <p:ext uri="{386F3935-93C4-4BCD-93E2-E3B085C9AB24}">
+                <p16:designElem xmlns:p16="http://schemas.microsoft.com/office/powerpoint/2015/main" val="1"/>
+              </p:ext>
+            </p:extLst>
+          </p:nvPr>
+        </p:nvSpPr>
+        <p:spPr>
+          <a:xfrm rot="5400000">
+            <a:off x="-501760" y="5103257"/>
+            <a:ext cx="2017580" cy="1014060"/>
+          </a:xfrm>
+          <a:prstGeom prst="triangle">
+            <a:avLst>
+              <a:gd name="adj" fmla="val 50000"/>
+            </a:avLst>
+          </a:prstGeom>
+          <a:solidFill>
+            <a:schemeClr val="accent1">
+              <a:alpha val="30000"/>
+            </a:schemeClr>
+          </a:solidFill>
+          <a:ln>
+            <a:noFill/>
+          </a:ln>
+        </p:spPr>
+        <p:style>
+          <a:lnRef idx="2">
+            <a:schemeClr val="accent1">
+              <a:shade val="50000"/>
+            </a:schemeClr>
+          </a:lnRef>
+          <a:fillRef idx="1">
+            <a:schemeClr val="accent1"/>
+          </a:fillRef>
+          <a:effectRef idx="0">
+            <a:schemeClr val="accent1"/>
+          </a:effectRef>
+          <a:fontRef idx="minor">
+            <a:schemeClr val="lt1"/>
+          </a:fontRef>
+        </p:style>
+        <p:txBody>
+          <a:bodyPr wrap="square" rtlCol="0" anchor="ctr">
+            <a:noAutofit/>
+          </a:bodyPr>
+          <a:lstStyle/>
+          <a:p>
+            <a:pPr algn="ctr"/>
+            <a:endParaRPr lang="en-US"/>
+          </a:p>
+        </p:txBody>
+      </p:sp>
+      <p:sp>
+        <p:nvSpPr>
+          <p:cNvPr id="47" name="Rectangle 46">
+            <a:extLst>
+              <a:ext uri="{FF2B5EF4-FFF2-40B4-BE49-F238E27FC236}">
+                <a16:creationId xmlns:a16="http://schemas.microsoft.com/office/drawing/2014/main" id="{1E547BA6-BAE0-43BB-A7CA-60F69CE252F0}"/>
+              </a:ext>
+              <a:ext uri="{C183D7F6-B498-43B3-948B-1728B52AA6E4}">
+                <adec:decorative xmlns:adec="http://schemas.microsoft.com/office/drawing/2017/decorative" val="1"/>
+              </a:ext>
+            </a:extLst>
+          </p:cNvPr>
+          <p:cNvSpPr>
+            <a:spLocks noGrp="1" noRot="1" noChangeAspect="1" noMove="1" noResize="1" noEditPoints="1" noAdjustHandles="1" noChangeArrowheads="1" noChangeShapeType="1" noTextEdit="1"/>
+          </p:cNvSpPr>
+          <p:nvPr>
+            <p:extLst>
+              <p:ext uri="{386F3935-93C4-4BCD-93E2-E3B085C9AB24}">
+                <p16:designElem xmlns:p16="http://schemas.microsoft.com/office/powerpoint/2015/main" val="1"/>
+              </p:ext>
+            </p:extLst>
+          </p:nvPr>
+        </p:nvSpPr>
+        <p:spPr>
+          <a:xfrm rot="2700000">
+            <a:off x="427916" y="5728708"/>
+            <a:ext cx="485578" cy="485578"/>
+          </a:xfrm>
+          <a:prstGeom prst="rect">
+            <a:avLst/>
+          </a:prstGeom>
+          <a:solidFill>
+            <a:schemeClr val="accent1">
+              <a:alpha val="30000"/>
+            </a:schemeClr>
+          </a:solidFill>
+          <a:ln>
+            <a:noFill/>
+          </a:ln>
+        </p:spPr>
+        <p:style>
+          <a:lnRef idx="2">
+            <a:schemeClr val="accent1">
+              <a:shade val="50000"/>
+            </a:schemeClr>
+          </a:lnRef>
+          <a:fillRef idx="1">
+            <a:schemeClr val="accent1"/>
+          </a:fillRef>
+          <a:effectRef idx="0">
+            <a:schemeClr val="accent1"/>
+          </a:effectRef>
+          <a:fontRef idx="minor">
+            <a:schemeClr val="lt1"/>
+          </a:fontRef>
+        </p:style>
+        <p:txBody>
+          <a:bodyPr wrap="square" rtlCol="0" anchor="ctr">
+            <a:noAutofit/>
+          </a:bodyPr>
+          <a:lstStyle/>
+          <a:p>
+            <a:pPr algn="ctr"/>
+            <a:endParaRPr lang="en-US"/>
+          </a:p>
+        </p:txBody>
+      </p:sp>
+    </p:spTree>
+    <p:extLst>
+      <p:ext uri="{BB962C8B-B14F-4D97-AF65-F5344CB8AC3E}">
+        <p14:creationId xmlns:p14="http://schemas.microsoft.com/office/powerpoint/2010/main" val="3454063208"/>
+      </p:ext>
+    </p:extLst>
+  </p:cSld>
+  <p:clrMapOvr>
+    <a:masterClrMapping/>
+  </p:clrMapOvr>
+</p:sld>
+</file>
+
+<file path=ppt/slides/slide19.xml><?xml version="1.0" encoding="utf-8"?>
+<p:sld xmlns:a="http://schemas.openxmlformats.org/drawingml/2006/main" xmlns:r="http://schemas.openxmlformats.org/officeDocument/2006/relationships" xmlns:p="http://schemas.openxmlformats.org/presentationml/2006/main">
+  <p:cSld>
+    <p:bg>
+      <p:bgPr>
+        <a:solidFill>
+          <a:schemeClr val="bg1"/>
+        </a:solidFill>
+        <a:effectLst/>
+      </p:bgPr>
+    </p:bg>
+    <p:spTree>
+      <p:nvGrpSpPr>
+        <p:cNvPr id="1" name=""/>
+        <p:cNvGrpSpPr/>
+        <p:nvPr/>
+      </p:nvGrpSpPr>
+      <p:grpSpPr>
+        <a:xfrm>
+          <a:off x="0" y="0"/>
+          <a:ext cx="0" cy="0"/>
+          <a:chOff x="0" y="0"/>
+          <a:chExt cx="0" cy="0"/>
+        </a:xfrm>
+      </p:grpSpPr>
+      <p:sp>
+        <p:nvSpPr>
+          <p:cNvPr id="39" name="Rectangle 38">
+            <a:extLst>
+              <a:ext uri="{FF2B5EF4-FFF2-40B4-BE49-F238E27FC236}">
+                <a16:creationId xmlns:a16="http://schemas.microsoft.com/office/drawing/2014/main" id="{2B566528-1B12-4246-9431-5C2D7D081168}"/>
+              </a:ext>
+              <a:ext uri="{C183D7F6-B498-43B3-948B-1728B52AA6E4}">
+                <adec:decorative xmlns:adec="http://schemas.microsoft.com/office/drawing/2017/decorative" val="1"/>
+              </a:ext>
+            </a:extLst>
+          </p:cNvPr>
+          <p:cNvSpPr>
+            <a:spLocks noGrp="1" noRot="1" noChangeAspect="1" noMove="1" noResize="1" noEditPoints="1" noAdjustHandles="1" noChangeArrowheads="1" noChangeShapeType="1" noTextEdit="1"/>
+          </p:cNvSpPr>
+          <p:nvPr>
+            <p:extLst>
+              <p:ext uri="{386F3935-93C4-4BCD-93E2-E3B085C9AB24}">
+                <p16:designElem xmlns:p16="http://schemas.microsoft.com/office/powerpoint/2015/main" val="1"/>
+              </p:ext>
+            </p:extLst>
+          </p:nvPr>
+        </p:nvSpPr>
+        <p:spPr>
+          <a:xfrm>
+            <a:off x="0" y="0"/>
+            <a:ext cx="12192000" cy="6858000"/>
+          </a:xfrm>
+          <a:prstGeom prst="rect">
+            <a:avLst/>
+          </a:prstGeom>
+          <a:solidFill>
+            <a:schemeClr val="bg1"/>
+          </a:solidFill>
+          <a:ln>
+            <a:noFill/>
+          </a:ln>
+        </p:spPr>
+        <p:style>
+          <a:lnRef idx="2">
+            <a:schemeClr val="accent1">
+              <a:shade val="50000"/>
+            </a:schemeClr>
+          </a:lnRef>
+          <a:fillRef idx="1">
+            <a:schemeClr val="accent1"/>
+          </a:fillRef>
+          <a:effectRef idx="0">
+            <a:schemeClr val="accent1"/>
+          </a:effectRef>
+          <a:fontRef idx="minor">
+            <a:schemeClr val="lt1"/>
+          </a:fontRef>
+        </p:style>
+        <p:txBody>
+          <a:bodyPr rtlCol="0" anchor="ctr"/>
+          <a:lstStyle/>
+          <a:p>
+            <a:pPr algn="ctr"/>
+            <a:endParaRPr lang="en-US"/>
+          </a:p>
+        </p:txBody>
+      </p:sp>
+      <p:sp>
+        <p:nvSpPr>
+          <p:cNvPr id="2" name="Título 1">
+            <a:extLst>
+              <a:ext uri="{FF2B5EF4-FFF2-40B4-BE49-F238E27FC236}">
+                <a16:creationId xmlns:a16="http://schemas.microsoft.com/office/drawing/2014/main" id="{46991FFA-5E35-051D-3B8C-8962250E1C9A}"/>
+              </a:ext>
+            </a:extLst>
+          </p:cNvPr>
+          <p:cNvSpPr>
+            <a:spLocks noGrp="1"/>
+          </p:cNvSpPr>
+          <p:nvPr>
+            <p:ph type="title"/>
+          </p:nvPr>
+        </p:nvSpPr>
+        <p:spPr>
+          <a:xfrm>
+            <a:off x="643467" y="321734"/>
+            <a:ext cx="10905066" cy="1135737"/>
+          </a:xfrm>
+        </p:spPr>
+        <p:txBody>
+          <a:bodyPr>
+            <a:normAutofit/>
+          </a:bodyPr>
+          <a:lstStyle/>
+          <a:p>
+            <a:r>
+              <a:rPr lang="pt-BR" sz="3600" b="1" dirty="0">
+                <a:ea typeface="+mj-lt"/>
+                <a:cs typeface="+mj-lt"/>
+              </a:rPr>
+              <a:t>Saída</a:t>
+            </a:r>
+            <a:endParaRPr lang="pt-BR" dirty="0"/>
+          </a:p>
+        </p:txBody>
+      </p:sp>
+      <p:sp>
+        <p:nvSpPr>
+          <p:cNvPr id="3" name="Espaço Reservado para Conteúdo 2">
+            <a:extLst>
+              <a:ext uri="{FF2B5EF4-FFF2-40B4-BE49-F238E27FC236}">
+                <a16:creationId xmlns:a16="http://schemas.microsoft.com/office/drawing/2014/main" id="{1F560DD4-1938-249D-D353-6A108002A6DE}"/>
+              </a:ext>
+            </a:extLst>
+          </p:cNvPr>
+          <p:cNvSpPr>
+            <a:spLocks noGrp="1"/>
+          </p:cNvSpPr>
+          <p:nvPr>
+            <p:ph idx="1"/>
+          </p:nvPr>
+        </p:nvSpPr>
+        <p:spPr>
+          <a:xfrm>
+            <a:off x="643467" y="1782981"/>
+            <a:ext cx="10905066" cy="4393982"/>
+          </a:xfrm>
+        </p:spPr>
+        <p:txBody>
+          <a:bodyPr vert="horz" lIns="91440" tIns="45720" rIns="91440" bIns="45720" rtlCol="0" anchor="t">
+            <a:normAutofit/>
+          </a:bodyPr>
+          <a:lstStyle/>
+          <a:p>
+            <a:pPr>
+              <a:buNone/>
+            </a:pPr>
+            <a:r>
+              <a:rPr lang="pt-BR" sz="2000" b="1" dirty="0">
+                <a:ea typeface="+mn-lt"/>
+                <a:cs typeface="+mn-lt"/>
+              </a:rPr>
+              <a:t>.1 Termo de abertura do projeto</a:t>
+            </a:r>
+            <a:r>
+              <a:rPr lang="pt-BR" sz="2000" dirty="0">
+                <a:ea typeface="+mn-lt"/>
+                <a:cs typeface="+mn-lt"/>
+              </a:rPr>
+              <a:t>(ou o nome que a entidade resolver dar)</a:t>
+            </a:r>
+            <a:endParaRPr lang="pt-BR" dirty="0"/>
+          </a:p>
+          <a:p>
+            <a:pPr>
+              <a:buNone/>
+            </a:pPr>
+            <a:r>
+              <a:rPr lang="pt-BR" sz="2000" dirty="0">
+                <a:ea typeface="+mn-lt"/>
+                <a:cs typeface="+mn-lt"/>
+              </a:rPr>
+              <a:t>Autoriza formalmente o projeto, contém as informações que a entidade julgar necessárias para iniciar, alocar recursos, estabelecer o gerenciamento e o acompanhamento dos resultados previstos.</a:t>
+            </a:r>
+            <a:endParaRPr lang="pt-BR" dirty="0">
+              <a:ea typeface="+mn-lt"/>
+              <a:cs typeface="+mn-lt"/>
+            </a:endParaRPr>
+          </a:p>
+          <a:p>
+            <a:pPr>
+              <a:buNone/>
+            </a:pPr>
+            <a:r>
+              <a:rPr lang="pt-BR" sz="2000" dirty="0">
+                <a:ea typeface="+mn-lt"/>
+                <a:cs typeface="+mn-lt"/>
+              </a:rPr>
+              <a:t>Conterá...</a:t>
+            </a:r>
+            <a:endParaRPr lang="pt-BR" dirty="0">
+              <a:ea typeface="+mn-lt"/>
+              <a:cs typeface="+mn-lt"/>
+            </a:endParaRPr>
+          </a:p>
+          <a:p>
+            <a:pPr>
+              <a:buNone/>
+            </a:pPr>
+            <a:endParaRPr lang="pt-BR" sz="2000" b="1" dirty="0">
+              <a:cs typeface="Calibri"/>
+            </a:endParaRPr>
+          </a:p>
+          <a:p>
+            <a:pPr>
+              <a:buNone/>
+            </a:pPr>
+            <a:endParaRPr lang="pt-BR" sz="2000" b="1" dirty="0">
+              <a:cs typeface="Calibri"/>
+            </a:endParaRPr>
+          </a:p>
+          <a:p>
+            <a:pPr>
+              <a:buNone/>
+            </a:pPr>
+            <a:endParaRPr lang="pt-BR" sz="2000" b="1" dirty="0">
+              <a:cs typeface="Calibri"/>
+            </a:endParaRPr>
+          </a:p>
+          <a:p>
+            <a:pPr>
+              <a:buNone/>
+            </a:pPr>
+            <a:endParaRPr lang="pt-BR" sz="2000" b="1" dirty="0">
+              <a:cs typeface="Calibri"/>
+            </a:endParaRPr>
+          </a:p>
+          <a:p>
+            <a:pPr>
+              <a:buNone/>
+            </a:pPr>
+            <a:endParaRPr lang="pt-BR" sz="2000" dirty="0">
+              <a:cs typeface="Calibri"/>
+            </a:endParaRPr>
+          </a:p>
+          <a:p>
+            <a:pPr>
+              <a:buNone/>
+            </a:pPr>
+            <a:endParaRPr lang="pt-BR" sz="2000" dirty="0">
+              <a:cs typeface="Calibri"/>
+            </a:endParaRPr>
+          </a:p>
+          <a:p>
+            <a:pPr>
+              <a:buNone/>
+            </a:pPr>
+            <a:endParaRPr lang="pt-BR" sz="2000" dirty="0">
+              <a:cs typeface="Calibri"/>
+            </a:endParaRPr>
+          </a:p>
+          <a:p>
+            <a:pPr>
+              <a:buNone/>
+            </a:pPr>
+            <a:endParaRPr lang="pt-BR" sz="2000" dirty="0">
+              <a:cs typeface="Calibri"/>
+            </a:endParaRPr>
+          </a:p>
+          <a:p>
+            <a:pPr>
+              <a:buNone/>
+            </a:pPr>
+            <a:endParaRPr lang="pt-BR" sz="2000" dirty="0">
+              <a:cs typeface="Calibri"/>
+            </a:endParaRPr>
+          </a:p>
+          <a:p>
+            <a:pPr>
+              <a:buNone/>
+            </a:pPr>
+            <a:endParaRPr lang="pt-BR" sz="2000">
+              <a:cs typeface="Calibri"/>
+            </a:endParaRPr>
+          </a:p>
+          <a:p>
+            <a:pPr>
+              <a:buNone/>
+            </a:pPr>
+            <a:endParaRPr lang="pt-BR" sz="2000">
+              <a:cs typeface="Calibri"/>
+            </a:endParaRPr>
+          </a:p>
+          <a:p>
+            <a:pPr>
+              <a:buNone/>
+            </a:pPr>
+            <a:endParaRPr lang="pt-BR" sz="2000">
+              <a:cs typeface="Calibri"/>
+            </a:endParaRPr>
+          </a:p>
+          <a:p>
+            <a:pPr>
+              <a:buNone/>
+            </a:pPr>
+            <a:endParaRPr lang="pt-BR" sz="2000">
+              <a:ea typeface="+mn-lt"/>
+              <a:cs typeface="+mn-lt"/>
+            </a:endParaRPr>
+          </a:p>
+          <a:p>
+            <a:pPr>
+              <a:buNone/>
+            </a:pPr>
+            <a:endParaRPr lang="pt-BR" sz="2000">
+              <a:cs typeface="Calibri" panose="020F0502020204030204"/>
+            </a:endParaRPr>
+          </a:p>
+          <a:p>
+            <a:pPr marL="0" indent="0">
+              <a:buNone/>
+            </a:pPr>
+            <a:endParaRPr lang="pt-BR" sz="2000">
+              <a:cs typeface="Calibri" panose="020F0502020204030204"/>
+            </a:endParaRPr>
+          </a:p>
+          <a:p>
+            <a:endParaRPr lang="pt-BR" sz="2000">
+              <a:solidFill>
+                <a:srgbClr val="000000"/>
+              </a:solidFill>
+              <a:ea typeface="+mn-lt"/>
+              <a:cs typeface="+mn-lt"/>
+            </a:endParaRPr>
+          </a:p>
+        </p:txBody>
+      </p:sp>
+      <p:sp>
+        <p:nvSpPr>
+          <p:cNvPr id="41" name="Rectangle 40">
+            <a:extLst>
+              <a:ext uri="{FF2B5EF4-FFF2-40B4-BE49-F238E27FC236}">
+                <a16:creationId xmlns:a16="http://schemas.microsoft.com/office/drawing/2014/main" id="{2E80C965-DB6D-4F81-9E9E-B027384D0BD6}"/>
+              </a:ext>
+              <a:ext uri="{C183D7F6-B498-43B3-948B-1728B52AA6E4}">
+                <adec:decorative xmlns:adec="http://schemas.microsoft.com/office/drawing/2017/decorative" val="1"/>
+              </a:ext>
+            </a:extLst>
+          </p:cNvPr>
+          <p:cNvSpPr>
+            <a:spLocks noGrp="1" noRot="1" noChangeAspect="1" noMove="1" noResize="1" noEditPoints="1" noAdjustHandles="1" noChangeArrowheads="1" noChangeShapeType="1" noTextEdit="1"/>
+          </p:cNvSpPr>
+          <p:nvPr>
+            <p:extLst>
+              <p:ext uri="{386F3935-93C4-4BCD-93E2-E3B085C9AB24}">
+                <p16:designElem xmlns:p16="http://schemas.microsoft.com/office/powerpoint/2015/main" val="1"/>
+              </p:ext>
+            </p:extLst>
+          </p:nvPr>
+        </p:nvSpPr>
+        <p:spPr>
+          <a:xfrm rot="2700000">
+            <a:off x="11052629" y="2120024"/>
+            <a:ext cx="645368" cy="645368"/>
+          </a:xfrm>
+          <a:prstGeom prst="rect">
+            <a:avLst/>
+          </a:prstGeom>
+          <a:solidFill>
+            <a:schemeClr val="accent4">
+              <a:alpha val="30000"/>
+            </a:schemeClr>
+          </a:solidFill>
+          <a:ln>
+            <a:noFill/>
+          </a:ln>
+        </p:spPr>
+        <p:style>
+          <a:lnRef idx="2">
+            <a:schemeClr val="accent1">
+              <a:shade val="50000"/>
+            </a:schemeClr>
+          </a:lnRef>
+          <a:fillRef idx="1">
+            <a:schemeClr val="accent1"/>
+          </a:fillRef>
+          <a:effectRef idx="0">
+            <a:schemeClr val="accent1"/>
+          </a:effectRef>
+          <a:fontRef idx="minor">
+            <a:schemeClr val="lt1"/>
+          </a:fontRef>
+        </p:style>
+        <p:txBody>
+          <a:bodyPr rtlCol="0" anchor="ctr"/>
+          <a:lstStyle/>
+          <a:p>
+            <a:pPr algn="ctr"/>
+            <a:endParaRPr lang="en-US"/>
+          </a:p>
+        </p:txBody>
+      </p:sp>
+      <p:sp>
+        <p:nvSpPr>
+          <p:cNvPr id="43" name="Isosceles Triangle 42">
+            <a:extLst>
+              <a:ext uri="{FF2B5EF4-FFF2-40B4-BE49-F238E27FC236}">
+                <a16:creationId xmlns:a16="http://schemas.microsoft.com/office/drawing/2014/main" id="{A580F890-B085-4E95-96AA-55AEBEC5CE6E}"/>
+              </a:ext>
+              <a:ext uri="{C183D7F6-B498-43B3-948B-1728B52AA6E4}">
+                <adec:decorative xmlns:adec="http://schemas.microsoft.com/office/drawing/2017/decorative" val="1"/>
+              </a:ext>
+            </a:extLst>
+          </p:cNvPr>
+          <p:cNvSpPr>
+            <a:spLocks noGrp="1" noRot="1" noChangeAspect="1" noMove="1" noResize="1" noEditPoints="1" noAdjustHandles="1" noChangeArrowheads="1" noChangeShapeType="1" noTextEdit="1"/>
+          </p:cNvSpPr>
+          <p:nvPr>
+            <p:extLst>
+              <p:ext uri="{386F3935-93C4-4BCD-93E2-E3B085C9AB24}">
+                <p16:designElem xmlns:p16="http://schemas.microsoft.com/office/powerpoint/2015/main" val="1"/>
+              </p:ext>
+            </p:extLst>
+          </p:nvPr>
+        </p:nvSpPr>
+        <p:spPr>
+          <a:xfrm rot="16200000">
+            <a:off x="10289068" y="1343027"/>
+            <a:ext cx="2532832" cy="1273032"/>
+          </a:xfrm>
+          <a:prstGeom prst="triangle">
+            <a:avLst>
+              <a:gd name="adj" fmla="val 50000"/>
+            </a:avLst>
+          </a:prstGeom>
+          <a:solidFill>
+            <a:schemeClr val="accent4">
+              <a:alpha val="30000"/>
+            </a:schemeClr>
+          </a:solidFill>
+          <a:ln>
+            <a:noFill/>
+          </a:ln>
+        </p:spPr>
+        <p:style>
+          <a:lnRef idx="2">
+            <a:schemeClr val="accent1">
+              <a:shade val="50000"/>
+            </a:schemeClr>
+          </a:lnRef>
+          <a:fillRef idx="1">
+            <a:schemeClr val="accent1"/>
+          </a:fillRef>
+          <a:effectRef idx="0">
+            <a:schemeClr val="accent1"/>
+          </a:effectRef>
+          <a:fontRef idx="minor">
+            <a:schemeClr val="lt1"/>
+          </a:fontRef>
+        </p:style>
+        <p:txBody>
+          <a:bodyPr rtlCol="0" anchor="ctr"/>
+          <a:lstStyle/>
+          <a:p>
+            <a:pPr algn="ctr"/>
+            <a:endParaRPr lang="en-US"/>
+          </a:p>
+        </p:txBody>
+      </p:sp>
+      <p:sp>
+        <p:nvSpPr>
+          <p:cNvPr id="45" name="Isosceles Triangle 44">
+            <a:extLst>
+              <a:ext uri="{FF2B5EF4-FFF2-40B4-BE49-F238E27FC236}">
+                <a16:creationId xmlns:a16="http://schemas.microsoft.com/office/drawing/2014/main" id="{D3F51FEB-38FB-4F6C-9F7B-2F2AFAB65463}"/>
+              </a:ext>
+              <a:ext uri="{C183D7F6-B498-43B3-948B-1728B52AA6E4}">
+                <adec:decorative xmlns:adec="http://schemas.microsoft.com/office/drawing/2017/decorative" val="1"/>
+              </a:ext>
+            </a:extLst>
+          </p:cNvPr>
+          <p:cNvSpPr>
+            <a:spLocks noGrp="1" noRot="1" noChangeAspect="1" noMove="1" noResize="1" noEditPoints="1" noAdjustHandles="1" noChangeArrowheads="1" noChangeShapeType="1" noTextEdit="1"/>
+          </p:cNvSpPr>
+          <p:nvPr>
+            <p:extLst>
+              <p:ext uri="{386F3935-93C4-4BCD-93E2-E3B085C9AB24}">
+                <p16:designElem xmlns:p16="http://schemas.microsoft.com/office/powerpoint/2015/main" val="1"/>
+              </p:ext>
+            </p:extLst>
+          </p:nvPr>
+        </p:nvSpPr>
+        <p:spPr>
+          <a:xfrm rot="5400000">
+            <a:off x="-501760" y="5103257"/>
+            <a:ext cx="2017580" cy="1014060"/>
+          </a:xfrm>
+          <a:prstGeom prst="triangle">
+            <a:avLst>
+              <a:gd name="adj" fmla="val 50000"/>
+            </a:avLst>
+          </a:prstGeom>
+          <a:solidFill>
+            <a:schemeClr val="accent1">
+              <a:alpha val="30000"/>
+            </a:schemeClr>
+          </a:solidFill>
+          <a:ln>
+            <a:noFill/>
+          </a:ln>
+        </p:spPr>
+        <p:style>
+          <a:lnRef idx="2">
+            <a:schemeClr val="accent1">
+              <a:shade val="50000"/>
+            </a:schemeClr>
+          </a:lnRef>
+          <a:fillRef idx="1">
+            <a:schemeClr val="accent1"/>
+          </a:fillRef>
+          <a:effectRef idx="0">
+            <a:schemeClr val="accent1"/>
+          </a:effectRef>
+          <a:fontRef idx="minor">
+            <a:schemeClr val="lt1"/>
+          </a:fontRef>
+        </p:style>
+        <p:txBody>
+          <a:bodyPr wrap="square" rtlCol="0" anchor="ctr">
+            <a:noAutofit/>
+          </a:bodyPr>
+          <a:lstStyle/>
+          <a:p>
+            <a:pPr algn="ctr"/>
+            <a:endParaRPr lang="en-US"/>
+          </a:p>
+        </p:txBody>
+      </p:sp>
+      <p:sp>
+        <p:nvSpPr>
+          <p:cNvPr id="47" name="Rectangle 46">
+            <a:extLst>
+              <a:ext uri="{FF2B5EF4-FFF2-40B4-BE49-F238E27FC236}">
+                <a16:creationId xmlns:a16="http://schemas.microsoft.com/office/drawing/2014/main" id="{1E547BA6-BAE0-43BB-A7CA-60F69CE252F0}"/>
+              </a:ext>
+              <a:ext uri="{C183D7F6-B498-43B3-948B-1728B52AA6E4}">
+                <adec:decorative xmlns:adec="http://schemas.microsoft.com/office/drawing/2017/decorative" val="1"/>
+              </a:ext>
+            </a:extLst>
+          </p:cNvPr>
+          <p:cNvSpPr>
+            <a:spLocks noGrp="1" noRot="1" noChangeAspect="1" noMove="1" noResize="1" noEditPoints="1" noAdjustHandles="1" noChangeArrowheads="1" noChangeShapeType="1" noTextEdit="1"/>
+          </p:cNvSpPr>
+          <p:nvPr>
+            <p:extLst>
+              <p:ext uri="{386F3935-93C4-4BCD-93E2-E3B085C9AB24}">
+                <p16:designElem xmlns:p16="http://schemas.microsoft.com/office/powerpoint/2015/main" val="1"/>
+              </p:ext>
+            </p:extLst>
+          </p:nvPr>
+        </p:nvSpPr>
+        <p:spPr>
+          <a:xfrm rot="2700000">
+            <a:off x="427916" y="5728708"/>
+            <a:ext cx="485578" cy="485578"/>
+          </a:xfrm>
+          <a:prstGeom prst="rect">
+            <a:avLst/>
+          </a:prstGeom>
+          <a:solidFill>
+            <a:schemeClr val="accent1">
+              <a:alpha val="30000"/>
+            </a:schemeClr>
+          </a:solidFill>
+          <a:ln>
+            <a:noFill/>
+          </a:ln>
+        </p:spPr>
+        <p:style>
+          <a:lnRef idx="2">
+            <a:schemeClr val="accent1">
+              <a:shade val="50000"/>
+            </a:schemeClr>
+          </a:lnRef>
+          <a:fillRef idx="1">
+            <a:schemeClr val="accent1"/>
+          </a:fillRef>
+          <a:effectRef idx="0">
+            <a:schemeClr val="accent1"/>
+          </a:effectRef>
+          <a:fontRef idx="minor">
+            <a:schemeClr val="lt1"/>
+          </a:fontRef>
+        </p:style>
+        <p:txBody>
+          <a:bodyPr wrap="square" rtlCol="0" anchor="ctr">
+            <a:noAutofit/>
+          </a:bodyPr>
+          <a:lstStyle/>
+          <a:p>
+            <a:pPr algn="ctr"/>
+            <a:endParaRPr lang="en-US"/>
+          </a:p>
+        </p:txBody>
+      </p:sp>
+    </p:spTree>
+    <p:extLst>
+      <p:ext uri="{BB962C8B-B14F-4D97-AF65-F5344CB8AC3E}">
+        <p14:creationId xmlns:p14="http://schemas.microsoft.com/office/powerpoint/2010/main" val="1278160037"/>
+      </p:ext>
+    </p:extLst>
+  </p:cSld>
+  <p:clrMapOvr>
+    <a:masterClrMapping/>
+  </p:clrMapOvr>
+</p:sld>
+</file>
+
 <file path=ppt/slides/slide2.xml><?xml version="1.0" encoding="utf-8"?>
 <p:sld xmlns:a="http://schemas.openxmlformats.org/drawingml/2006/main" xmlns:r="http://schemas.openxmlformats.org/officeDocument/2006/relationships" xmlns:p="http://schemas.openxmlformats.org/presentationml/2006/main">
   <p:cSld>

--- a/RELATORIO PROVA P2/relatorio-pmbok-capitulo4-jharbes.pptx
+++ b/RELATORIO PROVA P2/relatorio-pmbok-capitulo4-jharbes.pptx
@@ -24,6 +24,15 @@
     <p:sldId id="274" r:id="rId18"/>
     <p:sldId id="275" r:id="rId19"/>
     <p:sldId id="276" r:id="rId20"/>
+    <p:sldId id="277" r:id="rId21"/>
+    <p:sldId id="278" r:id="rId22"/>
+    <p:sldId id="279" r:id="rId23"/>
+    <p:sldId id="280" r:id="rId24"/>
+    <p:sldId id="281" r:id="rId25"/>
+    <p:sldId id="282" r:id="rId26"/>
+    <p:sldId id="283" r:id="rId27"/>
+    <p:sldId id="284" r:id="rId28"/>
+    <p:sldId id="285" r:id="rId29"/>
   </p:sldIdLst>
   <p:sldSz cx="12192000" cy="6858000"/>
   <p:notesSz cx="6858000" cy="9144000"/>
@@ -134,6 +143,7 @@
 <p1510:revInfo xmlns:a="http://schemas.openxmlformats.org/drawingml/2006/main" xmlns:r="http://schemas.openxmlformats.org/officeDocument/2006/relationships" xmlns:p1510="http://schemas.microsoft.com/office/powerpoint/2015/10/main">
   <p1510:revLst>
     <p1510:client id="{050E0636-B272-A9D5-2FB9-AFCB5B698113}" v="41" dt="2022-12-03T12:54:24.537"/>
+    <p1510:client id="{132CBBF5-BF36-4CB1-E71F-72EFD72BC926}" v="53" dt="2022-12-03T13:05:04.101"/>
     <p1510:client id="{48F91746-B893-61F0-E2B5-F484DCEDD16B}" v="352" dt="2022-12-03T12:34:12.174"/>
     <p1510:client id="{89141EF4-D9B1-448E-BF85-A061974F4635}" v="40" dt="2022-11-30T16:19:30.454"/>
     <p1510:client id="{AAE71220-A1A8-A349-D335-1D78B8499119}" v="13" dt="2022-12-03T12:10:22.569"/>
@@ -9609,6 +9619,5742 @@
 </p:sld>
 </file>
 
+<file path=ppt/slides/slide20.xml><?xml version="1.0" encoding="utf-8"?>
+<p:sld xmlns:a="http://schemas.openxmlformats.org/drawingml/2006/main" xmlns:r="http://schemas.openxmlformats.org/officeDocument/2006/relationships" xmlns:p="http://schemas.openxmlformats.org/presentationml/2006/main">
+  <p:cSld>
+    <p:bg>
+      <p:bgPr>
+        <a:solidFill>
+          <a:schemeClr val="bg1"/>
+        </a:solidFill>
+        <a:effectLst/>
+      </p:bgPr>
+    </p:bg>
+    <p:spTree>
+      <p:nvGrpSpPr>
+        <p:cNvPr id="1" name=""/>
+        <p:cNvGrpSpPr/>
+        <p:nvPr/>
+      </p:nvGrpSpPr>
+      <p:grpSpPr>
+        <a:xfrm>
+          <a:off x="0" y="0"/>
+          <a:ext cx="0" cy="0"/>
+          <a:chOff x="0" y="0"/>
+          <a:chExt cx="0" cy="0"/>
+        </a:xfrm>
+      </p:grpSpPr>
+      <p:sp>
+        <p:nvSpPr>
+          <p:cNvPr id="39" name="Rectangle 38">
+            <a:extLst>
+              <a:ext uri="{FF2B5EF4-FFF2-40B4-BE49-F238E27FC236}">
+                <a16:creationId xmlns:a16="http://schemas.microsoft.com/office/drawing/2014/main" id="{2B566528-1B12-4246-9431-5C2D7D081168}"/>
+              </a:ext>
+              <a:ext uri="{C183D7F6-B498-43B3-948B-1728B52AA6E4}">
+                <adec:decorative xmlns:adec="http://schemas.microsoft.com/office/drawing/2017/decorative" val="1"/>
+              </a:ext>
+            </a:extLst>
+          </p:cNvPr>
+          <p:cNvSpPr>
+            <a:spLocks noGrp="1" noRot="1" noChangeAspect="1" noMove="1" noResize="1" noEditPoints="1" noAdjustHandles="1" noChangeArrowheads="1" noChangeShapeType="1" noTextEdit="1"/>
+          </p:cNvSpPr>
+          <p:nvPr>
+            <p:extLst>
+              <p:ext uri="{386F3935-93C4-4BCD-93E2-E3B085C9AB24}">
+                <p16:designElem xmlns:p16="http://schemas.microsoft.com/office/powerpoint/2015/main" val="1"/>
+              </p:ext>
+            </p:extLst>
+          </p:nvPr>
+        </p:nvSpPr>
+        <p:spPr>
+          <a:xfrm>
+            <a:off x="0" y="0"/>
+            <a:ext cx="12192000" cy="6858000"/>
+          </a:xfrm>
+          <a:prstGeom prst="rect">
+            <a:avLst/>
+          </a:prstGeom>
+          <a:solidFill>
+            <a:schemeClr val="bg1"/>
+          </a:solidFill>
+          <a:ln>
+            <a:noFill/>
+          </a:ln>
+        </p:spPr>
+        <p:style>
+          <a:lnRef idx="2">
+            <a:schemeClr val="accent1">
+              <a:shade val="50000"/>
+            </a:schemeClr>
+          </a:lnRef>
+          <a:fillRef idx="1">
+            <a:schemeClr val="accent1"/>
+          </a:fillRef>
+          <a:effectRef idx="0">
+            <a:schemeClr val="accent1"/>
+          </a:effectRef>
+          <a:fontRef idx="minor">
+            <a:schemeClr val="lt1"/>
+          </a:fontRef>
+        </p:style>
+        <p:txBody>
+          <a:bodyPr rtlCol="0" anchor="ctr"/>
+          <a:lstStyle/>
+          <a:p>
+            <a:pPr algn="ctr"/>
+            <a:endParaRPr lang="en-US"/>
+          </a:p>
+        </p:txBody>
+      </p:sp>
+      <p:sp>
+        <p:nvSpPr>
+          <p:cNvPr id="2" name="Título 1">
+            <a:extLst>
+              <a:ext uri="{FF2B5EF4-FFF2-40B4-BE49-F238E27FC236}">
+                <a16:creationId xmlns:a16="http://schemas.microsoft.com/office/drawing/2014/main" id="{46991FFA-5E35-051D-3B8C-8962250E1C9A}"/>
+              </a:ext>
+            </a:extLst>
+          </p:cNvPr>
+          <p:cNvSpPr>
+            <a:spLocks noGrp="1"/>
+          </p:cNvSpPr>
+          <p:nvPr>
+            <p:ph type="title"/>
+          </p:nvPr>
+        </p:nvSpPr>
+        <p:spPr>
+          <a:xfrm>
+            <a:off x="643467" y="321734"/>
+            <a:ext cx="10905066" cy="1135737"/>
+          </a:xfrm>
+        </p:spPr>
+        <p:txBody>
+          <a:bodyPr>
+            <a:normAutofit/>
+          </a:bodyPr>
+          <a:lstStyle/>
+          <a:p>
+            <a:r>
+              <a:rPr lang="pt-BR" sz="3600" b="1" dirty="0">
+                <a:ea typeface="+mj-lt"/>
+                <a:cs typeface="+mj-lt"/>
+              </a:rPr>
+              <a:t>Saída</a:t>
+            </a:r>
+            <a:endParaRPr lang="pt-BR" dirty="0"/>
+          </a:p>
+        </p:txBody>
+      </p:sp>
+      <p:sp>
+        <p:nvSpPr>
+          <p:cNvPr id="3" name="Espaço Reservado para Conteúdo 2">
+            <a:extLst>
+              <a:ext uri="{FF2B5EF4-FFF2-40B4-BE49-F238E27FC236}">
+                <a16:creationId xmlns:a16="http://schemas.microsoft.com/office/drawing/2014/main" id="{1F560DD4-1938-249D-D353-6A108002A6DE}"/>
+              </a:ext>
+            </a:extLst>
+          </p:cNvPr>
+          <p:cNvSpPr>
+            <a:spLocks noGrp="1"/>
+          </p:cNvSpPr>
+          <p:nvPr>
+            <p:ph idx="1"/>
+          </p:nvPr>
+        </p:nvSpPr>
+        <p:spPr>
+          <a:xfrm>
+            <a:off x="657844" y="1610453"/>
+            <a:ext cx="10890689" cy="4566510"/>
+          </a:xfrm>
+        </p:spPr>
+        <p:txBody>
+          <a:bodyPr vert="horz" lIns="91440" tIns="45720" rIns="91440" bIns="45720" rtlCol="0" anchor="t">
+            <a:normAutofit/>
+          </a:bodyPr>
+          <a:lstStyle/>
+          <a:p>
+            <a:pPr>
+              <a:buNone/>
+            </a:pPr>
+            <a:r>
+              <a:rPr lang="pt-BR" sz="2000" b="1" dirty="0">
+                <a:ea typeface="+mn-lt"/>
+                <a:cs typeface="+mn-lt"/>
+              </a:rPr>
+              <a:t>.1 Termo de abertura do projeto TAP</a:t>
+            </a:r>
+            <a:endParaRPr lang="pt-BR" dirty="0">
+              <a:ea typeface="+mn-lt"/>
+              <a:cs typeface="+mn-lt"/>
+            </a:endParaRPr>
+          </a:p>
+          <a:p>
+            <a:pPr>
+              <a:buNone/>
+            </a:pPr>
+            <a:r>
+              <a:rPr lang="pt-BR" sz="2000" dirty="0">
+                <a:ea typeface="+mn-lt"/>
+                <a:cs typeface="+mn-lt"/>
+              </a:rPr>
+              <a:t>Justificativa ou objetivo do projeto</a:t>
+            </a:r>
+            <a:endParaRPr lang="pt-BR" dirty="0">
+              <a:cs typeface="Calibri"/>
+            </a:endParaRPr>
+          </a:p>
+          <a:p>
+            <a:pPr>
+              <a:buNone/>
+            </a:pPr>
+            <a:r>
+              <a:rPr lang="pt-BR" sz="2000" dirty="0">
+                <a:ea typeface="+mn-lt"/>
+                <a:cs typeface="+mn-lt"/>
+              </a:rPr>
+              <a:t>Resultados mensuráveis e critérios de sucesso</a:t>
+            </a:r>
+            <a:endParaRPr lang="pt-BR" dirty="0"/>
+          </a:p>
+          <a:p>
+            <a:pPr>
+              <a:buNone/>
+            </a:pPr>
+            <a:r>
+              <a:rPr lang="pt-BR" sz="2000" dirty="0">
+                <a:ea typeface="+mn-lt"/>
+                <a:cs typeface="+mn-lt"/>
+              </a:rPr>
+              <a:t>Requisitos funcionais em alto nível</a:t>
+            </a:r>
+            <a:endParaRPr lang="pt-BR" dirty="0"/>
+          </a:p>
+          <a:p>
+            <a:pPr>
+              <a:buNone/>
+            </a:pPr>
+            <a:r>
+              <a:rPr lang="pt-BR" sz="2000" dirty="0">
+                <a:ea typeface="+mn-lt"/>
+                <a:cs typeface="+mn-lt"/>
+              </a:rPr>
+              <a:t>Pressupostos e limitações</a:t>
+            </a:r>
+            <a:endParaRPr lang="pt-BR" dirty="0"/>
+          </a:p>
+          <a:p>
+            <a:pPr>
+              <a:buNone/>
+            </a:pPr>
+            <a:r>
+              <a:rPr lang="pt-BR" sz="2000" dirty="0">
+                <a:ea typeface="+mn-lt"/>
+                <a:cs typeface="+mn-lt"/>
+              </a:rPr>
+              <a:t>Principais riscos e oportunidades</a:t>
+            </a:r>
+            <a:endParaRPr lang="pt-BR" dirty="0"/>
+          </a:p>
+          <a:p>
+            <a:pPr>
+              <a:buNone/>
+            </a:pPr>
+            <a:r>
+              <a:rPr lang="pt-BR" sz="2000" dirty="0">
+                <a:ea typeface="+mn-lt"/>
+                <a:cs typeface="+mn-lt"/>
+              </a:rPr>
+              <a:t>Marcos do projeto a serem alcançados e verificados</a:t>
+            </a:r>
+            <a:endParaRPr lang="pt-BR" dirty="0"/>
+          </a:p>
+          <a:p>
+            <a:pPr>
+              <a:buNone/>
+            </a:pPr>
+            <a:r>
+              <a:rPr lang="pt-BR" sz="2000" dirty="0">
+                <a:ea typeface="+mn-lt"/>
+                <a:cs typeface="+mn-lt"/>
+              </a:rPr>
+              <a:t>Orçamento básico</a:t>
+            </a:r>
+            <a:endParaRPr lang="pt-BR" dirty="0"/>
+          </a:p>
+          <a:p>
+            <a:pPr>
+              <a:buNone/>
+            </a:pPr>
+            <a:r>
+              <a:rPr lang="pt-BR" sz="2000" dirty="0">
+                <a:ea typeface="+mn-lt"/>
+                <a:cs typeface="+mn-lt"/>
+              </a:rPr>
+              <a:t>Responsáveis</a:t>
+            </a:r>
+            <a:endParaRPr lang="pt-BR" dirty="0"/>
+          </a:p>
+          <a:p>
+            <a:pPr>
+              <a:buNone/>
+            </a:pPr>
+            <a:r>
+              <a:rPr lang="pt-BR" sz="2000" dirty="0">
+                <a:ea typeface="+mn-lt"/>
+                <a:cs typeface="+mn-lt"/>
+              </a:rPr>
+              <a:t>Gerente designado e poderes</a:t>
+            </a:r>
+            <a:endParaRPr lang="pt-BR" dirty="0"/>
+          </a:p>
+          <a:p>
+            <a:pPr>
+              <a:buNone/>
+            </a:pPr>
+            <a:r>
+              <a:rPr lang="pt-BR" sz="2000" dirty="0">
+                <a:ea typeface="+mn-lt"/>
+                <a:cs typeface="+mn-lt"/>
+              </a:rPr>
+              <a:t>Nome e assinatura do patrocinador.</a:t>
+            </a:r>
+            <a:endParaRPr lang="pt-BR" dirty="0">
+              <a:ea typeface="+mn-lt"/>
+              <a:cs typeface="+mn-lt"/>
+            </a:endParaRPr>
+          </a:p>
+          <a:p>
+            <a:pPr>
+              <a:buNone/>
+            </a:pPr>
+            <a:endParaRPr lang="pt-BR" sz="2000" dirty="0">
+              <a:ea typeface="+mn-lt"/>
+              <a:cs typeface="+mn-lt"/>
+            </a:endParaRPr>
+          </a:p>
+          <a:p>
+            <a:pPr>
+              <a:buNone/>
+            </a:pPr>
+            <a:endParaRPr lang="pt-BR" sz="2000" b="1" dirty="0">
+              <a:cs typeface="Calibri"/>
+            </a:endParaRPr>
+          </a:p>
+          <a:p>
+            <a:pPr>
+              <a:buNone/>
+            </a:pPr>
+            <a:endParaRPr lang="pt-BR" sz="2000" b="1" dirty="0">
+              <a:cs typeface="Calibri"/>
+            </a:endParaRPr>
+          </a:p>
+          <a:p>
+            <a:pPr>
+              <a:buNone/>
+            </a:pPr>
+            <a:endParaRPr lang="pt-BR" sz="2000" b="1" dirty="0">
+              <a:cs typeface="Calibri"/>
+            </a:endParaRPr>
+          </a:p>
+          <a:p>
+            <a:pPr>
+              <a:buNone/>
+            </a:pPr>
+            <a:endParaRPr lang="pt-BR" sz="2000" b="1" dirty="0">
+              <a:cs typeface="Calibri"/>
+            </a:endParaRPr>
+          </a:p>
+          <a:p>
+            <a:pPr>
+              <a:buNone/>
+            </a:pPr>
+            <a:endParaRPr lang="pt-BR" sz="2000" dirty="0">
+              <a:cs typeface="Calibri"/>
+            </a:endParaRPr>
+          </a:p>
+          <a:p>
+            <a:pPr>
+              <a:buNone/>
+            </a:pPr>
+            <a:endParaRPr lang="pt-BR" sz="2000" dirty="0">
+              <a:cs typeface="Calibri"/>
+            </a:endParaRPr>
+          </a:p>
+          <a:p>
+            <a:pPr>
+              <a:buNone/>
+            </a:pPr>
+            <a:endParaRPr lang="pt-BR" sz="2000" dirty="0">
+              <a:cs typeface="Calibri"/>
+            </a:endParaRPr>
+          </a:p>
+          <a:p>
+            <a:pPr>
+              <a:buNone/>
+            </a:pPr>
+            <a:endParaRPr lang="pt-BR" sz="2000" dirty="0">
+              <a:cs typeface="Calibri"/>
+            </a:endParaRPr>
+          </a:p>
+          <a:p>
+            <a:pPr>
+              <a:buNone/>
+            </a:pPr>
+            <a:endParaRPr lang="pt-BR" sz="2000" dirty="0">
+              <a:cs typeface="Calibri"/>
+            </a:endParaRPr>
+          </a:p>
+          <a:p>
+            <a:pPr>
+              <a:buNone/>
+            </a:pPr>
+            <a:endParaRPr lang="pt-BR" sz="2000">
+              <a:cs typeface="Calibri"/>
+            </a:endParaRPr>
+          </a:p>
+          <a:p>
+            <a:pPr>
+              <a:buNone/>
+            </a:pPr>
+            <a:endParaRPr lang="pt-BR" sz="2000">
+              <a:cs typeface="Calibri"/>
+            </a:endParaRPr>
+          </a:p>
+          <a:p>
+            <a:pPr>
+              <a:buNone/>
+            </a:pPr>
+            <a:endParaRPr lang="pt-BR" sz="2000">
+              <a:cs typeface="Calibri"/>
+            </a:endParaRPr>
+          </a:p>
+          <a:p>
+            <a:pPr>
+              <a:buNone/>
+            </a:pPr>
+            <a:endParaRPr lang="pt-BR" sz="2000">
+              <a:ea typeface="+mn-lt"/>
+              <a:cs typeface="+mn-lt"/>
+            </a:endParaRPr>
+          </a:p>
+          <a:p>
+            <a:pPr>
+              <a:buNone/>
+            </a:pPr>
+            <a:endParaRPr lang="pt-BR" sz="2000">
+              <a:cs typeface="Calibri" panose="020F0502020204030204"/>
+            </a:endParaRPr>
+          </a:p>
+          <a:p>
+            <a:pPr marL="0" indent="0">
+              <a:buNone/>
+            </a:pPr>
+            <a:endParaRPr lang="pt-BR" sz="2000">
+              <a:cs typeface="Calibri" panose="020F0502020204030204"/>
+            </a:endParaRPr>
+          </a:p>
+          <a:p>
+            <a:endParaRPr lang="pt-BR" sz="2000">
+              <a:solidFill>
+                <a:srgbClr val="000000"/>
+              </a:solidFill>
+              <a:ea typeface="+mn-lt"/>
+              <a:cs typeface="+mn-lt"/>
+            </a:endParaRPr>
+          </a:p>
+        </p:txBody>
+      </p:sp>
+      <p:sp>
+        <p:nvSpPr>
+          <p:cNvPr id="41" name="Rectangle 40">
+            <a:extLst>
+              <a:ext uri="{FF2B5EF4-FFF2-40B4-BE49-F238E27FC236}">
+                <a16:creationId xmlns:a16="http://schemas.microsoft.com/office/drawing/2014/main" id="{2E80C965-DB6D-4F81-9E9E-B027384D0BD6}"/>
+              </a:ext>
+              <a:ext uri="{C183D7F6-B498-43B3-948B-1728B52AA6E4}">
+                <adec:decorative xmlns:adec="http://schemas.microsoft.com/office/drawing/2017/decorative" val="1"/>
+              </a:ext>
+            </a:extLst>
+          </p:cNvPr>
+          <p:cNvSpPr>
+            <a:spLocks noGrp="1" noRot="1" noChangeAspect="1" noMove="1" noResize="1" noEditPoints="1" noAdjustHandles="1" noChangeArrowheads="1" noChangeShapeType="1" noTextEdit="1"/>
+          </p:cNvSpPr>
+          <p:nvPr>
+            <p:extLst>
+              <p:ext uri="{386F3935-93C4-4BCD-93E2-E3B085C9AB24}">
+                <p16:designElem xmlns:p16="http://schemas.microsoft.com/office/powerpoint/2015/main" val="1"/>
+              </p:ext>
+            </p:extLst>
+          </p:nvPr>
+        </p:nvSpPr>
+        <p:spPr>
+          <a:xfrm rot="2700000">
+            <a:off x="11052629" y="2120024"/>
+            <a:ext cx="645368" cy="645368"/>
+          </a:xfrm>
+          <a:prstGeom prst="rect">
+            <a:avLst/>
+          </a:prstGeom>
+          <a:solidFill>
+            <a:schemeClr val="accent4">
+              <a:alpha val="30000"/>
+            </a:schemeClr>
+          </a:solidFill>
+          <a:ln>
+            <a:noFill/>
+          </a:ln>
+        </p:spPr>
+        <p:style>
+          <a:lnRef idx="2">
+            <a:schemeClr val="accent1">
+              <a:shade val="50000"/>
+            </a:schemeClr>
+          </a:lnRef>
+          <a:fillRef idx="1">
+            <a:schemeClr val="accent1"/>
+          </a:fillRef>
+          <a:effectRef idx="0">
+            <a:schemeClr val="accent1"/>
+          </a:effectRef>
+          <a:fontRef idx="minor">
+            <a:schemeClr val="lt1"/>
+          </a:fontRef>
+        </p:style>
+        <p:txBody>
+          <a:bodyPr rtlCol="0" anchor="ctr"/>
+          <a:lstStyle/>
+          <a:p>
+            <a:pPr algn="ctr"/>
+            <a:endParaRPr lang="en-US"/>
+          </a:p>
+        </p:txBody>
+      </p:sp>
+      <p:sp>
+        <p:nvSpPr>
+          <p:cNvPr id="43" name="Isosceles Triangle 42">
+            <a:extLst>
+              <a:ext uri="{FF2B5EF4-FFF2-40B4-BE49-F238E27FC236}">
+                <a16:creationId xmlns:a16="http://schemas.microsoft.com/office/drawing/2014/main" id="{A580F890-B085-4E95-96AA-55AEBEC5CE6E}"/>
+              </a:ext>
+              <a:ext uri="{C183D7F6-B498-43B3-948B-1728B52AA6E4}">
+                <adec:decorative xmlns:adec="http://schemas.microsoft.com/office/drawing/2017/decorative" val="1"/>
+              </a:ext>
+            </a:extLst>
+          </p:cNvPr>
+          <p:cNvSpPr>
+            <a:spLocks noGrp="1" noRot="1" noChangeAspect="1" noMove="1" noResize="1" noEditPoints="1" noAdjustHandles="1" noChangeArrowheads="1" noChangeShapeType="1" noTextEdit="1"/>
+          </p:cNvSpPr>
+          <p:nvPr>
+            <p:extLst>
+              <p:ext uri="{386F3935-93C4-4BCD-93E2-E3B085C9AB24}">
+                <p16:designElem xmlns:p16="http://schemas.microsoft.com/office/powerpoint/2015/main" val="1"/>
+              </p:ext>
+            </p:extLst>
+          </p:nvPr>
+        </p:nvSpPr>
+        <p:spPr>
+          <a:xfrm rot="16200000">
+            <a:off x="10289068" y="1343027"/>
+            <a:ext cx="2532832" cy="1273032"/>
+          </a:xfrm>
+          <a:prstGeom prst="triangle">
+            <a:avLst>
+              <a:gd name="adj" fmla="val 50000"/>
+            </a:avLst>
+          </a:prstGeom>
+          <a:solidFill>
+            <a:schemeClr val="accent4">
+              <a:alpha val="30000"/>
+            </a:schemeClr>
+          </a:solidFill>
+          <a:ln>
+            <a:noFill/>
+          </a:ln>
+        </p:spPr>
+        <p:style>
+          <a:lnRef idx="2">
+            <a:schemeClr val="accent1">
+              <a:shade val="50000"/>
+            </a:schemeClr>
+          </a:lnRef>
+          <a:fillRef idx="1">
+            <a:schemeClr val="accent1"/>
+          </a:fillRef>
+          <a:effectRef idx="0">
+            <a:schemeClr val="accent1"/>
+          </a:effectRef>
+          <a:fontRef idx="minor">
+            <a:schemeClr val="lt1"/>
+          </a:fontRef>
+        </p:style>
+        <p:txBody>
+          <a:bodyPr rtlCol="0" anchor="ctr"/>
+          <a:lstStyle/>
+          <a:p>
+            <a:pPr algn="ctr"/>
+            <a:endParaRPr lang="en-US"/>
+          </a:p>
+        </p:txBody>
+      </p:sp>
+      <p:sp>
+        <p:nvSpPr>
+          <p:cNvPr id="45" name="Isosceles Triangle 44">
+            <a:extLst>
+              <a:ext uri="{FF2B5EF4-FFF2-40B4-BE49-F238E27FC236}">
+                <a16:creationId xmlns:a16="http://schemas.microsoft.com/office/drawing/2014/main" id="{D3F51FEB-38FB-4F6C-9F7B-2F2AFAB65463}"/>
+              </a:ext>
+              <a:ext uri="{C183D7F6-B498-43B3-948B-1728B52AA6E4}">
+                <adec:decorative xmlns:adec="http://schemas.microsoft.com/office/drawing/2017/decorative" val="1"/>
+              </a:ext>
+            </a:extLst>
+          </p:cNvPr>
+          <p:cNvSpPr>
+            <a:spLocks noGrp="1" noRot="1" noChangeAspect="1" noMove="1" noResize="1" noEditPoints="1" noAdjustHandles="1" noChangeArrowheads="1" noChangeShapeType="1" noTextEdit="1"/>
+          </p:cNvSpPr>
+          <p:nvPr>
+            <p:extLst>
+              <p:ext uri="{386F3935-93C4-4BCD-93E2-E3B085C9AB24}">
+                <p16:designElem xmlns:p16="http://schemas.microsoft.com/office/powerpoint/2015/main" val="1"/>
+              </p:ext>
+            </p:extLst>
+          </p:nvPr>
+        </p:nvSpPr>
+        <p:spPr>
+          <a:xfrm rot="5400000">
+            <a:off x="-501760" y="5103257"/>
+            <a:ext cx="2017580" cy="1014060"/>
+          </a:xfrm>
+          <a:prstGeom prst="triangle">
+            <a:avLst>
+              <a:gd name="adj" fmla="val 50000"/>
+            </a:avLst>
+          </a:prstGeom>
+          <a:solidFill>
+            <a:schemeClr val="accent1">
+              <a:alpha val="30000"/>
+            </a:schemeClr>
+          </a:solidFill>
+          <a:ln>
+            <a:noFill/>
+          </a:ln>
+        </p:spPr>
+        <p:style>
+          <a:lnRef idx="2">
+            <a:schemeClr val="accent1">
+              <a:shade val="50000"/>
+            </a:schemeClr>
+          </a:lnRef>
+          <a:fillRef idx="1">
+            <a:schemeClr val="accent1"/>
+          </a:fillRef>
+          <a:effectRef idx="0">
+            <a:schemeClr val="accent1"/>
+          </a:effectRef>
+          <a:fontRef idx="minor">
+            <a:schemeClr val="lt1"/>
+          </a:fontRef>
+        </p:style>
+        <p:txBody>
+          <a:bodyPr wrap="square" rtlCol="0" anchor="ctr">
+            <a:noAutofit/>
+          </a:bodyPr>
+          <a:lstStyle/>
+          <a:p>
+            <a:pPr algn="ctr"/>
+            <a:endParaRPr lang="en-US"/>
+          </a:p>
+        </p:txBody>
+      </p:sp>
+      <p:sp>
+        <p:nvSpPr>
+          <p:cNvPr id="47" name="Rectangle 46">
+            <a:extLst>
+              <a:ext uri="{FF2B5EF4-FFF2-40B4-BE49-F238E27FC236}">
+                <a16:creationId xmlns:a16="http://schemas.microsoft.com/office/drawing/2014/main" id="{1E547BA6-BAE0-43BB-A7CA-60F69CE252F0}"/>
+              </a:ext>
+              <a:ext uri="{C183D7F6-B498-43B3-948B-1728B52AA6E4}">
+                <adec:decorative xmlns:adec="http://schemas.microsoft.com/office/drawing/2017/decorative" val="1"/>
+              </a:ext>
+            </a:extLst>
+          </p:cNvPr>
+          <p:cNvSpPr>
+            <a:spLocks noGrp="1" noRot="1" noChangeAspect="1" noMove="1" noResize="1" noEditPoints="1" noAdjustHandles="1" noChangeArrowheads="1" noChangeShapeType="1" noTextEdit="1"/>
+          </p:cNvSpPr>
+          <p:nvPr>
+            <p:extLst>
+              <p:ext uri="{386F3935-93C4-4BCD-93E2-E3B085C9AB24}">
+                <p16:designElem xmlns:p16="http://schemas.microsoft.com/office/powerpoint/2015/main" val="1"/>
+              </p:ext>
+            </p:extLst>
+          </p:nvPr>
+        </p:nvSpPr>
+        <p:spPr>
+          <a:xfrm rot="2700000">
+            <a:off x="427916" y="5728708"/>
+            <a:ext cx="485578" cy="485578"/>
+          </a:xfrm>
+          <a:prstGeom prst="rect">
+            <a:avLst/>
+          </a:prstGeom>
+          <a:solidFill>
+            <a:schemeClr val="accent1">
+              <a:alpha val="30000"/>
+            </a:schemeClr>
+          </a:solidFill>
+          <a:ln>
+            <a:noFill/>
+          </a:ln>
+        </p:spPr>
+        <p:style>
+          <a:lnRef idx="2">
+            <a:schemeClr val="accent1">
+              <a:shade val="50000"/>
+            </a:schemeClr>
+          </a:lnRef>
+          <a:fillRef idx="1">
+            <a:schemeClr val="accent1"/>
+          </a:fillRef>
+          <a:effectRef idx="0">
+            <a:schemeClr val="accent1"/>
+          </a:effectRef>
+          <a:fontRef idx="minor">
+            <a:schemeClr val="lt1"/>
+          </a:fontRef>
+        </p:style>
+        <p:txBody>
+          <a:bodyPr wrap="square" rtlCol="0" anchor="ctr">
+            <a:noAutofit/>
+          </a:bodyPr>
+          <a:lstStyle/>
+          <a:p>
+            <a:pPr algn="ctr"/>
+            <a:endParaRPr lang="en-US"/>
+          </a:p>
+        </p:txBody>
+      </p:sp>
+    </p:spTree>
+    <p:extLst>
+      <p:ext uri="{BB962C8B-B14F-4D97-AF65-F5344CB8AC3E}">
+        <p14:creationId xmlns:p14="http://schemas.microsoft.com/office/powerpoint/2010/main" val="3015762303"/>
+      </p:ext>
+    </p:extLst>
+  </p:cSld>
+  <p:clrMapOvr>
+    <a:masterClrMapping/>
+  </p:clrMapOvr>
+</p:sld>
+</file>
+
+<file path=ppt/slides/slide21.xml><?xml version="1.0" encoding="utf-8"?>
+<p:sld xmlns:a="http://schemas.openxmlformats.org/drawingml/2006/main" xmlns:r="http://schemas.openxmlformats.org/officeDocument/2006/relationships" xmlns:p="http://schemas.openxmlformats.org/presentationml/2006/main">
+  <p:cSld>
+    <p:bg>
+      <p:bgPr>
+        <a:solidFill>
+          <a:schemeClr val="bg1"/>
+        </a:solidFill>
+        <a:effectLst/>
+      </p:bgPr>
+    </p:bg>
+    <p:spTree>
+      <p:nvGrpSpPr>
+        <p:cNvPr id="1" name=""/>
+        <p:cNvGrpSpPr/>
+        <p:nvPr/>
+      </p:nvGrpSpPr>
+      <p:grpSpPr>
+        <a:xfrm>
+          <a:off x="0" y="0"/>
+          <a:ext cx="0" cy="0"/>
+          <a:chOff x="0" y="0"/>
+          <a:chExt cx="0" cy="0"/>
+        </a:xfrm>
+      </p:grpSpPr>
+      <p:sp>
+        <p:nvSpPr>
+          <p:cNvPr id="39" name="Rectangle 38">
+            <a:extLst>
+              <a:ext uri="{FF2B5EF4-FFF2-40B4-BE49-F238E27FC236}">
+                <a16:creationId xmlns:a16="http://schemas.microsoft.com/office/drawing/2014/main" id="{2B566528-1B12-4246-9431-5C2D7D081168}"/>
+              </a:ext>
+              <a:ext uri="{C183D7F6-B498-43B3-948B-1728B52AA6E4}">
+                <adec:decorative xmlns:adec="http://schemas.microsoft.com/office/drawing/2017/decorative" val="1"/>
+              </a:ext>
+            </a:extLst>
+          </p:cNvPr>
+          <p:cNvSpPr>
+            <a:spLocks noGrp="1" noRot="1" noChangeAspect="1" noMove="1" noResize="1" noEditPoints="1" noAdjustHandles="1" noChangeArrowheads="1" noChangeShapeType="1" noTextEdit="1"/>
+          </p:cNvSpPr>
+          <p:nvPr>
+            <p:extLst>
+              <p:ext uri="{386F3935-93C4-4BCD-93E2-E3B085C9AB24}">
+                <p16:designElem xmlns:p16="http://schemas.microsoft.com/office/powerpoint/2015/main" val="1"/>
+              </p:ext>
+            </p:extLst>
+          </p:nvPr>
+        </p:nvSpPr>
+        <p:spPr>
+          <a:xfrm>
+            <a:off x="0" y="0"/>
+            <a:ext cx="12192000" cy="6858000"/>
+          </a:xfrm>
+          <a:prstGeom prst="rect">
+            <a:avLst/>
+          </a:prstGeom>
+          <a:solidFill>
+            <a:schemeClr val="bg1"/>
+          </a:solidFill>
+          <a:ln>
+            <a:noFill/>
+          </a:ln>
+        </p:spPr>
+        <p:style>
+          <a:lnRef idx="2">
+            <a:schemeClr val="accent1">
+              <a:shade val="50000"/>
+            </a:schemeClr>
+          </a:lnRef>
+          <a:fillRef idx="1">
+            <a:schemeClr val="accent1"/>
+          </a:fillRef>
+          <a:effectRef idx="0">
+            <a:schemeClr val="accent1"/>
+          </a:effectRef>
+          <a:fontRef idx="minor">
+            <a:schemeClr val="lt1"/>
+          </a:fontRef>
+        </p:style>
+        <p:txBody>
+          <a:bodyPr rtlCol="0" anchor="ctr"/>
+          <a:lstStyle/>
+          <a:p>
+            <a:pPr algn="ctr"/>
+            <a:endParaRPr lang="en-US"/>
+          </a:p>
+        </p:txBody>
+      </p:sp>
+      <p:sp>
+        <p:nvSpPr>
+          <p:cNvPr id="2" name="Título 1">
+            <a:extLst>
+              <a:ext uri="{FF2B5EF4-FFF2-40B4-BE49-F238E27FC236}">
+                <a16:creationId xmlns:a16="http://schemas.microsoft.com/office/drawing/2014/main" id="{46991FFA-5E35-051D-3B8C-8962250E1C9A}"/>
+              </a:ext>
+            </a:extLst>
+          </p:cNvPr>
+          <p:cNvSpPr>
+            <a:spLocks noGrp="1"/>
+          </p:cNvSpPr>
+          <p:nvPr>
+            <p:ph type="title"/>
+          </p:nvPr>
+        </p:nvSpPr>
+        <p:spPr>
+          <a:xfrm>
+            <a:off x="643467" y="321734"/>
+            <a:ext cx="10905066" cy="1135737"/>
+          </a:xfrm>
+        </p:spPr>
+        <p:txBody>
+          <a:bodyPr>
+            <a:normAutofit/>
+          </a:bodyPr>
+          <a:lstStyle/>
+          <a:p>
+            <a:r>
+              <a:rPr lang="pt-BR" sz="3600" b="1" dirty="0">
+                <a:ea typeface="+mj-lt"/>
+                <a:cs typeface="+mj-lt"/>
+              </a:rPr>
+              <a:t>4.2 Desenvolver o plano de gerenciamento do projeto</a:t>
+            </a:r>
+            <a:endParaRPr lang="pt-BR" dirty="0"/>
+          </a:p>
+        </p:txBody>
+      </p:sp>
+      <p:sp>
+        <p:nvSpPr>
+          <p:cNvPr id="3" name="Espaço Reservado para Conteúdo 2">
+            <a:extLst>
+              <a:ext uri="{FF2B5EF4-FFF2-40B4-BE49-F238E27FC236}">
+                <a16:creationId xmlns:a16="http://schemas.microsoft.com/office/drawing/2014/main" id="{1F560DD4-1938-249D-D353-6A108002A6DE}"/>
+              </a:ext>
+            </a:extLst>
+          </p:cNvPr>
+          <p:cNvSpPr>
+            <a:spLocks noGrp="1"/>
+          </p:cNvSpPr>
+          <p:nvPr>
+            <p:ph idx="1"/>
+          </p:nvPr>
+        </p:nvSpPr>
+        <p:spPr>
+          <a:xfrm>
+            <a:off x="657844" y="1610453"/>
+            <a:ext cx="10890689" cy="4566510"/>
+          </a:xfrm>
+        </p:spPr>
+        <p:txBody>
+          <a:bodyPr vert="horz" lIns="91440" tIns="45720" rIns="91440" bIns="45720" rtlCol="0" anchor="t">
+            <a:normAutofit/>
+          </a:bodyPr>
+          <a:lstStyle/>
+          <a:p>
+            <a:pPr>
+              <a:buNone/>
+            </a:pPr>
+            <a:r>
+              <a:rPr lang="pt-BR" sz="2000" dirty="0">
+                <a:ea typeface="+mn-lt"/>
+                <a:cs typeface="+mn-lt"/>
+              </a:rPr>
+              <a:t>O plano de gerenciamento do projeto define como o projeto é executado, monitorado, controlado e encerrado. Coordena todos os demais planos subsidiários.</a:t>
+            </a:r>
+            <a:endParaRPr lang="pt-BR" dirty="0"/>
+          </a:p>
+          <a:p>
+            <a:pPr>
+              <a:buNone/>
+            </a:pPr>
+            <a:r>
+              <a:rPr lang="pt-BR" sz="2000" dirty="0">
+                <a:ea typeface="+mn-lt"/>
+                <a:cs typeface="+mn-lt"/>
+              </a:rPr>
+              <a:t>Esse plano documenta o conjunto de saídas dos processos de planejamento.</a:t>
+            </a:r>
+            <a:endParaRPr lang="pt-BR" dirty="0"/>
+          </a:p>
+          <a:p>
+            <a:pPr>
+              <a:buNone/>
+            </a:pPr>
+            <a:r>
+              <a:rPr lang="pt-BR" sz="2000" dirty="0">
+                <a:ea typeface="+mn-lt"/>
+                <a:cs typeface="+mn-lt"/>
+              </a:rPr>
+              <a:t>O plano de gerenciamento do projeto pode ser sumarizado ou detalhado, sendo constituído por um ou mais planos auxiliares e outros componentes obtidos das </a:t>
+            </a:r>
+            <a:r>
+              <a:rPr lang="pt-BR" sz="2000" b="1" dirty="0">
+                <a:ea typeface="+mn-lt"/>
+                <a:cs typeface="+mn-lt"/>
+              </a:rPr>
+              <a:t>dez</a:t>
+            </a:r>
+            <a:r>
+              <a:rPr lang="pt-BR" sz="2000" dirty="0">
+                <a:ea typeface="+mn-lt"/>
+                <a:cs typeface="+mn-lt"/>
+              </a:rPr>
+              <a:t> áreas de tratamento da gerência de projetos.</a:t>
+            </a:r>
+            <a:endParaRPr lang="pt-BR" dirty="0">
+              <a:ea typeface="+mn-lt"/>
+              <a:cs typeface="+mn-lt"/>
+            </a:endParaRPr>
+          </a:p>
+          <a:p>
+            <a:pPr>
+              <a:buNone/>
+            </a:pPr>
+            <a:endParaRPr lang="pt-BR" sz="2000" dirty="0">
+              <a:ea typeface="+mn-lt"/>
+              <a:cs typeface="+mn-lt"/>
+            </a:endParaRPr>
+          </a:p>
+          <a:p>
+            <a:pPr>
+              <a:buNone/>
+            </a:pPr>
+            <a:endParaRPr lang="pt-BR" sz="2000" b="1" dirty="0">
+              <a:ea typeface="+mn-lt"/>
+              <a:cs typeface="+mn-lt"/>
+            </a:endParaRPr>
+          </a:p>
+          <a:p>
+            <a:pPr>
+              <a:buNone/>
+            </a:pPr>
+            <a:endParaRPr lang="pt-BR" sz="2000" b="1" dirty="0">
+              <a:cs typeface="Calibri"/>
+            </a:endParaRPr>
+          </a:p>
+          <a:p>
+            <a:pPr>
+              <a:buNone/>
+            </a:pPr>
+            <a:endParaRPr lang="pt-BR" sz="2000" b="1" dirty="0">
+              <a:cs typeface="Calibri"/>
+            </a:endParaRPr>
+          </a:p>
+          <a:p>
+            <a:pPr>
+              <a:buNone/>
+            </a:pPr>
+            <a:endParaRPr lang="pt-BR" sz="2000" b="1" dirty="0">
+              <a:cs typeface="Calibri"/>
+            </a:endParaRPr>
+          </a:p>
+          <a:p>
+            <a:pPr>
+              <a:buNone/>
+            </a:pPr>
+            <a:endParaRPr lang="pt-BR" sz="2000" dirty="0">
+              <a:cs typeface="Calibri"/>
+            </a:endParaRPr>
+          </a:p>
+          <a:p>
+            <a:pPr>
+              <a:buNone/>
+            </a:pPr>
+            <a:endParaRPr lang="pt-BR" sz="2000" dirty="0">
+              <a:cs typeface="Calibri"/>
+            </a:endParaRPr>
+          </a:p>
+          <a:p>
+            <a:pPr>
+              <a:buNone/>
+            </a:pPr>
+            <a:endParaRPr lang="pt-BR" sz="2000" dirty="0">
+              <a:cs typeface="Calibri"/>
+            </a:endParaRPr>
+          </a:p>
+          <a:p>
+            <a:pPr>
+              <a:buNone/>
+            </a:pPr>
+            <a:endParaRPr lang="pt-BR" sz="2000" dirty="0">
+              <a:cs typeface="Calibri"/>
+            </a:endParaRPr>
+          </a:p>
+          <a:p>
+            <a:pPr>
+              <a:buNone/>
+            </a:pPr>
+            <a:endParaRPr lang="pt-BR" sz="2000" dirty="0">
+              <a:cs typeface="Calibri"/>
+            </a:endParaRPr>
+          </a:p>
+          <a:p>
+            <a:pPr>
+              <a:buNone/>
+            </a:pPr>
+            <a:endParaRPr lang="pt-BR" sz="2000">
+              <a:cs typeface="Calibri"/>
+            </a:endParaRPr>
+          </a:p>
+          <a:p>
+            <a:pPr>
+              <a:buNone/>
+            </a:pPr>
+            <a:endParaRPr lang="pt-BR" sz="2000">
+              <a:cs typeface="Calibri"/>
+            </a:endParaRPr>
+          </a:p>
+          <a:p>
+            <a:pPr>
+              <a:buNone/>
+            </a:pPr>
+            <a:endParaRPr lang="pt-BR" sz="2000">
+              <a:cs typeface="Calibri"/>
+            </a:endParaRPr>
+          </a:p>
+          <a:p>
+            <a:pPr>
+              <a:buNone/>
+            </a:pPr>
+            <a:endParaRPr lang="pt-BR" sz="2000">
+              <a:cs typeface="Calibri"/>
+            </a:endParaRPr>
+          </a:p>
+          <a:p>
+            <a:pPr>
+              <a:buNone/>
+            </a:pPr>
+            <a:endParaRPr lang="pt-BR" sz="2000">
+              <a:ea typeface="+mn-lt"/>
+              <a:cs typeface="+mn-lt"/>
+            </a:endParaRPr>
+          </a:p>
+          <a:p>
+            <a:pPr marL="0" indent="0">
+              <a:buNone/>
+            </a:pPr>
+            <a:endParaRPr lang="pt-BR" sz="2000">
+              <a:cs typeface="Calibri" panose="020F0502020204030204"/>
+            </a:endParaRPr>
+          </a:p>
+          <a:p>
+            <a:endParaRPr lang="pt-BR" sz="2000">
+              <a:cs typeface="Calibri" panose="020F0502020204030204"/>
+            </a:endParaRPr>
+          </a:p>
+        </p:txBody>
+      </p:sp>
+      <p:sp>
+        <p:nvSpPr>
+          <p:cNvPr id="41" name="Rectangle 40">
+            <a:extLst>
+              <a:ext uri="{FF2B5EF4-FFF2-40B4-BE49-F238E27FC236}">
+                <a16:creationId xmlns:a16="http://schemas.microsoft.com/office/drawing/2014/main" id="{2E80C965-DB6D-4F81-9E9E-B027384D0BD6}"/>
+              </a:ext>
+              <a:ext uri="{C183D7F6-B498-43B3-948B-1728B52AA6E4}">
+                <adec:decorative xmlns:adec="http://schemas.microsoft.com/office/drawing/2017/decorative" val="1"/>
+              </a:ext>
+            </a:extLst>
+          </p:cNvPr>
+          <p:cNvSpPr>
+            <a:spLocks noGrp="1" noRot="1" noChangeAspect="1" noMove="1" noResize="1" noEditPoints="1" noAdjustHandles="1" noChangeArrowheads="1" noChangeShapeType="1" noTextEdit="1"/>
+          </p:cNvSpPr>
+          <p:nvPr>
+            <p:extLst>
+              <p:ext uri="{386F3935-93C4-4BCD-93E2-E3B085C9AB24}">
+                <p16:designElem xmlns:p16="http://schemas.microsoft.com/office/powerpoint/2015/main" val="1"/>
+              </p:ext>
+            </p:extLst>
+          </p:nvPr>
+        </p:nvSpPr>
+        <p:spPr>
+          <a:xfrm rot="2700000">
+            <a:off x="11052629" y="2120024"/>
+            <a:ext cx="645368" cy="645368"/>
+          </a:xfrm>
+          <a:prstGeom prst="rect">
+            <a:avLst/>
+          </a:prstGeom>
+          <a:solidFill>
+            <a:schemeClr val="accent4">
+              <a:alpha val="30000"/>
+            </a:schemeClr>
+          </a:solidFill>
+          <a:ln>
+            <a:noFill/>
+          </a:ln>
+        </p:spPr>
+        <p:style>
+          <a:lnRef idx="2">
+            <a:schemeClr val="accent1">
+              <a:shade val="50000"/>
+            </a:schemeClr>
+          </a:lnRef>
+          <a:fillRef idx="1">
+            <a:schemeClr val="accent1"/>
+          </a:fillRef>
+          <a:effectRef idx="0">
+            <a:schemeClr val="accent1"/>
+          </a:effectRef>
+          <a:fontRef idx="minor">
+            <a:schemeClr val="lt1"/>
+          </a:fontRef>
+        </p:style>
+        <p:txBody>
+          <a:bodyPr rtlCol="0" anchor="ctr"/>
+          <a:lstStyle/>
+          <a:p>
+            <a:pPr algn="ctr"/>
+            <a:endParaRPr lang="en-US"/>
+          </a:p>
+        </p:txBody>
+      </p:sp>
+      <p:sp>
+        <p:nvSpPr>
+          <p:cNvPr id="43" name="Isosceles Triangle 42">
+            <a:extLst>
+              <a:ext uri="{FF2B5EF4-FFF2-40B4-BE49-F238E27FC236}">
+                <a16:creationId xmlns:a16="http://schemas.microsoft.com/office/drawing/2014/main" id="{A580F890-B085-4E95-96AA-55AEBEC5CE6E}"/>
+              </a:ext>
+              <a:ext uri="{C183D7F6-B498-43B3-948B-1728B52AA6E4}">
+                <adec:decorative xmlns:adec="http://schemas.microsoft.com/office/drawing/2017/decorative" val="1"/>
+              </a:ext>
+            </a:extLst>
+          </p:cNvPr>
+          <p:cNvSpPr>
+            <a:spLocks noGrp="1" noRot="1" noChangeAspect="1" noMove="1" noResize="1" noEditPoints="1" noAdjustHandles="1" noChangeArrowheads="1" noChangeShapeType="1" noTextEdit="1"/>
+          </p:cNvSpPr>
+          <p:nvPr>
+            <p:extLst>
+              <p:ext uri="{386F3935-93C4-4BCD-93E2-E3B085C9AB24}">
+                <p16:designElem xmlns:p16="http://schemas.microsoft.com/office/powerpoint/2015/main" val="1"/>
+              </p:ext>
+            </p:extLst>
+          </p:nvPr>
+        </p:nvSpPr>
+        <p:spPr>
+          <a:xfrm rot="16200000">
+            <a:off x="10289068" y="1343027"/>
+            <a:ext cx="2532832" cy="1273032"/>
+          </a:xfrm>
+          <a:prstGeom prst="triangle">
+            <a:avLst>
+              <a:gd name="adj" fmla="val 50000"/>
+            </a:avLst>
+          </a:prstGeom>
+          <a:solidFill>
+            <a:schemeClr val="accent4">
+              <a:alpha val="30000"/>
+            </a:schemeClr>
+          </a:solidFill>
+          <a:ln>
+            <a:noFill/>
+          </a:ln>
+        </p:spPr>
+        <p:style>
+          <a:lnRef idx="2">
+            <a:schemeClr val="accent1">
+              <a:shade val="50000"/>
+            </a:schemeClr>
+          </a:lnRef>
+          <a:fillRef idx="1">
+            <a:schemeClr val="accent1"/>
+          </a:fillRef>
+          <a:effectRef idx="0">
+            <a:schemeClr val="accent1"/>
+          </a:effectRef>
+          <a:fontRef idx="minor">
+            <a:schemeClr val="lt1"/>
+          </a:fontRef>
+        </p:style>
+        <p:txBody>
+          <a:bodyPr rtlCol="0" anchor="ctr"/>
+          <a:lstStyle/>
+          <a:p>
+            <a:pPr algn="ctr"/>
+            <a:endParaRPr lang="en-US"/>
+          </a:p>
+        </p:txBody>
+      </p:sp>
+      <p:sp>
+        <p:nvSpPr>
+          <p:cNvPr id="45" name="Isosceles Triangle 44">
+            <a:extLst>
+              <a:ext uri="{FF2B5EF4-FFF2-40B4-BE49-F238E27FC236}">
+                <a16:creationId xmlns:a16="http://schemas.microsoft.com/office/drawing/2014/main" id="{D3F51FEB-38FB-4F6C-9F7B-2F2AFAB65463}"/>
+              </a:ext>
+              <a:ext uri="{C183D7F6-B498-43B3-948B-1728B52AA6E4}">
+                <adec:decorative xmlns:adec="http://schemas.microsoft.com/office/drawing/2017/decorative" val="1"/>
+              </a:ext>
+            </a:extLst>
+          </p:cNvPr>
+          <p:cNvSpPr>
+            <a:spLocks noGrp="1" noRot="1" noChangeAspect="1" noMove="1" noResize="1" noEditPoints="1" noAdjustHandles="1" noChangeArrowheads="1" noChangeShapeType="1" noTextEdit="1"/>
+          </p:cNvSpPr>
+          <p:nvPr>
+            <p:extLst>
+              <p:ext uri="{386F3935-93C4-4BCD-93E2-E3B085C9AB24}">
+                <p16:designElem xmlns:p16="http://schemas.microsoft.com/office/powerpoint/2015/main" val="1"/>
+              </p:ext>
+            </p:extLst>
+          </p:nvPr>
+        </p:nvSpPr>
+        <p:spPr>
+          <a:xfrm rot="5400000">
+            <a:off x="-501760" y="5103257"/>
+            <a:ext cx="2017580" cy="1014060"/>
+          </a:xfrm>
+          <a:prstGeom prst="triangle">
+            <a:avLst>
+              <a:gd name="adj" fmla="val 50000"/>
+            </a:avLst>
+          </a:prstGeom>
+          <a:solidFill>
+            <a:schemeClr val="accent1">
+              <a:alpha val="30000"/>
+            </a:schemeClr>
+          </a:solidFill>
+          <a:ln>
+            <a:noFill/>
+          </a:ln>
+        </p:spPr>
+        <p:style>
+          <a:lnRef idx="2">
+            <a:schemeClr val="accent1">
+              <a:shade val="50000"/>
+            </a:schemeClr>
+          </a:lnRef>
+          <a:fillRef idx="1">
+            <a:schemeClr val="accent1"/>
+          </a:fillRef>
+          <a:effectRef idx="0">
+            <a:schemeClr val="accent1"/>
+          </a:effectRef>
+          <a:fontRef idx="minor">
+            <a:schemeClr val="lt1"/>
+          </a:fontRef>
+        </p:style>
+        <p:txBody>
+          <a:bodyPr wrap="square" rtlCol="0" anchor="ctr">
+            <a:noAutofit/>
+          </a:bodyPr>
+          <a:lstStyle/>
+          <a:p>
+            <a:pPr algn="ctr"/>
+            <a:endParaRPr lang="en-US"/>
+          </a:p>
+        </p:txBody>
+      </p:sp>
+      <p:sp>
+        <p:nvSpPr>
+          <p:cNvPr id="47" name="Rectangle 46">
+            <a:extLst>
+              <a:ext uri="{FF2B5EF4-FFF2-40B4-BE49-F238E27FC236}">
+                <a16:creationId xmlns:a16="http://schemas.microsoft.com/office/drawing/2014/main" id="{1E547BA6-BAE0-43BB-A7CA-60F69CE252F0}"/>
+              </a:ext>
+              <a:ext uri="{C183D7F6-B498-43B3-948B-1728B52AA6E4}">
+                <adec:decorative xmlns:adec="http://schemas.microsoft.com/office/drawing/2017/decorative" val="1"/>
+              </a:ext>
+            </a:extLst>
+          </p:cNvPr>
+          <p:cNvSpPr>
+            <a:spLocks noGrp="1" noRot="1" noChangeAspect="1" noMove="1" noResize="1" noEditPoints="1" noAdjustHandles="1" noChangeArrowheads="1" noChangeShapeType="1" noTextEdit="1"/>
+          </p:cNvSpPr>
+          <p:nvPr>
+            <p:extLst>
+              <p:ext uri="{386F3935-93C4-4BCD-93E2-E3B085C9AB24}">
+                <p16:designElem xmlns:p16="http://schemas.microsoft.com/office/powerpoint/2015/main" val="1"/>
+              </p:ext>
+            </p:extLst>
+          </p:nvPr>
+        </p:nvSpPr>
+        <p:spPr>
+          <a:xfrm rot="2700000">
+            <a:off x="427916" y="5728708"/>
+            <a:ext cx="485578" cy="485578"/>
+          </a:xfrm>
+          <a:prstGeom prst="rect">
+            <a:avLst/>
+          </a:prstGeom>
+          <a:solidFill>
+            <a:schemeClr val="accent1">
+              <a:alpha val="30000"/>
+            </a:schemeClr>
+          </a:solidFill>
+          <a:ln>
+            <a:noFill/>
+          </a:ln>
+        </p:spPr>
+        <p:style>
+          <a:lnRef idx="2">
+            <a:schemeClr val="accent1">
+              <a:shade val="50000"/>
+            </a:schemeClr>
+          </a:lnRef>
+          <a:fillRef idx="1">
+            <a:schemeClr val="accent1"/>
+          </a:fillRef>
+          <a:effectRef idx="0">
+            <a:schemeClr val="accent1"/>
+          </a:effectRef>
+          <a:fontRef idx="minor">
+            <a:schemeClr val="lt1"/>
+          </a:fontRef>
+        </p:style>
+        <p:txBody>
+          <a:bodyPr wrap="square" rtlCol="0" anchor="ctr">
+            <a:noAutofit/>
+          </a:bodyPr>
+          <a:lstStyle/>
+          <a:p>
+            <a:pPr algn="ctr"/>
+            <a:endParaRPr lang="en-US"/>
+          </a:p>
+        </p:txBody>
+      </p:sp>
+    </p:spTree>
+    <p:extLst>
+      <p:ext uri="{BB962C8B-B14F-4D97-AF65-F5344CB8AC3E}">
+        <p14:creationId xmlns:p14="http://schemas.microsoft.com/office/powerpoint/2010/main" val="1707063130"/>
+      </p:ext>
+    </p:extLst>
+  </p:cSld>
+  <p:clrMapOvr>
+    <a:masterClrMapping/>
+  </p:clrMapOvr>
+</p:sld>
+</file>
+
+<file path=ppt/slides/slide22.xml><?xml version="1.0" encoding="utf-8"?>
+<p:sld xmlns:a="http://schemas.openxmlformats.org/drawingml/2006/main" xmlns:r="http://schemas.openxmlformats.org/officeDocument/2006/relationships" xmlns:p="http://schemas.openxmlformats.org/presentationml/2006/main">
+  <p:cSld>
+    <p:bg>
+      <p:bgPr>
+        <a:solidFill>
+          <a:schemeClr val="bg1"/>
+        </a:solidFill>
+        <a:effectLst/>
+      </p:bgPr>
+    </p:bg>
+    <p:spTree>
+      <p:nvGrpSpPr>
+        <p:cNvPr id="1" name=""/>
+        <p:cNvGrpSpPr/>
+        <p:nvPr/>
+      </p:nvGrpSpPr>
+      <p:grpSpPr>
+        <a:xfrm>
+          <a:off x="0" y="0"/>
+          <a:ext cx="0" cy="0"/>
+          <a:chOff x="0" y="0"/>
+          <a:chExt cx="0" cy="0"/>
+        </a:xfrm>
+      </p:grpSpPr>
+      <p:sp>
+        <p:nvSpPr>
+          <p:cNvPr id="39" name="Rectangle 38">
+            <a:extLst>
+              <a:ext uri="{FF2B5EF4-FFF2-40B4-BE49-F238E27FC236}">
+                <a16:creationId xmlns:a16="http://schemas.microsoft.com/office/drawing/2014/main" id="{2B566528-1B12-4246-9431-5C2D7D081168}"/>
+              </a:ext>
+              <a:ext uri="{C183D7F6-B498-43B3-948B-1728B52AA6E4}">
+                <adec:decorative xmlns:adec="http://schemas.microsoft.com/office/drawing/2017/decorative" val="1"/>
+              </a:ext>
+            </a:extLst>
+          </p:cNvPr>
+          <p:cNvSpPr>
+            <a:spLocks noGrp="1" noRot="1" noChangeAspect="1" noMove="1" noResize="1" noEditPoints="1" noAdjustHandles="1" noChangeArrowheads="1" noChangeShapeType="1" noTextEdit="1"/>
+          </p:cNvSpPr>
+          <p:nvPr>
+            <p:extLst>
+              <p:ext uri="{386F3935-93C4-4BCD-93E2-E3B085C9AB24}">
+                <p16:designElem xmlns:p16="http://schemas.microsoft.com/office/powerpoint/2015/main" val="1"/>
+              </p:ext>
+            </p:extLst>
+          </p:nvPr>
+        </p:nvSpPr>
+        <p:spPr>
+          <a:xfrm>
+            <a:off x="0" y="0"/>
+            <a:ext cx="12192000" cy="6858000"/>
+          </a:xfrm>
+          <a:prstGeom prst="rect">
+            <a:avLst/>
+          </a:prstGeom>
+          <a:solidFill>
+            <a:schemeClr val="bg1"/>
+          </a:solidFill>
+          <a:ln>
+            <a:noFill/>
+          </a:ln>
+        </p:spPr>
+        <p:style>
+          <a:lnRef idx="2">
+            <a:schemeClr val="accent1">
+              <a:shade val="50000"/>
+            </a:schemeClr>
+          </a:lnRef>
+          <a:fillRef idx="1">
+            <a:schemeClr val="accent1"/>
+          </a:fillRef>
+          <a:effectRef idx="0">
+            <a:schemeClr val="accent1"/>
+          </a:effectRef>
+          <a:fontRef idx="minor">
+            <a:schemeClr val="lt1"/>
+          </a:fontRef>
+        </p:style>
+        <p:txBody>
+          <a:bodyPr rtlCol="0" anchor="ctr"/>
+          <a:lstStyle/>
+          <a:p>
+            <a:pPr algn="ctr"/>
+            <a:endParaRPr lang="en-US"/>
+          </a:p>
+        </p:txBody>
+      </p:sp>
+      <p:sp>
+        <p:nvSpPr>
+          <p:cNvPr id="2" name="Título 1">
+            <a:extLst>
+              <a:ext uri="{FF2B5EF4-FFF2-40B4-BE49-F238E27FC236}">
+                <a16:creationId xmlns:a16="http://schemas.microsoft.com/office/drawing/2014/main" id="{46991FFA-5E35-051D-3B8C-8962250E1C9A}"/>
+              </a:ext>
+            </a:extLst>
+          </p:cNvPr>
+          <p:cNvSpPr>
+            <a:spLocks noGrp="1"/>
+          </p:cNvSpPr>
+          <p:nvPr>
+            <p:ph type="title"/>
+          </p:nvPr>
+        </p:nvSpPr>
+        <p:spPr>
+          <a:xfrm>
+            <a:off x="643467" y="321734"/>
+            <a:ext cx="10905066" cy="1135737"/>
+          </a:xfrm>
+        </p:spPr>
+        <p:txBody>
+          <a:bodyPr>
+            <a:normAutofit/>
+          </a:bodyPr>
+          <a:lstStyle/>
+          <a:p>
+            <a:r>
+              <a:rPr lang="pt-BR" sz="3600" b="1" dirty="0">
+                <a:ea typeface="+mj-lt"/>
+                <a:cs typeface="+mj-lt"/>
+              </a:rPr>
+              <a:t>4.2 Desenvolver o plano de gerenciamento do projeto</a:t>
+            </a:r>
+            <a:endParaRPr lang="pt-BR" dirty="0"/>
+          </a:p>
+        </p:txBody>
+      </p:sp>
+      <p:sp>
+        <p:nvSpPr>
+          <p:cNvPr id="3" name="Espaço Reservado para Conteúdo 2">
+            <a:extLst>
+              <a:ext uri="{FF2B5EF4-FFF2-40B4-BE49-F238E27FC236}">
+                <a16:creationId xmlns:a16="http://schemas.microsoft.com/office/drawing/2014/main" id="{1F560DD4-1938-249D-D353-6A108002A6DE}"/>
+              </a:ext>
+            </a:extLst>
+          </p:cNvPr>
+          <p:cNvSpPr>
+            <a:spLocks noGrp="1"/>
+          </p:cNvSpPr>
+          <p:nvPr>
+            <p:ph idx="1"/>
+          </p:nvPr>
+        </p:nvSpPr>
+        <p:spPr>
+          <a:xfrm>
+            <a:off x="657844" y="1610453"/>
+            <a:ext cx="10890689" cy="4566510"/>
+          </a:xfrm>
+        </p:spPr>
+        <p:txBody>
+          <a:bodyPr vert="horz" lIns="91440" tIns="45720" rIns="91440" bIns="45720" rtlCol="0" anchor="t">
+            <a:normAutofit/>
+          </a:bodyPr>
+          <a:lstStyle/>
+          <a:p>
+            <a:pPr>
+              <a:buNone/>
+            </a:pPr>
+            <a:r>
+              <a:rPr lang="pt-BR" sz="2000" dirty="0">
+                <a:ea typeface="+mn-lt"/>
+                <a:cs typeface="+mn-lt"/>
+              </a:rPr>
+              <a:t>Entradas.</a:t>
+            </a:r>
+            <a:endParaRPr lang="pt-BR" dirty="0">
+              <a:ea typeface="+mn-lt"/>
+              <a:cs typeface="+mn-lt"/>
+            </a:endParaRPr>
+          </a:p>
+          <a:p>
+            <a:pPr>
+              <a:buNone/>
+            </a:pPr>
+            <a:r>
+              <a:rPr lang="pt-BR" sz="2000" dirty="0">
+                <a:ea typeface="+mn-lt"/>
+                <a:cs typeface="+mn-lt"/>
+              </a:rPr>
+              <a:t>1 TAP.</a:t>
+            </a:r>
+            <a:endParaRPr lang="pt-BR" dirty="0">
+              <a:ea typeface="+mn-lt"/>
+              <a:cs typeface="+mn-lt"/>
+            </a:endParaRPr>
+          </a:p>
+          <a:p>
+            <a:pPr>
+              <a:buNone/>
+            </a:pPr>
+            <a:r>
+              <a:rPr lang="pt-BR" sz="2000" dirty="0">
+                <a:ea typeface="+mn-lt"/>
+                <a:cs typeface="+mn-lt"/>
+              </a:rPr>
+              <a:t>2 Saídas de outros processos.</a:t>
+            </a:r>
+            <a:endParaRPr lang="pt-BR" dirty="0">
+              <a:ea typeface="+mn-lt"/>
+              <a:cs typeface="+mn-lt"/>
+            </a:endParaRPr>
+          </a:p>
+          <a:p>
+            <a:pPr>
+              <a:buNone/>
+            </a:pPr>
+            <a:r>
+              <a:rPr lang="pt-BR" sz="2000" dirty="0">
+                <a:ea typeface="+mn-lt"/>
+                <a:cs typeface="+mn-lt"/>
+              </a:rPr>
+              <a:t>3 Fatores ambientais da empresa.</a:t>
+            </a:r>
+            <a:endParaRPr lang="pt-BR" dirty="0"/>
+          </a:p>
+          <a:p>
+            <a:pPr>
+              <a:buNone/>
+            </a:pPr>
+            <a:r>
+              <a:rPr lang="pt-BR" sz="2000" dirty="0">
+                <a:ea typeface="+mn-lt"/>
+                <a:cs typeface="+mn-lt"/>
+              </a:rPr>
+              <a:t>4 Ativos de processos organizacionais</a:t>
+            </a:r>
+            <a:endParaRPr lang="pt-BR" dirty="0"/>
+          </a:p>
+          <a:p>
+            <a:pPr>
+              <a:buNone/>
+            </a:pPr>
+            <a:r>
+              <a:rPr lang="pt-BR" sz="2000" dirty="0">
+                <a:ea typeface="+mn-lt"/>
+                <a:cs typeface="+mn-lt"/>
+              </a:rPr>
+              <a:t>Escopo</a:t>
+            </a:r>
+            <a:endParaRPr lang="pt-BR" dirty="0"/>
+          </a:p>
+          <a:p>
+            <a:pPr>
+              <a:buNone/>
+            </a:pPr>
+            <a:endParaRPr lang="pt-BR" sz="2000" dirty="0">
+              <a:ea typeface="+mn-lt"/>
+              <a:cs typeface="+mn-lt"/>
+            </a:endParaRPr>
+          </a:p>
+          <a:p>
+            <a:pPr>
+              <a:buNone/>
+            </a:pPr>
+            <a:endParaRPr lang="pt-BR" sz="2000" dirty="0">
+              <a:ea typeface="+mn-lt"/>
+              <a:cs typeface="+mn-lt"/>
+            </a:endParaRPr>
+          </a:p>
+          <a:p>
+            <a:pPr>
+              <a:buNone/>
+            </a:pPr>
+            <a:endParaRPr lang="pt-BR" sz="2000" b="1" dirty="0">
+              <a:ea typeface="+mn-lt"/>
+              <a:cs typeface="+mn-lt"/>
+            </a:endParaRPr>
+          </a:p>
+          <a:p>
+            <a:pPr>
+              <a:buNone/>
+            </a:pPr>
+            <a:endParaRPr lang="pt-BR" sz="2000" b="1" dirty="0">
+              <a:cs typeface="Calibri"/>
+            </a:endParaRPr>
+          </a:p>
+          <a:p>
+            <a:pPr>
+              <a:buNone/>
+            </a:pPr>
+            <a:endParaRPr lang="pt-BR" sz="2000" b="1" dirty="0">
+              <a:cs typeface="Calibri"/>
+            </a:endParaRPr>
+          </a:p>
+          <a:p>
+            <a:pPr>
+              <a:buNone/>
+            </a:pPr>
+            <a:endParaRPr lang="pt-BR" sz="2000" b="1" dirty="0">
+              <a:cs typeface="Calibri"/>
+            </a:endParaRPr>
+          </a:p>
+          <a:p>
+            <a:pPr>
+              <a:buNone/>
+            </a:pPr>
+            <a:endParaRPr lang="pt-BR" sz="2000" dirty="0">
+              <a:cs typeface="Calibri"/>
+            </a:endParaRPr>
+          </a:p>
+          <a:p>
+            <a:pPr>
+              <a:buNone/>
+            </a:pPr>
+            <a:endParaRPr lang="pt-BR" sz="2000" dirty="0">
+              <a:cs typeface="Calibri"/>
+            </a:endParaRPr>
+          </a:p>
+          <a:p>
+            <a:pPr>
+              <a:buNone/>
+            </a:pPr>
+            <a:endParaRPr lang="pt-BR" sz="2000" dirty="0">
+              <a:cs typeface="Calibri"/>
+            </a:endParaRPr>
+          </a:p>
+          <a:p>
+            <a:pPr>
+              <a:buNone/>
+            </a:pPr>
+            <a:endParaRPr lang="pt-BR" sz="2000" dirty="0">
+              <a:cs typeface="Calibri"/>
+            </a:endParaRPr>
+          </a:p>
+          <a:p>
+            <a:pPr>
+              <a:buNone/>
+            </a:pPr>
+            <a:endParaRPr lang="pt-BR" sz="2000" dirty="0">
+              <a:cs typeface="Calibri"/>
+            </a:endParaRPr>
+          </a:p>
+          <a:p>
+            <a:pPr>
+              <a:buNone/>
+            </a:pPr>
+            <a:endParaRPr lang="pt-BR" sz="2000">
+              <a:cs typeface="Calibri"/>
+            </a:endParaRPr>
+          </a:p>
+          <a:p>
+            <a:pPr>
+              <a:buNone/>
+            </a:pPr>
+            <a:endParaRPr lang="pt-BR" sz="2000">
+              <a:cs typeface="Calibri"/>
+            </a:endParaRPr>
+          </a:p>
+          <a:p>
+            <a:pPr>
+              <a:buNone/>
+            </a:pPr>
+            <a:endParaRPr lang="pt-BR" sz="2000">
+              <a:cs typeface="Calibri"/>
+            </a:endParaRPr>
+          </a:p>
+          <a:p>
+            <a:pPr>
+              <a:buNone/>
+            </a:pPr>
+            <a:endParaRPr lang="pt-BR" sz="2000">
+              <a:cs typeface="Calibri"/>
+            </a:endParaRPr>
+          </a:p>
+          <a:p>
+            <a:pPr>
+              <a:buNone/>
+            </a:pPr>
+            <a:endParaRPr lang="pt-BR" sz="2000">
+              <a:ea typeface="+mn-lt"/>
+              <a:cs typeface="+mn-lt"/>
+            </a:endParaRPr>
+          </a:p>
+          <a:p>
+            <a:pPr marL="0" indent="0">
+              <a:buNone/>
+            </a:pPr>
+            <a:endParaRPr lang="pt-BR" sz="2000">
+              <a:cs typeface="Calibri" panose="020F0502020204030204"/>
+            </a:endParaRPr>
+          </a:p>
+          <a:p>
+            <a:endParaRPr lang="pt-BR" sz="2000">
+              <a:cs typeface="Calibri" panose="020F0502020204030204"/>
+            </a:endParaRPr>
+          </a:p>
+        </p:txBody>
+      </p:sp>
+      <p:sp>
+        <p:nvSpPr>
+          <p:cNvPr id="41" name="Rectangle 40">
+            <a:extLst>
+              <a:ext uri="{FF2B5EF4-FFF2-40B4-BE49-F238E27FC236}">
+                <a16:creationId xmlns:a16="http://schemas.microsoft.com/office/drawing/2014/main" id="{2E80C965-DB6D-4F81-9E9E-B027384D0BD6}"/>
+              </a:ext>
+              <a:ext uri="{C183D7F6-B498-43B3-948B-1728B52AA6E4}">
+                <adec:decorative xmlns:adec="http://schemas.microsoft.com/office/drawing/2017/decorative" val="1"/>
+              </a:ext>
+            </a:extLst>
+          </p:cNvPr>
+          <p:cNvSpPr>
+            <a:spLocks noGrp="1" noRot="1" noChangeAspect="1" noMove="1" noResize="1" noEditPoints="1" noAdjustHandles="1" noChangeArrowheads="1" noChangeShapeType="1" noTextEdit="1"/>
+          </p:cNvSpPr>
+          <p:nvPr>
+            <p:extLst>
+              <p:ext uri="{386F3935-93C4-4BCD-93E2-E3B085C9AB24}">
+                <p16:designElem xmlns:p16="http://schemas.microsoft.com/office/powerpoint/2015/main" val="1"/>
+              </p:ext>
+            </p:extLst>
+          </p:nvPr>
+        </p:nvSpPr>
+        <p:spPr>
+          <a:xfrm rot="2700000">
+            <a:off x="11052629" y="2120024"/>
+            <a:ext cx="645368" cy="645368"/>
+          </a:xfrm>
+          <a:prstGeom prst="rect">
+            <a:avLst/>
+          </a:prstGeom>
+          <a:solidFill>
+            <a:schemeClr val="accent4">
+              <a:alpha val="30000"/>
+            </a:schemeClr>
+          </a:solidFill>
+          <a:ln>
+            <a:noFill/>
+          </a:ln>
+        </p:spPr>
+        <p:style>
+          <a:lnRef idx="2">
+            <a:schemeClr val="accent1">
+              <a:shade val="50000"/>
+            </a:schemeClr>
+          </a:lnRef>
+          <a:fillRef idx="1">
+            <a:schemeClr val="accent1"/>
+          </a:fillRef>
+          <a:effectRef idx="0">
+            <a:schemeClr val="accent1"/>
+          </a:effectRef>
+          <a:fontRef idx="minor">
+            <a:schemeClr val="lt1"/>
+          </a:fontRef>
+        </p:style>
+        <p:txBody>
+          <a:bodyPr rtlCol="0" anchor="ctr"/>
+          <a:lstStyle/>
+          <a:p>
+            <a:pPr algn="ctr"/>
+            <a:endParaRPr lang="en-US"/>
+          </a:p>
+        </p:txBody>
+      </p:sp>
+      <p:sp>
+        <p:nvSpPr>
+          <p:cNvPr id="43" name="Isosceles Triangle 42">
+            <a:extLst>
+              <a:ext uri="{FF2B5EF4-FFF2-40B4-BE49-F238E27FC236}">
+                <a16:creationId xmlns:a16="http://schemas.microsoft.com/office/drawing/2014/main" id="{A580F890-B085-4E95-96AA-55AEBEC5CE6E}"/>
+              </a:ext>
+              <a:ext uri="{C183D7F6-B498-43B3-948B-1728B52AA6E4}">
+                <adec:decorative xmlns:adec="http://schemas.microsoft.com/office/drawing/2017/decorative" val="1"/>
+              </a:ext>
+            </a:extLst>
+          </p:cNvPr>
+          <p:cNvSpPr>
+            <a:spLocks noGrp="1" noRot="1" noChangeAspect="1" noMove="1" noResize="1" noEditPoints="1" noAdjustHandles="1" noChangeArrowheads="1" noChangeShapeType="1" noTextEdit="1"/>
+          </p:cNvSpPr>
+          <p:nvPr>
+            <p:extLst>
+              <p:ext uri="{386F3935-93C4-4BCD-93E2-E3B085C9AB24}">
+                <p16:designElem xmlns:p16="http://schemas.microsoft.com/office/powerpoint/2015/main" val="1"/>
+              </p:ext>
+            </p:extLst>
+          </p:nvPr>
+        </p:nvSpPr>
+        <p:spPr>
+          <a:xfrm rot="16200000">
+            <a:off x="10289068" y="1343027"/>
+            <a:ext cx="2532832" cy="1273032"/>
+          </a:xfrm>
+          <a:prstGeom prst="triangle">
+            <a:avLst>
+              <a:gd name="adj" fmla="val 50000"/>
+            </a:avLst>
+          </a:prstGeom>
+          <a:solidFill>
+            <a:schemeClr val="accent4">
+              <a:alpha val="30000"/>
+            </a:schemeClr>
+          </a:solidFill>
+          <a:ln>
+            <a:noFill/>
+          </a:ln>
+        </p:spPr>
+        <p:style>
+          <a:lnRef idx="2">
+            <a:schemeClr val="accent1">
+              <a:shade val="50000"/>
+            </a:schemeClr>
+          </a:lnRef>
+          <a:fillRef idx="1">
+            <a:schemeClr val="accent1"/>
+          </a:fillRef>
+          <a:effectRef idx="0">
+            <a:schemeClr val="accent1"/>
+          </a:effectRef>
+          <a:fontRef idx="minor">
+            <a:schemeClr val="lt1"/>
+          </a:fontRef>
+        </p:style>
+        <p:txBody>
+          <a:bodyPr rtlCol="0" anchor="ctr"/>
+          <a:lstStyle/>
+          <a:p>
+            <a:pPr algn="ctr"/>
+            <a:endParaRPr lang="en-US"/>
+          </a:p>
+        </p:txBody>
+      </p:sp>
+      <p:sp>
+        <p:nvSpPr>
+          <p:cNvPr id="45" name="Isosceles Triangle 44">
+            <a:extLst>
+              <a:ext uri="{FF2B5EF4-FFF2-40B4-BE49-F238E27FC236}">
+                <a16:creationId xmlns:a16="http://schemas.microsoft.com/office/drawing/2014/main" id="{D3F51FEB-38FB-4F6C-9F7B-2F2AFAB65463}"/>
+              </a:ext>
+              <a:ext uri="{C183D7F6-B498-43B3-948B-1728B52AA6E4}">
+                <adec:decorative xmlns:adec="http://schemas.microsoft.com/office/drawing/2017/decorative" val="1"/>
+              </a:ext>
+            </a:extLst>
+          </p:cNvPr>
+          <p:cNvSpPr>
+            <a:spLocks noGrp="1" noRot="1" noChangeAspect="1" noMove="1" noResize="1" noEditPoints="1" noAdjustHandles="1" noChangeArrowheads="1" noChangeShapeType="1" noTextEdit="1"/>
+          </p:cNvSpPr>
+          <p:nvPr>
+            <p:extLst>
+              <p:ext uri="{386F3935-93C4-4BCD-93E2-E3B085C9AB24}">
+                <p16:designElem xmlns:p16="http://schemas.microsoft.com/office/powerpoint/2015/main" val="1"/>
+              </p:ext>
+            </p:extLst>
+          </p:nvPr>
+        </p:nvSpPr>
+        <p:spPr>
+          <a:xfrm rot="5400000">
+            <a:off x="-501760" y="5103257"/>
+            <a:ext cx="2017580" cy="1014060"/>
+          </a:xfrm>
+          <a:prstGeom prst="triangle">
+            <a:avLst>
+              <a:gd name="adj" fmla="val 50000"/>
+            </a:avLst>
+          </a:prstGeom>
+          <a:solidFill>
+            <a:schemeClr val="accent1">
+              <a:alpha val="30000"/>
+            </a:schemeClr>
+          </a:solidFill>
+          <a:ln>
+            <a:noFill/>
+          </a:ln>
+        </p:spPr>
+        <p:style>
+          <a:lnRef idx="2">
+            <a:schemeClr val="accent1">
+              <a:shade val="50000"/>
+            </a:schemeClr>
+          </a:lnRef>
+          <a:fillRef idx="1">
+            <a:schemeClr val="accent1"/>
+          </a:fillRef>
+          <a:effectRef idx="0">
+            <a:schemeClr val="accent1"/>
+          </a:effectRef>
+          <a:fontRef idx="minor">
+            <a:schemeClr val="lt1"/>
+          </a:fontRef>
+        </p:style>
+        <p:txBody>
+          <a:bodyPr wrap="square" rtlCol="0" anchor="ctr">
+            <a:noAutofit/>
+          </a:bodyPr>
+          <a:lstStyle/>
+          <a:p>
+            <a:pPr algn="ctr"/>
+            <a:endParaRPr lang="en-US"/>
+          </a:p>
+        </p:txBody>
+      </p:sp>
+      <p:sp>
+        <p:nvSpPr>
+          <p:cNvPr id="47" name="Rectangle 46">
+            <a:extLst>
+              <a:ext uri="{FF2B5EF4-FFF2-40B4-BE49-F238E27FC236}">
+                <a16:creationId xmlns:a16="http://schemas.microsoft.com/office/drawing/2014/main" id="{1E547BA6-BAE0-43BB-A7CA-60F69CE252F0}"/>
+              </a:ext>
+              <a:ext uri="{C183D7F6-B498-43B3-948B-1728B52AA6E4}">
+                <adec:decorative xmlns:adec="http://schemas.microsoft.com/office/drawing/2017/decorative" val="1"/>
+              </a:ext>
+            </a:extLst>
+          </p:cNvPr>
+          <p:cNvSpPr>
+            <a:spLocks noGrp="1" noRot="1" noChangeAspect="1" noMove="1" noResize="1" noEditPoints="1" noAdjustHandles="1" noChangeArrowheads="1" noChangeShapeType="1" noTextEdit="1"/>
+          </p:cNvSpPr>
+          <p:nvPr>
+            <p:extLst>
+              <p:ext uri="{386F3935-93C4-4BCD-93E2-E3B085C9AB24}">
+                <p16:designElem xmlns:p16="http://schemas.microsoft.com/office/powerpoint/2015/main" val="1"/>
+              </p:ext>
+            </p:extLst>
+          </p:nvPr>
+        </p:nvSpPr>
+        <p:spPr>
+          <a:xfrm rot="2700000">
+            <a:off x="427916" y="5728708"/>
+            <a:ext cx="485578" cy="485578"/>
+          </a:xfrm>
+          <a:prstGeom prst="rect">
+            <a:avLst/>
+          </a:prstGeom>
+          <a:solidFill>
+            <a:schemeClr val="accent1">
+              <a:alpha val="30000"/>
+            </a:schemeClr>
+          </a:solidFill>
+          <a:ln>
+            <a:noFill/>
+          </a:ln>
+        </p:spPr>
+        <p:style>
+          <a:lnRef idx="2">
+            <a:schemeClr val="accent1">
+              <a:shade val="50000"/>
+            </a:schemeClr>
+          </a:lnRef>
+          <a:fillRef idx="1">
+            <a:schemeClr val="accent1"/>
+          </a:fillRef>
+          <a:effectRef idx="0">
+            <a:schemeClr val="accent1"/>
+          </a:effectRef>
+          <a:fontRef idx="minor">
+            <a:schemeClr val="lt1"/>
+          </a:fontRef>
+        </p:style>
+        <p:txBody>
+          <a:bodyPr wrap="square" rtlCol="0" anchor="ctr">
+            <a:noAutofit/>
+          </a:bodyPr>
+          <a:lstStyle/>
+          <a:p>
+            <a:pPr algn="ctr"/>
+            <a:endParaRPr lang="en-US"/>
+          </a:p>
+        </p:txBody>
+      </p:sp>
+    </p:spTree>
+    <p:extLst>
+      <p:ext uri="{BB962C8B-B14F-4D97-AF65-F5344CB8AC3E}">
+        <p14:creationId xmlns:p14="http://schemas.microsoft.com/office/powerpoint/2010/main" val="1381467736"/>
+      </p:ext>
+    </p:extLst>
+  </p:cSld>
+  <p:clrMapOvr>
+    <a:masterClrMapping/>
+  </p:clrMapOvr>
+</p:sld>
+</file>
+
+<file path=ppt/slides/slide23.xml><?xml version="1.0" encoding="utf-8"?>
+<p:sld xmlns:a="http://schemas.openxmlformats.org/drawingml/2006/main" xmlns:r="http://schemas.openxmlformats.org/officeDocument/2006/relationships" xmlns:p="http://schemas.openxmlformats.org/presentationml/2006/main">
+  <p:cSld>
+    <p:bg>
+      <p:bgPr>
+        <a:solidFill>
+          <a:schemeClr val="bg1"/>
+        </a:solidFill>
+        <a:effectLst/>
+      </p:bgPr>
+    </p:bg>
+    <p:spTree>
+      <p:nvGrpSpPr>
+        <p:cNvPr id="1" name=""/>
+        <p:cNvGrpSpPr/>
+        <p:nvPr/>
+      </p:nvGrpSpPr>
+      <p:grpSpPr>
+        <a:xfrm>
+          <a:off x="0" y="0"/>
+          <a:ext cx="0" cy="0"/>
+          <a:chOff x="0" y="0"/>
+          <a:chExt cx="0" cy="0"/>
+        </a:xfrm>
+      </p:grpSpPr>
+      <p:sp>
+        <p:nvSpPr>
+          <p:cNvPr id="39" name="Rectangle 38">
+            <a:extLst>
+              <a:ext uri="{FF2B5EF4-FFF2-40B4-BE49-F238E27FC236}">
+                <a16:creationId xmlns:a16="http://schemas.microsoft.com/office/drawing/2014/main" id="{2B566528-1B12-4246-9431-5C2D7D081168}"/>
+              </a:ext>
+              <a:ext uri="{C183D7F6-B498-43B3-948B-1728B52AA6E4}">
+                <adec:decorative xmlns:adec="http://schemas.microsoft.com/office/drawing/2017/decorative" val="1"/>
+              </a:ext>
+            </a:extLst>
+          </p:cNvPr>
+          <p:cNvSpPr>
+            <a:spLocks noGrp="1" noRot="1" noChangeAspect="1" noMove="1" noResize="1" noEditPoints="1" noAdjustHandles="1" noChangeArrowheads="1" noChangeShapeType="1" noTextEdit="1"/>
+          </p:cNvSpPr>
+          <p:nvPr>
+            <p:extLst>
+              <p:ext uri="{386F3935-93C4-4BCD-93E2-E3B085C9AB24}">
+                <p16:designElem xmlns:p16="http://schemas.microsoft.com/office/powerpoint/2015/main" val="1"/>
+              </p:ext>
+            </p:extLst>
+          </p:nvPr>
+        </p:nvSpPr>
+        <p:spPr>
+          <a:xfrm>
+            <a:off x="0" y="0"/>
+            <a:ext cx="12192000" cy="6858000"/>
+          </a:xfrm>
+          <a:prstGeom prst="rect">
+            <a:avLst/>
+          </a:prstGeom>
+          <a:solidFill>
+            <a:schemeClr val="bg1"/>
+          </a:solidFill>
+          <a:ln>
+            <a:noFill/>
+          </a:ln>
+        </p:spPr>
+        <p:style>
+          <a:lnRef idx="2">
+            <a:schemeClr val="accent1">
+              <a:shade val="50000"/>
+            </a:schemeClr>
+          </a:lnRef>
+          <a:fillRef idx="1">
+            <a:schemeClr val="accent1"/>
+          </a:fillRef>
+          <a:effectRef idx="0">
+            <a:schemeClr val="accent1"/>
+          </a:effectRef>
+          <a:fontRef idx="minor">
+            <a:schemeClr val="lt1"/>
+          </a:fontRef>
+        </p:style>
+        <p:txBody>
+          <a:bodyPr rtlCol="0" anchor="ctr"/>
+          <a:lstStyle/>
+          <a:p>
+            <a:pPr algn="ctr"/>
+            <a:endParaRPr lang="en-US"/>
+          </a:p>
+        </p:txBody>
+      </p:sp>
+      <p:sp>
+        <p:nvSpPr>
+          <p:cNvPr id="2" name="Título 1">
+            <a:extLst>
+              <a:ext uri="{FF2B5EF4-FFF2-40B4-BE49-F238E27FC236}">
+                <a16:creationId xmlns:a16="http://schemas.microsoft.com/office/drawing/2014/main" id="{46991FFA-5E35-051D-3B8C-8962250E1C9A}"/>
+              </a:ext>
+            </a:extLst>
+          </p:cNvPr>
+          <p:cNvSpPr>
+            <a:spLocks noGrp="1"/>
+          </p:cNvSpPr>
+          <p:nvPr>
+            <p:ph type="title"/>
+          </p:nvPr>
+        </p:nvSpPr>
+        <p:spPr>
+          <a:xfrm>
+            <a:off x="643467" y="321734"/>
+            <a:ext cx="10905066" cy="1135737"/>
+          </a:xfrm>
+        </p:spPr>
+        <p:txBody>
+          <a:bodyPr>
+            <a:normAutofit/>
+          </a:bodyPr>
+          <a:lstStyle/>
+          <a:p>
+            <a:r>
+              <a:rPr lang="pt-BR" sz="3600" b="1" dirty="0">
+                <a:ea typeface="+mj-lt"/>
+                <a:cs typeface="+mj-lt"/>
+              </a:rPr>
+              <a:t>4.2 Desenvolver o plano de gerenciamento do projeto</a:t>
+            </a:r>
+            <a:endParaRPr lang="pt-BR" dirty="0"/>
+          </a:p>
+        </p:txBody>
+      </p:sp>
+      <p:sp>
+        <p:nvSpPr>
+          <p:cNvPr id="3" name="Espaço Reservado para Conteúdo 2">
+            <a:extLst>
+              <a:ext uri="{FF2B5EF4-FFF2-40B4-BE49-F238E27FC236}">
+                <a16:creationId xmlns:a16="http://schemas.microsoft.com/office/drawing/2014/main" id="{1F560DD4-1938-249D-D353-6A108002A6DE}"/>
+              </a:ext>
+            </a:extLst>
+          </p:cNvPr>
+          <p:cNvSpPr>
+            <a:spLocks noGrp="1"/>
+          </p:cNvSpPr>
+          <p:nvPr>
+            <p:ph idx="1"/>
+          </p:nvPr>
+        </p:nvSpPr>
+        <p:spPr>
+          <a:xfrm>
+            <a:off x="657844" y="1610453"/>
+            <a:ext cx="10890689" cy="4566510"/>
+          </a:xfrm>
+        </p:spPr>
+        <p:txBody>
+          <a:bodyPr vert="horz" lIns="91440" tIns="45720" rIns="91440" bIns="45720" rtlCol="0" anchor="t">
+            <a:normAutofit/>
+          </a:bodyPr>
+          <a:lstStyle/>
+          <a:p>
+            <a:pPr>
+              <a:buNone/>
+            </a:pPr>
+            <a:r>
+              <a:rPr lang="pt-BR" sz="2000" dirty="0">
+                <a:ea typeface="+mn-lt"/>
+                <a:cs typeface="+mn-lt"/>
+              </a:rPr>
+              <a:t>Ferramentas e técnicas.</a:t>
+            </a:r>
+            <a:endParaRPr lang="pt-BR" dirty="0">
+              <a:ea typeface="+mn-lt"/>
+              <a:cs typeface="+mn-lt"/>
+            </a:endParaRPr>
+          </a:p>
+          <a:p>
+            <a:pPr>
+              <a:buNone/>
+            </a:pPr>
+            <a:r>
+              <a:rPr lang="pt-BR" sz="2000" dirty="0">
+                <a:ea typeface="+mn-lt"/>
+                <a:cs typeface="+mn-lt"/>
+              </a:rPr>
+              <a:t>1 Opinião especializada.</a:t>
+            </a:r>
+            <a:endParaRPr lang="pt-BR" dirty="0">
+              <a:ea typeface="+mn-lt"/>
+              <a:cs typeface="+mn-lt"/>
+            </a:endParaRPr>
+          </a:p>
+          <a:p>
+            <a:pPr>
+              <a:buNone/>
+            </a:pPr>
+            <a:r>
+              <a:rPr lang="pt-BR" sz="2000" dirty="0">
+                <a:ea typeface="+mn-lt"/>
+                <a:cs typeface="+mn-lt"/>
+              </a:rPr>
+              <a:t>2 Técnicas de facilitação</a:t>
+            </a:r>
+            <a:endParaRPr lang="pt-BR" dirty="0"/>
+          </a:p>
+          <a:p>
+            <a:pPr>
+              <a:buNone/>
+            </a:pPr>
+            <a:endParaRPr lang="pt-BR" sz="2000" dirty="0">
+              <a:ea typeface="+mn-lt"/>
+              <a:cs typeface="+mn-lt"/>
+            </a:endParaRPr>
+          </a:p>
+          <a:p>
+            <a:pPr>
+              <a:buNone/>
+            </a:pPr>
+            <a:endParaRPr lang="pt-BR" sz="2000" dirty="0">
+              <a:ea typeface="+mn-lt"/>
+              <a:cs typeface="+mn-lt"/>
+            </a:endParaRPr>
+          </a:p>
+          <a:p>
+            <a:pPr>
+              <a:buNone/>
+            </a:pPr>
+            <a:endParaRPr lang="pt-BR" sz="2000" b="1" dirty="0">
+              <a:ea typeface="+mn-lt"/>
+              <a:cs typeface="+mn-lt"/>
+            </a:endParaRPr>
+          </a:p>
+          <a:p>
+            <a:pPr>
+              <a:buNone/>
+            </a:pPr>
+            <a:endParaRPr lang="pt-BR" sz="2000" b="1" dirty="0">
+              <a:cs typeface="Calibri"/>
+            </a:endParaRPr>
+          </a:p>
+          <a:p>
+            <a:pPr>
+              <a:buNone/>
+            </a:pPr>
+            <a:endParaRPr lang="pt-BR" sz="2000" b="1" dirty="0">
+              <a:cs typeface="Calibri"/>
+            </a:endParaRPr>
+          </a:p>
+          <a:p>
+            <a:pPr>
+              <a:buNone/>
+            </a:pPr>
+            <a:endParaRPr lang="pt-BR" sz="2000" b="1" dirty="0">
+              <a:cs typeface="Calibri"/>
+            </a:endParaRPr>
+          </a:p>
+          <a:p>
+            <a:pPr>
+              <a:buNone/>
+            </a:pPr>
+            <a:endParaRPr lang="pt-BR" sz="2000" dirty="0">
+              <a:cs typeface="Calibri"/>
+            </a:endParaRPr>
+          </a:p>
+          <a:p>
+            <a:pPr>
+              <a:buNone/>
+            </a:pPr>
+            <a:endParaRPr lang="pt-BR" sz="2000" dirty="0">
+              <a:cs typeface="Calibri"/>
+            </a:endParaRPr>
+          </a:p>
+          <a:p>
+            <a:pPr>
+              <a:buNone/>
+            </a:pPr>
+            <a:endParaRPr lang="pt-BR" sz="2000" dirty="0">
+              <a:cs typeface="Calibri"/>
+            </a:endParaRPr>
+          </a:p>
+          <a:p>
+            <a:pPr>
+              <a:buNone/>
+            </a:pPr>
+            <a:endParaRPr lang="pt-BR" sz="2000" dirty="0">
+              <a:cs typeface="Calibri"/>
+            </a:endParaRPr>
+          </a:p>
+          <a:p>
+            <a:pPr>
+              <a:buNone/>
+            </a:pPr>
+            <a:endParaRPr lang="pt-BR" sz="2000" dirty="0">
+              <a:cs typeface="Calibri"/>
+            </a:endParaRPr>
+          </a:p>
+          <a:p>
+            <a:pPr>
+              <a:buNone/>
+            </a:pPr>
+            <a:endParaRPr lang="pt-BR" sz="2000">
+              <a:cs typeface="Calibri"/>
+            </a:endParaRPr>
+          </a:p>
+          <a:p>
+            <a:pPr>
+              <a:buNone/>
+            </a:pPr>
+            <a:endParaRPr lang="pt-BR" sz="2000">
+              <a:cs typeface="Calibri"/>
+            </a:endParaRPr>
+          </a:p>
+          <a:p>
+            <a:pPr>
+              <a:buNone/>
+            </a:pPr>
+            <a:endParaRPr lang="pt-BR" sz="2000">
+              <a:cs typeface="Calibri"/>
+            </a:endParaRPr>
+          </a:p>
+          <a:p>
+            <a:pPr>
+              <a:buNone/>
+            </a:pPr>
+            <a:endParaRPr lang="pt-BR" sz="2000">
+              <a:cs typeface="Calibri"/>
+            </a:endParaRPr>
+          </a:p>
+          <a:p>
+            <a:pPr>
+              <a:buNone/>
+            </a:pPr>
+            <a:endParaRPr lang="pt-BR" sz="2000">
+              <a:ea typeface="+mn-lt"/>
+              <a:cs typeface="+mn-lt"/>
+            </a:endParaRPr>
+          </a:p>
+          <a:p>
+            <a:pPr marL="0" indent="0">
+              <a:buNone/>
+            </a:pPr>
+            <a:endParaRPr lang="pt-BR" sz="2000">
+              <a:cs typeface="Calibri" panose="020F0502020204030204"/>
+            </a:endParaRPr>
+          </a:p>
+          <a:p>
+            <a:endParaRPr lang="pt-BR" sz="2000">
+              <a:cs typeface="Calibri" panose="020F0502020204030204"/>
+            </a:endParaRPr>
+          </a:p>
+        </p:txBody>
+      </p:sp>
+      <p:sp>
+        <p:nvSpPr>
+          <p:cNvPr id="41" name="Rectangle 40">
+            <a:extLst>
+              <a:ext uri="{FF2B5EF4-FFF2-40B4-BE49-F238E27FC236}">
+                <a16:creationId xmlns:a16="http://schemas.microsoft.com/office/drawing/2014/main" id="{2E80C965-DB6D-4F81-9E9E-B027384D0BD6}"/>
+              </a:ext>
+              <a:ext uri="{C183D7F6-B498-43B3-948B-1728B52AA6E4}">
+                <adec:decorative xmlns:adec="http://schemas.microsoft.com/office/drawing/2017/decorative" val="1"/>
+              </a:ext>
+            </a:extLst>
+          </p:cNvPr>
+          <p:cNvSpPr>
+            <a:spLocks noGrp="1" noRot="1" noChangeAspect="1" noMove="1" noResize="1" noEditPoints="1" noAdjustHandles="1" noChangeArrowheads="1" noChangeShapeType="1" noTextEdit="1"/>
+          </p:cNvSpPr>
+          <p:nvPr>
+            <p:extLst>
+              <p:ext uri="{386F3935-93C4-4BCD-93E2-E3B085C9AB24}">
+                <p16:designElem xmlns:p16="http://schemas.microsoft.com/office/powerpoint/2015/main" val="1"/>
+              </p:ext>
+            </p:extLst>
+          </p:nvPr>
+        </p:nvSpPr>
+        <p:spPr>
+          <a:xfrm rot="2700000">
+            <a:off x="11052629" y="2120024"/>
+            <a:ext cx="645368" cy="645368"/>
+          </a:xfrm>
+          <a:prstGeom prst="rect">
+            <a:avLst/>
+          </a:prstGeom>
+          <a:solidFill>
+            <a:schemeClr val="accent4">
+              <a:alpha val="30000"/>
+            </a:schemeClr>
+          </a:solidFill>
+          <a:ln>
+            <a:noFill/>
+          </a:ln>
+        </p:spPr>
+        <p:style>
+          <a:lnRef idx="2">
+            <a:schemeClr val="accent1">
+              <a:shade val="50000"/>
+            </a:schemeClr>
+          </a:lnRef>
+          <a:fillRef idx="1">
+            <a:schemeClr val="accent1"/>
+          </a:fillRef>
+          <a:effectRef idx="0">
+            <a:schemeClr val="accent1"/>
+          </a:effectRef>
+          <a:fontRef idx="minor">
+            <a:schemeClr val="lt1"/>
+          </a:fontRef>
+        </p:style>
+        <p:txBody>
+          <a:bodyPr rtlCol="0" anchor="ctr"/>
+          <a:lstStyle/>
+          <a:p>
+            <a:pPr algn="ctr"/>
+            <a:endParaRPr lang="en-US"/>
+          </a:p>
+        </p:txBody>
+      </p:sp>
+      <p:sp>
+        <p:nvSpPr>
+          <p:cNvPr id="43" name="Isosceles Triangle 42">
+            <a:extLst>
+              <a:ext uri="{FF2B5EF4-FFF2-40B4-BE49-F238E27FC236}">
+                <a16:creationId xmlns:a16="http://schemas.microsoft.com/office/drawing/2014/main" id="{A580F890-B085-4E95-96AA-55AEBEC5CE6E}"/>
+              </a:ext>
+              <a:ext uri="{C183D7F6-B498-43B3-948B-1728B52AA6E4}">
+                <adec:decorative xmlns:adec="http://schemas.microsoft.com/office/drawing/2017/decorative" val="1"/>
+              </a:ext>
+            </a:extLst>
+          </p:cNvPr>
+          <p:cNvSpPr>
+            <a:spLocks noGrp="1" noRot="1" noChangeAspect="1" noMove="1" noResize="1" noEditPoints="1" noAdjustHandles="1" noChangeArrowheads="1" noChangeShapeType="1" noTextEdit="1"/>
+          </p:cNvSpPr>
+          <p:nvPr>
+            <p:extLst>
+              <p:ext uri="{386F3935-93C4-4BCD-93E2-E3B085C9AB24}">
+                <p16:designElem xmlns:p16="http://schemas.microsoft.com/office/powerpoint/2015/main" val="1"/>
+              </p:ext>
+            </p:extLst>
+          </p:nvPr>
+        </p:nvSpPr>
+        <p:spPr>
+          <a:xfrm rot="16200000">
+            <a:off x="10289068" y="1343027"/>
+            <a:ext cx="2532832" cy="1273032"/>
+          </a:xfrm>
+          <a:prstGeom prst="triangle">
+            <a:avLst>
+              <a:gd name="adj" fmla="val 50000"/>
+            </a:avLst>
+          </a:prstGeom>
+          <a:solidFill>
+            <a:schemeClr val="accent4">
+              <a:alpha val="30000"/>
+            </a:schemeClr>
+          </a:solidFill>
+          <a:ln>
+            <a:noFill/>
+          </a:ln>
+        </p:spPr>
+        <p:style>
+          <a:lnRef idx="2">
+            <a:schemeClr val="accent1">
+              <a:shade val="50000"/>
+            </a:schemeClr>
+          </a:lnRef>
+          <a:fillRef idx="1">
+            <a:schemeClr val="accent1"/>
+          </a:fillRef>
+          <a:effectRef idx="0">
+            <a:schemeClr val="accent1"/>
+          </a:effectRef>
+          <a:fontRef idx="minor">
+            <a:schemeClr val="lt1"/>
+          </a:fontRef>
+        </p:style>
+        <p:txBody>
+          <a:bodyPr rtlCol="0" anchor="ctr"/>
+          <a:lstStyle/>
+          <a:p>
+            <a:pPr algn="ctr"/>
+            <a:endParaRPr lang="en-US"/>
+          </a:p>
+        </p:txBody>
+      </p:sp>
+      <p:sp>
+        <p:nvSpPr>
+          <p:cNvPr id="45" name="Isosceles Triangle 44">
+            <a:extLst>
+              <a:ext uri="{FF2B5EF4-FFF2-40B4-BE49-F238E27FC236}">
+                <a16:creationId xmlns:a16="http://schemas.microsoft.com/office/drawing/2014/main" id="{D3F51FEB-38FB-4F6C-9F7B-2F2AFAB65463}"/>
+              </a:ext>
+              <a:ext uri="{C183D7F6-B498-43B3-948B-1728B52AA6E4}">
+                <adec:decorative xmlns:adec="http://schemas.microsoft.com/office/drawing/2017/decorative" val="1"/>
+              </a:ext>
+            </a:extLst>
+          </p:cNvPr>
+          <p:cNvSpPr>
+            <a:spLocks noGrp="1" noRot="1" noChangeAspect="1" noMove="1" noResize="1" noEditPoints="1" noAdjustHandles="1" noChangeArrowheads="1" noChangeShapeType="1" noTextEdit="1"/>
+          </p:cNvSpPr>
+          <p:nvPr>
+            <p:extLst>
+              <p:ext uri="{386F3935-93C4-4BCD-93E2-E3B085C9AB24}">
+                <p16:designElem xmlns:p16="http://schemas.microsoft.com/office/powerpoint/2015/main" val="1"/>
+              </p:ext>
+            </p:extLst>
+          </p:nvPr>
+        </p:nvSpPr>
+        <p:spPr>
+          <a:xfrm rot="5400000">
+            <a:off x="-501760" y="5103257"/>
+            <a:ext cx="2017580" cy="1014060"/>
+          </a:xfrm>
+          <a:prstGeom prst="triangle">
+            <a:avLst>
+              <a:gd name="adj" fmla="val 50000"/>
+            </a:avLst>
+          </a:prstGeom>
+          <a:solidFill>
+            <a:schemeClr val="accent1">
+              <a:alpha val="30000"/>
+            </a:schemeClr>
+          </a:solidFill>
+          <a:ln>
+            <a:noFill/>
+          </a:ln>
+        </p:spPr>
+        <p:style>
+          <a:lnRef idx="2">
+            <a:schemeClr val="accent1">
+              <a:shade val="50000"/>
+            </a:schemeClr>
+          </a:lnRef>
+          <a:fillRef idx="1">
+            <a:schemeClr val="accent1"/>
+          </a:fillRef>
+          <a:effectRef idx="0">
+            <a:schemeClr val="accent1"/>
+          </a:effectRef>
+          <a:fontRef idx="minor">
+            <a:schemeClr val="lt1"/>
+          </a:fontRef>
+        </p:style>
+        <p:txBody>
+          <a:bodyPr wrap="square" rtlCol="0" anchor="ctr">
+            <a:noAutofit/>
+          </a:bodyPr>
+          <a:lstStyle/>
+          <a:p>
+            <a:pPr algn="ctr"/>
+            <a:endParaRPr lang="en-US"/>
+          </a:p>
+        </p:txBody>
+      </p:sp>
+      <p:sp>
+        <p:nvSpPr>
+          <p:cNvPr id="47" name="Rectangle 46">
+            <a:extLst>
+              <a:ext uri="{FF2B5EF4-FFF2-40B4-BE49-F238E27FC236}">
+                <a16:creationId xmlns:a16="http://schemas.microsoft.com/office/drawing/2014/main" id="{1E547BA6-BAE0-43BB-A7CA-60F69CE252F0}"/>
+              </a:ext>
+              <a:ext uri="{C183D7F6-B498-43B3-948B-1728B52AA6E4}">
+                <adec:decorative xmlns:adec="http://schemas.microsoft.com/office/drawing/2017/decorative" val="1"/>
+              </a:ext>
+            </a:extLst>
+          </p:cNvPr>
+          <p:cNvSpPr>
+            <a:spLocks noGrp="1" noRot="1" noChangeAspect="1" noMove="1" noResize="1" noEditPoints="1" noAdjustHandles="1" noChangeArrowheads="1" noChangeShapeType="1" noTextEdit="1"/>
+          </p:cNvSpPr>
+          <p:nvPr>
+            <p:extLst>
+              <p:ext uri="{386F3935-93C4-4BCD-93E2-E3B085C9AB24}">
+                <p16:designElem xmlns:p16="http://schemas.microsoft.com/office/powerpoint/2015/main" val="1"/>
+              </p:ext>
+            </p:extLst>
+          </p:nvPr>
+        </p:nvSpPr>
+        <p:spPr>
+          <a:xfrm rot="2700000">
+            <a:off x="427916" y="5728708"/>
+            <a:ext cx="485578" cy="485578"/>
+          </a:xfrm>
+          <a:prstGeom prst="rect">
+            <a:avLst/>
+          </a:prstGeom>
+          <a:solidFill>
+            <a:schemeClr val="accent1">
+              <a:alpha val="30000"/>
+            </a:schemeClr>
+          </a:solidFill>
+          <a:ln>
+            <a:noFill/>
+          </a:ln>
+        </p:spPr>
+        <p:style>
+          <a:lnRef idx="2">
+            <a:schemeClr val="accent1">
+              <a:shade val="50000"/>
+            </a:schemeClr>
+          </a:lnRef>
+          <a:fillRef idx="1">
+            <a:schemeClr val="accent1"/>
+          </a:fillRef>
+          <a:effectRef idx="0">
+            <a:schemeClr val="accent1"/>
+          </a:effectRef>
+          <a:fontRef idx="minor">
+            <a:schemeClr val="lt1"/>
+          </a:fontRef>
+        </p:style>
+        <p:txBody>
+          <a:bodyPr wrap="square" rtlCol="0" anchor="ctr">
+            <a:noAutofit/>
+          </a:bodyPr>
+          <a:lstStyle/>
+          <a:p>
+            <a:pPr algn="ctr"/>
+            <a:endParaRPr lang="en-US"/>
+          </a:p>
+        </p:txBody>
+      </p:sp>
+    </p:spTree>
+    <p:extLst>
+      <p:ext uri="{BB962C8B-B14F-4D97-AF65-F5344CB8AC3E}">
+        <p14:creationId xmlns:p14="http://schemas.microsoft.com/office/powerpoint/2010/main" val="3427933827"/>
+      </p:ext>
+    </p:extLst>
+  </p:cSld>
+  <p:clrMapOvr>
+    <a:masterClrMapping/>
+  </p:clrMapOvr>
+</p:sld>
+</file>
+
+<file path=ppt/slides/slide24.xml><?xml version="1.0" encoding="utf-8"?>
+<p:sld xmlns:a="http://schemas.openxmlformats.org/drawingml/2006/main" xmlns:r="http://schemas.openxmlformats.org/officeDocument/2006/relationships" xmlns:p="http://schemas.openxmlformats.org/presentationml/2006/main">
+  <p:cSld>
+    <p:bg>
+      <p:bgPr>
+        <a:solidFill>
+          <a:schemeClr val="bg1"/>
+        </a:solidFill>
+        <a:effectLst/>
+      </p:bgPr>
+    </p:bg>
+    <p:spTree>
+      <p:nvGrpSpPr>
+        <p:cNvPr id="1" name=""/>
+        <p:cNvGrpSpPr/>
+        <p:nvPr/>
+      </p:nvGrpSpPr>
+      <p:grpSpPr>
+        <a:xfrm>
+          <a:off x="0" y="0"/>
+          <a:ext cx="0" cy="0"/>
+          <a:chOff x="0" y="0"/>
+          <a:chExt cx="0" cy="0"/>
+        </a:xfrm>
+      </p:grpSpPr>
+      <p:sp>
+        <p:nvSpPr>
+          <p:cNvPr id="39" name="Rectangle 38">
+            <a:extLst>
+              <a:ext uri="{FF2B5EF4-FFF2-40B4-BE49-F238E27FC236}">
+                <a16:creationId xmlns:a16="http://schemas.microsoft.com/office/drawing/2014/main" id="{2B566528-1B12-4246-9431-5C2D7D081168}"/>
+              </a:ext>
+              <a:ext uri="{C183D7F6-B498-43B3-948B-1728B52AA6E4}">
+                <adec:decorative xmlns:adec="http://schemas.microsoft.com/office/drawing/2017/decorative" val="1"/>
+              </a:ext>
+            </a:extLst>
+          </p:cNvPr>
+          <p:cNvSpPr>
+            <a:spLocks noGrp="1" noRot="1" noChangeAspect="1" noMove="1" noResize="1" noEditPoints="1" noAdjustHandles="1" noChangeArrowheads="1" noChangeShapeType="1" noTextEdit="1"/>
+          </p:cNvSpPr>
+          <p:nvPr>
+            <p:extLst>
+              <p:ext uri="{386F3935-93C4-4BCD-93E2-E3B085C9AB24}">
+                <p16:designElem xmlns:p16="http://schemas.microsoft.com/office/powerpoint/2015/main" val="1"/>
+              </p:ext>
+            </p:extLst>
+          </p:nvPr>
+        </p:nvSpPr>
+        <p:spPr>
+          <a:xfrm>
+            <a:off x="0" y="0"/>
+            <a:ext cx="12192000" cy="6858000"/>
+          </a:xfrm>
+          <a:prstGeom prst="rect">
+            <a:avLst/>
+          </a:prstGeom>
+          <a:solidFill>
+            <a:schemeClr val="bg1"/>
+          </a:solidFill>
+          <a:ln>
+            <a:noFill/>
+          </a:ln>
+        </p:spPr>
+        <p:style>
+          <a:lnRef idx="2">
+            <a:schemeClr val="accent1">
+              <a:shade val="50000"/>
+            </a:schemeClr>
+          </a:lnRef>
+          <a:fillRef idx="1">
+            <a:schemeClr val="accent1"/>
+          </a:fillRef>
+          <a:effectRef idx="0">
+            <a:schemeClr val="accent1"/>
+          </a:effectRef>
+          <a:fontRef idx="minor">
+            <a:schemeClr val="lt1"/>
+          </a:fontRef>
+        </p:style>
+        <p:txBody>
+          <a:bodyPr rtlCol="0" anchor="ctr"/>
+          <a:lstStyle/>
+          <a:p>
+            <a:pPr algn="ctr"/>
+            <a:endParaRPr lang="en-US"/>
+          </a:p>
+        </p:txBody>
+      </p:sp>
+      <p:sp>
+        <p:nvSpPr>
+          <p:cNvPr id="2" name="Título 1">
+            <a:extLst>
+              <a:ext uri="{FF2B5EF4-FFF2-40B4-BE49-F238E27FC236}">
+                <a16:creationId xmlns:a16="http://schemas.microsoft.com/office/drawing/2014/main" id="{46991FFA-5E35-051D-3B8C-8962250E1C9A}"/>
+              </a:ext>
+            </a:extLst>
+          </p:cNvPr>
+          <p:cNvSpPr>
+            <a:spLocks noGrp="1"/>
+          </p:cNvSpPr>
+          <p:nvPr>
+            <p:ph type="title"/>
+          </p:nvPr>
+        </p:nvSpPr>
+        <p:spPr>
+          <a:xfrm>
+            <a:off x="643467" y="321734"/>
+            <a:ext cx="10905066" cy="1135737"/>
+          </a:xfrm>
+        </p:spPr>
+        <p:txBody>
+          <a:bodyPr>
+            <a:normAutofit/>
+          </a:bodyPr>
+          <a:lstStyle/>
+          <a:p>
+            <a:r>
+              <a:rPr lang="pt-BR" sz="3600" b="1" dirty="0">
+                <a:ea typeface="+mj-lt"/>
+                <a:cs typeface="+mj-lt"/>
+              </a:rPr>
+              <a:t>4.2 Desenvolver o plano de gerenciamento do projeto</a:t>
+            </a:r>
+            <a:endParaRPr lang="pt-BR" dirty="0"/>
+          </a:p>
+        </p:txBody>
+      </p:sp>
+      <p:sp>
+        <p:nvSpPr>
+          <p:cNvPr id="3" name="Espaço Reservado para Conteúdo 2">
+            <a:extLst>
+              <a:ext uri="{FF2B5EF4-FFF2-40B4-BE49-F238E27FC236}">
+                <a16:creationId xmlns:a16="http://schemas.microsoft.com/office/drawing/2014/main" id="{1F560DD4-1938-249D-D353-6A108002A6DE}"/>
+              </a:ext>
+            </a:extLst>
+          </p:cNvPr>
+          <p:cNvSpPr>
+            <a:spLocks noGrp="1"/>
+          </p:cNvSpPr>
+          <p:nvPr>
+            <p:ph idx="1"/>
+          </p:nvPr>
+        </p:nvSpPr>
+        <p:spPr>
+          <a:xfrm>
+            <a:off x="657844" y="1610453"/>
+            <a:ext cx="10890689" cy="4566510"/>
+          </a:xfrm>
+        </p:spPr>
+        <p:txBody>
+          <a:bodyPr vert="horz" lIns="91440" tIns="45720" rIns="91440" bIns="45720" rtlCol="0" anchor="t">
+            <a:normAutofit/>
+          </a:bodyPr>
+          <a:lstStyle/>
+          <a:p>
+            <a:pPr>
+              <a:buNone/>
+            </a:pPr>
+            <a:r>
+              <a:rPr lang="pt-BR" sz="2000" dirty="0">
+                <a:ea typeface="+mn-lt"/>
+                <a:cs typeface="+mn-lt"/>
+              </a:rPr>
+              <a:t>Saída.</a:t>
+            </a:r>
+            <a:endParaRPr lang="pt-BR" dirty="0"/>
+          </a:p>
+          <a:p>
+            <a:pPr>
+              <a:buNone/>
+            </a:pPr>
+            <a:r>
+              <a:rPr lang="pt-BR" sz="2000" dirty="0">
+                <a:ea typeface="+mn-lt"/>
+                <a:cs typeface="+mn-lt"/>
+              </a:rPr>
+              <a:t>1 Plano de gerenciamento do projeto</a:t>
+            </a:r>
+            <a:endParaRPr lang="pt-BR" dirty="0"/>
+          </a:p>
+          <a:p>
+            <a:pPr>
+              <a:buNone/>
+            </a:pPr>
+            <a:endParaRPr lang="pt-BR" sz="2000" dirty="0">
+              <a:ea typeface="+mn-lt"/>
+              <a:cs typeface="+mn-lt"/>
+            </a:endParaRPr>
+          </a:p>
+          <a:p>
+            <a:pPr>
+              <a:buNone/>
+            </a:pPr>
+            <a:endParaRPr lang="pt-BR" sz="2000" b="1" dirty="0">
+              <a:ea typeface="+mn-lt"/>
+              <a:cs typeface="+mn-lt"/>
+            </a:endParaRPr>
+          </a:p>
+          <a:p>
+            <a:pPr>
+              <a:buNone/>
+            </a:pPr>
+            <a:endParaRPr lang="pt-BR" sz="2000" b="1" dirty="0">
+              <a:cs typeface="Calibri"/>
+            </a:endParaRPr>
+          </a:p>
+          <a:p>
+            <a:pPr>
+              <a:buNone/>
+            </a:pPr>
+            <a:endParaRPr lang="pt-BR" sz="2000" b="1" dirty="0">
+              <a:cs typeface="Calibri"/>
+            </a:endParaRPr>
+          </a:p>
+          <a:p>
+            <a:pPr>
+              <a:buNone/>
+            </a:pPr>
+            <a:endParaRPr lang="pt-BR" sz="2000" b="1" dirty="0">
+              <a:cs typeface="Calibri"/>
+            </a:endParaRPr>
+          </a:p>
+          <a:p>
+            <a:pPr>
+              <a:buNone/>
+            </a:pPr>
+            <a:endParaRPr lang="pt-BR" sz="2000" dirty="0">
+              <a:cs typeface="Calibri"/>
+            </a:endParaRPr>
+          </a:p>
+          <a:p>
+            <a:pPr>
+              <a:buNone/>
+            </a:pPr>
+            <a:endParaRPr lang="pt-BR" sz="2000" dirty="0">
+              <a:cs typeface="Calibri"/>
+            </a:endParaRPr>
+          </a:p>
+          <a:p>
+            <a:pPr>
+              <a:buNone/>
+            </a:pPr>
+            <a:endParaRPr lang="pt-BR" sz="2000" dirty="0">
+              <a:cs typeface="Calibri"/>
+            </a:endParaRPr>
+          </a:p>
+          <a:p>
+            <a:pPr>
+              <a:buNone/>
+            </a:pPr>
+            <a:endParaRPr lang="pt-BR" sz="2000" dirty="0">
+              <a:cs typeface="Calibri"/>
+            </a:endParaRPr>
+          </a:p>
+          <a:p>
+            <a:pPr>
+              <a:buNone/>
+            </a:pPr>
+            <a:endParaRPr lang="pt-BR" sz="2000" dirty="0">
+              <a:cs typeface="Calibri"/>
+            </a:endParaRPr>
+          </a:p>
+          <a:p>
+            <a:pPr>
+              <a:buNone/>
+            </a:pPr>
+            <a:endParaRPr lang="pt-BR" sz="2000">
+              <a:cs typeface="Calibri"/>
+            </a:endParaRPr>
+          </a:p>
+          <a:p>
+            <a:pPr>
+              <a:buNone/>
+            </a:pPr>
+            <a:endParaRPr lang="pt-BR" sz="2000">
+              <a:cs typeface="Calibri"/>
+            </a:endParaRPr>
+          </a:p>
+          <a:p>
+            <a:pPr>
+              <a:buNone/>
+            </a:pPr>
+            <a:endParaRPr lang="pt-BR" sz="2000">
+              <a:cs typeface="Calibri"/>
+            </a:endParaRPr>
+          </a:p>
+          <a:p>
+            <a:pPr>
+              <a:buNone/>
+            </a:pPr>
+            <a:endParaRPr lang="pt-BR" sz="2000">
+              <a:cs typeface="Calibri"/>
+            </a:endParaRPr>
+          </a:p>
+          <a:p>
+            <a:pPr>
+              <a:buNone/>
+            </a:pPr>
+            <a:endParaRPr lang="pt-BR" sz="2000">
+              <a:ea typeface="+mn-lt"/>
+              <a:cs typeface="+mn-lt"/>
+            </a:endParaRPr>
+          </a:p>
+          <a:p>
+            <a:pPr marL="0" indent="0">
+              <a:buNone/>
+            </a:pPr>
+            <a:endParaRPr lang="pt-BR" sz="2000">
+              <a:cs typeface="Calibri" panose="020F0502020204030204"/>
+            </a:endParaRPr>
+          </a:p>
+          <a:p>
+            <a:endParaRPr lang="pt-BR" sz="2000">
+              <a:cs typeface="Calibri" panose="020F0502020204030204"/>
+            </a:endParaRPr>
+          </a:p>
+        </p:txBody>
+      </p:sp>
+      <p:sp>
+        <p:nvSpPr>
+          <p:cNvPr id="41" name="Rectangle 40">
+            <a:extLst>
+              <a:ext uri="{FF2B5EF4-FFF2-40B4-BE49-F238E27FC236}">
+                <a16:creationId xmlns:a16="http://schemas.microsoft.com/office/drawing/2014/main" id="{2E80C965-DB6D-4F81-9E9E-B027384D0BD6}"/>
+              </a:ext>
+              <a:ext uri="{C183D7F6-B498-43B3-948B-1728B52AA6E4}">
+                <adec:decorative xmlns:adec="http://schemas.microsoft.com/office/drawing/2017/decorative" val="1"/>
+              </a:ext>
+            </a:extLst>
+          </p:cNvPr>
+          <p:cNvSpPr>
+            <a:spLocks noGrp="1" noRot="1" noChangeAspect="1" noMove="1" noResize="1" noEditPoints="1" noAdjustHandles="1" noChangeArrowheads="1" noChangeShapeType="1" noTextEdit="1"/>
+          </p:cNvSpPr>
+          <p:nvPr>
+            <p:extLst>
+              <p:ext uri="{386F3935-93C4-4BCD-93E2-E3B085C9AB24}">
+                <p16:designElem xmlns:p16="http://schemas.microsoft.com/office/powerpoint/2015/main" val="1"/>
+              </p:ext>
+            </p:extLst>
+          </p:nvPr>
+        </p:nvSpPr>
+        <p:spPr>
+          <a:xfrm rot="2700000">
+            <a:off x="11052629" y="2120024"/>
+            <a:ext cx="645368" cy="645368"/>
+          </a:xfrm>
+          <a:prstGeom prst="rect">
+            <a:avLst/>
+          </a:prstGeom>
+          <a:solidFill>
+            <a:schemeClr val="accent4">
+              <a:alpha val="30000"/>
+            </a:schemeClr>
+          </a:solidFill>
+          <a:ln>
+            <a:noFill/>
+          </a:ln>
+        </p:spPr>
+        <p:style>
+          <a:lnRef idx="2">
+            <a:schemeClr val="accent1">
+              <a:shade val="50000"/>
+            </a:schemeClr>
+          </a:lnRef>
+          <a:fillRef idx="1">
+            <a:schemeClr val="accent1"/>
+          </a:fillRef>
+          <a:effectRef idx="0">
+            <a:schemeClr val="accent1"/>
+          </a:effectRef>
+          <a:fontRef idx="minor">
+            <a:schemeClr val="lt1"/>
+          </a:fontRef>
+        </p:style>
+        <p:txBody>
+          <a:bodyPr rtlCol="0" anchor="ctr"/>
+          <a:lstStyle/>
+          <a:p>
+            <a:pPr algn="ctr"/>
+            <a:endParaRPr lang="en-US"/>
+          </a:p>
+        </p:txBody>
+      </p:sp>
+      <p:sp>
+        <p:nvSpPr>
+          <p:cNvPr id="43" name="Isosceles Triangle 42">
+            <a:extLst>
+              <a:ext uri="{FF2B5EF4-FFF2-40B4-BE49-F238E27FC236}">
+                <a16:creationId xmlns:a16="http://schemas.microsoft.com/office/drawing/2014/main" id="{A580F890-B085-4E95-96AA-55AEBEC5CE6E}"/>
+              </a:ext>
+              <a:ext uri="{C183D7F6-B498-43B3-948B-1728B52AA6E4}">
+                <adec:decorative xmlns:adec="http://schemas.microsoft.com/office/drawing/2017/decorative" val="1"/>
+              </a:ext>
+            </a:extLst>
+          </p:cNvPr>
+          <p:cNvSpPr>
+            <a:spLocks noGrp="1" noRot="1" noChangeAspect="1" noMove="1" noResize="1" noEditPoints="1" noAdjustHandles="1" noChangeArrowheads="1" noChangeShapeType="1" noTextEdit="1"/>
+          </p:cNvSpPr>
+          <p:nvPr>
+            <p:extLst>
+              <p:ext uri="{386F3935-93C4-4BCD-93E2-E3B085C9AB24}">
+                <p16:designElem xmlns:p16="http://schemas.microsoft.com/office/powerpoint/2015/main" val="1"/>
+              </p:ext>
+            </p:extLst>
+          </p:nvPr>
+        </p:nvSpPr>
+        <p:spPr>
+          <a:xfrm rot="16200000">
+            <a:off x="10289068" y="1343027"/>
+            <a:ext cx="2532832" cy="1273032"/>
+          </a:xfrm>
+          <a:prstGeom prst="triangle">
+            <a:avLst>
+              <a:gd name="adj" fmla="val 50000"/>
+            </a:avLst>
+          </a:prstGeom>
+          <a:solidFill>
+            <a:schemeClr val="accent4">
+              <a:alpha val="30000"/>
+            </a:schemeClr>
+          </a:solidFill>
+          <a:ln>
+            <a:noFill/>
+          </a:ln>
+        </p:spPr>
+        <p:style>
+          <a:lnRef idx="2">
+            <a:schemeClr val="accent1">
+              <a:shade val="50000"/>
+            </a:schemeClr>
+          </a:lnRef>
+          <a:fillRef idx="1">
+            <a:schemeClr val="accent1"/>
+          </a:fillRef>
+          <a:effectRef idx="0">
+            <a:schemeClr val="accent1"/>
+          </a:effectRef>
+          <a:fontRef idx="minor">
+            <a:schemeClr val="lt1"/>
+          </a:fontRef>
+        </p:style>
+        <p:txBody>
+          <a:bodyPr rtlCol="0" anchor="ctr"/>
+          <a:lstStyle/>
+          <a:p>
+            <a:pPr algn="ctr"/>
+            <a:endParaRPr lang="en-US"/>
+          </a:p>
+        </p:txBody>
+      </p:sp>
+      <p:sp>
+        <p:nvSpPr>
+          <p:cNvPr id="45" name="Isosceles Triangle 44">
+            <a:extLst>
+              <a:ext uri="{FF2B5EF4-FFF2-40B4-BE49-F238E27FC236}">
+                <a16:creationId xmlns:a16="http://schemas.microsoft.com/office/drawing/2014/main" id="{D3F51FEB-38FB-4F6C-9F7B-2F2AFAB65463}"/>
+              </a:ext>
+              <a:ext uri="{C183D7F6-B498-43B3-948B-1728B52AA6E4}">
+                <adec:decorative xmlns:adec="http://schemas.microsoft.com/office/drawing/2017/decorative" val="1"/>
+              </a:ext>
+            </a:extLst>
+          </p:cNvPr>
+          <p:cNvSpPr>
+            <a:spLocks noGrp="1" noRot="1" noChangeAspect="1" noMove="1" noResize="1" noEditPoints="1" noAdjustHandles="1" noChangeArrowheads="1" noChangeShapeType="1" noTextEdit="1"/>
+          </p:cNvSpPr>
+          <p:nvPr>
+            <p:extLst>
+              <p:ext uri="{386F3935-93C4-4BCD-93E2-E3B085C9AB24}">
+                <p16:designElem xmlns:p16="http://schemas.microsoft.com/office/powerpoint/2015/main" val="1"/>
+              </p:ext>
+            </p:extLst>
+          </p:nvPr>
+        </p:nvSpPr>
+        <p:spPr>
+          <a:xfrm rot="5400000">
+            <a:off x="-501760" y="5103257"/>
+            <a:ext cx="2017580" cy="1014060"/>
+          </a:xfrm>
+          <a:prstGeom prst="triangle">
+            <a:avLst>
+              <a:gd name="adj" fmla="val 50000"/>
+            </a:avLst>
+          </a:prstGeom>
+          <a:solidFill>
+            <a:schemeClr val="accent1">
+              <a:alpha val="30000"/>
+            </a:schemeClr>
+          </a:solidFill>
+          <a:ln>
+            <a:noFill/>
+          </a:ln>
+        </p:spPr>
+        <p:style>
+          <a:lnRef idx="2">
+            <a:schemeClr val="accent1">
+              <a:shade val="50000"/>
+            </a:schemeClr>
+          </a:lnRef>
+          <a:fillRef idx="1">
+            <a:schemeClr val="accent1"/>
+          </a:fillRef>
+          <a:effectRef idx="0">
+            <a:schemeClr val="accent1"/>
+          </a:effectRef>
+          <a:fontRef idx="minor">
+            <a:schemeClr val="lt1"/>
+          </a:fontRef>
+        </p:style>
+        <p:txBody>
+          <a:bodyPr wrap="square" rtlCol="0" anchor="ctr">
+            <a:noAutofit/>
+          </a:bodyPr>
+          <a:lstStyle/>
+          <a:p>
+            <a:pPr algn="ctr"/>
+            <a:endParaRPr lang="en-US"/>
+          </a:p>
+        </p:txBody>
+      </p:sp>
+      <p:sp>
+        <p:nvSpPr>
+          <p:cNvPr id="47" name="Rectangle 46">
+            <a:extLst>
+              <a:ext uri="{FF2B5EF4-FFF2-40B4-BE49-F238E27FC236}">
+                <a16:creationId xmlns:a16="http://schemas.microsoft.com/office/drawing/2014/main" id="{1E547BA6-BAE0-43BB-A7CA-60F69CE252F0}"/>
+              </a:ext>
+              <a:ext uri="{C183D7F6-B498-43B3-948B-1728B52AA6E4}">
+                <adec:decorative xmlns:adec="http://schemas.microsoft.com/office/drawing/2017/decorative" val="1"/>
+              </a:ext>
+            </a:extLst>
+          </p:cNvPr>
+          <p:cNvSpPr>
+            <a:spLocks noGrp="1" noRot="1" noChangeAspect="1" noMove="1" noResize="1" noEditPoints="1" noAdjustHandles="1" noChangeArrowheads="1" noChangeShapeType="1" noTextEdit="1"/>
+          </p:cNvSpPr>
+          <p:nvPr>
+            <p:extLst>
+              <p:ext uri="{386F3935-93C4-4BCD-93E2-E3B085C9AB24}">
+                <p16:designElem xmlns:p16="http://schemas.microsoft.com/office/powerpoint/2015/main" val="1"/>
+              </p:ext>
+            </p:extLst>
+          </p:nvPr>
+        </p:nvSpPr>
+        <p:spPr>
+          <a:xfrm rot="2700000">
+            <a:off x="427916" y="5728708"/>
+            <a:ext cx="485578" cy="485578"/>
+          </a:xfrm>
+          <a:prstGeom prst="rect">
+            <a:avLst/>
+          </a:prstGeom>
+          <a:solidFill>
+            <a:schemeClr val="accent1">
+              <a:alpha val="30000"/>
+            </a:schemeClr>
+          </a:solidFill>
+          <a:ln>
+            <a:noFill/>
+          </a:ln>
+        </p:spPr>
+        <p:style>
+          <a:lnRef idx="2">
+            <a:schemeClr val="accent1">
+              <a:shade val="50000"/>
+            </a:schemeClr>
+          </a:lnRef>
+          <a:fillRef idx="1">
+            <a:schemeClr val="accent1"/>
+          </a:fillRef>
+          <a:effectRef idx="0">
+            <a:schemeClr val="accent1"/>
+          </a:effectRef>
+          <a:fontRef idx="minor">
+            <a:schemeClr val="lt1"/>
+          </a:fontRef>
+        </p:style>
+        <p:txBody>
+          <a:bodyPr wrap="square" rtlCol="0" anchor="ctr">
+            <a:noAutofit/>
+          </a:bodyPr>
+          <a:lstStyle/>
+          <a:p>
+            <a:pPr algn="ctr"/>
+            <a:endParaRPr lang="en-US"/>
+          </a:p>
+        </p:txBody>
+      </p:sp>
+    </p:spTree>
+    <p:extLst>
+      <p:ext uri="{BB962C8B-B14F-4D97-AF65-F5344CB8AC3E}">
+        <p14:creationId xmlns:p14="http://schemas.microsoft.com/office/powerpoint/2010/main" val="2023025614"/>
+      </p:ext>
+    </p:extLst>
+  </p:cSld>
+  <p:clrMapOvr>
+    <a:masterClrMapping/>
+  </p:clrMapOvr>
+</p:sld>
+</file>
+
+<file path=ppt/slides/slide25.xml><?xml version="1.0" encoding="utf-8"?>
+<p:sld xmlns:a="http://schemas.openxmlformats.org/drawingml/2006/main" xmlns:r="http://schemas.openxmlformats.org/officeDocument/2006/relationships" xmlns:p="http://schemas.openxmlformats.org/presentationml/2006/main">
+  <p:cSld>
+    <p:bg>
+      <p:bgPr>
+        <a:solidFill>
+          <a:schemeClr val="bg1"/>
+        </a:solidFill>
+        <a:effectLst/>
+      </p:bgPr>
+    </p:bg>
+    <p:spTree>
+      <p:nvGrpSpPr>
+        <p:cNvPr id="1" name=""/>
+        <p:cNvGrpSpPr/>
+        <p:nvPr/>
+      </p:nvGrpSpPr>
+      <p:grpSpPr>
+        <a:xfrm>
+          <a:off x="0" y="0"/>
+          <a:ext cx="0" cy="0"/>
+          <a:chOff x="0" y="0"/>
+          <a:chExt cx="0" cy="0"/>
+        </a:xfrm>
+      </p:grpSpPr>
+      <p:sp>
+        <p:nvSpPr>
+          <p:cNvPr id="39" name="Rectangle 38">
+            <a:extLst>
+              <a:ext uri="{FF2B5EF4-FFF2-40B4-BE49-F238E27FC236}">
+                <a16:creationId xmlns:a16="http://schemas.microsoft.com/office/drawing/2014/main" id="{2B566528-1B12-4246-9431-5C2D7D081168}"/>
+              </a:ext>
+              <a:ext uri="{C183D7F6-B498-43B3-948B-1728B52AA6E4}">
+                <adec:decorative xmlns:adec="http://schemas.microsoft.com/office/drawing/2017/decorative" val="1"/>
+              </a:ext>
+            </a:extLst>
+          </p:cNvPr>
+          <p:cNvSpPr>
+            <a:spLocks noGrp="1" noRot="1" noChangeAspect="1" noMove="1" noResize="1" noEditPoints="1" noAdjustHandles="1" noChangeArrowheads="1" noChangeShapeType="1" noTextEdit="1"/>
+          </p:cNvSpPr>
+          <p:nvPr>
+            <p:extLst>
+              <p:ext uri="{386F3935-93C4-4BCD-93E2-E3B085C9AB24}">
+                <p16:designElem xmlns:p16="http://schemas.microsoft.com/office/powerpoint/2015/main" val="1"/>
+              </p:ext>
+            </p:extLst>
+          </p:nvPr>
+        </p:nvSpPr>
+        <p:spPr>
+          <a:xfrm>
+            <a:off x="0" y="0"/>
+            <a:ext cx="12192000" cy="6858000"/>
+          </a:xfrm>
+          <a:prstGeom prst="rect">
+            <a:avLst/>
+          </a:prstGeom>
+          <a:solidFill>
+            <a:schemeClr val="bg1"/>
+          </a:solidFill>
+          <a:ln>
+            <a:noFill/>
+          </a:ln>
+        </p:spPr>
+        <p:style>
+          <a:lnRef idx="2">
+            <a:schemeClr val="accent1">
+              <a:shade val="50000"/>
+            </a:schemeClr>
+          </a:lnRef>
+          <a:fillRef idx="1">
+            <a:schemeClr val="accent1"/>
+          </a:fillRef>
+          <a:effectRef idx="0">
+            <a:schemeClr val="accent1"/>
+          </a:effectRef>
+          <a:fontRef idx="minor">
+            <a:schemeClr val="lt1"/>
+          </a:fontRef>
+        </p:style>
+        <p:txBody>
+          <a:bodyPr rtlCol="0" anchor="ctr"/>
+          <a:lstStyle/>
+          <a:p>
+            <a:pPr algn="ctr"/>
+            <a:endParaRPr lang="en-US"/>
+          </a:p>
+        </p:txBody>
+      </p:sp>
+      <p:sp>
+        <p:nvSpPr>
+          <p:cNvPr id="2" name="Título 1">
+            <a:extLst>
+              <a:ext uri="{FF2B5EF4-FFF2-40B4-BE49-F238E27FC236}">
+                <a16:creationId xmlns:a16="http://schemas.microsoft.com/office/drawing/2014/main" id="{46991FFA-5E35-051D-3B8C-8962250E1C9A}"/>
+              </a:ext>
+            </a:extLst>
+          </p:cNvPr>
+          <p:cNvSpPr>
+            <a:spLocks noGrp="1"/>
+          </p:cNvSpPr>
+          <p:nvPr>
+            <p:ph type="title"/>
+          </p:nvPr>
+        </p:nvSpPr>
+        <p:spPr>
+          <a:xfrm>
+            <a:off x="643467" y="321734"/>
+            <a:ext cx="10905066" cy="1135737"/>
+          </a:xfrm>
+        </p:spPr>
+        <p:txBody>
+          <a:bodyPr>
+            <a:normAutofit/>
+          </a:bodyPr>
+          <a:lstStyle/>
+          <a:p>
+            <a:r>
+              <a:rPr lang="pt-BR" sz="3600" b="1" dirty="0">
+                <a:ea typeface="+mj-lt"/>
+                <a:cs typeface="+mj-lt"/>
+              </a:rPr>
+              <a:t>Plano de gerenciamento do projeto</a:t>
+            </a:r>
+            <a:endParaRPr lang="pt-BR" dirty="0">
+              <a:ea typeface="+mj-lt"/>
+              <a:cs typeface="+mj-lt"/>
+            </a:endParaRPr>
+          </a:p>
+        </p:txBody>
+      </p:sp>
+      <p:sp>
+        <p:nvSpPr>
+          <p:cNvPr id="3" name="Espaço Reservado para Conteúdo 2">
+            <a:extLst>
+              <a:ext uri="{FF2B5EF4-FFF2-40B4-BE49-F238E27FC236}">
+                <a16:creationId xmlns:a16="http://schemas.microsoft.com/office/drawing/2014/main" id="{1F560DD4-1938-249D-D353-6A108002A6DE}"/>
+              </a:ext>
+            </a:extLst>
+          </p:cNvPr>
+          <p:cNvSpPr>
+            <a:spLocks noGrp="1"/>
+          </p:cNvSpPr>
+          <p:nvPr>
+            <p:ph idx="1"/>
+          </p:nvPr>
+        </p:nvSpPr>
+        <p:spPr>
+          <a:xfrm>
+            <a:off x="657844" y="1610453"/>
+            <a:ext cx="10890689" cy="4566510"/>
+          </a:xfrm>
+        </p:spPr>
+        <p:txBody>
+          <a:bodyPr vert="horz" lIns="91440" tIns="45720" rIns="91440" bIns="45720" rtlCol="0" anchor="t">
+            <a:normAutofit/>
+          </a:bodyPr>
+          <a:lstStyle/>
+          <a:p>
+            <a:pPr>
+              <a:buNone/>
+            </a:pPr>
+            <a:r>
+              <a:rPr lang="pt-BR" sz="2000" dirty="0">
+                <a:ea typeface="+mn-lt"/>
+                <a:cs typeface="+mn-lt"/>
+              </a:rPr>
+              <a:t>Integra e consolida(rá) os planos subsidiários e suas “linhas de base ou de partida” do escopo, cronograma, custo;</a:t>
+            </a:r>
+            <a:endParaRPr lang="pt-BR" dirty="0"/>
+          </a:p>
+          <a:p>
+            <a:pPr>
+              <a:buNone/>
+            </a:pPr>
+            <a:r>
+              <a:rPr lang="pt-BR" sz="2000" dirty="0">
+                <a:ea typeface="+mn-lt"/>
+                <a:cs typeface="+mn-lt"/>
+              </a:rPr>
+              <a:t>Os planos de gestão dos requisitos, da qualidade, recursos humanos, comunicações, risco, aquisições e tratamento dos patrocinadores / clientes e demais interessados.</a:t>
+            </a:r>
+            <a:endParaRPr lang="pt-BR" dirty="0"/>
+          </a:p>
+          <a:p>
+            <a:pPr>
+              <a:buNone/>
+            </a:pPr>
+            <a:r>
+              <a:rPr lang="pt-BR" sz="2000" dirty="0">
+                <a:ea typeface="+mn-lt"/>
+                <a:cs typeface="+mn-lt"/>
+              </a:rPr>
+              <a:t>Pode incluir ainda o ciclo de vida ou fases do desenvolvimento, ferramentas e técnicas aplicáveis, nível de implementação progressiva dos resultados, controles e responsabilidades por mudanças</a:t>
+            </a:r>
+            <a:endParaRPr lang="pt-BR" dirty="0"/>
+          </a:p>
+          <a:p>
+            <a:pPr>
+              <a:buNone/>
+            </a:pPr>
+            <a:endParaRPr lang="pt-BR" sz="2000" dirty="0">
+              <a:cs typeface="Calibri"/>
+            </a:endParaRPr>
+          </a:p>
+          <a:p>
+            <a:pPr>
+              <a:buNone/>
+            </a:pPr>
+            <a:endParaRPr lang="pt-BR" sz="2000" b="1" dirty="0">
+              <a:ea typeface="+mn-lt"/>
+              <a:cs typeface="+mn-lt"/>
+            </a:endParaRPr>
+          </a:p>
+          <a:p>
+            <a:pPr>
+              <a:buNone/>
+            </a:pPr>
+            <a:endParaRPr lang="pt-BR" sz="2000" b="1" dirty="0">
+              <a:ea typeface="+mn-lt"/>
+              <a:cs typeface="+mn-lt"/>
+            </a:endParaRPr>
+          </a:p>
+          <a:p>
+            <a:pPr>
+              <a:buNone/>
+            </a:pPr>
+            <a:endParaRPr lang="pt-BR" sz="2000" dirty="0">
+              <a:cs typeface="Calibri"/>
+            </a:endParaRPr>
+          </a:p>
+          <a:p>
+            <a:pPr>
+              <a:buNone/>
+            </a:pPr>
+            <a:endParaRPr lang="pt-BR" sz="2000" dirty="0">
+              <a:cs typeface="Calibri"/>
+            </a:endParaRPr>
+          </a:p>
+          <a:p>
+            <a:pPr>
+              <a:buNone/>
+            </a:pPr>
+            <a:endParaRPr lang="pt-BR" sz="2000" dirty="0">
+              <a:cs typeface="Calibri"/>
+            </a:endParaRPr>
+          </a:p>
+          <a:p>
+            <a:pPr>
+              <a:buNone/>
+            </a:pPr>
+            <a:endParaRPr lang="pt-BR" sz="2000" dirty="0">
+              <a:cs typeface="Calibri"/>
+            </a:endParaRPr>
+          </a:p>
+          <a:p>
+            <a:pPr>
+              <a:buNone/>
+            </a:pPr>
+            <a:endParaRPr lang="pt-BR" sz="2000" dirty="0">
+              <a:cs typeface="Calibri"/>
+            </a:endParaRPr>
+          </a:p>
+          <a:p>
+            <a:pPr>
+              <a:buNone/>
+            </a:pPr>
+            <a:endParaRPr lang="pt-BR" sz="2000">
+              <a:cs typeface="Calibri"/>
+            </a:endParaRPr>
+          </a:p>
+          <a:p>
+            <a:pPr>
+              <a:buNone/>
+            </a:pPr>
+            <a:endParaRPr lang="pt-BR" sz="2000">
+              <a:cs typeface="Calibri"/>
+            </a:endParaRPr>
+          </a:p>
+          <a:p>
+            <a:pPr>
+              <a:buNone/>
+            </a:pPr>
+            <a:endParaRPr lang="pt-BR" sz="2000">
+              <a:cs typeface="Calibri"/>
+            </a:endParaRPr>
+          </a:p>
+          <a:p>
+            <a:pPr>
+              <a:buNone/>
+            </a:pPr>
+            <a:endParaRPr lang="pt-BR" sz="2000">
+              <a:cs typeface="Calibri"/>
+            </a:endParaRPr>
+          </a:p>
+          <a:p>
+            <a:pPr>
+              <a:buNone/>
+            </a:pPr>
+            <a:endParaRPr lang="pt-BR" sz="2000">
+              <a:cs typeface="Calibri"/>
+            </a:endParaRPr>
+          </a:p>
+          <a:p>
+            <a:pPr marL="0" indent="0">
+              <a:buNone/>
+            </a:pPr>
+            <a:endParaRPr lang="pt-BR" sz="2000">
+              <a:cs typeface="Calibri"/>
+            </a:endParaRPr>
+          </a:p>
+          <a:p>
+            <a:endParaRPr lang="pt-BR" sz="2000">
+              <a:cs typeface="Calibri"/>
+            </a:endParaRPr>
+          </a:p>
+        </p:txBody>
+      </p:sp>
+      <p:sp>
+        <p:nvSpPr>
+          <p:cNvPr id="41" name="Rectangle 40">
+            <a:extLst>
+              <a:ext uri="{FF2B5EF4-FFF2-40B4-BE49-F238E27FC236}">
+                <a16:creationId xmlns:a16="http://schemas.microsoft.com/office/drawing/2014/main" id="{2E80C965-DB6D-4F81-9E9E-B027384D0BD6}"/>
+              </a:ext>
+              <a:ext uri="{C183D7F6-B498-43B3-948B-1728B52AA6E4}">
+                <adec:decorative xmlns:adec="http://schemas.microsoft.com/office/drawing/2017/decorative" val="1"/>
+              </a:ext>
+            </a:extLst>
+          </p:cNvPr>
+          <p:cNvSpPr>
+            <a:spLocks noGrp="1" noRot="1" noChangeAspect="1" noMove="1" noResize="1" noEditPoints="1" noAdjustHandles="1" noChangeArrowheads="1" noChangeShapeType="1" noTextEdit="1"/>
+          </p:cNvSpPr>
+          <p:nvPr>
+            <p:extLst>
+              <p:ext uri="{386F3935-93C4-4BCD-93E2-E3B085C9AB24}">
+                <p16:designElem xmlns:p16="http://schemas.microsoft.com/office/powerpoint/2015/main" val="1"/>
+              </p:ext>
+            </p:extLst>
+          </p:nvPr>
+        </p:nvSpPr>
+        <p:spPr>
+          <a:xfrm rot="2700000">
+            <a:off x="11052629" y="2120024"/>
+            <a:ext cx="645368" cy="645368"/>
+          </a:xfrm>
+          <a:prstGeom prst="rect">
+            <a:avLst/>
+          </a:prstGeom>
+          <a:solidFill>
+            <a:schemeClr val="accent4">
+              <a:alpha val="30000"/>
+            </a:schemeClr>
+          </a:solidFill>
+          <a:ln>
+            <a:noFill/>
+          </a:ln>
+        </p:spPr>
+        <p:style>
+          <a:lnRef idx="2">
+            <a:schemeClr val="accent1">
+              <a:shade val="50000"/>
+            </a:schemeClr>
+          </a:lnRef>
+          <a:fillRef idx="1">
+            <a:schemeClr val="accent1"/>
+          </a:fillRef>
+          <a:effectRef idx="0">
+            <a:schemeClr val="accent1"/>
+          </a:effectRef>
+          <a:fontRef idx="minor">
+            <a:schemeClr val="lt1"/>
+          </a:fontRef>
+        </p:style>
+        <p:txBody>
+          <a:bodyPr rtlCol="0" anchor="ctr"/>
+          <a:lstStyle/>
+          <a:p>
+            <a:pPr algn="ctr"/>
+            <a:endParaRPr lang="en-US"/>
+          </a:p>
+        </p:txBody>
+      </p:sp>
+      <p:sp>
+        <p:nvSpPr>
+          <p:cNvPr id="43" name="Isosceles Triangle 42">
+            <a:extLst>
+              <a:ext uri="{FF2B5EF4-FFF2-40B4-BE49-F238E27FC236}">
+                <a16:creationId xmlns:a16="http://schemas.microsoft.com/office/drawing/2014/main" id="{A580F890-B085-4E95-96AA-55AEBEC5CE6E}"/>
+              </a:ext>
+              <a:ext uri="{C183D7F6-B498-43B3-948B-1728B52AA6E4}">
+                <adec:decorative xmlns:adec="http://schemas.microsoft.com/office/drawing/2017/decorative" val="1"/>
+              </a:ext>
+            </a:extLst>
+          </p:cNvPr>
+          <p:cNvSpPr>
+            <a:spLocks noGrp="1" noRot="1" noChangeAspect="1" noMove="1" noResize="1" noEditPoints="1" noAdjustHandles="1" noChangeArrowheads="1" noChangeShapeType="1" noTextEdit="1"/>
+          </p:cNvSpPr>
+          <p:nvPr>
+            <p:extLst>
+              <p:ext uri="{386F3935-93C4-4BCD-93E2-E3B085C9AB24}">
+                <p16:designElem xmlns:p16="http://schemas.microsoft.com/office/powerpoint/2015/main" val="1"/>
+              </p:ext>
+            </p:extLst>
+          </p:nvPr>
+        </p:nvSpPr>
+        <p:spPr>
+          <a:xfrm rot="16200000">
+            <a:off x="10289068" y="1343027"/>
+            <a:ext cx="2532832" cy="1273032"/>
+          </a:xfrm>
+          <a:prstGeom prst="triangle">
+            <a:avLst>
+              <a:gd name="adj" fmla="val 50000"/>
+            </a:avLst>
+          </a:prstGeom>
+          <a:solidFill>
+            <a:schemeClr val="accent4">
+              <a:alpha val="30000"/>
+            </a:schemeClr>
+          </a:solidFill>
+          <a:ln>
+            <a:noFill/>
+          </a:ln>
+        </p:spPr>
+        <p:style>
+          <a:lnRef idx="2">
+            <a:schemeClr val="accent1">
+              <a:shade val="50000"/>
+            </a:schemeClr>
+          </a:lnRef>
+          <a:fillRef idx="1">
+            <a:schemeClr val="accent1"/>
+          </a:fillRef>
+          <a:effectRef idx="0">
+            <a:schemeClr val="accent1"/>
+          </a:effectRef>
+          <a:fontRef idx="minor">
+            <a:schemeClr val="lt1"/>
+          </a:fontRef>
+        </p:style>
+        <p:txBody>
+          <a:bodyPr rtlCol="0" anchor="ctr"/>
+          <a:lstStyle/>
+          <a:p>
+            <a:pPr algn="ctr"/>
+            <a:endParaRPr lang="en-US"/>
+          </a:p>
+        </p:txBody>
+      </p:sp>
+      <p:sp>
+        <p:nvSpPr>
+          <p:cNvPr id="45" name="Isosceles Triangle 44">
+            <a:extLst>
+              <a:ext uri="{FF2B5EF4-FFF2-40B4-BE49-F238E27FC236}">
+                <a16:creationId xmlns:a16="http://schemas.microsoft.com/office/drawing/2014/main" id="{D3F51FEB-38FB-4F6C-9F7B-2F2AFAB65463}"/>
+              </a:ext>
+              <a:ext uri="{C183D7F6-B498-43B3-948B-1728B52AA6E4}">
+                <adec:decorative xmlns:adec="http://schemas.microsoft.com/office/drawing/2017/decorative" val="1"/>
+              </a:ext>
+            </a:extLst>
+          </p:cNvPr>
+          <p:cNvSpPr>
+            <a:spLocks noGrp="1" noRot="1" noChangeAspect="1" noMove="1" noResize="1" noEditPoints="1" noAdjustHandles="1" noChangeArrowheads="1" noChangeShapeType="1" noTextEdit="1"/>
+          </p:cNvSpPr>
+          <p:nvPr>
+            <p:extLst>
+              <p:ext uri="{386F3935-93C4-4BCD-93E2-E3B085C9AB24}">
+                <p16:designElem xmlns:p16="http://schemas.microsoft.com/office/powerpoint/2015/main" val="1"/>
+              </p:ext>
+            </p:extLst>
+          </p:nvPr>
+        </p:nvSpPr>
+        <p:spPr>
+          <a:xfrm rot="5400000">
+            <a:off x="-501760" y="5103257"/>
+            <a:ext cx="2017580" cy="1014060"/>
+          </a:xfrm>
+          <a:prstGeom prst="triangle">
+            <a:avLst>
+              <a:gd name="adj" fmla="val 50000"/>
+            </a:avLst>
+          </a:prstGeom>
+          <a:solidFill>
+            <a:schemeClr val="accent1">
+              <a:alpha val="30000"/>
+            </a:schemeClr>
+          </a:solidFill>
+          <a:ln>
+            <a:noFill/>
+          </a:ln>
+        </p:spPr>
+        <p:style>
+          <a:lnRef idx="2">
+            <a:schemeClr val="accent1">
+              <a:shade val="50000"/>
+            </a:schemeClr>
+          </a:lnRef>
+          <a:fillRef idx="1">
+            <a:schemeClr val="accent1"/>
+          </a:fillRef>
+          <a:effectRef idx="0">
+            <a:schemeClr val="accent1"/>
+          </a:effectRef>
+          <a:fontRef idx="minor">
+            <a:schemeClr val="lt1"/>
+          </a:fontRef>
+        </p:style>
+        <p:txBody>
+          <a:bodyPr wrap="square" rtlCol="0" anchor="ctr">
+            <a:noAutofit/>
+          </a:bodyPr>
+          <a:lstStyle/>
+          <a:p>
+            <a:pPr algn="ctr"/>
+            <a:endParaRPr lang="en-US"/>
+          </a:p>
+        </p:txBody>
+      </p:sp>
+      <p:sp>
+        <p:nvSpPr>
+          <p:cNvPr id="47" name="Rectangle 46">
+            <a:extLst>
+              <a:ext uri="{FF2B5EF4-FFF2-40B4-BE49-F238E27FC236}">
+                <a16:creationId xmlns:a16="http://schemas.microsoft.com/office/drawing/2014/main" id="{1E547BA6-BAE0-43BB-A7CA-60F69CE252F0}"/>
+              </a:ext>
+              <a:ext uri="{C183D7F6-B498-43B3-948B-1728B52AA6E4}">
+                <adec:decorative xmlns:adec="http://schemas.microsoft.com/office/drawing/2017/decorative" val="1"/>
+              </a:ext>
+            </a:extLst>
+          </p:cNvPr>
+          <p:cNvSpPr>
+            <a:spLocks noGrp="1" noRot="1" noChangeAspect="1" noMove="1" noResize="1" noEditPoints="1" noAdjustHandles="1" noChangeArrowheads="1" noChangeShapeType="1" noTextEdit="1"/>
+          </p:cNvSpPr>
+          <p:nvPr>
+            <p:extLst>
+              <p:ext uri="{386F3935-93C4-4BCD-93E2-E3B085C9AB24}">
+                <p16:designElem xmlns:p16="http://schemas.microsoft.com/office/powerpoint/2015/main" val="1"/>
+              </p:ext>
+            </p:extLst>
+          </p:nvPr>
+        </p:nvSpPr>
+        <p:spPr>
+          <a:xfrm rot="2700000">
+            <a:off x="427916" y="5728708"/>
+            <a:ext cx="485578" cy="485578"/>
+          </a:xfrm>
+          <a:prstGeom prst="rect">
+            <a:avLst/>
+          </a:prstGeom>
+          <a:solidFill>
+            <a:schemeClr val="accent1">
+              <a:alpha val="30000"/>
+            </a:schemeClr>
+          </a:solidFill>
+          <a:ln>
+            <a:noFill/>
+          </a:ln>
+        </p:spPr>
+        <p:style>
+          <a:lnRef idx="2">
+            <a:schemeClr val="accent1">
+              <a:shade val="50000"/>
+            </a:schemeClr>
+          </a:lnRef>
+          <a:fillRef idx="1">
+            <a:schemeClr val="accent1"/>
+          </a:fillRef>
+          <a:effectRef idx="0">
+            <a:schemeClr val="accent1"/>
+          </a:effectRef>
+          <a:fontRef idx="minor">
+            <a:schemeClr val="lt1"/>
+          </a:fontRef>
+        </p:style>
+        <p:txBody>
+          <a:bodyPr wrap="square" rtlCol="0" anchor="ctr">
+            <a:noAutofit/>
+          </a:bodyPr>
+          <a:lstStyle/>
+          <a:p>
+            <a:pPr algn="ctr"/>
+            <a:endParaRPr lang="en-US"/>
+          </a:p>
+        </p:txBody>
+      </p:sp>
+    </p:spTree>
+    <p:extLst>
+      <p:ext uri="{BB962C8B-B14F-4D97-AF65-F5344CB8AC3E}">
+        <p14:creationId xmlns:p14="http://schemas.microsoft.com/office/powerpoint/2010/main" val="3920221709"/>
+      </p:ext>
+    </p:extLst>
+  </p:cSld>
+  <p:clrMapOvr>
+    <a:masterClrMapping/>
+  </p:clrMapOvr>
+</p:sld>
+</file>
+
+<file path=ppt/slides/slide26.xml><?xml version="1.0" encoding="utf-8"?>
+<p:sld xmlns:a="http://schemas.openxmlformats.org/drawingml/2006/main" xmlns:r="http://schemas.openxmlformats.org/officeDocument/2006/relationships" xmlns:p="http://schemas.openxmlformats.org/presentationml/2006/main">
+  <p:cSld>
+    <p:bg>
+      <p:bgPr>
+        <a:solidFill>
+          <a:schemeClr val="bg1"/>
+        </a:solidFill>
+        <a:effectLst/>
+      </p:bgPr>
+    </p:bg>
+    <p:spTree>
+      <p:nvGrpSpPr>
+        <p:cNvPr id="1" name=""/>
+        <p:cNvGrpSpPr/>
+        <p:nvPr/>
+      </p:nvGrpSpPr>
+      <p:grpSpPr>
+        <a:xfrm>
+          <a:off x="0" y="0"/>
+          <a:ext cx="0" cy="0"/>
+          <a:chOff x="0" y="0"/>
+          <a:chExt cx="0" cy="0"/>
+        </a:xfrm>
+      </p:grpSpPr>
+      <p:sp>
+        <p:nvSpPr>
+          <p:cNvPr id="39" name="Rectangle 38">
+            <a:extLst>
+              <a:ext uri="{FF2B5EF4-FFF2-40B4-BE49-F238E27FC236}">
+                <a16:creationId xmlns:a16="http://schemas.microsoft.com/office/drawing/2014/main" id="{2B566528-1B12-4246-9431-5C2D7D081168}"/>
+              </a:ext>
+              <a:ext uri="{C183D7F6-B498-43B3-948B-1728B52AA6E4}">
+                <adec:decorative xmlns:adec="http://schemas.microsoft.com/office/drawing/2017/decorative" val="1"/>
+              </a:ext>
+            </a:extLst>
+          </p:cNvPr>
+          <p:cNvSpPr>
+            <a:spLocks noGrp="1" noRot="1" noChangeAspect="1" noMove="1" noResize="1" noEditPoints="1" noAdjustHandles="1" noChangeArrowheads="1" noChangeShapeType="1" noTextEdit="1"/>
+          </p:cNvSpPr>
+          <p:nvPr>
+            <p:extLst>
+              <p:ext uri="{386F3935-93C4-4BCD-93E2-E3B085C9AB24}">
+                <p16:designElem xmlns:p16="http://schemas.microsoft.com/office/powerpoint/2015/main" val="1"/>
+              </p:ext>
+            </p:extLst>
+          </p:nvPr>
+        </p:nvSpPr>
+        <p:spPr>
+          <a:xfrm>
+            <a:off x="0" y="0"/>
+            <a:ext cx="12192000" cy="6858000"/>
+          </a:xfrm>
+          <a:prstGeom prst="rect">
+            <a:avLst/>
+          </a:prstGeom>
+          <a:solidFill>
+            <a:schemeClr val="bg1"/>
+          </a:solidFill>
+          <a:ln>
+            <a:noFill/>
+          </a:ln>
+        </p:spPr>
+        <p:style>
+          <a:lnRef idx="2">
+            <a:schemeClr val="accent1">
+              <a:shade val="50000"/>
+            </a:schemeClr>
+          </a:lnRef>
+          <a:fillRef idx="1">
+            <a:schemeClr val="accent1"/>
+          </a:fillRef>
+          <a:effectRef idx="0">
+            <a:schemeClr val="accent1"/>
+          </a:effectRef>
+          <a:fontRef idx="minor">
+            <a:schemeClr val="lt1"/>
+          </a:fontRef>
+        </p:style>
+        <p:txBody>
+          <a:bodyPr rtlCol="0" anchor="ctr"/>
+          <a:lstStyle/>
+          <a:p>
+            <a:pPr algn="ctr"/>
+            <a:endParaRPr lang="en-US"/>
+          </a:p>
+        </p:txBody>
+      </p:sp>
+      <p:sp>
+        <p:nvSpPr>
+          <p:cNvPr id="2" name="Título 1">
+            <a:extLst>
+              <a:ext uri="{FF2B5EF4-FFF2-40B4-BE49-F238E27FC236}">
+                <a16:creationId xmlns:a16="http://schemas.microsoft.com/office/drawing/2014/main" id="{46991FFA-5E35-051D-3B8C-8962250E1C9A}"/>
+              </a:ext>
+            </a:extLst>
+          </p:cNvPr>
+          <p:cNvSpPr>
+            <a:spLocks noGrp="1"/>
+          </p:cNvSpPr>
+          <p:nvPr>
+            <p:ph type="title"/>
+          </p:nvPr>
+        </p:nvSpPr>
+        <p:spPr>
+          <a:xfrm>
+            <a:off x="643467" y="321734"/>
+            <a:ext cx="10905066" cy="1135737"/>
+          </a:xfrm>
+        </p:spPr>
+        <p:txBody>
+          <a:bodyPr>
+            <a:normAutofit/>
+          </a:bodyPr>
+          <a:lstStyle/>
+          <a:p>
+            <a:r>
+              <a:rPr lang="pt-BR" sz="3600" b="1" dirty="0">
+                <a:ea typeface="+mj-lt"/>
+                <a:cs typeface="+mj-lt"/>
+              </a:rPr>
+              <a:t>4.3 Dirigir e Gerenciar o trabalho no projeto</a:t>
+            </a:r>
+            <a:endParaRPr lang="pt-BR" dirty="0">
+              <a:ea typeface="+mj-lt"/>
+              <a:cs typeface="+mj-lt"/>
+            </a:endParaRPr>
+          </a:p>
+        </p:txBody>
+      </p:sp>
+      <p:sp>
+        <p:nvSpPr>
+          <p:cNvPr id="3" name="Espaço Reservado para Conteúdo 2">
+            <a:extLst>
+              <a:ext uri="{FF2B5EF4-FFF2-40B4-BE49-F238E27FC236}">
+                <a16:creationId xmlns:a16="http://schemas.microsoft.com/office/drawing/2014/main" id="{1F560DD4-1938-249D-D353-6A108002A6DE}"/>
+              </a:ext>
+            </a:extLst>
+          </p:cNvPr>
+          <p:cNvSpPr>
+            <a:spLocks noGrp="1"/>
+          </p:cNvSpPr>
+          <p:nvPr>
+            <p:ph idx="1"/>
+          </p:nvPr>
+        </p:nvSpPr>
+        <p:spPr>
+          <a:xfrm>
+            <a:off x="657844" y="1610453"/>
+            <a:ext cx="10890689" cy="4566510"/>
+          </a:xfrm>
+        </p:spPr>
+        <p:txBody>
+          <a:bodyPr vert="horz" lIns="91440" tIns="45720" rIns="91440" bIns="45720" rtlCol="0" anchor="t">
+            <a:normAutofit/>
+          </a:bodyPr>
+          <a:lstStyle/>
+          <a:p>
+            <a:pPr>
+              <a:buNone/>
+            </a:pPr>
+            <a:r>
+              <a:rPr lang="pt-BR" sz="2000" dirty="0">
+                <a:ea typeface="+mn-lt"/>
+                <a:cs typeface="+mn-lt"/>
+              </a:rPr>
+              <a:t>Levar a cabo o que foi planejado, monitorando as mudanças.</a:t>
+            </a:r>
+            <a:endParaRPr lang="pt-BR" dirty="0"/>
+          </a:p>
+          <a:p>
+            <a:pPr>
+              <a:buNone/>
+            </a:pPr>
+            <a:r>
+              <a:rPr lang="pt-BR" sz="2000" dirty="0">
+                <a:ea typeface="+mn-lt"/>
+                <a:cs typeface="+mn-lt"/>
+              </a:rPr>
+              <a:t>As entregas são saídas dos processos executados para realizar o trabalho do projeto planejado e agendado no plano de gerenciamento do projeto.</a:t>
+            </a:r>
+            <a:endParaRPr lang="pt-BR" dirty="0"/>
+          </a:p>
+          <a:p>
+            <a:pPr>
+              <a:buNone/>
+            </a:pPr>
+            <a:r>
+              <a:rPr lang="pt-BR" sz="2000" dirty="0">
+                <a:ea typeface="+mn-lt"/>
+                <a:cs typeface="+mn-lt"/>
+              </a:rPr>
+              <a:t>As informações sobre o desempenho do trabalho a respeito da situação atual das entregas, são coletadas como parte da execução do projeto.</a:t>
+            </a:r>
+            <a:endParaRPr lang="pt-BR" dirty="0">
+              <a:ea typeface="+mn-lt"/>
+              <a:cs typeface="+mn-lt"/>
+            </a:endParaRPr>
+          </a:p>
+          <a:p>
+            <a:pPr>
+              <a:buNone/>
+            </a:pPr>
+            <a:r>
+              <a:rPr lang="pt-BR" sz="2000" dirty="0">
+                <a:ea typeface="+mn-lt"/>
+                <a:cs typeface="+mn-lt"/>
+              </a:rPr>
+              <a:t>Além do gerenciamento, revisar os impactos de mudanças e implementação das que forem aprovadas, sejam elas:</a:t>
+            </a:r>
+            <a:endParaRPr lang="pt-BR" dirty="0"/>
+          </a:p>
+          <a:p>
+            <a:pPr>
+              <a:buNone/>
+            </a:pPr>
+            <a:endParaRPr lang="pt-BR" sz="2000" dirty="0">
+              <a:ea typeface="+mn-lt"/>
+              <a:cs typeface="+mn-lt"/>
+            </a:endParaRPr>
+          </a:p>
+          <a:p>
+            <a:pPr>
+              <a:buNone/>
+            </a:pPr>
+            <a:endParaRPr lang="pt-BR" sz="2000" b="1" dirty="0">
+              <a:ea typeface="+mn-lt"/>
+              <a:cs typeface="+mn-lt"/>
+            </a:endParaRPr>
+          </a:p>
+          <a:p>
+            <a:pPr>
+              <a:buNone/>
+            </a:pPr>
+            <a:endParaRPr lang="pt-BR" sz="2000" dirty="0">
+              <a:cs typeface="Calibri"/>
+            </a:endParaRPr>
+          </a:p>
+          <a:p>
+            <a:pPr>
+              <a:buNone/>
+            </a:pPr>
+            <a:endParaRPr lang="pt-BR" sz="2000" dirty="0">
+              <a:cs typeface="Calibri"/>
+            </a:endParaRPr>
+          </a:p>
+          <a:p>
+            <a:pPr>
+              <a:buNone/>
+            </a:pPr>
+            <a:endParaRPr lang="pt-BR" sz="2000" dirty="0">
+              <a:cs typeface="Calibri"/>
+            </a:endParaRPr>
+          </a:p>
+          <a:p>
+            <a:pPr>
+              <a:buNone/>
+            </a:pPr>
+            <a:endParaRPr lang="pt-BR" sz="2000" dirty="0">
+              <a:cs typeface="Calibri"/>
+            </a:endParaRPr>
+          </a:p>
+          <a:p>
+            <a:pPr>
+              <a:buNone/>
+            </a:pPr>
+            <a:endParaRPr lang="pt-BR" sz="2000" dirty="0">
+              <a:cs typeface="Calibri"/>
+            </a:endParaRPr>
+          </a:p>
+          <a:p>
+            <a:pPr>
+              <a:buNone/>
+            </a:pPr>
+            <a:endParaRPr lang="pt-BR" sz="2000">
+              <a:cs typeface="Calibri"/>
+            </a:endParaRPr>
+          </a:p>
+          <a:p>
+            <a:pPr>
+              <a:buNone/>
+            </a:pPr>
+            <a:endParaRPr lang="pt-BR" sz="2000">
+              <a:cs typeface="Calibri"/>
+            </a:endParaRPr>
+          </a:p>
+          <a:p>
+            <a:pPr>
+              <a:buNone/>
+            </a:pPr>
+            <a:endParaRPr lang="pt-BR" sz="2000">
+              <a:cs typeface="Calibri"/>
+            </a:endParaRPr>
+          </a:p>
+          <a:p>
+            <a:pPr>
+              <a:buNone/>
+            </a:pPr>
+            <a:endParaRPr lang="pt-BR" sz="2000">
+              <a:cs typeface="Calibri"/>
+            </a:endParaRPr>
+          </a:p>
+          <a:p>
+            <a:pPr>
+              <a:buNone/>
+            </a:pPr>
+            <a:endParaRPr lang="pt-BR" sz="2000">
+              <a:cs typeface="Calibri"/>
+            </a:endParaRPr>
+          </a:p>
+          <a:p>
+            <a:pPr marL="0" indent="0">
+              <a:buNone/>
+            </a:pPr>
+            <a:endParaRPr lang="pt-BR" sz="2000">
+              <a:cs typeface="Calibri"/>
+            </a:endParaRPr>
+          </a:p>
+          <a:p>
+            <a:endParaRPr lang="pt-BR" sz="2000">
+              <a:cs typeface="Calibri"/>
+            </a:endParaRPr>
+          </a:p>
+        </p:txBody>
+      </p:sp>
+      <p:sp>
+        <p:nvSpPr>
+          <p:cNvPr id="41" name="Rectangle 40">
+            <a:extLst>
+              <a:ext uri="{FF2B5EF4-FFF2-40B4-BE49-F238E27FC236}">
+                <a16:creationId xmlns:a16="http://schemas.microsoft.com/office/drawing/2014/main" id="{2E80C965-DB6D-4F81-9E9E-B027384D0BD6}"/>
+              </a:ext>
+              <a:ext uri="{C183D7F6-B498-43B3-948B-1728B52AA6E4}">
+                <adec:decorative xmlns:adec="http://schemas.microsoft.com/office/drawing/2017/decorative" val="1"/>
+              </a:ext>
+            </a:extLst>
+          </p:cNvPr>
+          <p:cNvSpPr>
+            <a:spLocks noGrp="1" noRot="1" noChangeAspect="1" noMove="1" noResize="1" noEditPoints="1" noAdjustHandles="1" noChangeArrowheads="1" noChangeShapeType="1" noTextEdit="1"/>
+          </p:cNvSpPr>
+          <p:nvPr>
+            <p:extLst>
+              <p:ext uri="{386F3935-93C4-4BCD-93E2-E3B085C9AB24}">
+                <p16:designElem xmlns:p16="http://schemas.microsoft.com/office/powerpoint/2015/main" val="1"/>
+              </p:ext>
+            </p:extLst>
+          </p:nvPr>
+        </p:nvSpPr>
+        <p:spPr>
+          <a:xfrm rot="2700000">
+            <a:off x="11052629" y="2120024"/>
+            <a:ext cx="645368" cy="645368"/>
+          </a:xfrm>
+          <a:prstGeom prst="rect">
+            <a:avLst/>
+          </a:prstGeom>
+          <a:solidFill>
+            <a:schemeClr val="accent4">
+              <a:alpha val="30000"/>
+            </a:schemeClr>
+          </a:solidFill>
+          <a:ln>
+            <a:noFill/>
+          </a:ln>
+        </p:spPr>
+        <p:style>
+          <a:lnRef idx="2">
+            <a:schemeClr val="accent1">
+              <a:shade val="50000"/>
+            </a:schemeClr>
+          </a:lnRef>
+          <a:fillRef idx="1">
+            <a:schemeClr val="accent1"/>
+          </a:fillRef>
+          <a:effectRef idx="0">
+            <a:schemeClr val="accent1"/>
+          </a:effectRef>
+          <a:fontRef idx="minor">
+            <a:schemeClr val="lt1"/>
+          </a:fontRef>
+        </p:style>
+        <p:txBody>
+          <a:bodyPr rtlCol="0" anchor="ctr"/>
+          <a:lstStyle/>
+          <a:p>
+            <a:pPr algn="ctr"/>
+            <a:endParaRPr lang="en-US"/>
+          </a:p>
+        </p:txBody>
+      </p:sp>
+      <p:sp>
+        <p:nvSpPr>
+          <p:cNvPr id="43" name="Isosceles Triangle 42">
+            <a:extLst>
+              <a:ext uri="{FF2B5EF4-FFF2-40B4-BE49-F238E27FC236}">
+                <a16:creationId xmlns:a16="http://schemas.microsoft.com/office/drawing/2014/main" id="{A580F890-B085-4E95-96AA-55AEBEC5CE6E}"/>
+              </a:ext>
+              <a:ext uri="{C183D7F6-B498-43B3-948B-1728B52AA6E4}">
+                <adec:decorative xmlns:adec="http://schemas.microsoft.com/office/drawing/2017/decorative" val="1"/>
+              </a:ext>
+            </a:extLst>
+          </p:cNvPr>
+          <p:cNvSpPr>
+            <a:spLocks noGrp="1" noRot="1" noChangeAspect="1" noMove="1" noResize="1" noEditPoints="1" noAdjustHandles="1" noChangeArrowheads="1" noChangeShapeType="1" noTextEdit="1"/>
+          </p:cNvSpPr>
+          <p:nvPr>
+            <p:extLst>
+              <p:ext uri="{386F3935-93C4-4BCD-93E2-E3B085C9AB24}">
+                <p16:designElem xmlns:p16="http://schemas.microsoft.com/office/powerpoint/2015/main" val="1"/>
+              </p:ext>
+            </p:extLst>
+          </p:nvPr>
+        </p:nvSpPr>
+        <p:spPr>
+          <a:xfrm rot="16200000">
+            <a:off x="10289068" y="1343027"/>
+            <a:ext cx="2532832" cy="1273032"/>
+          </a:xfrm>
+          <a:prstGeom prst="triangle">
+            <a:avLst>
+              <a:gd name="adj" fmla="val 50000"/>
+            </a:avLst>
+          </a:prstGeom>
+          <a:solidFill>
+            <a:schemeClr val="accent4">
+              <a:alpha val="30000"/>
+            </a:schemeClr>
+          </a:solidFill>
+          <a:ln>
+            <a:noFill/>
+          </a:ln>
+        </p:spPr>
+        <p:style>
+          <a:lnRef idx="2">
+            <a:schemeClr val="accent1">
+              <a:shade val="50000"/>
+            </a:schemeClr>
+          </a:lnRef>
+          <a:fillRef idx="1">
+            <a:schemeClr val="accent1"/>
+          </a:fillRef>
+          <a:effectRef idx="0">
+            <a:schemeClr val="accent1"/>
+          </a:effectRef>
+          <a:fontRef idx="minor">
+            <a:schemeClr val="lt1"/>
+          </a:fontRef>
+        </p:style>
+        <p:txBody>
+          <a:bodyPr rtlCol="0" anchor="ctr"/>
+          <a:lstStyle/>
+          <a:p>
+            <a:pPr algn="ctr"/>
+            <a:endParaRPr lang="en-US"/>
+          </a:p>
+        </p:txBody>
+      </p:sp>
+      <p:sp>
+        <p:nvSpPr>
+          <p:cNvPr id="45" name="Isosceles Triangle 44">
+            <a:extLst>
+              <a:ext uri="{FF2B5EF4-FFF2-40B4-BE49-F238E27FC236}">
+                <a16:creationId xmlns:a16="http://schemas.microsoft.com/office/drawing/2014/main" id="{D3F51FEB-38FB-4F6C-9F7B-2F2AFAB65463}"/>
+              </a:ext>
+              <a:ext uri="{C183D7F6-B498-43B3-948B-1728B52AA6E4}">
+                <adec:decorative xmlns:adec="http://schemas.microsoft.com/office/drawing/2017/decorative" val="1"/>
+              </a:ext>
+            </a:extLst>
+          </p:cNvPr>
+          <p:cNvSpPr>
+            <a:spLocks noGrp="1" noRot="1" noChangeAspect="1" noMove="1" noResize="1" noEditPoints="1" noAdjustHandles="1" noChangeArrowheads="1" noChangeShapeType="1" noTextEdit="1"/>
+          </p:cNvSpPr>
+          <p:nvPr>
+            <p:extLst>
+              <p:ext uri="{386F3935-93C4-4BCD-93E2-E3B085C9AB24}">
+                <p16:designElem xmlns:p16="http://schemas.microsoft.com/office/powerpoint/2015/main" val="1"/>
+              </p:ext>
+            </p:extLst>
+          </p:nvPr>
+        </p:nvSpPr>
+        <p:spPr>
+          <a:xfrm rot="5400000">
+            <a:off x="-501760" y="5103257"/>
+            <a:ext cx="2017580" cy="1014060"/>
+          </a:xfrm>
+          <a:prstGeom prst="triangle">
+            <a:avLst>
+              <a:gd name="adj" fmla="val 50000"/>
+            </a:avLst>
+          </a:prstGeom>
+          <a:solidFill>
+            <a:schemeClr val="accent1">
+              <a:alpha val="30000"/>
+            </a:schemeClr>
+          </a:solidFill>
+          <a:ln>
+            <a:noFill/>
+          </a:ln>
+        </p:spPr>
+        <p:style>
+          <a:lnRef idx="2">
+            <a:schemeClr val="accent1">
+              <a:shade val="50000"/>
+            </a:schemeClr>
+          </a:lnRef>
+          <a:fillRef idx="1">
+            <a:schemeClr val="accent1"/>
+          </a:fillRef>
+          <a:effectRef idx="0">
+            <a:schemeClr val="accent1"/>
+          </a:effectRef>
+          <a:fontRef idx="minor">
+            <a:schemeClr val="lt1"/>
+          </a:fontRef>
+        </p:style>
+        <p:txBody>
+          <a:bodyPr wrap="square" rtlCol="0" anchor="ctr">
+            <a:noAutofit/>
+          </a:bodyPr>
+          <a:lstStyle/>
+          <a:p>
+            <a:pPr algn="ctr"/>
+            <a:endParaRPr lang="en-US"/>
+          </a:p>
+        </p:txBody>
+      </p:sp>
+      <p:sp>
+        <p:nvSpPr>
+          <p:cNvPr id="47" name="Rectangle 46">
+            <a:extLst>
+              <a:ext uri="{FF2B5EF4-FFF2-40B4-BE49-F238E27FC236}">
+                <a16:creationId xmlns:a16="http://schemas.microsoft.com/office/drawing/2014/main" id="{1E547BA6-BAE0-43BB-A7CA-60F69CE252F0}"/>
+              </a:ext>
+              <a:ext uri="{C183D7F6-B498-43B3-948B-1728B52AA6E4}">
+                <adec:decorative xmlns:adec="http://schemas.microsoft.com/office/drawing/2017/decorative" val="1"/>
+              </a:ext>
+            </a:extLst>
+          </p:cNvPr>
+          <p:cNvSpPr>
+            <a:spLocks noGrp="1" noRot="1" noChangeAspect="1" noMove="1" noResize="1" noEditPoints="1" noAdjustHandles="1" noChangeArrowheads="1" noChangeShapeType="1" noTextEdit="1"/>
+          </p:cNvSpPr>
+          <p:nvPr>
+            <p:extLst>
+              <p:ext uri="{386F3935-93C4-4BCD-93E2-E3B085C9AB24}">
+                <p16:designElem xmlns:p16="http://schemas.microsoft.com/office/powerpoint/2015/main" val="1"/>
+              </p:ext>
+            </p:extLst>
+          </p:nvPr>
+        </p:nvSpPr>
+        <p:spPr>
+          <a:xfrm rot="2700000">
+            <a:off x="427916" y="5728708"/>
+            <a:ext cx="485578" cy="485578"/>
+          </a:xfrm>
+          <a:prstGeom prst="rect">
+            <a:avLst/>
+          </a:prstGeom>
+          <a:solidFill>
+            <a:schemeClr val="accent1">
+              <a:alpha val="30000"/>
+            </a:schemeClr>
+          </a:solidFill>
+          <a:ln>
+            <a:noFill/>
+          </a:ln>
+        </p:spPr>
+        <p:style>
+          <a:lnRef idx="2">
+            <a:schemeClr val="accent1">
+              <a:shade val="50000"/>
+            </a:schemeClr>
+          </a:lnRef>
+          <a:fillRef idx="1">
+            <a:schemeClr val="accent1"/>
+          </a:fillRef>
+          <a:effectRef idx="0">
+            <a:schemeClr val="accent1"/>
+          </a:effectRef>
+          <a:fontRef idx="minor">
+            <a:schemeClr val="lt1"/>
+          </a:fontRef>
+        </p:style>
+        <p:txBody>
+          <a:bodyPr wrap="square" rtlCol="0" anchor="ctr">
+            <a:noAutofit/>
+          </a:bodyPr>
+          <a:lstStyle/>
+          <a:p>
+            <a:pPr algn="ctr"/>
+            <a:endParaRPr lang="en-US"/>
+          </a:p>
+        </p:txBody>
+      </p:sp>
+    </p:spTree>
+    <p:extLst>
+      <p:ext uri="{BB962C8B-B14F-4D97-AF65-F5344CB8AC3E}">
+        <p14:creationId xmlns:p14="http://schemas.microsoft.com/office/powerpoint/2010/main" val="2128152002"/>
+      </p:ext>
+    </p:extLst>
+  </p:cSld>
+  <p:clrMapOvr>
+    <a:masterClrMapping/>
+  </p:clrMapOvr>
+</p:sld>
+</file>
+
+<file path=ppt/slides/slide27.xml><?xml version="1.0" encoding="utf-8"?>
+<p:sld xmlns:a="http://schemas.openxmlformats.org/drawingml/2006/main" xmlns:r="http://schemas.openxmlformats.org/officeDocument/2006/relationships" xmlns:p="http://schemas.openxmlformats.org/presentationml/2006/main">
+  <p:cSld>
+    <p:bg>
+      <p:bgPr>
+        <a:solidFill>
+          <a:schemeClr val="bg1"/>
+        </a:solidFill>
+        <a:effectLst/>
+      </p:bgPr>
+    </p:bg>
+    <p:spTree>
+      <p:nvGrpSpPr>
+        <p:cNvPr id="1" name=""/>
+        <p:cNvGrpSpPr/>
+        <p:nvPr/>
+      </p:nvGrpSpPr>
+      <p:grpSpPr>
+        <a:xfrm>
+          <a:off x="0" y="0"/>
+          <a:ext cx="0" cy="0"/>
+          <a:chOff x="0" y="0"/>
+          <a:chExt cx="0" cy="0"/>
+        </a:xfrm>
+      </p:grpSpPr>
+      <p:sp>
+        <p:nvSpPr>
+          <p:cNvPr id="39" name="Rectangle 38">
+            <a:extLst>
+              <a:ext uri="{FF2B5EF4-FFF2-40B4-BE49-F238E27FC236}">
+                <a16:creationId xmlns:a16="http://schemas.microsoft.com/office/drawing/2014/main" id="{2B566528-1B12-4246-9431-5C2D7D081168}"/>
+              </a:ext>
+              <a:ext uri="{C183D7F6-B498-43B3-948B-1728B52AA6E4}">
+                <adec:decorative xmlns:adec="http://schemas.microsoft.com/office/drawing/2017/decorative" val="1"/>
+              </a:ext>
+            </a:extLst>
+          </p:cNvPr>
+          <p:cNvSpPr>
+            <a:spLocks noGrp="1" noRot="1" noChangeAspect="1" noMove="1" noResize="1" noEditPoints="1" noAdjustHandles="1" noChangeArrowheads="1" noChangeShapeType="1" noTextEdit="1"/>
+          </p:cNvSpPr>
+          <p:nvPr>
+            <p:extLst>
+              <p:ext uri="{386F3935-93C4-4BCD-93E2-E3B085C9AB24}">
+                <p16:designElem xmlns:p16="http://schemas.microsoft.com/office/powerpoint/2015/main" val="1"/>
+              </p:ext>
+            </p:extLst>
+          </p:nvPr>
+        </p:nvSpPr>
+        <p:spPr>
+          <a:xfrm>
+            <a:off x="0" y="0"/>
+            <a:ext cx="12192000" cy="6858000"/>
+          </a:xfrm>
+          <a:prstGeom prst="rect">
+            <a:avLst/>
+          </a:prstGeom>
+          <a:solidFill>
+            <a:schemeClr val="bg1"/>
+          </a:solidFill>
+          <a:ln>
+            <a:noFill/>
+          </a:ln>
+        </p:spPr>
+        <p:style>
+          <a:lnRef idx="2">
+            <a:schemeClr val="accent1">
+              <a:shade val="50000"/>
+            </a:schemeClr>
+          </a:lnRef>
+          <a:fillRef idx="1">
+            <a:schemeClr val="accent1"/>
+          </a:fillRef>
+          <a:effectRef idx="0">
+            <a:schemeClr val="accent1"/>
+          </a:effectRef>
+          <a:fontRef idx="minor">
+            <a:schemeClr val="lt1"/>
+          </a:fontRef>
+        </p:style>
+        <p:txBody>
+          <a:bodyPr rtlCol="0" anchor="ctr"/>
+          <a:lstStyle/>
+          <a:p>
+            <a:pPr algn="ctr"/>
+            <a:endParaRPr lang="en-US"/>
+          </a:p>
+        </p:txBody>
+      </p:sp>
+      <p:sp>
+        <p:nvSpPr>
+          <p:cNvPr id="2" name="Título 1">
+            <a:extLst>
+              <a:ext uri="{FF2B5EF4-FFF2-40B4-BE49-F238E27FC236}">
+                <a16:creationId xmlns:a16="http://schemas.microsoft.com/office/drawing/2014/main" id="{46991FFA-5E35-051D-3B8C-8962250E1C9A}"/>
+              </a:ext>
+            </a:extLst>
+          </p:cNvPr>
+          <p:cNvSpPr>
+            <a:spLocks noGrp="1"/>
+          </p:cNvSpPr>
+          <p:nvPr>
+            <p:ph type="title"/>
+          </p:nvPr>
+        </p:nvSpPr>
+        <p:spPr>
+          <a:xfrm>
+            <a:off x="643467" y="321734"/>
+            <a:ext cx="10905066" cy="1135737"/>
+          </a:xfrm>
+        </p:spPr>
+        <p:txBody>
+          <a:bodyPr>
+            <a:normAutofit/>
+          </a:bodyPr>
+          <a:lstStyle/>
+          <a:p>
+            <a:r>
+              <a:rPr lang="pt-BR" sz="3600" b="1" dirty="0">
+                <a:ea typeface="+mj-lt"/>
+                <a:cs typeface="+mj-lt"/>
+              </a:rPr>
+              <a:t>4.3 Dirigir e Gerenciar o trabalho no projeto</a:t>
+            </a:r>
+            <a:endParaRPr lang="pt-BR" dirty="0">
+              <a:ea typeface="+mj-lt"/>
+              <a:cs typeface="+mj-lt"/>
+            </a:endParaRPr>
+          </a:p>
+        </p:txBody>
+      </p:sp>
+      <p:sp>
+        <p:nvSpPr>
+          <p:cNvPr id="3" name="Espaço Reservado para Conteúdo 2">
+            <a:extLst>
+              <a:ext uri="{FF2B5EF4-FFF2-40B4-BE49-F238E27FC236}">
+                <a16:creationId xmlns:a16="http://schemas.microsoft.com/office/drawing/2014/main" id="{1F560DD4-1938-249D-D353-6A108002A6DE}"/>
+              </a:ext>
+            </a:extLst>
+          </p:cNvPr>
+          <p:cNvSpPr>
+            <a:spLocks noGrp="1"/>
+          </p:cNvSpPr>
+          <p:nvPr>
+            <p:ph idx="1"/>
+          </p:nvPr>
+        </p:nvSpPr>
+        <p:spPr>
+          <a:xfrm>
+            <a:off x="657844" y="1610453"/>
+            <a:ext cx="10890689" cy="4566510"/>
+          </a:xfrm>
+        </p:spPr>
+        <p:txBody>
+          <a:bodyPr vert="horz" lIns="91440" tIns="45720" rIns="91440" bIns="45720" rtlCol="0" anchor="t">
+            <a:normAutofit/>
+          </a:bodyPr>
+          <a:lstStyle/>
+          <a:p>
+            <a:pPr>
+              <a:buNone/>
+            </a:pPr>
+            <a:r>
+              <a:rPr lang="pt-BR" sz="2000" dirty="0">
+                <a:ea typeface="+mn-lt"/>
+                <a:cs typeface="+mn-lt"/>
+              </a:rPr>
+              <a:t>Ações </a:t>
+            </a:r>
+            <a:r>
+              <a:rPr lang="pt-BR" sz="2000" b="1" dirty="0">
+                <a:ea typeface="+mn-lt"/>
+                <a:cs typeface="+mn-lt"/>
+              </a:rPr>
+              <a:t>corretivas</a:t>
+            </a:r>
+            <a:r>
+              <a:rPr lang="pt-BR" sz="2000" dirty="0">
+                <a:ea typeface="+mn-lt"/>
+                <a:cs typeface="+mn-lt"/>
+              </a:rPr>
+              <a:t> - para que o desempenho do projeto fique de acordo com o plano.</a:t>
+            </a:r>
+            <a:endParaRPr lang="pt-BR" dirty="0">
+              <a:ea typeface="+mn-lt"/>
+              <a:cs typeface="+mn-lt"/>
+            </a:endParaRPr>
+          </a:p>
+          <a:p>
+            <a:pPr>
+              <a:buNone/>
+            </a:pPr>
+            <a:r>
+              <a:rPr lang="pt-BR" sz="2000" dirty="0">
+                <a:ea typeface="+mn-lt"/>
+                <a:cs typeface="+mn-lt"/>
+              </a:rPr>
+              <a:t>Ações </a:t>
+            </a:r>
+            <a:r>
+              <a:rPr lang="pt-BR" sz="2000" b="1" dirty="0">
+                <a:ea typeface="+mn-lt"/>
+                <a:cs typeface="+mn-lt"/>
+              </a:rPr>
+              <a:t>preventivas</a:t>
+            </a:r>
+            <a:r>
+              <a:rPr lang="pt-BR" sz="2000" dirty="0">
+                <a:ea typeface="+mn-lt"/>
+                <a:cs typeface="+mn-lt"/>
+              </a:rPr>
+              <a:t> - reduzem a probabilidade de possíveis consequências negativas;</a:t>
+            </a:r>
+            <a:endParaRPr lang="pt-BR" dirty="0"/>
+          </a:p>
+          <a:p>
+            <a:pPr>
+              <a:buNone/>
+            </a:pPr>
+            <a:r>
+              <a:rPr lang="pt-BR" sz="2000" dirty="0">
+                <a:ea typeface="+mn-lt"/>
+                <a:cs typeface="+mn-lt"/>
+              </a:rPr>
+              <a:t>Solicitações de </a:t>
+            </a:r>
+            <a:r>
+              <a:rPr lang="pt-BR" sz="2000" b="1" dirty="0">
+                <a:ea typeface="+mn-lt"/>
+                <a:cs typeface="+mn-lt"/>
+              </a:rPr>
+              <a:t>reparo de defeito</a:t>
+            </a:r>
+            <a:r>
+              <a:rPr lang="pt-BR" sz="2000" dirty="0">
+                <a:ea typeface="+mn-lt"/>
+                <a:cs typeface="+mn-lt"/>
+              </a:rPr>
+              <a:t> - para corrigir problemas do produto encontrados pelo processo de qualidade.</a:t>
+            </a:r>
+            <a:endParaRPr lang="pt-BR" dirty="0">
+              <a:ea typeface="+mn-lt"/>
+              <a:cs typeface="+mn-lt"/>
+            </a:endParaRPr>
+          </a:p>
+          <a:p>
+            <a:pPr>
+              <a:buNone/>
+            </a:pPr>
+            <a:endParaRPr lang="pt-BR" sz="2000" dirty="0">
+              <a:cs typeface="Calibri"/>
+            </a:endParaRPr>
+          </a:p>
+          <a:p>
+            <a:pPr>
+              <a:buNone/>
+            </a:pPr>
+            <a:endParaRPr lang="pt-BR" sz="2000" dirty="0">
+              <a:ea typeface="+mn-lt"/>
+              <a:cs typeface="+mn-lt"/>
+            </a:endParaRPr>
+          </a:p>
+          <a:p>
+            <a:pPr>
+              <a:buNone/>
+            </a:pPr>
+            <a:endParaRPr lang="pt-BR" sz="2000" b="1" dirty="0">
+              <a:ea typeface="+mn-lt"/>
+              <a:cs typeface="+mn-lt"/>
+            </a:endParaRPr>
+          </a:p>
+          <a:p>
+            <a:pPr>
+              <a:buNone/>
+            </a:pPr>
+            <a:endParaRPr lang="pt-BR" sz="2000" dirty="0">
+              <a:cs typeface="Calibri"/>
+            </a:endParaRPr>
+          </a:p>
+          <a:p>
+            <a:pPr>
+              <a:buNone/>
+            </a:pPr>
+            <a:endParaRPr lang="pt-BR" sz="2000" dirty="0">
+              <a:cs typeface="Calibri"/>
+            </a:endParaRPr>
+          </a:p>
+          <a:p>
+            <a:pPr>
+              <a:buNone/>
+            </a:pPr>
+            <a:endParaRPr lang="pt-BR" sz="2000" dirty="0">
+              <a:cs typeface="Calibri"/>
+            </a:endParaRPr>
+          </a:p>
+          <a:p>
+            <a:pPr>
+              <a:buNone/>
+            </a:pPr>
+            <a:endParaRPr lang="pt-BR" sz="2000" dirty="0">
+              <a:cs typeface="Calibri"/>
+            </a:endParaRPr>
+          </a:p>
+          <a:p>
+            <a:pPr>
+              <a:buNone/>
+            </a:pPr>
+            <a:endParaRPr lang="pt-BR" sz="2000" dirty="0">
+              <a:cs typeface="Calibri"/>
+            </a:endParaRPr>
+          </a:p>
+          <a:p>
+            <a:pPr>
+              <a:buNone/>
+            </a:pPr>
+            <a:endParaRPr lang="pt-BR" sz="2000">
+              <a:cs typeface="Calibri"/>
+            </a:endParaRPr>
+          </a:p>
+          <a:p>
+            <a:pPr>
+              <a:buNone/>
+            </a:pPr>
+            <a:endParaRPr lang="pt-BR" sz="2000">
+              <a:cs typeface="Calibri"/>
+            </a:endParaRPr>
+          </a:p>
+          <a:p>
+            <a:pPr>
+              <a:buNone/>
+            </a:pPr>
+            <a:endParaRPr lang="pt-BR" sz="2000">
+              <a:cs typeface="Calibri"/>
+            </a:endParaRPr>
+          </a:p>
+          <a:p>
+            <a:pPr>
+              <a:buNone/>
+            </a:pPr>
+            <a:endParaRPr lang="pt-BR" sz="2000">
+              <a:cs typeface="Calibri"/>
+            </a:endParaRPr>
+          </a:p>
+          <a:p>
+            <a:pPr>
+              <a:buNone/>
+            </a:pPr>
+            <a:endParaRPr lang="pt-BR" sz="2000">
+              <a:cs typeface="Calibri"/>
+            </a:endParaRPr>
+          </a:p>
+          <a:p>
+            <a:pPr marL="0" indent="0">
+              <a:buNone/>
+            </a:pPr>
+            <a:endParaRPr lang="pt-BR" sz="2000">
+              <a:cs typeface="Calibri"/>
+            </a:endParaRPr>
+          </a:p>
+          <a:p>
+            <a:endParaRPr lang="pt-BR" sz="2000">
+              <a:cs typeface="Calibri"/>
+            </a:endParaRPr>
+          </a:p>
+        </p:txBody>
+      </p:sp>
+      <p:sp>
+        <p:nvSpPr>
+          <p:cNvPr id="41" name="Rectangle 40">
+            <a:extLst>
+              <a:ext uri="{FF2B5EF4-FFF2-40B4-BE49-F238E27FC236}">
+                <a16:creationId xmlns:a16="http://schemas.microsoft.com/office/drawing/2014/main" id="{2E80C965-DB6D-4F81-9E9E-B027384D0BD6}"/>
+              </a:ext>
+              <a:ext uri="{C183D7F6-B498-43B3-948B-1728B52AA6E4}">
+                <adec:decorative xmlns:adec="http://schemas.microsoft.com/office/drawing/2017/decorative" val="1"/>
+              </a:ext>
+            </a:extLst>
+          </p:cNvPr>
+          <p:cNvSpPr>
+            <a:spLocks noGrp="1" noRot="1" noChangeAspect="1" noMove="1" noResize="1" noEditPoints="1" noAdjustHandles="1" noChangeArrowheads="1" noChangeShapeType="1" noTextEdit="1"/>
+          </p:cNvSpPr>
+          <p:nvPr>
+            <p:extLst>
+              <p:ext uri="{386F3935-93C4-4BCD-93E2-E3B085C9AB24}">
+                <p16:designElem xmlns:p16="http://schemas.microsoft.com/office/powerpoint/2015/main" val="1"/>
+              </p:ext>
+            </p:extLst>
+          </p:nvPr>
+        </p:nvSpPr>
+        <p:spPr>
+          <a:xfrm rot="2700000">
+            <a:off x="11052629" y="2120024"/>
+            <a:ext cx="645368" cy="645368"/>
+          </a:xfrm>
+          <a:prstGeom prst="rect">
+            <a:avLst/>
+          </a:prstGeom>
+          <a:solidFill>
+            <a:schemeClr val="accent4">
+              <a:alpha val="30000"/>
+            </a:schemeClr>
+          </a:solidFill>
+          <a:ln>
+            <a:noFill/>
+          </a:ln>
+        </p:spPr>
+        <p:style>
+          <a:lnRef idx="2">
+            <a:schemeClr val="accent1">
+              <a:shade val="50000"/>
+            </a:schemeClr>
+          </a:lnRef>
+          <a:fillRef idx="1">
+            <a:schemeClr val="accent1"/>
+          </a:fillRef>
+          <a:effectRef idx="0">
+            <a:schemeClr val="accent1"/>
+          </a:effectRef>
+          <a:fontRef idx="minor">
+            <a:schemeClr val="lt1"/>
+          </a:fontRef>
+        </p:style>
+        <p:txBody>
+          <a:bodyPr rtlCol="0" anchor="ctr"/>
+          <a:lstStyle/>
+          <a:p>
+            <a:pPr algn="ctr"/>
+            <a:endParaRPr lang="en-US"/>
+          </a:p>
+        </p:txBody>
+      </p:sp>
+      <p:sp>
+        <p:nvSpPr>
+          <p:cNvPr id="43" name="Isosceles Triangle 42">
+            <a:extLst>
+              <a:ext uri="{FF2B5EF4-FFF2-40B4-BE49-F238E27FC236}">
+                <a16:creationId xmlns:a16="http://schemas.microsoft.com/office/drawing/2014/main" id="{A580F890-B085-4E95-96AA-55AEBEC5CE6E}"/>
+              </a:ext>
+              <a:ext uri="{C183D7F6-B498-43B3-948B-1728B52AA6E4}">
+                <adec:decorative xmlns:adec="http://schemas.microsoft.com/office/drawing/2017/decorative" val="1"/>
+              </a:ext>
+            </a:extLst>
+          </p:cNvPr>
+          <p:cNvSpPr>
+            <a:spLocks noGrp="1" noRot="1" noChangeAspect="1" noMove="1" noResize="1" noEditPoints="1" noAdjustHandles="1" noChangeArrowheads="1" noChangeShapeType="1" noTextEdit="1"/>
+          </p:cNvSpPr>
+          <p:nvPr>
+            <p:extLst>
+              <p:ext uri="{386F3935-93C4-4BCD-93E2-E3B085C9AB24}">
+                <p16:designElem xmlns:p16="http://schemas.microsoft.com/office/powerpoint/2015/main" val="1"/>
+              </p:ext>
+            </p:extLst>
+          </p:nvPr>
+        </p:nvSpPr>
+        <p:spPr>
+          <a:xfrm rot="16200000">
+            <a:off x="10289068" y="1343027"/>
+            <a:ext cx="2532832" cy="1273032"/>
+          </a:xfrm>
+          <a:prstGeom prst="triangle">
+            <a:avLst>
+              <a:gd name="adj" fmla="val 50000"/>
+            </a:avLst>
+          </a:prstGeom>
+          <a:solidFill>
+            <a:schemeClr val="accent4">
+              <a:alpha val="30000"/>
+            </a:schemeClr>
+          </a:solidFill>
+          <a:ln>
+            <a:noFill/>
+          </a:ln>
+        </p:spPr>
+        <p:style>
+          <a:lnRef idx="2">
+            <a:schemeClr val="accent1">
+              <a:shade val="50000"/>
+            </a:schemeClr>
+          </a:lnRef>
+          <a:fillRef idx="1">
+            <a:schemeClr val="accent1"/>
+          </a:fillRef>
+          <a:effectRef idx="0">
+            <a:schemeClr val="accent1"/>
+          </a:effectRef>
+          <a:fontRef idx="minor">
+            <a:schemeClr val="lt1"/>
+          </a:fontRef>
+        </p:style>
+        <p:txBody>
+          <a:bodyPr rtlCol="0" anchor="ctr"/>
+          <a:lstStyle/>
+          <a:p>
+            <a:pPr algn="ctr"/>
+            <a:endParaRPr lang="en-US"/>
+          </a:p>
+        </p:txBody>
+      </p:sp>
+      <p:sp>
+        <p:nvSpPr>
+          <p:cNvPr id="45" name="Isosceles Triangle 44">
+            <a:extLst>
+              <a:ext uri="{FF2B5EF4-FFF2-40B4-BE49-F238E27FC236}">
+                <a16:creationId xmlns:a16="http://schemas.microsoft.com/office/drawing/2014/main" id="{D3F51FEB-38FB-4F6C-9F7B-2F2AFAB65463}"/>
+              </a:ext>
+              <a:ext uri="{C183D7F6-B498-43B3-948B-1728B52AA6E4}">
+                <adec:decorative xmlns:adec="http://schemas.microsoft.com/office/drawing/2017/decorative" val="1"/>
+              </a:ext>
+            </a:extLst>
+          </p:cNvPr>
+          <p:cNvSpPr>
+            <a:spLocks noGrp="1" noRot="1" noChangeAspect="1" noMove="1" noResize="1" noEditPoints="1" noAdjustHandles="1" noChangeArrowheads="1" noChangeShapeType="1" noTextEdit="1"/>
+          </p:cNvSpPr>
+          <p:nvPr>
+            <p:extLst>
+              <p:ext uri="{386F3935-93C4-4BCD-93E2-E3B085C9AB24}">
+                <p16:designElem xmlns:p16="http://schemas.microsoft.com/office/powerpoint/2015/main" val="1"/>
+              </p:ext>
+            </p:extLst>
+          </p:nvPr>
+        </p:nvSpPr>
+        <p:spPr>
+          <a:xfrm rot="5400000">
+            <a:off x="-501760" y="5103257"/>
+            <a:ext cx="2017580" cy="1014060"/>
+          </a:xfrm>
+          <a:prstGeom prst="triangle">
+            <a:avLst>
+              <a:gd name="adj" fmla="val 50000"/>
+            </a:avLst>
+          </a:prstGeom>
+          <a:solidFill>
+            <a:schemeClr val="accent1">
+              <a:alpha val="30000"/>
+            </a:schemeClr>
+          </a:solidFill>
+          <a:ln>
+            <a:noFill/>
+          </a:ln>
+        </p:spPr>
+        <p:style>
+          <a:lnRef idx="2">
+            <a:schemeClr val="accent1">
+              <a:shade val="50000"/>
+            </a:schemeClr>
+          </a:lnRef>
+          <a:fillRef idx="1">
+            <a:schemeClr val="accent1"/>
+          </a:fillRef>
+          <a:effectRef idx="0">
+            <a:schemeClr val="accent1"/>
+          </a:effectRef>
+          <a:fontRef idx="minor">
+            <a:schemeClr val="lt1"/>
+          </a:fontRef>
+        </p:style>
+        <p:txBody>
+          <a:bodyPr wrap="square" rtlCol="0" anchor="ctr">
+            <a:noAutofit/>
+          </a:bodyPr>
+          <a:lstStyle/>
+          <a:p>
+            <a:pPr algn="ctr"/>
+            <a:endParaRPr lang="en-US"/>
+          </a:p>
+        </p:txBody>
+      </p:sp>
+      <p:sp>
+        <p:nvSpPr>
+          <p:cNvPr id="47" name="Rectangle 46">
+            <a:extLst>
+              <a:ext uri="{FF2B5EF4-FFF2-40B4-BE49-F238E27FC236}">
+                <a16:creationId xmlns:a16="http://schemas.microsoft.com/office/drawing/2014/main" id="{1E547BA6-BAE0-43BB-A7CA-60F69CE252F0}"/>
+              </a:ext>
+              <a:ext uri="{C183D7F6-B498-43B3-948B-1728B52AA6E4}">
+                <adec:decorative xmlns:adec="http://schemas.microsoft.com/office/drawing/2017/decorative" val="1"/>
+              </a:ext>
+            </a:extLst>
+          </p:cNvPr>
+          <p:cNvSpPr>
+            <a:spLocks noGrp="1" noRot="1" noChangeAspect="1" noMove="1" noResize="1" noEditPoints="1" noAdjustHandles="1" noChangeArrowheads="1" noChangeShapeType="1" noTextEdit="1"/>
+          </p:cNvSpPr>
+          <p:nvPr>
+            <p:extLst>
+              <p:ext uri="{386F3935-93C4-4BCD-93E2-E3B085C9AB24}">
+                <p16:designElem xmlns:p16="http://schemas.microsoft.com/office/powerpoint/2015/main" val="1"/>
+              </p:ext>
+            </p:extLst>
+          </p:nvPr>
+        </p:nvSpPr>
+        <p:spPr>
+          <a:xfrm rot="2700000">
+            <a:off x="427916" y="5728708"/>
+            <a:ext cx="485578" cy="485578"/>
+          </a:xfrm>
+          <a:prstGeom prst="rect">
+            <a:avLst/>
+          </a:prstGeom>
+          <a:solidFill>
+            <a:schemeClr val="accent1">
+              <a:alpha val="30000"/>
+            </a:schemeClr>
+          </a:solidFill>
+          <a:ln>
+            <a:noFill/>
+          </a:ln>
+        </p:spPr>
+        <p:style>
+          <a:lnRef idx="2">
+            <a:schemeClr val="accent1">
+              <a:shade val="50000"/>
+            </a:schemeClr>
+          </a:lnRef>
+          <a:fillRef idx="1">
+            <a:schemeClr val="accent1"/>
+          </a:fillRef>
+          <a:effectRef idx="0">
+            <a:schemeClr val="accent1"/>
+          </a:effectRef>
+          <a:fontRef idx="minor">
+            <a:schemeClr val="lt1"/>
+          </a:fontRef>
+        </p:style>
+        <p:txBody>
+          <a:bodyPr wrap="square" rtlCol="0" anchor="ctr">
+            <a:noAutofit/>
+          </a:bodyPr>
+          <a:lstStyle/>
+          <a:p>
+            <a:pPr algn="ctr"/>
+            <a:endParaRPr lang="en-US"/>
+          </a:p>
+        </p:txBody>
+      </p:sp>
+    </p:spTree>
+    <p:extLst>
+      <p:ext uri="{BB962C8B-B14F-4D97-AF65-F5344CB8AC3E}">
+        <p14:creationId xmlns:p14="http://schemas.microsoft.com/office/powerpoint/2010/main" val="3084936378"/>
+      </p:ext>
+    </p:extLst>
+  </p:cSld>
+  <p:clrMapOvr>
+    <a:masterClrMapping/>
+  </p:clrMapOvr>
+</p:sld>
+</file>
+
+<file path=ppt/slides/slide28.xml><?xml version="1.0" encoding="utf-8"?>
+<p:sld xmlns:a="http://schemas.openxmlformats.org/drawingml/2006/main" xmlns:r="http://schemas.openxmlformats.org/officeDocument/2006/relationships" xmlns:p="http://schemas.openxmlformats.org/presentationml/2006/main">
+  <p:cSld>
+    <p:bg>
+      <p:bgPr>
+        <a:solidFill>
+          <a:schemeClr val="bg1"/>
+        </a:solidFill>
+        <a:effectLst/>
+      </p:bgPr>
+    </p:bg>
+    <p:spTree>
+      <p:nvGrpSpPr>
+        <p:cNvPr id="1" name=""/>
+        <p:cNvGrpSpPr/>
+        <p:nvPr/>
+      </p:nvGrpSpPr>
+      <p:grpSpPr>
+        <a:xfrm>
+          <a:off x="0" y="0"/>
+          <a:ext cx="0" cy="0"/>
+          <a:chOff x="0" y="0"/>
+          <a:chExt cx="0" cy="0"/>
+        </a:xfrm>
+      </p:grpSpPr>
+      <p:sp>
+        <p:nvSpPr>
+          <p:cNvPr id="39" name="Rectangle 38">
+            <a:extLst>
+              <a:ext uri="{FF2B5EF4-FFF2-40B4-BE49-F238E27FC236}">
+                <a16:creationId xmlns:a16="http://schemas.microsoft.com/office/drawing/2014/main" id="{2B566528-1B12-4246-9431-5C2D7D081168}"/>
+              </a:ext>
+              <a:ext uri="{C183D7F6-B498-43B3-948B-1728B52AA6E4}">
+                <adec:decorative xmlns:adec="http://schemas.microsoft.com/office/drawing/2017/decorative" val="1"/>
+              </a:ext>
+            </a:extLst>
+          </p:cNvPr>
+          <p:cNvSpPr>
+            <a:spLocks noGrp="1" noRot="1" noChangeAspect="1" noMove="1" noResize="1" noEditPoints="1" noAdjustHandles="1" noChangeArrowheads="1" noChangeShapeType="1" noTextEdit="1"/>
+          </p:cNvSpPr>
+          <p:nvPr>
+            <p:extLst>
+              <p:ext uri="{386F3935-93C4-4BCD-93E2-E3B085C9AB24}">
+                <p16:designElem xmlns:p16="http://schemas.microsoft.com/office/powerpoint/2015/main" val="1"/>
+              </p:ext>
+            </p:extLst>
+          </p:nvPr>
+        </p:nvSpPr>
+        <p:spPr>
+          <a:xfrm>
+            <a:off x="0" y="0"/>
+            <a:ext cx="12192000" cy="6858000"/>
+          </a:xfrm>
+          <a:prstGeom prst="rect">
+            <a:avLst/>
+          </a:prstGeom>
+          <a:solidFill>
+            <a:schemeClr val="bg1"/>
+          </a:solidFill>
+          <a:ln>
+            <a:noFill/>
+          </a:ln>
+        </p:spPr>
+        <p:style>
+          <a:lnRef idx="2">
+            <a:schemeClr val="accent1">
+              <a:shade val="50000"/>
+            </a:schemeClr>
+          </a:lnRef>
+          <a:fillRef idx="1">
+            <a:schemeClr val="accent1"/>
+          </a:fillRef>
+          <a:effectRef idx="0">
+            <a:schemeClr val="accent1"/>
+          </a:effectRef>
+          <a:fontRef idx="minor">
+            <a:schemeClr val="lt1"/>
+          </a:fontRef>
+        </p:style>
+        <p:txBody>
+          <a:bodyPr rtlCol="0" anchor="ctr"/>
+          <a:lstStyle/>
+          <a:p>
+            <a:pPr algn="ctr"/>
+            <a:endParaRPr lang="en-US"/>
+          </a:p>
+        </p:txBody>
+      </p:sp>
+      <p:sp>
+        <p:nvSpPr>
+          <p:cNvPr id="2" name="Título 1">
+            <a:extLst>
+              <a:ext uri="{FF2B5EF4-FFF2-40B4-BE49-F238E27FC236}">
+                <a16:creationId xmlns:a16="http://schemas.microsoft.com/office/drawing/2014/main" id="{46991FFA-5E35-051D-3B8C-8962250E1C9A}"/>
+              </a:ext>
+            </a:extLst>
+          </p:cNvPr>
+          <p:cNvSpPr>
+            <a:spLocks noGrp="1"/>
+          </p:cNvSpPr>
+          <p:nvPr>
+            <p:ph type="title"/>
+          </p:nvPr>
+        </p:nvSpPr>
+        <p:spPr>
+          <a:xfrm>
+            <a:off x="643467" y="321734"/>
+            <a:ext cx="10905066" cy="1135737"/>
+          </a:xfrm>
+        </p:spPr>
+        <p:txBody>
+          <a:bodyPr>
+            <a:normAutofit/>
+          </a:bodyPr>
+          <a:lstStyle/>
+          <a:p>
+            <a:r>
+              <a:rPr lang="pt-BR" sz="3600" b="1" dirty="0">
+                <a:ea typeface="+mj-lt"/>
+                <a:cs typeface="+mj-lt"/>
+              </a:rPr>
+              <a:t>4.3 Dirigir e Gerenciar o trabalho no projeto</a:t>
+            </a:r>
+            <a:endParaRPr lang="pt-BR" dirty="0">
+              <a:ea typeface="+mj-lt"/>
+              <a:cs typeface="+mj-lt"/>
+            </a:endParaRPr>
+          </a:p>
+        </p:txBody>
+      </p:sp>
+      <p:sp>
+        <p:nvSpPr>
+          <p:cNvPr id="3" name="Espaço Reservado para Conteúdo 2">
+            <a:extLst>
+              <a:ext uri="{FF2B5EF4-FFF2-40B4-BE49-F238E27FC236}">
+                <a16:creationId xmlns:a16="http://schemas.microsoft.com/office/drawing/2014/main" id="{1F560DD4-1938-249D-D353-6A108002A6DE}"/>
+              </a:ext>
+            </a:extLst>
+          </p:cNvPr>
+          <p:cNvSpPr>
+            <a:spLocks noGrp="1"/>
+          </p:cNvSpPr>
+          <p:nvPr>
+            <p:ph idx="1"/>
+          </p:nvPr>
+        </p:nvSpPr>
+        <p:spPr>
+          <a:xfrm>
+            <a:off x="657844" y="1610453"/>
+            <a:ext cx="10890689" cy="4566510"/>
+          </a:xfrm>
+        </p:spPr>
+        <p:txBody>
+          <a:bodyPr vert="horz" lIns="91440" tIns="45720" rIns="91440" bIns="45720" rtlCol="0" anchor="t">
+            <a:normAutofit/>
+          </a:bodyPr>
+          <a:lstStyle/>
+          <a:p>
+            <a:pPr>
+              <a:buNone/>
+            </a:pPr>
+            <a:r>
+              <a:rPr lang="pt-BR" sz="2000" dirty="0">
+                <a:ea typeface="+mn-lt"/>
+                <a:cs typeface="+mn-lt"/>
+              </a:rPr>
+              <a:t>Entradas.</a:t>
+            </a:r>
+            <a:endParaRPr lang="pt-BR" dirty="0"/>
+          </a:p>
+          <a:p>
+            <a:pPr>
+              <a:buNone/>
+            </a:pPr>
+            <a:r>
+              <a:rPr lang="pt-BR" sz="2000" dirty="0">
+                <a:ea typeface="+mn-lt"/>
+                <a:cs typeface="+mn-lt"/>
+              </a:rPr>
+              <a:t>1 Plano de gerenciamento do projeto.</a:t>
+            </a:r>
+            <a:endParaRPr lang="pt-BR" dirty="0">
+              <a:ea typeface="+mn-lt"/>
+              <a:cs typeface="+mn-lt"/>
+            </a:endParaRPr>
+          </a:p>
+          <a:p>
+            <a:pPr>
+              <a:buNone/>
+            </a:pPr>
+            <a:r>
+              <a:rPr lang="pt-BR" sz="2000" dirty="0">
+                <a:ea typeface="+mn-lt"/>
+                <a:cs typeface="+mn-lt"/>
+              </a:rPr>
+              <a:t>2 Solicitações de mudança aprovadas</a:t>
+            </a:r>
+            <a:endParaRPr lang="pt-BR" dirty="0"/>
+          </a:p>
+          <a:p>
+            <a:pPr>
+              <a:buNone/>
+            </a:pPr>
+            <a:r>
+              <a:rPr lang="pt-BR" sz="2000" dirty="0">
+                <a:ea typeface="+mn-lt"/>
+                <a:cs typeface="+mn-lt"/>
+              </a:rPr>
+              <a:t>As solicitações de mudança aprovadas são solicitações autorizadas e documentadas que ampliam ou limitam o escopo do projeto, podendo também modificar políticas, planos de gerenciamento, procedimentos, custos ou orçamentos ou revisar cronogramas..</a:t>
+            </a:r>
+            <a:endParaRPr lang="pt-BR" dirty="0"/>
+          </a:p>
+          <a:p>
+            <a:pPr>
+              <a:buNone/>
+            </a:pPr>
+            <a:r>
+              <a:rPr lang="pt-BR" sz="2000" dirty="0">
+                <a:ea typeface="+mn-lt"/>
+                <a:cs typeface="+mn-lt"/>
+              </a:rPr>
+              <a:t>3 Fatores ambientais organizacionais.</a:t>
+            </a:r>
+            <a:endParaRPr lang="pt-BR" dirty="0">
+              <a:ea typeface="+mn-lt"/>
+              <a:cs typeface="+mn-lt"/>
+            </a:endParaRPr>
+          </a:p>
+          <a:p>
+            <a:pPr>
+              <a:buNone/>
+            </a:pPr>
+            <a:r>
+              <a:rPr lang="pt-BR" sz="2000" dirty="0">
+                <a:ea typeface="+mn-lt"/>
+                <a:cs typeface="+mn-lt"/>
+              </a:rPr>
+              <a:t>4 Ativos de processos organizacionais</a:t>
+            </a:r>
+            <a:endParaRPr lang="pt-BR" dirty="0"/>
+          </a:p>
+          <a:p>
+            <a:pPr>
+              <a:buNone/>
+            </a:pPr>
+            <a:endParaRPr lang="pt-BR" sz="2000" dirty="0">
+              <a:ea typeface="+mn-lt"/>
+              <a:cs typeface="+mn-lt"/>
+            </a:endParaRPr>
+          </a:p>
+          <a:p>
+            <a:pPr>
+              <a:buNone/>
+            </a:pPr>
+            <a:endParaRPr lang="pt-BR" sz="2000" b="1" dirty="0">
+              <a:ea typeface="+mn-lt"/>
+              <a:cs typeface="+mn-lt"/>
+            </a:endParaRPr>
+          </a:p>
+          <a:p>
+            <a:pPr>
+              <a:buNone/>
+            </a:pPr>
+            <a:endParaRPr lang="pt-BR" sz="2000" dirty="0">
+              <a:cs typeface="Calibri"/>
+            </a:endParaRPr>
+          </a:p>
+          <a:p>
+            <a:pPr>
+              <a:buNone/>
+            </a:pPr>
+            <a:endParaRPr lang="pt-BR" sz="2000" dirty="0">
+              <a:cs typeface="Calibri"/>
+            </a:endParaRPr>
+          </a:p>
+          <a:p>
+            <a:pPr>
+              <a:buNone/>
+            </a:pPr>
+            <a:endParaRPr lang="pt-BR" sz="2000" dirty="0">
+              <a:cs typeface="Calibri"/>
+            </a:endParaRPr>
+          </a:p>
+          <a:p>
+            <a:pPr>
+              <a:buNone/>
+            </a:pPr>
+            <a:endParaRPr lang="pt-BR" sz="2000" dirty="0">
+              <a:cs typeface="Calibri"/>
+            </a:endParaRPr>
+          </a:p>
+          <a:p>
+            <a:pPr>
+              <a:buNone/>
+            </a:pPr>
+            <a:endParaRPr lang="pt-BR" sz="2000" dirty="0">
+              <a:cs typeface="Calibri"/>
+            </a:endParaRPr>
+          </a:p>
+          <a:p>
+            <a:pPr>
+              <a:buNone/>
+            </a:pPr>
+            <a:endParaRPr lang="pt-BR" sz="2000">
+              <a:cs typeface="Calibri"/>
+            </a:endParaRPr>
+          </a:p>
+          <a:p>
+            <a:pPr>
+              <a:buNone/>
+            </a:pPr>
+            <a:endParaRPr lang="pt-BR" sz="2000">
+              <a:cs typeface="Calibri"/>
+            </a:endParaRPr>
+          </a:p>
+          <a:p>
+            <a:pPr>
+              <a:buNone/>
+            </a:pPr>
+            <a:endParaRPr lang="pt-BR" sz="2000">
+              <a:cs typeface="Calibri"/>
+            </a:endParaRPr>
+          </a:p>
+          <a:p>
+            <a:pPr>
+              <a:buNone/>
+            </a:pPr>
+            <a:endParaRPr lang="pt-BR" sz="2000">
+              <a:cs typeface="Calibri"/>
+            </a:endParaRPr>
+          </a:p>
+          <a:p>
+            <a:pPr>
+              <a:buNone/>
+            </a:pPr>
+            <a:endParaRPr lang="pt-BR" sz="2000">
+              <a:cs typeface="Calibri"/>
+            </a:endParaRPr>
+          </a:p>
+          <a:p>
+            <a:pPr marL="0" indent="0">
+              <a:buNone/>
+            </a:pPr>
+            <a:endParaRPr lang="pt-BR" sz="2000">
+              <a:cs typeface="Calibri"/>
+            </a:endParaRPr>
+          </a:p>
+          <a:p>
+            <a:endParaRPr lang="pt-BR" sz="2000">
+              <a:cs typeface="Calibri"/>
+            </a:endParaRPr>
+          </a:p>
+        </p:txBody>
+      </p:sp>
+      <p:sp>
+        <p:nvSpPr>
+          <p:cNvPr id="41" name="Rectangle 40">
+            <a:extLst>
+              <a:ext uri="{FF2B5EF4-FFF2-40B4-BE49-F238E27FC236}">
+                <a16:creationId xmlns:a16="http://schemas.microsoft.com/office/drawing/2014/main" id="{2E80C965-DB6D-4F81-9E9E-B027384D0BD6}"/>
+              </a:ext>
+              <a:ext uri="{C183D7F6-B498-43B3-948B-1728B52AA6E4}">
+                <adec:decorative xmlns:adec="http://schemas.microsoft.com/office/drawing/2017/decorative" val="1"/>
+              </a:ext>
+            </a:extLst>
+          </p:cNvPr>
+          <p:cNvSpPr>
+            <a:spLocks noGrp="1" noRot="1" noChangeAspect="1" noMove="1" noResize="1" noEditPoints="1" noAdjustHandles="1" noChangeArrowheads="1" noChangeShapeType="1" noTextEdit="1"/>
+          </p:cNvSpPr>
+          <p:nvPr>
+            <p:extLst>
+              <p:ext uri="{386F3935-93C4-4BCD-93E2-E3B085C9AB24}">
+                <p16:designElem xmlns:p16="http://schemas.microsoft.com/office/powerpoint/2015/main" val="1"/>
+              </p:ext>
+            </p:extLst>
+          </p:nvPr>
+        </p:nvSpPr>
+        <p:spPr>
+          <a:xfrm rot="2700000">
+            <a:off x="11052629" y="2120024"/>
+            <a:ext cx="645368" cy="645368"/>
+          </a:xfrm>
+          <a:prstGeom prst="rect">
+            <a:avLst/>
+          </a:prstGeom>
+          <a:solidFill>
+            <a:schemeClr val="accent4">
+              <a:alpha val="30000"/>
+            </a:schemeClr>
+          </a:solidFill>
+          <a:ln>
+            <a:noFill/>
+          </a:ln>
+        </p:spPr>
+        <p:style>
+          <a:lnRef idx="2">
+            <a:schemeClr val="accent1">
+              <a:shade val="50000"/>
+            </a:schemeClr>
+          </a:lnRef>
+          <a:fillRef idx="1">
+            <a:schemeClr val="accent1"/>
+          </a:fillRef>
+          <a:effectRef idx="0">
+            <a:schemeClr val="accent1"/>
+          </a:effectRef>
+          <a:fontRef idx="minor">
+            <a:schemeClr val="lt1"/>
+          </a:fontRef>
+        </p:style>
+        <p:txBody>
+          <a:bodyPr rtlCol="0" anchor="ctr"/>
+          <a:lstStyle/>
+          <a:p>
+            <a:pPr algn="ctr"/>
+            <a:endParaRPr lang="en-US"/>
+          </a:p>
+        </p:txBody>
+      </p:sp>
+      <p:sp>
+        <p:nvSpPr>
+          <p:cNvPr id="43" name="Isosceles Triangle 42">
+            <a:extLst>
+              <a:ext uri="{FF2B5EF4-FFF2-40B4-BE49-F238E27FC236}">
+                <a16:creationId xmlns:a16="http://schemas.microsoft.com/office/drawing/2014/main" id="{A580F890-B085-4E95-96AA-55AEBEC5CE6E}"/>
+              </a:ext>
+              <a:ext uri="{C183D7F6-B498-43B3-948B-1728B52AA6E4}">
+                <adec:decorative xmlns:adec="http://schemas.microsoft.com/office/drawing/2017/decorative" val="1"/>
+              </a:ext>
+            </a:extLst>
+          </p:cNvPr>
+          <p:cNvSpPr>
+            <a:spLocks noGrp="1" noRot="1" noChangeAspect="1" noMove="1" noResize="1" noEditPoints="1" noAdjustHandles="1" noChangeArrowheads="1" noChangeShapeType="1" noTextEdit="1"/>
+          </p:cNvSpPr>
+          <p:nvPr>
+            <p:extLst>
+              <p:ext uri="{386F3935-93C4-4BCD-93E2-E3B085C9AB24}">
+                <p16:designElem xmlns:p16="http://schemas.microsoft.com/office/powerpoint/2015/main" val="1"/>
+              </p:ext>
+            </p:extLst>
+          </p:nvPr>
+        </p:nvSpPr>
+        <p:spPr>
+          <a:xfrm rot="16200000">
+            <a:off x="10289068" y="1343027"/>
+            <a:ext cx="2532832" cy="1273032"/>
+          </a:xfrm>
+          <a:prstGeom prst="triangle">
+            <a:avLst>
+              <a:gd name="adj" fmla="val 50000"/>
+            </a:avLst>
+          </a:prstGeom>
+          <a:solidFill>
+            <a:schemeClr val="accent4">
+              <a:alpha val="30000"/>
+            </a:schemeClr>
+          </a:solidFill>
+          <a:ln>
+            <a:noFill/>
+          </a:ln>
+        </p:spPr>
+        <p:style>
+          <a:lnRef idx="2">
+            <a:schemeClr val="accent1">
+              <a:shade val="50000"/>
+            </a:schemeClr>
+          </a:lnRef>
+          <a:fillRef idx="1">
+            <a:schemeClr val="accent1"/>
+          </a:fillRef>
+          <a:effectRef idx="0">
+            <a:schemeClr val="accent1"/>
+          </a:effectRef>
+          <a:fontRef idx="minor">
+            <a:schemeClr val="lt1"/>
+          </a:fontRef>
+        </p:style>
+        <p:txBody>
+          <a:bodyPr rtlCol="0" anchor="ctr"/>
+          <a:lstStyle/>
+          <a:p>
+            <a:pPr algn="ctr"/>
+            <a:endParaRPr lang="en-US"/>
+          </a:p>
+        </p:txBody>
+      </p:sp>
+      <p:sp>
+        <p:nvSpPr>
+          <p:cNvPr id="45" name="Isosceles Triangle 44">
+            <a:extLst>
+              <a:ext uri="{FF2B5EF4-FFF2-40B4-BE49-F238E27FC236}">
+                <a16:creationId xmlns:a16="http://schemas.microsoft.com/office/drawing/2014/main" id="{D3F51FEB-38FB-4F6C-9F7B-2F2AFAB65463}"/>
+              </a:ext>
+              <a:ext uri="{C183D7F6-B498-43B3-948B-1728B52AA6E4}">
+                <adec:decorative xmlns:adec="http://schemas.microsoft.com/office/drawing/2017/decorative" val="1"/>
+              </a:ext>
+            </a:extLst>
+          </p:cNvPr>
+          <p:cNvSpPr>
+            <a:spLocks noGrp="1" noRot="1" noChangeAspect="1" noMove="1" noResize="1" noEditPoints="1" noAdjustHandles="1" noChangeArrowheads="1" noChangeShapeType="1" noTextEdit="1"/>
+          </p:cNvSpPr>
+          <p:nvPr>
+            <p:extLst>
+              <p:ext uri="{386F3935-93C4-4BCD-93E2-E3B085C9AB24}">
+                <p16:designElem xmlns:p16="http://schemas.microsoft.com/office/powerpoint/2015/main" val="1"/>
+              </p:ext>
+            </p:extLst>
+          </p:nvPr>
+        </p:nvSpPr>
+        <p:spPr>
+          <a:xfrm rot="5400000">
+            <a:off x="-501760" y="5103257"/>
+            <a:ext cx="2017580" cy="1014060"/>
+          </a:xfrm>
+          <a:prstGeom prst="triangle">
+            <a:avLst>
+              <a:gd name="adj" fmla="val 50000"/>
+            </a:avLst>
+          </a:prstGeom>
+          <a:solidFill>
+            <a:schemeClr val="accent1">
+              <a:alpha val="30000"/>
+            </a:schemeClr>
+          </a:solidFill>
+          <a:ln>
+            <a:noFill/>
+          </a:ln>
+        </p:spPr>
+        <p:style>
+          <a:lnRef idx="2">
+            <a:schemeClr val="accent1">
+              <a:shade val="50000"/>
+            </a:schemeClr>
+          </a:lnRef>
+          <a:fillRef idx="1">
+            <a:schemeClr val="accent1"/>
+          </a:fillRef>
+          <a:effectRef idx="0">
+            <a:schemeClr val="accent1"/>
+          </a:effectRef>
+          <a:fontRef idx="minor">
+            <a:schemeClr val="lt1"/>
+          </a:fontRef>
+        </p:style>
+        <p:txBody>
+          <a:bodyPr wrap="square" rtlCol="0" anchor="ctr">
+            <a:noAutofit/>
+          </a:bodyPr>
+          <a:lstStyle/>
+          <a:p>
+            <a:pPr algn="ctr"/>
+            <a:endParaRPr lang="en-US"/>
+          </a:p>
+        </p:txBody>
+      </p:sp>
+      <p:sp>
+        <p:nvSpPr>
+          <p:cNvPr id="47" name="Rectangle 46">
+            <a:extLst>
+              <a:ext uri="{FF2B5EF4-FFF2-40B4-BE49-F238E27FC236}">
+                <a16:creationId xmlns:a16="http://schemas.microsoft.com/office/drawing/2014/main" id="{1E547BA6-BAE0-43BB-A7CA-60F69CE252F0}"/>
+              </a:ext>
+              <a:ext uri="{C183D7F6-B498-43B3-948B-1728B52AA6E4}">
+                <adec:decorative xmlns:adec="http://schemas.microsoft.com/office/drawing/2017/decorative" val="1"/>
+              </a:ext>
+            </a:extLst>
+          </p:cNvPr>
+          <p:cNvSpPr>
+            <a:spLocks noGrp="1" noRot="1" noChangeAspect="1" noMove="1" noResize="1" noEditPoints="1" noAdjustHandles="1" noChangeArrowheads="1" noChangeShapeType="1" noTextEdit="1"/>
+          </p:cNvSpPr>
+          <p:nvPr>
+            <p:extLst>
+              <p:ext uri="{386F3935-93C4-4BCD-93E2-E3B085C9AB24}">
+                <p16:designElem xmlns:p16="http://schemas.microsoft.com/office/powerpoint/2015/main" val="1"/>
+              </p:ext>
+            </p:extLst>
+          </p:nvPr>
+        </p:nvSpPr>
+        <p:spPr>
+          <a:xfrm rot="2700000">
+            <a:off x="427916" y="5728708"/>
+            <a:ext cx="485578" cy="485578"/>
+          </a:xfrm>
+          <a:prstGeom prst="rect">
+            <a:avLst/>
+          </a:prstGeom>
+          <a:solidFill>
+            <a:schemeClr val="accent1">
+              <a:alpha val="30000"/>
+            </a:schemeClr>
+          </a:solidFill>
+          <a:ln>
+            <a:noFill/>
+          </a:ln>
+        </p:spPr>
+        <p:style>
+          <a:lnRef idx="2">
+            <a:schemeClr val="accent1">
+              <a:shade val="50000"/>
+            </a:schemeClr>
+          </a:lnRef>
+          <a:fillRef idx="1">
+            <a:schemeClr val="accent1"/>
+          </a:fillRef>
+          <a:effectRef idx="0">
+            <a:schemeClr val="accent1"/>
+          </a:effectRef>
+          <a:fontRef idx="minor">
+            <a:schemeClr val="lt1"/>
+          </a:fontRef>
+        </p:style>
+        <p:txBody>
+          <a:bodyPr wrap="square" rtlCol="0" anchor="ctr">
+            <a:noAutofit/>
+          </a:bodyPr>
+          <a:lstStyle/>
+          <a:p>
+            <a:pPr algn="ctr"/>
+            <a:endParaRPr lang="en-US"/>
+          </a:p>
+        </p:txBody>
+      </p:sp>
+    </p:spTree>
+    <p:extLst>
+      <p:ext uri="{BB962C8B-B14F-4D97-AF65-F5344CB8AC3E}">
+        <p14:creationId xmlns:p14="http://schemas.microsoft.com/office/powerpoint/2010/main" val="2338298905"/>
+      </p:ext>
+    </p:extLst>
+  </p:cSld>
+  <p:clrMapOvr>
+    <a:masterClrMapping/>
+  </p:clrMapOvr>
+</p:sld>
+</file>
+
 <file path=ppt/slides/slide3.xml><?xml version="1.0" encoding="utf-8"?>
 <p:sld xmlns:a="http://schemas.openxmlformats.org/drawingml/2006/main" xmlns:r="http://schemas.openxmlformats.org/officeDocument/2006/relationships" xmlns:p="http://schemas.openxmlformats.org/presentationml/2006/main">
   <p:cSld>

--- a/RELATORIO PROVA P2/relatorio-pmbok-capitulo4-jharbes.pptx
+++ b/RELATORIO PROVA P2/relatorio-pmbok-capitulo4-jharbes.pptx
@@ -33,6 +33,14 @@
     <p:sldId id="283" r:id="rId27"/>
     <p:sldId id="284" r:id="rId28"/>
     <p:sldId id="285" r:id="rId29"/>
+    <p:sldId id="286" r:id="rId30"/>
+    <p:sldId id="287" r:id="rId31"/>
+    <p:sldId id="288" r:id="rId32"/>
+    <p:sldId id="289" r:id="rId33"/>
+    <p:sldId id="290" r:id="rId34"/>
+    <p:sldId id="291" r:id="rId35"/>
+    <p:sldId id="292" r:id="rId36"/>
+    <p:sldId id="293" r:id="rId37"/>
   </p:sldIdLst>
   <p:sldSz cx="12192000" cy="6858000"/>
   <p:notesSz cx="6858000" cy="9144000"/>
@@ -143,7 +151,7 @@
 <p1510:revInfo xmlns:a="http://schemas.openxmlformats.org/drawingml/2006/main" xmlns:r="http://schemas.openxmlformats.org/officeDocument/2006/relationships" xmlns:p1510="http://schemas.microsoft.com/office/powerpoint/2015/10/main">
   <p1510:revLst>
     <p1510:client id="{050E0636-B272-A9D5-2FB9-AFCB5B698113}" v="41" dt="2022-12-03T12:54:24.537"/>
-    <p1510:client id="{132CBBF5-BF36-4CB1-E71F-72EFD72BC926}" v="53" dt="2022-12-03T13:05:04.101"/>
+    <p1510:client id="{132CBBF5-BF36-4CB1-E71F-72EFD72BC926}" v="105" dt="2022-12-03T13:11:57.276"/>
     <p1510:client id="{48F91746-B893-61F0-E2B5-F484DCEDD16B}" v="352" dt="2022-12-03T12:34:12.174"/>
     <p1510:client id="{89141EF4-D9B1-448E-BF85-A061974F4635}" v="40" dt="2022-11-30T16:19:30.454"/>
     <p1510:client id="{AAE71220-A1A8-A349-D335-1D78B8499119}" v="13" dt="2022-12-03T12:10:22.569"/>
@@ -15355,6 +15363,636 @@
 </p:sld>
 </file>
 
+<file path=ppt/slides/slide29.xml><?xml version="1.0" encoding="utf-8"?>
+<p:sld xmlns:a="http://schemas.openxmlformats.org/drawingml/2006/main" xmlns:r="http://schemas.openxmlformats.org/officeDocument/2006/relationships" xmlns:p="http://schemas.openxmlformats.org/presentationml/2006/main">
+  <p:cSld>
+    <p:bg>
+      <p:bgPr>
+        <a:solidFill>
+          <a:schemeClr val="bg1"/>
+        </a:solidFill>
+        <a:effectLst/>
+      </p:bgPr>
+    </p:bg>
+    <p:spTree>
+      <p:nvGrpSpPr>
+        <p:cNvPr id="1" name=""/>
+        <p:cNvGrpSpPr/>
+        <p:nvPr/>
+      </p:nvGrpSpPr>
+      <p:grpSpPr>
+        <a:xfrm>
+          <a:off x="0" y="0"/>
+          <a:ext cx="0" cy="0"/>
+          <a:chOff x="0" y="0"/>
+          <a:chExt cx="0" cy="0"/>
+        </a:xfrm>
+      </p:grpSpPr>
+      <p:sp>
+        <p:nvSpPr>
+          <p:cNvPr id="39" name="Rectangle 38">
+            <a:extLst>
+              <a:ext uri="{FF2B5EF4-FFF2-40B4-BE49-F238E27FC236}">
+                <a16:creationId xmlns:a16="http://schemas.microsoft.com/office/drawing/2014/main" id="{2B566528-1B12-4246-9431-5C2D7D081168}"/>
+              </a:ext>
+              <a:ext uri="{C183D7F6-B498-43B3-948B-1728B52AA6E4}">
+                <adec:decorative xmlns:adec="http://schemas.microsoft.com/office/drawing/2017/decorative" val="1"/>
+              </a:ext>
+            </a:extLst>
+          </p:cNvPr>
+          <p:cNvSpPr>
+            <a:spLocks noGrp="1" noRot="1" noChangeAspect="1" noMove="1" noResize="1" noEditPoints="1" noAdjustHandles="1" noChangeArrowheads="1" noChangeShapeType="1" noTextEdit="1"/>
+          </p:cNvSpPr>
+          <p:nvPr>
+            <p:extLst>
+              <p:ext uri="{386F3935-93C4-4BCD-93E2-E3B085C9AB24}">
+                <p16:designElem xmlns:p16="http://schemas.microsoft.com/office/powerpoint/2015/main" val="1"/>
+              </p:ext>
+            </p:extLst>
+          </p:nvPr>
+        </p:nvSpPr>
+        <p:spPr>
+          <a:xfrm>
+            <a:off x="0" y="0"/>
+            <a:ext cx="12192000" cy="6858000"/>
+          </a:xfrm>
+          <a:prstGeom prst="rect">
+            <a:avLst/>
+          </a:prstGeom>
+          <a:solidFill>
+            <a:schemeClr val="bg1"/>
+          </a:solidFill>
+          <a:ln>
+            <a:noFill/>
+          </a:ln>
+        </p:spPr>
+        <p:style>
+          <a:lnRef idx="2">
+            <a:schemeClr val="accent1">
+              <a:shade val="50000"/>
+            </a:schemeClr>
+          </a:lnRef>
+          <a:fillRef idx="1">
+            <a:schemeClr val="accent1"/>
+          </a:fillRef>
+          <a:effectRef idx="0">
+            <a:schemeClr val="accent1"/>
+          </a:effectRef>
+          <a:fontRef idx="minor">
+            <a:schemeClr val="lt1"/>
+          </a:fontRef>
+        </p:style>
+        <p:txBody>
+          <a:bodyPr rtlCol="0" anchor="ctr"/>
+          <a:lstStyle/>
+          <a:p>
+            <a:pPr algn="ctr"/>
+            <a:endParaRPr lang="en-US"/>
+          </a:p>
+        </p:txBody>
+      </p:sp>
+      <p:sp>
+        <p:nvSpPr>
+          <p:cNvPr id="2" name="Título 1">
+            <a:extLst>
+              <a:ext uri="{FF2B5EF4-FFF2-40B4-BE49-F238E27FC236}">
+                <a16:creationId xmlns:a16="http://schemas.microsoft.com/office/drawing/2014/main" id="{46991FFA-5E35-051D-3B8C-8962250E1C9A}"/>
+              </a:ext>
+            </a:extLst>
+          </p:cNvPr>
+          <p:cNvSpPr>
+            <a:spLocks noGrp="1"/>
+          </p:cNvSpPr>
+          <p:nvPr>
+            <p:ph type="title"/>
+          </p:nvPr>
+        </p:nvSpPr>
+        <p:spPr>
+          <a:xfrm>
+            <a:off x="643467" y="321734"/>
+            <a:ext cx="10905066" cy="1135737"/>
+          </a:xfrm>
+        </p:spPr>
+        <p:txBody>
+          <a:bodyPr>
+            <a:normAutofit/>
+          </a:bodyPr>
+          <a:lstStyle/>
+          <a:p>
+            <a:r>
+              <a:rPr lang="pt-BR" sz="3600" b="1" dirty="0">
+                <a:ea typeface="+mj-lt"/>
+                <a:cs typeface="+mj-lt"/>
+              </a:rPr>
+              <a:t>4.3 Dirigir e Gerenciar a execução do projeto</a:t>
+            </a:r>
+            <a:endParaRPr lang="pt-BR" dirty="0">
+              <a:ea typeface="+mj-lt"/>
+              <a:cs typeface="+mj-lt"/>
+            </a:endParaRPr>
+          </a:p>
+        </p:txBody>
+      </p:sp>
+      <p:sp>
+        <p:nvSpPr>
+          <p:cNvPr id="3" name="Espaço Reservado para Conteúdo 2">
+            <a:extLst>
+              <a:ext uri="{FF2B5EF4-FFF2-40B4-BE49-F238E27FC236}">
+                <a16:creationId xmlns:a16="http://schemas.microsoft.com/office/drawing/2014/main" id="{1F560DD4-1938-249D-D353-6A108002A6DE}"/>
+              </a:ext>
+            </a:extLst>
+          </p:cNvPr>
+          <p:cNvSpPr>
+            <a:spLocks noGrp="1"/>
+          </p:cNvSpPr>
+          <p:nvPr>
+            <p:ph idx="1"/>
+          </p:nvPr>
+        </p:nvSpPr>
+        <p:spPr>
+          <a:xfrm>
+            <a:off x="657844" y="1610453"/>
+            <a:ext cx="10890689" cy="4566510"/>
+          </a:xfrm>
+        </p:spPr>
+        <p:txBody>
+          <a:bodyPr vert="horz" lIns="91440" tIns="45720" rIns="91440" bIns="45720" rtlCol="0" anchor="t">
+            <a:normAutofit/>
+          </a:bodyPr>
+          <a:lstStyle/>
+          <a:p>
+            <a:pPr>
+              <a:buNone/>
+            </a:pPr>
+            <a:r>
+              <a:rPr lang="pt-BR" sz="2000" dirty="0">
+                <a:ea typeface="+mn-lt"/>
+                <a:cs typeface="+mn-lt"/>
+              </a:rPr>
+              <a:t>Ferramentas e técnicas.</a:t>
+            </a:r>
+            <a:endParaRPr lang="pt-BR" dirty="0">
+              <a:ea typeface="+mn-lt"/>
+              <a:cs typeface="+mn-lt"/>
+            </a:endParaRPr>
+          </a:p>
+          <a:p>
+            <a:pPr>
+              <a:buNone/>
+            </a:pPr>
+            <a:r>
+              <a:rPr lang="pt-BR" sz="2000" dirty="0">
+                <a:ea typeface="+mn-lt"/>
+                <a:cs typeface="+mn-lt"/>
+              </a:rPr>
+              <a:t>1 Opinião especializada.</a:t>
+            </a:r>
+            <a:endParaRPr lang="pt-BR" dirty="0">
+              <a:ea typeface="+mn-lt"/>
+              <a:cs typeface="+mn-lt"/>
+            </a:endParaRPr>
+          </a:p>
+          <a:p>
+            <a:pPr>
+              <a:buNone/>
+            </a:pPr>
+            <a:r>
+              <a:rPr lang="pt-BR" sz="2000" dirty="0">
+                <a:ea typeface="+mn-lt"/>
+                <a:cs typeface="+mn-lt"/>
+              </a:rPr>
+              <a:t>2 Sistema de informações do gerenciamento de projetos </a:t>
+            </a:r>
+            <a:endParaRPr lang="pt-BR"/>
+          </a:p>
+          <a:p>
+            <a:pPr>
+              <a:buNone/>
+            </a:pPr>
+            <a:r>
+              <a:rPr lang="pt-BR" sz="2000" dirty="0">
+                <a:ea typeface="+mn-lt"/>
+                <a:cs typeface="+mn-lt"/>
+              </a:rPr>
+              <a:t>Metodologia de gerenciamento de projetos.</a:t>
+            </a:r>
+            <a:endParaRPr lang="pt-BR" dirty="0"/>
+          </a:p>
+          <a:p>
+            <a:pPr>
+              <a:buNone/>
+            </a:pPr>
+            <a:r>
+              <a:rPr lang="pt-BR" sz="2000" dirty="0">
+                <a:ea typeface="+mn-lt"/>
+                <a:cs typeface="+mn-lt"/>
+              </a:rPr>
+              <a:t>3 Reuniões</a:t>
+            </a:r>
+            <a:endParaRPr lang="pt-BR" dirty="0"/>
+          </a:p>
+          <a:p>
+            <a:pPr>
+              <a:buNone/>
+            </a:pPr>
+            <a:endParaRPr lang="pt-BR" sz="2000" dirty="0">
+              <a:cs typeface="Calibri"/>
+            </a:endParaRPr>
+          </a:p>
+          <a:p>
+            <a:pPr>
+              <a:buNone/>
+            </a:pPr>
+            <a:endParaRPr lang="pt-BR" sz="2000" dirty="0">
+              <a:ea typeface="+mn-lt"/>
+              <a:cs typeface="+mn-lt"/>
+            </a:endParaRPr>
+          </a:p>
+          <a:p>
+            <a:pPr>
+              <a:buNone/>
+            </a:pPr>
+            <a:endParaRPr lang="pt-BR" sz="2000" b="1" dirty="0">
+              <a:ea typeface="+mn-lt"/>
+              <a:cs typeface="+mn-lt"/>
+            </a:endParaRPr>
+          </a:p>
+          <a:p>
+            <a:pPr>
+              <a:buNone/>
+            </a:pPr>
+            <a:endParaRPr lang="pt-BR" sz="2000" dirty="0">
+              <a:cs typeface="Calibri"/>
+            </a:endParaRPr>
+          </a:p>
+          <a:p>
+            <a:pPr>
+              <a:buNone/>
+            </a:pPr>
+            <a:endParaRPr lang="pt-BR" sz="2000" dirty="0">
+              <a:cs typeface="Calibri"/>
+            </a:endParaRPr>
+          </a:p>
+          <a:p>
+            <a:pPr>
+              <a:buNone/>
+            </a:pPr>
+            <a:endParaRPr lang="pt-BR" sz="2000" dirty="0">
+              <a:cs typeface="Calibri"/>
+            </a:endParaRPr>
+          </a:p>
+          <a:p>
+            <a:pPr>
+              <a:buNone/>
+            </a:pPr>
+            <a:endParaRPr lang="pt-BR" sz="2000" dirty="0">
+              <a:cs typeface="Calibri"/>
+            </a:endParaRPr>
+          </a:p>
+          <a:p>
+            <a:pPr>
+              <a:buNone/>
+            </a:pPr>
+            <a:endParaRPr lang="pt-BR" sz="2000" dirty="0">
+              <a:cs typeface="Calibri"/>
+            </a:endParaRPr>
+          </a:p>
+          <a:p>
+            <a:pPr>
+              <a:buNone/>
+            </a:pPr>
+            <a:endParaRPr lang="pt-BR" sz="2000">
+              <a:cs typeface="Calibri"/>
+            </a:endParaRPr>
+          </a:p>
+          <a:p>
+            <a:pPr>
+              <a:buNone/>
+            </a:pPr>
+            <a:endParaRPr lang="pt-BR" sz="2000">
+              <a:cs typeface="Calibri"/>
+            </a:endParaRPr>
+          </a:p>
+          <a:p>
+            <a:pPr>
+              <a:buNone/>
+            </a:pPr>
+            <a:endParaRPr lang="pt-BR" sz="2000">
+              <a:cs typeface="Calibri"/>
+            </a:endParaRPr>
+          </a:p>
+          <a:p>
+            <a:pPr>
+              <a:buNone/>
+            </a:pPr>
+            <a:endParaRPr lang="pt-BR" sz="2000">
+              <a:cs typeface="Calibri"/>
+            </a:endParaRPr>
+          </a:p>
+          <a:p>
+            <a:pPr>
+              <a:buNone/>
+            </a:pPr>
+            <a:endParaRPr lang="pt-BR" sz="2000">
+              <a:cs typeface="Calibri"/>
+            </a:endParaRPr>
+          </a:p>
+          <a:p>
+            <a:pPr marL="0" indent="0">
+              <a:buNone/>
+            </a:pPr>
+            <a:endParaRPr lang="pt-BR" sz="2000">
+              <a:cs typeface="Calibri"/>
+            </a:endParaRPr>
+          </a:p>
+          <a:p>
+            <a:endParaRPr lang="pt-BR" sz="2000">
+              <a:cs typeface="Calibri"/>
+            </a:endParaRPr>
+          </a:p>
+        </p:txBody>
+      </p:sp>
+      <p:sp>
+        <p:nvSpPr>
+          <p:cNvPr id="41" name="Rectangle 40">
+            <a:extLst>
+              <a:ext uri="{FF2B5EF4-FFF2-40B4-BE49-F238E27FC236}">
+                <a16:creationId xmlns:a16="http://schemas.microsoft.com/office/drawing/2014/main" id="{2E80C965-DB6D-4F81-9E9E-B027384D0BD6}"/>
+              </a:ext>
+              <a:ext uri="{C183D7F6-B498-43B3-948B-1728B52AA6E4}">
+                <adec:decorative xmlns:adec="http://schemas.microsoft.com/office/drawing/2017/decorative" val="1"/>
+              </a:ext>
+            </a:extLst>
+          </p:cNvPr>
+          <p:cNvSpPr>
+            <a:spLocks noGrp="1" noRot="1" noChangeAspect="1" noMove="1" noResize="1" noEditPoints="1" noAdjustHandles="1" noChangeArrowheads="1" noChangeShapeType="1" noTextEdit="1"/>
+          </p:cNvSpPr>
+          <p:nvPr>
+            <p:extLst>
+              <p:ext uri="{386F3935-93C4-4BCD-93E2-E3B085C9AB24}">
+                <p16:designElem xmlns:p16="http://schemas.microsoft.com/office/powerpoint/2015/main" val="1"/>
+              </p:ext>
+            </p:extLst>
+          </p:nvPr>
+        </p:nvSpPr>
+        <p:spPr>
+          <a:xfrm rot="2700000">
+            <a:off x="11052629" y="2120024"/>
+            <a:ext cx="645368" cy="645368"/>
+          </a:xfrm>
+          <a:prstGeom prst="rect">
+            <a:avLst/>
+          </a:prstGeom>
+          <a:solidFill>
+            <a:schemeClr val="accent4">
+              <a:alpha val="30000"/>
+            </a:schemeClr>
+          </a:solidFill>
+          <a:ln>
+            <a:noFill/>
+          </a:ln>
+        </p:spPr>
+        <p:style>
+          <a:lnRef idx="2">
+            <a:schemeClr val="accent1">
+              <a:shade val="50000"/>
+            </a:schemeClr>
+          </a:lnRef>
+          <a:fillRef idx="1">
+            <a:schemeClr val="accent1"/>
+          </a:fillRef>
+          <a:effectRef idx="0">
+            <a:schemeClr val="accent1"/>
+          </a:effectRef>
+          <a:fontRef idx="minor">
+            <a:schemeClr val="lt1"/>
+          </a:fontRef>
+        </p:style>
+        <p:txBody>
+          <a:bodyPr rtlCol="0" anchor="ctr"/>
+          <a:lstStyle/>
+          <a:p>
+            <a:pPr algn="ctr"/>
+            <a:endParaRPr lang="en-US"/>
+          </a:p>
+        </p:txBody>
+      </p:sp>
+      <p:sp>
+        <p:nvSpPr>
+          <p:cNvPr id="43" name="Isosceles Triangle 42">
+            <a:extLst>
+              <a:ext uri="{FF2B5EF4-FFF2-40B4-BE49-F238E27FC236}">
+                <a16:creationId xmlns:a16="http://schemas.microsoft.com/office/drawing/2014/main" id="{A580F890-B085-4E95-96AA-55AEBEC5CE6E}"/>
+              </a:ext>
+              <a:ext uri="{C183D7F6-B498-43B3-948B-1728B52AA6E4}">
+                <adec:decorative xmlns:adec="http://schemas.microsoft.com/office/drawing/2017/decorative" val="1"/>
+              </a:ext>
+            </a:extLst>
+          </p:cNvPr>
+          <p:cNvSpPr>
+            <a:spLocks noGrp="1" noRot="1" noChangeAspect="1" noMove="1" noResize="1" noEditPoints="1" noAdjustHandles="1" noChangeArrowheads="1" noChangeShapeType="1" noTextEdit="1"/>
+          </p:cNvSpPr>
+          <p:nvPr>
+            <p:extLst>
+              <p:ext uri="{386F3935-93C4-4BCD-93E2-E3B085C9AB24}">
+                <p16:designElem xmlns:p16="http://schemas.microsoft.com/office/powerpoint/2015/main" val="1"/>
+              </p:ext>
+            </p:extLst>
+          </p:nvPr>
+        </p:nvSpPr>
+        <p:spPr>
+          <a:xfrm rot="16200000">
+            <a:off x="10289068" y="1343027"/>
+            <a:ext cx="2532832" cy="1273032"/>
+          </a:xfrm>
+          <a:prstGeom prst="triangle">
+            <a:avLst>
+              <a:gd name="adj" fmla="val 50000"/>
+            </a:avLst>
+          </a:prstGeom>
+          <a:solidFill>
+            <a:schemeClr val="accent4">
+              <a:alpha val="30000"/>
+            </a:schemeClr>
+          </a:solidFill>
+          <a:ln>
+            <a:noFill/>
+          </a:ln>
+        </p:spPr>
+        <p:style>
+          <a:lnRef idx="2">
+            <a:schemeClr val="accent1">
+              <a:shade val="50000"/>
+            </a:schemeClr>
+          </a:lnRef>
+          <a:fillRef idx="1">
+            <a:schemeClr val="accent1"/>
+          </a:fillRef>
+          <a:effectRef idx="0">
+            <a:schemeClr val="accent1"/>
+          </a:effectRef>
+          <a:fontRef idx="minor">
+            <a:schemeClr val="lt1"/>
+          </a:fontRef>
+        </p:style>
+        <p:txBody>
+          <a:bodyPr rtlCol="0" anchor="ctr"/>
+          <a:lstStyle/>
+          <a:p>
+            <a:pPr algn="ctr"/>
+            <a:endParaRPr lang="en-US"/>
+          </a:p>
+        </p:txBody>
+      </p:sp>
+      <p:sp>
+        <p:nvSpPr>
+          <p:cNvPr id="45" name="Isosceles Triangle 44">
+            <a:extLst>
+              <a:ext uri="{FF2B5EF4-FFF2-40B4-BE49-F238E27FC236}">
+                <a16:creationId xmlns:a16="http://schemas.microsoft.com/office/drawing/2014/main" id="{D3F51FEB-38FB-4F6C-9F7B-2F2AFAB65463}"/>
+              </a:ext>
+              <a:ext uri="{C183D7F6-B498-43B3-948B-1728B52AA6E4}">
+                <adec:decorative xmlns:adec="http://schemas.microsoft.com/office/drawing/2017/decorative" val="1"/>
+              </a:ext>
+            </a:extLst>
+          </p:cNvPr>
+          <p:cNvSpPr>
+            <a:spLocks noGrp="1" noRot="1" noChangeAspect="1" noMove="1" noResize="1" noEditPoints="1" noAdjustHandles="1" noChangeArrowheads="1" noChangeShapeType="1" noTextEdit="1"/>
+          </p:cNvSpPr>
+          <p:nvPr>
+            <p:extLst>
+              <p:ext uri="{386F3935-93C4-4BCD-93E2-E3B085C9AB24}">
+                <p16:designElem xmlns:p16="http://schemas.microsoft.com/office/powerpoint/2015/main" val="1"/>
+              </p:ext>
+            </p:extLst>
+          </p:nvPr>
+        </p:nvSpPr>
+        <p:spPr>
+          <a:xfrm rot="5400000">
+            <a:off x="-501760" y="5103257"/>
+            <a:ext cx="2017580" cy="1014060"/>
+          </a:xfrm>
+          <a:prstGeom prst="triangle">
+            <a:avLst>
+              <a:gd name="adj" fmla="val 50000"/>
+            </a:avLst>
+          </a:prstGeom>
+          <a:solidFill>
+            <a:schemeClr val="accent1">
+              <a:alpha val="30000"/>
+            </a:schemeClr>
+          </a:solidFill>
+          <a:ln>
+            <a:noFill/>
+          </a:ln>
+        </p:spPr>
+        <p:style>
+          <a:lnRef idx="2">
+            <a:schemeClr val="accent1">
+              <a:shade val="50000"/>
+            </a:schemeClr>
+          </a:lnRef>
+          <a:fillRef idx="1">
+            <a:schemeClr val="accent1"/>
+          </a:fillRef>
+          <a:effectRef idx="0">
+            <a:schemeClr val="accent1"/>
+          </a:effectRef>
+          <a:fontRef idx="minor">
+            <a:schemeClr val="lt1"/>
+          </a:fontRef>
+        </p:style>
+        <p:txBody>
+          <a:bodyPr wrap="square" rtlCol="0" anchor="ctr">
+            <a:noAutofit/>
+          </a:bodyPr>
+          <a:lstStyle/>
+          <a:p>
+            <a:pPr algn="ctr"/>
+            <a:endParaRPr lang="en-US"/>
+          </a:p>
+        </p:txBody>
+      </p:sp>
+      <p:sp>
+        <p:nvSpPr>
+          <p:cNvPr id="47" name="Rectangle 46">
+            <a:extLst>
+              <a:ext uri="{FF2B5EF4-FFF2-40B4-BE49-F238E27FC236}">
+                <a16:creationId xmlns:a16="http://schemas.microsoft.com/office/drawing/2014/main" id="{1E547BA6-BAE0-43BB-A7CA-60F69CE252F0}"/>
+              </a:ext>
+              <a:ext uri="{C183D7F6-B498-43B3-948B-1728B52AA6E4}">
+                <adec:decorative xmlns:adec="http://schemas.microsoft.com/office/drawing/2017/decorative" val="1"/>
+              </a:ext>
+            </a:extLst>
+          </p:cNvPr>
+          <p:cNvSpPr>
+            <a:spLocks noGrp="1" noRot="1" noChangeAspect="1" noMove="1" noResize="1" noEditPoints="1" noAdjustHandles="1" noChangeArrowheads="1" noChangeShapeType="1" noTextEdit="1"/>
+          </p:cNvSpPr>
+          <p:nvPr>
+            <p:extLst>
+              <p:ext uri="{386F3935-93C4-4BCD-93E2-E3B085C9AB24}">
+                <p16:designElem xmlns:p16="http://schemas.microsoft.com/office/powerpoint/2015/main" val="1"/>
+              </p:ext>
+            </p:extLst>
+          </p:nvPr>
+        </p:nvSpPr>
+        <p:spPr>
+          <a:xfrm rot="2700000">
+            <a:off x="427916" y="5728708"/>
+            <a:ext cx="485578" cy="485578"/>
+          </a:xfrm>
+          <a:prstGeom prst="rect">
+            <a:avLst/>
+          </a:prstGeom>
+          <a:solidFill>
+            <a:schemeClr val="accent1">
+              <a:alpha val="30000"/>
+            </a:schemeClr>
+          </a:solidFill>
+          <a:ln>
+            <a:noFill/>
+          </a:ln>
+        </p:spPr>
+        <p:style>
+          <a:lnRef idx="2">
+            <a:schemeClr val="accent1">
+              <a:shade val="50000"/>
+            </a:schemeClr>
+          </a:lnRef>
+          <a:fillRef idx="1">
+            <a:schemeClr val="accent1"/>
+          </a:fillRef>
+          <a:effectRef idx="0">
+            <a:schemeClr val="accent1"/>
+          </a:effectRef>
+          <a:fontRef idx="minor">
+            <a:schemeClr val="lt1"/>
+          </a:fontRef>
+        </p:style>
+        <p:txBody>
+          <a:bodyPr wrap="square" rtlCol="0" anchor="ctr">
+            <a:noAutofit/>
+          </a:bodyPr>
+          <a:lstStyle/>
+          <a:p>
+            <a:pPr algn="ctr"/>
+            <a:endParaRPr lang="en-US"/>
+          </a:p>
+        </p:txBody>
+      </p:sp>
+    </p:spTree>
+    <p:extLst>
+      <p:ext uri="{BB962C8B-B14F-4D97-AF65-F5344CB8AC3E}">
+        <p14:creationId xmlns:p14="http://schemas.microsoft.com/office/powerpoint/2010/main" val="3528586937"/>
+      </p:ext>
+    </p:extLst>
+  </p:cSld>
+  <p:clrMapOvr>
+    <a:masterClrMapping/>
+  </p:clrMapOvr>
+</p:sld>
+</file>
+
 <file path=ppt/slides/slide3.xml><?xml version="1.0" encoding="utf-8"?>
 <p:sld xmlns:a="http://schemas.openxmlformats.org/drawingml/2006/main" xmlns:r="http://schemas.openxmlformats.org/officeDocument/2006/relationships" xmlns:p="http://schemas.openxmlformats.org/presentationml/2006/main">
   <p:cSld>
@@ -15815,6 +16453,4646 @@
     <p:extLst>
       <p:ext uri="{BB962C8B-B14F-4D97-AF65-F5344CB8AC3E}">
         <p14:creationId xmlns:p14="http://schemas.microsoft.com/office/powerpoint/2010/main" val="2163148118"/>
+      </p:ext>
+    </p:extLst>
+  </p:cSld>
+  <p:clrMapOvr>
+    <a:masterClrMapping/>
+  </p:clrMapOvr>
+</p:sld>
+</file>
+
+<file path=ppt/slides/slide30.xml><?xml version="1.0" encoding="utf-8"?>
+<p:sld xmlns:a="http://schemas.openxmlformats.org/drawingml/2006/main" xmlns:r="http://schemas.openxmlformats.org/officeDocument/2006/relationships" xmlns:p="http://schemas.openxmlformats.org/presentationml/2006/main">
+  <p:cSld>
+    <p:bg>
+      <p:bgPr>
+        <a:solidFill>
+          <a:schemeClr val="bg1"/>
+        </a:solidFill>
+        <a:effectLst/>
+      </p:bgPr>
+    </p:bg>
+    <p:spTree>
+      <p:nvGrpSpPr>
+        <p:cNvPr id="1" name=""/>
+        <p:cNvGrpSpPr/>
+        <p:nvPr/>
+      </p:nvGrpSpPr>
+      <p:grpSpPr>
+        <a:xfrm>
+          <a:off x="0" y="0"/>
+          <a:ext cx="0" cy="0"/>
+          <a:chOff x="0" y="0"/>
+          <a:chExt cx="0" cy="0"/>
+        </a:xfrm>
+      </p:grpSpPr>
+      <p:sp>
+        <p:nvSpPr>
+          <p:cNvPr id="39" name="Rectangle 38">
+            <a:extLst>
+              <a:ext uri="{FF2B5EF4-FFF2-40B4-BE49-F238E27FC236}">
+                <a16:creationId xmlns:a16="http://schemas.microsoft.com/office/drawing/2014/main" id="{2B566528-1B12-4246-9431-5C2D7D081168}"/>
+              </a:ext>
+              <a:ext uri="{C183D7F6-B498-43B3-948B-1728B52AA6E4}">
+                <adec:decorative xmlns:adec="http://schemas.microsoft.com/office/drawing/2017/decorative" val="1"/>
+              </a:ext>
+            </a:extLst>
+          </p:cNvPr>
+          <p:cNvSpPr>
+            <a:spLocks noGrp="1" noRot="1" noChangeAspect="1" noMove="1" noResize="1" noEditPoints="1" noAdjustHandles="1" noChangeArrowheads="1" noChangeShapeType="1" noTextEdit="1"/>
+          </p:cNvSpPr>
+          <p:nvPr>
+            <p:extLst>
+              <p:ext uri="{386F3935-93C4-4BCD-93E2-E3B085C9AB24}">
+                <p16:designElem xmlns:p16="http://schemas.microsoft.com/office/powerpoint/2015/main" val="1"/>
+              </p:ext>
+            </p:extLst>
+          </p:nvPr>
+        </p:nvSpPr>
+        <p:spPr>
+          <a:xfrm>
+            <a:off x="0" y="0"/>
+            <a:ext cx="12192000" cy="6858000"/>
+          </a:xfrm>
+          <a:prstGeom prst="rect">
+            <a:avLst/>
+          </a:prstGeom>
+          <a:solidFill>
+            <a:schemeClr val="bg1"/>
+          </a:solidFill>
+          <a:ln>
+            <a:noFill/>
+          </a:ln>
+        </p:spPr>
+        <p:style>
+          <a:lnRef idx="2">
+            <a:schemeClr val="accent1">
+              <a:shade val="50000"/>
+            </a:schemeClr>
+          </a:lnRef>
+          <a:fillRef idx="1">
+            <a:schemeClr val="accent1"/>
+          </a:fillRef>
+          <a:effectRef idx="0">
+            <a:schemeClr val="accent1"/>
+          </a:effectRef>
+          <a:fontRef idx="minor">
+            <a:schemeClr val="lt1"/>
+          </a:fontRef>
+        </p:style>
+        <p:txBody>
+          <a:bodyPr rtlCol="0" anchor="ctr"/>
+          <a:lstStyle/>
+          <a:p>
+            <a:pPr algn="ctr"/>
+            <a:endParaRPr lang="en-US"/>
+          </a:p>
+        </p:txBody>
+      </p:sp>
+      <p:sp>
+        <p:nvSpPr>
+          <p:cNvPr id="2" name="Título 1">
+            <a:extLst>
+              <a:ext uri="{FF2B5EF4-FFF2-40B4-BE49-F238E27FC236}">
+                <a16:creationId xmlns:a16="http://schemas.microsoft.com/office/drawing/2014/main" id="{46991FFA-5E35-051D-3B8C-8962250E1C9A}"/>
+              </a:ext>
+            </a:extLst>
+          </p:cNvPr>
+          <p:cNvSpPr>
+            <a:spLocks noGrp="1"/>
+          </p:cNvSpPr>
+          <p:nvPr>
+            <p:ph type="title"/>
+          </p:nvPr>
+        </p:nvSpPr>
+        <p:spPr>
+          <a:xfrm>
+            <a:off x="643467" y="321734"/>
+            <a:ext cx="10905066" cy="1135737"/>
+          </a:xfrm>
+        </p:spPr>
+        <p:txBody>
+          <a:bodyPr>
+            <a:normAutofit/>
+          </a:bodyPr>
+          <a:lstStyle/>
+          <a:p>
+            <a:r>
+              <a:rPr lang="pt-BR" sz="3600" b="1" dirty="0">
+                <a:ea typeface="+mj-lt"/>
+                <a:cs typeface="+mj-lt"/>
+              </a:rPr>
+              <a:t>4.3 Dirigir e Gerenciar a execução do projeto</a:t>
+            </a:r>
+            <a:endParaRPr lang="pt-BR" dirty="0">
+              <a:ea typeface="+mj-lt"/>
+              <a:cs typeface="+mj-lt"/>
+            </a:endParaRPr>
+          </a:p>
+        </p:txBody>
+      </p:sp>
+      <p:sp>
+        <p:nvSpPr>
+          <p:cNvPr id="3" name="Espaço Reservado para Conteúdo 2">
+            <a:extLst>
+              <a:ext uri="{FF2B5EF4-FFF2-40B4-BE49-F238E27FC236}">
+                <a16:creationId xmlns:a16="http://schemas.microsoft.com/office/drawing/2014/main" id="{1F560DD4-1938-249D-D353-6A108002A6DE}"/>
+              </a:ext>
+            </a:extLst>
+          </p:cNvPr>
+          <p:cNvSpPr>
+            <a:spLocks noGrp="1"/>
+          </p:cNvSpPr>
+          <p:nvPr>
+            <p:ph idx="1"/>
+          </p:nvPr>
+        </p:nvSpPr>
+        <p:spPr>
+          <a:xfrm>
+            <a:off x="657844" y="1610453"/>
+            <a:ext cx="10890689" cy="4566510"/>
+          </a:xfrm>
+        </p:spPr>
+        <p:txBody>
+          <a:bodyPr vert="horz" lIns="91440" tIns="45720" rIns="91440" bIns="45720" rtlCol="0" anchor="t">
+            <a:normAutofit/>
+          </a:bodyPr>
+          <a:lstStyle/>
+          <a:p>
+            <a:pPr>
+              <a:buNone/>
+            </a:pPr>
+            <a:r>
+              <a:rPr lang="pt-BR" sz="2000" dirty="0">
+                <a:ea typeface="+mn-lt"/>
+                <a:cs typeface="+mn-lt"/>
+              </a:rPr>
+              <a:t>Saídas.</a:t>
+            </a:r>
+            <a:endParaRPr lang="pt-BR" dirty="0">
+              <a:ea typeface="+mn-lt"/>
+              <a:cs typeface="+mn-lt"/>
+            </a:endParaRPr>
+          </a:p>
+          <a:p>
+            <a:pPr>
+              <a:buNone/>
+            </a:pPr>
+            <a:r>
+              <a:rPr lang="pt-BR" sz="2000" dirty="0">
+                <a:ea typeface="+mn-lt"/>
+                <a:cs typeface="+mn-lt"/>
+              </a:rPr>
+              <a:t>1 Entregas.</a:t>
+            </a:r>
+            <a:endParaRPr lang="pt-BR" dirty="0">
+              <a:ea typeface="+mn-lt"/>
+              <a:cs typeface="+mn-lt"/>
+            </a:endParaRPr>
+          </a:p>
+          <a:p>
+            <a:pPr>
+              <a:buNone/>
+            </a:pPr>
+            <a:r>
+              <a:rPr lang="pt-BR" sz="2000" dirty="0">
+                <a:ea typeface="+mn-lt"/>
+                <a:cs typeface="+mn-lt"/>
+              </a:rPr>
+              <a:t>2 Informações sobre o desempenho do trabalho</a:t>
+            </a:r>
+            <a:endParaRPr lang="pt-BR" dirty="0"/>
+          </a:p>
+          <a:p>
+            <a:pPr>
+              <a:buNone/>
+            </a:pPr>
+            <a:r>
+              <a:rPr lang="pt-BR" sz="2000" b="1" dirty="0">
+                <a:ea typeface="+mn-lt"/>
+                <a:cs typeface="+mn-lt"/>
+              </a:rPr>
+              <a:t>Coleta rotineira das informações sobre a execução do plano de gerenciamento do projeto</a:t>
+            </a:r>
+            <a:r>
+              <a:rPr lang="pt-BR" sz="2000" dirty="0">
+                <a:ea typeface="+mn-lt"/>
+                <a:cs typeface="+mn-lt"/>
+              </a:rPr>
+              <a:t>.</a:t>
+            </a:r>
+            <a:endParaRPr lang="pt-BR" dirty="0"/>
+          </a:p>
+          <a:p>
+            <a:pPr>
+              <a:buNone/>
+            </a:pPr>
+            <a:r>
+              <a:rPr lang="pt-BR" sz="2000" dirty="0">
+                <a:ea typeface="+mn-lt"/>
+                <a:cs typeface="+mn-lt"/>
+              </a:rPr>
+              <a:t>Progresso do cronograma</a:t>
+            </a:r>
+            <a:endParaRPr lang="pt-BR" dirty="0"/>
+          </a:p>
+          <a:p>
+            <a:pPr>
+              <a:buNone/>
+            </a:pPr>
+            <a:r>
+              <a:rPr lang="pt-BR" sz="2000" dirty="0">
+                <a:ea typeface="+mn-lt"/>
+                <a:cs typeface="+mn-lt"/>
+              </a:rPr>
+              <a:t>Atendimento dos padrões de qualidade</a:t>
+            </a:r>
+            <a:endParaRPr lang="pt-BR" dirty="0"/>
+          </a:p>
+          <a:p>
+            <a:pPr>
+              <a:buNone/>
+            </a:pPr>
+            <a:r>
+              <a:rPr lang="pt-BR" sz="2000" dirty="0">
+                <a:ea typeface="+mn-lt"/>
+                <a:cs typeface="+mn-lt"/>
+              </a:rPr>
+              <a:t>Custos autorizados e incorridos</a:t>
+            </a:r>
+            <a:endParaRPr lang="pt-BR" dirty="0"/>
+          </a:p>
+          <a:p>
+            <a:pPr>
+              <a:buNone/>
+            </a:pPr>
+            <a:r>
+              <a:rPr lang="pt-BR" sz="2000" dirty="0">
+                <a:ea typeface="+mn-lt"/>
+                <a:cs typeface="+mn-lt"/>
+              </a:rPr>
+              <a:t>Estimativas para terminar as atividades que foram iniciadas</a:t>
+            </a:r>
+            <a:endParaRPr lang="pt-BR" dirty="0"/>
+          </a:p>
+          <a:p>
+            <a:pPr>
+              <a:buNone/>
+            </a:pPr>
+            <a:r>
+              <a:rPr lang="pt-BR" sz="2000" dirty="0">
+                <a:ea typeface="+mn-lt"/>
+                <a:cs typeface="+mn-lt"/>
+              </a:rPr>
+              <a:t>Percentual fisicamente terminado das atividades em andamento</a:t>
+            </a:r>
+            <a:endParaRPr lang="pt-BR" dirty="0"/>
+          </a:p>
+          <a:p>
+            <a:pPr>
+              <a:buNone/>
+            </a:pPr>
+            <a:r>
+              <a:rPr lang="pt-BR" sz="2000" dirty="0">
+                <a:ea typeface="+mn-lt"/>
+                <a:cs typeface="+mn-lt"/>
+              </a:rPr>
+              <a:t>Lições aprendidas documentadas colocadas na base de gestão do conhecimento</a:t>
+            </a:r>
+            <a:endParaRPr lang="pt-BR" dirty="0"/>
+          </a:p>
+          <a:p>
+            <a:pPr>
+              <a:buNone/>
+            </a:pPr>
+            <a:r>
+              <a:rPr lang="pt-BR" sz="2000" dirty="0">
+                <a:ea typeface="+mn-lt"/>
+                <a:cs typeface="+mn-lt"/>
+              </a:rPr>
+              <a:t>Detalhes da utilização de recursos.</a:t>
+            </a:r>
+            <a:endParaRPr lang="pt-BR" dirty="0">
+              <a:ea typeface="+mn-lt"/>
+              <a:cs typeface="+mn-lt"/>
+            </a:endParaRPr>
+          </a:p>
+          <a:p>
+            <a:pPr>
+              <a:buNone/>
+            </a:pPr>
+            <a:endParaRPr lang="pt-BR" sz="2000" dirty="0">
+              <a:cs typeface="Calibri"/>
+            </a:endParaRPr>
+          </a:p>
+          <a:p>
+            <a:pPr>
+              <a:buNone/>
+            </a:pPr>
+            <a:endParaRPr lang="pt-BR" sz="2000" dirty="0">
+              <a:cs typeface="Calibri"/>
+            </a:endParaRPr>
+          </a:p>
+          <a:p>
+            <a:pPr>
+              <a:buNone/>
+            </a:pPr>
+            <a:endParaRPr lang="pt-BR" sz="2000" dirty="0">
+              <a:ea typeface="+mn-lt"/>
+              <a:cs typeface="+mn-lt"/>
+            </a:endParaRPr>
+          </a:p>
+          <a:p>
+            <a:pPr>
+              <a:buNone/>
+            </a:pPr>
+            <a:endParaRPr lang="pt-BR" sz="2000" b="1" dirty="0">
+              <a:ea typeface="+mn-lt"/>
+              <a:cs typeface="+mn-lt"/>
+            </a:endParaRPr>
+          </a:p>
+          <a:p>
+            <a:pPr>
+              <a:buNone/>
+            </a:pPr>
+            <a:endParaRPr lang="pt-BR" sz="2000" dirty="0">
+              <a:cs typeface="Calibri"/>
+            </a:endParaRPr>
+          </a:p>
+          <a:p>
+            <a:pPr>
+              <a:buNone/>
+            </a:pPr>
+            <a:endParaRPr lang="pt-BR" sz="2000" dirty="0">
+              <a:cs typeface="Calibri"/>
+            </a:endParaRPr>
+          </a:p>
+          <a:p>
+            <a:pPr>
+              <a:buNone/>
+            </a:pPr>
+            <a:endParaRPr lang="pt-BR" sz="2000" dirty="0">
+              <a:cs typeface="Calibri"/>
+            </a:endParaRPr>
+          </a:p>
+          <a:p>
+            <a:pPr>
+              <a:buNone/>
+            </a:pPr>
+            <a:endParaRPr lang="pt-BR" sz="2000" dirty="0">
+              <a:cs typeface="Calibri"/>
+            </a:endParaRPr>
+          </a:p>
+          <a:p>
+            <a:pPr>
+              <a:buNone/>
+            </a:pPr>
+            <a:endParaRPr lang="pt-BR" sz="2000" dirty="0">
+              <a:cs typeface="Calibri"/>
+            </a:endParaRPr>
+          </a:p>
+          <a:p>
+            <a:pPr>
+              <a:buNone/>
+            </a:pPr>
+            <a:endParaRPr lang="pt-BR" sz="2000">
+              <a:cs typeface="Calibri"/>
+            </a:endParaRPr>
+          </a:p>
+          <a:p>
+            <a:pPr>
+              <a:buNone/>
+            </a:pPr>
+            <a:endParaRPr lang="pt-BR" sz="2000">
+              <a:cs typeface="Calibri"/>
+            </a:endParaRPr>
+          </a:p>
+          <a:p>
+            <a:pPr>
+              <a:buNone/>
+            </a:pPr>
+            <a:endParaRPr lang="pt-BR" sz="2000">
+              <a:cs typeface="Calibri"/>
+            </a:endParaRPr>
+          </a:p>
+          <a:p>
+            <a:pPr>
+              <a:buNone/>
+            </a:pPr>
+            <a:endParaRPr lang="pt-BR" sz="2000">
+              <a:cs typeface="Calibri"/>
+            </a:endParaRPr>
+          </a:p>
+          <a:p>
+            <a:pPr>
+              <a:buNone/>
+            </a:pPr>
+            <a:endParaRPr lang="pt-BR" sz="2000">
+              <a:cs typeface="Calibri"/>
+            </a:endParaRPr>
+          </a:p>
+          <a:p>
+            <a:pPr marL="0" indent="0">
+              <a:buNone/>
+            </a:pPr>
+            <a:endParaRPr lang="pt-BR" sz="2000">
+              <a:cs typeface="Calibri"/>
+            </a:endParaRPr>
+          </a:p>
+          <a:p>
+            <a:endParaRPr lang="pt-BR" sz="2000">
+              <a:cs typeface="Calibri"/>
+            </a:endParaRPr>
+          </a:p>
+        </p:txBody>
+      </p:sp>
+      <p:sp>
+        <p:nvSpPr>
+          <p:cNvPr id="41" name="Rectangle 40">
+            <a:extLst>
+              <a:ext uri="{FF2B5EF4-FFF2-40B4-BE49-F238E27FC236}">
+                <a16:creationId xmlns:a16="http://schemas.microsoft.com/office/drawing/2014/main" id="{2E80C965-DB6D-4F81-9E9E-B027384D0BD6}"/>
+              </a:ext>
+              <a:ext uri="{C183D7F6-B498-43B3-948B-1728B52AA6E4}">
+                <adec:decorative xmlns:adec="http://schemas.microsoft.com/office/drawing/2017/decorative" val="1"/>
+              </a:ext>
+            </a:extLst>
+          </p:cNvPr>
+          <p:cNvSpPr>
+            <a:spLocks noGrp="1" noRot="1" noChangeAspect="1" noMove="1" noResize="1" noEditPoints="1" noAdjustHandles="1" noChangeArrowheads="1" noChangeShapeType="1" noTextEdit="1"/>
+          </p:cNvSpPr>
+          <p:nvPr>
+            <p:extLst>
+              <p:ext uri="{386F3935-93C4-4BCD-93E2-E3B085C9AB24}">
+                <p16:designElem xmlns:p16="http://schemas.microsoft.com/office/powerpoint/2015/main" val="1"/>
+              </p:ext>
+            </p:extLst>
+          </p:nvPr>
+        </p:nvSpPr>
+        <p:spPr>
+          <a:xfrm rot="2700000">
+            <a:off x="11052629" y="2120024"/>
+            <a:ext cx="645368" cy="645368"/>
+          </a:xfrm>
+          <a:prstGeom prst="rect">
+            <a:avLst/>
+          </a:prstGeom>
+          <a:solidFill>
+            <a:schemeClr val="accent4">
+              <a:alpha val="30000"/>
+            </a:schemeClr>
+          </a:solidFill>
+          <a:ln>
+            <a:noFill/>
+          </a:ln>
+        </p:spPr>
+        <p:style>
+          <a:lnRef idx="2">
+            <a:schemeClr val="accent1">
+              <a:shade val="50000"/>
+            </a:schemeClr>
+          </a:lnRef>
+          <a:fillRef idx="1">
+            <a:schemeClr val="accent1"/>
+          </a:fillRef>
+          <a:effectRef idx="0">
+            <a:schemeClr val="accent1"/>
+          </a:effectRef>
+          <a:fontRef idx="minor">
+            <a:schemeClr val="lt1"/>
+          </a:fontRef>
+        </p:style>
+        <p:txBody>
+          <a:bodyPr rtlCol="0" anchor="ctr"/>
+          <a:lstStyle/>
+          <a:p>
+            <a:pPr algn="ctr"/>
+            <a:endParaRPr lang="en-US"/>
+          </a:p>
+        </p:txBody>
+      </p:sp>
+      <p:sp>
+        <p:nvSpPr>
+          <p:cNvPr id="43" name="Isosceles Triangle 42">
+            <a:extLst>
+              <a:ext uri="{FF2B5EF4-FFF2-40B4-BE49-F238E27FC236}">
+                <a16:creationId xmlns:a16="http://schemas.microsoft.com/office/drawing/2014/main" id="{A580F890-B085-4E95-96AA-55AEBEC5CE6E}"/>
+              </a:ext>
+              <a:ext uri="{C183D7F6-B498-43B3-948B-1728B52AA6E4}">
+                <adec:decorative xmlns:adec="http://schemas.microsoft.com/office/drawing/2017/decorative" val="1"/>
+              </a:ext>
+            </a:extLst>
+          </p:cNvPr>
+          <p:cNvSpPr>
+            <a:spLocks noGrp="1" noRot="1" noChangeAspect="1" noMove="1" noResize="1" noEditPoints="1" noAdjustHandles="1" noChangeArrowheads="1" noChangeShapeType="1" noTextEdit="1"/>
+          </p:cNvSpPr>
+          <p:nvPr>
+            <p:extLst>
+              <p:ext uri="{386F3935-93C4-4BCD-93E2-E3B085C9AB24}">
+                <p16:designElem xmlns:p16="http://schemas.microsoft.com/office/powerpoint/2015/main" val="1"/>
+              </p:ext>
+            </p:extLst>
+          </p:nvPr>
+        </p:nvSpPr>
+        <p:spPr>
+          <a:xfrm rot="16200000">
+            <a:off x="10289068" y="1343027"/>
+            <a:ext cx="2532832" cy="1273032"/>
+          </a:xfrm>
+          <a:prstGeom prst="triangle">
+            <a:avLst>
+              <a:gd name="adj" fmla="val 50000"/>
+            </a:avLst>
+          </a:prstGeom>
+          <a:solidFill>
+            <a:schemeClr val="accent4">
+              <a:alpha val="30000"/>
+            </a:schemeClr>
+          </a:solidFill>
+          <a:ln>
+            <a:noFill/>
+          </a:ln>
+        </p:spPr>
+        <p:style>
+          <a:lnRef idx="2">
+            <a:schemeClr val="accent1">
+              <a:shade val="50000"/>
+            </a:schemeClr>
+          </a:lnRef>
+          <a:fillRef idx="1">
+            <a:schemeClr val="accent1"/>
+          </a:fillRef>
+          <a:effectRef idx="0">
+            <a:schemeClr val="accent1"/>
+          </a:effectRef>
+          <a:fontRef idx="minor">
+            <a:schemeClr val="lt1"/>
+          </a:fontRef>
+        </p:style>
+        <p:txBody>
+          <a:bodyPr rtlCol="0" anchor="ctr"/>
+          <a:lstStyle/>
+          <a:p>
+            <a:pPr algn="ctr"/>
+            <a:endParaRPr lang="en-US"/>
+          </a:p>
+        </p:txBody>
+      </p:sp>
+      <p:sp>
+        <p:nvSpPr>
+          <p:cNvPr id="45" name="Isosceles Triangle 44">
+            <a:extLst>
+              <a:ext uri="{FF2B5EF4-FFF2-40B4-BE49-F238E27FC236}">
+                <a16:creationId xmlns:a16="http://schemas.microsoft.com/office/drawing/2014/main" id="{D3F51FEB-38FB-4F6C-9F7B-2F2AFAB65463}"/>
+              </a:ext>
+              <a:ext uri="{C183D7F6-B498-43B3-948B-1728B52AA6E4}">
+                <adec:decorative xmlns:adec="http://schemas.microsoft.com/office/drawing/2017/decorative" val="1"/>
+              </a:ext>
+            </a:extLst>
+          </p:cNvPr>
+          <p:cNvSpPr>
+            <a:spLocks noGrp="1" noRot="1" noChangeAspect="1" noMove="1" noResize="1" noEditPoints="1" noAdjustHandles="1" noChangeArrowheads="1" noChangeShapeType="1" noTextEdit="1"/>
+          </p:cNvSpPr>
+          <p:nvPr>
+            <p:extLst>
+              <p:ext uri="{386F3935-93C4-4BCD-93E2-E3B085C9AB24}">
+                <p16:designElem xmlns:p16="http://schemas.microsoft.com/office/powerpoint/2015/main" val="1"/>
+              </p:ext>
+            </p:extLst>
+          </p:nvPr>
+        </p:nvSpPr>
+        <p:spPr>
+          <a:xfrm rot="5400000">
+            <a:off x="-501760" y="5103257"/>
+            <a:ext cx="2017580" cy="1014060"/>
+          </a:xfrm>
+          <a:prstGeom prst="triangle">
+            <a:avLst>
+              <a:gd name="adj" fmla="val 50000"/>
+            </a:avLst>
+          </a:prstGeom>
+          <a:solidFill>
+            <a:schemeClr val="accent1">
+              <a:alpha val="30000"/>
+            </a:schemeClr>
+          </a:solidFill>
+          <a:ln>
+            <a:noFill/>
+          </a:ln>
+        </p:spPr>
+        <p:style>
+          <a:lnRef idx="2">
+            <a:schemeClr val="accent1">
+              <a:shade val="50000"/>
+            </a:schemeClr>
+          </a:lnRef>
+          <a:fillRef idx="1">
+            <a:schemeClr val="accent1"/>
+          </a:fillRef>
+          <a:effectRef idx="0">
+            <a:schemeClr val="accent1"/>
+          </a:effectRef>
+          <a:fontRef idx="minor">
+            <a:schemeClr val="lt1"/>
+          </a:fontRef>
+        </p:style>
+        <p:txBody>
+          <a:bodyPr wrap="square" rtlCol="0" anchor="ctr">
+            <a:noAutofit/>
+          </a:bodyPr>
+          <a:lstStyle/>
+          <a:p>
+            <a:pPr algn="ctr"/>
+            <a:endParaRPr lang="en-US"/>
+          </a:p>
+        </p:txBody>
+      </p:sp>
+      <p:sp>
+        <p:nvSpPr>
+          <p:cNvPr id="47" name="Rectangle 46">
+            <a:extLst>
+              <a:ext uri="{FF2B5EF4-FFF2-40B4-BE49-F238E27FC236}">
+                <a16:creationId xmlns:a16="http://schemas.microsoft.com/office/drawing/2014/main" id="{1E547BA6-BAE0-43BB-A7CA-60F69CE252F0}"/>
+              </a:ext>
+              <a:ext uri="{C183D7F6-B498-43B3-948B-1728B52AA6E4}">
+                <adec:decorative xmlns:adec="http://schemas.microsoft.com/office/drawing/2017/decorative" val="1"/>
+              </a:ext>
+            </a:extLst>
+          </p:cNvPr>
+          <p:cNvSpPr>
+            <a:spLocks noGrp="1" noRot="1" noChangeAspect="1" noMove="1" noResize="1" noEditPoints="1" noAdjustHandles="1" noChangeArrowheads="1" noChangeShapeType="1" noTextEdit="1"/>
+          </p:cNvSpPr>
+          <p:nvPr>
+            <p:extLst>
+              <p:ext uri="{386F3935-93C4-4BCD-93E2-E3B085C9AB24}">
+                <p16:designElem xmlns:p16="http://schemas.microsoft.com/office/powerpoint/2015/main" val="1"/>
+              </p:ext>
+            </p:extLst>
+          </p:nvPr>
+        </p:nvSpPr>
+        <p:spPr>
+          <a:xfrm rot="2700000">
+            <a:off x="427916" y="5728708"/>
+            <a:ext cx="485578" cy="485578"/>
+          </a:xfrm>
+          <a:prstGeom prst="rect">
+            <a:avLst/>
+          </a:prstGeom>
+          <a:solidFill>
+            <a:schemeClr val="accent1">
+              <a:alpha val="30000"/>
+            </a:schemeClr>
+          </a:solidFill>
+          <a:ln>
+            <a:noFill/>
+          </a:ln>
+        </p:spPr>
+        <p:style>
+          <a:lnRef idx="2">
+            <a:schemeClr val="accent1">
+              <a:shade val="50000"/>
+            </a:schemeClr>
+          </a:lnRef>
+          <a:fillRef idx="1">
+            <a:schemeClr val="accent1"/>
+          </a:fillRef>
+          <a:effectRef idx="0">
+            <a:schemeClr val="accent1"/>
+          </a:effectRef>
+          <a:fontRef idx="minor">
+            <a:schemeClr val="lt1"/>
+          </a:fontRef>
+        </p:style>
+        <p:txBody>
+          <a:bodyPr wrap="square" rtlCol="0" anchor="ctr">
+            <a:noAutofit/>
+          </a:bodyPr>
+          <a:lstStyle/>
+          <a:p>
+            <a:pPr algn="ctr"/>
+            <a:endParaRPr lang="en-US"/>
+          </a:p>
+        </p:txBody>
+      </p:sp>
+    </p:spTree>
+    <p:extLst>
+      <p:ext uri="{BB962C8B-B14F-4D97-AF65-F5344CB8AC3E}">
+        <p14:creationId xmlns:p14="http://schemas.microsoft.com/office/powerpoint/2010/main" val="754101460"/>
+      </p:ext>
+    </p:extLst>
+  </p:cSld>
+  <p:clrMapOvr>
+    <a:masterClrMapping/>
+  </p:clrMapOvr>
+</p:sld>
+</file>
+
+<file path=ppt/slides/slide31.xml><?xml version="1.0" encoding="utf-8"?>
+<p:sld xmlns:a="http://schemas.openxmlformats.org/drawingml/2006/main" xmlns:r="http://schemas.openxmlformats.org/officeDocument/2006/relationships" xmlns:p="http://schemas.openxmlformats.org/presentationml/2006/main">
+  <p:cSld>
+    <p:bg>
+      <p:bgPr>
+        <a:solidFill>
+          <a:schemeClr val="bg1"/>
+        </a:solidFill>
+        <a:effectLst/>
+      </p:bgPr>
+    </p:bg>
+    <p:spTree>
+      <p:nvGrpSpPr>
+        <p:cNvPr id="1" name=""/>
+        <p:cNvGrpSpPr/>
+        <p:nvPr/>
+      </p:nvGrpSpPr>
+      <p:grpSpPr>
+        <a:xfrm>
+          <a:off x="0" y="0"/>
+          <a:ext cx="0" cy="0"/>
+          <a:chOff x="0" y="0"/>
+          <a:chExt cx="0" cy="0"/>
+        </a:xfrm>
+      </p:grpSpPr>
+      <p:sp>
+        <p:nvSpPr>
+          <p:cNvPr id="39" name="Rectangle 38">
+            <a:extLst>
+              <a:ext uri="{FF2B5EF4-FFF2-40B4-BE49-F238E27FC236}">
+                <a16:creationId xmlns:a16="http://schemas.microsoft.com/office/drawing/2014/main" id="{2B566528-1B12-4246-9431-5C2D7D081168}"/>
+              </a:ext>
+              <a:ext uri="{C183D7F6-B498-43B3-948B-1728B52AA6E4}">
+                <adec:decorative xmlns:adec="http://schemas.microsoft.com/office/drawing/2017/decorative" val="1"/>
+              </a:ext>
+            </a:extLst>
+          </p:cNvPr>
+          <p:cNvSpPr>
+            <a:spLocks noGrp="1" noRot="1" noChangeAspect="1" noMove="1" noResize="1" noEditPoints="1" noAdjustHandles="1" noChangeArrowheads="1" noChangeShapeType="1" noTextEdit="1"/>
+          </p:cNvSpPr>
+          <p:nvPr>
+            <p:extLst>
+              <p:ext uri="{386F3935-93C4-4BCD-93E2-E3B085C9AB24}">
+                <p16:designElem xmlns:p16="http://schemas.microsoft.com/office/powerpoint/2015/main" val="1"/>
+              </p:ext>
+            </p:extLst>
+          </p:nvPr>
+        </p:nvSpPr>
+        <p:spPr>
+          <a:xfrm>
+            <a:off x="0" y="0"/>
+            <a:ext cx="12192000" cy="6858000"/>
+          </a:xfrm>
+          <a:prstGeom prst="rect">
+            <a:avLst/>
+          </a:prstGeom>
+          <a:solidFill>
+            <a:schemeClr val="bg1"/>
+          </a:solidFill>
+          <a:ln>
+            <a:noFill/>
+          </a:ln>
+        </p:spPr>
+        <p:style>
+          <a:lnRef idx="2">
+            <a:schemeClr val="accent1">
+              <a:shade val="50000"/>
+            </a:schemeClr>
+          </a:lnRef>
+          <a:fillRef idx="1">
+            <a:schemeClr val="accent1"/>
+          </a:fillRef>
+          <a:effectRef idx="0">
+            <a:schemeClr val="accent1"/>
+          </a:effectRef>
+          <a:fontRef idx="minor">
+            <a:schemeClr val="lt1"/>
+          </a:fontRef>
+        </p:style>
+        <p:txBody>
+          <a:bodyPr rtlCol="0" anchor="ctr"/>
+          <a:lstStyle/>
+          <a:p>
+            <a:pPr algn="ctr"/>
+            <a:endParaRPr lang="en-US"/>
+          </a:p>
+        </p:txBody>
+      </p:sp>
+      <p:sp>
+        <p:nvSpPr>
+          <p:cNvPr id="2" name="Título 1">
+            <a:extLst>
+              <a:ext uri="{FF2B5EF4-FFF2-40B4-BE49-F238E27FC236}">
+                <a16:creationId xmlns:a16="http://schemas.microsoft.com/office/drawing/2014/main" id="{46991FFA-5E35-051D-3B8C-8962250E1C9A}"/>
+              </a:ext>
+            </a:extLst>
+          </p:cNvPr>
+          <p:cNvSpPr>
+            <a:spLocks noGrp="1"/>
+          </p:cNvSpPr>
+          <p:nvPr>
+            <p:ph type="title"/>
+          </p:nvPr>
+        </p:nvSpPr>
+        <p:spPr>
+          <a:xfrm>
+            <a:off x="643467" y="321734"/>
+            <a:ext cx="10905066" cy="1135737"/>
+          </a:xfrm>
+        </p:spPr>
+        <p:txBody>
+          <a:bodyPr>
+            <a:normAutofit/>
+          </a:bodyPr>
+          <a:lstStyle/>
+          <a:p>
+            <a:r>
+              <a:rPr lang="pt-BR" sz="3600" b="1" dirty="0">
+                <a:ea typeface="+mj-lt"/>
+                <a:cs typeface="+mj-lt"/>
+              </a:rPr>
+              <a:t>4.3 Dirigir e Gerenciar a execução do projeto</a:t>
+            </a:r>
+            <a:endParaRPr lang="pt-BR" dirty="0">
+              <a:ea typeface="+mj-lt"/>
+              <a:cs typeface="+mj-lt"/>
+            </a:endParaRPr>
+          </a:p>
+        </p:txBody>
+      </p:sp>
+      <p:sp>
+        <p:nvSpPr>
+          <p:cNvPr id="3" name="Espaço Reservado para Conteúdo 2">
+            <a:extLst>
+              <a:ext uri="{FF2B5EF4-FFF2-40B4-BE49-F238E27FC236}">
+                <a16:creationId xmlns:a16="http://schemas.microsoft.com/office/drawing/2014/main" id="{1F560DD4-1938-249D-D353-6A108002A6DE}"/>
+              </a:ext>
+            </a:extLst>
+          </p:cNvPr>
+          <p:cNvSpPr>
+            <a:spLocks noGrp="1"/>
+          </p:cNvSpPr>
+          <p:nvPr>
+            <p:ph idx="1"/>
+          </p:nvPr>
+        </p:nvSpPr>
+        <p:spPr>
+          <a:xfrm>
+            <a:off x="657844" y="1610453"/>
+            <a:ext cx="10890689" cy="4566510"/>
+          </a:xfrm>
+        </p:spPr>
+        <p:txBody>
+          <a:bodyPr vert="horz" lIns="91440" tIns="45720" rIns="91440" bIns="45720" rtlCol="0" anchor="t">
+            <a:normAutofit/>
+          </a:bodyPr>
+          <a:lstStyle/>
+          <a:p>
+            <a:pPr>
+              <a:buNone/>
+            </a:pPr>
+            <a:r>
+              <a:rPr lang="pt-BR" sz="2000" dirty="0">
+                <a:ea typeface="+mn-lt"/>
+                <a:cs typeface="+mn-lt"/>
+              </a:rPr>
+              <a:t>Saídas. </a:t>
+            </a:r>
+            <a:endParaRPr lang="pt-BR"/>
+          </a:p>
+          <a:p>
+            <a:pPr>
+              <a:buNone/>
+            </a:pPr>
+            <a:r>
+              <a:rPr lang="pt-BR" sz="2000" dirty="0">
+                <a:ea typeface="+mn-lt"/>
+                <a:cs typeface="+mn-lt"/>
+              </a:rPr>
+              <a:t>.3 Pedidos de mudanças</a:t>
+            </a:r>
+            <a:endParaRPr lang="pt-BR" dirty="0"/>
+          </a:p>
+          <a:p>
+            <a:pPr>
+              <a:buNone/>
+            </a:pPr>
+            <a:r>
+              <a:rPr lang="pt-BR" sz="2000" dirty="0">
+                <a:ea typeface="+mn-lt"/>
+                <a:cs typeface="+mn-lt"/>
+              </a:rPr>
+              <a:t>Correções, preventivas, defeitos, atualizações.</a:t>
+            </a:r>
+            <a:endParaRPr lang="pt-BR" dirty="0">
+              <a:ea typeface="+mn-lt"/>
+              <a:cs typeface="+mn-lt"/>
+            </a:endParaRPr>
+          </a:p>
+          <a:p>
+            <a:pPr>
+              <a:buNone/>
+            </a:pPr>
+            <a:r>
+              <a:rPr lang="pt-BR" sz="2000" dirty="0">
+                <a:ea typeface="+mn-lt"/>
+                <a:cs typeface="+mn-lt"/>
+              </a:rPr>
+              <a:t>.4 Atualizações para os planos subsidiários.</a:t>
+            </a:r>
+            <a:endParaRPr lang="pt-BR" dirty="0">
+              <a:ea typeface="+mn-lt"/>
+              <a:cs typeface="+mn-lt"/>
+            </a:endParaRPr>
+          </a:p>
+          <a:p>
+            <a:pPr>
+              <a:buNone/>
+            </a:pPr>
+            <a:r>
+              <a:rPr lang="pt-BR" sz="2000" dirty="0">
+                <a:ea typeface="+mn-lt"/>
+                <a:cs typeface="+mn-lt"/>
+              </a:rPr>
+              <a:t>.5 Atualizações para demais documentos.</a:t>
+            </a:r>
+            <a:endParaRPr lang="pt-BR" dirty="0">
+              <a:ea typeface="+mn-lt"/>
+              <a:cs typeface="+mn-lt"/>
+            </a:endParaRPr>
+          </a:p>
+          <a:p>
+            <a:pPr>
+              <a:buNone/>
+            </a:pPr>
+            <a:endParaRPr lang="pt-BR" sz="2000" dirty="0">
+              <a:ea typeface="+mn-lt"/>
+              <a:cs typeface="+mn-lt"/>
+            </a:endParaRPr>
+          </a:p>
+          <a:p>
+            <a:pPr>
+              <a:buNone/>
+            </a:pPr>
+            <a:endParaRPr lang="pt-BR" sz="2000" dirty="0">
+              <a:cs typeface="Calibri"/>
+            </a:endParaRPr>
+          </a:p>
+          <a:p>
+            <a:pPr>
+              <a:buNone/>
+            </a:pPr>
+            <a:endParaRPr lang="pt-BR" sz="2000" dirty="0">
+              <a:cs typeface="Calibri"/>
+            </a:endParaRPr>
+          </a:p>
+          <a:p>
+            <a:pPr>
+              <a:buNone/>
+            </a:pPr>
+            <a:endParaRPr lang="pt-BR" sz="2000" dirty="0">
+              <a:ea typeface="+mn-lt"/>
+              <a:cs typeface="+mn-lt"/>
+            </a:endParaRPr>
+          </a:p>
+          <a:p>
+            <a:pPr>
+              <a:buNone/>
+            </a:pPr>
+            <a:endParaRPr lang="pt-BR" sz="2000" b="1" dirty="0">
+              <a:ea typeface="+mn-lt"/>
+              <a:cs typeface="+mn-lt"/>
+            </a:endParaRPr>
+          </a:p>
+          <a:p>
+            <a:pPr>
+              <a:buNone/>
+            </a:pPr>
+            <a:endParaRPr lang="pt-BR" sz="2000" dirty="0">
+              <a:cs typeface="Calibri"/>
+            </a:endParaRPr>
+          </a:p>
+          <a:p>
+            <a:pPr>
+              <a:buNone/>
+            </a:pPr>
+            <a:endParaRPr lang="pt-BR" sz="2000" dirty="0">
+              <a:cs typeface="Calibri"/>
+            </a:endParaRPr>
+          </a:p>
+          <a:p>
+            <a:pPr>
+              <a:buNone/>
+            </a:pPr>
+            <a:endParaRPr lang="pt-BR" sz="2000" dirty="0">
+              <a:cs typeface="Calibri"/>
+            </a:endParaRPr>
+          </a:p>
+          <a:p>
+            <a:pPr>
+              <a:buNone/>
+            </a:pPr>
+            <a:endParaRPr lang="pt-BR" sz="2000" dirty="0">
+              <a:cs typeface="Calibri"/>
+            </a:endParaRPr>
+          </a:p>
+          <a:p>
+            <a:pPr>
+              <a:buNone/>
+            </a:pPr>
+            <a:endParaRPr lang="pt-BR" sz="2000" dirty="0">
+              <a:cs typeface="Calibri"/>
+            </a:endParaRPr>
+          </a:p>
+          <a:p>
+            <a:pPr>
+              <a:buNone/>
+            </a:pPr>
+            <a:endParaRPr lang="pt-BR" sz="2000">
+              <a:cs typeface="Calibri"/>
+            </a:endParaRPr>
+          </a:p>
+          <a:p>
+            <a:pPr>
+              <a:buNone/>
+            </a:pPr>
+            <a:endParaRPr lang="pt-BR" sz="2000">
+              <a:cs typeface="Calibri"/>
+            </a:endParaRPr>
+          </a:p>
+          <a:p>
+            <a:pPr>
+              <a:buNone/>
+            </a:pPr>
+            <a:endParaRPr lang="pt-BR" sz="2000">
+              <a:cs typeface="Calibri"/>
+            </a:endParaRPr>
+          </a:p>
+          <a:p>
+            <a:pPr>
+              <a:buNone/>
+            </a:pPr>
+            <a:endParaRPr lang="pt-BR" sz="2000">
+              <a:cs typeface="Calibri"/>
+            </a:endParaRPr>
+          </a:p>
+          <a:p>
+            <a:pPr>
+              <a:buNone/>
+            </a:pPr>
+            <a:endParaRPr lang="pt-BR" sz="2000">
+              <a:cs typeface="Calibri"/>
+            </a:endParaRPr>
+          </a:p>
+          <a:p>
+            <a:pPr marL="0" indent="0">
+              <a:buNone/>
+            </a:pPr>
+            <a:endParaRPr lang="pt-BR" sz="2000">
+              <a:cs typeface="Calibri"/>
+            </a:endParaRPr>
+          </a:p>
+          <a:p>
+            <a:endParaRPr lang="pt-BR" sz="2000">
+              <a:cs typeface="Calibri"/>
+            </a:endParaRPr>
+          </a:p>
+        </p:txBody>
+      </p:sp>
+      <p:sp>
+        <p:nvSpPr>
+          <p:cNvPr id="41" name="Rectangle 40">
+            <a:extLst>
+              <a:ext uri="{FF2B5EF4-FFF2-40B4-BE49-F238E27FC236}">
+                <a16:creationId xmlns:a16="http://schemas.microsoft.com/office/drawing/2014/main" id="{2E80C965-DB6D-4F81-9E9E-B027384D0BD6}"/>
+              </a:ext>
+              <a:ext uri="{C183D7F6-B498-43B3-948B-1728B52AA6E4}">
+                <adec:decorative xmlns:adec="http://schemas.microsoft.com/office/drawing/2017/decorative" val="1"/>
+              </a:ext>
+            </a:extLst>
+          </p:cNvPr>
+          <p:cNvSpPr>
+            <a:spLocks noGrp="1" noRot="1" noChangeAspect="1" noMove="1" noResize="1" noEditPoints="1" noAdjustHandles="1" noChangeArrowheads="1" noChangeShapeType="1" noTextEdit="1"/>
+          </p:cNvSpPr>
+          <p:nvPr>
+            <p:extLst>
+              <p:ext uri="{386F3935-93C4-4BCD-93E2-E3B085C9AB24}">
+                <p16:designElem xmlns:p16="http://schemas.microsoft.com/office/powerpoint/2015/main" val="1"/>
+              </p:ext>
+            </p:extLst>
+          </p:nvPr>
+        </p:nvSpPr>
+        <p:spPr>
+          <a:xfrm rot="2700000">
+            <a:off x="11052629" y="2120024"/>
+            <a:ext cx="645368" cy="645368"/>
+          </a:xfrm>
+          <a:prstGeom prst="rect">
+            <a:avLst/>
+          </a:prstGeom>
+          <a:solidFill>
+            <a:schemeClr val="accent4">
+              <a:alpha val="30000"/>
+            </a:schemeClr>
+          </a:solidFill>
+          <a:ln>
+            <a:noFill/>
+          </a:ln>
+        </p:spPr>
+        <p:style>
+          <a:lnRef idx="2">
+            <a:schemeClr val="accent1">
+              <a:shade val="50000"/>
+            </a:schemeClr>
+          </a:lnRef>
+          <a:fillRef idx="1">
+            <a:schemeClr val="accent1"/>
+          </a:fillRef>
+          <a:effectRef idx="0">
+            <a:schemeClr val="accent1"/>
+          </a:effectRef>
+          <a:fontRef idx="minor">
+            <a:schemeClr val="lt1"/>
+          </a:fontRef>
+        </p:style>
+        <p:txBody>
+          <a:bodyPr rtlCol="0" anchor="ctr"/>
+          <a:lstStyle/>
+          <a:p>
+            <a:pPr algn="ctr"/>
+            <a:endParaRPr lang="en-US"/>
+          </a:p>
+        </p:txBody>
+      </p:sp>
+      <p:sp>
+        <p:nvSpPr>
+          <p:cNvPr id="43" name="Isosceles Triangle 42">
+            <a:extLst>
+              <a:ext uri="{FF2B5EF4-FFF2-40B4-BE49-F238E27FC236}">
+                <a16:creationId xmlns:a16="http://schemas.microsoft.com/office/drawing/2014/main" id="{A580F890-B085-4E95-96AA-55AEBEC5CE6E}"/>
+              </a:ext>
+              <a:ext uri="{C183D7F6-B498-43B3-948B-1728B52AA6E4}">
+                <adec:decorative xmlns:adec="http://schemas.microsoft.com/office/drawing/2017/decorative" val="1"/>
+              </a:ext>
+            </a:extLst>
+          </p:cNvPr>
+          <p:cNvSpPr>
+            <a:spLocks noGrp="1" noRot="1" noChangeAspect="1" noMove="1" noResize="1" noEditPoints="1" noAdjustHandles="1" noChangeArrowheads="1" noChangeShapeType="1" noTextEdit="1"/>
+          </p:cNvSpPr>
+          <p:nvPr>
+            <p:extLst>
+              <p:ext uri="{386F3935-93C4-4BCD-93E2-E3B085C9AB24}">
+                <p16:designElem xmlns:p16="http://schemas.microsoft.com/office/powerpoint/2015/main" val="1"/>
+              </p:ext>
+            </p:extLst>
+          </p:nvPr>
+        </p:nvSpPr>
+        <p:spPr>
+          <a:xfrm rot="16200000">
+            <a:off x="10289068" y="1343027"/>
+            <a:ext cx="2532832" cy="1273032"/>
+          </a:xfrm>
+          <a:prstGeom prst="triangle">
+            <a:avLst>
+              <a:gd name="adj" fmla="val 50000"/>
+            </a:avLst>
+          </a:prstGeom>
+          <a:solidFill>
+            <a:schemeClr val="accent4">
+              <a:alpha val="30000"/>
+            </a:schemeClr>
+          </a:solidFill>
+          <a:ln>
+            <a:noFill/>
+          </a:ln>
+        </p:spPr>
+        <p:style>
+          <a:lnRef idx="2">
+            <a:schemeClr val="accent1">
+              <a:shade val="50000"/>
+            </a:schemeClr>
+          </a:lnRef>
+          <a:fillRef idx="1">
+            <a:schemeClr val="accent1"/>
+          </a:fillRef>
+          <a:effectRef idx="0">
+            <a:schemeClr val="accent1"/>
+          </a:effectRef>
+          <a:fontRef idx="minor">
+            <a:schemeClr val="lt1"/>
+          </a:fontRef>
+        </p:style>
+        <p:txBody>
+          <a:bodyPr rtlCol="0" anchor="ctr"/>
+          <a:lstStyle/>
+          <a:p>
+            <a:pPr algn="ctr"/>
+            <a:endParaRPr lang="en-US"/>
+          </a:p>
+        </p:txBody>
+      </p:sp>
+      <p:sp>
+        <p:nvSpPr>
+          <p:cNvPr id="45" name="Isosceles Triangle 44">
+            <a:extLst>
+              <a:ext uri="{FF2B5EF4-FFF2-40B4-BE49-F238E27FC236}">
+                <a16:creationId xmlns:a16="http://schemas.microsoft.com/office/drawing/2014/main" id="{D3F51FEB-38FB-4F6C-9F7B-2F2AFAB65463}"/>
+              </a:ext>
+              <a:ext uri="{C183D7F6-B498-43B3-948B-1728B52AA6E4}">
+                <adec:decorative xmlns:adec="http://schemas.microsoft.com/office/drawing/2017/decorative" val="1"/>
+              </a:ext>
+            </a:extLst>
+          </p:cNvPr>
+          <p:cNvSpPr>
+            <a:spLocks noGrp="1" noRot="1" noChangeAspect="1" noMove="1" noResize="1" noEditPoints="1" noAdjustHandles="1" noChangeArrowheads="1" noChangeShapeType="1" noTextEdit="1"/>
+          </p:cNvSpPr>
+          <p:nvPr>
+            <p:extLst>
+              <p:ext uri="{386F3935-93C4-4BCD-93E2-E3B085C9AB24}">
+                <p16:designElem xmlns:p16="http://schemas.microsoft.com/office/powerpoint/2015/main" val="1"/>
+              </p:ext>
+            </p:extLst>
+          </p:nvPr>
+        </p:nvSpPr>
+        <p:spPr>
+          <a:xfrm rot="5400000">
+            <a:off x="-501760" y="5103257"/>
+            <a:ext cx="2017580" cy="1014060"/>
+          </a:xfrm>
+          <a:prstGeom prst="triangle">
+            <a:avLst>
+              <a:gd name="adj" fmla="val 50000"/>
+            </a:avLst>
+          </a:prstGeom>
+          <a:solidFill>
+            <a:schemeClr val="accent1">
+              <a:alpha val="30000"/>
+            </a:schemeClr>
+          </a:solidFill>
+          <a:ln>
+            <a:noFill/>
+          </a:ln>
+        </p:spPr>
+        <p:style>
+          <a:lnRef idx="2">
+            <a:schemeClr val="accent1">
+              <a:shade val="50000"/>
+            </a:schemeClr>
+          </a:lnRef>
+          <a:fillRef idx="1">
+            <a:schemeClr val="accent1"/>
+          </a:fillRef>
+          <a:effectRef idx="0">
+            <a:schemeClr val="accent1"/>
+          </a:effectRef>
+          <a:fontRef idx="minor">
+            <a:schemeClr val="lt1"/>
+          </a:fontRef>
+        </p:style>
+        <p:txBody>
+          <a:bodyPr wrap="square" rtlCol="0" anchor="ctr">
+            <a:noAutofit/>
+          </a:bodyPr>
+          <a:lstStyle/>
+          <a:p>
+            <a:pPr algn="ctr"/>
+            <a:endParaRPr lang="en-US"/>
+          </a:p>
+        </p:txBody>
+      </p:sp>
+      <p:sp>
+        <p:nvSpPr>
+          <p:cNvPr id="47" name="Rectangle 46">
+            <a:extLst>
+              <a:ext uri="{FF2B5EF4-FFF2-40B4-BE49-F238E27FC236}">
+                <a16:creationId xmlns:a16="http://schemas.microsoft.com/office/drawing/2014/main" id="{1E547BA6-BAE0-43BB-A7CA-60F69CE252F0}"/>
+              </a:ext>
+              <a:ext uri="{C183D7F6-B498-43B3-948B-1728B52AA6E4}">
+                <adec:decorative xmlns:adec="http://schemas.microsoft.com/office/drawing/2017/decorative" val="1"/>
+              </a:ext>
+            </a:extLst>
+          </p:cNvPr>
+          <p:cNvSpPr>
+            <a:spLocks noGrp="1" noRot="1" noChangeAspect="1" noMove="1" noResize="1" noEditPoints="1" noAdjustHandles="1" noChangeArrowheads="1" noChangeShapeType="1" noTextEdit="1"/>
+          </p:cNvSpPr>
+          <p:nvPr>
+            <p:extLst>
+              <p:ext uri="{386F3935-93C4-4BCD-93E2-E3B085C9AB24}">
+                <p16:designElem xmlns:p16="http://schemas.microsoft.com/office/powerpoint/2015/main" val="1"/>
+              </p:ext>
+            </p:extLst>
+          </p:nvPr>
+        </p:nvSpPr>
+        <p:spPr>
+          <a:xfrm rot="2700000">
+            <a:off x="427916" y="5728708"/>
+            <a:ext cx="485578" cy="485578"/>
+          </a:xfrm>
+          <a:prstGeom prst="rect">
+            <a:avLst/>
+          </a:prstGeom>
+          <a:solidFill>
+            <a:schemeClr val="accent1">
+              <a:alpha val="30000"/>
+            </a:schemeClr>
+          </a:solidFill>
+          <a:ln>
+            <a:noFill/>
+          </a:ln>
+        </p:spPr>
+        <p:style>
+          <a:lnRef idx="2">
+            <a:schemeClr val="accent1">
+              <a:shade val="50000"/>
+            </a:schemeClr>
+          </a:lnRef>
+          <a:fillRef idx="1">
+            <a:schemeClr val="accent1"/>
+          </a:fillRef>
+          <a:effectRef idx="0">
+            <a:schemeClr val="accent1"/>
+          </a:effectRef>
+          <a:fontRef idx="minor">
+            <a:schemeClr val="lt1"/>
+          </a:fontRef>
+        </p:style>
+        <p:txBody>
+          <a:bodyPr wrap="square" rtlCol="0" anchor="ctr">
+            <a:noAutofit/>
+          </a:bodyPr>
+          <a:lstStyle/>
+          <a:p>
+            <a:pPr algn="ctr"/>
+            <a:endParaRPr lang="en-US"/>
+          </a:p>
+        </p:txBody>
+      </p:sp>
+    </p:spTree>
+    <p:extLst>
+      <p:ext uri="{BB962C8B-B14F-4D97-AF65-F5344CB8AC3E}">
+        <p14:creationId xmlns:p14="http://schemas.microsoft.com/office/powerpoint/2010/main" val="2364327172"/>
+      </p:ext>
+    </p:extLst>
+  </p:cSld>
+  <p:clrMapOvr>
+    <a:masterClrMapping/>
+  </p:clrMapOvr>
+</p:sld>
+</file>
+
+<file path=ppt/slides/slide32.xml><?xml version="1.0" encoding="utf-8"?>
+<p:sld xmlns:a="http://schemas.openxmlformats.org/drawingml/2006/main" xmlns:r="http://schemas.openxmlformats.org/officeDocument/2006/relationships" xmlns:p="http://schemas.openxmlformats.org/presentationml/2006/main">
+  <p:cSld>
+    <p:bg>
+      <p:bgPr>
+        <a:solidFill>
+          <a:schemeClr val="bg1"/>
+        </a:solidFill>
+        <a:effectLst/>
+      </p:bgPr>
+    </p:bg>
+    <p:spTree>
+      <p:nvGrpSpPr>
+        <p:cNvPr id="1" name=""/>
+        <p:cNvGrpSpPr/>
+        <p:nvPr/>
+      </p:nvGrpSpPr>
+      <p:grpSpPr>
+        <a:xfrm>
+          <a:off x="0" y="0"/>
+          <a:ext cx="0" cy="0"/>
+          <a:chOff x="0" y="0"/>
+          <a:chExt cx="0" cy="0"/>
+        </a:xfrm>
+      </p:grpSpPr>
+      <p:sp>
+        <p:nvSpPr>
+          <p:cNvPr id="39" name="Rectangle 38">
+            <a:extLst>
+              <a:ext uri="{FF2B5EF4-FFF2-40B4-BE49-F238E27FC236}">
+                <a16:creationId xmlns:a16="http://schemas.microsoft.com/office/drawing/2014/main" id="{2B566528-1B12-4246-9431-5C2D7D081168}"/>
+              </a:ext>
+              <a:ext uri="{C183D7F6-B498-43B3-948B-1728B52AA6E4}">
+                <adec:decorative xmlns:adec="http://schemas.microsoft.com/office/drawing/2017/decorative" val="1"/>
+              </a:ext>
+            </a:extLst>
+          </p:cNvPr>
+          <p:cNvSpPr>
+            <a:spLocks noGrp="1" noRot="1" noChangeAspect="1" noMove="1" noResize="1" noEditPoints="1" noAdjustHandles="1" noChangeArrowheads="1" noChangeShapeType="1" noTextEdit="1"/>
+          </p:cNvSpPr>
+          <p:nvPr>
+            <p:extLst>
+              <p:ext uri="{386F3935-93C4-4BCD-93E2-E3B085C9AB24}">
+                <p16:designElem xmlns:p16="http://schemas.microsoft.com/office/powerpoint/2015/main" val="1"/>
+              </p:ext>
+            </p:extLst>
+          </p:nvPr>
+        </p:nvSpPr>
+        <p:spPr>
+          <a:xfrm>
+            <a:off x="0" y="0"/>
+            <a:ext cx="12192000" cy="6858000"/>
+          </a:xfrm>
+          <a:prstGeom prst="rect">
+            <a:avLst/>
+          </a:prstGeom>
+          <a:solidFill>
+            <a:schemeClr val="bg1"/>
+          </a:solidFill>
+          <a:ln>
+            <a:noFill/>
+          </a:ln>
+        </p:spPr>
+        <p:style>
+          <a:lnRef idx="2">
+            <a:schemeClr val="accent1">
+              <a:shade val="50000"/>
+            </a:schemeClr>
+          </a:lnRef>
+          <a:fillRef idx="1">
+            <a:schemeClr val="accent1"/>
+          </a:fillRef>
+          <a:effectRef idx="0">
+            <a:schemeClr val="accent1"/>
+          </a:effectRef>
+          <a:fontRef idx="minor">
+            <a:schemeClr val="lt1"/>
+          </a:fontRef>
+        </p:style>
+        <p:txBody>
+          <a:bodyPr rtlCol="0" anchor="ctr"/>
+          <a:lstStyle/>
+          <a:p>
+            <a:pPr algn="ctr"/>
+            <a:endParaRPr lang="en-US"/>
+          </a:p>
+        </p:txBody>
+      </p:sp>
+      <p:sp>
+        <p:nvSpPr>
+          <p:cNvPr id="2" name="Título 1">
+            <a:extLst>
+              <a:ext uri="{FF2B5EF4-FFF2-40B4-BE49-F238E27FC236}">
+                <a16:creationId xmlns:a16="http://schemas.microsoft.com/office/drawing/2014/main" id="{46991FFA-5E35-051D-3B8C-8962250E1C9A}"/>
+              </a:ext>
+            </a:extLst>
+          </p:cNvPr>
+          <p:cNvSpPr>
+            <a:spLocks noGrp="1"/>
+          </p:cNvSpPr>
+          <p:nvPr>
+            <p:ph type="title"/>
+          </p:nvPr>
+        </p:nvSpPr>
+        <p:spPr>
+          <a:xfrm>
+            <a:off x="643467" y="321734"/>
+            <a:ext cx="10905066" cy="1135737"/>
+          </a:xfrm>
+        </p:spPr>
+        <p:txBody>
+          <a:bodyPr>
+            <a:normAutofit/>
+          </a:bodyPr>
+          <a:lstStyle/>
+          <a:p>
+            <a:r>
+              <a:rPr lang="pt-BR" sz="3600" b="1" dirty="0">
+                <a:ea typeface="+mj-lt"/>
+                <a:cs typeface="+mj-lt"/>
+              </a:rPr>
+              <a:t>4.4 Monitorar e Controlar o trabalho do projeto</a:t>
+            </a:r>
+            <a:endParaRPr lang="pt-BR" dirty="0">
+              <a:ea typeface="+mj-lt"/>
+              <a:cs typeface="+mj-lt"/>
+            </a:endParaRPr>
+          </a:p>
+        </p:txBody>
+      </p:sp>
+      <p:sp>
+        <p:nvSpPr>
+          <p:cNvPr id="3" name="Espaço Reservado para Conteúdo 2">
+            <a:extLst>
+              <a:ext uri="{FF2B5EF4-FFF2-40B4-BE49-F238E27FC236}">
+                <a16:creationId xmlns:a16="http://schemas.microsoft.com/office/drawing/2014/main" id="{1F560DD4-1938-249D-D353-6A108002A6DE}"/>
+              </a:ext>
+            </a:extLst>
+          </p:cNvPr>
+          <p:cNvSpPr>
+            <a:spLocks noGrp="1"/>
+          </p:cNvSpPr>
+          <p:nvPr>
+            <p:ph idx="1"/>
+          </p:nvPr>
+        </p:nvSpPr>
+        <p:spPr>
+          <a:xfrm>
+            <a:off x="657844" y="1610453"/>
+            <a:ext cx="10890689" cy="4566510"/>
+          </a:xfrm>
+        </p:spPr>
+        <p:txBody>
+          <a:bodyPr vert="horz" lIns="91440" tIns="45720" rIns="91440" bIns="45720" rtlCol="0" anchor="t">
+            <a:normAutofit/>
+          </a:bodyPr>
+          <a:lstStyle/>
+          <a:p>
+            <a:pPr>
+              <a:buNone/>
+            </a:pPr>
+            <a:r>
+              <a:rPr lang="pt-BR" sz="2000" dirty="0">
+                <a:ea typeface="+mn-lt"/>
+                <a:cs typeface="+mn-lt"/>
+              </a:rPr>
+              <a:t>Inclui a coleta, medição e disseminação das informações sobre o desempenho e a avaliação das medições e tendências para efetuar melhorias no processo.</a:t>
+            </a:r>
+            <a:endParaRPr lang="pt-BR" dirty="0">
+              <a:ea typeface="+mn-lt"/>
+              <a:cs typeface="+mn-lt"/>
+            </a:endParaRPr>
+          </a:p>
+          <a:p>
+            <a:pPr>
+              <a:buNone/>
+            </a:pPr>
+            <a:r>
+              <a:rPr lang="pt-BR" sz="2000" dirty="0">
+                <a:ea typeface="+mn-lt"/>
+                <a:cs typeface="+mn-lt"/>
+              </a:rPr>
+              <a:t>O monitoramento contínuo permite que a equipe de gerenciamento de projetos tenha uma visão clara da saúde do projeto e identifica as áreas que exigem atenção especial.</a:t>
+            </a:r>
+            <a:endParaRPr lang="pt-BR" dirty="0">
+              <a:ea typeface="+mn-lt"/>
+              <a:cs typeface="+mn-lt"/>
+            </a:endParaRPr>
+          </a:p>
+          <a:p>
+            <a:pPr>
+              <a:buNone/>
+            </a:pPr>
+            <a:endParaRPr lang="pt-BR" sz="2000" dirty="0">
+              <a:ea typeface="+mn-lt"/>
+              <a:cs typeface="+mn-lt"/>
+            </a:endParaRPr>
+          </a:p>
+          <a:p>
+            <a:pPr>
+              <a:buNone/>
+            </a:pPr>
+            <a:endParaRPr lang="pt-BR" sz="2000" dirty="0">
+              <a:ea typeface="+mn-lt"/>
+              <a:cs typeface="+mn-lt"/>
+            </a:endParaRPr>
+          </a:p>
+          <a:p>
+            <a:pPr>
+              <a:buNone/>
+            </a:pPr>
+            <a:endParaRPr lang="pt-BR" sz="2000" dirty="0">
+              <a:cs typeface="Calibri"/>
+            </a:endParaRPr>
+          </a:p>
+          <a:p>
+            <a:pPr>
+              <a:buNone/>
+            </a:pPr>
+            <a:endParaRPr lang="pt-BR" sz="2000" dirty="0">
+              <a:cs typeface="Calibri"/>
+            </a:endParaRPr>
+          </a:p>
+          <a:p>
+            <a:pPr>
+              <a:buNone/>
+            </a:pPr>
+            <a:endParaRPr lang="pt-BR" sz="2000" dirty="0">
+              <a:ea typeface="+mn-lt"/>
+              <a:cs typeface="+mn-lt"/>
+            </a:endParaRPr>
+          </a:p>
+          <a:p>
+            <a:pPr>
+              <a:buNone/>
+            </a:pPr>
+            <a:endParaRPr lang="pt-BR" sz="2000" b="1" dirty="0">
+              <a:ea typeface="+mn-lt"/>
+              <a:cs typeface="+mn-lt"/>
+            </a:endParaRPr>
+          </a:p>
+          <a:p>
+            <a:pPr>
+              <a:buNone/>
+            </a:pPr>
+            <a:endParaRPr lang="pt-BR" sz="2000" dirty="0">
+              <a:cs typeface="Calibri"/>
+            </a:endParaRPr>
+          </a:p>
+          <a:p>
+            <a:pPr>
+              <a:buNone/>
+            </a:pPr>
+            <a:endParaRPr lang="pt-BR" sz="2000" dirty="0">
+              <a:cs typeface="Calibri"/>
+            </a:endParaRPr>
+          </a:p>
+          <a:p>
+            <a:pPr>
+              <a:buNone/>
+            </a:pPr>
+            <a:endParaRPr lang="pt-BR" sz="2000" dirty="0">
+              <a:cs typeface="Calibri"/>
+            </a:endParaRPr>
+          </a:p>
+          <a:p>
+            <a:pPr>
+              <a:buNone/>
+            </a:pPr>
+            <a:endParaRPr lang="pt-BR" sz="2000" dirty="0">
+              <a:cs typeface="Calibri"/>
+            </a:endParaRPr>
+          </a:p>
+          <a:p>
+            <a:pPr>
+              <a:buNone/>
+            </a:pPr>
+            <a:endParaRPr lang="pt-BR" sz="2000" dirty="0">
+              <a:cs typeface="Calibri"/>
+            </a:endParaRPr>
+          </a:p>
+          <a:p>
+            <a:pPr>
+              <a:buNone/>
+            </a:pPr>
+            <a:endParaRPr lang="pt-BR" sz="2000">
+              <a:cs typeface="Calibri"/>
+            </a:endParaRPr>
+          </a:p>
+          <a:p>
+            <a:pPr>
+              <a:buNone/>
+            </a:pPr>
+            <a:endParaRPr lang="pt-BR" sz="2000">
+              <a:cs typeface="Calibri"/>
+            </a:endParaRPr>
+          </a:p>
+          <a:p>
+            <a:pPr>
+              <a:buNone/>
+            </a:pPr>
+            <a:endParaRPr lang="pt-BR" sz="2000">
+              <a:cs typeface="Calibri"/>
+            </a:endParaRPr>
+          </a:p>
+          <a:p>
+            <a:pPr>
+              <a:buNone/>
+            </a:pPr>
+            <a:endParaRPr lang="pt-BR" sz="2000">
+              <a:cs typeface="Calibri"/>
+            </a:endParaRPr>
+          </a:p>
+          <a:p>
+            <a:pPr>
+              <a:buNone/>
+            </a:pPr>
+            <a:endParaRPr lang="pt-BR" sz="2000">
+              <a:cs typeface="Calibri"/>
+            </a:endParaRPr>
+          </a:p>
+          <a:p>
+            <a:pPr marL="0" indent="0">
+              <a:buNone/>
+            </a:pPr>
+            <a:endParaRPr lang="pt-BR" sz="2000">
+              <a:cs typeface="Calibri"/>
+            </a:endParaRPr>
+          </a:p>
+          <a:p>
+            <a:endParaRPr lang="pt-BR" sz="2000">
+              <a:cs typeface="Calibri"/>
+            </a:endParaRPr>
+          </a:p>
+        </p:txBody>
+      </p:sp>
+      <p:sp>
+        <p:nvSpPr>
+          <p:cNvPr id="41" name="Rectangle 40">
+            <a:extLst>
+              <a:ext uri="{FF2B5EF4-FFF2-40B4-BE49-F238E27FC236}">
+                <a16:creationId xmlns:a16="http://schemas.microsoft.com/office/drawing/2014/main" id="{2E80C965-DB6D-4F81-9E9E-B027384D0BD6}"/>
+              </a:ext>
+              <a:ext uri="{C183D7F6-B498-43B3-948B-1728B52AA6E4}">
+                <adec:decorative xmlns:adec="http://schemas.microsoft.com/office/drawing/2017/decorative" val="1"/>
+              </a:ext>
+            </a:extLst>
+          </p:cNvPr>
+          <p:cNvSpPr>
+            <a:spLocks noGrp="1" noRot="1" noChangeAspect="1" noMove="1" noResize="1" noEditPoints="1" noAdjustHandles="1" noChangeArrowheads="1" noChangeShapeType="1" noTextEdit="1"/>
+          </p:cNvSpPr>
+          <p:nvPr>
+            <p:extLst>
+              <p:ext uri="{386F3935-93C4-4BCD-93E2-E3B085C9AB24}">
+                <p16:designElem xmlns:p16="http://schemas.microsoft.com/office/powerpoint/2015/main" val="1"/>
+              </p:ext>
+            </p:extLst>
+          </p:nvPr>
+        </p:nvSpPr>
+        <p:spPr>
+          <a:xfrm rot="2700000">
+            <a:off x="11052629" y="2120024"/>
+            <a:ext cx="645368" cy="645368"/>
+          </a:xfrm>
+          <a:prstGeom prst="rect">
+            <a:avLst/>
+          </a:prstGeom>
+          <a:solidFill>
+            <a:schemeClr val="accent4">
+              <a:alpha val="30000"/>
+            </a:schemeClr>
+          </a:solidFill>
+          <a:ln>
+            <a:noFill/>
+          </a:ln>
+        </p:spPr>
+        <p:style>
+          <a:lnRef idx="2">
+            <a:schemeClr val="accent1">
+              <a:shade val="50000"/>
+            </a:schemeClr>
+          </a:lnRef>
+          <a:fillRef idx="1">
+            <a:schemeClr val="accent1"/>
+          </a:fillRef>
+          <a:effectRef idx="0">
+            <a:schemeClr val="accent1"/>
+          </a:effectRef>
+          <a:fontRef idx="minor">
+            <a:schemeClr val="lt1"/>
+          </a:fontRef>
+        </p:style>
+        <p:txBody>
+          <a:bodyPr rtlCol="0" anchor="ctr"/>
+          <a:lstStyle/>
+          <a:p>
+            <a:pPr algn="ctr"/>
+            <a:endParaRPr lang="en-US"/>
+          </a:p>
+        </p:txBody>
+      </p:sp>
+      <p:sp>
+        <p:nvSpPr>
+          <p:cNvPr id="43" name="Isosceles Triangle 42">
+            <a:extLst>
+              <a:ext uri="{FF2B5EF4-FFF2-40B4-BE49-F238E27FC236}">
+                <a16:creationId xmlns:a16="http://schemas.microsoft.com/office/drawing/2014/main" id="{A580F890-B085-4E95-96AA-55AEBEC5CE6E}"/>
+              </a:ext>
+              <a:ext uri="{C183D7F6-B498-43B3-948B-1728B52AA6E4}">
+                <adec:decorative xmlns:adec="http://schemas.microsoft.com/office/drawing/2017/decorative" val="1"/>
+              </a:ext>
+            </a:extLst>
+          </p:cNvPr>
+          <p:cNvSpPr>
+            <a:spLocks noGrp="1" noRot="1" noChangeAspect="1" noMove="1" noResize="1" noEditPoints="1" noAdjustHandles="1" noChangeArrowheads="1" noChangeShapeType="1" noTextEdit="1"/>
+          </p:cNvSpPr>
+          <p:nvPr>
+            <p:extLst>
+              <p:ext uri="{386F3935-93C4-4BCD-93E2-E3B085C9AB24}">
+                <p16:designElem xmlns:p16="http://schemas.microsoft.com/office/powerpoint/2015/main" val="1"/>
+              </p:ext>
+            </p:extLst>
+          </p:nvPr>
+        </p:nvSpPr>
+        <p:spPr>
+          <a:xfrm rot="16200000">
+            <a:off x="10289068" y="1343027"/>
+            <a:ext cx="2532832" cy="1273032"/>
+          </a:xfrm>
+          <a:prstGeom prst="triangle">
+            <a:avLst>
+              <a:gd name="adj" fmla="val 50000"/>
+            </a:avLst>
+          </a:prstGeom>
+          <a:solidFill>
+            <a:schemeClr val="accent4">
+              <a:alpha val="30000"/>
+            </a:schemeClr>
+          </a:solidFill>
+          <a:ln>
+            <a:noFill/>
+          </a:ln>
+        </p:spPr>
+        <p:style>
+          <a:lnRef idx="2">
+            <a:schemeClr val="accent1">
+              <a:shade val="50000"/>
+            </a:schemeClr>
+          </a:lnRef>
+          <a:fillRef idx="1">
+            <a:schemeClr val="accent1"/>
+          </a:fillRef>
+          <a:effectRef idx="0">
+            <a:schemeClr val="accent1"/>
+          </a:effectRef>
+          <a:fontRef idx="minor">
+            <a:schemeClr val="lt1"/>
+          </a:fontRef>
+        </p:style>
+        <p:txBody>
+          <a:bodyPr rtlCol="0" anchor="ctr"/>
+          <a:lstStyle/>
+          <a:p>
+            <a:pPr algn="ctr"/>
+            <a:endParaRPr lang="en-US"/>
+          </a:p>
+        </p:txBody>
+      </p:sp>
+      <p:sp>
+        <p:nvSpPr>
+          <p:cNvPr id="45" name="Isosceles Triangle 44">
+            <a:extLst>
+              <a:ext uri="{FF2B5EF4-FFF2-40B4-BE49-F238E27FC236}">
+                <a16:creationId xmlns:a16="http://schemas.microsoft.com/office/drawing/2014/main" id="{D3F51FEB-38FB-4F6C-9F7B-2F2AFAB65463}"/>
+              </a:ext>
+              <a:ext uri="{C183D7F6-B498-43B3-948B-1728B52AA6E4}">
+                <adec:decorative xmlns:adec="http://schemas.microsoft.com/office/drawing/2017/decorative" val="1"/>
+              </a:ext>
+            </a:extLst>
+          </p:cNvPr>
+          <p:cNvSpPr>
+            <a:spLocks noGrp="1" noRot="1" noChangeAspect="1" noMove="1" noResize="1" noEditPoints="1" noAdjustHandles="1" noChangeArrowheads="1" noChangeShapeType="1" noTextEdit="1"/>
+          </p:cNvSpPr>
+          <p:nvPr>
+            <p:extLst>
+              <p:ext uri="{386F3935-93C4-4BCD-93E2-E3B085C9AB24}">
+                <p16:designElem xmlns:p16="http://schemas.microsoft.com/office/powerpoint/2015/main" val="1"/>
+              </p:ext>
+            </p:extLst>
+          </p:nvPr>
+        </p:nvSpPr>
+        <p:spPr>
+          <a:xfrm rot="5400000">
+            <a:off x="-501760" y="5103257"/>
+            <a:ext cx="2017580" cy="1014060"/>
+          </a:xfrm>
+          <a:prstGeom prst="triangle">
+            <a:avLst>
+              <a:gd name="adj" fmla="val 50000"/>
+            </a:avLst>
+          </a:prstGeom>
+          <a:solidFill>
+            <a:schemeClr val="accent1">
+              <a:alpha val="30000"/>
+            </a:schemeClr>
+          </a:solidFill>
+          <a:ln>
+            <a:noFill/>
+          </a:ln>
+        </p:spPr>
+        <p:style>
+          <a:lnRef idx="2">
+            <a:schemeClr val="accent1">
+              <a:shade val="50000"/>
+            </a:schemeClr>
+          </a:lnRef>
+          <a:fillRef idx="1">
+            <a:schemeClr val="accent1"/>
+          </a:fillRef>
+          <a:effectRef idx="0">
+            <a:schemeClr val="accent1"/>
+          </a:effectRef>
+          <a:fontRef idx="minor">
+            <a:schemeClr val="lt1"/>
+          </a:fontRef>
+        </p:style>
+        <p:txBody>
+          <a:bodyPr wrap="square" rtlCol="0" anchor="ctr">
+            <a:noAutofit/>
+          </a:bodyPr>
+          <a:lstStyle/>
+          <a:p>
+            <a:pPr algn="ctr"/>
+            <a:endParaRPr lang="en-US"/>
+          </a:p>
+        </p:txBody>
+      </p:sp>
+      <p:sp>
+        <p:nvSpPr>
+          <p:cNvPr id="47" name="Rectangle 46">
+            <a:extLst>
+              <a:ext uri="{FF2B5EF4-FFF2-40B4-BE49-F238E27FC236}">
+                <a16:creationId xmlns:a16="http://schemas.microsoft.com/office/drawing/2014/main" id="{1E547BA6-BAE0-43BB-A7CA-60F69CE252F0}"/>
+              </a:ext>
+              <a:ext uri="{C183D7F6-B498-43B3-948B-1728B52AA6E4}">
+                <adec:decorative xmlns:adec="http://schemas.microsoft.com/office/drawing/2017/decorative" val="1"/>
+              </a:ext>
+            </a:extLst>
+          </p:cNvPr>
+          <p:cNvSpPr>
+            <a:spLocks noGrp="1" noRot="1" noChangeAspect="1" noMove="1" noResize="1" noEditPoints="1" noAdjustHandles="1" noChangeArrowheads="1" noChangeShapeType="1" noTextEdit="1"/>
+          </p:cNvSpPr>
+          <p:nvPr>
+            <p:extLst>
+              <p:ext uri="{386F3935-93C4-4BCD-93E2-E3B085C9AB24}">
+                <p16:designElem xmlns:p16="http://schemas.microsoft.com/office/powerpoint/2015/main" val="1"/>
+              </p:ext>
+            </p:extLst>
+          </p:nvPr>
+        </p:nvSpPr>
+        <p:spPr>
+          <a:xfrm rot="2700000">
+            <a:off x="427916" y="5728708"/>
+            <a:ext cx="485578" cy="485578"/>
+          </a:xfrm>
+          <a:prstGeom prst="rect">
+            <a:avLst/>
+          </a:prstGeom>
+          <a:solidFill>
+            <a:schemeClr val="accent1">
+              <a:alpha val="30000"/>
+            </a:schemeClr>
+          </a:solidFill>
+          <a:ln>
+            <a:noFill/>
+          </a:ln>
+        </p:spPr>
+        <p:style>
+          <a:lnRef idx="2">
+            <a:schemeClr val="accent1">
+              <a:shade val="50000"/>
+            </a:schemeClr>
+          </a:lnRef>
+          <a:fillRef idx="1">
+            <a:schemeClr val="accent1"/>
+          </a:fillRef>
+          <a:effectRef idx="0">
+            <a:schemeClr val="accent1"/>
+          </a:effectRef>
+          <a:fontRef idx="minor">
+            <a:schemeClr val="lt1"/>
+          </a:fontRef>
+        </p:style>
+        <p:txBody>
+          <a:bodyPr wrap="square" rtlCol="0" anchor="ctr">
+            <a:noAutofit/>
+          </a:bodyPr>
+          <a:lstStyle/>
+          <a:p>
+            <a:pPr algn="ctr"/>
+            <a:endParaRPr lang="en-US"/>
+          </a:p>
+        </p:txBody>
+      </p:sp>
+    </p:spTree>
+    <p:extLst>
+      <p:ext uri="{BB962C8B-B14F-4D97-AF65-F5344CB8AC3E}">
+        <p14:creationId xmlns:p14="http://schemas.microsoft.com/office/powerpoint/2010/main" val="1872763776"/>
+      </p:ext>
+    </p:extLst>
+  </p:cSld>
+  <p:clrMapOvr>
+    <a:masterClrMapping/>
+  </p:clrMapOvr>
+</p:sld>
+</file>
+
+<file path=ppt/slides/slide33.xml><?xml version="1.0" encoding="utf-8"?>
+<p:sld xmlns:a="http://schemas.openxmlformats.org/drawingml/2006/main" xmlns:r="http://schemas.openxmlformats.org/officeDocument/2006/relationships" xmlns:p="http://schemas.openxmlformats.org/presentationml/2006/main">
+  <p:cSld>
+    <p:bg>
+      <p:bgPr>
+        <a:solidFill>
+          <a:schemeClr val="bg1"/>
+        </a:solidFill>
+        <a:effectLst/>
+      </p:bgPr>
+    </p:bg>
+    <p:spTree>
+      <p:nvGrpSpPr>
+        <p:cNvPr id="1" name=""/>
+        <p:cNvGrpSpPr/>
+        <p:nvPr/>
+      </p:nvGrpSpPr>
+      <p:grpSpPr>
+        <a:xfrm>
+          <a:off x="0" y="0"/>
+          <a:ext cx="0" cy="0"/>
+          <a:chOff x="0" y="0"/>
+          <a:chExt cx="0" cy="0"/>
+        </a:xfrm>
+      </p:grpSpPr>
+      <p:sp>
+        <p:nvSpPr>
+          <p:cNvPr id="39" name="Rectangle 38">
+            <a:extLst>
+              <a:ext uri="{FF2B5EF4-FFF2-40B4-BE49-F238E27FC236}">
+                <a16:creationId xmlns:a16="http://schemas.microsoft.com/office/drawing/2014/main" id="{2B566528-1B12-4246-9431-5C2D7D081168}"/>
+              </a:ext>
+              <a:ext uri="{C183D7F6-B498-43B3-948B-1728B52AA6E4}">
+                <adec:decorative xmlns:adec="http://schemas.microsoft.com/office/drawing/2017/decorative" val="1"/>
+              </a:ext>
+            </a:extLst>
+          </p:cNvPr>
+          <p:cNvSpPr>
+            <a:spLocks noGrp="1" noRot="1" noChangeAspect="1" noMove="1" noResize="1" noEditPoints="1" noAdjustHandles="1" noChangeArrowheads="1" noChangeShapeType="1" noTextEdit="1"/>
+          </p:cNvSpPr>
+          <p:nvPr>
+            <p:extLst>
+              <p:ext uri="{386F3935-93C4-4BCD-93E2-E3B085C9AB24}">
+                <p16:designElem xmlns:p16="http://schemas.microsoft.com/office/powerpoint/2015/main" val="1"/>
+              </p:ext>
+            </p:extLst>
+          </p:nvPr>
+        </p:nvSpPr>
+        <p:spPr>
+          <a:xfrm>
+            <a:off x="0" y="0"/>
+            <a:ext cx="12192000" cy="6858000"/>
+          </a:xfrm>
+          <a:prstGeom prst="rect">
+            <a:avLst/>
+          </a:prstGeom>
+          <a:solidFill>
+            <a:schemeClr val="bg1"/>
+          </a:solidFill>
+          <a:ln>
+            <a:noFill/>
+          </a:ln>
+        </p:spPr>
+        <p:style>
+          <a:lnRef idx="2">
+            <a:schemeClr val="accent1">
+              <a:shade val="50000"/>
+            </a:schemeClr>
+          </a:lnRef>
+          <a:fillRef idx="1">
+            <a:schemeClr val="accent1"/>
+          </a:fillRef>
+          <a:effectRef idx="0">
+            <a:schemeClr val="accent1"/>
+          </a:effectRef>
+          <a:fontRef idx="minor">
+            <a:schemeClr val="lt1"/>
+          </a:fontRef>
+        </p:style>
+        <p:txBody>
+          <a:bodyPr rtlCol="0" anchor="ctr"/>
+          <a:lstStyle/>
+          <a:p>
+            <a:pPr algn="ctr"/>
+            <a:endParaRPr lang="en-US"/>
+          </a:p>
+        </p:txBody>
+      </p:sp>
+      <p:sp>
+        <p:nvSpPr>
+          <p:cNvPr id="2" name="Título 1">
+            <a:extLst>
+              <a:ext uri="{FF2B5EF4-FFF2-40B4-BE49-F238E27FC236}">
+                <a16:creationId xmlns:a16="http://schemas.microsoft.com/office/drawing/2014/main" id="{46991FFA-5E35-051D-3B8C-8962250E1C9A}"/>
+              </a:ext>
+            </a:extLst>
+          </p:cNvPr>
+          <p:cNvSpPr>
+            <a:spLocks noGrp="1"/>
+          </p:cNvSpPr>
+          <p:nvPr>
+            <p:ph type="title"/>
+          </p:nvPr>
+        </p:nvSpPr>
+        <p:spPr>
+          <a:xfrm>
+            <a:off x="643467" y="321734"/>
+            <a:ext cx="10905066" cy="1135737"/>
+          </a:xfrm>
+        </p:spPr>
+        <p:txBody>
+          <a:bodyPr>
+            <a:normAutofit/>
+          </a:bodyPr>
+          <a:lstStyle/>
+          <a:p>
+            <a:r>
+              <a:rPr lang="pt-BR" sz="3600" b="1" dirty="0">
+                <a:ea typeface="+mj-lt"/>
+                <a:cs typeface="+mj-lt"/>
+              </a:rPr>
+              <a:t>4.4 Monitorar e Controlar o trabalho do projeto</a:t>
+            </a:r>
+            <a:endParaRPr lang="pt-BR" dirty="0">
+              <a:ea typeface="+mj-lt"/>
+              <a:cs typeface="+mj-lt"/>
+            </a:endParaRPr>
+          </a:p>
+        </p:txBody>
+      </p:sp>
+      <p:sp>
+        <p:nvSpPr>
+          <p:cNvPr id="3" name="Espaço Reservado para Conteúdo 2">
+            <a:extLst>
+              <a:ext uri="{FF2B5EF4-FFF2-40B4-BE49-F238E27FC236}">
+                <a16:creationId xmlns:a16="http://schemas.microsoft.com/office/drawing/2014/main" id="{1F560DD4-1938-249D-D353-6A108002A6DE}"/>
+              </a:ext>
+            </a:extLst>
+          </p:cNvPr>
+          <p:cNvSpPr>
+            <a:spLocks noGrp="1"/>
+          </p:cNvSpPr>
+          <p:nvPr>
+            <p:ph idx="1"/>
+          </p:nvPr>
+        </p:nvSpPr>
+        <p:spPr>
+          <a:xfrm>
+            <a:off x="657844" y="1610453"/>
+            <a:ext cx="10890689" cy="4566510"/>
+          </a:xfrm>
+        </p:spPr>
+        <p:txBody>
+          <a:bodyPr vert="horz" lIns="91440" tIns="45720" rIns="91440" bIns="45720" rtlCol="0" anchor="t">
+            <a:normAutofit/>
+          </a:bodyPr>
+          <a:lstStyle/>
+          <a:p>
+            <a:pPr>
+              <a:buNone/>
+            </a:pPr>
+            <a:r>
+              <a:rPr lang="pt-BR" sz="2000" dirty="0">
+                <a:ea typeface="+mn-lt"/>
+                <a:cs typeface="+mn-lt"/>
+              </a:rPr>
+              <a:t>Comparação do desempenho real do projeto com o plano de gerenciamento, determinando se são indicadas ações preventivas ou corretivas, e sua recomendação;</a:t>
+            </a:r>
+            <a:endParaRPr lang="pt-BR" dirty="0"/>
+          </a:p>
+          <a:p>
+            <a:pPr>
+              <a:buNone/>
+            </a:pPr>
+            <a:r>
+              <a:rPr lang="pt-BR" sz="2000" dirty="0">
+                <a:ea typeface="+mn-lt"/>
+                <a:cs typeface="+mn-lt"/>
+              </a:rPr>
+              <a:t>Análise, acompanhamento e monitoramento de riscos do projeto para garantir que sejam identificados, que o andamento seja relatado e que planos de respostas a riscos adequados estejam sendo executados.</a:t>
+            </a:r>
+            <a:endParaRPr lang="pt-BR" dirty="0">
+              <a:ea typeface="+mn-lt"/>
+              <a:cs typeface="+mn-lt"/>
+            </a:endParaRPr>
+          </a:p>
+          <a:p>
+            <a:pPr>
+              <a:buNone/>
+            </a:pPr>
+            <a:endParaRPr lang="pt-BR" sz="2000" dirty="0">
+              <a:ea typeface="+mn-lt"/>
+              <a:cs typeface="+mn-lt"/>
+            </a:endParaRPr>
+          </a:p>
+          <a:p>
+            <a:pPr>
+              <a:buNone/>
+            </a:pPr>
+            <a:endParaRPr lang="pt-BR" sz="2000" dirty="0">
+              <a:ea typeface="+mn-lt"/>
+              <a:cs typeface="+mn-lt"/>
+            </a:endParaRPr>
+          </a:p>
+          <a:p>
+            <a:pPr>
+              <a:buNone/>
+            </a:pPr>
+            <a:endParaRPr lang="pt-BR" sz="2000" dirty="0">
+              <a:ea typeface="+mn-lt"/>
+              <a:cs typeface="+mn-lt"/>
+            </a:endParaRPr>
+          </a:p>
+          <a:p>
+            <a:pPr>
+              <a:buNone/>
+            </a:pPr>
+            <a:endParaRPr lang="pt-BR" sz="2000" dirty="0">
+              <a:cs typeface="Calibri"/>
+            </a:endParaRPr>
+          </a:p>
+          <a:p>
+            <a:pPr>
+              <a:buNone/>
+            </a:pPr>
+            <a:endParaRPr lang="pt-BR" sz="2000" dirty="0">
+              <a:cs typeface="Calibri"/>
+            </a:endParaRPr>
+          </a:p>
+          <a:p>
+            <a:pPr>
+              <a:buNone/>
+            </a:pPr>
+            <a:endParaRPr lang="pt-BR" sz="2000" dirty="0">
+              <a:ea typeface="+mn-lt"/>
+              <a:cs typeface="+mn-lt"/>
+            </a:endParaRPr>
+          </a:p>
+          <a:p>
+            <a:pPr>
+              <a:buNone/>
+            </a:pPr>
+            <a:endParaRPr lang="pt-BR" sz="2000" b="1" dirty="0">
+              <a:ea typeface="+mn-lt"/>
+              <a:cs typeface="+mn-lt"/>
+            </a:endParaRPr>
+          </a:p>
+          <a:p>
+            <a:pPr>
+              <a:buNone/>
+            </a:pPr>
+            <a:endParaRPr lang="pt-BR" sz="2000" dirty="0">
+              <a:cs typeface="Calibri"/>
+            </a:endParaRPr>
+          </a:p>
+          <a:p>
+            <a:pPr>
+              <a:buNone/>
+            </a:pPr>
+            <a:endParaRPr lang="pt-BR" sz="2000" dirty="0">
+              <a:cs typeface="Calibri"/>
+            </a:endParaRPr>
+          </a:p>
+          <a:p>
+            <a:pPr>
+              <a:buNone/>
+            </a:pPr>
+            <a:endParaRPr lang="pt-BR" sz="2000" dirty="0">
+              <a:cs typeface="Calibri"/>
+            </a:endParaRPr>
+          </a:p>
+          <a:p>
+            <a:pPr>
+              <a:buNone/>
+            </a:pPr>
+            <a:endParaRPr lang="pt-BR" sz="2000" dirty="0">
+              <a:cs typeface="Calibri"/>
+            </a:endParaRPr>
+          </a:p>
+          <a:p>
+            <a:pPr>
+              <a:buNone/>
+            </a:pPr>
+            <a:endParaRPr lang="pt-BR" sz="2000" dirty="0">
+              <a:cs typeface="Calibri"/>
+            </a:endParaRPr>
+          </a:p>
+          <a:p>
+            <a:pPr>
+              <a:buNone/>
+            </a:pPr>
+            <a:endParaRPr lang="pt-BR" sz="2000">
+              <a:cs typeface="Calibri"/>
+            </a:endParaRPr>
+          </a:p>
+          <a:p>
+            <a:pPr>
+              <a:buNone/>
+            </a:pPr>
+            <a:endParaRPr lang="pt-BR" sz="2000">
+              <a:cs typeface="Calibri"/>
+            </a:endParaRPr>
+          </a:p>
+          <a:p>
+            <a:pPr>
+              <a:buNone/>
+            </a:pPr>
+            <a:endParaRPr lang="pt-BR" sz="2000">
+              <a:cs typeface="Calibri"/>
+            </a:endParaRPr>
+          </a:p>
+          <a:p>
+            <a:pPr>
+              <a:buNone/>
+            </a:pPr>
+            <a:endParaRPr lang="pt-BR" sz="2000">
+              <a:cs typeface="Calibri"/>
+            </a:endParaRPr>
+          </a:p>
+          <a:p>
+            <a:pPr>
+              <a:buNone/>
+            </a:pPr>
+            <a:endParaRPr lang="pt-BR" sz="2000">
+              <a:cs typeface="Calibri"/>
+            </a:endParaRPr>
+          </a:p>
+          <a:p>
+            <a:pPr marL="0" indent="0">
+              <a:buNone/>
+            </a:pPr>
+            <a:endParaRPr lang="pt-BR" sz="2000">
+              <a:cs typeface="Calibri"/>
+            </a:endParaRPr>
+          </a:p>
+          <a:p>
+            <a:endParaRPr lang="pt-BR" sz="2000">
+              <a:cs typeface="Calibri"/>
+            </a:endParaRPr>
+          </a:p>
+        </p:txBody>
+      </p:sp>
+      <p:sp>
+        <p:nvSpPr>
+          <p:cNvPr id="41" name="Rectangle 40">
+            <a:extLst>
+              <a:ext uri="{FF2B5EF4-FFF2-40B4-BE49-F238E27FC236}">
+                <a16:creationId xmlns:a16="http://schemas.microsoft.com/office/drawing/2014/main" id="{2E80C965-DB6D-4F81-9E9E-B027384D0BD6}"/>
+              </a:ext>
+              <a:ext uri="{C183D7F6-B498-43B3-948B-1728B52AA6E4}">
+                <adec:decorative xmlns:adec="http://schemas.microsoft.com/office/drawing/2017/decorative" val="1"/>
+              </a:ext>
+            </a:extLst>
+          </p:cNvPr>
+          <p:cNvSpPr>
+            <a:spLocks noGrp="1" noRot="1" noChangeAspect="1" noMove="1" noResize="1" noEditPoints="1" noAdjustHandles="1" noChangeArrowheads="1" noChangeShapeType="1" noTextEdit="1"/>
+          </p:cNvSpPr>
+          <p:nvPr>
+            <p:extLst>
+              <p:ext uri="{386F3935-93C4-4BCD-93E2-E3B085C9AB24}">
+                <p16:designElem xmlns:p16="http://schemas.microsoft.com/office/powerpoint/2015/main" val="1"/>
+              </p:ext>
+            </p:extLst>
+          </p:nvPr>
+        </p:nvSpPr>
+        <p:spPr>
+          <a:xfrm rot="2700000">
+            <a:off x="11052629" y="2120024"/>
+            <a:ext cx="645368" cy="645368"/>
+          </a:xfrm>
+          <a:prstGeom prst="rect">
+            <a:avLst/>
+          </a:prstGeom>
+          <a:solidFill>
+            <a:schemeClr val="accent4">
+              <a:alpha val="30000"/>
+            </a:schemeClr>
+          </a:solidFill>
+          <a:ln>
+            <a:noFill/>
+          </a:ln>
+        </p:spPr>
+        <p:style>
+          <a:lnRef idx="2">
+            <a:schemeClr val="accent1">
+              <a:shade val="50000"/>
+            </a:schemeClr>
+          </a:lnRef>
+          <a:fillRef idx="1">
+            <a:schemeClr val="accent1"/>
+          </a:fillRef>
+          <a:effectRef idx="0">
+            <a:schemeClr val="accent1"/>
+          </a:effectRef>
+          <a:fontRef idx="minor">
+            <a:schemeClr val="lt1"/>
+          </a:fontRef>
+        </p:style>
+        <p:txBody>
+          <a:bodyPr rtlCol="0" anchor="ctr"/>
+          <a:lstStyle/>
+          <a:p>
+            <a:pPr algn="ctr"/>
+            <a:endParaRPr lang="en-US"/>
+          </a:p>
+        </p:txBody>
+      </p:sp>
+      <p:sp>
+        <p:nvSpPr>
+          <p:cNvPr id="43" name="Isosceles Triangle 42">
+            <a:extLst>
+              <a:ext uri="{FF2B5EF4-FFF2-40B4-BE49-F238E27FC236}">
+                <a16:creationId xmlns:a16="http://schemas.microsoft.com/office/drawing/2014/main" id="{A580F890-B085-4E95-96AA-55AEBEC5CE6E}"/>
+              </a:ext>
+              <a:ext uri="{C183D7F6-B498-43B3-948B-1728B52AA6E4}">
+                <adec:decorative xmlns:adec="http://schemas.microsoft.com/office/drawing/2017/decorative" val="1"/>
+              </a:ext>
+            </a:extLst>
+          </p:cNvPr>
+          <p:cNvSpPr>
+            <a:spLocks noGrp="1" noRot="1" noChangeAspect="1" noMove="1" noResize="1" noEditPoints="1" noAdjustHandles="1" noChangeArrowheads="1" noChangeShapeType="1" noTextEdit="1"/>
+          </p:cNvSpPr>
+          <p:nvPr>
+            <p:extLst>
+              <p:ext uri="{386F3935-93C4-4BCD-93E2-E3B085C9AB24}">
+                <p16:designElem xmlns:p16="http://schemas.microsoft.com/office/powerpoint/2015/main" val="1"/>
+              </p:ext>
+            </p:extLst>
+          </p:nvPr>
+        </p:nvSpPr>
+        <p:spPr>
+          <a:xfrm rot="16200000">
+            <a:off x="10289068" y="1343027"/>
+            <a:ext cx="2532832" cy="1273032"/>
+          </a:xfrm>
+          <a:prstGeom prst="triangle">
+            <a:avLst>
+              <a:gd name="adj" fmla="val 50000"/>
+            </a:avLst>
+          </a:prstGeom>
+          <a:solidFill>
+            <a:schemeClr val="accent4">
+              <a:alpha val="30000"/>
+            </a:schemeClr>
+          </a:solidFill>
+          <a:ln>
+            <a:noFill/>
+          </a:ln>
+        </p:spPr>
+        <p:style>
+          <a:lnRef idx="2">
+            <a:schemeClr val="accent1">
+              <a:shade val="50000"/>
+            </a:schemeClr>
+          </a:lnRef>
+          <a:fillRef idx="1">
+            <a:schemeClr val="accent1"/>
+          </a:fillRef>
+          <a:effectRef idx="0">
+            <a:schemeClr val="accent1"/>
+          </a:effectRef>
+          <a:fontRef idx="minor">
+            <a:schemeClr val="lt1"/>
+          </a:fontRef>
+        </p:style>
+        <p:txBody>
+          <a:bodyPr rtlCol="0" anchor="ctr"/>
+          <a:lstStyle/>
+          <a:p>
+            <a:pPr algn="ctr"/>
+            <a:endParaRPr lang="en-US"/>
+          </a:p>
+        </p:txBody>
+      </p:sp>
+      <p:sp>
+        <p:nvSpPr>
+          <p:cNvPr id="45" name="Isosceles Triangle 44">
+            <a:extLst>
+              <a:ext uri="{FF2B5EF4-FFF2-40B4-BE49-F238E27FC236}">
+                <a16:creationId xmlns:a16="http://schemas.microsoft.com/office/drawing/2014/main" id="{D3F51FEB-38FB-4F6C-9F7B-2F2AFAB65463}"/>
+              </a:ext>
+              <a:ext uri="{C183D7F6-B498-43B3-948B-1728B52AA6E4}">
+                <adec:decorative xmlns:adec="http://schemas.microsoft.com/office/drawing/2017/decorative" val="1"/>
+              </a:ext>
+            </a:extLst>
+          </p:cNvPr>
+          <p:cNvSpPr>
+            <a:spLocks noGrp="1" noRot="1" noChangeAspect="1" noMove="1" noResize="1" noEditPoints="1" noAdjustHandles="1" noChangeArrowheads="1" noChangeShapeType="1" noTextEdit="1"/>
+          </p:cNvSpPr>
+          <p:nvPr>
+            <p:extLst>
+              <p:ext uri="{386F3935-93C4-4BCD-93E2-E3B085C9AB24}">
+                <p16:designElem xmlns:p16="http://schemas.microsoft.com/office/powerpoint/2015/main" val="1"/>
+              </p:ext>
+            </p:extLst>
+          </p:nvPr>
+        </p:nvSpPr>
+        <p:spPr>
+          <a:xfrm rot="5400000">
+            <a:off x="-501760" y="5103257"/>
+            <a:ext cx="2017580" cy="1014060"/>
+          </a:xfrm>
+          <a:prstGeom prst="triangle">
+            <a:avLst>
+              <a:gd name="adj" fmla="val 50000"/>
+            </a:avLst>
+          </a:prstGeom>
+          <a:solidFill>
+            <a:schemeClr val="accent1">
+              <a:alpha val="30000"/>
+            </a:schemeClr>
+          </a:solidFill>
+          <a:ln>
+            <a:noFill/>
+          </a:ln>
+        </p:spPr>
+        <p:style>
+          <a:lnRef idx="2">
+            <a:schemeClr val="accent1">
+              <a:shade val="50000"/>
+            </a:schemeClr>
+          </a:lnRef>
+          <a:fillRef idx="1">
+            <a:schemeClr val="accent1"/>
+          </a:fillRef>
+          <a:effectRef idx="0">
+            <a:schemeClr val="accent1"/>
+          </a:effectRef>
+          <a:fontRef idx="minor">
+            <a:schemeClr val="lt1"/>
+          </a:fontRef>
+        </p:style>
+        <p:txBody>
+          <a:bodyPr wrap="square" rtlCol="0" anchor="ctr">
+            <a:noAutofit/>
+          </a:bodyPr>
+          <a:lstStyle/>
+          <a:p>
+            <a:pPr algn="ctr"/>
+            <a:endParaRPr lang="en-US"/>
+          </a:p>
+        </p:txBody>
+      </p:sp>
+      <p:sp>
+        <p:nvSpPr>
+          <p:cNvPr id="47" name="Rectangle 46">
+            <a:extLst>
+              <a:ext uri="{FF2B5EF4-FFF2-40B4-BE49-F238E27FC236}">
+                <a16:creationId xmlns:a16="http://schemas.microsoft.com/office/drawing/2014/main" id="{1E547BA6-BAE0-43BB-A7CA-60F69CE252F0}"/>
+              </a:ext>
+              <a:ext uri="{C183D7F6-B498-43B3-948B-1728B52AA6E4}">
+                <adec:decorative xmlns:adec="http://schemas.microsoft.com/office/drawing/2017/decorative" val="1"/>
+              </a:ext>
+            </a:extLst>
+          </p:cNvPr>
+          <p:cNvSpPr>
+            <a:spLocks noGrp="1" noRot="1" noChangeAspect="1" noMove="1" noResize="1" noEditPoints="1" noAdjustHandles="1" noChangeArrowheads="1" noChangeShapeType="1" noTextEdit="1"/>
+          </p:cNvSpPr>
+          <p:nvPr>
+            <p:extLst>
+              <p:ext uri="{386F3935-93C4-4BCD-93E2-E3B085C9AB24}">
+                <p16:designElem xmlns:p16="http://schemas.microsoft.com/office/powerpoint/2015/main" val="1"/>
+              </p:ext>
+            </p:extLst>
+          </p:nvPr>
+        </p:nvSpPr>
+        <p:spPr>
+          <a:xfrm rot="2700000">
+            <a:off x="427916" y="5728708"/>
+            <a:ext cx="485578" cy="485578"/>
+          </a:xfrm>
+          <a:prstGeom prst="rect">
+            <a:avLst/>
+          </a:prstGeom>
+          <a:solidFill>
+            <a:schemeClr val="accent1">
+              <a:alpha val="30000"/>
+            </a:schemeClr>
+          </a:solidFill>
+          <a:ln>
+            <a:noFill/>
+          </a:ln>
+        </p:spPr>
+        <p:style>
+          <a:lnRef idx="2">
+            <a:schemeClr val="accent1">
+              <a:shade val="50000"/>
+            </a:schemeClr>
+          </a:lnRef>
+          <a:fillRef idx="1">
+            <a:schemeClr val="accent1"/>
+          </a:fillRef>
+          <a:effectRef idx="0">
+            <a:schemeClr val="accent1"/>
+          </a:effectRef>
+          <a:fontRef idx="minor">
+            <a:schemeClr val="lt1"/>
+          </a:fontRef>
+        </p:style>
+        <p:txBody>
+          <a:bodyPr wrap="square" rtlCol="0" anchor="ctr">
+            <a:noAutofit/>
+          </a:bodyPr>
+          <a:lstStyle/>
+          <a:p>
+            <a:pPr algn="ctr"/>
+            <a:endParaRPr lang="en-US"/>
+          </a:p>
+        </p:txBody>
+      </p:sp>
+    </p:spTree>
+    <p:extLst>
+      <p:ext uri="{BB962C8B-B14F-4D97-AF65-F5344CB8AC3E}">
+        <p14:creationId xmlns:p14="http://schemas.microsoft.com/office/powerpoint/2010/main" val="2639270414"/>
+      </p:ext>
+    </p:extLst>
+  </p:cSld>
+  <p:clrMapOvr>
+    <a:masterClrMapping/>
+  </p:clrMapOvr>
+</p:sld>
+</file>
+
+<file path=ppt/slides/slide34.xml><?xml version="1.0" encoding="utf-8"?>
+<p:sld xmlns:a="http://schemas.openxmlformats.org/drawingml/2006/main" xmlns:r="http://schemas.openxmlformats.org/officeDocument/2006/relationships" xmlns:p="http://schemas.openxmlformats.org/presentationml/2006/main">
+  <p:cSld>
+    <p:bg>
+      <p:bgPr>
+        <a:solidFill>
+          <a:schemeClr val="bg1"/>
+        </a:solidFill>
+        <a:effectLst/>
+      </p:bgPr>
+    </p:bg>
+    <p:spTree>
+      <p:nvGrpSpPr>
+        <p:cNvPr id="1" name=""/>
+        <p:cNvGrpSpPr/>
+        <p:nvPr/>
+      </p:nvGrpSpPr>
+      <p:grpSpPr>
+        <a:xfrm>
+          <a:off x="0" y="0"/>
+          <a:ext cx="0" cy="0"/>
+          <a:chOff x="0" y="0"/>
+          <a:chExt cx="0" cy="0"/>
+        </a:xfrm>
+      </p:grpSpPr>
+      <p:sp>
+        <p:nvSpPr>
+          <p:cNvPr id="39" name="Rectangle 38">
+            <a:extLst>
+              <a:ext uri="{FF2B5EF4-FFF2-40B4-BE49-F238E27FC236}">
+                <a16:creationId xmlns:a16="http://schemas.microsoft.com/office/drawing/2014/main" id="{2B566528-1B12-4246-9431-5C2D7D081168}"/>
+              </a:ext>
+              <a:ext uri="{C183D7F6-B498-43B3-948B-1728B52AA6E4}">
+                <adec:decorative xmlns:adec="http://schemas.microsoft.com/office/drawing/2017/decorative" val="1"/>
+              </a:ext>
+            </a:extLst>
+          </p:cNvPr>
+          <p:cNvSpPr>
+            <a:spLocks noGrp="1" noRot="1" noChangeAspect="1" noMove="1" noResize="1" noEditPoints="1" noAdjustHandles="1" noChangeArrowheads="1" noChangeShapeType="1" noTextEdit="1"/>
+          </p:cNvSpPr>
+          <p:nvPr>
+            <p:extLst>
+              <p:ext uri="{386F3935-93C4-4BCD-93E2-E3B085C9AB24}">
+                <p16:designElem xmlns:p16="http://schemas.microsoft.com/office/powerpoint/2015/main" val="1"/>
+              </p:ext>
+            </p:extLst>
+          </p:nvPr>
+        </p:nvSpPr>
+        <p:spPr>
+          <a:xfrm>
+            <a:off x="0" y="0"/>
+            <a:ext cx="12192000" cy="6858000"/>
+          </a:xfrm>
+          <a:prstGeom prst="rect">
+            <a:avLst/>
+          </a:prstGeom>
+          <a:solidFill>
+            <a:schemeClr val="bg1"/>
+          </a:solidFill>
+          <a:ln>
+            <a:noFill/>
+          </a:ln>
+        </p:spPr>
+        <p:style>
+          <a:lnRef idx="2">
+            <a:schemeClr val="accent1">
+              <a:shade val="50000"/>
+            </a:schemeClr>
+          </a:lnRef>
+          <a:fillRef idx="1">
+            <a:schemeClr val="accent1"/>
+          </a:fillRef>
+          <a:effectRef idx="0">
+            <a:schemeClr val="accent1"/>
+          </a:effectRef>
+          <a:fontRef idx="minor">
+            <a:schemeClr val="lt1"/>
+          </a:fontRef>
+        </p:style>
+        <p:txBody>
+          <a:bodyPr rtlCol="0" anchor="ctr"/>
+          <a:lstStyle/>
+          <a:p>
+            <a:pPr algn="ctr"/>
+            <a:endParaRPr lang="en-US"/>
+          </a:p>
+        </p:txBody>
+      </p:sp>
+      <p:sp>
+        <p:nvSpPr>
+          <p:cNvPr id="2" name="Título 1">
+            <a:extLst>
+              <a:ext uri="{FF2B5EF4-FFF2-40B4-BE49-F238E27FC236}">
+                <a16:creationId xmlns:a16="http://schemas.microsoft.com/office/drawing/2014/main" id="{46991FFA-5E35-051D-3B8C-8962250E1C9A}"/>
+              </a:ext>
+            </a:extLst>
+          </p:cNvPr>
+          <p:cNvSpPr>
+            <a:spLocks noGrp="1"/>
+          </p:cNvSpPr>
+          <p:nvPr>
+            <p:ph type="title"/>
+          </p:nvPr>
+        </p:nvSpPr>
+        <p:spPr>
+          <a:xfrm>
+            <a:off x="643467" y="321734"/>
+            <a:ext cx="10905066" cy="1135737"/>
+          </a:xfrm>
+        </p:spPr>
+        <p:txBody>
+          <a:bodyPr>
+            <a:normAutofit/>
+          </a:bodyPr>
+          <a:lstStyle/>
+          <a:p>
+            <a:r>
+              <a:rPr lang="pt-BR" sz="3600" b="1" dirty="0">
+                <a:ea typeface="+mj-lt"/>
+                <a:cs typeface="+mj-lt"/>
+              </a:rPr>
+              <a:t>4.4 Monitorar e Controlar o trabalho do projeto</a:t>
+            </a:r>
+            <a:endParaRPr lang="pt-BR" dirty="0">
+              <a:ea typeface="+mj-lt"/>
+              <a:cs typeface="+mj-lt"/>
+            </a:endParaRPr>
+          </a:p>
+        </p:txBody>
+      </p:sp>
+      <p:sp>
+        <p:nvSpPr>
+          <p:cNvPr id="3" name="Espaço Reservado para Conteúdo 2">
+            <a:extLst>
+              <a:ext uri="{FF2B5EF4-FFF2-40B4-BE49-F238E27FC236}">
+                <a16:creationId xmlns:a16="http://schemas.microsoft.com/office/drawing/2014/main" id="{1F560DD4-1938-249D-D353-6A108002A6DE}"/>
+              </a:ext>
+            </a:extLst>
+          </p:cNvPr>
+          <p:cNvSpPr>
+            <a:spLocks noGrp="1"/>
+          </p:cNvSpPr>
+          <p:nvPr>
+            <p:ph idx="1"/>
+          </p:nvPr>
+        </p:nvSpPr>
+        <p:spPr>
+          <a:xfrm>
+            <a:off x="657844" y="1610453"/>
+            <a:ext cx="10890689" cy="4566510"/>
+          </a:xfrm>
+        </p:spPr>
+        <p:txBody>
+          <a:bodyPr vert="horz" lIns="91440" tIns="45720" rIns="91440" bIns="45720" rtlCol="0" anchor="t">
+            <a:normAutofit/>
+          </a:bodyPr>
+          <a:lstStyle/>
+          <a:p>
+            <a:pPr>
+              <a:buNone/>
+            </a:pPr>
+            <a:r>
+              <a:rPr lang="pt-BR" sz="2000" dirty="0">
+                <a:ea typeface="+mn-lt"/>
+                <a:cs typeface="+mn-lt"/>
+              </a:rPr>
+              <a:t>Manutenção de uma base de informações precisas e corretas relativas ao(s) produto(s) do projeto e a sua documentação associada;</a:t>
+            </a:r>
+            <a:endParaRPr lang="pt-BR" dirty="0">
+              <a:ea typeface="+mn-lt"/>
+              <a:cs typeface="+mn-lt"/>
+            </a:endParaRPr>
+          </a:p>
+          <a:p>
+            <a:pPr>
+              <a:buNone/>
+            </a:pPr>
+            <a:r>
+              <a:rPr lang="pt-BR" sz="2000" dirty="0">
+                <a:ea typeface="+mn-lt"/>
+                <a:cs typeface="+mn-lt"/>
+              </a:rPr>
+              <a:t>Fornecimento de informações para dar suporte a relatórios de andamento, medições de progresso e previsões;</a:t>
+            </a:r>
+            <a:endParaRPr lang="pt-BR" dirty="0">
+              <a:ea typeface="+mn-lt"/>
+              <a:cs typeface="+mn-lt"/>
+            </a:endParaRPr>
+          </a:p>
+          <a:p>
+            <a:pPr>
+              <a:buNone/>
+            </a:pPr>
+            <a:r>
+              <a:rPr lang="pt-BR" sz="2000" dirty="0">
+                <a:ea typeface="+mn-lt"/>
+                <a:cs typeface="+mn-lt"/>
+              </a:rPr>
+              <a:t>Fornecimento de previsões para atualizar o cronograma atual.</a:t>
+            </a:r>
+            <a:endParaRPr lang="pt-BR" dirty="0">
+              <a:cs typeface="Calibri"/>
+            </a:endParaRPr>
+          </a:p>
+          <a:p>
+            <a:pPr>
+              <a:buNone/>
+            </a:pPr>
+            <a:r>
+              <a:rPr lang="pt-BR" sz="2000" dirty="0">
+                <a:ea typeface="+mn-lt"/>
+                <a:cs typeface="+mn-lt"/>
+              </a:rPr>
+              <a:t>Monitoramento da implementação de mudanças aprovadas.</a:t>
+            </a:r>
+            <a:endParaRPr lang="pt-BR" dirty="0">
+              <a:ea typeface="+mn-lt"/>
+              <a:cs typeface="+mn-lt"/>
+            </a:endParaRPr>
+          </a:p>
+          <a:p>
+            <a:pPr>
+              <a:buNone/>
+            </a:pPr>
+            <a:endParaRPr lang="pt-BR" sz="2000" dirty="0">
+              <a:ea typeface="+mn-lt"/>
+              <a:cs typeface="+mn-lt"/>
+            </a:endParaRPr>
+          </a:p>
+          <a:p>
+            <a:pPr>
+              <a:buNone/>
+            </a:pPr>
+            <a:endParaRPr lang="pt-BR" sz="2000" dirty="0">
+              <a:ea typeface="+mn-lt"/>
+              <a:cs typeface="+mn-lt"/>
+            </a:endParaRPr>
+          </a:p>
+          <a:p>
+            <a:pPr>
+              <a:buNone/>
+            </a:pPr>
+            <a:endParaRPr lang="pt-BR" sz="2000" dirty="0">
+              <a:ea typeface="+mn-lt"/>
+              <a:cs typeface="+mn-lt"/>
+            </a:endParaRPr>
+          </a:p>
+          <a:p>
+            <a:pPr>
+              <a:buNone/>
+            </a:pPr>
+            <a:endParaRPr lang="pt-BR" sz="2000" dirty="0">
+              <a:cs typeface="Calibri"/>
+            </a:endParaRPr>
+          </a:p>
+          <a:p>
+            <a:pPr>
+              <a:buNone/>
+            </a:pPr>
+            <a:endParaRPr lang="pt-BR" sz="2000" dirty="0">
+              <a:cs typeface="Calibri"/>
+            </a:endParaRPr>
+          </a:p>
+          <a:p>
+            <a:pPr>
+              <a:buNone/>
+            </a:pPr>
+            <a:endParaRPr lang="pt-BR" sz="2000" dirty="0">
+              <a:ea typeface="+mn-lt"/>
+              <a:cs typeface="+mn-lt"/>
+            </a:endParaRPr>
+          </a:p>
+          <a:p>
+            <a:pPr>
+              <a:buNone/>
+            </a:pPr>
+            <a:endParaRPr lang="pt-BR" sz="2000" b="1" dirty="0">
+              <a:ea typeface="+mn-lt"/>
+              <a:cs typeface="+mn-lt"/>
+            </a:endParaRPr>
+          </a:p>
+          <a:p>
+            <a:pPr>
+              <a:buNone/>
+            </a:pPr>
+            <a:endParaRPr lang="pt-BR" sz="2000" dirty="0">
+              <a:cs typeface="Calibri"/>
+            </a:endParaRPr>
+          </a:p>
+          <a:p>
+            <a:pPr>
+              <a:buNone/>
+            </a:pPr>
+            <a:endParaRPr lang="pt-BR" sz="2000" dirty="0">
+              <a:cs typeface="Calibri"/>
+            </a:endParaRPr>
+          </a:p>
+          <a:p>
+            <a:pPr>
+              <a:buNone/>
+            </a:pPr>
+            <a:endParaRPr lang="pt-BR" sz="2000" dirty="0">
+              <a:cs typeface="Calibri"/>
+            </a:endParaRPr>
+          </a:p>
+          <a:p>
+            <a:pPr>
+              <a:buNone/>
+            </a:pPr>
+            <a:endParaRPr lang="pt-BR" sz="2000" dirty="0">
+              <a:cs typeface="Calibri"/>
+            </a:endParaRPr>
+          </a:p>
+          <a:p>
+            <a:pPr>
+              <a:buNone/>
+            </a:pPr>
+            <a:endParaRPr lang="pt-BR" sz="2000" dirty="0">
+              <a:cs typeface="Calibri"/>
+            </a:endParaRPr>
+          </a:p>
+          <a:p>
+            <a:pPr>
+              <a:buNone/>
+            </a:pPr>
+            <a:endParaRPr lang="pt-BR" sz="2000">
+              <a:cs typeface="Calibri"/>
+            </a:endParaRPr>
+          </a:p>
+          <a:p>
+            <a:pPr>
+              <a:buNone/>
+            </a:pPr>
+            <a:endParaRPr lang="pt-BR" sz="2000">
+              <a:cs typeface="Calibri"/>
+            </a:endParaRPr>
+          </a:p>
+          <a:p>
+            <a:pPr>
+              <a:buNone/>
+            </a:pPr>
+            <a:endParaRPr lang="pt-BR" sz="2000">
+              <a:cs typeface="Calibri"/>
+            </a:endParaRPr>
+          </a:p>
+          <a:p>
+            <a:pPr>
+              <a:buNone/>
+            </a:pPr>
+            <a:endParaRPr lang="pt-BR" sz="2000">
+              <a:cs typeface="Calibri"/>
+            </a:endParaRPr>
+          </a:p>
+          <a:p>
+            <a:pPr>
+              <a:buNone/>
+            </a:pPr>
+            <a:endParaRPr lang="pt-BR" sz="2000">
+              <a:cs typeface="Calibri"/>
+            </a:endParaRPr>
+          </a:p>
+          <a:p>
+            <a:pPr marL="0" indent="0">
+              <a:buNone/>
+            </a:pPr>
+            <a:endParaRPr lang="pt-BR" sz="2000">
+              <a:cs typeface="Calibri"/>
+            </a:endParaRPr>
+          </a:p>
+          <a:p>
+            <a:endParaRPr lang="pt-BR" sz="2000">
+              <a:cs typeface="Calibri"/>
+            </a:endParaRPr>
+          </a:p>
+        </p:txBody>
+      </p:sp>
+      <p:sp>
+        <p:nvSpPr>
+          <p:cNvPr id="41" name="Rectangle 40">
+            <a:extLst>
+              <a:ext uri="{FF2B5EF4-FFF2-40B4-BE49-F238E27FC236}">
+                <a16:creationId xmlns:a16="http://schemas.microsoft.com/office/drawing/2014/main" id="{2E80C965-DB6D-4F81-9E9E-B027384D0BD6}"/>
+              </a:ext>
+              <a:ext uri="{C183D7F6-B498-43B3-948B-1728B52AA6E4}">
+                <adec:decorative xmlns:adec="http://schemas.microsoft.com/office/drawing/2017/decorative" val="1"/>
+              </a:ext>
+            </a:extLst>
+          </p:cNvPr>
+          <p:cNvSpPr>
+            <a:spLocks noGrp="1" noRot="1" noChangeAspect="1" noMove="1" noResize="1" noEditPoints="1" noAdjustHandles="1" noChangeArrowheads="1" noChangeShapeType="1" noTextEdit="1"/>
+          </p:cNvSpPr>
+          <p:nvPr>
+            <p:extLst>
+              <p:ext uri="{386F3935-93C4-4BCD-93E2-E3B085C9AB24}">
+                <p16:designElem xmlns:p16="http://schemas.microsoft.com/office/powerpoint/2015/main" val="1"/>
+              </p:ext>
+            </p:extLst>
+          </p:nvPr>
+        </p:nvSpPr>
+        <p:spPr>
+          <a:xfrm rot="2700000">
+            <a:off x="11052629" y="2120024"/>
+            <a:ext cx="645368" cy="645368"/>
+          </a:xfrm>
+          <a:prstGeom prst="rect">
+            <a:avLst/>
+          </a:prstGeom>
+          <a:solidFill>
+            <a:schemeClr val="accent4">
+              <a:alpha val="30000"/>
+            </a:schemeClr>
+          </a:solidFill>
+          <a:ln>
+            <a:noFill/>
+          </a:ln>
+        </p:spPr>
+        <p:style>
+          <a:lnRef idx="2">
+            <a:schemeClr val="accent1">
+              <a:shade val="50000"/>
+            </a:schemeClr>
+          </a:lnRef>
+          <a:fillRef idx="1">
+            <a:schemeClr val="accent1"/>
+          </a:fillRef>
+          <a:effectRef idx="0">
+            <a:schemeClr val="accent1"/>
+          </a:effectRef>
+          <a:fontRef idx="minor">
+            <a:schemeClr val="lt1"/>
+          </a:fontRef>
+        </p:style>
+        <p:txBody>
+          <a:bodyPr rtlCol="0" anchor="ctr"/>
+          <a:lstStyle/>
+          <a:p>
+            <a:pPr algn="ctr"/>
+            <a:endParaRPr lang="en-US"/>
+          </a:p>
+        </p:txBody>
+      </p:sp>
+      <p:sp>
+        <p:nvSpPr>
+          <p:cNvPr id="43" name="Isosceles Triangle 42">
+            <a:extLst>
+              <a:ext uri="{FF2B5EF4-FFF2-40B4-BE49-F238E27FC236}">
+                <a16:creationId xmlns:a16="http://schemas.microsoft.com/office/drawing/2014/main" id="{A580F890-B085-4E95-96AA-55AEBEC5CE6E}"/>
+              </a:ext>
+              <a:ext uri="{C183D7F6-B498-43B3-948B-1728B52AA6E4}">
+                <adec:decorative xmlns:adec="http://schemas.microsoft.com/office/drawing/2017/decorative" val="1"/>
+              </a:ext>
+            </a:extLst>
+          </p:cNvPr>
+          <p:cNvSpPr>
+            <a:spLocks noGrp="1" noRot="1" noChangeAspect="1" noMove="1" noResize="1" noEditPoints="1" noAdjustHandles="1" noChangeArrowheads="1" noChangeShapeType="1" noTextEdit="1"/>
+          </p:cNvSpPr>
+          <p:nvPr>
+            <p:extLst>
+              <p:ext uri="{386F3935-93C4-4BCD-93E2-E3B085C9AB24}">
+                <p16:designElem xmlns:p16="http://schemas.microsoft.com/office/powerpoint/2015/main" val="1"/>
+              </p:ext>
+            </p:extLst>
+          </p:nvPr>
+        </p:nvSpPr>
+        <p:spPr>
+          <a:xfrm rot="16200000">
+            <a:off x="10289068" y="1343027"/>
+            <a:ext cx="2532832" cy="1273032"/>
+          </a:xfrm>
+          <a:prstGeom prst="triangle">
+            <a:avLst>
+              <a:gd name="adj" fmla="val 50000"/>
+            </a:avLst>
+          </a:prstGeom>
+          <a:solidFill>
+            <a:schemeClr val="accent4">
+              <a:alpha val="30000"/>
+            </a:schemeClr>
+          </a:solidFill>
+          <a:ln>
+            <a:noFill/>
+          </a:ln>
+        </p:spPr>
+        <p:style>
+          <a:lnRef idx="2">
+            <a:schemeClr val="accent1">
+              <a:shade val="50000"/>
+            </a:schemeClr>
+          </a:lnRef>
+          <a:fillRef idx="1">
+            <a:schemeClr val="accent1"/>
+          </a:fillRef>
+          <a:effectRef idx="0">
+            <a:schemeClr val="accent1"/>
+          </a:effectRef>
+          <a:fontRef idx="minor">
+            <a:schemeClr val="lt1"/>
+          </a:fontRef>
+        </p:style>
+        <p:txBody>
+          <a:bodyPr rtlCol="0" anchor="ctr"/>
+          <a:lstStyle/>
+          <a:p>
+            <a:pPr algn="ctr"/>
+            <a:endParaRPr lang="en-US"/>
+          </a:p>
+        </p:txBody>
+      </p:sp>
+      <p:sp>
+        <p:nvSpPr>
+          <p:cNvPr id="45" name="Isosceles Triangle 44">
+            <a:extLst>
+              <a:ext uri="{FF2B5EF4-FFF2-40B4-BE49-F238E27FC236}">
+                <a16:creationId xmlns:a16="http://schemas.microsoft.com/office/drawing/2014/main" id="{D3F51FEB-38FB-4F6C-9F7B-2F2AFAB65463}"/>
+              </a:ext>
+              <a:ext uri="{C183D7F6-B498-43B3-948B-1728B52AA6E4}">
+                <adec:decorative xmlns:adec="http://schemas.microsoft.com/office/drawing/2017/decorative" val="1"/>
+              </a:ext>
+            </a:extLst>
+          </p:cNvPr>
+          <p:cNvSpPr>
+            <a:spLocks noGrp="1" noRot="1" noChangeAspect="1" noMove="1" noResize="1" noEditPoints="1" noAdjustHandles="1" noChangeArrowheads="1" noChangeShapeType="1" noTextEdit="1"/>
+          </p:cNvSpPr>
+          <p:nvPr>
+            <p:extLst>
+              <p:ext uri="{386F3935-93C4-4BCD-93E2-E3B085C9AB24}">
+                <p16:designElem xmlns:p16="http://schemas.microsoft.com/office/powerpoint/2015/main" val="1"/>
+              </p:ext>
+            </p:extLst>
+          </p:nvPr>
+        </p:nvSpPr>
+        <p:spPr>
+          <a:xfrm rot="5400000">
+            <a:off x="-501760" y="5103257"/>
+            <a:ext cx="2017580" cy="1014060"/>
+          </a:xfrm>
+          <a:prstGeom prst="triangle">
+            <a:avLst>
+              <a:gd name="adj" fmla="val 50000"/>
+            </a:avLst>
+          </a:prstGeom>
+          <a:solidFill>
+            <a:schemeClr val="accent1">
+              <a:alpha val="30000"/>
+            </a:schemeClr>
+          </a:solidFill>
+          <a:ln>
+            <a:noFill/>
+          </a:ln>
+        </p:spPr>
+        <p:style>
+          <a:lnRef idx="2">
+            <a:schemeClr val="accent1">
+              <a:shade val="50000"/>
+            </a:schemeClr>
+          </a:lnRef>
+          <a:fillRef idx="1">
+            <a:schemeClr val="accent1"/>
+          </a:fillRef>
+          <a:effectRef idx="0">
+            <a:schemeClr val="accent1"/>
+          </a:effectRef>
+          <a:fontRef idx="minor">
+            <a:schemeClr val="lt1"/>
+          </a:fontRef>
+        </p:style>
+        <p:txBody>
+          <a:bodyPr wrap="square" rtlCol="0" anchor="ctr">
+            <a:noAutofit/>
+          </a:bodyPr>
+          <a:lstStyle/>
+          <a:p>
+            <a:pPr algn="ctr"/>
+            <a:endParaRPr lang="en-US"/>
+          </a:p>
+        </p:txBody>
+      </p:sp>
+      <p:sp>
+        <p:nvSpPr>
+          <p:cNvPr id="47" name="Rectangle 46">
+            <a:extLst>
+              <a:ext uri="{FF2B5EF4-FFF2-40B4-BE49-F238E27FC236}">
+                <a16:creationId xmlns:a16="http://schemas.microsoft.com/office/drawing/2014/main" id="{1E547BA6-BAE0-43BB-A7CA-60F69CE252F0}"/>
+              </a:ext>
+              <a:ext uri="{C183D7F6-B498-43B3-948B-1728B52AA6E4}">
+                <adec:decorative xmlns:adec="http://schemas.microsoft.com/office/drawing/2017/decorative" val="1"/>
+              </a:ext>
+            </a:extLst>
+          </p:cNvPr>
+          <p:cNvSpPr>
+            <a:spLocks noGrp="1" noRot="1" noChangeAspect="1" noMove="1" noResize="1" noEditPoints="1" noAdjustHandles="1" noChangeArrowheads="1" noChangeShapeType="1" noTextEdit="1"/>
+          </p:cNvSpPr>
+          <p:nvPr>
+            <p:extLst>
+              <p:ext uri="{386F3935-93C4-4BCD-93E2-E3B085C9AB24}">
+                <p16:designElem xmlns:p16="http://schemas.microsoft.com/office/powerpoint/2015/main" val="1"/>
+              </p:ext>
+            </p:extLst>
+          </p:nvPr>
+        </p:nvSpPr>
+        <p:spPr>
+          <a:xfrm rot="2700000">
+            <a:off x="427916" y="5728708"/>
+            <a:ext cx="485578" cy="485578"/>
+          </a:xfrm>
+          <a:prstGeom prst="rect">
+            <a:avLst/>
+          </a:prstGeom>
+          <a:solidFill>
+            <a:schemeClr val="accent1">
+              <a:alpha val="30000"/>
+            </a:schemeClr>
+          </a:solidFill>
+          <a:ln>
+            <a:noFill/>
+          </a:ln>
+        </p:spPr>
+        <p:style>
+          <a:lnRef idx="2">
+            <a:schemeClr val="accent1">
+              <a:shade val="50000"/>
+            </a:schemeClr>
+          </a:lnRef>
+          <a:fillRef idx="1">
+            <a:schemeClr val="accent1"/>
+          </a:fillRef>
+          <a:effectRef idx="0">
+            <a:schemeClr val="accent1"/>
+          </a:effectRef>
+          <a:fontRef idx="minor">
+            <a:schemeClr val="lt1"/>
+          </a:fontRef>
+        </p:style>
+        <p:txBody>
+          <a:bodyPr wrap="square" rtlCol="0" anchor="ctr">
+            <a:noAutofit/>
+          </a:bodyPr>
+          <a:lstStyle/>
+          <a:p>
+            <a:pPr algn="ctr"/>
+            <a:endParaRPr lang="en-US"/>
+          </a:p>
+        </p:txBody>
+      </p:sp>
+    </p:spTree>
+    <p:extLst>
+      <p:ext uri="{BB962C8B-B14F-4D97-AF65-F5344CB8AC3E}">
+        <p14:creationId xmlns:p14="http://schemas.microsoft.com/office/powerpoint/2010/main" val="2027001066"/>
+      </p:ext>
+    </p:extLst>
+  </p:cSld>
+  <p:clrMapOvr>
+    <a:masterClrMapping/>
+  </p:clrMapOvr>
+</p:sld>
+</file>
+
+<file path=ppt/slides/slide35.xml><?xml version="1.0" encoding="utf-8"?>
+<p:sld xmlns:a="http://schemas.openxmlformats.org/drawingml/2006/main" xmlns:r="http://schemas.openxmlformats.org/officeDocument/2006/relationships" xmlns:p="http://schemas.openxmlformats.org/presentationml/2006/main">
+  <p:cSld>
+    <p:bg>
+      <p:bgPr>
+        <a:solidFill>
+          <a:schemeClr val="bg1"/>
+        </a:solidFill>
+        <a:effectLst/>
+      </p:bgPr>
+    </p:bg>
+    <p:spTree>
+      <p:nvGrpSpPr>
+        <p:cNvPr id="1" name=""/>
+        <p:cNvGrpSpPr/>
+        <p:nvPr/>
+      </p:nvGrpSpPr>
+      <p:grpSpPr>
+        <a:xfrm>
+          <a:off x="0" y="0"/>
+          <a:ext cx="0" cy="0"/>
+          <a:chOff x="0" y="0"/>
+          <a:chExt cx="0" cy="0"/>
+        </a:xfrm>
+      </p:grpSpPr>
+      <p:sp>
+        <p:nvSpPr>
+          <p:cNvPr id="39" name="Rectangle 38">
+            <a:extLst>
+              <a:ext uri="{FF2B5EF4-FFF2-40B4-BE49-F238E27FC236}">
+                <a16:creationId xmlns:a16="http://schemas.microsoft.com/office/drawing/2014/main" id="{2B566528-1B12-4246-9431-5C2D7D081168}"/>
+              </a:ext>
+              <a:ext uri="{C183D7F6-B498-43B3-948B-1728B52AA6E4}">
+                <adec:decorative xmlns:adec="http://schemas.microsoft.com/office/drawing/2017/decorative" val="1"/>
+              </a:ext>
+            </a:extLst>
+          </p:cNvPr>
+          <p:cNvSpPr>
+            <a:spLocks noGrp="1" noRot="1" noChangeAspect="1" noMove="1" noResize="1" noEditPoints="1" noAdjustHandles="1" noChangeArrowheads="1" noChangeShapeType="1" noTextEdit="1"/>
+          </p:cNvSpPr>
+          <p:nvPr>
+            <p:extLst>
+              <p:ext uri="{386F3935-93C4-4BCD-93E2-E3B085C9AB24}">
+                <p16:designElem xmlns:p16="http://schemas.microsoft.com/office/powerpoint/2015/main" val="1"/>
+              </p:ext>
+            </p:extLst>
+          </p:nvPr>
+        </p:nvSpPr>
+        <p:spPr>
+          <a:xfrm>
+            <a:off x="0" y="0"/>
+            <a:ext cx="12192000" cy="6858000"/>
+          </a:xfrm>
+          <a:prstGeom prst="rect">
+            <a:avLst/>
+          </a:prstGeom>
+          <a:solidFill>
+            <a:schemeClr val="bg1"/>
+          </a:solidFill>
+          <a:ln>
+            <a:noFill/>
+          </a:ln>
+        </p:spPr>
+        <p:style>
+          <a:lnRef idx="2">
+            <a:schemeClr val="accent1">
+              <a:shade val="50000"/>
+            </a:schemeClr>
+          </a:lnRef>
+          <a:fillRef idx="1">
+            <a:schemeClr val="accent1"/>
+          </a:fillRef>
+          <a:effectRef idx="0">
+            <a:schemeClr val="accent1"/>
+          </a:effectRef>
+          <a:fontRef idx="minor">
+            <a:schemeClr val="lt1"/>
+          </a:fontRef>
+        </p:style>
+        <p:txBody>
+          <a:bodyPr rtlCol="0" anchor="ctr"/>
+          <a:lstStyle/>
+          <a:p>
+            <a:pPr algn="ctr"/>
+            <a:endParaRPr lang="en-US"/>
+          </a:p>
+        </p:txBody>
+      </p:sp>
+      <p:sp>
+        <p:nvSpPr>
+          <p:cNvPr id="2" name="Título 1">
+            <a:extLst>
+              <a:ext uri="{FF2B5EF4-FFF2-40B4-BE49-F238E27FC236}">
+                <a16:creationId xmlns:a16="http://schemas.microsoft.com/office/drawing/2014/main" id="{46991FFA-5E35-051D-3B8C-8962250E1C9A}"/>
+              </a:ext>
+            </a:extLst>
+          </p:cNvPr>
+          <p:cNvSpPr>
+            <a:spLocks noGrp="1"/>
+          </p:cNvSpPr>
+          <p:nvPr>
+            <p:ph type="title"/>
+          </p:nvPr>
+        </p:nvSpPr>
+        <p:spPr>
+          <a:xfrm>
+            <a:off x="643467" y="321734"/>
+            <a:ext cx="10905066" cy="1135737"/>
+          </a:xfrm>
+        </p:spPr>
+        <p:txBody>
+          <a:bodyPr>
+            <a:normAutofit/>
+          </a:bodyPr>
+          <a:lstStyle/>
+          <a:p>
+            <a:r>
+              <a:rPr lang="pt-BR" sz="3600" b="1" dirty="0">
+                <a:ea typeface="+mj-lt"/>
+                <a:cs typeface="+mj-lt"/>
+              </a:rPr>
+              <a:t>4.4 Monitorar e Controlar o trabalho do projeto</a:t>
+            </a:r>
+            <a:endParaRPr lang="pt-BR" dirty="0">
+              <a:ea typeface="+mj-lt"/>
+              <a:cs typeface="+mj-lt"/>
+            </a:endParaRPr>
+          </a:p>
+        </p:txBody>
+      </p:sp>
+      <p:sp>
+        <p:nvSpPr>
+          <p:cNvPr id="3" name="Espaço Reservado para Conteúdo 2">
+            <a:extLst>
+              <a:ext uri="{FF2B5EF4-FFF2-40B4-BE49-F238E27FC236}">
+                <a16:creationId xmlns:a16="http://schemas.microsoft.com/office/drawing/2014/main" id="{1F560DD4-1938-249D-D353-6A108002A6DE}"/>
+              </a:ext>
+            </a:extLst>
+          </p:cNvPr>
+          <p:cNvSpPr>
+            <a:spLocks noGrp="1"/>
+          </p:cNvSpPr>
+          <p:nvPr>
+            <p:ph idx="1"/>
+          </p:nvPr>
+        </p:nvSpPr>
+        <p:spPr>
+          <a:xfrm>
+            <a:off x="657844" y="1610453"/>
+            <a:ext cx="10890689" cy="4566510"/>
+          </a:xfrm>
+        </p:spPr>
+        <p:txBody>
+          <a:bodyPr vert="horz" lIns="91440" tIns="45720" rIns="91440" bIns="45720" rtlCol="0" anchor="t">
+            <a:normAutofit/>
+          </a:bodyPr>
+          <a:lstStyle/>
+          <a:p>
+            <a:pPr>
+              <a:buNone/>
+            </a:pPr>
+            <a:r>
+              <a:rPr lang="pt-BR" sz="2000" dirty="0">
+                <a:ea typeface="+mn-lt"/>
+                <a:cs typeface="+mn-lt"/>
+              </a:rPr>
+              <a:t>Entradas.</a:t>
+            </a:r>
+            <a:endParaRPr lang="pt-BR" dirty="0"/>
+          </a:p>
+          <a:p>
+            <a:pPr>
+              <a:buNone/>
+            </a:pPr>
+            <a:r>
+              <a:rPr lang="pt-BR" sz="2000" dirty="0">
+                <a:ea typeface="+mn-lt"/>
+                <a:cs typeface="+mn-lt"/>
+              </a:rPr>
+              <a:t>1 Plano de gerenciamento do projeto.</a:t>
+            </a:r>
+            <a:endParaRPr lang="pt-BR" dirty="0"/>
+          </a:p>
+          <a:p>
+            <a:pPr>
+              <a:buNone/>
+            </a:pPr>
+            <a:r>
+              <a:rPr lang="pt-BR" sz="2000" dirty="0">
+                <a:ea typeface="+mn-lt"/>
+                <a:cs typeface="+mn-lt"/>
+              </a:rPr>
+              <a:t>2 Previsões para </a:t>
+            </a:r>
+            <a:r>
+              <a:rPr lang="pt-BR" sz="2000" dirty="0" err="1">
+                <a:ea typeface="+mn-lt"/>
+                <a:cs typeface="+mn-lt"/>
+              </a:rPr>
+              <a:t>términoDerivadas</a:t>
+            </a:r>
+            <a:r>
+              <a:rPr lang="pt-BR" sz="2000" dirty="0">
+                <a:ea typeface="+mn-lt"/>
+                <a:cs typeface="+mn-lt"/>
+              </a:rPr>
+              <a:t> da comparação entre a linha de base do cronograma e a situação atual, apuração de variações estabelecendo índices..</a:t>
+            </a:r>
+            <a:endParaRPr lang="pt-BR" dirty="0"/>
+          </a:p>
+          <a:p>
+            <a:pPr>
+              <a:buNone/>
+            </a:pPr>
+            <a:r>
+              <a:rPr lang="pt-BR" sz="2000" dirty="0">
+                <a:ea typeface="+mn-lt"/>
+                <a:cs typeface="+mn-lt"/>
+              </a:rPr>
+              <a:t>3 Previsões para custo</a:t>
+            </a:r>
+            <a:endParaRPr lang="pt-BR" dirty="0"/>
+          </a:p>
+          <a:p>
+            <a:pPr>
+              <a:buNone/>
+            </a:pPr>
+            <a:endParaRPr lang="pt-BR" sz="2000" dirty="0">
+              <a:ea typeface="+mn-lt"/>
+              <a:cs typeface="+mn-lt"/>
+            </a:endParaRPr>
+          </a:p>
+          <a:p>
+            <a:pPr>
+              <a:buNone/>
+            </a:pPr>
+            <a:endParaRPr lang="pt-BR" sz="2000" dirty="0">
+              <a:ea typeface="+mn-lt"/>
+              <a:cs typeface="+mn-lt"/>
+            </a:endParaRPr>
+          </a:p>
+          <a:p>
+            <a:pPr>
+              <a:buNone/>
+            </a:pPr>
+            <a:endParaRPr lang="pt-BR" sz="2000" dirty="0">
+              <a:ea typeface="+mn-lt"/>
+              <a:cs typeface="+mn-lt"/>
+            </a:endParaRPr>
+          </a:p>
+          <a:p>
+            <a:pPr>
+              <a:buNone/>
+            </a:pPr>
+            <a:endParaRPr lang="pt-BR" sz="2000" dirty="0">
+              <a:ea typeface="+mn-lt"/>
+              <a:cs typeface="+mn-lt"/>
+            </a:endParaRPr>
+          </a:p>
+          <a:p>
+            <a:pPr>
+              <a:buNone/>
+            </a:pPr>
+            <a:endParaRPr lang="pt-BR" sz="2000" dirty="0">
+              <a:cs typeface="Calibri"/>
+            </a:endParaRPr>
+          </a:p>
+          <a:p>
+            <a:pPr>
+              <a:buNone/>
+            </a:pPr>
+            <a:endParaRPr lang="pt-BR" sz="2000" dirty="0">
+              <a:cs typeface="Calibri"/>
+            </a:endParaRPr>
+          </a:p>
+          <a:p>
+            <a:pPr>
+              <a:buNone/>
+            </a:pPr>
+            <a:endParaRPr lang="pt-BR" sz="2000" dirty="0">
+              <a:ea typeface="+mn-lt"/>
+              <a:cs typeface="+mn-lt"/>
+            </a:endParaRPr>
+          </a:p>
+          <a:p>
+            <a:pPr>
+              <a:buNone/>
+            </a:pPr>
+            <a:endParaRPr lang="pt-BR" sz="2000" b="1" dirty="0">
+              <a:ea typeface="+mn-lt"/>
+              <a:cs typeface="+mn-lt"/>
+            </a:endParaRPr>
+          </a:p>
+          <a:p>
+            <a:pPr>
+              <a:buNone/>
+            </a:pPr>
+            <a:endParaRPr lang="pt-BR" sz="2000" dirty="0">
+              <a:cs typeface="Calibri"/>
+            </a:endParaRPr>
+          </a:p>
+          <a:p>
+            <a:pPr>
+              <a:buNone/>
+            </a:pPr>
+            <a:endParaRPr lang="pt-BR" sz="2000" dirty="0">
+              <a:cs typeface="Calibri"/>
+            </a:endParaRPr>
+          </a:p>
+          <a:p>
+            <a:pPr>
+              <a:buNone/>
+            </a:pPr>
+            <a:endParaRPr lang="pt-BR" sz="2000" dirty="0">
+              <a:cs typeface="Calibri"/>
+            </a:endParaRPr>
+          </a:p>
+          <a:p>
+            <a:pPr>
+              <a:buNone/>
+            </a:pPr>
+            <a:endParaRPr lang="pt-BR" sz="2000" dirty="0">
+              <a:cs typeface="Calibri"/>
+            </a:endParaRPr>
+          </a:p>
+          <a:p>
+            <a:pPr>
+              <a:buNone/>
+            </a:pPr>
+            <a:endParaRPr lang="pt-BR" sz="2000" dirty="0">
+              <a:cs typeface="Calibri"/>
+            </a:endParaRPr>
+          </a:p>
+          <a:p>
+            <a:pPr>
+              <a:buNone/>
+            </a:pPr>
+            <a:endParaRPr lang="pt-BR" sz="2000">
+              <a:cs typeface="Calibri"/>
+            </a:endParaRPr>
+          </a:p>
+          <a:p>
+            <a:pPr>
+              <a:buNone/>
+            </a:pPr>
+            <a:endParaRPr lang="pt-BR" sz="2000">
+              <a:cs typeface="Calibri"/>
+            </a:endParaRPr>
+          </a:p>
+          <a:p>
+            <a:pPr>
+              <a:buNone/>
+            </a:pPr>
+            <a:endParaRPr lang="pt-BR" sz="2000">
+              <a:cs typeface="Calibri"/>
+            </a:endParaRPr>
+          </a:p>
+          <a:p>
+            <a:pPr>
+              <a:buNone/>
+            </a:pPr>
+            <a:endParaRPr lang="pt-BR" sz="2000">
+              <a:cs typeface="Calibri"/>
+            </a:endParaRPr>
+          </a:p>
+          <a:p>
+            <a:pPr>
+              <a:buNone/>
+            </a:pPr>
+            <a:endParaRPr lang="pt-BR" sz="2000">
+              <a:cs typeface="Calibri"/>
+            </a:endParaRPr>
+          </a:p>
+          <a:p>
+            <a:pPr marL="0" indent="0">
+              <a:buNone/>
+            </a:pPr>
+            <a:endParaRPr lang="pt-BR" sz="2000">
+              <a:cs typeface="Calibri"/>
+            </a:endParaRPr>
+          </a:p>
+          <a:p>
+            <a:endParaRPr lang="pt-BR" sz="2000">
+              <a:cs typeface="Calibri"/>
+            </a:endParaRPr>
+          </a:p>
+        </p:txBody>
+      </p:sp>
+      <p:sp>
+        <p:nvSpPr>
+          <p:cNvPr id="41" name="Rectangle 40">
+            <a:extLst>
+              <a:ext uri="{FF2B5EF4-FFF2-40B4-BE49-F238E27FC236}">
+                <a16:creationId xmlns:a16="http://schemas.microsoft.com/office/drawing/2014/main" id="{2E80C965-DB6D-4F81-9E9E-B027384D0BD6}"/>
+              </a:ext>
+              <a:ext uri="{C183D7F6-B498-43B3-948B-1728B52AA6E4}">
+                <adec:decorative xmlns:adec="http://schemas.microsoft.com/office/drawing/2017/decorative" val="1"/>
+              </a:ext>
+            </a:extLst>
+          </p:cNvPr>
+          <p:cNvSpPr>
+            <a:spLocks noGrp="1" noRot="1" noChangeAspect="1" noMove="1" noResize="1" noEditPoints="1" noAdjustHandles="1" noChangeArrowheads="1" noChangeShapeType="1" noTextEdit="1"/>
+          </p:cNvSpPr>
+          <p:nvPr>
+            <p:extLst>
+              <p:ext uri="{386F3935-93C4-4BCD-93E2-E3B085C9AB24}">
+                <p16:designElem xmlns:p16="http://schemas.microsoft.com/office/powerpoint/2015/main" val="1"/>
+              </p:ext>
+            </p:extLst>
+          </p:nvPr>
+        </p:nvSpPr>
+        <p:spPr>
+          <a:xfrm rot="2700000">
+            <a:off x="11052629" y="2120024"/>
+            <a:ext cx="645368" cy="645368"/>
+          </a:xfrm>
+          <a:prstGeom prst="rect">
+            <a:avLst/>
+          </a:prstGeom>
+          <a:solidFill>
+            <a:schemeClr val="accent4">
+              <a:alpha val="30000"/>
+            </a:schemeClr>
+          </a:solidFill>
+          <a:ln>
+            <a:noFill/>
+          </a:ln>
+        </p:spPr>
+        <p:style>
+          <a:lnRef idx="2">
+            <a:schemeClr val="accent1">
+              <a:shade val="50000"/>
+            </a:schemeClr>
+          </a:lnRef>
+          <a:fillRef idx="1">
+            <a:schemeClr val="accent1"/>
+          </a:fillRef>
+          <a:effectRef idx="0">
+            <a:schemeClr val="accent1"/>
+          </a:effectRef>
+          <a:fontRef idx="minor">
+            <a:schemeClr val="lt1"/>
+          </a:fontRef>
+        </p:style>
+        <p:txBody>
+          <a:bodyPr rtlCol="0" anchor="ctr"/>
+          <a:lstStyle/>
+          <a:p>
+            <a:pPr algn="ctr"/>
+            <a:endParaRPr lang="en-US"/>
+          </a:p>
+        </p:txBody>
+      </p:sp>
+      <p:sp>
+        <p:nvSpPr>
+          <p:cNvPr id="43" name="Isosceles Triangle 42">
+            <a:extLst>
+              <a:ext uri="{FF2B5EF4-FFF2-40B4-BE49-F238E27FC236}">
+                <a16:creationId xmlns:a16="http://schemas.microsoft.com/office/drawing/2014/main" id="{A580F890-B085-4E95-96AA-55AEBEC5CE6E}"/>
+              </a:ext>
+              <a:ext uri="{C183D7F6-B498-43B3-948B-1728B52AA6E4}">
+                <adec:decorative xmlns:adec="http://schemas.microsoft.com/office/drawing/2017/decorative" val="1"/>
+              </a:ext>
+            </a:extLst>
+          </p:cNvPr>
+          <p:cNvSpPr>
+            <a:spLocks noGrp="1" noRot="1" noChangeAspect="1" noMove="1" noResize="1" noEditPoints="1" noAdjustHandles="1" noChangeArrowheads="1" noChangeShapeType="1" noTextEdit="1"/>
+          </p:cNvSpPr>
+          <p:nvPr>
+            <p:extLst>
+              <p:ext uri="{386F3935-93C4-4BCD-93E2-E3B085C9AB24}">
+                <p16:designElem xmlns:p16="http://schemas.microsoft.com/office/powerpoint/2015/main" val="1"/>
+              </p:ext>
+            </p:extLst>
+          </p:nvPr>
+        </p:nvSpPr>
+        <p:spPr>
+          <a:xfrm rot="16200000">
+            <a:off x="10289068" y="1343027"/>
+            <a:ext cx="2532832" cy="1273032"/>
+          </a:xfrm>
+          <a:prstGeom prst="triangle">
+            <a:avLst>
+              <a:gd name="adj" fmla="val 50000"/>
+            </a:avLst>
+          </a:prstGeom>
+          <a:solidFill>
+            <a:schemeClr val="accent4">
+              <a:alpha val="30000"/>
+            </a:schemeClr>
+          </a:solidFill>
+          <a:ln>
+            <a:noFill/>
+          </a:ln>
+        </p:spPr>
+        <p:style>
+          <a:lnRef idx="2">
+            <a:schemeClr val="accent1">
+              <a:shade val="50000"/>
+            </a:schemeClr>
+          </a:lnRef>
+          <a:fillRef idx="1">
+            <a:schemeClr val="accent1"/>
+          </a:fillRef>
+          <a:effectRef idx="0">
+            <a:schemeClr val="accent1"/>
+          </a:effectRef>
+          <a:fontRef idx="minor">
+            <a:schemeClr val="lt1"/>
+          </a:fontRef>
+        </p:style>
+        <p:txBody>
+          <a:bodyPr rtlCol="0" anchor="ctr"/>
+          <a:lstStyle/>
+          <a:p>
+            <a:pPr algn="ctr"/>
+            <a:endParaRPr lang="en-US"/>
+          </a:p>
+        </p:txBody>
+      </p:sp>
+      <p:sp>
+        <p:nvSpPr>
+          <p:cNvPr id="45" name="Isosceles Triangle 44">
+            <a:extLst>
+              <a:ext uri="{FF2B5EF4-FFF2-40B4-BE49-F238E27FC236}">
+                <a16:creationId xmlns:a16="http://schemas.microsoft.com/office/drawing/2014/main" id="{D3F51FEB-38FB-4F6C-9F7B-2F2AFAB65463}"/>
+              </a:ext>
+              <a:ext uri="{C183D7F6-B498-43B3-948B-1728B52AA6E4}">
+                <adec:decorative xmlns:adec="http://schemas.microsoft.com/office/drawing/2017/decorative" val="1"/>
+              </a:ext>
+            </a:extLst>
+          </p:cNvPr>
+          <p:cNvSpPr>
+            <a:spLocks noGrp="1" noRot="1" noChangeAspect="1" noMove="1" noResize="1" noEditPoints="1" noAdjustHandles="1" noChangeArrowheads="1" noChangeShapeType="1" noTextEdit="1"/>
+          </p:cNvSpPr>
+          <p:nvPr>
+            <p:extLst>
+              <p:ext uri="{386F3935-93C4-4BCD-93E2-E3B085C9AB24}">
+                <p16:designElem xmlns:p16="http://schemas.microsoft.com/office/powerpoint/2015/main" val="1"/>
+              </p:ext>
+            </p:extLst>
+          </p:nvPr>
+        </p:nvSpPr>
+        <p:spPr>
+          <a:xfrm rot="5400000">
+            <a:off x="-501760" y="5103257"/>
+            <a:ext cx="2017580" cy="1014060"/>
+          </a:xfrm>
+          <a:prstGeom prst="triangle">
+            <a:avLst>
+              <a:gd name="adj" fmla="val 50000"/>
+            </a:avLst>
+          </a:prstGeom>
+          <a:solidFill>
+            <a:schemeClr val="accent1">
+              <a:alpha val="30000"/>
+            </a:schemeClr>
+          </a:solidFill>
+          <a:ln>
+            <a:noFill/>
+          </a:ln>
+        </p:spPr>
+        <p:style>
+          <a:lnRef idx="2">
+            <a:schemeClr val="accent1">
+              <a:shade val="50000"/>
+            </a:schemeClr>
+          </a:lnRef>
+          <a:fillRef idx="1">
+            <a:schemeClr val="accent1"/>
+          </a:fillRef>
+          <a:effectRef idx="0">
+            <a:schemeClr val="accent1"/>
+          </a:effectRef>
+          <a:fontRef idx="minor">
+            <a:schemeClr val="lt1"/>
+          </a:fontRef>
+        </p:style>
+        <p:txBody>
+          <a:bodyPr wrap="square" rtlCol="0" anchor="ctr">
+            <a:noAutofit/>
+          </a:bodyPr>
+          <a:lstStyle/>
+          <a:p>
+            <a:pPr algn="ctr"/>
+            <a:endParaRPr lang="en-US"/>
+          </a:p>
+        </p:txBody>
+      </p:sp>
+      <p:sp>
+        <p:nvSpPr>
+          <p:cNvPr id="47" name="Rectangle 46">
+            <a:extLst>
+              <a:ext uri="{FF2B5EF4-FFF2-40B4-BE49-F238E27FC236}">
+                <a16:creationId xmlns:a16="http://schemas.microsoft.com/office/drawing/2014/main" id="{1E547BA6-BAE0-43BB-A7CA-60F69CE252F0}"/>
+              </a:ext>
+              <a:ext uri="{C183D7F6-B498-43B3-948B-1728B52AA6E4}">
+                <adec:decorative xmlns:adec="http://schemas.microsoft.com/office/drawing/2017/decorative" val="1"/>
+              </a:ext>
+            </a:extLst>
+          </p:cNvPr>
+          <p:cNvSpPr>
+            <a:spLocks noGrp="1" noRot="1" noChangeAspect="1" noMove="1" noResize="1" noEditPoints="1" noAdjustHandles="1" noChangeArrowheads="1" noChangeShapeType="1" noTextEdit="1"/>
+          </p:cNvSpPr>
+          <p:nvPr>
+            <p:extLst>
+              <p:ext uri="{386F3935-93C4-4BCD-93E2-E3B085C9AB24}">
+                <p16:designElem xmlns:p16="http://schemas.microsoft.com/office/powerpoint/2015/main" val="1"/>
+              </p:ext>
+            </p:extLst>
+          </p:nvPr>
+        </p:nvSpPr>
+        <p:spPr>
+          <a:xfrm rot="2700000">
+            <a:off x="427916" y="5728708"/>
+            <a:ext cx="485578" cy="485578"/>
+          </a:xfrm>
+          <a:prstGeom prst="rect">
+            <a:avLst/>
+          </a:prstGeom>
+          <a:solidFill>
+            <a:schemeClr val="accent1">
+              <a:alpha val="30000"/>
+            </a:schemeClr>
+          </a:solidFill>
+          <a:ln>
+            <a:noFill/>
+          </a:ln>
+        </p:spPr>
+        <p:style>
+          <a:lnRef idx="2">
+            <a:schemeClr val="accent1">
+              <a:shade val="50000"/>
+            </a:schemeClr>
+          </a:lnRef>
+          <a:fillRef idx="1">
+            <a:schemeClr val="accent1"/>
+          </a:fillRef>
+          <a:effectRef idx="0">
+            <a:schemeClr val="accent1"/>
+          </a:effectRef>
+          <a:fontRef idx="minor">
+            <a:schemeClr val="lt1"/>
+          </a:fontRef>
+        </p:style>
+        <p:txBody>
+          <a:bodyPr wrap="square" rtlCol="0" anchor="ctr">
+            <a:noAutofit/>
+          </a:bodyPr>
+          <a:lstStyle/>
+          <a:p>
+            <a:pPr algn="ctr"/>
+            <a:endParaRPr lang="en-US"/>
+          </a:p>
+        </p:txBody>
+      </p:sp>
+    </p:spTree>
+    <p:extLst>
+      <p:ext uri="{BB962C8B-B14F-4D97-AF65-F5344CB8AC3E}">
+        <p14:creationId xmlns:p14="http://schemas.microsoft.com/office/powerpoint/2010/main" val="3807632187"/>
+      </p:ext>
+    </p:extLst>
+  </p:cSld>
+  <p:clrMapOvr>
+    <a:masterClrMapping/>
+  </p:clrMapOvr>
+</p:sld>
+</file>
+
+<file path=ppt/slides/slide36.xml><?xml version="1.0" encoding="utf-8"?>
+<p:sld xmlns:a="http://schemas.openxmlformats.org/drawingml/2006/main" xmlns:r="http://schemas.openxmlformats.org/officeDocument/2006/relationships" xmlns:p="http://schemas.openxmlformats.org/presentationml/2006/main">
+  <p:cSld>
+    <p:bg>
+      <p:bgPr>
+        <a:solidFill>
+          <a:schemeClr val="bg1"/>
+        </a:solidFill>
+        <a:effectLst/>
+      </p:bgPr>
+    </p:bg>
+    <p:spTree>
+      <p:nvGrpSpPr>
+        <p:cNvPr id="1" name=""/>
+        <p:cNvGrpSpPr/>
+        <p:nvPr/>
+      </p:nvGrpSpPr>
+      <p:grpSpPr>
+        <a:xfrm>
+          <a:off x="0" y="0"/>
+          <a:ext cx="0" cy="0"/>
+          <a:chOff x="0" y="0"/>
+          <a:chExt cx="0" cy="0"/>
+        </a:xfrm>
+      </p:grpSpPr>
+      <p:sp>
+        <p:nvSpPr>
+          <p:cNvPr id="39" name="Rectangle 38">
+            <a:extLst>
+              <a:ext uri="{FF2B5EF4-FFF2-40B4-BE49-F238E27FC236}">
+                <a16:creationId xmlns:a16="http://schemas.microsoft.com/office/drawing/2014/main" id="{2B566528-1B12-4246-9431-5C2D7D081168}"/>
+              </a:ext>
+              <a:ext uri="{C183D7F6-B498-43B3-948B-1728B52AA6E4}">
+                <adec:decorative xmlns:adec="http://schemas.microsoft.com/office/drawing/2017/decorative" val="1"/>
+              </a:ext>
+            </a:extLst>
+          </p:cNvPr>
+          <p:cNvSpPr>
+            <a:spLocks noGrp="1" noRot="1" noChangeAspect="1" noMove="1" noResize="1" noEditPoints="1" noAdjustHandles="1" noChangeArrowheads="1" noChangeShapeType="1" noTextEdit="1"/>
+          </p:cNvSpPr>
+          <p:nvPr>
+            <p:extLst>
+              <p:ext uri="{386F3935-93C4-4BCD-93E2-E3B085C9AB24}">
+                <p16:designElem xmlns:p16="http://schemas.microsoft.com/office/powerpoint/2015/main" val="1"/>
+              </p:ext>
+            </p:extLst>
+          </p:nvPr>
+        </p:nvSpPr>
+        <p:spPr>
+          <a:xfrm>
+            <a:off x="0" y="0"/>
+            <a:ext cx="12192000" cy="6858000"/>
+          </a:xfrm>
+          <a:prstGeom prst="rect">
+            <a:avLst/>
+          </a:prstGeom>
+          <a:solidFill>
+            <a:schemeClr val="bg1"/>
+          </a:solidFill>
+          <a:ln>
+            <a:noFill/>
+          </a:ln>
+        </p:spPr>
+        <p:style>
+          <a:lnRef idx="2">
+            <a:schemeClr val="accent1">
+              <a:shade val="50000"/>
+            </a:schemeClr>
+          </a:lnRef>
+          <a:fillRef idx="1">
+            <a:schemeClr val="accent1"/>
+          </a:fillRef>
+          <a:effectRef idx="0">
+            <a:schemeClr val="accent1"/>
+          </a:effectRef>
+          <a:fontRef idx="minor">
+            <a:schemeClr val="lt1"/>
+          </a:fontRef>
+        </p:style>
+        <p:txBody>
+          <a:bodyPr rtlCol="0" anchor="ctr"/>
+          <a:lstStyle/>
+          <a:p>
+            <a:pPr algn="ctr"/>
+            <a:endParaRPr lang="en-US"/>
+          </a:p>
+        </p:txBody>
+      </p:sp>
+      <p:sp>
+        <p:nvSpPr>
+          <p:cNvPr id="2" name="Título 1">
+            <a:extLst>
+              <a:ext uri="{FF2B5EF4-FFF2-40B4-BE49-F238E27FC236}">
+                <a16:creationId xmlns:a16="http://schemas.microsoft.com/office/drawing/2014/main" id="{46991FFA-5E35-051D-3B8C-8962250E1C9A}"/>
+              </a:ext>
+            </a:extLst>
+          </p:cNvPr>
+          <p:cNvSpPr>
+            <a:spLocks noGrp="1"/>
+          </p:cNvSpPr>
+          <p:nvPr>
+            <p:ph type="title"/>
+          </p:nvPr>
+        </p:nvSpPr>
+        <p:spPr>
+          <a:xfrm>
+            <a:off x="643467" y="321734"/>
+            <a:ext cx="10905066" cy="1135737"/>
+          </a:xfrm>
+        </p:spPr>
+        <p:txBody>
+          <a:bodyPr>
+            <a:normAutofit/>
+          </a:bodyPr>
+          <a:lstStyle/>
+          <a:p>
+            <a:r>
+              <a:rPr lang="pt-BR" sz="3600" b="1" dirty="0">
+                <a:ea typeface="+mj-lt"/>
+                <a:cs typeface="+mj-lt"/>
+              </a:rPr>
+              <a:t>4.4 Monitorar e Controlar o trabalho do projeto</a:t>
+            </a:r>
+            <a:endParaRPr lang="pt-BR" dirty="0">
+              <a:ea typeface="+mj-lt"/>
+              <a:cs typeface="+mj-lt"/>
+            </a:endParaRPr>
+          </a:p>
+        </p:txBody>
+      </p:sp>
+      <p:sp>
+        <p:nvSpPr>
+          <p:cNvPr id="3" name="Espaço Reservado para Conteúdo 2">
+            <a:extLst>
+              <a:ext uri="{FF2B5EF4-FFF2-40B4-BE49-F238E27FC236}">
+                <a16:creationId xmlns:a16="http://schemas.microsoft.com/office/drawing/2014/main" id="{1F560DD4-1938-249D-D353-6A108002A6DE}"/>
+              </a:ext>
+            </a:extLst>
+          </p:cNvPr>
+          <p:cNvSpPr>
+            <a:spLocks noGrp="1"/>
+          </p:cNvSpPr>
+          <p:nvPr>
+            <p:ph idx="1"/>
+          </p:nvPr>
+        </p:nvSpPr>
+        <p:spPr>
+          <a:xfrm>
+            <a:off x="657844" y="1610453"/>
+            <a:ext cx="10890689" cy="4566510"/>
+          </a:xfrm>
+        </p:spPr>
+        <p:txBody>
+          <a:bodyPr vert="horz" lIns="91440" tIns="45720" rIns="91440" bIns="45720" rtlCol="0" anchor="t">
+            <a:normAutofit/>
+          </a:bodyPr>
+          <a:lstStyle/>
+          <a:p>
+            <a:pPr>
+              <a:buNone/>
+            </a:pPr>
+            <a:r>
+              <a:rPr lang="pt-BR" sz="2000" dirty="0">
+                <a:ea typeface="+mn-lt"/>
+                <a:cs typeface="+mn-lt"/>
+              </a:rPr>
+              <a:t>Entradas.</a:t>
+            </a:r>
+            <a:endParaRPr lang="pt-BR" dirty="0">
+              <a:ea typeface="+mn-lt"/>
+              <a:cs typeface="+mn-lt"/>
+            </a:endParaRPr>
+          </a:p>
+          <a:p>
+            <a:pPr>
+              <a:buNone/>
+            </a:pPr>
+            <a:r>
+              <a:rPr lang="pt-BR" sz="2000" dirty="0">
+                <a:ea typeface="+mn-lt"/>
+                <a:cs typeface="+mn-lt"/>
+              </a:rPr>
+              <a:t>.4 Solicitações de mudança validadas</a:t>
+            </a:r>
+            <a:endParaRPr lang="pt-BR" dirty="0"/>
+          </a:p>
+          <a:p>
+            <a:pPr>
+              <a:buNone/>
+            </a:pPr>
+            <a:r>
+              <a:rPr lang="pt-BR" sz="2000" dirty="0">
+                <a:ea typeface="+mn-lt"/>
+                <a:cs typeface="+mn-lt"/>
+              </a:rPr>
+              <a:t>As solicitações de mudança eventualmente rejeitadas incluem sua documentação de apoio e a situação da revisão das mudanças, que mostra a razão e destinação dos pedidos quando rejeitados.</a:t>
+            </a:r>
+            <a:endParaRPr lang="pt-BR" dirty="0"/>
+          </a:p>
+          <a:p>
+            <a:pPr marL="0" indent="0">
+              <a:buNone/>
+            </a:pPr>
+            <a:r>
+              <a:rPr lang="pt-BR" sz="2000" dirty="0">
+                <a:ea typeface="+mn-lt"/>
+                <a:cs typeface="+mn-lt"/>
+              </a:rPr>
+              <a:t>.5 Informações de Desempenho</a:t>
+            </a:r>
+            <a:endParaRPr lang="pt-BR" dirty="0">
+              <a:cs typeface="Calibri" panose="020F0502020204030204"/>
+            </a:endParaRPr>
+          </a:p>
+          <a:p>
+            <a:pPr marL="0" indent="0">
+              <a:buNone/>
+            </a:pPr>
+            <a:r>
+              <a:rPr lang="pt-BR" sz="2000" dirty="0">
+                <a:ea typeface="+mn-lt"/>
+                <a:cs typeface="+mn-lt"/>
+              </a:rPr>
+              <a:t>.6 Fatores ambientais organizacionais.</a:t>
+            </a:r>
+            <a:endParaRPr lang="pt-BR" dirty="0">
+              <a:cs typeface="Calibri" panose="020F0502020204030204"/>
+            </a:endParaRPr>
+          </a:p>
+          <a:p>
+            <a:pPr marL="0" indent="0">
+              <a:buNone/>
+            </a:pPr>
+            <a:r>
+              <a:rPr lang="pt-BR" sz="2000" dirty="0">
+                <a:ea typeface="+mn-lt"/>
+                <a:cs typeface="+mn-lt"/>
+              </a:rPr>
+              <a:t>.7 Ativos de processos organizacionais</a:t>
+            </a:r>
+            <a:endParaRPr lang="pt-BR">
+              <a:cs typeface="Calibri" panose="020F0502020204030204"/>
+            </a:endParaRPr>
+          </a:p>
+          <a:p>
+            <a:pPr>
+              <a:buNone/>
+            </a:pPr>
+            <a:endParaRPr lang="pt-BR" sz="2000" dirty="0">
+              <a:cs typeface="Calibri"/>
+            </a:endParaRPr>
+          </a:p>
+          <a:p>
+            <a:pPr>
+              <a:buNone/>
+            </a:pPr>
+            <a:endParaRPr lang="pt-BR" sz="2000" dirty="0">
+              <a:ea typeface="+mn-lt"/>
+              <a:cs typeface="+mn-lt"/>
+            </a:endParaRPr>
+          </a:p>
+          <a:p>
+            <a:pPr>
+              <a:buNone/>
+            </a:pPr>
+            <a:endParaRPr lang="pt-BR" sz="2000" dirty="0">
+              <a:ea typeface="+mn-lt"/>
+              <a:cs typeface="+mn-lt"/>
+            </a:endParaRPr>
+          </a:p>
+          <a:p>
+            <a:pPr>
+              <a:buNone/>
+            </a:pPr>
+            <a:endParaRPr lang="pt-BR" sz="2000" dirty="0">
+              <a:ea typeface="+mn-lt"/>
+              <a:cs typeface="+mn-lt"/>
+            </a:endParaRPr>
+          </a:p>
+          <a:p>
+            <a:pPr>
+              <a:buNone/>
+            </a:pPr>
+            <a:endParaRPr lang="pt-BR" sz="2000" dirty="0">
+              <a:ea typeface="+mn-lt"/>
+              <a:cs typeface="+mn-lt"/>
+            </a:endParaRPr>
+          </a:p>
+          <a:p>
+            <a:pPr>
+              <a:buNone/>
+            </a:pPr>
+            <a:endParaRPr lang="pt-BR" sz="2000" dirty="0">
+              <a:cs typeface="Calibri"/>
+            </a:endParaRPr>
+          </a:p>
+          <a:p>
+            <a:pPr>
+              <a:buNone/>
+            </a:pPr>
+            <a:endParaRPr lang="pt-BR" sz="2000" dirty="0">
+              <a:cs typeface="Calibri"/>
+            </a:endParaRPr>
+          </a:p>
+          <a:p>
+            <a:pPr>
+              <a:buNone/>
+            </a:pPr>
+            <a:endParaRPr lang="pt-BR" sz="2000" dirty="0">
+              <a:ea typeface="+mn-lt"/>
+              <a:cs typeface="+mn-lt"/>
+            </a:endParaRPr>
+          </a:p>
+          <a:p>
+            <a:pPr>
+              <a:buNone/>
+            </a:pPr>
+            <a:endParaRPr lang="pt-BR" sz="2000" b="1" dirty="0">
+              <a:ea typeface="+mn-lt"/>
+              <a:cs typeface="+mn-lt"/>
+            </a:endParaRPr>
+          </a:p>
+          <a:p>
+            <a:pPr>
+              <a:buNone/>
+            </a:pPr>
+            <a:endParaRPr lang="pt-BR" sz="2000" dirty="0">
+              <a:cs typeface="Calibri"/>
+            </a:endParaRPr>
+          </a:p>
+          <a:p>
+            <a:pPr>
+              <a:buNone/>
+            </a:pPr>
+            <a:endParaRPr lang="pt-BR" sz="2000" dirty="0">
+              <a:cs typeface="Calibri"/>
+            </a:endParaRPr>
+          </a:p>
+          <a:p>
+            <a:pPr>
+              <a:buNone/>
+            </a:pPr>
+            <a:endParaRPr lang="pt-BR" sz="2000" dirty="0">
+              <a:cs typeface="Calibri"/>
+            </a:endParaRPr>
+          </a:p>
+          <a:p>
+            <a:pPr>
+              <a:buNone/>
+            </a:pPr>
+            <a:endParaRPr lang="pt-BR" sz="2000" dirty="0">
+              <a:cs typeface="Calibri"/>
+            </a:endParaRPr>
+          </a:p>
+          <a:p>
+            <a:pPr>
+              <a:buNone/>
+            </a:pPr>
+            <a:endParaRPr lang="pt-BR" sz="2000" dirty="0">
+              <a:cs typeface="Calibri"/>
+            </a:endParaRPr>
+          </a:p>
+          <a:p>
+            <a:pPr>
+              <a:buNone/>
+            </a:pPr>
+            <a:endParaRPr lang="pt-BR" sz="2000">
+              <a:cs typeface="Calibri"/>
+            </a:endParaRPr>
+          </a:p>
+          <a:p>
+            <a:pPr>
+              <a:buNone/>
+            </a:pPr>
+            <a:endParaRPr lang="pt-BR" sz="2000">
+              <a:cs typeface="Calibri"/>
+            </a:endParaRPr>
+          </a:p>
+          <a:p>
+            <a:pPr>
+              <a:buNone/>
+            </a:pPr>
+            <a:endParaRPr lang="pt-BR" sz="2000">
+              <a:cs typeface="Calibri"/>
+            </a:endParaRPr>
+          </a:p>
+          <a:p>
+            <a:pPr>
+              <a:buNone/>
+            </a:pPr>
+            <a:endParaRPr lang="pt-BR" sz="2000">
+              <a:cs typeface="Calibri"/>
+            </a:endParaRPr>
+          </a:p>
+          <a:p>
+            <a:pPr>
+              <a:buNone/>
+            </a:pPr>
+            <a:endParaRPr lang="pt-BR" sz="2000">
+              <a:cs typeface="Calibri"/>
+            </a:endParaRPr>
+          </a:p>
+          <a:p>
+            <a:pPr marL="0" indent="0">
+              <a:buNone/>
+            </a:pPr>
+            <a:endParaRPr lang="pt-BR" sz="2000">
+              <a:cs typeface="Calibri"/>
+            </a:endParaRPr>
+          </a:p>
+          <a:p>
+            <a:endParaRPr lang="pt-BR" sz="2000">
+              <a:cs typeface="Calibri"/>
+            </a:endParaRPr>
+          </a:p>
+        </p:txBody>
+      </p:sp>
+      <p:sp>
+        <p:nvSpPr>
+          <p:cNvPr id="41" name="Rectangle 40">
+            <a:extLst>
+              <a:ext uri="{FF2B5EF4-FFF2-40B4-BE49-F238E27FC236}">
+                <a16:creationId xmlns:a16="http://schemas.microsoft.com/office/drawing/2014/main" id="{2E80C965-DB6D-4F81-9E9E-B027384D0BD6}"/>
+              </a:ext>
+              <a:ext uri="{C183D7F6-B498-43B3-948B-1728B52AA6E4}">
+                <adec:decorative xmlns:adec="http://schemas.microsoft.com/office/drawing/2017/decorative" val="1"/>
+              </a:ext>
+            </a:extLst>
+          </p:cNvPr>
+          <p:cNvSpPr>
+            <a:spLocks noGrp="1" noRot="1" noChangeAspect="1" noMove="1" noResize="1" noEditPoints="1" noAdjustHandles="1" noChangeArrowheads="1" noChangeShapeType="1" noTextEdit="1"/>
+          </p:cNvSpPr>
+          <p:nvPr>
+            <p:extLst>
+              <p:ext uri="{386F3935-93C4-4BCD-93E2-E3B085C9AB24}">
+                <p16:designElem xmlns:p16="http://schemas.microsoft.com/office/powerpoint/2015/main" val="1"/>
+              </p:ext>
+            </p:extLst>
+          </p:nvPr>
+        </p:nvSpPr>
+        <p:spPr>
+          <a:xfrm rot="2700000">
+            <a:off x="11052629" y="2120024"/>
+            <a:ext cx="645368" cy="645368"/>
+          </a:xfrm>
+          <a:prstGeom prst="rect">
+            <a:avLst/>
+          </a:prstGeom>
+          <a:solidFill>
+            <a:schemeClr val="accent4">
+              <a:alpha val="30000"/>
+            </a:schemeClr>
+          </a:solidFill>
+          <a:ln>
+            <a:noFill/>
+          </a:ln>
+        </p:spPr>
+        <p:style>
+          <a:lnRef idx="2">
+            <a:schemeClr val="accent1">
+              <a:shade val="50000"/>
+            </a:schemeClr>
+          </a:lnRef>
+          <a:fillRef idx="1">
+            <a:schemeClr val="accent1"/>
+          </a:fillRef>
+          <a:effectRef idx="0">
+            <a:schemeClr val="accent1"/>
+          </a:effectRef>
+          <a:fontRef idx="minor">
+            <a:schemeClr val="lt1"/>
+          </a:fontRef>
+        </p:style>
+        <p:txBody>
+          <a:bodyPr rtlCol="0" anchor="ctr"/>
+          <a:lstStyle/>
+          <a:p>
+            <a:pPr algn="ctr"/>
+            <a:endParaRPr lang="en-US"/>
+          </a:p>
+        </p:txBody>
+      </p:sp>
+      <p:sp>
+        <p:nvSpPr>
+          <p:cNvPr id="43" name="Isosceles Triangle 42">
+            <a:extLst>
+              <a:ext uri="{FF2B5EF4-FFF2-40B4-BE49-F238E27FC236}">
+                <a16:creationId xmlns:a16="http://schemas.microsoft.com/office/drawing/2014/main" id="{A580F890-B085-4E95-96AA-55AEBEC5CE6E}"/>
+              </a:ext>
+              <a:ext uri="{C183D7F6-B498-43B3-948B-1728B52AA6E4}">
+                <adec:decorative xmlns:adec="http://schemas.microsoft.com/office/drawing/2017/decorative" val="1"/>
+              </a:ext>
+            </a:extLst>
+          </p:cNvPr>
+          <p:cNvSpPr>
+            <a:spLocks noGrp="1" noRot="1" noChangeAspect="1" noMove="1" noResize="1" noEditPoints="1" noAdjustHandles="1" noChangeArrowheads="1" noChangeShapeType="1" noTextEdit="1"/>
+          </p:cNvSpPr>
+          <p:nvPr>
+            <p:extLst>
+              <p:ext uri="{386F3935-93C4-4BCD-93E2-E3B085C9AB24}">
+                <p16:designElem xmlns:p16="http://schemas.microsoft.com/office/powerpoint/2015/main" val="1"/>
+              </p:ext>
+            </p:extLst>
+          </p:nvPr>
+        </p:nvSpPr>
+        <p:spPr>
+          <a:xfrm rot="16200000">
+            <a:off x="10289068" y="1343027"/>
+            <a:ext cx="2532832" cy="1273032"/>
+          </a:xfrm>
+          <a:prstGeom prst="triangle">
+            <a:avLst>
+              <a:gd name="adj" fmla="val 50000"/>
+            </a:avLst>
+          </a:prstGeom>
+          <a:solidFill>
+            <a:schemeClr val="accent4">
+              <a:alpha val="30000"/>
+            </a:schemeClr>
+          </a:solidFill>
+          <a:ln>
+            <a:noFill/>
+          </a:ln>
+        </p:spPr>
+        <p:style>
+          <a:lnRef idx="2">
+            <a:schemeClr val="accent1">
+              <a:shade val="50000"/>
+            </a:schemeClr>
+          </a:lnRef>
+          <a:fillRef idx="1">
+            <a:schemeClr val="accent1"/>
+          </a:fillRef>
+          <a:effectRef idx="0">
+            <a:schemeClr val="accent1"/>
+          </a:effectRef>
+          <a:fontRef idx="minor">
+            <a:schemeClr val="lt1"/>
+          </a:fontRef>
+        </p:style>
+        <p:txBody>
+          <a:bodyPr rtlCol="0" anchor="ctr"/>
+          <a:lstStyle/>
+          <a:p>
+            <a:pPr algn="ctr"/>
+            <a:endParaRPr lang="en-US"/>
+          </a:p>
+        </p:txBody>
+      </p:sp>
+      <p:sp>
+        <p:nvSpPr>
+          <p:cNvPr id="45" name="Isosceles Triangle 44">
+            <a:extLst>
+              <a:ext uri="{FF2B5EF4-FFF2-40B4-BE49-F238E27FC236}">
+                <a16:creationId xmlns:a16="http://schemas.microsoft.com/office/drawing/2014/main" id="{D3F51FEB-38FB-4F6C-9F7B-2F2AFAB65463}"/>
+              </a:ext>
+              <a:ext uri="{C183D7F6-B498-43B3-948B-1728B52AA6E4}">
+                <adec:decorative xmlns:adec="http://schemas.microsoft.com/office/drawing/2017/decorative" val="1"/>
+              </a:ext>
+            </a:extLst>
+          </p:cNvPr>
+          <p:cNvSpPr>
+            <a:spLocks noGrp="1" noRot="1" noChangeAspect="1" noMove="1" noResize="1" noEditPoints="1" noAdjustHandles="1" noChangeArrowheads="1" noChangeShapeType="1" noTextEdit="1"/>
+          </p:cNvSpPr>
+          <p:nvPr>
+            <p:extLst>
+              <p:ext uri="{386F3935-93C4-4BCD-93E2-E3B085C9AB24}">
+                <p16:designElem xmlns:p16="http://schemas.microsoft.com/office/powerpoint/2015/main" val="1"/>
+              </p:ext>
+            </p:extLst>
+          </p:nvPr>
+        </p:nvSpPr>
+        <p:spPr>
+          <a:xfrm rot="5400000">
+            <a:off x="-501760" y="5103257"/>
+            <a:ext cx="2017580" cy="1014060"/>
+          </a:xfrm>
+          <a:prstGeom prst="triangle">
+            <a:avLst>
+              <a:gd name="adj" fmla="val 50000"/>
+            </a:avLst>
+          </a:prstGeom>
+          <a:solidFill>
+            <a:schemeClr val="accent1">
+              <a:alpha val="30000"/>
+            </a:schemeClr>
+          </a:solidFill>
+          <a:ln>
+            <a:noFill/>
+          </a:ln>
+        </p:spPr>
+        <p:style>
+          <a:lnRef idx="2">
+            <a:schemeClr val="accent1">
+              <a:shade val="50000"/>
+            </a:schemeClr>
+          </a:lnRef>
+          <a:fillRef idx="1">
+            <a:schemeClr val="accent1"/>
+          </a:fillRef>
+          <a:effectRef idx="0">
+            <a:schemeClr val="accent1"/>
+          </a:effectRef>
+          <a:fontRef idx="minor">
+            <a:schemeClr val="lt1"/>
+          </a:fontRef>
+        </p:style>
+        <p:txBody>
+          <a:bodyPr wrap="square" rtlCol="0" anchor="ctr">
+            <a:noAutofit/>
+          </a:bodyPr>
+          <a:lstStyle/>
+          <a:p>
+            <a:pPr algn="ctr"/>
+            <a:endParaRPr lang="en-US"/>
+          </a:p>
+        </p:txBody>
+      </p:sp>
+      <p:sp>
+        <p:nvSpPr>
+          <p:cNvPr id="47" name="Rectangle 46">
+            <a:extLst>
+              <a:ext uri="{FF2B5EF4-FFF2-40B4-BE49-F238E27FC236}">
+                <a16:creationId xmlns:a16="http://schemas.microsoft.com/office/drawing/2014/main" id="{1E547BA6-BAE0-43BB-A7CA-60F69CE252F0}"/>
+              </a:ext>
+              <a:ext uri="{C183D7F6-B498-43B3-948B-1728B52AA6E4}">
+                <adec:decorative xmlns:adec="http://schemas.microsoft.com/office/drawing/2017/decorative" val="1"/>
+              </a:ext>
+            </a:extLst>
+          </p:cNvPr>
+          <p:cNvSpPr>
+            <a:spLocks noGrp="1" noRot="1" noChangeAspect="1" noMove="1" noResize="1" noEditPoints="1" noAdjustHandles="1" noChangeArrowheads="1" noChangeShapeType="1" noTextEdit="1"/>
+          </p:cNvSpPr>
+          <p:nvPr>
+            <p:extLst>
+              <p:ext uri="{386F3935-93C4-4BCD-93E2-E3B085C9AB24}">
+                <p16:designElem xmlns:p16="http://schemas.microsoft.com/office/powerpoint/2015/main" val="1"/>
+              </p:ext>
+            </p:extLst>
+          </p:nvPr>
+        </p:nvSpPr>
+        <p:spPr>
+          <a:xfrm rot="2700000">
+            <a:off x="427916" y="5728708"/>
+            <a:ext cx="485578" cy="485578"/>
+          </a:xfrm>
+          <a:prstGeom prst="rect">
+            <a:avLst/>
+          </a:prstGeom>
+          <a:solidFill>
+            <a:schemeClr val="accent1">
+              <a:alpha val="30000"/>
+            </a:schemeClr>
+          </a:solidFill>
+          <a:ln>
+            <a:noFill/>
+          </a:ln>
+        </p:spPr>
+        <p:style>
+          <a:lnRef idx="2">
+            <a:schemeClr val="accent1">
+              <a:shade val="50000"/>
+            </a:schemeClr>
+          </a:lnRef>
+          <a:fillRef idx="1">
+            <a:schemeClr val="accent1"/>
+          </a:fillRef>
+          <a:effectRef idx="0">
+            <a:schemeClr val="accent1"/>
+          </a:effectRef>
+          <a:fontRef idx="minor">
+            <a:schemeClr val="lt1"/>
+          </a:fontRef>
+        </p:style>
+        <p:txBody>
+          <a:bodyPr wrap="square" rtlCol="0" anchor="ctr">
+            <a:noAutofit/>
+          </a:bodyPr>
+          <a:lstStyle/>
+          <a:p>
+            <a:pPr algn="ctr"/>
+            <a:endParaRPr lang="en-US"/>
+          </a:p>
+        </p:txBody>
+      </p:sp>
+    </p:spTree>
+    <p:extLst>
+      <p:ext uri="{BB962C8B-B14F-4D97-AF65-F5344CB8AC3E}">
+        <p14:creationId xmlns:p14="http://schemas.microsoft.com/office/powerpoint/2010/main" val="3769315146"/>
       </p:ext>
     </p:extLst>
   </p:cSld>

--- a/RELATORIO PROVA P2/relatorio-pmbok-capitulo4-jharbes.pptx
+++ b/RELATORIO PROVA P2/relatorio-pmbok-capitulo4-jharbes.pptx
@@ -169,6 +169,7 @@
     <p1510:client id="{48F91746-B893-61F0-E2B5-F484DCEDD16B}" v="352" dt="2022-12-03T12:34:12.174"/>
     <p1510:client id="{89141EF4-D9B1-448E-BF85-A061974F4635}" v="40" dt="2022-11-30T16:19:30.454"/>
     <p1510:client id="{AAE71220-A1A8-A349-D335-1D78B8499119}" v="13" dt="2022-12-03T12:10:22.569"/>
+    <p1510:client id="{EC33A585-3A75-7FFE-4DB2-4ADF2EFB6800}" v="54" dt="2022-12-03T14:10:50.401"/>
   </p1510:revLst>
 </p1510:revInfo>
 </file>
@@ -6580,8 +6581,8 @@
         </p:nvSpPr>
         <p:spPr>
           <a:xfrm>
-            <a:off x="643467" y="1782981"/>
-            <a:ext cx="10905066" cy="4393982"/>
+            <a:off x="1549241" y="1452302"/>
+            <a:ext cx="10157444" cy="4393982"/>
           </a:xfrm>
         </p:spPr>
         <p:txBody>
@@ -6594,52 +6595,52 @@
               <a:buNone/>
             </a:pPr>
             <a:r>
-              <a:rPr lang="pt-BR" sz="2000">
+              <a:rPr lang="pt-BR" sz="2000" b="1" dirty="0">
                 <a:ea typeface="+mn-lt"/>
                 <a:cs typeface="+mn-lt"/>
               </a:rPr>
               <a:t>Ainda fatores ambientais da empresa</a:t>
             </a:r>
-            <a:endParaRPr lang="pt-BR"/>
-          </a:p>
-          <a:p>
-            <a:pPr>
-              <a:buNone/>
-            </a:pPr>
-            <a:r>
-              <a:rPr lang="pt-BR" sz="2000">
+            <a:endParaRPr lang="pt-BR" b="1" dirty="0"/>
+          </a:p>
+          <a:p>
+            <a:pPr>
+              <a:buNone/>
+            </a:pPr>
+            <a:endParaRPr lang="pt-BR" sz="2000" b="1" dirty="0">
+              <a:ea typeface="+mn-lt"/>
+              <a:cs typeface="+mn-lt"/>
+            </a:endParaRPr>
+          </a:p>
+          <a:p>
+            <a:r>
+              <a:rPr lang="pt-BR" sz="2000" dirty="0">
                 <a:ea typeface="+mn-lt"/>
                 <a:cs typeface="+mn-lt"/>
               </a:rPr>
               <a:t>Tolerância a risco das partes interessadas</a:t>
             </a:r>
-            <a:endParaRPr lang="pt-BR"/>
-          </a:p>
-          <a:p>
-            <a:pPr>
-              <a:buNone/>
-            </a:pPr>
-            <a:r>
-              <a:rPr lang="pt-BR" sz="2000">
+            <a:endParaRPr lang="pt-BR" dirty="0"/>
+          </a:p>
+          <a:p>
+            <a:r>
+              <a:rPr lang="pt-BR" sz="2000" dirty="0">
                 <a:ea typeface="+mn-lt"/>
                 <a:cs typeface="+mn-lt"/>
               </a:rPr>
               <a:t>Bancos de dados comerciais (dados padronizados de estimativa de custos, informações sobre estudos de risco do setor e bancos de dados de riscos)</a:t>
             </a:r>
-            <a:endParaRPr lang="pt-BR"/>
-          </a:p>
-          <a:p>
-            <a:pPr>
-              <a:buNone/>
-            </a:pPr>
-            <a:r>
-              <a:rPr lang="pt-BR" sz="2000">
+            <a:endParaRPr lang="pt-BR" dirty="0"/>
+          </a:p>
+          <a:p>
+            <a:r>
+              <a:rPr lang="pt-BR" sz="2000" dirty="0">
                 <a:ea typeface="+mn-lt"/>
                 <a:cs typeface="+mn-lt"/>
               </a:rPr>
               <a:t>Sistemas de informações do gerenciamento de projetos (conjunto de ferramentas automatizadas, para elaboração de cronogramas, sistema de gerenciamento de configuração, coleta e distribuição de informações ou interfaces Web para outros sistemas on-line automatizados).</a:t>
             </a:r>
-            <a:endParaRPr lang="pt-BR"/>
+            <a:endParaRPr lang="pt-BR" dirty="0"/>
           </a:p>
           <a:p>
             <a:pPr>
@@ -16015,7 +16016,7 @@
             </a:endParaRPr>
           </a:p>
           <a:p>
-            <a:pPr marL="0" indent="0">
+            <a:pPr marL="0" indent="0" algn="just">
               <a:buNone/>
             </a:pPr>
             <a:r>
@@ -19669,8 +19670,8 @@
         </p:nvSpPr>
         <p:spPr>
           <a:xfrm>
-            <a:off x="643467" y="1782981"/>
-            <a:ext cx="10905066" cy="4393982"/>
+            <a:off x="1649882" y="1452302"/>
+            <a:ext cx="10056802" cy="4393982"/>
           </a:xfrm>
         </p:spPr>
         <p:txBody>
@@ -19683,100 +19684,100 @@
               <a:buNone/>
             </a:pPr>
             <a:r>
-              <a:rPr lang="pt-BR" sz="2000">
+              <a:rPr lang="pt-BR" sz="2000" b="1" dirty="0">
                 <a:ea typeface="+mn-lt"/>
                 <a:cs typeface="+mn-lt"/>
               </a:rPr>
               <a:t>Entradas.</a:t>
             </a:r>
-            <a:endParaRPr lang="pt-BR">
-              <a:ea typeface="+mn-lt"/>
-              <a:cs typeface="+mn-lt"/>
-            </a:endParaRPr>
-          </a:p>
-          <a:p>
-            <a:pPr>
-              <a:buNone/>
-            </a:pPr>
-            <a:r>
-              <a:rPr lang="pt-BR" sz="2000">
-                <a:ea typeface="+mn-lt"/>
-                <a:cs typeface="+mn-lt"/>
-              </a:rPr>
-              <a:t>3 Acordos.</a:t>
-            </a:r>
-            <a:endParaRPr lang="pt-BR"/>
-          </a:p>
-          <a:p>
-            <a:pPr>
-              <a:buNone/>
-            </a:pPr>
-            <a:r>
-              <a:rPr lang="pt-BR" sz="2000">
+            <a:endParaRPr lang="pt-BR" b="1" dirty="0">
+              <a:ea typeface="+mn-lt"/>
+              <a:cs typeface="+mn-lt"/>
+            </a:endParaRPr>
+          </a:p>
+          <a:p>
+            <a:pPr>
+              <a:buNone/>
+            </a:pPr>
+            <a:r>
+              <a:rPr lang="pt-BR" sz="2000" b="1" dirty="0">
+                <a:ea typeface="+mn-lt"/>
+                <a:cs typeface="+mn-lt"/>
+              </a:rPr>
+              <a:t>3 Acordos</a:t>
+            </a:r>
+            <a:endParaRPr lang="pt-BR" b="1" dirty="0"/>
+          </a:p>
+          <a:p>
+            <a:pPr algn="just">
+              <a:buNone/>
+            </a:pPr>
+            <a:r>
+              <a:rPr lang="pt-BR" sz="2000" b="1" dirty="0">
                 <a:ea typeface="+mn-lt"/>
                 <a:cs typeface="+mn-lt"/>
               </a:rPr>
               <a:t>4 Fatores ambientais da empresa</a:t>
             </a:r>
-            <a:endParaRPr lang="pt-BR"/>
-          </a:p>
-          <a:p>
-            <a:pPr>
-              <a:buNone/>
-            </a:pPr>
-            <a:r>
-              <a:rPr lang="pt-BR" sz="2000">
+            <a:endParaRPr lang="pt-BR" b="1" dirty="0"/>
+          </a:p>
+          <a:p>
+            <a:pPr>
+              <a:buNone/>
+            </a:pPr>
+            <a:r>
+              <a:rPr lang="pt-BR" sz="2000" dirty="0">
                 <a:ea typeface="+mn-lt"/>
                 <a:cs typeface="+mn-lt"/>
               </a:rPr>
               <a:t>Todos e quaisquer sistemas e fatores que cercam e influenciam o sucesso do projeto.</a:t>
             </a:r>
-            <a:endParaRPr lang="pt-BR">
-              <a:ea typeface="+mn-lt"/>
-              <a:cs typeface="+mn-lt"/>
-            </a:endParaRPr>
-          </a:p>
-          <a:p>
-            <a:pPr>
-              <a:buNone/>
-            </a:pPr>
-            <a:r>
-              <a:rPr lang="pt-BR" sz="2000">
+            <a:endParaRPr lang="pt-BR" dirty="0">
+              <a:ea typeface="+mn-lt"/>
+              <a:cs typeface="+mn-lt"/>
+            </a:endParaRPr>
+          </a:p>
+          <a:p>
+            <a:pPr>
+              <a:buNone/>
+            </a:pPr>
+            <a:r>
+              <a:rPr lang="pt-BR" sz="2000" b="1" dirty="0">
                 <a:ea typeface="+mn-lt"/>
                 <a:cs typeface="+mn-lt"/>
               </a:rPr>
               <a:t>5 Ativos de processos organizacionais</a:t>
             </a:r>
-            <a:endParaRPr lang="pt-BR"/>
-          </a:p>
-          <a:p>
-            <a:pPr>
-              <a:buNone/>
-            </a:pPr>
-            <a:r>
-              <a:rPr lang="pt-BR" sz="2000">
+            <a:endParaRPr lang="pt-BR" b="1" dirty="0"/>
+          </a:p>
+          <a:p>
+            <a:pPr>
+              <a:buNone/>
+            </a:pPr>
+            <a:r>
+              <a:rPr lang="pt-BR" sz="2000" dirty="0">
                 <a:ea typeface="+mn-lt"/>
                 <a:cs typeface="+mn-lt"/>
               </a:rPr>
               <a:t>Todas organizações envolvidas no projeto podem ter políticas, procedimentos, planos e diretrizes formais e informais a considerar.</a:t>
             </a:r>
-            <a:endParaRPr lang="pt-BR">
-              <a:ea typeface="+mn-lt"/>
-              <a:cs typeface="+mn-lt"/>
-            </a:endParaRPr>
-          </a:p>
-          <a:p>
-            <a:pPr>
-              <a:buNone/>
-            </a:pPr>
-            <a:r>
-              <a:rPr lang="pt-BR" sz="2000">
+            <a:endParaRPr lang="pt-BR" dirty="0">
+              <a:ea typeface="+mn-lt"/>
+              <a:cs typeface="+mn-lt"/>
+            </a:endParaRPr>
+          </a:p>
+          <a:p>
+            <a:pPr>
+              <a:buNone/>
+            </a:pPr>
+            <a:r>
+              <a:rPr lang="pt-BR" sz="2000" dirty="0">
                 <a:ea typeface="+mn-lt"/>
                 <a:cs typeface="+mn-lt"/>
               </a:rPr>
               <a:t>Esses ativos também representam o aprendizado e o conhecimento das organizações obtidos de projetos anteriores.</a:t>
             </a:r>
-            <a:endParaRPr lang="pt-BR">
+            <a:endParaRPr lang="pt-BR" dirty="0">
               <a:cs typeface="Calibri"/>
             </a:endParaRPr>
           </a:p>
@@ -19894,8 +19895,8 @@
         </p:nvSpPr>
         <p:spPr>
           <a:xfrm>
-            <a:off x="643467" y="1782981"/>
-            <a:ext cx="10905066" cy="4393982"/>
+            <a:off x="1649882" y="1452302"/>
+            <a:ext cx="9999293" cy="4393982"/>
           </a:xfrm>
         </p:spPr>
         <p:txBody>
@@ -19904,49 +19905,63 @@
           </a:bodyPr>
           <a:lstStyle/>
           <a:p>
-            <a:pPr>
-              <a:buNone/>
-            </a:pPr>
-            <a:r>
-              <a:rPr lang="pt-BR" sz="2000">
+            <a:pPr algn="just"/>
+            <a:r>
+              <a:rPr lang="pt-BR" sz="2000" dirty="0">
                 <a:ea typeface="+mn-lt"/>
                 <a:cs typeface="+mn-lt"/>
               </a:rPr>
               <a:t>A declaração de trabalho é uma descrição narrativa dos produtos, serviços ou resultados esperados para o tratamento de algum problema ou necessidade.</a:t>
             </a:r>
-            <a:endParaRPr lang="pt-BR">
-              <a:ea typeface="+mn-lt"/>
-              <a:cs typeface="+mn-lt"/>
-            </a:endParaRPr>
-          </a:p>
-          <a:p>
-            <a:pPr>
-              <a:buNone/>
-            </a:pPr>
-            <a:r>
-              <a:rPr lang="pt-BR" sz="2000">
+            <a:endParaRPr lang="pt-BR" dirty="0">
+              <a:ea typeface="+mn-lt"/>
+              <a:cs typeface="+mn-lt"/>
+            </a:endParaRPr>
+          </a:p>
+          <a:p>
+            <a:pPr>
+              <a:buClr>
+                <a:srgbClr val="1287C3"/>
+              </a:buClr>
+            </a:pPr>
+            <a:endParaRPr lang="pt-BR" sz="2000" dirty="0">
+              <a:ea typeface="+mn-lt"/>
+              <a:cs typeface="+mn-lt"/>
+            </a:endParaRPr>
+          </a:p>
+          <a:p>
+            <a:r>
+              <a:rPr lang="pt-BR" sz="2000" dirty="0">
                 <a:ea typeface="+mn-lt"/>
                 <a:cs typeface="+mn-lt"/>
               </a:rPr>
               <a:t>Em projetos internos, o solicitante provê os requisitos.</a:t>
             </a:r>
-            <a:endParaRPr lang="pt-BR">
-              <a:ea typeface="+mn-lt"/>
-              <a:cs typeface="+mn-lt"/>
-            </a:endParaRPr>
-          </a:p>
-          <a:p>
-            <a:pPr>
-              <a:buNone/>
-            </a:pPr>
-            <a:r>
-              <a:rPr lang="pt-BR" sz="2000">
+            <a:endParaRPr lang="pt-BR" dirty="0">
+              <a:ea typeface="+mn-lt"/>
+              <a:cs typeface="+mn-lt"/>
+            </a:endParaRPr>
+          </a:p>
+          <a:p>
+            <a:pPr>
+              <a:buClr>
+                <a:srgbClr val="1287C3"/>
+              </a:buClr>
+            </a:pPr>
+            <a:endParaRPr lang="pt-BR" sz="2000" dirty="0">
+              <a:ea typeface="+mn-lt"/>
+              <a:cs typeface="+mn-lt"/>
+            </a:endParaRPr>
+          </a:p>
+          <a:p>
+            <a:r>
+              <a:rPr lang="pt-BR" sz="2000" dirty="0">
                 <a:ea typeface="+mn-lt"/>
                 <a:cs typeface="+mn-lt"/>
               </a:rPr>
               <a:t>Para externos, pode ser uma licitação, um convite, parte de um contrato ou resultado de algum levantamento junto a cliente.</a:t>
             </a:r>
-            <a:endParaRPr lang="pt-BR">
+            <a:endParaRPr lang="pt-BR" dirty="0">
               <a:ea typeface="+mn-lt"/>
               <a:cs typeface="+mn-lt"/>
             </a:endParaRPr>
@@ -20073,8 +20088,8 @@
         </p:nvSpPr>
         <p:spPr>
           <a:xfrm>
-            <a:off x="643467" y="1782981"/>
-            <a:ext cx="10905066" cy="4393982"/>
+            <a:off x="1534863" y="1380415"/>
+            <a:ext cx="10013670" cy="4393982"/>
           </a:xfrm>
         </p:spPr>
         <p:txBody>
@@ -20083,56 +20098,71 @@
           </a:bodyPr>
           <a:lstStyle/>
           <a:p>
-            <a:pPr>
-              <a:buNone/>
-            </a:pPr>
-            <a:r>
-              <a:rPr lang="pt-BR" sz="2000">
+            <a:r>
+              <a:rPr lang="pt-BR" sz="2000" dirty="0">
                 <a:ea typeface="+mn-lt"/>
                 <a:cs typeface="+mn-lt"/>
               </a:rPr>
               <a:t>A declaração de trabalho deve conter pelo menos:</a:t>
             </a:r>
-            <a:endParaRPr lang="pt-BR"/>
-          </a:p>
-          <a:p>
-            <a:pPr>
-              <a:buNone/>
-            </a:pPr>
-            <a:r>
-              <a:rPr lang="pt-BR" sz="2000">
-                <a:ea typeface="+mn-lt"/>
-                <a:cs typeface="+mn-lt"/>
-              </a:rPr>
-              <a:t>O problema a resolver – pode ser uma demanda de mercado, avanço tecnológico, requisito legal ou consideração ambiental.</a:t>
-            </a:r>
-            <a:endParaRPr lang="pt-BR"/>
-          </a:p>
-          <a:p>
-            <a:pPr>
-              <a:buNone/>
-            </a:pPr>
-            <a:r>
-              <a:rPr lang="pt-BR" sz="2000">
-                <a:ea typeface="+mn-lt"/>
-                <a:cs typeface="+mn-lt"/>
-              </a:rPr>
-              <a:t>Delimitação do escopo do produto e restrições para o trabalho de desenvolvimento.</a:t>
-            </a:r>
-            <a:endParaRPr lang="pt-BR"/>
-          </a:p>
-          <a:p>
-            <a:pPr>
-              <a:buNone/>
-            </a:pPr>
-            <a:r>
-              <a:rPr lang="pt-BR" sz="2000">
-                <a:ea typeface="+mn-lt"/>
-                <a:cs typeface="+mn-lt"/>
-              </a:rPr>
-              <a:t>Alinhamento ao plano estratégico da entidade – projetos devem contribuir para os objetivos maiores da empresa.</a:t>
-            </a:r>
-            <a:endParaRPr lang="pt-BR"/>
+            <a:endParaRPr lang="pt-BR" dirty="0"/>
+          </a:p>
+          <a:p>
+            <a:pPr algn="just">
+              <a:buNone/>
+            </a:pPr>
+            <a:r>
+              <a:rPr lang="pt-BR" sz="2000" dirty="0">
+                <a:ea typeface="+mn-lt"/>
+                <a:cs typeface="+mn-lt"/>
+              </a:rPr>
+              <a:t>- O problema a resolver – pode ser uma demanda de mercado, avanço tecnológico, requisito legal ou consideração ambiental.</a:t>
+            </a:r>
+            <a:endParaRPr lang="pt-BR" dirty="0"/>
+          </a:p>
+          <a:p>
+            <a:pPr>
+              <a:buNone/>
+            </a:pPr>
+            <a:endParaRPr lang="pt-BR" sz="2000" dirty="0">
+              <a:ea typeface="+mn-lt"/>
+              <a:cs typeface="+mn-lt"/>
+            </a:endParaRPr>
+          </a:p>
+          <a:p>
+            <a:pPr>
+              <a:buNone/>
+            </a:pPr>
+            <a:r>
+              <a:rPr lang="pt-BR" sz="2000" dirty="0">
+                <a:ea typeface="+mn-lt"/>
+                <a:cs typeface="+mn-lt"/>
+              </a:rPr>
+              <a:t>- Delimitação do escopo do produto e restrições para o trabalho de desenvolvimento.</a:t>
+            </a:r>
+            <a:endParaRPr lang="pt-BR" dirty="0"/>
+          </a:p>
+          <a:p>
+            <a:pPr>
+              <a:buNone/>
+            </a:pPr>
+            <a:endParaRPr lang="pt-BR" sz="2000" dirty="0">
+              <a:ea typeface="+mn-lt"/>
+              <a:cs typeface="+mn-lt"/>
+            </a:endParaRPr>
+          </a:p>
+          <a:p>
+            <a:pPr algn="just">
+              <a:buNone/>
+            </a:pPr>
+            <a:r>
+              <a:rPr lang="pt-BR" sz="2000" dirty="0">
+                <a:ea typeface="+mn-lt"/>
+                <a:cs typeface="+mn-lt"/>
+              </a:rPr>
+              <a:t>- Alinhamento ao plano estratégico da entidade – projetos devem contribuir para os objetivos maiores da empresa.</a:t>
+            </a:r>
+            <a:endParaRPr lang="pt-BR" dirty="0"/>
           </a:p>
           <a:p>
             <a:pPr>
@@ -20265,146 +20295,145 @@
         </p:nvSpPr>
         <p:spPr>
           <a:xfrm>
-            <a:off x="643467" y="1782981"/>
-            <a:ext cx="10905066" cy="4393982"/>
+            <a:off x="1649882" y="1452302"/>
+            <a:ext cx="10157444" cy="4393982"/>
           </a:xfrm>
         </p:spPr>
         <p:txBody>
           <a:bodyPr vert="horz" lIns="91440" tIns="45720" rIns="91440" bIns="45720" rtlCol="0" anchor="t">
-            <a:normAutofit/>
+            <a:normAutofit lnSpcReduction="10000"/>
           </a:bodyPr>
           <a:lstStyle/>
           <a:p>
-            <a:pPr>
-              <a:buNone/>
-            </a:pPr>
-            <a:r>
-              <a:rPr lang="pt-BR" sz="2000">
+            <a:pPr algn="just">
+              <a:buNone/>
+            </a:pPr>
+            <a:r>
+              <a:rPr lang="pt-BR" sz="2000" b="1" dirty="0">
                 <a:ea typeface="+mn-lt"/>
                 <a:cs typeface="+mn-lt"/>
               </a:rPr>
               <a:t>O modelo, o plano de negócio ou documento similar descreve a razão pela qual o projeto deve ser efetuado e suas fronteiras.</a:t>
             </a:r>
-            <a:endParaRPr lang="pt-BR"/>
-          </a:p>
-          <a:p>
-            <a:pPr>
-              <a:buNone/>
-            </a:pPr>
-            <a:r>
-              <a:rPr lang="pt-BR" sz="2000">
+            <a:endParaRPr lang="pt-BR" b="1" dirty="0"/>
+          </a:p>
+          <a:p>
+            <a:pPr algn="just"/>
+            <a:r>
+              <a:rPr lang="pt-BR" sz="2000" dirty="0">
                 <a:ea typeface="+mn-lt"/>
                 <a:cs typeface="+mn-lt"/>
               </a:rPr>
               <a:t>Traz a análise custo-benefício estabelecendo limites para o projeto.</a:t>
             </a:r>
-            <a:endParaRPr lang="pt-BR"/>
-          </a:p>
-          <a:p>
-            <a:pPr>
-              <a:buNone/>
-            </a:pPr>
-            <a:r>
-              <a:rPr lang="pt-BR" sz="2000">
+            <a:endParaRPr lang="pt-BR" dirty="0"/>
+          </a:p>
+          <a:p>
+            <a:pPr algn="just"/>
+            <a:r>
+              <a:rPr lang="pt-BR" sz="2000" dirty="0">
                 <a:ea typeface="+mn-lt"/>
                 <a:cs typeface="+mn-lt"/>
               </a:rPr>
               <a:t>Apresenta elementos para a análise de riscos, informações de interfaces, mercado esperado, influencias e pressupostos para a decisão de seguir com o projeto.</a:t>
             </a:r>
-            <a:endParaRPr lang="pt-BR"/>
-          </a:p>
-          <a:p>
-            <a:pPr>
-              <a:buNone/>
-            </a:pPr>
-            <a:r>
-              <a:rPr lang="pt-BR" sz="2000">
+            <a:endParaRPr lang="pt-BR" dirty="0"/>
+          </a:p>
+          <a:p>
+            <a:pPr algn="just">
+              <a:buClr>
+                <a:srgbClr val="1287C3"/>
+              </a:buClr>
+            </a:pPr>
+            <a:endParaRPr lang="pt-BR" sz="2000" dirty="0">
+              <a:ea typeface="+mn-lt"/>
+              <a:cs typeface="+mn-lt"/>
+            </a:endParaRPr>
+          </a:p>
+          <a:p>
+            <a:pPr algn="just">
+              <a:buNone/>
+            </a:pPr>
+            <a:r>
+              <a:rPr lang="pt-BR" sz="2000" b="1" dirty="0">
                 <a:ea typeface="+mn-lt"/>
                 <a:cs typeface="+mn-lt"/>
               </a:rPr>
               <a:t>Acordos podem ter sido necessários</a:t>
             </a:r>
-            <a:endParaRPr lang="pt-BR"/>
-          </a:p>
-          <a:p>
-            <a:pPr>
-              <a:buNone/>
-            </a:pPr>
-            <a:r>
-              <a:rPr lang="pt-BR" sz="2000">
+            <a:endParaRPr lang="pt-BR" b="1" dirty="0"/>
+          </a:p>
+          <a:p>
+            <a:pPr algn="just"/>
+            <a:r>
+              <a:rPr lang="pt-BR" sz="2000" dirty="0">
                 <a:ea typeface="+mn-lt"/>
                 <a:cs typeface="+mn-lt"/>
               </a:rPr>
               <a:t>MOU (memorando de entendimentos)</a:t>
             </a:r>
-            <a:endParaRPr lang="pt-BR"/>
-          </a:p>
-          <a:p>
-            <a:pPr>
-              <a:buNone/>
-            </a:pPr>
-            <a:r>
-              <a:rPr lang="pt-BR" sz="2000">
+            <a:endParaRPr lang="pt-BR" dirty="0"/>
+          </a:p>
+          <a:p>
+            <a:pPr algn="just"/>
+            <a:r>
+              <a:rPr lang="pt-BR" sz="2000" dirty="0">
                 <a:ea typeface="+mn-lt"/>
                 <a:cs typeface="+mn-lt"/>
               </a:rPr>
               <a:t>SLA (acordo de níveis de serviço)</a:t>
             </a:r>
-            <a:endParaRPr lang="pt-BR"/>
-          </a:p>
-          <a:p>
-            <a:pPr>
-              <a:buNone/>
-            </a:pPr>
-            <a:r>
-              <a:rPr lang="pt-BR" sz="2000">
+            <a:endParaRPr lang="pt-BR" dirty="0"/>
+          </a:p>
+          <a:p>
+            <a:pPr algn="just"/>
+            <a:r>
+              <a:rPr lang="pt-BR" sz="2000" dirty="0">
                 <a:ea typeface="+mn-lt"/>
                 <a:cs typeface="+mn-lt"/>
               </a:rPr>
               <a:t>NDA (non </a:t>
             </a:r>
             <a:r>
-              <a:rPr lang="pt-BR" sz="2000" err="1">
+              <a:rPr lang="pt-BR" sz="2000" dirty="0" err="1">
                 <a:ea typeface="+mn-lt"/>
                 <a:cs typeface="+mn-lt"/>
               </a:rPr>
               <a:t>disclosure</a:t>
             </a:r>
             <a:r>
-              <a:rPr lang="pt-BR" sz="2000">
+              <a:rPr lang="pt-BR" sz="2000" dirty="0">
                 <a:ea typeface="+mn-lt"/>
                 <a:cs typeface="+mn-lt"/>
               </a:rPr>
               <a:t> </a:t>
             </a:r>
             <a:r>
-              <a:rPr lang="pt-BR" sz="2000" err="1">
+              <a:rPr lang="pt-BR" sz="2000" dirty="0" err="1">
                 <a:ea typeface="+mn-lt"/>
                 <a:cs typeface="+mn-lt"/>
               </a:rPr>
               <a:t>agreement</a:t>
             </a:r>
             <a:r>
-              <a:rPr lang="pt-BR" sz="2000">
+              <a:rPr lang="pt-BR" sz="2000" dirty="0">
                 <a:ea typeface="+mn-lt"/>
                 <a:cs typeface="+mn-lt"/>
               </a:rPr>
               <a:t> – sigilo)</a:t>
             </a:r>
-            <a:endParaRPr lang="pt-BR"/>
-          </a:p>
-          <a:p>
-            <a:pPr>
-              <a:buNone/>
-            </a:pPr>
-            <a:r>
-              <a:rPr lang="pt-BR" sz="2000">
-                <a:ea typeface="+mn-lt"/>
-                <a:cs typeface="+mn-lt"/>
-              </a:rPr>
-              <a:t>Cartas de intenção...</a:t>
-            </a:r>
-            <a:endParaRPr lang="pt-BR"/>
+            <a:endParaRPr lang="pt-BR" dirty="0"/>
+          </a:p>
+          <a:p>
+            <a:pPr algn="just"/>
+            <a:r>
+              <a:rPr lang="pt-BR" sz="2000" dirty="0">
+                <a:ea typeface="+mn-lt"/>
+                <a:cs typeface="+mn-lt"/>
+              </a:rPr>
+              <a:t>Cartas de intenção</a:t>
+            </a:r>
+            <a:endParaRPr lang="pt-BR" dirty="0"/>
           </a:p>
           <a:p>
             <a:pPr>
@@ -20545,8 +20574,8 @@
         </p:nvSpPr>
         <p:spPr>
           <a:xfrm>
-            <a:off x="643467" y="1782981"/>
-            <a:ext cx="10905066" cy="4393982"/>
+            <a:off x="1678637" y="1452302"/>
+            <a:ext cx="10028048" cy="4393982"/>
           </a:xfrm>
         </p:spPr>
         <p:txBody>
@@ -20559,78 +20588,77 @@
               <a:buNone/>
             </a:pPr>
             <a:r>
-              <a:rPr lang="pt-BR" sz="2000">
+              <a:rPr lang="pt-BR" sz="2000" b="1" dirty="0">
                 <a:ea typeface="+mn-lt"/>
                 <a:cs typeface="+mn-lt"/>
               </a:rPr>
               <a:t>Nos fatores ambientais da empresa</a:t>
             </a:r>
-            <a:endParaRPr lang="pt-BR"/>
-          </a:p>
-          <a:p>
-            <a:pPr>
-              <a:buNone/>
-            </a:pPr>
-            <a:r>
-              <a:rPr lang="pt-BR" sz="2000">
+            <a:endParaRPr lang="pt-BR" b="1"/>
+          </a:p>
+          <a:p>
+            <a:pPr>
+              <a:buNone/>
+            </a:pPr>
+            <a:endParaRPr lang="pt-BR" sz="2000" b="1" dirty="0">
+              <a:ea typeface="+mn-lt"/>
+              <a:cs typeface="+mn-lt"/>
+            </a:endParaRPr>
+          </a:p>
+          <a:p>
+            <a:pPr algn="just"/>
+            <a:r>
+              <a:rPr lang="pt-BR" sz="2000" dirty="0">
                 <a:ea typeface="+mn-lt"/>
                 <a:cs typeface="+mn-lt"/>
               </a:rPr>
               <a:t>Infraestrutura (equipamentos e instalações)</a:t>
             </a:r>
-            <a:endParaRPr lang="pt-BR"/>
-          </a:p>
-          <a:p>
-            <a:pPr>
-              <a:buNone/>
-            </a:pPr>
-            <a:r>
-              <a:rPr lang="pt-BR" sz="2000">
+            <a:endParaRPr lang="pt-BR" dirty="0"/>
+          </a:p>
+          <a:p>
+            <a:pPr algn="just"/>
+            <a:r>
+              <a:rPr lang="pt-BR" sz="2000" dirty="0">
                 <a:ea typeface="+mn-lt"/>
                 <a:cs typeface="+mn-lt"/>
               </a:rPr>
               <a:t>Recursos humanos (habilidades, disciplinas e conhecimento, como projeto, desenvolvimento, departamento jurídico, contratação e compras)</a:t>
             </a:r>
-            <a:endParaRPr lang="pt-BR"/>
-          </a:p>
-          <a:p>
-            <a:pPr>
-              <a:buNone/>
-            </a:pPr>
-            <a:r>
-              <a:rPr lang="pt-BR" sz="2000">
+            <a:endParaRPr lang="pt-BR" dirty="0"/>
+          </a:p>
+          <a:p>
+            <a:pPr algn="just"/>
+            <a:r>
+              <a:rPr lang="pt-BR" sz="2000" dirty="0">
                 <a:ea typeface="+mn-lt"/>
                 <a:cs typeface="+mn-lt"/>
               </a:rPr>
               <a:t>Administração de pessoal (diretrizes de contratação e demissão, análises de desempenho dos funcionários e registros de treinamento)</a:t>
             </a:r>
-            <a:endParaRPr lang="pt-BR"/>
-          </a:p>
-          <a:p>
-            <a:pPr>
-              <a:buNone/>
-            </a:pPr>
-            <a:r>
-              <a:rPr lang="pt-BR" sz="2000">
+            <a:endParaRPr lang="pt-BR" dirty="0"/>
+          </a:p>
+          <a:p>
+            <a:pPr algn="just"/>
+            <a:r>
+              <a:rPr lang="pt-BR" sz="2000" dirty="0">
                 <a:ea typeface="+mn-lt"/>
                 <a:cs typeface="+mn-lt"/>
               </a:rPr>
               <a:t>Sistema de autorização do trabalho da empresa</a:t>
             </a:r>
-            <a:endParaRPr lang="pt-BR"/>
-          </a:p>
-          <a:p>
-            <a:pPr>
-              <a:buNone/>
-            </a:pPr>
-            <a:r>
-              <a:rPr lang="pt-BR" sz="2000">
+            <a:endParaRPr lang="pt-BR" dirty="0"/>
+          </a:p>
+          <a:p>
+            <a:pPr algn="just"/>
+            <a:r>
+              <a:rPr lang="pt-BR" sz="2000" dirty="0">
                 <a:ea typeface="+mn-lt"/>
                 <a:cs typeface="+mn-lt"/>
               </a:rPr>
               <a:t>Condições do mercado</a:t>
             </a:r>
-            <a:endParaRPr lang="pt-BR"/>
+            <a:endParaRPr lang="pt-BR" dirty="0"/>
           </a:p>
           <a:p>
             <a:pPr>

--- a/RELATORIO PROVA P2/relatorio-pmbok-capitulo4-jharbes.pptx
+++ b/RELATORIO PROVA P2/relatorio-pmbok-capitulo4-jharbes.pptx
@@ -164,6 +164,7 @@
   <p1510:revLst>
     <p1510:client id="{050E0636-B272-A9D5-2FB9-AFCB5B698113}" v="41" dt="2022-12-03T12:54:24.537"/>
     <p1510:client id="{132CBBF5-BF36-4CB1-E71F-72EFD72BC926}" v="105" dt="2022-12-03T13:11:57.276"/>
+    <p1510:client id="{2277FDD7-98D3-9D18-3EC7-497513D9D173}" v="44" dt="2022-12-03T15:14:36.785"/>
     <p1510:client id="{2F299B45-CC8A-1219-20CB-522822A89C56}" v="67" dt="2022-12-03T13:46:21.082"/>
     <p1510:client id="{445C622E-FE4C-4368-6663-20D04795CCE3}" v="57" dt="2022-12-03T13:56:31.403"/>
     <p1510:client id="{48F91746-B893-61F0-E2B5-F484DCEDD16B}" v="352" dt="2022-12-03T12:34:12.174"/>
@@ -6797,8 +6798,8 @@
         </p:nvSpPr>
         <p:spPr>
           <a:xfrm>
-            <a:off x="643467" y="1782981"/>
-            <a:ext cx="10905066" cy="4393982"/>
+            <a:off x="1635505" y="1452302"/>
+            <a:ext cx="9769255" cy="4393982"/>
           </a:xfrm>
         </p:spPr>
         <p:txBody>
@@ -6807,7 +6808,7 @@
           </a:bodyPr>
           <a:lstStyle/>
           <a:p>
-            <a:pPr>
+            <a:pPr algn="just">
               <a:buNone/>
             </a:pPr>
             <a:r>
@@ -6820,43 +6821,74 @@
             <a:endParaRPr lang="pt-BR" dirty="0"/>
           </a:p>
           <a:p>
-            <a:pPr>
-              <a:buNone/>
-            </a:pPr>
-            <a:r>
-              <a:rPr lang="pt-BR" sz="2000" dirty="0">
-                <a:ea typeface="+mn-lt"/>
-                <a:cs typeface="+mn-lt"/>
-              </a:rPr>
-              <a:t>1ª) Procedimentos da organização para realizar o trabalho:</a:t>
+            <a:pPr algn="just">
+              <a:buNone/>
+            </a:pPr>
+            <a:endParaRPr lang="pt-BR" sz="2000" dirty="0">
+              <a:ea typeface="+mn-lt"/>
+              <a:cs typeface="+mn-lt"/>
+            </a:endParaRPr>
+          </a:p>
+          <a:p>
+            <a:pPr algn="just">
+              <a:buNone/>
+            </a:pPr>
+            <a:r>
+              <a:rPr lang="pt-BR" sz="2000" dirty="0">
+                <a:ea typeface="+mn-lt"/>
+                <a:cs typeface="+mn-lt"/>
+              </a:rPr>
+              <a:t>1ª) Procedimentos da organização para </a:t>
+            </a:r>
+            <a:r>
+              <a:rPr lang="pt-BR" sz="2000" b="1" dirty="0">
+                <a:solidFill>
+                  <a:srgbClr val="00B0F0"/>
+                </a:solidFill>
+                <a:ea typeface="+mn-lt"/>
+                <a:cs typeface="+mn-lt"/>
+              </a:rPr>
+              <a:t>realizar</a:t>
+            </a:r>
+            <a:r>
+              <a:rPr lang="pt-BR" sz="2000" dirty="0">
+                <a:ea typeface="+mn-lt"/>
+                <a:cs typeface="+mn-lt"/>
+              </a:rPr>
+              <a:t> o trabalho:</a:t>
             </a:r>
             <a:endParaRPr lang="pt-BR" dirty="0"/>
           </a:p>
           <a:p>
-            <a:pPr>
-              <a:buNone/>
-            </a:pPr>
-            <a:r>
-              <a:rPr lang="pt-BR" sz="2000" dirty="0">
-                <a:ea typeface="+mn-lt"/>
-                <a:cs typeface="+mn-lt"/>
-              </a:rPr>
-              <a:t>Processos organizacionais padrão, como normas, políticas (segurança, saúde e política de gerenciamento de projetos), ciclos de vida padrão do produto e do projeto, políticas e procedimentos de qualidade</a:t>
+            <a:pPr algn="just">
+              <a:buNone/>
+            </a:pPr>
+            <a:endParaRPr lang="pt-BR" sz="2000" dirty="0">
+              <a:ea typeface="+mn-lt"/>
+              <a:cs typeface="+mn-lt"/>
+            </a:endParaRPr>
+          </a:p>
+          <a:p>
+            <a:pPr algn="just"/>
+            <a:r>
+              <a:rPr lang="pt-BR" sz="2000" dirty="0">
+                <a:ea typeface="+mn-lt"/>
+                <a:cs typeface="+mn-lt"/>
+              </a:rPr>
+              <a:t>Processos organizacionais padrão, como normas, políticas (segurança, saúde e política de gerenciamento de projetos), ciclos de vida padrão do produto e do projeto, políticas e procedimentos de qualidade.</a:t>
             </a:r>
             <a:endParaRPr lang="pt-BR" dirty="0"/>
           </a:p>
           <a:p>
-            <a:pPr>
-              <a:buNone/>
-            </a:pPr>
-            <a:r>
-              <a:rPr lang="pt-BR" sz="2000" dirty="0">
+            <a:pPr lvl="1" algn="just"/>
+            <a:r>
+              <a:rPr lang="pt-BR" sz="1600" dirty="0">
                 <a:ea typeface="+mn-lt"/>
                 <a:cs typeface="+mn-lt"/>
               </a:rPr>
               <a:t>Por exemplo: auditorias de processo, metas de melhoria, listas de verificação e definições padronizadas de processos para uso na organização.</a:t>
             </a:r>
-            <a:endParaRPr lang="pt-BR" dirty="0"/>
+            <a:endParaRPr lang="pt-BR" sz="1600"/>
           </a:p>
           <a:p>
             <a:pPr>
@@ -7021,8 +7053,8 @@
         </p:nvSpPr>
         <p:spPr>
           <a:xfrm>
-            <a:off x="643467" y="1782981"/>
-            <a:ext cx="10905066" cy="4393982"/>
+            <a:off x="1577995" y="1452302"/>
+            <a:ext cx="10028048" cy="4393982"/>
           </a:xfrm>
         </p:spPr>
         <p:txBody>
@@ -7031,15 +7063,32 @@
           </a:bodyPr>
           <a:lstStyle/>
           <a:p>
-            <a:pPr>
-              <a:buNone/>
-            </a:pPr>
-            <a:r>
-              <a:rPr lang="pt-BR" sz="2000" dirty="0">
-                <a:ea typeface="+mn-lt"/>
-                <a:cs typeface="+mn-lt"/>
-              </a:rPr>
-              <a:t>1ª) mais procedimentos da organização para realizar o trabalho:</a:t>
+            <a:pPr algn="just">
+              <a:buNone/>
+            </a:pPr>
+            <a:r>
+              <a:rPr lang="pt-BR" sz="2000" dirty="0">
+                <a:ea typeface="+mn-lt"/>
+                <a:cs typeface="+mn-lt"/>
+              </a:rPr>
+              <a:t>1ª) mais procedimentos da organização para </a:t>
+            </a:r>
+            <a:r>
+              <a:rPr lang="pt-BR" sz="2000" b="1" dirty="0">
+                <a:solidFill>
+                  <a:srgbClr val="00B0F0"/>
+                </a:solidFill>
+                <a:ea typeface="+mn-lt"/>
+                <a:cs typeface="+mn-lt"/>
+              </a:rPr>
+              <a:t>realizar</a:t>
+            </a:r>
+            <a:r>
+              <a:rPr lang="pt-BR" sz="2000" dirty="0">
+                <a:ea typeface="+mn-lt"/>
+                <a:cs typeface="+mn-lt"/>
+              </a:rPr>
+              <a:t> o trabalho:</a:t>
             </a:r>
             <a:endParaRPr lang="pt-BR" dirty="0">
               <a:ea typeface="+mn-lt"/>
@@ -7047,9 +7096,16 @@
             </a:endParaRPr>
           </a:p>
           <a:p>
-            <a:pPr>
-              <a:buNone/>
-            </a:pPr>
+            <a:pPr algn="just">
+              <a:buNone/>
+            </a:pPr>
+            <a:endParaRPr lang="pt-BR" sz="2000" dirty="0">
+              <a:ea typeface="+mn-lt"/>
+              <a:cs typeface="+mn-lt"/>
+            </a:endParaRPr>
+          </a:p>
+          <a:p>
+            <a:pPr algn="just"/>
             <a:r>
               <a:rPr lang="pt-BR" sz="2000" dirty="0">
                 <a:ea typeface="+mn-lt"/>
@@ -7060,35 +7116,29 @@
             <a:endParaRPr lang="pt-BR" dirty="0"/>
           </a:p>
           <a:p>
-            <a:pPr>
-              <a:buNone/>
-            </a:pPr>
-            <a:r>
-              <a:rPr lang="pt-BR" sz="2000" dirty="0">
+            <a:pPr lvl="1" algn="just"/>
+            <a:r>
+              <a:rPr lang="pt-BR" sz="1600" dirty="0">
                 <a:ea typeface="+mn-lt"/>
                 <a:cs typeface="+mn-lt"/>
               </a:rPr>
               <a:t>Modelos (de risco, estrutura analítica do projeto, do diagrama de rede do cronograma do projeto)</a:t>
             </a:r>
+            <a:endParaRPr lang="pt-BR" sz="1600"/>
+          </a:p>
+          <a:p>
+            <a:pPr algn="just"/>
+            <a:r>
+              <a:rPr lang="pt-BR" sz="2000" dirty="0">
+                <a:ea typeface="+mn-lt"/>
+                <a:cs typeface="+mn-lt"/>
+              </a:rPr>
+              <a:t>Diretrizes e critérios para adequação do conjunto de processos padrão da organização para satisfazer às necessidades específicas do projeto</a:t>
+            </a:r>
             <a:endParaRPr lang="pt-BR" dirty="0"/>
           </a:p>
           <a:p>
-            <a:pPr>
-              <a:buNone/>
-            </a:pPr>
-            <a:r>
-              <a:rPr lang="pt-BR" sz="2000" dirty="0">
-                <a:ea typeface="+mn-lt"/>
-                <a:cs typeface="+mn-lt"/>
-              </a:rPr>
-              <a:t>Diretrizes e critérios para adequação do conjunto de processos padrão da organização para satisfazer às necessidades específicas do projeto</a:t>
-            </a:r>
-            <a:endParaRPr lang="pt-BR" dirty="0"/>
-          </a:p>
-          <a:p>
-            <a:pPr>
-              <a:buNone/>
-            </a:pPr>
+            <a:pPr algn="just"/>
             <a:r>
               <a:rPr lang="pt-BR" sz="2000" dirty="0">
                 <a:ea typeface="+mn-lt"/>
@@ -7269,8 +7319,8 @@
         </p:nvSpPr>
         <p:spPr>
           <a:xfrm>
-            <a:off x="643467" y="1782981"/>
-            <a:ext cx="10905066" cy="4393982"/>
+            <a:off x="1534863" y="1452302"/>
+            <a:ext cx="10099934" cy="4393982"/>
           </a:xfrm>
         </p:spPr>
         <p:txBody>
@@ -7279,15 +7329,32 @@
           </a:bodyPr>
           <a:lstStyle/>
           <a:p>
-            <a:pPr>
-              <a:buNone/>
-            </a:pPr>
-            <a:r>
-              <a:rPr lang="pt-BR" sz="2000" dirty="0">
-                <a:ea typeface="+mn-lt"/>
-                <a:cs typeface="+mn-lt"/>
-              </a:rPr>
-              <a:t>1ª) ainda mais procedimentos da organização para realizar o trabalho:</a:t>
+            <a:pPr algn="just">
+              <a:buNone/>
+            </a:pPr>
+            <a:r>
+              <a:rPr lang="pt-BR" sz="2000" dirty="0">
+                <a:ea typeface="+mn-lt"/>
+                <a:cs typeface="+mn-lt"/>
+              </a:rPr>
+              <a:t>1ª) Ainda mais procedimentos da organização para</a:t>
+            </a:r>
+            <a:r>
+              <a:rPr lang="pt-BR" sz="2000" b="1" dirty="0">
+                <a:solidFill>
+                  <a:srgbClr val="00B0F0"/>
+                </a:solidFill>
+                <a:ea typeface="+mn-lt"/>
+                <a:cs typeface="+mn-lt"/>
+              </a:rPr>
+              <a:t> realizar </a:t>
+            </a:r>
+            <a:r>
+              <a:rPr lang="pt-BR" sz="2000" dirty="0">
+                <a:ea typeface="+mn-lt"/>
+                <a:cs typeface="+mn-lt"/>
+              </a:rPr>
+              <a:t>o trabalho:</a:t>
             </a:r>
             <a:endParaRPr lang="pt-BR" dirty="0">
               <a:ea typeface="+mn-lt"/>
@@ -7295,9 +7362,16 @@
             </a:endParaRPr>
           </a:p>
           <a:p>
-            <a:pPr>
-              <a:buNone/>
-            </a:pPr>
+            <a:pPr algn="just">
+              <a:buNone/>
+            </a:pPr>
+            <a:endParaRPr lang="pt-BR" sz="2000" dirty="0">
+              <a:ea typeface="+mn-lt"/>
+              <a:cs typeface="+mn-lt"/>
+            </a:endParaRPr>
+          </a:p>
+          <a:p>
+            <a:pPr algn="just"/>
             <a:r>
               <a:rPr lang="pt-BR" sz="2000" dirty="0">
                 <a:ea typeface="+mn-lt"/>
@@ -7308,9 +7382,7 @@
             <a:endParaRPr lang="pt-BR" dirty="0"/>
           </a:p>
           <a:p>
-            <a:pPr>
-              <a:buNone/>
-            </a:pPr>
+            <a:pPr algn="just"/>
             <a:r>
               <a:rPr lang="pt-BR" sz="2000" dirty="0">
                 <a:ea typeface="+mn-lt"/>
@@ -7324,9 +7396,7 @@
             </a:endParaRPr>
           </a:p>
           <a:p>
-            <a:pPr>
-              <a:buNone/>
-            </a:pPr>
+            <a:pPr algn="just"/>
             <a:r>
               <a:rPr lang="pt-BR" sz="2000" dirty="0">
                 <a:ea typeface="+mn-lt"/>
@@ -7529,8 +7599,8 @@
         </p:nvSpPr>
         <p:spPr>
           <a:xfrm>
-            <a:off x="643467" y="1782981"/>
-            <a:ext cx="10905066" cy="4393982"/>
+            <a:off x="1534863" y="1452302"/>
+            <a:ext cx="9913029" cy="4393982"/>
           </a:xfrm>
         </p:spPr>
         <p:txBody>
@@ -7539,15 +7609,32 @@
           </a:bodyPr>
           <a:lstStyle/>
           <a:p>
-            <a:pPr>
-              <a:buNone/>
-            </a:pPr>
-            <a:r>
-              <a:rPr lang="pt-BR" sz="2000" dirty="0">
-                <a:ea typeface="+mn-lt"/>
-                <a:cs typeface="+mn-lt"/>
-              </a:rPr>
-              <a:t>1ª) último - procedimentos da organização para realizar o trabalho:</a:t>
+            <a:pPr algn="just">
+              <a:buNone/>
+            </a:pPr>
+            <a:r>
+              <a:rPr lang="pt-BR" sz="2000" dirty="0">
+                <a:ea typeface="+mn-lt"/>
+                <a:cs typeface="+mn-lt"/>
+              </a:rPr>
+              <a:t>1ª) último - procedimentos da organização para </a:t>
+            </a:r>
+            <a:r>
+              <a:rPr lang="pt-BR" sz="2000" b="1" dirty="0">
+                <a:solidFill>
+                  <a:srgbClr val="00B0F0"/>
+                </a:solidFill>
+                <a:ea typeface="+mn-lt"/>
+                <a:cs typeface="+mn-lt"/>
+              </a:rPr>
+              <a:t>realizar</a:t>
+            </a:r>
+            <a:r>
+              <a:rPr lang="pt-BR" sz="2000" dirty="0">
+                <a:ea typeface="+mn-lt"/>
+                <a:cs typeface="+mn-lt"/>
+              </a:rPr>
+              <a:t> o trabalho:</a:t>
             </a:r>
             <a:endParaRPr lang="pt-BR" dirty="0">
               <a:ea typeface="+mn-lt"/>
@@ -7555,9 +7642,16 @@
             </a:endParaRPr>
           </a:p>
           <a:p>
-            <a:pPr>
-              <a:buNone/>
-            </a:pPr>
+            <a:pPr algn="just">
+              <a:buNone/>
+            </a:pPr>
+            <a:endParaRPr lang="pt-BR" sz="2000" dirty="0">
+              <a:ea typeface="+mn-lt"/>
+              <a:cs typeface="+mn-lt"/>
+            </a:endParaRPr>
+          </a:p>
+          <a:p>
+            <a:pPr algn="just"/>
             <a:r>
               <a:rPr lang="pt-BR" sz="2000" dirty="0">
                 <a:ea typeface="+mn-lt"/>
@@ -7568,9 +7662,7 @@
             <a:endParaRPr lang="pt-BR" dirty="0"/>
           </a:p>
           <a:p>
-            <a:pPr>
-              <a:buNone/>
-            </a:pPr>
+            <a:pPr algn="just"/>
             <a:r>
               <a:rPr lang="pt-BR" sz="2000" dirty="0">
                 <a:ea typeface="+mn-lt"/>
@@ -7581,15 +7673,13 @@
             <a:endParaRPr lang="pt-BR" dirty="0"/>
           </a:p>
           <a:p>
-            <a:pPr>
-              <a:buNone/>
-            </a:pPr>
-            <a:r>
-              <a:rPr lang="pt-BR" sz="2000" dirty="0">
-                <a:ea typeface="+mn-lt"/>
-                <a:cs typeface="+mn-lt"/>
-              </a:rPr>
-              <a:t>E demais idiossincrasias das rotinas da organização, legislação a obedecer, regras da “matriz”, idioma dos documentos...</a:t>
+            <a:pPr algn="just"/>
+            <a:r>
+              <a:rPr lang="pt-BR" sz="2000" dirty="0">
+                <a:ea typeface="+mn-lt"/>
+                <a:cs typeface="+mn-lt"/>
+              </a:rPr>
+              <a:t>E demais idiossincrasias das rotinas da organização, legislação a obedecer, regras da “matriz”, idioma dos documentos, etc.</a:t>
             </a:r>
             <a:endParaRPr lang="pt-BR" dirty="0"/>
           </a:p>

--- a/RELATORIO PROVA P2/relatorio-pmbok-capitulo4-jharbes.pptx
+++ b/RELATORIO PROVA P2/relatorio-pmbok-capitulo4-jharbes.pptx
@@ -170,6 +170,7 @@
     <p1510:client id="{48F91746-B893-61F0-E2B5-F484DCEDD16B}" v="352" dt="2022-12-03T12:34:12.174"/>
     <p1510:client id="{89141EF4-D9B1-448E-BF85-A061974F4635}" v="40" dt="2022-11-30T16:19:30.454"/>
     <p1510:client id="{AAE71220-A1A8-A349-D335-1D78B8499119}" v="13" dt="2022-12-03T12:10:22.569"/>
+    <p1510:client id="{B57F4EAB-52FE-8C54-B7C3-F9A802D0DD07}" v="70" dt="2022-12-03T15:24:17.563"/>
     <p1510:client id="{EC33A585-3A75-7FFE-4DB2-4ADF2EFB6800}" v="54" dt="2022-12-03T14:10:50.401"/>
   </p1510:revLst>
 </p1510:revInfo>
@@ -6843,7 +6844,7 @@
             <a:r>
               <a:rPr lang="pt-BR" sz="2000" b="1" dirty="0">
                 <a:solidFill>
-                  <a:srgbClr val="00B0F0"/>
+                  <a:srgbClr val="0070C0"/>
                 </a:solidFill>
                 <a:ea typeface="+mn-lt"/>
                 <a:cs typeface="+mn-lt"/>
@@ -7076,7 +7077,7 @@
             <a:r>
               <a:rPr lang="pt-BR" sz="2000" b="1" dirty="0">
                 <a:solidFill>
-                  <a:srgbClr val="00B0F0"/>
+                  <a:srgbClr val="0070C0"/>
                 </a:solidFill>
                 <a:ea typeface="+mn-lt"/>
                 <a:cs typeface="+mn-lt"/>
@@ -7347,7 +7348,17 @@
                 <a:ea typeface="+mn-lt"/>
                 <a:cs typeface="+mn-lt"/>
               </a:rPr>
-              <a:t> realizar </a:t>
+              <a:t> </a:t>
+            </a:r>
+            <a:r>
+              <a:rPr lang="pt-BR" sz="2000" b="1" dirty="0">
+                <a:solidFill>
+                  <a:srgbClr val="0070C0"/>
+                </a:solidFill>
+                <a:ea typeface="+mn-lt"/>
+                <a:cs typeface="+mn-lt"/>
+              </a:rPr>
+              <a:t>realizar </a:t>
             </a:r>
             <a:r>
               <a:rPr lang="pt-BR" sz="2000" dirty="0">
@@ -7622,7 +7633,7 @@
             <a:r>
               <a:rPr lang="pt-BR" sz="2000" b="1" dirty="0">
                 <a:solidFill>
-                  <a:srgbClr val="00B0F0"/>
+                  <a:srgbClr val="0070C0"/>
                 </a:solidFill>
                 <a:ea typeface="+mn-lt"/>
                 <a:cs typeface="+mn-lt"/>
@@ -7870,8 +7881,8 @@
         </p:nvSpPr>
         <p:spPr>
           <a:xfrm>
-            <a:off x="643467" y="1782981"/>
-            <a:ext cx="10905066" cy="4393982"/>
+            <a:off x="1491731" y="1452302"/>
+            <a:ext cx="10143066" cy="4753415"/>
           </a:xfrm>
         </p:spPr>
         <p:txBody>
@@ -7880,7 +7891,7 @@
           </a:bodyPr>
           <a:lstStyle/>
           <a:p>
-            <a:pPr>
+            <a:pPr algn="just">
               <a:buNone/>
             </a:pPr>
             <a:r>
@@ -7893,15 +7904,72 @@
             <a:endParaRPr lang="pt-BR" b="1" dirty="0"/>
           </a:p>
           <a:p>
-            <a:pPr>
-              <a:buNone/>
-            </a:pPr>
+            <a:pPr algn="just">
+              <a:buNone/>
+            </a:pPr>
+            <a:r>
+              <a:rPr lang="pt-BR" sz="2000" b="1" dirty="0">
+                <a:ea typeface="+mn-lt"/>
+                <a:cs typeface="+mn-lt"/>
+              </a:rPr>
+              <a:t>2ª) Base de </a:t>
+            </a:r>
+            <a:r>
+              <a:rPr lang="pt-BR" sz="2000" b="1" dirty="0">
+                <a:solidFill>
+                  <a:srgbClr val="0070C0"/>
+                </a:solidFill>
+                <a:ea typeface="+mn-lt"/>
+                <a:cs typeface="+mn-lt"/>
+              </a:rPr>
+              <a:t>conhecimento corporativo</a:t>
+            </a:r>
+            <a:r>
+              <a:rPr lang="pt-BR" sz="2000" b="1" dirty="0">
+                <a:ea typeface="+mn-lt"/>
+                <a:cs typeface="+mn-lt"/>
+              </a:rPr>
+              <a:t> para </a:t>
+            </a:r>
+            <a:r>
+              <a:rPr lang="pt-BR" sz="2000" b="1" dirty="0">
+                <a:solidFill>
+                  <a:srgbClr val="0070C0"/>
+                </a:solidFill>
+                <a:ea typeface="+mn-lt"/>
+                <a:cs typeface="+mn-lt"/>
+              </a:rPr>
+              <a:t>armazenar e recuperar</a:t>
+            </a:r>
+            <a:r>
+              <a:rPr lang="pt-BR" sz="2000" b="1" dirty="0">
+                <a:ea typeface="+mn-lt"/>
+                <a:cs typeface="+mn-lt"/>
+              </a:rPr>
+              <a:t> informações:</a:t>
+            </a:r>
+            <a:endParaRPr lang="pt-BR" b="1" dirty="0">
+              <a:ea typeface="+mn-lt"/>
+              <a:cs typeface="+mn-lt"/>
+            </a:endParaRPr>
+          </a:p>
+          <a:p>
+            <a:pPr algn="just">
+              <a:buNone/>
+            </a:pPr>
+            <a:endParaRPr lang="pt-BR" sz="2000" b="1" dirty="0">
+              <a:ea typeface="+mn-lt"/>
+              <a:cs typeface="+mn-lt"/>
+            </a:endParaRPr>
+          </a:p>
+          <a:p>
+            <a:pPr algn="just"/>
             <a:r>
               <a:rPr lang="pt-BR" sz="2000" dirty="0">
                 <a:ea typeface="+mn-lt"/>
                 <a:cs typeface="+mn-lt"/>
               </a:rPr>
-              <a:t>2ª) Base de conhecimento corporativo para armazenar e recuperar informações:</a:t>
+              <a:t>Banco de dados de medição de processos usado para coletar e disponibilizar os dados de medição de processos e produtos;</a:t>
             </a:r>
             <a:endParaRPr lang="pt-BR" dirty="0">
               <a:ea typeface="+mn-lt"/>
@@ -7909,59 +7977,48 @@
             </a:endParaRPr>
           </a:p>
           <a:p>
-            <a:pPr>
-              <a:buNone/>
-            </a:pPr>
+            <a:pPr algn="just">
+              <a:buClr>
+                <a:srgbClr val="1287C3"/>
+              </a:buClr>
+            </a:pPr>
+            <a:endParaRPr lang="pt-BR" sz="2000" dirty="0">
+              <a:ea typeface="+mn-lt"/>
+              <a:cs typeface="+mn-lt"/>
+            </a:endParaRPr>
+          </a:p>
+          <a:p>
+            <a:pPr algn="just"/>
             <a:r>
               <a:rPr lang="pt-BR" sz="2000" dirty="0">
                 <a:ea typeface="+mn-lt"/>
                 <a:cs typeface="+mn-lt"/>
               </a:rPr>
-              <a:t>Banco de dados de medição de processos usado para coletar e disponibilizar os dados de medição de processos e produtos;</a:t>
-            </a:r>
-            <a:endParaRPr lang="pt-BR" dirty="0">
-              <a:ea typeface="+mn-lt"/>
-              <a:cs typeface="+mn-lt"/>
-            </a:endParaRPr>
-          </a:p>
-          <a:p>
-            <a:pPr>
-              <a:buNone/>
-            </a:pPr>
-            <a:r>
-              <a:rPr lang="pt-BR" sz="2000" dirty="0">
-                <a:ea typeface="+mn-lt"/>
-                <a:cs typeface="+mn-lt"/>
-              </a:rPr>
               <a:t>Arquivos do projeto</a:t>
             </a:r>
             <a:endParaRPr lang="pt-BR" dirty="0"/>
           </a:p>
           <a:p>
-            <a:pPr>
-              <a:buNone/>
-            </a:pPr>
-            <a:r>
-              <a:rPr lang="pt-BR" sz="2000" dirty="0">
+            <a:pPr lvl="1" algn="just"/>
+            <a:r>
+              <a:rPr lang="pt-BR" sz="1600" dirty="0">
                 <a:ea typeface="+mn-lt"/>
                 <a:cs typeface="+mn-lt"/>
               </a:rPr>
               <a:t>escopo, custo, cronograma e linhas de base da qualidade, da medição de desempenho, calendários do projeto, diagramas de rede do cronograma do projeto, registros de riscos, ações de resposta planejadas e impacto de risco definido...</a:t>
             </a:r>
-            <a:endParaRPr lang="pt-BR" dirty="0"/>
-          </a:p>
-          <a:p>
-            <a:pPr>
-              <a:buNone/>
-            </a:pPr>
-            <a:r>
-              <a:rPr lang="pt-BR" sz="2000" dirty="0">
+            <a:endParaRPr lang="pt-BR" sz="1600"/>
+          </a:p>
+          <a:p>
+            <a:pPr lvl="1" algn="just"/>
+            <a:r>
+              <a:rPr lang="pt-BR" sz="1600" dirty="0">
                 <a:ea typeface="+mn-lt"/>
                 <a:cs typeface="+mn-lt"/>
               </a:rPr>
               <a:t>Informações históricas e lições aprendidas (registros e documentos de projetos, todas as informações e a documentação relativas ao encerramento do projeto, sobre os resultados de decisões a respeito da seleção de projetos anteriores, seu desempenho e informações do esforço de gerenciamento de riscos).</a:t>
             </a:r>
-            <a:endParaRPr lang="pt-BR" dirty="0"/>
+            <a:endParaRPr lang="pt-BR" sz="1600"/>
           </a:p>
           <a:p>
             <a:pPr>
@@ -8158,8 +8215,8 @@
         </p:nvSpPr>
         <p:spPr>
           <a:xfrm>
-            <a:off x="643467" y="1782981"/>
-            <a:ext cx="10905066" cy="4393982"/>
+            <a:off x="1419844" y="1452302"/>
+            <a:ext cx="10315595" cy="4393982"/>
           </a:xfrm>
         </p:spPr>
         <p:txBody>
@@ -8173,17 +8230,33 @@
             </a:pPr>
             <a:r>
               <a:rPr lang="pt-BR" sz="2000" b="1" dirty="0">
+                <a:solidFill>
+                  <a:srgbClr val="0070C0"/>
+                </a:solidFill>
                 <a:ea typeface="+mn-lt"/>
                 <a:cs typeface="+mn-lt"/>
               </a:rPr>
               <a:t>Base de conhecimento corporativo da empresa</a:t>
             </a:r>
-            <a:endParaRPr lang="pt-BR" b="1" dirty="0"/>
-          </a:p>
-          <a:p>
-            <a:pPr>
-              <a:buNone/>
-            </a:pPr>
+            <a:endParaRPr lang="pt-BR" dirty="0">
+              <a:solidFill>
+                <a:srgbClr val="000000"/>
+              </a:solidFill>
+            </a:endParaRPr>
+          </a:p>
+          <a:p>
+            <a:pPr>
+              <a:buNone/>
+            </a:pPr>
+            <a:endParaRPr lang="pt-BR" sz="2000" b="1" dirty="0">
+              <a:solidFill>
+                <a:srgbClr val="0070C0"/>
+              </a:solidFill>
+              <a:ea typeface="+mn-lt"/>
+              <a:cs typeface="+mn-lt"/>
+            </a:endParaRPr>
+          </a:p>
+          <a:p>
             <a:r>
               <a:rPr lang="pt-BR" sz="2000" dirty="0">
                 <a:ea typeface="+mn-lt"/>
@@ -8194,9 +8267,6 @@
             <a:endParaRPr lang="pt-BR" dirty="0"/>
           </a:p>
           <a:p>
-            <a:pPr>
-              <a:buNone/>
-            </a:pPr>
             <a:r>
               <a:rPr lang="pt-BR" sz="2000" dirty="0">
                 <a:ea typeface="+mn-lt"/>
@@ -8207,9 +8277,6 @@
             <a:endParaRPr lang="pt-BR" dirty="0"/>
           </a:p>
           <a:p>
-            <a:pPr>
-              <a:buNone/>
-            </a:pPr>
             <a:r>
               <a:rPr lang="pt-BR" sz="2000" dirty="0">
                 <a:ea typeface="+mn-lt"/>
@@ -8422,8 +8489,8 @@
         </p:nvSpPr>
         <p:spPr>
           <a:xfrm>
-            <a:off x="643467" y="1782981"/>
-            <a:ext cx="10905066" cy="4393982"/>
+            <a:off x="1405467" y="1452302"/>
+            <a:ext cx="10143066" cy="4393982"/>
           </a:xfrm>
         </p:spPr>
         <p:txBody>
@@ -8432,7 +8499,7 @@
           </a:bodyPr>
           <a:lstStyle/>
           <a:p>
-            <a:pPr>
+            <a:pPr algn="just">
               <a:buNone/>
             </a:pPr>
             <a:r>
@@ -8445,7 +8512,16 @@
             <a:endParaRPr lang="pt-BR" b="1" dirty="0"/>
           </a:p>
           <a:p>
-            <a:pPr>
+            <a:pPr algn="just">
+              <a:buNone/>
+            </a:pPr>
+            <a:endParaRPr lang="pt-BR" sz="2000" b="1" dirty="0">
+              <a:ea typeface="+mn-lt"/>
+              <a:cs typeface="+mn-lt"/>
+            </a:endParaRPr>
+          </a:p>
+          <a:p>
+            <a:pPr algn="just">
               <a:buNone/>
             </a:pPr>
             <a:r>
@@ -8461,7 +8537,7 @@
             </a:endParaRPr>
           </a:p>
           <a:p>
-            <a:pPr>
+            <a:pPr algn="just">
               <a:buNone/>
             </a:pPr>
             <a:r>
@@ -8469,7 +8545,7 @@
                 <a:ea typeface="+mn-lt"/>
                 <a:cs typeface="+mn-lt"/>
               </a:rPr>
-              <a:t>Essa especialização pode ser oferecida por qualquer grupo ou pessoa com conhecimento ou treinamento especializado, disponível em outras unidades dentro da organização, consultores, partes interessadas (como clientes ou patrocinadores), associações profissionais e técnicas...</a:t>
+              <a:t>Essa especialização pode ser oferecida por qualquer grupo ou pessoa com conhecimento ou treinamento especializado, disponível em outras unidades dentro da organização, consultores, partes interessadas (como clientes ou patrocinadores), associações profissionais e técnicas.</a:t>
             </a:r>
             <a:endParaRPr lang="pt-BR" dirty="0"/>
           </a:p>
@@ -8684,8 +8760,8 @@
         </p:nvSpPr>
         <p:spPr>
           <a:xfrm>
-            <a:off x="643467" y="1782981"/>
-            <a:ext cx="10905066" cy="4393982"/>
+            <a:off x="1491731" y="1452302"/>
+            <a:ext cx="10229331" cy="4393982"/>
           </a:xfrm>
         </p:spPr>
         <p:txBody>
@@ -8694,7 +8770,7 @@
           </a:bodyPr>
           <a:lstStyle/>
           <a:p>
-            <a:pPr>
+            <a:pPr algn="just">
               <a:buNone/>
             </a:pPr>
             <a:r>
@@ -8707,9 +8783,16 @@
             <a:endParaRPr lang="pt-BR" b="1" dirty="0"/>
           </a:p>
           <a:p>
-            <a:pPr>
-              <a:buNone/>
-            </a:pPr>
+            <a:pPr algn="just">
+              <a:buNone/>
+            </a:pPr>
+            <a:endParaRPr lang="pt-BR" sz="2000" b="1" dirty="0">
+              <a:ea typeface="+mn-lt"/>
+              <a:cs typeface="+mn-lt"/>
+            </a:endParaRPr>
+          </a:p>
+          <a:p>
+            <a:pPr algn="just"/>
             <a:r>
               <a:rPr lang="pt-BR" sz="2000" dirty="0">
                 <a:ea typeface="+mn-lt"/>
@@ -8734,9 +8817,7 @@
             <a:endParaRPr lang="pt-BR" dirty="0"/>
           </a:p>
           <a:p>
-            <a:pPr>
-              <a:buNone/>
-            </a:pPr>
+            <a:pPr algn="just"/>
             <a:r>
               <a:rPr lang="pt-BR" sz="2000" dirty="0">
                 <a:ea typeface="+mn-lt"/>
@@ -8750,9 +8831,7 @@
             </a:endParaRPr>
           </a:p>
           <a:p>
-            <a:pPr>
-              <a:buNone/>
-            </a:pPr>
+            <a:pPr algn="just"/>
             <a:r>
               <a:rPr lang="pt-BR" sz="2000" dirty="0">
                 <a:ea typeface="+mn-lt"/>
@@ -8766,9 +8845,7 @@
             </a:endParaRPr>
           </a:p>
           <a:p>
-            <a:pPr>
-              <a:buNone/>
-            </a:pPr>
+            <a:pPr algn="just"/>
             <a:r>
               <a:rPr lang="pt-BR" sz="2000" dirty="0">
                 <a:ea typeface="+mn-lt"/>
@@ -8997,8 +9074,8 @@
         </p:nvSpPr>
         <p:spPr>
           <a:xfrm>
-            <a:off x="643467" y="1782981"/>
-            <a:ext cx="10905066" cy="4393982"/>
+            <a:off x="1462976" y="1452302"/>
+            <a:ext cx="9941783" cy="4393982"/>
           </a:xfrm>
         </p:spPr>
         <p:txBody>
@@ -9015,7 +9092,7 @@
                 <a:ea typeface="+mn-lt"/>
                 <a:cs typeface="+mn-lt"/>
               </a:rPr>
-              <a:t>.1 Termo de abertura do projeto</a:t>
+              <a:t>.1 Termo de abertura do projeto </a:t>
             </a:r>
             <a:r>
               <a:rPr lang="pt-BR" sz="2000" dirty="0">
@@ -9030,6 +9107,13 @@
             <a:pPr>
               <a:buNone/>
             </a:pPr>
+            <a:endParaRPr lang="pt-BR" sz="2000" dirty="0">
+              <a:ea typeface="+mn-lt"/>
+              <a:cs typeface="+mn-lt"/>
+            </a:endParaRPr>
+          </a:p>
+          <a:p>
+            <a:pPr algn="just"/>
             <a:r>
               <a:rPr lang="pt-BR" sz="2000" dirty="0">
                 <a:ea typeface="+mn-lt"/>
@@ -9043,9 +9127,7 @@
             </a:endParaRPr>
           </a:p>
           <a:p>
-            <a:pPr>
-              <a:buNone/>
-            </a:pPr>
+            <a:pPr algn="just"/>
             <a:r>
               <a:rPr lang="pt-BR" sz="2000" dirty="0">
                 <a:ea typeface="+mn-lt"/>
@@ -9467,17 +9549,17 @@
         </p:nvSpPr>
         <p:spPr>
           <a:xfrm>
-            <a:off x="657844" y="1610453"/>
-            <a:ext cx="10890689" cy="4566510"/>
+            <a:off x="1549241" y="1452302"/>
+            <a:ext cx="10085557" cy="4566510"/>
           </a:xfrm>
         </p:spPr>
         <p:txBody>
           <a:bodyPr vert="horz" lIns="91440" tIns="45720" rIns="91440" bIns="45720" rtlCol="0" anchor="t">
-            <a:normAutofit/>
+            <a:normAutofit lnSpcReduction="10000"/>
           </a:bodyPr>
           <a:lstStyle/>
           <a:p>
-            <a:pPr>
+            <a:pPr algn="just">
               <a:buNone/>
             </a:pPr>
             <a:r>
@@ -9493,9 +9575,7 @@
             </a:endParaRPr>
           </a:p>
           <a:p>
-            <a:pPr>
-              <a:buNone/>
-            </a:pPr>
+            <a:pPr algn="just"/>
             <a:r>
               <a:rPr lang="pt-BR" sz="2000" dirty="0">
                 <a:ea typeface="+mn-lt"/>
@@ -9508,9 +9588,7 @@
             </a:endParaRPr>
           </a:p>
           <a:p>
-            <a:pPr>
-              <a:buNone/>
-            </a:pPr>
+            <a:pPr algn="just"/>
             <a:r>
               <a:rPr lang="pt-BR" sz="2000" dirty="0">
                 <a:ea typeface="+mn-lt"/>
@@ -9521,9 +9599,7 @@
             <a:endParaRPr lang="pt-BR" dirty="0"/>
           </a:p>
           <a:p>
-            <a:pPr>
-              <a:buNone/>
-            </a:pPr>
+            <a:pPr algn="just"/>
             <a:r>
               <a:rPr lang="pt-BR" sz="2000" dirty="0">
                 <a:ea typeface="+mn-lt"/>
@@ -9534,9 +9610,7 @@
             <a:endParaRPr lang="pt-BR" dirty="0"/>
           </a:p>
           <a:p>
-            <a:pPr>
-              <a:buNone/>
-            </a:pPr>
+            <a:pPr algn="just"/>
             <a:r>
               <a:rPr lang="pt-BR" sz="2000" dirty="0">
                 <a:ea typeface="+mn-lt"/>
@@ -9547,9 +9621,7 @@
             <a:endParaRPr lang="pt-BR" dirty="0"/>
           </a:p>
           <a:p>
-            <a:pPr>
-              <a:buNone/>
-            </a:pPr>
+            <a:pPr algn="just"/>
             <a:r>
               <a:rPr lang="pt-BR" sz="2000" dirty="0">
                 <a:ea typeface="+mn-lt"/>
@@ -9560,9 +9632,7 @@
             <a:endParaRPr lang="pt-BR" dirty="0"/>
           </a:p>
           <a:p>
-            <a:pPr>
-              <a:buNone/>
-            </a:pPr>
+            <a:pPr algn="just"/>
             <a:r>
               <a:rPr lang="pt-BR" sz="2000" dirty="0">
                 <a:ea typeface="+mn-lt"/>
@@ -9573,9 +9643,7 @@
             <a:endParaRPr lang="pt-BR" dirty="0"/>
           </a:p>
           <a:p>
-            <a:pPr>
-              <a:buNone/>
-            </a:pPr>
+            <a:pPr algn="just"/>
             <a:r>
               <a:rPr lang="pt-BR" sz="2000" dirty="0">
                 <a:ea typeface="+mn-lt"/>
@@ -9586,9 +9654,7 @@
             <a:endParaRPr lang="pt-BR" dirty="0"/>
           </a:p>
           <a:p>
-            <a:pPr>
-              <a:buNone/>
-            </a:pPr>
+            <a:pPr algn="just"/>
             <a:r>
               <a:rPr lang="pt-BR" sz="2000" dirty="0">
                 <a:ea typeface="+mn-lt"/>
@@ -9599,9 +9665,7 @@
             <a:endParaRPr lang="pt-BR" dirty="0"/>
           </a:p>
           <a:p>
-            <a:pPr>
-              <a:buNone/>
-            </a:pPr>
+            <a:pPr algn="just"/>
             <a:r>
               <a:rPr lang="pt-BR" sz="2000" dirty="0">
                 <a:ea typeface="+mn-lt"/>
@@ -9612,9 +9676,7 @@
             <a:endParaRPr lang="pt-BR" dirty="0"/>
           </a:p>
           <a:p>
-            <a:pPr>
-              <a:buNone/>
-            </a:pPr>
+            <a:pPr algn="just"/>
             <a:r>
               <a:rPr lang="pt-BR" sz="2000" dirty="0">
                 <a:ea typeface="+mn-lt"/>
@@ -9863,8 +9925,8 @@
         </p:nvSpPr>
         <p:spPr>
           <a:xfrm>
-            <a:off x="657844" y="1610453"/>
-            <a:ext cx="10890689" cy="4566510"/>
+            <a:off x="1419844" y="1452302"/>
+            <a:ext cx="10186199" cy="4566510"/>
           </a:xfrm>
         </p:spPr>
         <p:txBody>
@@ -9873,7 +9935,7 @@
           </a:bodyPr>
           <a:lstStyle/>
           <a:p>
-            <a:pPr>
+            <a:pPr algn="just">
               <a:buNone/>
             </a:pPr>
             <a:r>
@@ -9886,7 +9948,16 @@
             <a:endParaRPr lang="pt-BR" dirty="0"/>
           </a:p>
           <a:p>
-            <a:pPr>
+            <a:pPr algn="just">
+              <a:buNone/>
+            </a:pPr>
+            <a:endParaRPr lang="pt-BR" sz="2000" dirty="0">
+              <a:ea typeface="+mn-lt"/>
+              <a:cs typeface="+mn-lt"/>
+            </a:endParaRPr>
+          </a:p>
+          <a:p>
+            <a:pPr algn="just">
               <a:buNone/>
             </a:pPr>
             <a:r>
@@ -9899,7 +9970,16 @@
             <a:endParaRPr lang="pt-BR" dirty="0"/>
           </a:p>
           <a:p>
-            <a:pPr>
+            <a:pPr algn="just">
+              <a:buNone/>
+            </a:pPr>
+            <a:endParaRPr lang="pt-BR" sz="2000" dirty="0">
+              <a:ea typeface="+mn-lt"/>
+              <a:cs typeface="+mn-lt"/>
+            </a:endParaRPr>
+          </a:p>
+          <a:p>
+            <a:pPr algn="just">
               <a:buNone/>
             </a:pPr>
             <a:r>
@@ -9911,6 +9991,9 @@
             </a:r>
             <a:r>
               <a:rPr lang="pt-BR" sz="2000" b="1" dirty="0">
+                <a:solidFill>
+                  <a:srgbClr val="0070C0"/>
+                </a:solidFill>
                 <a:ea typeface="+mn-lt"/>
                 <a:cs typeface="+mn-lt"/>
               </a:rPr>
@@ -10161,8 +10244,8 @@
         </p:nvSpPr>
         <p:spPr>
           <a:xfrm>
-            <a:off x="657844" y="1610453"/>
-            <a:ext cx="10890689" cy="4566510"/>
+            <a:off x="1549241" y="1452302"/>
+            <a:ext cx="10214953" cy="4566510"/>
           </a:xfrm>
         </p:spPr>
         <p:txBody>
@@ -10175,87 +10258,89 @@
               <a:buNone/>
             </a:pPr>
             <a:r>
-              <a:rPr lang="pt-BR" sz="2000" dirty="0">
+              <a:rPr lang="pt-BR" sz="2000" b="1" dirty="0">
                 <a:ea typeface="+mn-lt"/>
                 <a:cs typeface="+mn-lt"/>
               </a:rPr>
               <a:t>Entradas.</a:t>
             </a:r>
-            <a:endParaRPr lang="pt-BR" dirty="0">
-              <a:ea typeface="+mn-lt"/>
-              <a:cs typeface="+mn-lt"/>
-            </a:endParaRPr>
-          </a:p>
-          <a:p>
-            <a:pPr>
-              <a:buNone/>
-            </a:pPr>
-            <a:r>
-              <a:rPr lang="pt-BR" sz="2000" dirty="0">
+            <a:endParaRPr lang="pt-BR" b="1">
+              <a:ea typeface="+mn-lt"/>
+              <a:cs typeface="+mn-lt"/>
+            </a:endParaRPr>
+          </a:p>
+          <a:p>
+            <a:pPr>
+              <a:buNone/>
+            </a:pPr>
+            <a:endParaRPr lang="pt-BR" sz="2000" b="1" dirty="0">
+              <a:ea typeface="+mn-lt"/>
+              <a:cs typeface="+mn-lt"/>
+            </a:endParaRPr>
+          </a:p>
+          <a:p>
+            <a:pPr>
+              <a:buNone/>
+            </a:pPr>
+            <a:r>
+              <a:rPr lang="pt-BR" sz="2000" b="1" dirty="0">
                 <a:ea typeface="+mn-lt"/>
                 <a:cs typeface="+mn-lt"/>
               </a:rPr>
               <a:t>1 TAP.</a:t>
             </a:r>
-            <a:endParaRPr lang="pt-BR" dirty="0">
-              <a:ea typeface="+mn-lt"/>
-              <a:cs typeface="+mn-lt"/>
-            </a:endParaRPr>
-          </a:p>
-          <a:p>
-            <a:pPr>
-              <a:buNone/>
-            </a:pPr>
-            <a:r>
-              <a:rPr lang="pt-BR" sz="2000" dirty="0">
+            <a:endParaRPr lang="pt-BR" b="1">
+              <a:ea typeface="+mn-lt"/>
+              <a:cs typeface="+mn-lt"/>
+            </a:endParaRPr>
+          </a:p>
+          <a:p>
+            <a:pPr>
+              <a:buNone/>
+            </a:pPr>
+            <a:r>
+              <a:rPr lang="pt-BR" sz="2000" b="1" dirty="0">
                 <a:ea typeface="+mn-lt"/>
                 <a:cs typeface="+mn-lt"/>
               </a:rPr>
               <a:t>2 Saídas de outros processos.</a:t>
             </a:r>
-            <a:endParaRPr lang="pt-BR" dirty="0">
-              <a:ea typeface="+mn-lt"/>
-              <a:cs typeface="+mn-lt"/>
-            </a:endParaRPr>
-          </a:p>
-          <a:p>
-            <a:pPr>
-              <a:buNone/>
-            </a:pPr>
-            <a:r>
-              <a:rPr lang="pt-BR" sz="2000" dirty="0">
+            <a:endParaRPr lang="pt-BR" b="1">
+              <a:ea typeface="+mn-lt"/>
+              <a:cs typeface="+mn-lt"/>
+            </a:endParaRPr>
+          </a:p>
+          <a:p>
+            <a:pPr>
+              <a:buNone/>
+            </a:pPr>
+            <a:r>
+              <a:rPr lang="pt-BR" sz="2000" b="1" dirty="0">
                 <a:ea typeface="+mn-lt"/>
                 <a:cs typeface="+mn-lt"/>
               </a:rPr>
               <a:t>3 Fatores ambientais da empresa.</a:t>
             </a:r>
-            <a:endParaRPr lang="pt-BR" dirty="0"/>
-          </a:p>
-          <a:p>
-            <a:pPr>
-              <a:buNone/>
-            </a:pPr>
-            <a:r>
-              <a:rPr lang="pt-BR" sz="2000" dirty="0">
+            <a:endParaRPr lang="pt-BR" b="1"/>
+          </a:p>
+          <a:p>
+            <a:pPr>
+              <a:buNone/>
+            </a:pPr>
+            <a:r>
+              <a:rPr lang="pt-BR" sz="2000" b="1" dirty="0">
                 <a:ea typeface="+mn-lt"/>
                 <a:cs typeface="+mn-lt"/>
               </a:rPr>
               <a:t>4 Ativos de processos organizacionais</a:t>
             </a:r>
-            <a:endParaRPr lang="pt-BR" dirty="0"/>
-          </a:p>
-          <a:p>
-            <a:pPr>
-              <a:buNone/>
-            </a:pPr>
-            <a:r>
-              <a:rPr lang="pt-BR" sz="2000" dirty="0">
-                <a:ea typeface="+mn-lt"/>
-                <a:cs typeface="+mn-lt"/>
-              </a:rPr>
-              <a:t>Escopo</a:t>
-            </a:r>
-            <a:endParaRPr lang="pt-BR" dirty="0"/>
+            <a:endParaRPr lang="pt-BR" b="1" dirty="0"/>
+          </a:p>
+          <a:p>
+            <a:pPr>
+              <a:buNone/>
+            </a:pPr>
+            <a:endParaRPr lang="pt-BR" sz="2000" dirty="0"/>
           </a:p>
           <a:p>
             <a:pPr>

--- a/RELATORIO PROVA P2/relatorio-pmbok-capitulo4-jharbes.pptx
+++ b/RELATORIO PROVA P2/relatorio-pmbok-capitulo4-jharbes.pptx
@@ -171,6 +171,7 @@
     <p1510:client id="{89141EF4-D9B1-448E-BF85-A061974F4635}" v="40" dt="2022-11-30T16:19:30.454"/>
     <p1510:client id="{AAE71220-A1A8-A349-D335-1D78B8499119}" v="13" dt="2022-12-03T12:10:22.569"/>
     <p1510:client id="{B57F4EAB-52FE-8C54-B7C3-F9A802D0DD07}" v="70" dt="2022-12-03T15:24:17.563"/>
+    <p1510:client id="{EC2252B6-C980-9952-21E4-6CF31577FECE}" v="63" dt="2022-12-03T15:57:56.140"/>
     <p1510:client id="{EC33A585-3A75-7FFE-4DB2-4ADF2EFB6800}" v="54" dt="2022-12-03T14:10:50.401"/>
   </p1510:revLst>
 </p1510:revInfo>
@@ -10205,13 +10206,13 @@
         </p:nvSpPr>
         <p:spPr>
           <a:xfrm>
-            <a:off x="643467" y="321734"/>
-            <a:ext cx="10905066" cy="1135737"/>
+            <a:off x="1333580" y="321734"/>
+            <a:ext cx="10214953" cy="1135737"/>
           </a:xfrm>
         </p:spPr>
         <p:txBody>
           <a:bodyPr>
-            <a:normAutofit/>
+            <a:normAutofit fontScale="90000"/>
           </a:bodyPr>
           <a:lstStyle/>
           <a:p>
@@ -10545,13 +10546,13 @@
         </p:nvSpPr>
         <p:spPr>
           <a:xfrm>
-            <a:off x="643467" y="321734"/>
-            <a:ext cx="10905066" cy="1135737"/>
+            <a:off x="1333580" y="321734"/>
+            <a:ext cx="10214953" cy="1135737"/>
           </a:xfrm>
         </p:spPr>
         <p:txBody>
           <a:bodyPr>
-            <a:normAutofit/>
+            <a:normAutofit fontScale="90000"/>
           </a:bodyPr>
           <a:lstStyle/>
           <a:p>
@@ -10584,8 +10585,8 @@
         </p:nvSpPr>
         <p:spPr>
           <a:xfrm>
-            <a:off x="657844" y="1610453"/>
-            <a:ext cx="10890689" cy="4566510"/>
+            <a:off x="1477353" y="1452302"/>
+            <a:ext cx="10143067" cy="4566510"/>
           </a:xfrm>
         </p:spPr>
         <p:txBody>
@@ -10598,45 +10599,54 @@
               <a:buNone/>
             </a:pPr>
             <a:r>
-              <a:rPr lang="pt-BR" sz="2000" dirty="0">
+              <a:rPr lang="pt-BR" sz="2000" b="1" dirty="0">
                 <a:ea typeface="+mn-lt"/>
                 <a:cs typeface="+mn-lt"/>
               </a:rPr>
               <a:t>Ferramentas e técnicas.</a:t>
             </a:r>
-            <a:endParaRPr lang="pt-BR" dirty="0">
-              <a:ea typeface="+mn-lt"/>
-              <a:cs typeface="+mn-lt"/>
-            </a:endParaRPr>
-          </a:p>
-          <a:p>
-            <a:pPr>
-              <a:buNone/>
-            </a:pPr>
-            <a:r>
-              <a:rPr lang="pt-BR" sz="2000" dirty="0">
+            <a:endParaRPr lang="pt-BR" b="1">
+              <a:ea typeface="+mn-lt"/>
+              <a:cs typeface="+mn-lt"/>
+            </a:endParaRPr>
+          </a:p>
+          <a:p>
+            <a:pPr>
+              <a:buNone/>
+            </a:pPr>
+            <a:endParaRPr lang="pt-BR" sz="2000" b="1" dirty="0">
+              <a:ea typeface="+mn-lt"/>
+              <a:cs typeface="+mn-lt"/>
+            </a:endParaRPr>
+          </a:p>
+          <a:p>
+            <a:pPr>
+              <a:buNone/>
+            </a:pPr>
+            <a:r>
+              <a:rPr lang="pt-BR" sz="2000" b="1" dirty="0">
                 <a:ea typeface="+mn-lt"/>
                 <a:cs typeface="+mn-lt"/>
               </a:rPr>
               <a:t>1 Opinião especializada.</a:t>
             </a:r>
-            <a:endParaRPr lang="pt-BR" dirty="0">
-              <a:ea typeface="+mn-lt"/>
-              <a:cs typeface="+mn-lt"/>
-            </a:endParaRPr>
-          </a:p>
-          <a:p>
-            <a:pPr>
-              <a:buNone/>
-            </a:pPr>
-            <a:r>
-              <a:rPr lang="pt-BR" sz="2000" dirty="0">
+            <a:endParaRPr lang="pt-BR" b="1">
+              <a:ea typeface="+mn-lt"/>
+              <a:cs typeface="+mn-lt"/>
+            </a:endParaRPr>
+          </a:p>
+          <a:p>
+            <a:pPr>
+              <a:buNone/>
+            </a:pPr>
+            <a:r>
+              <a:rPr lang="pt-BR" sz="2000" b="1" dirty="0">
                 <a:ea typeface="+mn-lt"/>
                 <a:cs typeface="+mn-lt"/>
               </a:rPr>
               <a:t>2 Técnicas de facilitação</a:t>
             </a:r>
-            <a:endParaRPr lang="pt-BR" dirty="0"/>
+            <a:endParaRPr lang="pt-BR" b="1" dirty="0"/>
           </a:p>
           <a:p>
             <a:pPr>
@@ -10841,13 +10851,13 @@
         </p:nvSpPr>
         <p:spPr>
           <a:xfrm>
-            <a:off x="643467" y="321734"/>
-            <a:ext cx="10905066" cy="1135737"/>
+            <a:off x="1276070" y="321734"/>
+            <a:ext cx="10272463" cy="1135737"/>
           </a:xfrm>
         </p:spPr>
         <p:txBody>
           <a:bodyPr>
-            <a:normAutofit/>
+            <a:normAutofit fontScale="90000"/>
           </a:bodyPr>
           <a:lstStyle/>
           <a:p>
@@ -10880,8 +10890,8 @@
         </p:nvSpPr>
         <p:spPr>
           <a:xfrm>
-            <a:off x="657844" y="1610453"/>
-            <a:ext cx="10890689" cy="4566510"/>
+            <a:off x="1678636" y="1452302"/>
+            <a:ext cx="10056803" cy="4566510"/>
           </a:xfrm>
         </p:spPr>
         <p:txBody>
@@ -10894,26 +10904,35 @@
               <a:buNone/>
             </a:pPr>
             <a:r>
-              <a:rPr lang="pt-BR" sz="2000" dirty="0">
+              <a:rPr lang="pt-BR" sz="2000" b="1" dirty="0">
                 <a:ea typeface="+mn-lt"/>
                 <a:cs typeface="+mn-lt"/>
               </a:rPr>
               <a:t>Saída.</a:t>
             </a:r>
-            <a:endParaRPr lang="pt-BR" dirty="0"/>
-          </a:p>
-          <a:p>
-            <a:pPr>
-              <a:buNone/>
-            </a:pPr>
-            <a:r>
-              <a:rPr lang="pt-BR" sz="2000" dirty="0">
+            <a:endParaRPr lang="pt-BR" b="1"/>
+          </a:p>
+          <a:p>
+            <a:pPr>
+              <a:buNone/>
+            </a:pPr>
+            <a:endParaRPr lang="pt-BR" sz="2000" b="1" dirty="0">
+              <a:ea typeface="+mn-lt"/>
+              <a:cs typeface="+mn-lt"/>
+            </a:endParaRPr>
+          </a:p>
+          <a:p>
+            <a:pPr>
+              <a:buNone/>
+            </a:pPr>
+            <a:r>
+              <a:rPr lang="pt-BR" sz="2000" b="1" dirty="0">
                 <a:ea typeface="+mn-lt"/>
                 <a:cs typeface="+mn-lt"/>
               </a:rPr>
               <a:t>1 Plano de gerenciamento do projeto</a:t>
             </a:r>
-            <a:endParaRPr lang="pt-BR" dirty="0"/>
+            <a:endParaRPr lang="pt-BR" b="1" dirty="0"/>
           </a:p>
           <a:p>
             <a:pPr>
@@ -11151,8 +11170,8 @@
         </p:nvSpPr>
         <p:spPr>
           <a:xfrm>
-            <a:off x="657844" y="1610453"/>
-            <a:ext cx="10890689" cy="4566510"/>
+            <a:off x="1549241" y="1452302"/>
+            <a:ext cx="10286840" cy="4566510"/>
           </a:xfrm>
         </p:spPr>
         <p:txBody>
@@ -11161,7 +11180,7 @@
           </a:bodyPr>
           <a:lstStyle/>
           <a:p>
-            <a:pPr>
+            <a:pPr algn="just">
               <a:buNone/>
             </a:pPr>
             <a:r>
@@ -11174,7 +11193,16 @@
             <a:endParaRPr lang="pt-BR" dirty="0"/>
           </a:p>
           <a:p>
-            <a:pPr>
+            <a:pPr algn="just">
+              <a:buNone/>
+            </a:pPr>
+            <a:endParaRPr lang="pt-BR" sz="2000" dirty="0">
+              <a:ea typeface="+mn-lt"/>
+              <a:cs typeface="+mn-lt"/>
+            </a:endParaRPr>
+          </a:p>
+          <a:p>
+            <a:pPr algn="just">
               <a:buNone/>
             </a:pPr>
             <a:r>
@@ -11187,7 +11215,16 @@
             <a:endParaRPr lang="pt-BR" dirty="0"/>
           </a:p>
           <a:p>
-            <a:pPr>
+            <a:pPr algn="just">
+              <a:buNone/>
+            </a:pPr>
+            <a:endParaRPr lang="pt-BR" sz="2000" dirty="0">
+              <a:ea typeface="+mn-lt"/>
+              <a:cs typeface="+mn-lt"/>
+            </a:endParaRPr>
+          </a:p>
+          <a:p>
+            <a:pPr algn="just">
               <a:buNone/>
             </a:pPr>
             <a:r>
@@ -11418,8 +11455,8 @@
         </p:nvSpPr>
         <p:spPr>
           <a:xfrm>
-            <a:off x="657844" y="1610453"/>
-            <a:ext cx="10890689" cy="4566510"/>
+            <a:off x="1592373" y="1452302"/>
+            <a:ext cx="10085557" cy="4566510"/>
           </a:xfrm>
         </p:spPr>
         <p:txBody>
@@ -11428,7 +11465,7 @@
           </a:bodyPr>
           <a:lstStyle/>
           <a:p>
-            <a:pPr>
+            <a:pPr algn="just">
               <a:buNone/>
             </a:pPr>
             <a:r>
@@ -11441,7 +11478,16 @@
             <a:endParaRPr lang="pt-BR" dirty="0"/>
           </a:p>
           <a:p>
-            <a:pPr>
+            <a:pPr algn="just">
+              <a:buNone/>
+            </a:pPr>
+            <a:endParaRPr lang="pt-BR" sz="2000" dirty="0">
+              <a:ea typeface="+mn-lt"/>
+              <a:cs typeface="+mn-lt"/>
+            </a:endParaRPr>
+          </a:p>
+          <a:p>
+            <a:pPr algn="just">
               <a:buNone/>
             </a:pPr>
             <a:r>
@@ -11454,7 +11500,16 @@
             <a:endParaRPr lang="pt-BR" dirty="0"/>
           </a:p>
           <a:p>
-            <a:pPr>
+            <a:pPr algn="just">
+              <a:buNone/>
+            </a:pPr>
+            <a:endParaRPr lang="pt-BR" sz="2000" dirty="0">
+              <a:ea typeface="+mn-lt"/>
+              <a:cs typeface="+mn-lt"/>
+            </a:endParaRPr>
+          </a:p>
+          <a:p>
+            <a:pPr algn="just">
               <a:buNone/>
             </a:pPr>
             <a:r>
@@ -11470,7 +11525,16 @@
             </a:endParaRPr>
           </a:p>
           <a:p>
-            <a:pPr>
+            <a:pPr algn="just">
+              <a:buNone/>
+            </a:pPr>
+            <a:endParaRPr lang="pt-BR" sz="2000" dirty="0">
+              <a:ea typeface="+mn-lt"/>
+              <a:cs typeface="+mn-lt"/>
+            </a:endParaRPr>
+          </a:p>
+          <a:p>
+            <a:pPr algn="just">
               <a:buNone/>
             </a:pPr>
             <a:r>
@@ -11693,8 +11757,8 @@
         </p:nvSpPr>
         <p:spPr>
           <a:xfrm>
-            <a:off x="657844" y="1610453"/>
-            <a:ext cx="10890689" cy="4566510"/>
+            <a:off x="1462976" y="1452302"/>
+            <a:ext cx="9970538" cy="4566510"/>
           </a:xfrm>
         </p:spPr>
         <p:txBody>
@@ -11703,7 +11767,7 @@
           </a:bodyPr>
           <a:lstStyle/>
           <a:p>
-            <a:pPr>
+            <a:pPr algn="just">
               <a:buNone/>
             </a:pPr>
             <a:r>
@@ -11715,6 +11779,9 @@
             </a:r>
             <a:r>
               <a:rPr lang="pt-BR" sz="2000" b="1" dirty="0">
+                <a:solidFill>
+                  <a:srgbClr val="FF0000"/>
+                </a:solidFill>
                 <a:ea typeface="+mn-lt"/>
                 <a:cs typeface="+mn-lt"/>
               </a:rPr>
@@ -11733,7 +11800,16 @@
             </a:endParaRPr>
           </a:p>
           <a:p>
-            <a:pPr>
+            <a:pPr algn="just">
+              <a:buNone/>
+            </a:pPr>
+            <a:endParaRPr lang="pt-BR" sz="2000" dirty="0">
+              <a:ea typeface="+mn-lt"/>
+              <a:cs typeface="+mn-lt"/>
+            </a:endParaRPr>
+          </a:p>
+          <a:p>
+            <a:pPr algn="just">
               <a:buNone/>
             </a:pPr>
             <a:r>
@@ -11745,6 +11821,9 @@
             </a:r>
             <a:r>
               <a:rPr lang="pt-BR" sz="2000" b="1" dirty="0">
+                <a:solidFill>
+                  <a:srgbClr val="FF0000"/>
+                </a:solidFill>
                 <a:ea typeface="+mn-lt"/>
                 <a:cs typeface="+mn-lt"/>
               </a:rPr>
@@ -11760,7 +11839,16 @@
             <a:endParaRPr lang="pt-BR" dirty="0"/>
           </a:p>
           <a:p>
-            <a:pPr>
+            <a:pPr algn="just">
+              <a:buNone/>
+            </a:pPr>
+            <a:endParaRPr lang="pt-BR" sz="2000" dirty="0">
+              <a:ea typeface="+mn-lt"/>
+              <a:cs typeface="+mn-lt"/>
+            </a:endParaRPr>
+          </a:p>
+          <a:p>
+            <a:pPr algn="just">
               <a:buNone/>
             </a:pPr>
             <a:r>
@@ -11772,6 +11860,9 @@
             </a:r>
             <a:r>
               <a:rPr lang="pt-BR" sz="2000" b="1" dirty="0">
+                <a:solidFill>
+                  <a:srgbClr val="FF0000"/>
+                </a:solidFill>
                 <a:ea typeface="+mn-lt"/>
                 <a:cs typeface="+mn-lt"/>
               </a:rPr>
@@ -12008,8 +12099,8 @@
         </p:nvSpPr>
         <p:spPr>
           <a:xfrm>
-            <a:off x="657844" y="1610453"/>
-            <a:ext cx="10890689" cy="4566510"/>
+            <a:off x="1592373" y="1452302"/>
+            <a:ext cx="10200576" cy="4566510"/>
           </a:xfrm>
         </p:spPr>
         <p:txBody>
@@ -12018,88 +12109,113 @@
           </a:bodyPr>
           <a:lstStyle/>
           <a:p>
-            <a:pPr>
-              <a:buNone/>
-            </a:pPr>
-            <a:r>
-              <a:rPr lang="pt-BR" sz="2000" dirty="0">
+            <a:pPr algn="just">
+              <a:buNone/>
+            </a:pPr>
+            <a:r>
+              <a:rPr lang="pt-BR" sz="2000" b="1" dirty="0">
                 <a:ea typeface="+mn-lt"/>
                 <a:cs typeface="+mn-lt"/>
               </a:rPr>
               <a:t>Entradas.</a:t>
             </a:r>
-            <a:endParaRPr lang="pt-BR" dirty="0"/>
-          </a:p>
-          <a:p>
-            <a:pPr>
-              <a:buNone/>
-            </a:pPr>
-            <a:r>
-              <a:rPr lang="pt-BR" sz="2000" dirty="0">
+            <a:endParaRPr lang="pt-BR" b="1"/>
+          </a:p>
+          <a:p>
+            <a:pPr algn="just">
+              <a:buNone/>
+            </a:pPr>
+            <a:endParaRPr lang="pt-BR" sz="2000" b="1" dirty="0">
+              <a:ea typeface="+mn-lt"/>
+              <a:cs typeface="+mn-lt"/>
+            </a:endParaRPr>
+          </a:p>
+          <a:p>
+            <a:pPr algn="just">
+              <a:buNone/>
+            </a:pPr>
+            <a:r>
+              <a:rPr lang="pt-BR" sz="2000" b="1" dirty="0">
                 <a:ea typeface="+mn-lt"/>
                 <a:cs typeface="+mn-lt"/>
               </a:rPr>
               <a:t>1 Plano de gerenciamento do projeto.</a:t>
             </a:r>
-            <a:endParaRPr lang="pt-BR" dirty="0">
-              <a:ea typeface="+mn-lt"/>
-              <a:cs typeface="+mn-lt"/>
-            </a:endParaRPr>
-          </a:p>
-          <a:p>
-            <a:pPr>
-              <a:buNone/>
-            </a:pPr>
-            <a:r>
-              <a:rPr lang="pt-BR" sz="2000" dirty="0">
+            <a:endParaRPr lang="pt-BR" b="1">
+              <a:ea typeface="+mn-lt"/>
+              <a:cs typeface="+mn-lt"/>
+            </a:endParaRPr>
+          </a:p>
+          <a:p>
+            <a:pPr algn="just">
+              <a:buNone/>
+            </a:pPr>
+            <a:endParaRPr lang="pt-BR" sz="2000" b="1" dirty="0">
+              <a:ea typeface="+mn-lt"/>
+              <a:cs typeface="+mn-lt"/>
+            </a:endParaRPr>
+          </a:p>
+          <a:p>
+            <a:pPr algn="just">
+              <a:buNone/>
+            </a:pPr>
+            <a:r>
+              <a:rPr lang="pt-BR" sz="2000" b="1" dirty="0">
                 <a:ea typeface="+mn-lt"/>
                 <a:cs typeface="+mn-lt"/>
               </a:rPr>
               <a:t>2 Solicitações de mudança aprovadas</a:t>
             </a:r>
-            <a:endParaRPr lang="pt-BR" dirty="0"/>
-          </a:p>
-          <a:p>
-            <a:pPr>
-              <a:buNone/>
-            </a:pPr>
-            <a:r>
-              <a:rPr lang="pt-BR" sz="2000" dirty="0">
+            <a:endParaRPr lang="pt-BR" b="1"/>
+          </a:p>
+          <a:p>
+            <a:pPr lvl="1" algn="just"/>
+            <a:r>
+              <a:rPr lang="pt-BR" sz="1600" dirty="0">
                 <a:ea typeface="+mn-lt"/>
                 <a:cs typeface="+mn-lt"/>
               </a:rPr>
               <a:t>As solicitações de mudança aprovadas são solicitações autorizadas e documentadas que ampliam ou limitam o escopo do projeto, podendo também modificar políticas, planos de gerenciamento, procedimentos, custos ou orçamentos ou revisar cronogramas..</a:t>
             </a:r>
-            <a:endParaRPr lang="pt-BR" dirty="0"/>
-          </a:p>
-          <a:p>
-            <a:pPr>
-              <a:buNone/>
-            </a:pPr>
-            <a:r>
-              <a:rPr lang="pt-BR" sz="2000" dirty="0">
+            <a:endParaRPr lang="pt-BR" sz="1600"/>
+          </a:p>
+          <a:p>
+            <a:pPr algn="just">
+              <a:buNone/>
+            </a:pPr>
+            <a:r>
+              <a:rPr lang="pt-BR" sz="2000" b="1" dirty="0">
                 <a:ea typeface="+mn-lt"/>
                 <a:cs typeface="+mn-lt"/>
               </a:rPr>
               <a:t>3 Fatores ambientais organizacionais.</a:t>
             </a:r>
-            <a:endParaRPr lang="pt-BR" dirty="0">
-              <a:ea typeface="+mn-lt"/>
-              <a:cs typeface="+mn-lt"/>
-            </a:endParaRPr>
-          </a:p>
-          <a:p>
-            <a:pPr>
-              <a:buNone/>
-            </a:pPr>
-            <a:r>
-              <a:rPr lang="pt-BR" sz="2000" dirty="0">
+            <a:endParaRPr lang="pt-BR" b="1">
+              <a:ea typeface="+mn-lt"/>
+              <a:cs typeface="+mn-lt"/>
+            </a:endParaRPr>
+          </a:p>
+          <a:p>
+            <a:pPr algn="just">
+              <a:buNone/>
+            </a:pPr>
+            <a:endParaRPr lang="pt-BR" sz="2000" b="1" dirty="0">
+              <a:ea typeface="+mn-lt"/>
+              <a:cs typeface="+mn-lt"/>
+            </a:endParaRPr>
+          </a:p>
+          <a:p>
+            <a:pPr algn="just">
+              <a:buNone/>
+            </a:pPr>
+            <a:r>
+              <a:rPr lang="pt-BR" sz="2000" b="1" dirty="0">
                 <a:ea typeface="+mn-lt"/>
                 <a:cs typeface="+mn-lt"/>
               </a:rPr>
               <a:t>4 Ativos de processos organizacionais</a:t>
             </a:r>
-            <a:endParaRPr lang="pt-BR" dirty="0"/>
+            <a:endParaRPr lang="pt-BR" b="1"/>
           </a:p>
           <a:p>
             <a:pPr>
@@ -12312,8 +12428,8 @@
         </p:nvSpPr>
         <p:spPr>
           <a:xfrm>
-            <a:off x="657844" y="1610453"/>
-            <a:ext cx="10890689" cy="4566510"/>
+            <a:off x="1592373" y="1452302"/>
+            <a:ext cx="10200576" cy="4566510"/>
           </a:xfrm>
         </p:spPr>
         <p:txBody>
@@ -12322,75 +12438,102 @@
           </a:bodyPr>
           <a:lstStyle/>
           <a:p>
-            <a:pPr>
-              <a:buNone/>
-            </a:pPr>
-            <a:r>
-              <a:rPr lang="pt-BR" sz="2000" dirty="0">
+            <a:pPr algn="just">
+              <a:buNone/>
+            </a:pPr>
+            <a:r>
+              <a:rPr lang="pt-BR" sz="2000" b="1" dirty="0">
                 <a:ea typeface="+mn-lt"/>
                 <a:cs typeface="+mn-lt"/>
               </a:rPr>
               <a:t>Ferramentas e técnicas.</a:t>
             </a:r>
-            <a:endParaRPr lang="pt-BR" dirty="0">
-              <a:ea typeface="+mn-lt"/>
-              <a:cs typeface="+mn-lt"/>
-            </a:endParaRPr>
-          </a:p>
-          <a:p>
-            <a:pPr>
-              <a:buNone/>
-            </a:pPr>
-            <a:r>
-              <a:rPr lang="pt-BR" sz="2000" dirty="0">
+          </a:p>
+          <a:p>
+            <a:pPr algn="just">
+              <a:buNone/>
+            </a:pPr>
+            <a:endParaRPr lang="pt-BR" sz="2000" b="1" dirty="0">
+              <a:ea typeface="+mn-lt"/>
+              <a:cs typeface="+mn-lt"/>
+            </a:endParaRPr>
+          </a:p>
+          <a:p>
+            <a:pPr algn="just">
+              <a:buNone/>
+            </a:pPr>
+            <a:r>
+              <a:rPr lang="pt-BR" sz="2000" b="1" dirty="0">
                 <a:ea typeface="+mn-lt"/>
                 <a:cs typeface="+mn-lt"/>
               </a:rPr>
               <a:t>1 Opinião especializada.</a:t>
             </a:r>
-            <a:endParaRPr lang="pt-BR" dirty="0">
-              <a:ea typeface="+mn-lt"/>
-              <a:cs typeface="+mn-lt"/>
-            </a:endParaRPr>
-          </a:p>
-          <a:p>
-            <a:pPr>
-              <a:buNone/>
-            </a:pPr>
-            <a:r>
-              <a:rPr lang="pt-BR" sz="2000" dirty="0">
+          </a:p>
+          <a:p>
+            <a:pPr algn="just">
+              <a:buNone/>
+            </a:pPr>
+            <a:endParaRPr lang="pt-BR" sz="2000" b="1" dirty="0">
+              <a:ea typeface="+mn-lt"/>
+              <a:cs typeface="+mn-lt"/>
+            </a:endParaRPr>
+          </a:p>
+          <a:p>
+            <a:pPr algn="just">
+              <a:buNone/>
+            </a:pPr>
+            <a:r>
+              <a:rPr lang="pt-BR" sz="2000" b="1" dirty="0">
                 <a:ea typeface="+mn-lt"/>
                 <a:cs typeface="+mn-lt"/>
               </a:rPr>
               <a:t>2 Sistema de informações do gerenciamento de projetos </a:t>
             </a:r>
-            <a:endParaRPr lang="pt-BR"/>
-          </a:p>
-          <a:p>
-            <a:pPr>
-              <a:buNone/>
-            </a:pPr>
-            <a:r>
-              <a:rPr lang="pt-BR" sz="2000" dirty="0">
+            <a:endParaRPr lang="pt-BR" b="1"/>
+          </a:p>
+          <a:p>
+            <a:pPr lvl="1" algn="just"/>
+            <a:r>
+              <a:rPr lang="pt-BR" sz="1600" dirty="0">
+                <a:solidFill>
+                  <a:srgbClr val="FF0000"/>
+                </a:solidFill>
                 <a:ea typeface="+mn-lt"/>
                 <a:cs typeface="+mn-lt"/>
               </a:rPr>
               <a:t>Metodologia de gerenciamento de projetos.</a:t>
             </a:r>
-            <a:endParaRPr lang="pt-BR" dirty="0"/>
-          </a:p>
-          <a:p>
-            <a:pPr>
-              <a:buNone/>
-            </a:pPr>
-            <a:r>
-              <a:rPr lang="pt-BR" sz="2000" dirty="0">
+            <a:endParaRPr lang="pt-BR" sz="1600" dirty="0">
+              <a:solidFill>
+                <a:srgbClr val="FF0000"/>
+              </a:solidFill>
+            </a:endParaRPr>
+          </a:p>
+          <a:p>
+            <a:pPr marL="457200" lvl="1" indent="0" algn="just">
+              <a:buClr>
+                <a:srgbClr val="1287C3"/>
+              </a:buClr>
+              <a:buNone/>
+            </a:pPr>
+            <a:endParaRPr lang="pt-BR" sz="1600" dirty="0">
+              <a:ea typeface="+mn-lt"/>
+              <a:cs typeface="+mn-lt"/>
+            </a:endParaRPr>
+          </a:p>
+          <a:p>
+            <a:pPr algn="just">
+              <a:buNone/>
+            </a:pPr>
+            <a:r>
+              <a:rPr lang="pt-BR" sz="2000" b="1" dirty="0">
                 <a:ea typeface="+mn-lt"/>
                 <a:cs typeface="+mn-lt"/>
               </a:rPr>
               <a:t>3 Reuniões</a:t>
             </a:r>
-            <a:endParaRPr lang="pt-BR" dirty="0"/>
+            <a:endParaRPr lang="pt-BR" b="1" dirty="0"/>
           </a:p>
           <a:p>
             <a:pPr>
@@ -12762,13 +12905,13 @@
         </p:nvSpPr>
         <p:spPr>
           <a:xfrm>
-            <a:off x="657844" y="1610453"/>
-            <a:ext cx="10890689" cy="4566510"/>
+            <a:off x="1520486" y="1452302"/>
+            <a:ext cx="10157444" cy="4566510"/>
           </a:xfrm>
         </p:spPr>
         <p:txBody>
           <a:bodyPr vert="horz" lIns="91440" tIns="45720" rIns="91440" bIns="45720" rtlCol="0" anchor="t">
-            <a:normAutofit/>
+            <a:normAutofit fontScale="92500" lnSpcReduction="10000"/>
           </a:bodyPr>
           <a:lstStyle/>
           <a:p>
@@ -12776,45 +12919,54 @@
               <a:buNone/>
             </a:pPr>
             <a:r>
-              <a:rPr lang="pt-BR" sz="2000" dirty="0">
+              <a:rPr lang="pt-BR" sz="2000" b="1" dirty="0">
                 <a:ea typeface="+mn-lt"/>
                 <a:cs typeface="+mn-lt"/>
               </a:rPr>
               <a:t>Saídas.</a:t>
             </a:r>
-            <a:endParaRPr lang="pt-BR" dirty="0">
-              <a:ea typeface="+mn-lt"/>
-              <a:cs typeface="+mn-lt"/>
-            </a:endParaRPr>
-          </a:p>
-          <a:p>
-            <a:pPr>
-              <a:buNone/>
-            </a:pPr>
-            <a:r>
-              <a:rPr lang="pt-BR" sz="2000" dirty="0">
+            <a:endParaRPr lang="pt-BR" b="1">
+              <a:ea typeface="+mn-lt"/>
+              <a:cs typeface="+mn-lt"/>
+            </a:endParaRPr>
+          </a:p>
+          <a:p>
+            <a:pPr>
+              <a:buNone/>
+            </a:pPr>
+            <a:endParaRPr lang="pt-BR" sz="2000" b="1" dirty="0">
+              <a:ea typeface="+mn-lt"/>
+              <a:cs typeface="+mn-lt"/>
+            </a:endParaRPr>
+          </a:p>
+          <a:p>
+            <a:pPr>
+              <a:buNone/>
+            </a:pPr>
+            <a:r>
+              <a:rPr lang="pt-BR" sz="2000" b="1" dirty="0">
                 <a:ea typeface="+mn-lt"/>
                 <a:cs typeface="+mn-lt"/>
               </a:rPr>
               <a:t>1 Entregas.</a:t>
             </a:r>
-            <a:endParaRPr lang="pt-BR" dirty="0">
-              <a:ea typeface="+mn-lt"/>
-              <a:cs typeface="+mn-lt"/>
-            </a:endParaRPr>
-          </a:p>
-          <a:p>
-            <a:pPr>
-              <a:buNone/>
-            </a:pPr>
-            <a:r>
-              <a:rPr lang="pt-BR" sz="2000" dirty="0">
+            <a:endParaRPr lang="pt-BR" b="1">
+              <a:ea typeface="+mn-lt"/>
+              <a:cs typeface="+mn-lt"/>
+            </a:endParaRPr>
+          </a:p>
+          <a:p>
+            <a:pPr>
+              <a:buNone/>
+            </a:pPr>
+            <a:r>
+              <a:rPr lang="pt-BR" sz="2000" b="1" dirty="0">
                 <a:ea typeface="+mn-lt"/>
                 <a:cs typeface="+mn-lt"/>
               </a:rPr>
               <a:t>2 Informações sobre o desempenho do trabalho</a:t>
             </a:r>
-            <a:endParaRPr lang="pt-BR" dirty="0"/>
+            <a:endParaRPr lang="pt-BR" b="1"/>
           </a:p>
           <a:p>
             <a:pPr>
@@ -12822,110 +12974,96 @@
             </a:pPr>
             <a:r>
               <a:rPr lang="pt-BR" sz="2000" b="1" dirty="0">
-                <a:ea typeface="+mn-lt"/>
-                <a:cs typeface="+mn-lt"/>
-              </a:rPr>
-              <a:t>Coleta rotineira das informações sobre a execução do plano de gerenciamento do projeto</a:t>
-            </a:r>
-            <a:r>
-              <a:rPr lang="pt-BR" sz="2000" dirty="0">
-                <a:ea typeface="+mn-lt"/>
-                <a:cs typeface="+mn-lt"/>
-              </a:rPr>
-              <a:t>.</a:t>
-            </a:r>
-            <a:endParaRPr lang="pt-BR" dirty="0"/>
-          </a:p>
-          <a:p>
-            <a:pPr>
-              <a:buNone/>
-            </a:pPr>
-            <a:r>
-              <a:rPr lang="pt-BR" sz="2000" dirty="0">
+                <a:solidFill>
+                  <a:srgbClr val="FF0000"/>
+                </a:solidFill>
+                <a:ea typeface="+mn-lt"/>
+                <a:cs typeface="+mn-lt"/>
+              </a:rPr>
+              <a:t>Coleta rotineira das informações sobre a execução do plano de gerenciamento do projeto.</a:t>
+            </a:r>
+            <a:endParaRPr lang="pt-BR" b="1">
+              <a:solidFill>
+                <a:srgbClr val="FF0000"/>
+              </a:solidFill>
+            </a:endParaRPr>
+          </a:p>
+          <a:p>
+            <a:pPr lvl="1" indent="0"/>
+            <a:r>
+              <a:rPr lang="pt-BR" sz="1600" b="1" dirty="0">
                 <a:ea typeface="+mn-lt"/>
                 <a:cs typeface="+mn-lt"/>
               </a:rPr>
               <a:t>Progresso do cronograma</a:t>
             </a:r>
-            <a:endParaRPr lang="pt-BR" dirty="0"/>
-          </a:p>
-          <a:p>
-            <a:pPr>
-              <a:buNone/>
-            </a:pPr>
-            <a:r>
-              <a:rPr lang="pt-BR" sz="2000" dirty="0">
+            <a:endParaRPr lang="pt-BR" sz="1600" b="1"/>
+          </a:p>
+          <a:p>
+            <a:pPr lvl="1" indent="0"/>
+            <a:r>
+              <a:rPr lang="pt-BR" sz="1600" b="1" dirty="0">
                 <a:ea typeface="+mn-lt"/>
                 <a:cs typeface="+mn-lt"/>
               </a:rPr>
               <a:t>Atendimento dos padrões de qualidade</a:t>
             </a:r>
-            <a:endParaRPr lang="pt-BR" dirty="0"/>
-          </a:p>
-          <a:p>
-            <a:pPr>
-              <a:buNone/>
-            </a:pPr>
-            <a:r>
-              <a:rPr lang="pt-BR" sz="2000" dirty="0">
+            <a:endParaRPr lang="pt-BR" sz="1600" b="1"/>
+          </a:p>
+          <a:p>
+            <a:pPr lvl="1" indent="0"/>
+            <a:r>
+              <a:rPr lang="pt-BR" sz="1600" b="1" dirty="0">
                 <a:ea typeface="+mn-lt"/>
                 <a:cs typeface="+mn-lt"/>
               </a:rPr>
               <a:t>Custos autorizados e incorridos</a:t>
             </a:r>
-            <a:endParaRPr lang="pt-BR" dirty="0"/>
-          </a:p>
-          <a:p>
-            <a:pPr>
-              <a:buNone/>
-            </a:pPr>
-            <a:r>
-              <a:rPr lang="pt-BR" sz="2000" dirty="0">
+            <a:endParaRPr lang="pt-BR" sz="1600" b="1"/>
+          </a:p>
+          <a:p>
+            <a:pPr lvl="1" indent="0"/>
+            <a:r>
+              <a:rPr lang="pt-BR" sz="1600" b="1" dirty="0">
                 <a:ea typeface="+mn-lt"/>
                 <a:cs typeface="+mn-lt"/>
               </a:rPr>
               <a:t>Estimativas para terminar as atividades que foram iniciadas</a:t>
             </a:r>
-            <a:endParaRPr lang="pt-BR" dirty="0"/>
-          </a:p>
-          <a:p>
-            <a:pPr>
-              <a:buNone/>
-            </a:pPr>
-            <a:r>
-              <a:rPr lang="pt-BR" sz="2000" dirty="0">
+            <a:endParaRPr lang="pt-BR" sz="1600" b="1"/>
+          </a:p>
+          <a:p>
+            <a:pPr lvl="1" indent="0"/>
+            <a:r>
+              <a:rPr lang="pt-BR" sz="1600" b="1" dirty="0">
                 <a:ea typeface="+mn-lt"/>
                 <a:cs typeface="+mn-lt"/>
               </a:rPr>
               <a:t>Percentual fisicamente terminado das atividades em andamento</a:t>
             </a:r>
-            <a:endParaRPr lang="pt-BR" dirty="0"/>
-          </a:p>
-          <a:p>
-            <a:pPr>
-              <a:buNone/>
-            </a:pPr>
-            <a:r>
-              <a:rPr lang="pt-BR" sz="2000" dirty="0">
+            <a:endParaRPr lang="pt-BR" sz="1600" b="1"/>
+          </a:p>
+          <a:p>
+            <a:pPr lvl="1" indent="0"/>
+            <a:r>
+              <a:rPr lang="pt-BR" sz="1600" b="1" dirty="0">
                 <a:ea typeface="+mn-lt"/>
                 <a:cs typeface="+mn-lt"/>
               </a:rPr>
               <a:t>Lições aprendidas documentadas colocadas na base de gestão do conhecimento</a:t>
             </a:r>
-            <a:endParaRPr lang="pt-BR" dirty="0"/>
-          </a:p>
-          <a:p>
-            <a:pPr>
-              <a:buNone/>
-            </a:pPr>
-            <a:r>
-              <a:rPr lang="pt-BR" sz="2000" dirty="0">
+            <a:endParaRPr lang="pt-BR" sz="1600" b="1"/>
+          </a:p>
+          <a:p>
+            <a:pPr lvl="1" indent="0"/>
+            <a:r>
+              <a:rPr lang="pt-BR" sz="1600" b="1" dirty="0">
                 <a:ea typeface="+mn-lt"/>
                 <a:cs typeface="+mn-lt"/>
               </a:rPr>
               <a:t>Detalhes da utilização de recursos.</a:t>
             </a:r>
-            <a:endParaRPr lang="pt-BR" dirty="0">
+            <a:endParaRPr lang="pt-BR" sz="1600" b="1">
               <a:ea typeface="+mn-lt"/>
               <a:cs typeface="+mn-lt"/>
             </a:endParaRPr>

--- a/RELATORIO PROVA P2/relatorio-pmbok-capitulo4-jharbes.pptx
+++ b/RELATORIO PROVA P2/relatorio-pmbok-capitulo4-jharbes.pptx
@@ -164,6 +164,7 @@
   <p1510:revLst>
     <p1510:client id="{050E0636-B272-A9D5-2FB9-AFCB5B698113}" v="41" dt="2022-12-03T12:54:24.537"/>
     <p1510:client id="{132CBBF5-BF36-4CB1-E71F-72EFD72BC926}" v="105" dt="2022-12-03T13:11:57.276"/>
+    <p1510:client id="{19CB3D38-525F-8D8A-9BB3-D8A67E0DEAB8}" v="88" dt="2022-12-03T16:28:34.288"/>
     <p1510:client id="{2277FDD7-98D3-9D18-3EC7-497513D9D173}" v="44" dt="2022-12-03T15:14:36.785"/>
     <p1510:client id="{2F299B45-CC8A-1219-20CB-522822A89C56}" v="67" dt="2022-12-03T13:46:21.082"/>
     <p1510:client id="{445C622E-FE4C-4368-6663-20D04795CCE3}" v="57" dt="2022-12-03T13:56:31.403"/>
@@ -13295,8 +13296,8 @@
         </p:nvSpPr>
         <p:spPr>
           <a:xfrm>
-            <a:off x="657844" y="1610453"/>
-            <a:ext cx="10890689" cy="4566510"/>
+            <a:off x="1462976" y="1452302"/>
+            <a:ext cx="10444991" cy="4566510"/>
           </a:xfrm>
         </p:spPr>
         <p:txBody>
@@ -13309,71 +13310,99 @@
               <a:buNone/>
             </a:pPr>
             <a:r>
+              <a:rPr lang="pt-BR" sz="2000" b="1" dirty="0">
+                <a:ea typeface="+mn-lt"/>
+                <a:cs typeface="+mn-lt"/>
+              </a:rPr>
+              <a:t>Saídas. </a:t>
+            </a:r>
+            <a:endParaRPr lang="pt-BR" sz="2000" b="1" dirty="0"/>
+          </a:p>
+          <a:p>
+            <a:pPr>
+              <a:buNone/>
+            </a:pPr>
+            <a:endParaRPr lang="pt-BR" sz="2000" b="1" dirty="0">
+              <a:ea typeface="+mn-lt"/>
+              <a:cs typeface="+mn-lt"/>
+            </a:endParaRPr>
+          </a:p>
+          <a:p>
+            <a:pPr>
+              <a:buNone/>
+            </a:pPr>
+            <a:r>
+              <a:rPr lang="pt-BR" sz="2000" b="1" dirty="0">
+                <a:ea typeface="+mn-lt"/>
+                <a:cs typeface="+mn-lt"/>
+              </a:rPr>
+              <a:t>.3 Pedidos de mudanças</a:t>
+            </a:r>
+            <a:endParaRPr lang="pt-BR" b="1" dirty="0"/>
+          </a:p>
+          <a:p>
+            <a:pPr lvl="1"/>
+            <a:r>
+              <a:rPr lang="pt-BR" sz="1600" dirty="0">
+                <a:ea typeface="+mn-lt"/>
+                <a:cs typeface="+mn-lt"/>
+              </a:rPr>
+              <a:t>Correções, preventivas, defeitos, atualizações.</a:t>
+            </a:r>
+            <a:endParaRPr lang="pt-BR" sz="1600">
+              <a:ea typeface="+mn-lt"/>
+              <a:cs typeface="+mn-lt"/>
+            </a:endParaRPr>
+          </a:p>
+          <a:p>
+            <a:pPr>
+              <a:buNone/>
+            </a:pPr>
+            <a:endParaRPr lang="pt-BR" sz="2000" dirty="0">
+              <a:ea typeface="+mn-lt"/>
+              <a:cs typeface="+mn-lt"/>
+            </a:endParaRPr>
+          </a:p>
+          <a:p>
+            <a:pPr>
+              <a:buNone/>
+            </a:pPr>
+            <a:r>
               <a:rPr lang="pt-BR" sz="2000" dirty="0">
                 <a:ea typeface="+mn-lt"/>
                 <a:cs typeface="+mn-lt"/>
               </a:rPr>
-              <a:t>Saídas. </a:t>
-            </a:r>
-            <a:endParaRPr lang="pt-BR"/>
-          </a:p>
-          <a:p>
-            <a:pPr>
-              <a:buNone/>
-            </a:pPr>
-            <a:r>
-              <a:rPr lang="pt-BR" sz="2000" dirty="0">
-                <a:ea typeface="+mn-lt"/>
-                <a:cs typeface="+mn-lt"/>
-              </a:rPr>
-              <a:t>.3 Pedidos de mudanças</a:t>
-            </a:r>
-            <a:endParaRPr lang="pt-BR" dirty="0"/>
-          </a:p>
-          <a:p>
-            <a:pPr>
-              <a:buNone/>
-            </a:pPr>
-            <a:r>
-              <a:rPr lang="pt-BR" sz="2000" dirty="0">
-                <a:ea typeface="+mn-lt"/>
-                <a:cs typeface="+mn-lt"/>
-              </a:rPr>
-              <a:t>Correções, preventivas, defeitos, atualizações.</a:t>
-            </a:r>
-            <a:endParaRPr lang="pt-BR" dirty="0">
-              <a:ea typeface="+mn-lt"/>
-              <a:cs typeface="+mn-lt"/>
-            </a:endParaRPr>
-          </a:p>
-          <a:p>
-            <a:pPr>
-              <a:buNone/>
-            </a:pPr>
-            <a:r>
-              <a:rPr lang="pt-BR" sz="2000" dirty="0">
-                <a:ea typeface="+mn-lt"/>
-                <a:cs typeface="+mn-lt"/>
-              </a:rPr>
-              <a:t>.4 Atualizações para os planos subsidiários.</a:t>
-            </a:r>
-            <a:endParaRPr lang="pt-BR" dirty="0">
-              <a:ea typeface="+mn-lt"/>
-              <a:cs typeface="+mn-lt"/>
-            </a:endParaRPr>
-          </a:p>
-          <a:p>
-            <a:pPr>
-              <a:buNone/>
-            </a:pPr>
-            <a:r>
-              <a:rPr lang="pt-BR" sz="2000" dirty="0">
+              <a:t>.</a:t>
+            </a:r>
+            <a:r>
+              <a:rPr lang="pt-BR" sz="2000" b="1" dirty="0">
+                <a:ea typeface="+mn-lt"/>
+                <a:cs typeface="+mn-lt"/>
+              </a:rPr>
+              <a:t>4 Atualizações para os planos subsidiários.</a:t>
+            </a:r>
+          </a:p>
+          <a:p>
+            <a:pPr>
+              <a:buNone/>
+            </a:pPr>
+            <a:endParaRPr lang="pt-BR" sz="2000" b="1" dirty="0">
+              <a:ea typeface="+mn-lt"/>
+              <a:cs typeface="+mn-lt"/>
+            </a:endParaRPr>
+          </a:p>
+          <a:p>
+            <a:pPr>
+              <a:buNone/>
+            </a:pPr>
+            <a:r>
+              <a:rPr lang="pt-BR" sz="2000" b="1" dirty="0">
                 <a:ea typeface="+mn-lt"/>
                 <a:cs typeface="+mn-lt"/>
               </a:rPr>
               <a:t>.5 Atualizações para demais documentos.</a:t>
             </a:r>
-            <a:endParaRPr lang="pt-BR" dirty="0">
+            <a:endParaRPr lang="pt-BR" b="1" dirty="0">
               <a:ea typeface="+mn-lt"/>
               <a:cs typeface="+mn-lt"/>
             </a:endParaRPr>
@@ -13614,8 +13643,8 @@
         </p:nvSpPr>
         <p:spPr>
           <a:xfrm>
-            <a:off x="657844" y="1610453"/>
-            <a:ext cx="10890689" cy="4566510"/>
+            <a:off x="1534863" y="1452302"/>
+            <a:ext cx="9841142" cy="4566510"/>
           </a:xfrm>
         </p:spPr>
         <p:txBody>
@@ -13624,7 +13653,7 @@
           </a:bodyPr>
           <a:lstStyle/>
           <a:p>
-            <a:pPr>
+            <a:pPr algn="just">
               <a:buNone/>
             </a:pPr>
             <a:r>
@@ -13640,7 +13669,16 @@
             </a:endParaRPr>
           </a:p>
           <a:p>
-            <a:pPr>
+            <a:pPr algn="just">
+              <a:buNone/>
+            </a:pPr>
+            <a:endParaRPr lang="pt-BR" sz="2000" dirty="0">
+              <a:ea typeface="+mn-lt"/>
+              <a:cs typeface="+mn-lt"/>
+            </a:endParaRPr>
+          </a:p>
+          <a:p>
+            <a:pPr algn="just">
               <a:buNone/>
             </a:pPr>
             <a:r>
@@ -13900,8 +13938,8 @@
         </p:nvSpPr>
         <p:spPr>
           <a:xfrm>
-            <a:off x="657844" y="1610453"/>
-            <a:ext cx="10890689" cy="4566510"/>
+            <a:off x="1606750" y="1452302"/>
+            <a:ext cx="10157444" cy="4566510"/>
           </a:xfrm>
         </p:spPr>
         <p:txBody>
@@ -13921,6 +13959,15 @@
               <a:t>Comparação do desempenho real do projeto com o plano de gerenciamento, determinando se são indicadas ações preventivas ou corretivas, e sua recomendação;</a:t>
             </a:r>
             <a:endParaRPr lang="pt-BR" dirty="0"/>
+          </a:p>
+          <a:p>
+            <a:pPr>
+              <a:buNone/>
+            </a:pPr>
+            <a:endParaRPr lang="pt-BR" sz="2000" dirty="0">
+              <a:ea typeface="+mn-lt"/>
+              <a:cs typeface="+mn-lt"/>
+            </a:endParaRPr>
           </a:p>
           <a:p>
             <a:pPr>
@@ -14192,8 +14239,8 @@
         </p:nvSpPr>
         <p:spPr>
           <a:xfrm>
-            <a:off x="657844" y="1610453"/>
-            <a:ext cx="10890689" cy="4566510"/>
+            <a:off x="1362335" y="1452302"/>
+            <a:ext cx="10344350" cy="4566510"/>
           </a:xfrm>
         </p:spPr>
         <p:txBody>
@@ -14202,7 +14249,7 @@
           </a:bodyPr>
           <a:lstStyle/>
           <a:p>
-            <a:pPr>
+            <a:pPr algn="just">
               <a:buNone/>
             </a:pPr>
             <a:r>
@@ -14218,7 +14265,16 @@
             </a:endParaRPr>
           </a:p>
           <a:p>
-            <a:pPr>
+            <a:pPr algn="just">
+              <a:buNone/>
+            </a:pPr>
+            <a:endParaRPr lang="pt-BR" sz="2000" dirty="0">
+              <a:ea typeface="+mn-lt"/>
+              <a:cs typeface="+mn-lt"/>
+            </a:endParaRPr>
+          </a:p>
+          <a:p>
+            <a:pPr algn="just">
               <a:buNone/>
             </a:pPr>
             <a:r>
@@ -14234,7 +14290,16 @@
             </a:endParaRPr>
           </a:p>
           <a:p>
-            <a:pPr>
+            <a:pPr algn="just">
+              <a:buNone/>
+            </a:pPr>
+            <a:endParaRPr lang="pt-BR" sz="2000" dirty="0">
+              <a:ea typeface="+mn-lt"/>
+              <a:cs typeface="+mn-lt"/>
+            </a:endParaRPr>
+          </a:p>
+          <a:p>
+            <a:pPr algn="just">
               <a:buNone/>
             </a:pPr>
             <a:r>
@@ -14249,7 +14314,16 @@
             </a:endParaRPr>
           </a:p>
           <a:p>
-            <a:pPr>
+            <a:pPr algn="just">
+              <a:buNone/>
+            </a:pPr>
+            <a:endParaRPr lang="pt-BR" sz="2000" dirty="0">
+              <a:ea typeface="+mn-lt"/>
+              <a:cs typeface="+mn-lt"/>
+            </a:endParaRPr>
+          </a:p>
+          <a:p>
+            <a:pPr algn="just">
               <a:buNone/>
             </a:pPr>
             <a:r>
@@ -14518,8 +14592,8 @@
         </p:nvSpPr>
         <p:spPr>
           <a:xfrm>
-            <a:off x="657844" y="1610453"/>
-            <a:ext cx="10890689" cy="4566510"/>
+            <a:off x="1477354" y="1452302"/>
+            <a:ext cx="10071180" cy="4566510"/>
           </a:xfrm>
         </p:spPr>
         <p:txBody>
@@ -14528,70 +14602,100 @@
           </a:bodyPr>
           <a:lstStyle/>
           <a:p>
-            <a:pPr>
-              <a:buNone/>
-            </a:pPr>
-            <a:r>
-              <a:rPr lang="pt-BR" sz="2000" dirty="0">
+            <a:pPr algn="just">
+              <a:buNone/>
+            </a:pPr>
+            <a:r>
+              <a:rPr lang="pt-BR" sz="2000" b="1" dirty="0">
                 <a:ea typeface="+mn-lt"/>
                 <a:cs typeface="+mn-lt"/>
               </a:rPr>
               <a:t>Entradas.</a:t>
             </a:r>
-            <a:endParaRPr lang="pt-BR" dirty="0"/>
-          </a:p>
-          <a:p>
-            <a:pPr>
-              <a:buNone/>
-            </a:pPr>
-            <a:r>
-              <a:rPr lang="pt-BR" sz="2000" dirty="0">
+            <a:endParaRPr lang="pt-BR" b="1"/>
+          </a:p>
+          <a:p>
+            <a:pPr algn="just">
+              <a:buNone/>
+            </a:pPr>
+            <a:endParaRPr lang="pt-BR" sz="2000" b="1" dirty="0">
+              <a:ea typeface="+mn-lt"/>
+              <a:cs typeface="+mn-lt"/>
+            </a:endParaRPr>
+          </a:p>
+          <a:p>
+            <a:pPr algn="just">
+              <a:buNone/>
+            </a:pPr>
+            <a:r>
+              <a:rPr lang="pt-BR" sz="2000" b="1" dirty="0">
                 <a:ea typeface="+mn-lt"/>
                 <a:cs typeface="+mn-lt"/>
               </a:rPr>
               <a:t>1 Plano de gerenciamento do projeto.</a:t>
             </a:r>
-            <a:endParaRPr lang="pt-BR" dirty="0"/>
-          </a:p>
-          <a:p>
-            <a:pPr>
-              <a:buNone/>
-            </a:pPr>
-            <a:r>
-              <a:rPr lang="pt-BR" sz="2000" dirty="0">
-                <a:ea typeface="+mn-lt"/>
-                <a:cs typeface="+mn-lt"/>
-              </a:rPr>
-              <a:t>2 Previsões para </a:t>
-            </a:r>
-            <a:r>
-              <a:rPr lang="pt-BR" sz="2000" dirty="0" err="1">
-                <a:ea typeface="+mn-lt"/>
-                <a:cs typeface="+mn-lt"/>
-              </a:rPr>
-              <a:t>términoDerivadas</a:t>
-            </a:r>
-            <a:r>
-              <a:rPr lang="pt-BR" sz="2000" dirty="0">
-                <a:ea typeface="+mn-lt"/>
-                <a:cs typeface="+mn-lt"/>
-              </a:rPr>
-              <a:t> da comparação entre a linha de base do cronograma e a situação atual, apuração de variações estabelecendo índices..</a:t>
-            </a:r>
-            <a:endParaRPr lang="pt-BR" dirty="0"/>
-          </a:p>
-          <a:p>
-            <a:pPr>
-              <a:buNone/>
-            </a:pPr>
-            <a:r>
-              <a:rPr lang="pt-BR" sz="2000" dirty="0">
+            <a:endParaRPr lang="pt-BR" b="1"/>
+          </a:p>
+          <a:p>
+            <a:pPr algn="just">
+              <a:buNone/>
+            </a:pPr>
+            <a:endParaRPr lang="pt-BR" sz="2000" b="1" dirty="0">
+              <a:ea typeface="+mn-lt"/>
+              <a:cs typeface="+mn-lt"/>
+            </a:endParaRPr>
+          </a:p>
+          <a:p>
+            <a:pPr algn="just">
+              <a:buNone/>
+            </a:pPr>
+            <a:r>
+              <a:rPr lang="pt-BR" sz="2000" b="1" dirty="0">
+                <a:ea typeface="+mn-lt"/>
+                <a:cs typeface="+mn-lt"/>
+              </a:rPr>
+              <a:t>2 Previsões para término</a:t>
+            </a:r>
+            <a:endParaRPr lang="pt-BR" b="1" dirty="0">
+              <a:ea typeface="+mn-lt"/>
+              <a:cs typeface="+mn-lt"/>
+            </a:endParaRPr>
+          </a:p>
+          <a:p>
+            <a:pPr lvl="1" algn="just"/>
+            <a:r>
+              <a:rPr lang="pt-BR" sz="1600" dirty="0">
+                <a:ea typeface="+mn-lt"/>
+                <a:cs typeface="+mn-lt"/>
+              </a:rPr>
+              <a:t>Derivadas da comparação entre a linha de base do cronograma e a situação atual, apuração de variações estabelecendo índices.</a:t>
+            </a:r>
+            <a:endParaRPr lang="pt-BR" sz="1600" dirty="0"/>
+          </a:p>
+          <a:p>
+            <a:pPr marL="457200" lvl="1" indent="0" algn="just">
+              <a:buClr>
+                <a:srgbClr val="1287C3"/>
+              </a:buClr>
+              <a:buNone/>
+            </a:pPr>
+            <a:endParaRPr lang="pt-BR" sz="1600" dirty="0">
+              <a:ea typeface="+mn-lt"/>
+              <a:cs typeface="+mn-lt"/>
+            </a:endParaRPr>
+          </a:p>
+          <a:p>
+            <a:pPr algn="just">
+              <a:buNone/>
+            </a:pPr>
+            <a:r>
+              <a:rPr lang="pt-BR" sz="2000" b="1" dirty="0">
                 <a:ea typeface="+mn-lt"/>
                 <a:cs typeface="+mn-lt"/>
               </a:rPr>
               <a:t>3 Previsões para custo</a:t>
             </a:r>
-            <a:endParaRPr lang="pt-BR" dirty="0"/>
+            <a:endParaRPr lang="pt-BR" b="1" dirty="0"/>
           </a:p>
           <a:p>
             <a:pPr>
@@ -14856,8 +14960,8 @@
         </p:nvSpPr>
         <p:spPr>
           <a:xfrm>
-            <a:off x="657844" y="1610453"/>
-            <a:ext cx="10890689" cy="4566510"/>
+            <a:off x="1549241" y="1452302"/>
+            <a:ext cx="9999293" cy="4566510"/>
           </a:xfrm>
         </p:spPr>
         <p:txBody>
@@ -14866,89 +14970,122 @@
           </a:bodyPr>
           <a:lstStyle/>
           <a:p>
-            <a:pPr>
-              <a:buNone/>
-            </a:pPr>
-            <a:r>
-              <a:rPr lang="pt-BR" sz="2000" dirty="0">
+            <a:pPr algn="just">
+              <a:buNone/>
+            </a:pPr>
+            <a:r>
+              <a:rPr lang="pt-BR" sz="2000" b="1" dirty="0">
                 <a:ea typeface="+mn-lt"/>
                 <a:cs typeface="+mn-lt"/>
               </a:rPr>
               <a:t>Entradas.</a:t>
             </a:r>
-            <a:endParaRPr lang="pt-BR" dirty="0">
-              <a:ea typeface="+mn-lt"/>
-              <a:cs typeface="+mn-lt"/>
-            </a:endParaRPr>
-          </a:p>
-          <a:p>
-            <a:pPr>
-              <a:buNone/>
-            </a:pPr>
-            <a:r>
-              <a:rPr lang="pt-BR" sz="2000" dirty="0">
+          </a:p>
+          <a:p>
+            <a:pPr algn="just">
+              <a:buNone/>
+            </a:pPr>
+            <a:endParaRPr lang="pt-BR" sz="2000" b="1" dirty="0">
+              <a:ea typeface="+mn-lt"/>
+              <a:cs typeface="+mn-lt"/>
+            </a:endParaRPr>
+          </a:p>
+          <a:p>
+            <a:pPr algn="just">
+              <a:buNone/>
+            </a:pPr>
+            <a:r>
+              <a:rPr lang="pt-BR" sz="2000" b="1" dirty="0">
                 <a:ea typeface="+mn-lt"/>
                 <a:cs typeface="+mn-lt"/>
               </a:rPr>
               <a:t>.4 Solicitações de mudança validadas</a:t>
             </a:r>
-            <a:endParaRPr lang="pt-BR" dirty="0"/>
-          </a:p>
-          <a:p>
-            <a:pPr>
-              <a:buNone/>
-            </a:pPr>
-            <a:r>
-              <a:rPr lang="pt-BR" sz="2000" dirty="0">
+            <a:endParaRPr lang="pt-BR" b="1" dirty="0"/>
+          </a:p>
+          <a:p>
+            <a:pPr lvl="1" algn="just"/>
+            <a:r>
+              <a:rPr lang="pt-BR" sz="1600" dirty="0">
                 <a:ea typeface="+mn-lt"/>
                 <a:cs typeface="+mn-lt"/>
               </a:rPr>
               <a:t>As solicitações de mudança eventualmente rejeitadas incluem sua documentação de apoio e a situação da revisão das mudanças, que mostra a razão e destinação dos pedidos quando rejeitados.</a:t>
             </a:r>
-            <a:endParaRPr lang="pt-BR" dirty="0"/>
-          </a:p>
-          <a:p>
-            <a:pPr marL="0" indent="0">
-              <a:buNone/>
-            </a:pPr>
-            <a:r>
-              <a:rPr lang="pt-BR" sz="2000" dirty="0">
+            <a:endParaRPr lang="pt-BR" sz="1600" dirty="0"/>
+          </a:p>
+          <a:p>
+            <a:pPr marL="457200" lvl="1" indent="0" algn="just">
+              <a:buClr>
+                <a:srgbClr val="1287C3"/>
+              </a:buClr>
+              <a:buNone/>
+            </a:pPr>
+            <a:endParaRPr lang="pt-BR" sz="1600" dirty="0">
+              <a:ea typeface="+mn-lt"/>
+              <a:cs typeface="+mn-lt"/>
+            </a:endParaRPr>
+          </a:p>
+          <a:p>
+            <a:pPr marL="0" indent="0" algn="just">
+              <a:buNone/>
+            </a:pPr>
+            <a:r>
+              <a:rPr lang="pt-BR" sz="2000" b="1" dirty="0">
                 <a:ea typeface="+mn-lt"/>
                 <a:cs typeface="+mn-lt"/>
               </a:rPr>
               <a:t>.5 Informações de Desempenho</a:t>
             </a:r>
-            <a:endParaRPr lang="pt-BR" dirty="0">
+            <a:endParaRPr lang="pt-BR" sz="2000" b="1" dirty="0">
               <a:cs typeface="Calibri" panose="020F0502020204030204"/>
             </a:endParaRPr>
           </a:p>
           <a:p>
-            <a:pPr marL="0" indent="0">
-              <a:buNone/>
-            </a:pPr>
-            <a:r>
-              <a:rPr lang="pt-BR" sz="2000" dirty="0">
+            <a:pPr marL="0" indent="0" algn="just">
+              <a:buNone/>
+            </a:pPr>
+            <a:endParaRPr lang="pt-BR" sz="2000" b="1" dirty="0">
+              <a:ea typeface="+mn-lt"/>
+              <a:cs typeface="+mn-lt"/>
+            </a:endParaRPr>
+          </a:p>
+          <a:p>
+            <a:pPr marL="0" indent="0" algn="just">
+              <a:buNone/>
+            </a:pPr>
+            <a:r>
+              <a:rPr lang="pt-BR" sz="2000" b="1" dirty="0">
                 <a:ea typeface="+mn-lt"/>
                 <a:cs typeface="+mn-lt"/>
               </a:rPr>
               <a:t>.6 Fatores ambientais organizacionais.</a:t>
             </a:r>
-            <a:endParaRPr lang="pt-BR" dirty="0">
+            <a:endParaRPr lang="pt-BR" sz="2000" b="1" dirty="0">
               <a:cs typeface="Calibri" panose="020F0502020204030204"/>
             </a:endParaRPr>
           </a:p>
           <a:p>
-            <a:pPr marL="0" indent="0">
-              <a:buNone/>
-            </a:pPr>
-            <a:r>
-              <a:rPr lang="pt-BR" sz="2000" dirty="0">
+            <a:pPr marL="0" indent="0" algn="just">
+              <a:buNone/>
+            </a:pPr>
+            <a:endParaRPr lang="pt-BR" sz="2000" b="1" dirty="0">
+              <a:ea typeface="+mn-lt"/>
+              <a:cs typeface="+mn-lt"/>
+            </a:endParaRPr>
+          </a:p>
+          <a:p>
+            <a:pPr marL="0" indent="0" algn="just">
+              <a:buNone/>
+            </a:pPr>
+            <a:r>
+              <a:rPr lang="pt-BR" sz="2000" b="1" dirty="0">
                 <a:ea typeface="+mn-lt"/>
                 <a:cs typeface="+mn-lt"/>
               </a:rPr>
               <a:t>.7 Ativos de processos organizacionais</a:t>
             </a:r>
-            <a:endParaRPr lang="pt-BR">
+            <a:endParaRPr lang="pt-BR" b="1">
               <a:cs typeface="Calibri" panose="020F0502020204030204"/>
             </a:endParaRPr>
           </a:p>
@@ -15223,8 +15360,8 @@
         </p:nvSpPr>
         <p:spPr>
           <a:xfrm>
-            <a:off x="657844" y="1610453"/>
-            <a:ext cx="10890689" cy="4566510"/>
+            <a:off x="1462976" y="1452302"/>
+            <a:ext cx="10258085" cy="4566510"/>
           </a:xfrm>
         </p:spPr>
         <p:txBody>
@@ -15237,104 +15374,111 @@
               <a:buNone/>
             </a:pPr>
             <a:r>
-              <a:rPr lang="pt-BR" sz="2000" dirty="0">
+              <a:rPr lang="pt-BR" sz="2000" b="1" dirty="0">
                 <a:ea typeface="+mn-lt"/>
                 <a:cs typeface="+mn-lt"/>
               </a:rPr>
               <a:t>Ferramentas e técnicas.</a:t>
             </a:r>
-            <a:endParaRPr lang="pt-BR" dirty="0">
-              <a:ea typeface="+mn-lt"/>
-              <a:cs typeface="+mn-lt"/>
-            </a:endParaRPr>
-          </a:p>
-          <a:p>
-            <a:pPr>
-              <a:buNone/>
-            </a:pPr>
-            <a:r>
-              <a:rPr lang="pt-BR" sz="2000" dirty="0">
+            <a:endParaRPr lang="pt-BR" b="1">
+              <a:ea typeface="+mn-lt"/>
+              <a:cs typeface="+mn-lt"/>
+            </a:endParaRPr>
+          </a:p>
+          <a:p>
+            <a:pPr>
+              <a:buNone/>
+            </a:pPr>
+            <a:endParaRPr lang="pt-BR" sz="2000" b="1" dirty="0">
+              <a:ea typeface="+mn-lt"/>
+              <a:cs typeface="+mn-lt"/>
+            </a:endParaRPr>
+          </a:p>
+          <a:p>
+            <a:pPr algn="just">
+              <a:buNone/>
+            </a:pPr>
+            <a:r>
+              <a:rPr lang="pt-BR" sz="2000" b="1" dirty="0">
                 <a:ea typeface="+mn-lt"/>
                 <a:cs typeface="+mn-lt"/>
               </a:rPr>
               <a:t>1 Opinião especializada.</a:t>
             </a:r>
-            <a:endParaRPr lang="pt-BR" dirty="0">
-              <a:ea typeface="+mn-lt"/>
-              <a:cs typeface="+mn-lt"/>
-            </a:endParaRPr>
-          </a:p>
-          <a:p>
-            <a:pPr>
-              <a:buNone/>
-            </a:pPr>
-            <a:r>
-              <a:rPr lang="pt-BR" sz="2000" dirty="0">
-                <a:ea typeface="+mn-lt"/>
-                <a:cs typeface="+mn-lt"/>
-              </a:rPr>
-              <a:t>2 Técnicas </a:t>
-            </a:r>
-            <a:r>
-              <a:rPr lang="pt-BR" sz="2000" dirty="0" err="1">
-                <a:ea typeface="+mn-lt"/>
-                <a:cs typeface="+mn-lt"/>
-              </a:rPr>
-              <a:t>analíticasExemplo</a:t>
-            </a:r>
-            <a:r>
-              <a:rPr lang="pt-BR" sz="2000" dirty="0">
-                <a:ea typeface="+mn-lt"/>
-                <a:cs typeface="+mn-lt"/>
-              </a:rPr>
-              <a:t> - a técnica do valor agregado mede o desempenho do projeto conforme ele se move da iniciação do projeto para o seu encerramento. Fornece um meio de prever o desempenho futuro com base no desempenho passado..</a:t>
-            </a:r>
-            <a:endParaRPr lang="pt-BR" dirty="0"/>
-          </a:p>
-          <a:p>
-            <a:pPr>
-              <a:buNone/>
-            </a:pPr>
-            <a:r>
-              <a:rPr lang="pt-BR" sz="2000" dirty="0">
+            <a:endParaRPr lang="pt-BR" b="1">
+              <a:ea typeface="+mn-lt"/>
+              <a:cs typeface="+mn-lt"/>
+            </a:endParaRPr>
+          </a:p>
+          <a:p>
+            <a:pPr algn="just">
+              <a:buNone/>
+            </a:pPr>
+            <a:r>
+              <a:rPr lang="pt-BR" sz="2000" b="1" dirty="0">
+                <a:ea typeface="+mn-lt"/>
+                <a:cs typeface="+mn-lt"/>
+              </a:rPr>
+              <a:t>2 Técnicas analíticas</a:t>
+            </a:r>
+            <a:endParaRPr lang="pt-BR" b="1" dirty="0">
+              <a:ea typeface="+mn-lt"/>
+              <a:cs typeface="+mn-lt"/>
+            </a:endParaRPr>
+          </a:p>
+          <a:p>
+            <a:pPr lvl="1" algn="just"/>
+            <a:r>
+              <a:rPr lang="pt-BR" sz="1600" dirty="0">
+                <a:ea typeface="+mn-lt"/>
+                <a:cs typeface="+mn-lt"/>
+              </a:rPr>
+              <a:t>Exemplo - a técnica do valor agregado mede o desempenho do projeto conforme ele se move da iniciação do projeto para o seu encerramento. Fornece um meio de prever o desempenho futuro com base no desempenho passado.</a:t>
+            </a:r>
+            <a:endParaRPr lang="pt-BR"/>
+          </a:p>
+          <a:p>
+            <a:pPr algn="just">
+              <a:buNone/>
+            </a:pPr>
+            <a:r>
+              <a:rPr lang="pt-BR" sz="2000" b="1" dirty="0">
                 <a:ea typeface="+mn-lt"/>
                 <a:cs typeface="+mn-lt"/>
               </a:rPr>
               <a:t>3 Sistema de informações do gerenciamento de projetos</a:t>
             </a:r>
-            <a:endParaRPr lang="pt-BR" dirty="0">
-              <a:ea typeface="+mn-lt"/>
-              <a:cs typeface="+mn-lt"/>
-            </a:endParaRPr>
-          </a:p>
-          <a:p>
-            <a:pPr>
-              <a:buNone/>
-            </a:pPr>
-            <a:r>
-              <a:rPr lang="pt-BR" sz="2000" dirty="0">
+            <a:endParaRPr lang="pt-BR" b="1" dirty="0">
+              <a:ea typeface="+mn-lt"/>
+              <a:cs typeface="+mn-lt"/>
+            </a:endParaRPr>
+          </a:p>
+          <a:p>
+            <a:pPr lvl="1" algn="just"/>
+            <a:r>
+              <a:rPr lang="pt-BR" sz="1600" dirty="0">
                 <a:ea typeface="+mn-lt"/>
                 <a:cs typeface="+mn-lt"/>
               </a:rPr>
               <a:t>Metodologia de gerenciamento de projetos.</a:t>
             </a:r>
-            <a:endParaRPr lang="pt-BR" dirty="0">
-              <a:ea typeface="+mn-lt"/>
-              <a:cs typeface="+mn-lt"/>
-            </a:endParaRPr>
-          </a:p>
-          <a:p>
-            <a:pPr>
-              <a:buNone/>
-            </a:pPr>
-            <a:r>
-              <a:rPr lang="pt-BR" sz="2000" dirty="0">
+            <a:endParaRPr lang="pt-BR" sz="1600">
+              <a:ea typeface="+mn-lt"/>
+              <a:cs typeface="+mn-lt"/>
+            </a:endParaRPr>
+          </a:p>
+          <a:p>
+            <a:pPr algn="just">
+              <a:buNone/>
+            </a:pPr>
+            <a:r>
+              <a:rPr lang="pt-BR" sz="2000" b="1" dirty="0">
                 <a:ea typeface="+mn-lt"/>
                 <a:cs typeface="+mn-lt"/>
               </a:rPr>
               <a:t>4 Reuniões</a:t>
             </a:r>
-            <a:endParaRPr lang="pt-BR" dirty="0"/>
+            <a:endParaRPr lang="pt-BR" b="1" dirty="0"/>
           </a:p>
           <a:p>
             <a:pPr>
@@ -15607,8 +15751,8 @@
         </p:nvSpPr>
         <p:spPr>
           <a:xfrm>
-            <a:off x="657844" y="1610453"/>
-            <a:ext cx="10890689" cy="4566510"/>
+            <a:off x="1477354" y="1452302"/>
+            <a:ext cx="10157444" cy="4566510"/>
           </a:xfrm>
         </p:spPr>
         <p:txBody>
@@ -15636,6 +15780,15 @@
             <a:pPr>
               <a:buNone/>
             </a:pPr>
+            <a:endParaRPr lang="pt-BR" sz="2000" b="1" dirty="0">
+              <a:ea typeface="+mn-lt"/>
+              <a:cs typeface="+mn-lt"/>
+            </a:endParaRPr>
+          </a:p>
+          <a:p>
+            <a:pPr>
+              <a:buNone/>
+            </a:pPr>
             <a:r>
               <a:rPr lang="pt-BR" sz="2000" b="1" dirty="0">
                 <a:ea typeface="+mn-lt"/>
@@ -15652,6 +15805,15 @@
             <a:pPr>
               <a:buNone/>
             </a:pPr>
+            <a:endParaRPr lang="pt-BR" sz="2000" b="1" dirty="0">
+              <a:ea typeface="+mn-lt"/>
+              <a:cs typeface="+mn-lt"/>
+            </a:endParaRPr>
+          </a:p>
+          <a:p>
+            <a:pPr>
+              <a:buNone/>
+            </a:pPr>
             <a:r>
               <a:rPr lang="pt-BR" sz="2000" b="1" dirty="0">
                 <a:ea typeface="+mn-lt"/>
@@ -15667,6 +15829,15 @@
             <a:pPr>
               <a:buNone/>
             </a:pPr>
+            <a:endParaRPr lang="pt-BR" sz="2000" b="1" dirty="0">
+              <a:ea typeface="+mn-lt"/>
+              <a:cs typeface="+mn-lt"/>
+            </a:endParaRPr>
+          </a:p>
+          <a:p>
+            <a:pPr>
+              <a:buNone/>
+            </a:pPr>
             <a:r>
               <a:rPr lang="pt-BR" sz="2000" b="1" dirty="0">
                 <a:ea typeface="+mn-lt"/>
@@ -15675,6 +15846,15 @@
               <a:t>.3 Atualizações para os planos de gerenciamento.</a:t>
             </a:r>
             <a:endParaRPr lang="pt-BR" b="1" dirty="0">
+              <a:ea typeface="+mn-lt"/>
+              <a:cs typeface="+mn-lt"/>
+            </a:endParaRPr>
+          </a:p>
+          <a:p>
+            <a:pPr>
+              <a:buNone/>
+            </a:pPr>
+            <a:endParaRPr lang="pt-BR" sz="2000" b="1" dirty="0">
               <a:ea typeface="+mn-lt"/>
               <a:cs typeface="+mn-lt"/>
             </a:endParaRPr>
@@ -15963,8 +16143,8 @@
         </p:nvSpPr>
         <p:spPr>
           <a:xfrm>
-            <a:off x="657844" y="1610453"/>
-            <a:ext cx="10890689" cy="4566510"/>
+            <a:off x="1549241" y="1452302"/>
+            <a:ext cx="9999293" cy="4566510"/>
           </a:xfrm>
         </p:spPr>
         <p:txBody>
@@ -15973,7 +16153,7 @@
           </a:bodyPr>
           <a:lstStyle/>
           <a:p>
-            <a:pPr>
+            <a:pPr algn="just">
               <a:buNone/>
             </a:pPr>
             <a:r>
@@ -15989,7 +16169,16 @@
             </a:endParaRPr>
           </a:p>
           <a:p>
-            <a:pPr>
+            <a:pPr algn="just">
+              <a:buNone/>
+            </a:pPr>
+            <a:endParaRPr lang="pt-BR" sz="2000" dirty="0">
+              <a:ea typeface="+mn-lt"/>
+              <a:cs typeface="+mn-lt"/>
+            </a:endParaRPr>
+          </a:p>
+          <a:p>
+            <a:pPr algn="just">
               <a:buNone/>
             </a:pPr>
             <a:r>
@@ -16005,7 +16194,16 @@
             </a:endParaRPr>
           </a:p>
           <a:p>
-            <a:pPr>
+            <a:pPr algn="just">
+              <a:buNone/>
+            </a:pPr>
+            <a:endParaRPr lang="pt-BR" sz="2000" dirty="0">
+              <a:ea typeface="+mn-lt"/>
+              <a:cs typeface="+mn-lt"/>
+            </a:endParaRPr>
+          </a:p>
+          <a:p>
+            <a:pPr algn="just">
               <a:buNone/>
             </a:pPr>
             <a:r>
@@ -16566,13 +16764,13 @@
         </p:nvSpPr>
         <p:spPr>
           <a:xfrm>
-            <a:off x="657844" y="1610453"/>
-            <a:ext cx="10890689" cy="4566510"/>
+            <a:off x="1448599" y="1452302"/>
+            <a:ext cx="10099934" cy="4566510"/>
           </a:xfrm>
         </p:spPr>
         <p:txBody>
           <a:bodyPr vert="horz" lIns="91440" tIns="45720" rIns="91440" bIns="45720" rtlCol="0" anchor="t">
-            <a:normAutofit/>
+            <a:normAutofit lnSpcReduction="10000"/>
           </a:bodyPr>
           <a:lstStyle/>
           <a:p>
@@ -16580,84 +16778,121 @@
               <a:buNone/>
             </a:pPr>
             <a:r>
-              <a:rPr lang="pt-BR" sz="2000" dirty="0">
+              <a:rPr lang="pt-BR" sz="2000" b="1" dirty="0">
                 <a:ea typeface="+mn-lt"/>
                 <a:cs typeface="+mn-lt"/>
               </a:rPr>
               <a:t>Entradas.</a:t>
             </a:r>
-            <a:endParaRPr lang="pt-BR" dirty="0">
-              <a:ea typeface="+mn-lt"/>
-              <a:cs typeface="+mn-lt"/>
-            </a:endParaRPr>
-          </a:p>
-          <a:p>
-            <a:pPr>
-              <a:buNone/>
-            </a:pPr>
-            <a:r>
-              <a:rPr lang="pt-BR" sz="2000" dirty="0">
+          </a:p>
+          <a:p>
+            <a:pPr>
+              <a:buNone/>
+            </a:pPr>
+            <a:endParaRPr lang="pt-BR" sz="2000" b="1" dirty="0">
+              <a:ea typeface="+mn-lt"/>
+              <a:cs typeface="+mn-lt"/>
+            </a:endParaRPr>
+          </a:p>
+          <a:p>
+            <a:pPr>
+              <a:buNone/>
+            </a:pPr>
+            <a:r>
+              <a:rPr lang="pt-BR" sz="2000" b="1" dirty="0">
                 <a:ea typeface="+mn-lt"/>
                 <a:cs typeface="+mn-lt"/>
               </a:rPr>
               <a:t>.1 Plano de gerenciamento do projeto.</a:t>
             </a:r>
-            <a:endParaRPr lang="pt-BR" dirty="0"/>
-          </a:p>
-          <a:p>
-            <a:pPr>
-              <a:buNone/>
-            </a:pPr>
-            <a:r>
-              <a:rPr lang="pt-BR" sz="2000" dirty="0">
+            <a:endParaRPr lang="pt-BR" sz="2000" b="1" dirty="0"/>
+          </a:p>
+          <a:p>
+            <a:pPr>
+              <a:buNone/>
+            </a:pPr>
+            <a:endParaRPr lang="pt-BR" sz="2000" b="1" dirty="0">
+              <a:ea typeface="+mn-lt"/>
+              <a:cs typeface="+mn-lt"/>
+            </a:endParaRPr>
+          </a:p>
+          <a:p>
+            <a:pPr>
+              <a:buNone/>
+            </a:pPr>
+            <a:r>
+              <a:rPr lang="pt-BR" sz="2000" b="1" dirty="0">
                 <a:ea typeface="+mn-lt"/>
                 <a:cs typeface="+mn-lt"/>
               </a:rPr>
               <a:t>.2 Informações sobre o desempenho do trabalho.</a:t>
             </a:r>
-            <a:endParaRPr lang="pt-BR" dirty="0"/>
-          </a:p>
-          <a:p>
-            <a:pPr>
-              <a:buNone/>
-            </a:pPr>
-            <a:r>
-              <a:rPr lang="pt-BR" sz="2000" dirty="0">
-                <a:ea typeface="+mn-lt"/>
-                <a:cs typeface="+mn-lt"/>
-              </a:rPr>
-              <a:t>.3 Mudanças solicitadas.</a:t>
-            </a:r>
-            <a:endParaRPr lang="pt-BR" dirty="0"/>
-          </a:p>
-          <a:p>
-            <a:pPr>
-              <a:buNone/>
-            </a:pPr>
-            <a:r>
-              <a:rPr lang="pt-BR" sz="2000" dirty="0">
+            <a:endParaRPr lang="pt-BR" sz="2000" b="1" dirty="0"/>
+          </a:p>
+          <a:p>
+            <a:pPr>
+              <a:buNone/>
+            </a:pPr>
+            <a:endParaRPr lang="pt-BR" sz="2000" b="1" dirty="0">
+              <a:ea typeface="+mn-lt"/>
+              <a:cs typeface="+mn-lt"/>
+            </a:endParaRPr>
+          </a:p>
+          <a:p>
+            <a:pPr>
+              <a:buNone/>
+            </a:pPr>
+            <a:r>
+              <a:rPr lang="pt-BR" sz="2000" b="1" dirty="0">
+                <a:ea typeface="+mn-lt"/>
+                <a:cs typeface="+mn-lt"/>
+              </a:rPr>
+              <a:t>.3 Mudanças solicitadas</a:t>
+            </a:r>
+            <a:endParaRPr lang="pt-BR" sz="2000" b="1" dirty="0"/>
+          </a:p>
+          <a:p>
+            <a:pPr>
+              <a:buNone/>
+            </a:pPr>
+            <a:endParaRPr lang="pt-BR" sz="2000" b="1" dirty="0">
+              <a:ea typeface="+mn-lt"/>
+              <a:cs typeface="+mn-lt"/>
+            </a:endParaRPr>
+          </a:p>
+          <a:p>
+            <a:pPr>
+              <a:buNone/>
+            </a:pPr>
+            <a:r>
+              <a:rPr lang="pt-BR" sz="2000" b="1" dirty="0">
                 <a:ea typeface="+mn-lt"/>
                 <a:cs typeface="+mn-lt"/>
               </a:rPr>
               <a:t>.4 Fatores ambientais organizacionais.</a:t>
             </a:r>
-            <a:endParaRPr lang="pt-BR" dirty="0">
-              <a:ea typeface="+mn-lt"/>
-              <a:cs typeface="+mn-lt"/>
-            </a:endParaRPr>
-          </a:p>
-          <a:p>
-            <a:pPr>
-              <a:buNone/>
-            </a:pPr>
-            <a:r>
-              <a:rPr lang="pt-BR" sz="2000" dirty="0">
+          </a:p>
+          <a:p>
+            <a:pPr>
+              <a:buNone/>
+            </a:pPr>
+            <a:endParaRPr lang="pt-BR" sz="2000" b="1" dirty="0">
+              <a:ea typeface="+mn-lt"/>
+              <a:cs typeface="+mn-lt"/>
+            </a:endParaRPr>
+          </a:p>
+          <a:p>
+            <a:pPr>
+              <a:buNone/>
+            </a:pPr>
+            <a:r>
+              <a:rPr lang="pt-BR" sz="2000" b="1" dirty="0">
                 <a:ea typeface="+mn-lt"/>
                 <a:cs typeface="+mn-lt"/>
               </a:rPr>
               <a:t>.5 Ativos de processos organizacionais</a:t>
             </a:r>
-            <a:endParaRPr lang="pt-BR" dirty="0"/>
+            <a:endParaRPr lang="pt-BR" b="1" dirty="0"/>
           </a:p>
           <a:p>
             <a:pPr>

--- a/RELATORIO PROVA P2/relatorio-pmbok-capitulo4-jharbes.pptx
+++ b/RELATORIO PROVA P2/relatorio-pmbok-capitulo4-jharbes.pptx
@@ -169,6 +169,7 @@
     <p1510:client id="{2F299B45-CC8A-1219-20CB-522822A89C56}" v="67" dt="2022-12-03T13:46:21.082"/>
     <p1510:client id="{445C622E-FE4C-4368-6663-20D04795CCE3}" v="57" dt="2022-12-03T13:56:31.403"/>
     <p1510:client id="{48F91746-B893-61F0-E2B5-F484DCEDD16B}" v="352" dt="2022-12-03T12:34:12.174"/>
+    <p1510:client id="{6DF8BB07-E164-99B8-51F7-7B16F69F9E2A}" v="59" dt="2022-12-03T16:46:32.727"/>
     <p1510:client id="{89141EF4-D9B1-448E-BF85-A061974F4635}" v="40" dt="2022-11-30T16:19:30.454"/>
     <p1510:client id="{AAE71220-A1A8-A349-D335-1D78B8499119}" v="13" dt="2022-12-03T12:10:22.569"/>
     <p1510:client id="{B57F4EAB-52FE-8C54-B7C3-F9A802D0DD07}" v="70" dt="2022-12-03T15:24:17.563"/>
@@ -17165,8 +17166,8 @@
         </p:nvSpPr>
         <p:spPr>
           <a:xfrm>
-            <a:off x="657844" y="1610453"/>
-            <a:ext cx="10890689" cy="4566510"/>
+            <a:off x="1549241" y="1452302"/>
+            <a:ext cx="9999293" cy="4566510"/>
           </a:xfrm>
         </p:spPr>
         <p:txBody>
@@ -17175,7 +17176,7 @@
           </a:bodyPr>
           <a:lstStyle/>
           <a:p>
-            <a:pPr>
+            <a:pPr algn="just">
               <a:buNone/>
             </a:pPr>
             <a:r>
@@ -17191,7 +17192,16 @@
             </a:endParaRPr>
           </a:p>
           <a:p>
-            <a:pPr>
+            <a:pPr algn="just">
+              <a:buNone/>
+            </a:pPr>
+            <a:endParaRPr lang="pt-BR" sz="2000" b="1" dirty="0">
+              <a:ea typeface="+mn-lt"/>
+              <a:cs typeface="+mn-lt"/>
+            </a:endParaRPr>
+          </a:p>
+          <a:p>
+            <a:pPr algn="just">
               <a:buNone/>
             </a:pPr>
             <a:r>
@@ -17207,7 +17217,16 @@
             </a:endParaRPr>
           </a:p>
           <a:p>
-            <a:pPr>
+            <a:pPr algn="just">
+              <a:buNone/>
+            </a:pPr>
+            <a:endParaRPr lang="pt-BR" sz="2000" b="1" dirty="0">
+              <a:ea typeface="+mn-lt"/>
+              <a:cs typeface="+mn-lt"/>
+            </a:endParaRPr>
+          </a:p>
+          <a:p>
+            <a:pPr algn="just">
               <a:buNone/>
             </a:pPr>
             <a:r>
@@ -17223,7 +17242,16 @@
             </a:endParaRPr>
           </a:p>
           <a:p>
-            <a:pPr>
+            <a:pPr algn="just">
+              <a:buNone/>
+            </a:pPr>
+            <a:endParaRPr lang="pt-BR" sz="2000" b="1" dirty="0">
+              <a:ea typeface="+mn-lt"/>
+              <a:cs typeface="+mn-lt"/>
+            </a:endParaRPr>
+          </a:p>
+          <a:p>
+            <a:pPr algn="just">
               <a:buNone/>
             </a:pPr>
             <a:r>
@@ -17517,8 +17545,8 @@
         </p:nvSpPr>
         <p:spPr>
           <a:xfrm>
-            <a:off x="657844" y="1610453"/>
-            <a:ext cx="10890689" cy="4566510"/>
+            <a:off x="1592373" y="1452302"/>
+            <a:ext cx="10085557" cy="4566510"/>
           </a:xfrm>
         </p:spPr>
         <p:txBody>
@@ -17527,81 +17555,101 @@
           </a:bodyPr>
           <a:lstStyle/>
           <a:p>
-            <a:pPr>
-              <a:buNone/>
-            </a:pPr>
-            <a:r>
-              <a:rPr lang="pt-BR" sz="2000" dirty="0">
+            <a:pPr algn="just">
+              <a:buNone/>
+            </a:pPr>
+            <a:r>
+              <a:rPr lang="pt-BR" sz="2000" b="1" dirty="0">
                 <a:ea typeface="+mn-lt"/>
                 <a:cs typeface="+mn-lt"/>
               </a:rPr>
               <a:t>Saídas.</a:t>
             </a:r>
-            <a:endParaRPr lang="pt-BR" dirty="0">
-              <a:ea typeface="+mn-lt"/>
-              <a:cs typeface="+mn-lt"/>
-            </a:endParaRPr>
-          </a:p>
-          <a:p>
-            <a:pPr>
-              <a:buNone/>
-            </a:pPr>
-            <a:r>
-              <a:rPr lang="pt-BR" sz="2000" dirty="0">
+          </a:p>
+          <a:p>
+            <a:pPr algn="just">
+              <a:buNone/>
+            </a:pPr>
+            <a:endParaRPr lang="pt-BR" sz="2000" b="1" dirty="0">
+              <a:ea typeface="+mn-lt"/>
+              <a:cs typeface="+mn-lt"/>
+            </a:endParaRPr>
+          </a:p>
+          <a:p>
+            <a:pPr algn="just">
+              <a:buNone/>
+            </a:pPr>
+            <a:r>
+              <a:rPr lang="pt-BR" sz="2000" b="1" dirty="0">
                 <a:ea typeface="+mn-lt"/>
                 <a:cs typeface="+mn-lt"/>
               </a:rPr>
               <a:t>.1 Solicitações de mudança aprovadas.</a:t>
             </a:r>
-            <a:endParaRPr lang="pt-BR" dirty="0">
-              <a:ea typeface="+mn-lt"/>
-              <a:cs typeface="+mn-lt"/>
-            </a:endParaRPr>
-          </a:p>
-          <a:p>
-            <a:pPr>
-              <a:buNone/>
-            </a:pPr>
-            <a:r>
-              <a:rPr lang="pt-BR" sz="2000" dirty="0">
+          </a:p>
+          <a:p>
+            <a:pPr algn="just">
+              <a:buNone/>
+            </a:pPr>
+            <a:endParaRPr lang="pt-BR" sz="2000" b="1" dirty="0">
+              <a:ea typeface="+mn-lt"/>
+              <a:cs typeface="+mn-lt"/>
+            </a:endParaRPr>
+          </a:p>
+          <a:p>
+            <a:pPr algn="just">
+              <a:buNone/>
+            </a:pPr>
+            <a:r>
+              <a:rPr lang="pt-BR" sz="2000" b="1" dirty="0">
                 <a:ea typeface="+mn-lt"/>
                 <a:cs typeface="+mn-lt"/>
               </a:rPr>
               <a:t>.2 Histórico de mudanças.</a:t>
             </a:r>
-            <a:endParaRPr lang="pt-BR" dirty="0">
-              <a:ea typeface="+mn-lt"/>
-              <a:cs typeface="+mn-lt"/>
-            </a:endParaRPr>
-          </a:p>
-          <a:p>
-            <a:pPr>
-              <a:buNone/>
-            </a:pPr>
-            <a:r>
-              <a:rPr lang="pt-BR" sz="2000" dirty="0">
+          </a:p>
+          <a:p>
+            <a:pPr algn="just">
+              <a:buNone/>
+            </a:pPr>
+            <a:endParaRPr lang="pt-BR" sz="2000" b="1" dirty="0">
+              <a:ea typeface="+mn-lt"/>
+              <a:cs typeface="+mn-lt"/>
+            </a:endParaRPr>
+          </a:p>
+          <a:p>
+            <a:pPr algn="just">
+              <a:buNone/>
+            </a:pPr>
+            <a:r>
+              <a:rPr lang="pt-BR" sz="2000" b="1" dirty="0">
                 <a:ea typeface="+mn-lt"/>
                 <a:cs typeface="+mn-lt"/>
               </a:rPr>
               <a:t>.3 Atualizações para o Plano de gerenciamento do projeto.</a:t>
             </a:r>
-            <a:endParaRPr lang="pt-BR" dirty="0">
-              <a:ea typeface="+mn-lt"/>
-              <a:cs typeface="+mn-lt"/>
-            </a:endParaRPr>
-          </a:p>
-          <a:p>
-            <a:pPr>
-              <a:buNone/>
-            </a:pPr>
-            <a:r>
-              <a:rPr lang="pt-BR" sz="2000" dirty="0">
+          </a:p>
+          <a:p>
+            <a:pPr algn="just">
+              <a:buNone/>
+            </a:pPr>
+            <a:endParaRPr lang="pt-BR" sz="2000" b="1" dirty="0">
+              <a:ea typeface="+mn-lt"/>
+              <a:cs typeface="+mn-lt"/>
+            </a:endParaRPr>
+          </a:p>
+          <a:p>
+            <a:pPr algn="just">
+              <a:buNone/>
+            </a:pPr>
+            <a:r>
+              <a:rPr lang="pt-BR" sz="2000" b="1" dirty="0">
                 <a:ea typeface="+mn-lt"/>
                 <a:cs typeface="+mn-lt"/>
               </a:rPr>
               <a:t>.4 Atualizações para documentos do projeto</a:t>
             </a:r>
-            <a:endParaRPr lang="pt-BR" dirty="0"/>
+            <a:endParaRPr lang="pt-BR" b="1" dirty="0"/>
           </a:p>
           <a:p>
             <a:pPr>
@@ -17888,8 +17936,8 @@
         </p:nvSpPr>
         <p:spPr>
           <a:xfrm>
-            <a:off x="657844" y="1610453"/>
-            <a:ext cx="10890689" cy="4566510"/>
+            <a:off x="1577995" y="1452302"/>
+            <a:ext cx="9970538" cy="4566510"/>
           </a:xfrm>
         </p:spPr>
         <p:txBody>
@@ -17902,74 +17950,91 @@
               <a:buNone/>
             </a:pPr>
             <a:r>
-              <a:rPr lang="pt-BR" sz="2000" dirty="0">
+              <a:rPr lang="pt-BR" sz="2000" b="1" dirty="0">
                 <a:ea typeface="+mn-lt"/>
                 <a:cs typeface="+mn-lt"/>
               </a:rPr>
               <a:t>Entradas.</a:t>
             </a:r>
-            <a:endParaRPr lang="pt-BR" dirty="0">
-              <a:ea typeface="+mn-lt"/>
-              <a:cs typeface="+mn-lt"/>
-            </a:endParaRPr>
-          </a:p>
-          <a:p>
-            <a:pPr>
-              <a:buNone/>
-            </a:pPr>
-            <a:r>
-              <a:rPr lang="pt-BR" sz="2000" dirty="0">
+          </a:p>
+          <a:p>
+            <a:pPr>
+              <a:buNone/>
+            </a:pPr>
+            <a:endParaRPr lang="pt-BR" sz="2000" b="1" dirty="0">
+              <a:ea typeface="+mn-lt"/>
+              <a:cs typeface="+mn-lt"/>
+            </a:endParaRPr>
+          </a:p>
+          <a:p>
+            <a:pPr>
+              <a:buNone/>
+            </a:pPr>
+            <a:r>
+              <a:rPr lang="pt-BR" sz="2000" b="1" dirty="0">
                 <a:ea typeface="+mn-lt"/>
                 <a:cs typeface="+mn-lt"/>
               </a:rPr>
               <a:t>.1 Plano de gerenciamento do projeto</a:t>
             </a:r>
-            <a:endParaRPr lang="pt-BR" dirty="0"/>
-          </a:p>
-          <a:p>
-            <a:pPr>
-              <a:buNone/>
-            </a:pPr>
-            <a:r>
-              <a:rPr lang="pt-BR" sz="2000" dirty="0">
+            <a:endParaRPr lang="pt-BR" b="1" dirty="0"/>
+          </a:p>
+          <a:p>
+            <a:pPr lvl="1"/>
+            <a:r>
+              <a:rPr lang="pt-BR" sz="1600" dirty="0">
                 <a:ea typeface="+mn-lt"/>
                 <a:cs typeface="+mn-lt"/>
               </a:rPr>
               <a:t>Documentação do contrato.</a:t>
             </a:r>
-            <a:endParaRPr lang="pt-BR" dirty="0">
-              <a:ea typeface="+mn-lt"/>
-              <a:cs typeface="+mn-lt"/>
-            </a:endParaRPr>
-          </a:p>
-          <a:p>
-            <a:pPr>
-              <a:buNone/>
-            </a:pPr>
-            <a:r>
-              <a:rPr lang="pt-BR" sz="2000" dirty="0">
+            <a:endParaRPr lang="pt-BR" sz="1600">
+              <a:ea typeface="+mn-lt"/>
+              <a:cs typeface="+mn-lt"/>
+            </a:endParaRPr>
+          </a:p>
+          <a:p>
+            <a:pPr>
+              <a:buNone/>
+            </a:pPr>
+            <a:endParaRPr lang="pt-BR" sz="2000" dirty="0">
+              <a:ea typeface="+mn-lt"/>
+              <a:cs typeface="+mn-lt"/>
+            </a:endParaRPr>
+          </a:p>
+          <a:p>
+            <a:pPr>
+              <a:buNone/>
+            </a:pPr>
+            <a:r>
+              <a:rPr lang="pt-BR" sz="2000" b="1" dirty="0">
                 <a:ea typeface="+mn-lt"/>
                 <a:cs typeface="+mn-lt"/>
               </a:rPr>
               <a:t>.2 Entregas aceitas.</a:t>
             </a:r>
-            <a:endParaRPr lang="pt-BR" dirty="0">
-              <a:ea typeface="+mn-lt"/>
-              <a:cs typeface="+mn-lt"/>
-            </a:endParaRPr>
-          </a:p>
-          <a:p>
-            <a:pPr>
-              <a:buNone/>
-            </a:pPr>
-            <a:r>
-              <a:rPr lang="pt-BR" sz="2000" dirty="0">
+          </a:p>
+          <a:p>
+            <a:pPr>
+              <a:buNone/>
+            </a:pPr>
+            <a:endParaRPr lang="pt-BR" sz="2000" b="1" dirty="0">
+              <a:ea typeface="+mn-lt"/>
+              <a:cs typeface="+mn-lt"/>
+            </a:endParaRPr>
+          </a:p>
+          <a:p>
+            <a:pPr>
+              <a:buNone/>
+            </a:pPr>
+            <a:r>
+              <a:rPr lang="pt-BR" sz="2000" b="1" dirty="0">
                 <a:ea typeface="+mn-lt"/>
                 <a:cs typeface="+mn-lt"/>
               </a:rPr>
               <a:t>.3 Ativos de processos organizacionais</a:t>
             </a:r>
-            <a:endParaRPr lang="pt-BR" dirty="0"/>
+            <a:endParaRPr lang="pt-BR" b="1" dirty="0"/>
           </a:p>
           <a:p>
             <a:pPr>
@@ -18264,8 +18329,8 @@
         </p:nvSpPr>
         <p:spPr>
           <a:xfrm>
-            <a:off x="657844" y="1610453"/>
-            <a:ext cx="10890689" cy="4566510"/>
+            <a:off x="1592373" y="1452302"/>
+            <a:ext cx="10013670" cy="4566510"/>
           </a:xfrm>
         </p:spPr>
         <p:txBody>
@@ -18278,71 +18343,88 @@
               <a:buNone/>
             </a:pPr>
             <a:r>
-              <a:rPr lang="pt-BR" sz="2000" dirty="0">
+              <a:rPr lang="pt-BR" sz="2000" b="1" dirty="0">
                 <a:ea typeface="+mn-lt"/>
                 <a:cs typeface="+mn-lt"/>
               </a:rPr>
               <a:t>Ferramentas e técnicas.</a:t>
             </a:r>
-            <a:endParaRPr lang="pt-BR" dirty="0">
-              <a:ea typeface="+mn-lt"/>
-              <a:cs typeface="+mn-lt"/>
-            </a:endParaRPr>
-          </a:p>
-          <a:p>
-            <a:pPr>
-              <a:buNone/>
-            </a:pPr>
-            <a:r>
-              <a:rPr lang="pt-BR" sz="2000" dirty="0">
+          </a:p>
+          <a:p>
+            <a:pPr>
+              <a:buNone/>
+            </a:pPr>
+            <a:endParaRPr lang="pt-BR" sz="2000" b="1" dirty="0">
+              <a:ea typeface="+mn-lt"/>
+              <a:cs typeface="+mn-lt"/>
+            </a:endParaRPr>
+          </a:p>
+          <a:p>
+            <a:pPr>
+              <a:buNone/>
+            </a:pPr>
+            <a:r>
+              <a:rPr lang="pt-BR" sz="2000" b="1" dirty="0">
                 <a:ea typeface="+mn-lt"/>
                 <a:cs typeface="+mn-lt"/>
               </a:rPr>
               <a:t>.1 Opinião especializada</a:t>
             </a:r>
-            <a:endParaRPr lang="pt-BR" dirty="0"/>
-          </a:p>
-          <a:p>
-            <a:pPr>
-              <a:buNone/>
-            </a:pPr>
-            <a:r>
-              <a:rPr lang="pt-BR" sz="2000" dirty="0">
-                <a:ea typeface="+mn-lt"/>
-                <a:cs typeface="+mn-lt"/>
-              </a:rPr>
-              <a:t>Os seus Departamentos Jurídico e Financeiro!.</a:t>
-            </a:r>
-            <a:endParaRPr lang="pt-BR" dirty="0"/>
-          </a:p>
-          <a:p>
-            <a:pPr>
-              <a:buNone/>
-            </a:pPr>
-            <a:r>
-              <a:rPr lang="pt-BR" sz="2000" dirty="0">
+            <a:endParaRPr lang="pt-BR" b="1" dirty="0"/>
+          </a:p>
+          <a:p>
+            <a:pPr lvl="1"/>
+            <a:r>
+              <a:rPr lang="pt-BR" sz="1600" dirty="0">
+                <a:ea typeface="+mn-lt"/>
+                <a:cs typeface="+mn-lt"/>
+              </a:rPr>
+              <a:t>Os seus Departamentos Jurídico e Financeiro.</a:t>
+            </a:r>
+            <a:endParaRPr lang="pt-BR" sz="1600" dirty="0"/>
+          </a:p>
+          <a:p>
+            <a:pPr>
+              <a:buNone/>
+            </a:pPr>
+            <a:endParaRPr lang="pt-BR" sz="2000" dirty="0">
+              <a:ea typeface="+mn-lt"/>
+              <a:cs typeface="+mn-lt"/>
+            </a:endParaRPr>
+          </a:p>
+          <a:p>
+            <a:pPr>
+              <a:buNone/>
+            </a:pPr>
+            <a:r>
+              <a:rPr lang="pt-BR" sz="2000" b="1" dirty="0">
                 <a:ea typeface="+mn-lt"/>
                 <a:cs typeface="+mn-lt"/>
               </a:rPr>
               <a:t>.2 Técnicas estatísticas.</a:t>
             </a:r>
-            <a:endParaRPr lang="pt-BR" dirty="0">
-              <a:ea typeface="+mn-lt"/>
-              <a:cs typeface="+mn-lt"/>
-            </a:endParaRPr>
-          </a:p>
-          <a:p>
-            <a:pPr>
-              <a:buNone/>
-            </a:pPr>
-            <a:r>
-              <a:rPr lang="pt-BR" sz="2000" dirty="0">
+          </a:p>
+          <a:p>
+            <a:pPr>
+              <a:buNone/>
+            </a:pPr>
+            <a:endParaRPr lang="pt-BR" sz="2000" b="1" dirty="0">
+              <a:ea typeface="+mn-lt"/>
+              <a:cs typeface="+mn-lt"/>
+            </a:endParaRPr>
+          </a:p>
+          <a:p>
+            <a:pPr>
+              <a:buNone/>
+            </a:pPr>
+            <a:r>
+              <a:rPr lang="pt-BR" sz="2000" b="1" dirty="0">
                 <a:ea typeface="+mn-lt"/>
                 <a:cs typeface="+mn-lt"/>
               </a:rPr>
               <a:t>.3 Reuniões</a:t>
             </a:r>
-            <a:endParaRPr lang="pt-BR" dirty="0"/>
+            <a:endParaRPr lang="pt-BR" b="1" dirty="0"/>
           </a:p>
           <a:p>
             <a:pPr>
@@ -18645,8 +18727,8 @@
         </p:nvSpPr>
         <p:spPr>
           <a:xfrm>
-            <a:off x="657844" y="1610453"/>
-            <a:ext cx="10890689" cy="4566510"/>
+            <a:off x="1606750" y="1452302"/>
+            <a:ext cx="10071180" cy="4566510"/>
           </a:xfrm>
         </p:spPr>
         <p:txBody>
@@ -18655,7 +18737,45 @@
           </a:bodyPr>
           <a:lstStyle/>
           <a:p>
-            <a:pPr>
+            <a:pPr algn="just">
+              <a:buNone/>
+            </a:pPr>
+            <a:r>
+              <a:rPr lang="pt-BR" sz="2000" b="1" dirty="0">
+                <a:ea typeface="+mn-lt"/>
+                <a:cs typeface="+mn-lt"/>
+              </a:rPr>
+              <a:t>Saídas.</a:t>
+            </a:r>
+            <a:endParaRPr lang="pt-BR" b="1">
+              <a:ea typeface="+mn-lt"/>
+              <a:cs typeface="+mn-lt"/>
+            </a:endParaRPr>
+          </a:p>
+          <a:p>
+            <a:pPr algn="just">
+              <a:buNone/>
+            </a:pPr>
+            <a:endParaRPr lang="pt-BR" sz="2000" b="1" dirty="0">
+              <a:ea typeface="+mn-lt"/>
+              <a:cs typeface="+mn-lt"/>
+            </a:endParaRPr>
+          </a:p>
+          <a:p>
+            <a:pPr algn="just">
+              <a:buNone/>
+            </a:pPr>
+            <a:r>
+              <a:rPr lang="pt-BR" sz="2000" b="1" dirty="0">
+                <a:ea typeface="+mn-lt"/>
+                <a:cs typeface="+mn-lt"/>
+              </a:rPr>
+              <a:t>1 Produto, serviço ou resultado final</a:t>
+            </a:r>
+            <a:endParaRPr lang="pt-BR" b="1" dirty="0"/>
+          </a:p>
+          <a:p>
+            <a:pPr algn="just">
               <a:buNone/>
             </a:pPr>
             <a:r>
@@ -18663,54 +18783,34 @@
                 <a:ea typeface="+mn-lt"/>
                 <a:cs typeface="+mn-lt"/>
               </a:rPr>
-              <a:t>Saídas.</a:t>
-            </a:r>
-            <a:endParaRPr lang="pt-BR" dirty="0">
-              <a:ea typeface="+mn-lt"/>
-              <a:cs typeface="+mn-lt"/>
-            </a:endParaRPr>
-          </a:p>
-          <a:p>
-            <a:pPr>
-              <a:buNone/>
-            </a:pPr>
-            <a:r>
-              <a:rPr lang="pt-BR" sz="2000" dirty="0">
-                <a:ea typeface="+mn-lt"/>
-                <a:cs typeface="+mn-lt"/>
-              </a:rPr>
-              <a:t>1 Produto, serviço ou resultado final</a:t>
+              <a:t>A aceitação formal e a entrega do produto, serviço ou resultado final que o projeto foi autorizado a produzir. Inclui o recebimento de uma declaração formal de que os termos do contrato foram atendidos..</a:t>
             </a:r>
             <a:endParaRPr lang="pt-BR" dirty="0"/>
           </a:p>
           <a:p>
-            <a:pPr>
-              <a:buNone/>
-            </a:pPr>
-            <a:r>
-              <a:rPr lang="pt-BR" sz="2000" dirty="0">
-                <a:ea typeface="+mn-lt"/>
-                <a:cs typeface="+mn-lt"/>
-              </a:rPr>
-              <a:t>A aceitação formal e a entrega do produto, serviço ou resultado final que o projeto foi autorizado a produzir. Inclui o recebimento de uma declaração formal de que os termos do contrato foram atendidos..</a:t>
-            </a:r>
-            <a:endParaRPr lang="pt-BR" dirty="0"/>
-          </a:p>
-          <a:p>
-            <a:pPr>
-              <a:buNone/>
-            </a:pPr>
-            <a:r>
-              <a:rPr lang="pt-BR" sz="2000" dirty="0">
+            <a:pPr algn="just">
+              <a:buNone/>
+            </a:pPr>
+            <a:endParaRPr lang="pt-BR" sz="2000" dirty="0">
+              <a:ea typeface="+mn-lt"/>
+              <a:cs typeface="+mn-lt"/>
+            </a:endParaRPr>
+          </a:p>
+          <a:p>
+            <a:pPr algn="just">
+              <a:buNone/>
+            </a:pPr>
+            <a:r>
+              <a:rPr lang="pt-BR" sz="2000" b="1" dirty="0">
                 <a:ea typeface="+mn-lt"/>
                 <a:cs typeface="+mn-lt"/>
               </a:rPr>
               <a:t>2 Ativos de processos organizacionais (atualizações)</a:t>
             </a:r>
-            <a:endParaRPr lang="pt-BR" dirty="0"/>
-          </a:p>
-          <a:p>
-            <a:pPr>
+            <a:endParaRPr lang="pt-BR" b="1" dirty="0"/>
+          </a:p>
+          <a:p>
+            <a:pPr algn="just">
               <a:buNone/>
             </a:pPr>
             <a:r>
@@ -19023,8 +19123,8 @@
         </p:nvSpPr>
         <p:spPr>
           <a:xfrm>
-            <a:off x="657844" y="1610453"/>
-            <a:ext cx="10890689" cy="4566510"/>
+            <a:off x="1491731" y="1452302"/>
+            <a:ext cx="10056802" cy="4566510"/>
           </a:xfrm>
         </p:spPr>
         <p:txBody>
@@ -19033,7 +19133,54 @@
           </a:bodyPr>
           <a:lstStyle/>
           <a:p>
-            <a:pPr>
+            <a:pPr algn="just">
+              <a:buNone/>
+            </a:pPr>
+            <a:r>
+              <a:rPr lang="pt-BR" sz="2000" b="1" dirty="0">
+                <a:ea typeface="+mn-lt"/>
+                <a:cs typeface="+mn-lt"/>
+              </a:rPr>
+              <a:t>Saídas</a:t>
+            </a:r>
+            <a:endParaRPr lang="pt-BR" b="1">
+              <a:ea typeface="+mn-lt"/>
+              <a:cs typeface="+mn-lt"/>
+            </a:endParaRPr>
+          </a:p>
+          <a:p>
+            <a:pPr algn="just">
+              <a:buNone/>
+            </a:pPr>
+            <a:endParaRPr lang="pt-BR" sz="2000" b="1" dirty="0">
+              <a:ea typeface="+mn-lt"/>
+              <a:cs typeface="+mn-lt"/>
+            </a:endParaRPr>
+          </a:p>
+          <a:p>
+            <a:pPr algn="just">
+              <a:buNone/>
+            </a:pPr>
+            <a:r>
+              <a:rPr lang="pt-BR" sz="2000" b="1" dirty="0">
+                <a:ea typeface="+mn-lt"/>
+                <a:cs typeface="+mn-lt"/>
+              </a:rPr>
+              <a:t>Procedimento de encerramento administrativo</a:t>
+            </a:r>
+            <a:endParaRPr lang="pt-BR" b="1" dirty="0"/>
+          </a:p>
+          <a:p>
+            <a:pPr algn="just">
+              <a:buNone/>
+            </a:pPr>
+            <a:endParaRPr lang="pt-BR" sz="2000" b="1" dirty="0">
+              <a:ea typeface="+mn-lt"/>
+              <a:cs typeface="+mn-lt"/>
+            </a:endParaRPr>
+          </a:p>
+          <a:p>
+            <a:pPr algn="just">
               <a:buNone/>
             </a:pPr>
             <a:r>
@@ -19041,15 +19188,12 @@
                 <a:ea typeface="+mn-lt"/>
                 <a:cs typeface="+mn-lt"/>
               </a:rPr>
-              <a:t>Saídas</a:t>
-            </a:r>
-            <a:endParaRPr lang="pt-BR" dirty="0">
-              <a:ea typeface="+mn-lt"/>
-              <a:cs typeface="+mn-lt"/>
-            </a:endParaRPr>
-          </a:p>
-          <a:p>
-            <a:pPr>
+              <a:t>Estabelecidos os procedimentos para transferir os serviços ou produtos do projeto para a produção e/ou para as operações.</a:t>
+            </a:r>
+            <a:endParaRPr lang="pt-BR" dirty="0"/>
+          </a:p>
+          <a:p>
+            <a:pPr algn="just">
               <a:buNone/>
             </a:pPr>
             <a:r>
@@ -19057,38 +19201,12 @@
                 <a:ea typeface="+mn-lt"/>
                 <a:cs typeface="+mn-lt"/>
               </a:rPr>
-              <a:t>Procedimento de encerramento administrativo</a:t>
+              <a:t>Ações e atividades para definir os requisitos de aprovação das partes interessadas em relação a mudanças e a todos os níveis de entregas.</a:t>
             </a:r>
             <a:endParaRPr lang="pt-BR" dirty="0"/>
           </a:p>
           <a:p>
-            <a:pPr>
-              <a:buNone/>
-            </a:pPr>
-            <a:r>
-              <a:rPr lang="pt-BR" sz="2000" dirty="0">
-                <a:ea typeface="+mn-lt"/>
-                <a:cs typeface="+mn-lt"/>
-              </a:rPr>
-              <a:t>Estabelecidos os procedimentos para transferir os serviços ou produtos do projeto para a produção e/ou para as operações.</a:t>
-            </a:r>
-            <a:endParaRPr lang="pt-BR" dirty="0"/>
-          </a:p>
-          <a:p>
-            <a:pPr>
-              <a:buNone/>
-            </a:pPr>
-            <a:r>
-              <a:rPr lang="pt-BR" sz="2000" dirty="0">
-                <a:ea typeface="+mn-lt"/>
-                <a:cs typeface="+mn-lt"/>
-              </a:rPr>
-              <a:t>Ações e atividades para definir os requisitos de aprovação das partes interessadas em relação a mudanças e a todos os níveis de entregas.</a:t>
-            </a:r>
-            <a:endParaRPr lang="pt-BR" dirty="0"/>
-          </a:p>
-          <a:p>
-            <a:pPr>
+            <a:pPr algn="just">
               <a:buNone/>
             </a:pPr>
             <a:r>
@@ -19409,8 +19527,8 @@
         </p:nvSpPr>
         <p:spPr>
           <a:xfrm>
-            <a:off x="657844" y="1610453"/>
-            <a:ext cx="10890689" cy="4566510"/>
+            <a:off x="1462976" y="1380415"/>
+            <a:ext cx="10186199" cy="4566510"/>
           </a:xfrm>
         </p:spPr>
         <p:txBody>
@@ -19419,7 +19537,50 @@
           </a:bodyPr>
           <a:lstStyle/>
           <a:p>
-            <a:pPr>
+            <a:pPr algn="just">
+              <a:buNone/>
+            </a:pPr>
+            <a:r>
+              <a:rPr lang="pt-BR" sz="2000" b="1" dirty="0">
+                <a:ea typeface="+mn-lt"/>
+                <a:cs typeface="+mn-lt"/>
+              </a:rPr>
+              <a:t>Saídas</a:t>
+            </a:r>
+          </a:p>
+          <a:p>
+            <a:pPr algn="just">
+              <a:buNone/>
+            </a:pPr>
+            <a:endParaRPr lang="pt-BR" sz="2000" b="1" dirty="0">
+              <a:ea typeface="+mn-lt"/>
+              <a:cs typeface="+mn-lt"/>
+            </a:endParaRPr>
+          </a:p>
+          <a:p>
+            <a:pPr algn="just">
+              <a:buNone/>
+            </a:pPr>
+            <a:r>
+              <a:rPr lang="pt-BR" sz="2000" b="1" dirty="0">
+                <a:ea typeface="+mn-lt"/>
+                <a:cs typeface="+mn-lt"/>
+              </a:rPr>
+              <a:t>Procedimento de encerramento de contratos</a:t>
+            </a:r>
+            <a:endParaRPr lang="pt-BR" b="1" dirty="0"/>
+          </a:p>
+          <a:p>
+            <a:pPr algn="just">
+              <a:buNone/>
+            </a:pPr>
+            <a:endParaRPr lang="pt-BR" sz="2000" dirty="0">
+              <a:ea typeface="+mn-lt"/>
+              <a:cs typeface="+mn-lt"/>
+            </a:endParaRPr>
+          </a:p>
+          <a:p>
+            <a:pPr algn="just">
               <a:buNone/>
             </a:pPr>
             <a:r>
@@ -19427,7 +19588,7 @@
                 <a:ea typeface="+mn-lt"/>
                 <a:cs typeface="+mn-lt"/>
               </a:rPr>
-              <a:t>Saídas</a:t>
+              <a:t>Metodologia passo a passo que aborda os termos e condições dos contratos e quaisquer critérios de saída ou de término necessários para o encerramento do contrato.</a:t>
             </a:r>
             <a:endParaRPr lang="pt-BR" dirty="0">
               <a:ea typeface="+mn-lt"/>
@@ -19435,7 +19596,7 @@
             </a:endParaRPr>
           </a:p>
           <a:p>
-            <a:pPr>
+            <a:pPr algn="just">
               <a:buNone/>
             </a:pPr>
             <a:r>
@@ -19443,41 +19604,12 @@
                 <a:ea typeface="+mn-lt"/>
                 <a:cs typeface="+mn-lt"/>
               </a:rPr>
-              <a:t>Procedimento de encerramento de contratos</a:t>
+              <a:t>Descreve todas as atividades e responsabilidades relacionadas dos membros da equipe do projeto, clientes e outras partes interessadas envolvidos no processo de encerramento de contratos.</a:t>
             </a:r>
             <a:endParaRPr lang="pt-BR" dirty="0"/>
           </a:p>
           <a:p>
-            <a:pPr>
-              <a:buNone/>
-            </a:pPr>
-            <a:r>
-              <a:rPr lang="pt-BR" sz="2000" dirty="0">
-                <a:ea typeface="+mn-lt"/>
-                <a:cs typeface="+mn-lt"/>
-              </a:rPr>
-              <a:t>Metodologia passo a passo que aborda os termos e condições dos contratos e quaisquer critérios de saída ou de término necessários para o encerramento do contrato.</a:t>
-            </a:r>
-            <a:endParaRPr lang="pt-BR" dirty="0">
-              <a:ea typeface="+mn-lt"/>
-              <a:cs typeface="+mn-lt"/>
-            </a:endParaRPr>
-          </a:p>
-          <a:p>
-            <a:pPr>
-              <a:buNone/>
-            </a:pPr>
-            <a:r>
-              <a:rPr lang="pt-BR" sz="2000" dirty="0">
-                <a:ea typeface="+mn-lt"/>
-                <a:cs typeface="+mn-lt"/>
-              </a:rPr>
-              <a:t>Descreve todas as atividades e responsabilidades relacionadas dos membros da equipe do projeto, clientes e outras partes interessadas envolvidos no processo de encerramento de contratos.</a:t>
-            </a:r>
-            <a:endParaRPr lang="pt-BR" dirty="0"/>
-          </a:p>
-          <a:p>
-            <a:pPr>
+            <a:pPr algn="just">
               <a:buNone/>
             </a:pPr>
             <a:r>
@@ -19809,8 +19941,8 @@
         </p:nvSpPr>
         <p:spPr>
           <a:xfrm>
-            <a:off x="657844" y="1610453"/>
-            <a:ext cx="10890689" cy="4566510"/>
+            <a:off x="1577995" y="1452302"/>
+            <a:ext cx="10186199" cy="4566510"/>
           </a:xfrm>
         </p:spPr>
         <p:txBody>
@@ -19819,65 +19951,88 @@
           </a:bodyPr>
           <a:lstStyle/>
           <a:p>
-            <a:pPr>
-              <a:buNone/>
-            </a:pPr>
-            <a:r>
-              <a:rPr lang="pt-BR" sz="2000" dirty="0">
+            <a:pPr algn="just">
+              <a:buNone/>
+            </a:pPr>
+            <a:r>
+              <a:rPr lang="pt-BR" sz="2000" b="1" dirty="0">
                 <a:ea typeface="+mn-lt"/>
                 <a:cs typeface="+mn-lt"/>
               </a:rPr>
               <a:t>Documentação da aceitação formal.</a:t>
             </a:r>
-            <a:endParaRPr lang="pt-BR" dirty="0"/>
-          </a:p>
-          <a:p>
-            <a:pPr>
-              <a:buNone/>
-            </a:pPr>
-            <a:r>
-              <a:rPr lang="pt-BR" sz="2000" dirty="0">
+            <a:endParaRPr lang="pt-BR" sz="2000" b="1" dirty="0"/>
+          </a:p>
+          <a:p>
+            <a:pPr algn="just">
+              <a:buNone/>
+            </a:pPr>
+            <a:endParaRPr lang="pt-BR" sz="2000" b="1" dirty="0">
+              <a:ea typeface="+mn-lt"/>
+              <a:cs typeface="+mn-lt"/>
+            </a:endParaRPr>
+          </a:p>
+          <a:p>
+            <a:pPr algn="just">
+              <a:buNone/>
+            </a:pPr>
+            <a:r>
+              <a:rPr lang="pt-BR" sz="2000" b="1" dirty="0">
                 <a:ea typeface="+mn-lt"/>
                 <a:cs typeface="+mn-lt"/>
               </a:rPr>
               <a:t>Arquivos do projeto.</a:t>
             </a:r>
-            <a:endParaRPr lang="pt-BR" dirty="0"/>
-          </a:p>
-          <a:p>
-            <a:pPr>
-              <a:buNone/>
-            </a:pPr>
-            <a:r>
-              <a:rPr lang="pt-BR" sz="2000" dirty="0">
+            <a:endParaRPr lang="pt-BR" sz="2000" b="1" dirty="0"/>
+          </a:p>
+          <a:p>
+            <a:pPr algn="just">
+              <a:buNone/>
+            </a:pPr>
+            <a:endParaRPr lang="pt-BR" sz="2000" b="1" dirty="0">
+              <a:ea typeface="+mn-lt"/>
+              <a:cs typeface="+mn-lt"/>
+            </a:endParaRPr>
+          </a:p>
+          <a:p>
+            <a:pPr algn="just">
+              <a:buNone/>
+            </a:pPr>
+            <a:r>
+              <a:rPr lang="pt-BR" sz="2000" b="1" dirty="0">
                 <a:ea typeface="+mn-lt"/>
                 <a:cs typeface="+mn-lt"/>
               </a:rPr>
               <a:t>Documentos de encerramento do projeto.</a:t>
             </a:r>
-            <a:endParaRPr lang="pt-BR" dirty="0">
-              <a:ea typeface="+mn-lt"/>
-              <a:cs typeface="+mn-lt"/>
-            </a:endParaRPr>
-          </a:p>
-          <a:p>
-            <a:pPr>
-              <a:buNone/>
-            </a:pPr>
-            <a:r>
-              <a:rPr lang="pt-BR" sz="2000" dirty="0">
+          </a:p>
+          <a:p>
+            <a:pPr algn="just">
+              <a:buNone/>
+            </a:pPr>
+            <a:endParaRPr lang="pt-BR" sz="2000" b="1" dirty="0">
+              <a:ea typeface="+mn-lt"/>
+              <a:cs typeface="+mn-lt"/>
+            </a:endParaRPr>
+          </a:p>
+          <a:p>
+            <a:pPr algn="just">
+              <a:buNone/>
+            </a:pPr>
+            <a:r>
+              <a:rPr lang="pt-BR" sz="2000" b="1" dirty="0">
                 <a:ea typeface="+mn-lt"/>
                 <a:cs typeface="+mn-lt"/>
               </a:rPr>
               <a:t>Informações históricas.</a:t>
             </a:r>
-            <a:endParaRPr lang="pt-BR" dirty="0">
-              <a:ea typeface="+mn-lt"/>
-              <a:cs typeface="+mn-lt"/>
-            </a:endParaRPr>
-          </a:p>
-          <a:p>
-            <a:pPr>
+            <a:endParaRPr lang="pt-BR" b="1" dirty="0">
+              <a:ea typeface="+mn-lt"/>
+              <a:cs typeface="+mn-lt"/>
+            </a:endParaRPr>
+          </a:p>
+          <a:p>
+            <a:pPr algn="just">
               <a:buNone/>
             </a:pPr>
             <a:r>

--- a/RELATORIO PROVA P2/relatorio-pmbok-capitulo4-jharbes.pptx
+++ b/RELATORIO PROVA P2/relatorio-pmbok-capitulo4-jharbes.pptx
@@ -169,6 +169,7 @@
     <p1510:client id="{2F299B45-CC8A-1219-20CB-522822A89C56}" v="67" dt="2022-12-03T13:46:21.082"/>
     <p1510:client id="{445C622E-FE4C-4368-6663-20D04795CCE3}" v="57" dt="2022-12-03T13:56:31.403"/>
     <p1510:client id="{48F91746-B893-61F0-E2B5-F484DCEDD16B}" v="352" dt="2022-12-03T12:34:12.174"/>
+    <p1510:client id="{52F79420-4585-FDAD-DBB2-C1175334E9C3}" v="18" dt="2022-12-03T16:50:01.085"/>
     <p1510:client id="{6DF8BB07-E164-99B8-51F7-7B16F69F9E2A}" v="59" dt="2022-12-03T16:46:32.727"/>
     <p1510:client id="{89141EF4-D9B1-448E-BF85-A061974F4635}" v="40" dt="2022-11-30T16:19:30.454"/>
     <p1510:client id="{AAE71220-A1A8-A349-D335-1D78B8499119}" v="13" dt="2022-12-03T12:10:22.569"/>
@@ -6600,7 +6601,7 @@
               <a:buNone/>
             </a:pPr>
             <a:r>
-              <a:rPr lang="pt-BR" sz="2000" b="1" dirty="0">
+              <a:rPr lang="pt-BR" b="1" dirty="0">
                 <a:ea typeface="+mn-lt"/>
                 <a:cs typeface="+mn-lt"/>
               </a:rPr>
@@ -9342,23 +9343,12 @@
           <a:lstStyle/>
           <a:p>
             <a:r>
-              <a:rPr lang="pt-BR" sz="3600" b="1">
-                <a:solidFill>
-                  <a:schemeClr val="accent1">
-                    <a:lumMod val="50000"/>
-                  </a:schemeClr>
-                </a:solidFill>
+              <a:rPr lang="pt-BR" sz="3600" b="1" dirty="0">
                 <a:cs typeface="Calibri Light"/>
               </a:rPr>
               <a:t>Processos</a:t>
             </a:r>
-            <a:endParaRPr lang="pt-BR" sz="3600" b="1">
-              <a:solidFill>
-                <a:schemeClr val="accent1">
-                  <a:lumMod val="50000"/>
-                </a:schemeClr>
-              </a:solidFill>
-            </a:endParaRPr>
+            <a:endParaRPr lang="pt-BR" sz="3600" b="1" dirty="0"/>
           </a:p>
         </p:txBody>
       </p:sp>
@@ -9394,7 +9384,7 @@
               <a:buAutoNum type="arabicPeriod"/>
             </a:pPr>
             <a:r>
-              <a:rPr lang="pt-BR" sz="2000" dirty="0">
+              <a:rPr lang="pt-BR" dirty="0">
                 <a:cs typeface="Calibri" panose="020F0502020204030204"/>
               </a:rPr>
               <a:t>Desenvolver o Plano do Projeto ou Termo de Abertura (Project Charter)</a:t>
@@ -9405,7 +9395,7 @@
               <a:buAutoNum type="arabicPeriod"/>
             </a:pPr>
             <a:r>
-              <a:rPr lang="pt-BR" sz="2000" dirty="0">
+              <a:rPr lang="pt-BR" dirty="0">
                 <a:cs typeface="Calibri" panose="020F0502020204030204"/>
               </a:rPr>
               <a:t>Desenvolver o Plano de Gerenciamento do Projeto.</a:t>
@@ -9416,7 +9406,7 @@
               <a:buAutoNum type="arabicPeriod"/>
             </a:pPr>
             <a:r>
-              <a:rPr lang="pt-BR" sz="2000" dirty="0">
+              <a:rPr lang="pt-BR" dirty="0">
                 <a:cs typeface="Calibri" panose="020F0502020204030204"/>
               </a:rPr>
               <a:t>Orientar e Gerenciar o trabalho no projeto.</a:t>
@@ -9427,7 +9417,7 @@
               <a:buAutoNum type="arabicPeriod"/>
             </a:pPr>
             <a:r>
-              <a:rPr lang="pt-BR" sz="2000" dirty="0">
+              <a:rPr lang="pt-BR" dirty="0">
                 <a:cs typeface="Calibri" panose="020F0502020204030204"/>
               </a:rPr>
               <a:t>Monitorar e Controlar o trabalho no projeto</a:t>
@@ -9438,7 +9428,7 @@
               <a:buAutoNum type="arabicPeriod"/>
             </a:pPr>
             <a:r>
-              <a:rPr lang="pt-BR" sz="2000" dirty="0">
+              <a:rPr lang="pt-BR" dirty="0">
                 <a:cs typeface="Calibri" panose="020F0502020204030204"/>
               </a:rPr>
               <a:t>Manter o controle integrado das mudanças</a:t>
@@ -9449,7 +9439,7 @@
               <a:buAutoNum type="arabicPeriod"/>
             </a:pPr>
             <a:r>
-              <a:rPr lang="pt-BR" sz="2000" dirty="0">
+              <a:rPr lang="pt-BR" dirty="0">
                 <a:cs typeface="Calibri" panose="020F0502020204030204"/>
               </a:rPr>
               <a:t>Fechar uma fase ou o projeto.</a:t>
@@ -16498,13 +16488,13 @@
               <a:buNone/>
             </a:pPr>
             <a:r>
-              <a:rPr lang="pt-BR" sz="2000" dirty="0">
+              <a:rPr lang="pt-BR" b="1" dirty="0">
                 <a:ea typeface="+mn-lt"/>
                 <a:cs typeface="+mn-lt"/>
               </a:rPr>
               <a:t>Entradas.</a:t>
             </a:r>
-            <a:endParaRPr lang="pt-BR" sz="2000" dirty="0">
+            <a:endParaRPr lang="pt-BR" b="1" dirty="0">
               <a:solidFill>
                 <a:srgbClr val="000000"/>
               </a:solidFill>
@@ -16516,8 +16506,17 @@
             <a:pPr marL="0" indent="0">
               <a:buNone/>
             </a:pPr>
-            <a:r>
-              <a:rPr lang="pt-BR" sz="2000" b="1" dirty="0">
+            <a:endParaRPr lang="pt-BR" b="1" dirty="0">
+              <a:ea typeface="+mn-lt"/>
+              <a:cs typeface="+mn-lt"/>
+            </a:endParaRPr>
+          </a:p>
+          <a:p>
+            <a:pPr marL="0" indent="0">
+              <a:buNone/>
+            </a:pPr>
+            <a:r>
+              <a:rPr lang="pt-BR" b="1" dirty="0">
                 <a:ea typeface="+mn-lt"/>
                 <a:cs typeface="+mn-lt"/>
               </a:rPr>
@@ -16636,7 +16635,7 @@
                 <a:srgbClr val="1287C3"/>
               </a:buClr>
             </a:pPr>
-            <a:endParaRPr lang="pt-BR" sz="2000" dirty="0">
+            <a:endParaRPr lang="pt-BR" dirty="0">
               <a:ea typeface="+mn-lt"/>
               <a:cs typeface="+mn-lt"/>
             </a:endParaRPr>
@@ -16646,7 +16645,7 @@
               <a:buNone/>
             </a:pPr>
             <a:r>
-              <a:rPr lang="pt-BR" sz="2000" b="1" dirty="0">
+              <a:rPr lang="pt-BR" b="1" dirty="0">
                 <a:ea typeface="+mn-lt"/>
                 <a:cs typeface="+mn-lt"/>
               </a:rPr>
@@ -20387,23 +20386,19 @@
               <a:buNone/>
             </a:pPr>
             <a:r>
-              <a:rPr lang="pt-BR" sz="2000" b="1" dirty="0">
+              <a:rPr lang="pt-BR" b="1" dirty="0">
                 <a:ea typeface="+mn-lt"/>
                 <a:cs typeface="+mn-lt"/>
               </a:rPr>
               <a:t>Entradas.</a:t>
             </a:r>
-            <a:endParaRPr lang="pt-BR" b="1" dirty="0">
-              <a:ea typeface="+mn-lt"/>
-              <a:cs typeface="+mn-lt"/>
-            </a:endParaRPr>
-          </a:p>
-          <a:p>
-            <a:pPr>
-              <a:buNone/>
-            </a:pPr>
-            <a:r>
-              <a:rPr lang="pt-BR" sz="2000" b="1" dirty="0">
+          </a:p>
+          <a:p>
+            <a:pPr>
+              <a:buNone/>
+            </a:pPr>
+            <a:r>
+              <a:rPr lang="pt-BR" b="1" dirty="0">
                 <a:ea typeface="+mn-lt"/>
                 <a:cs typeface="+mn-lt"/>
               </a:rPr>
@@ -20416,7 +20411,7 @@
               <a:buNone/>
             </a:pPr>
             <a:r>
-              <a:rPr lang="pt-BR" sz="2000" b="1" dirty="0">
+              <a:rPr lang="pt-BR" b="1" dirty="0">
                 <a:ea typeface="+mn-lt"/>
                 <a:cs typeface="+mn-lt"/>
               </a:rPr>
@@ -20445,7 +20440,7 @@
               <a:buNone/>
             </a:pPr>
             <a:r>
-              <a:rPr lang="pt-BR" sz="2000" b="1" dirty="0">
+              <a:rPr lang="pt-BR" b="1" dirty="0">
                 <a:ea typeface="+mn-lt"/>
                 <a:cs typeface="+mn-lt"/>
               </a:rPr>
@@ -20610,16 +20605,12 @@
           <a:p>
             <a:pPr algn="just"/>
             <a:r>
-              <a:rPr lang="pt-BR" sz="2000" dirty="0">
+              <a:rPr lang="pt-BR" dirty="0">
                 <a:ea typeface="+mn-lt"/>
                 <a:cs typeface="+mn-lt"/>
               </a:rPr>
               <a:t>A declaração de trabalho é uma descrição narrativa dos produtos, serviços ou resultados esperados para o tratamento de algum problema ou necessidade.</a:t>
             </a:r>
-            <a:endParaRPr lang="pt-BR" dirty="0">
-              <a:ea typeface="+mn-lt"/>
-              <a:cs typeface="+mn-lt"/>
-            </a:endParaRPr>
           </a:p>
           <a:p>
             <a:pPr>
@@ -20627,23 +20618,19 @@
                 <a:srgbClr val="1287C3"/>
               </a:buClr>
             </a:pPr>
-            <a:endParaRPr lang="pt-BR" sz="2000" dirty="0">
-              <a:ea typeface="+mn-lt"/>
-              <a:cs typeface="+mn-lt"/>
-            </a:endParaRPr>
-          </a:p>
-          <a:p>
-            <a:r>
-              <a:rPr lang="pt-BR" sz="2000" dirty="0">
+            <a:endParaRPr lang="pt-BR" dirty="0">
+              <a:ea typeface="+mn-lt"/>
+              <a:cs typeface="+mn-lt"/>
+            </a:endParaRPr>
+          </a:p>
+          <a:p>
+            <a:r>
+              <a:rPr lang="pt-BR" dirty="0">
                 <a:ea typeface="+mn-lt"/>
                 <a:cs typeface="+mn-lt"/>
               </a:rPr>
               <a:t>Em projetos internos, o solicitante provê os requisitos.</a:t>
             </a:r>
-            <a:endParaRPr lang="pt-BR" dirty="0">
-              <a:ea typeface="+mn-lt"/>
-              <a:cs typeface="+mn-lt"/>
-            </a:endParaRPr>
           </a:p>
           <a:p>
             <a:pPr>
@@ -20651,23 +20638,19 @@
                 <a:srgbClr val="1287C3"/>
               </a:buClr>
             </a:pPr>
-            <a:endParaRPr lang="pt-BR" sz="2000" dirty="0">
-              <a:ea typeface="+mn-lt"/>
-              <a:cs typeface="+mn-lt"/>
-            </a:endParaRPr>
-          </a:p>
-          <a:p>
-            <a:r>
-              <a:rPr lang="pt-BR" sz="2000" dirty="0">
+            <a:endParaRPr lang="pt-BR" dirty="0">
+              <a:ea typeface="+mn-lt"/>
+              <a:cs typeface="+mn-lt"/>
+            </a:endParaRPr>
+          </a:p>
+          <a:p>
+            <a:r>
+              <a:rPr lang="pt-BR" dirty="0">
                 <a:ea typeface="+mn-lt"/>
                 <a:cs typeface="+mn-lt"/>
               </a:rPr>
               <a:t>Para externos, pode ser uma licitação, um convite, parte de um contrato ou resultado de algum levantamento junto a cliente.</a:t>
             </a:r>
-            <a:endParaRPr lang="pt-BR" dirty="0">
-              <a:ea typeface="+mn-lt"/>
-              <a:cs typeface="+mn-lt"/>
-            </a:endParaRPr>
           </a:p>
           <a:p>
             <a:pPr>
@@ -20802,13 +20785,25 @@
           <a:lstStyle/>
           <a:p>
             <a:r>
-              <a:rPr lang="pt-BR" sz="2000" dirty="0">
+              <a:rPr lang="pt-BR" b="1" dirty="0">
                 <a:ea typeface="+mn-lt"/>
                 <a:cs typeface="+mn-lt"/>
               </a:rPr>
               <a:t>A declaração de trabalho deve conter pelo menos:</a:t>
             </a:r>
-            <a:endParaRPr lang="pt-BR" dirty="0"/>
+            <a:endParaRPr lang="pt-BR" b="1" dirty="0"/>
+          </a:p>
+          <a:p>
+            <a:pPr marL="0" indent="0">
+              <a:buClr>
+                <a:srgbClr val="1287C3"/>
+              </a:buClr>
+              <a:buNone/>
+            </a:pPr>
+            <a:endParaRPr lang="pt-BR" sz="2000" dirty="0">
+              <a:ea typeface="+mn-lt"/>
+              <a:cs typeface="+mn-lt"/>
+            </a:endParaRPr>
           </a:p>
           <a:p>
             <a:pPr algn="just">
@@ -21004,7 +20999,7 @@
         </p:spPr>
         <p:txBody>
           <a:bodyPr vert="horz" lIns="91440" tIns="45720" rIns="91440" bIns="45720" rtlCol="0" anchor="t">
-            <a:normAutofit lnSpcReduction="10000"/>
+            <a:normAutofit fontScale="92500" lnSpcReduction="10000"/>
           </a:bodyPr>
           <a:lstStyle/>
           <a:p>
@@ -21012,7 +21007,7 @@
               <a:buNone/>
             </a:pPr>
             <a:r>
-              <a:rPr lang="pt-BR" sz="2000" b="1" dirty="0">
+              <a:rPr lang="pt-BR" b="1" dirty="0">
                 <a:ea typeface="+mn-lt"/>
                 <a:cs typeface="+mn-lt"/>
               </a:rPr>
@@ -21058,7 +21053,7 @@
               <a:buNone/>
             </a:pPr>
             <a:r>
-              <a:rPr lang="pt-BR" sz="2000" b="1" dirty="0">
+              <a:rPr lang="pt-BR" b="1" dirty="0">
                 <a:ea typeface="+mn-lt"/>
                 <a:cs typeface="+mn-lt"/>
               </a:rPr>
@@ -21291,7 +21286,7 @@
               <a:buNone/>
             </a:pPr>
             <a:r>
-              <a:rPr lang="pt-BR" sz="2000" b="1" dirty="0">
+              <a:rPr lang="pt-BR" b="1" dirty="0">
                 <a:ea typeface="+mn-lt"/>
                 <a:cs typeface="+mn-lt"/>
               </a:rPr>

--- a/RELATORIO PROVA P2/relatorio-pmbok-capitulo4-jharbes.pptx
+++ b/RELATORIO PROVA P2/relatorio-pmbok-capitulo4-jharbes.pptx
@@ -172,6 +172,7 @@
     <p1510:client id="{52F79420-4585-FDAD-DBB2-C1175334E9C3}" v="18" dt="2022-12-03T16:50:01.085"/>
     <p1510:client id="{6DF8BB07-E164-99B8-51F7-7B16F69F9E2A}" v="59" dt="2022-12-03T16:46:32.727"/>
     <p1510:client id="{89141EF4-D9B1-448E-BF85-A061974F4635}" v="40" dt="2022-11-30T16:19:30.454"/>
+    <p1510:client id="{A5D4054E-B8AF-2810-A7A4-D08347667F85}" v="23" dt="2022-12-03T16:55:12.484"/>
     <p1510:client id="{AAE71220-A1A8-A349-D335-1D78B8499119}" v="13" dt="2022-12-03T12:10:22.569"/>
     <p1510:client id="{B57F4EAB-52FE-8C54-B7C3-F9A802D0DD07}" v="70" dt="2022-12-03T15:24:17.563"/>
     <p1510:client id="{EC2252B6-C980-9952-21E4-6CF31577FECE}" v="63" dt="2022-12-03T15:57:56.140"/>
@@ -6817,19 +6818,19 @@
               <a:buNone/>
             </a:pPr>
             <a:r>
-              <a:rPr lang="pt-BR" sz="2000" dirty="0">
+              <a:rPr lang="pt-BR" b="1" dirty="0">
                 <a:ea typeface="+mn-lt"/>
                 <a:cs typeface="+mn-lt"/>
               </a:rPr>
               <a:t>Os ativos de processos organizacionais poderiam ser agrupados em duas categorias:</a:t>
             </a:r>
-            <a:endParaRPr lang="pt-BR" dirty="0"/>
+            <a:endParaRPr lang="pt-BR" b="1"/>
           </a:p>
           <a:p>
             <a:pPr algn="just">
               <a:buNone/>
             </a:pPr>
-            <a:endParaRPr lang="pt-BR" sz="2000" dirty="0">
+            <a:endParaRPr lang="pt-BR" b="1" dirty="0">
               <a:ea typeface="+mn-lt"/>
               <a:cs typeface="+mn-lt"/>
             </a:endParaRPr>
@@ -6839,14 +6840,14 @@
               <a:buNone/>
             </a:pPr>
             <a:r>
-              <a:rPr lang="pt-BR" sz="2000" dirty="0">
+              <a:rPr lang="pt-BR" b="1" dirty="0">
                 <a:ea typeface="+mn-lt"/>
                 <a:cs typeface="+mn-lt"/>
               </a:rPr>
               <a:t>1ª) Procedimentos da organização para </a:t>
             </a:r>
             <a:r>
-              <a:rPr lang="pt-BR" sz="2000" b="1" dirty="0">
+              <a:rPr lang="pt-BR" b="1" dirty="0">
                 <a:solidFill>
                   <a:srgbClr val="0070C0"/>
                 </a:solidFill>
@@ -6856,13 +6857,13 @@
               <a:t>realizar</a:t>
             </a:r>
             <a:r>
-              <a:rPr lang="pt-BR" sz="2000" dirty="0">
+              <a:rPr lang="pt-BR" b="1" dirty="0">
                 <a:ea typeface="+mn-lt"/>
                 <a:cs typeface="+mn-lt"/>
               </a:rPr>
               <a:t> o trabalho:</a:t>
             </a:r>
-            <a:endParaRPr lang="pt-BR" dirty="0"/>
+            <a:endParaRPr lang="pt-BR" b="1"/>
           </a:p>
           <a:p>
             <a:pPr algn="just">
@@ -7072,14 +7073,14 @@
               <a:buNone/>
             </a:pPr>
             <a:r>
-              <a:rPr lang="pt-BR" sz="2000" dirty="0">
-                <a:ea typeface="+mn-lt"/>
-                <a:cs typeface="+mn-lt"/>
-              </a:rPr>
-              <a:t>1ª) mais procedimentos da organização para </a:t>
-            </a:r>
-            <a:r>
-              <a:rPr lang="pt-BR" sz="2000" b="1" dirty="0">
+              <a:rPr lang="pt-BR" b="1" dirty="0">
+                <a:ea typeface="+mn-lt"/>
+                <a:cs typeface="+mn-lt"/>
+              </a:rPr>
+              <a:t>1ª) Mais procedimentos da organização para </a:t>
+            </a:r>
+            <a:r>
+              <a:rPr lang="pt-BR" b="1" dirty="0">
                 <a:solidFill>
                   <a:srgbClr val="0070C0"/>
                 </a:solidFill>
@@ -7089,16 +7090,12 @@
               <a:t>realizar</a:t>
             </a:r>
             <a:r>
-              <a:rPr lang="pt-BR" sz="2000" dirty="0">
+              <a:rPr lang="pt-BR" b="1" dirty="0">
                 <a:ea typeface="+mn-lt"/>
                 <a:cs typeface="+mn-lt"/>
               </a:rPr>
               <a:t> o trabalho:</a:t>
             </a:r>
-            <a:endParaRPr lang="pt-BR" dirty="0">
-              <a:ea typeface="+mn-lt"/>
-              <a:cs typeface="+mn-lt"/>
-            </a:endParaRPr>
           </a:p>
           <a:p>
             <a:pPr algn="just">
@@ -7338,14 +7335,14 @@
               <a:buNone/>
             </a:pPr>
             <a:r>
-              <a:rPr lang="pt-BR" sz="2000" dirty="0">
+              <a:rPr lang="pt-BR" b="1" dirty="0">
                 <a:ea typeface="+mn-lt"/>
                 <a:cs typeface="+mn-lt"/>
               </a:rPr>
               <a:t>1ª) Ainda mais procedimentos da organização para</a:t>
             </a:r>
             <a:r>
-              <a:rPr lang="pt-BR" sz="2000" b="1" dirty="0">
+              <a:rPr lang="pt-BR" b="1" dirty="0">
                 <a:solidFill>
                   <a:srgbClr val="00B0F0"/>
                 </a:solidFill>
@@ -7355,7 +7352,7 @@
               <a:t> </a:t>
             </a:r>
             <a:r>
-              <a:rPr lang="pt-BR" sz="2000" b="1" dirty="0">
+              <a:rPr lang="pt-BR" b="1" dirty="0">
                 <a:solidFill>
                   <a:srgbClr val="0070C0"/>
                 </a:solidFill>
@@ -7365,16 +7362,12 @@
               <a:t>realizar </a:t>
             </a:r>
             <a:r>
-              <a:rPr lang="pt-BR" sz="2000" dirty="0">
+              <a:rPr lang="pt-BR" b="1" dirty="0">
                 <a:ea typeface="+mn-lt"/>
                 <a:cs typeface="+mn-lt"/>
               </a:rPr>
               <a:t>o trabalho:</a:t>
             </a:r>
-            <a:endParaRPr lang="pt-BR" dirty="0">
-              <a:ea typeface="+mn-lt"/>
-              <a:cs typeface="+mn-lt"/>
-            </a:endParaRPr>
           </a:p>
           <a:p>
             <a:pPr algn="just">
@@ -7628,14 +7621,14 @@
               <a:buNone/>
             </a:pPr>
             <a:r>
-              <a:rPr lang="pt-BR" sz="2000" dirty="0">
-                <a:ea typeface="+mn-lt"/>
-                <a:cs typeface="+mn-lt"/>
-              </a:rPr>
-              <a:t>1ª) último - procedimentos da organização para </a:t>
-            </a:r>
-            <a:r>
-              <a:rPr lang="pt-BR" sz="2000" b="1" dirty="0">
+              <a:rPr lang="pt-BR" b="1" dirty="0">
+                <a:ea typeface="+mn-lt"/>
+                <a:cs typeface="+mn-lt"/>
+              </a:rPr>
+              <a:t>1ª) Último - procedimentos da organização para </a:t>
+            </a:r>
+            <a:r>
+              <a:rPr lang="pt-BR" b="1" dirty="0">
                 <a:solidFill>
                   <a:srgbClr val="0070C0"/>
                 </a:solidFill>
@@ -7645,13 +7638,13 @@
               <a:t>realizar</a:t>
             </a:r>
             <a:r>
-              <a:rPr lang="pt-BR" sz="2000" dirty="0">
+              <a:rPr lang="pt-BR" b="1" dirty="0">
                 <a:ea typeface="+mn-lt"/>
                 <a:cs typeface="+mn-lt"/>
               </a:rPr>
               <a:t> o trabalho:</a:t>
             </a:r>
-            <a:endParaRPr lang="pt-BR" dirty="0">
+            <a:endParaRPr lang="pt-BR" b="1">
               <a:ea typeface="+mn-lt"/>
               <a:cs typeface="+mn-lt"/>
             </a:endParaRPr>
@@ -7891,7 +7884,7 @@
         </p:spPr>
         <p:txBody>
           <a:bodyPr vert="horz" lIns="91440" tIns="45720" rIns="91440" bIns="45720" rtlCol="0" anchor="t">
-            <a:normAutofit/>
+            <a:normAutofit fontScale="92500"/>
           </a:bodyPr>
           <a:lstStyle/>
           <a:p>
@@ -7899,7 +7892,7 @@
               <a:buNone/>
             </a:pPr>
             <a:r>
-              <a:rPr lang="pt-BR" sz="2000" b="1" dirty="0">
+              <a:rPr lang="pt-BR" b="1" dirty="0">
                 <a:ea typeface="+mn-lt"/>
                 <a:cs typeface="+mn-lt"/>
               </a:rPr>
@@ -7912,14 +7905,14 @@
               <a:buNone/>
             </a:pPr>
             <a:r>
-              <a:rPr lang="pt-BR" sz="2000" b="1" dirty="0">
+              <a:rPr lang="pt-BR" b="1" dirty="0">
                 <a:ea typeface="+mn-lt"/>
                 <a:cs typeface="+mn-lt"/>
               </a:rPr>
               <a:t>2ª) Base de </a:t>
             </a:r>
             <a:r>
-              <a:rPr lang="pt-BR" sz="2000" b="1" dirty="0">
+              <a:rPr lang="pt-BR" b="1" dirty="0">
                 <a:solidFill>
                   <a:srgbClr val="0070C0"/>
                 </a:solidFill>
@@ -7929,14 +7922,14 @@
               <a:t>conhecimento corporativo</a:t>
             </a:r>
             <a:r>
-              <a:rPr lang="pt-BR" sz="2000" b="1" dirty="0">
+              <a:rPr lang="pt-BR" b="1" dirty="0">
                 <a:ea typeface="+mn-lt"/>
                 <a:cs typeface="+mn-lt"/>
               </a:rPr>
               <a:t> para </a:t>
             </a:r>
             <a:r>
-              <a:rPr lang="pt-BR" sz="2000" b="1" dirty="0">
+              <a:rPr lang="pt-BR" b="1" dirty="0">
                 <a:solidFill>
                   <a:srgbClr val="0070C0"/>
                 </a:solidFill>
@@ -7946,16 +7939,12 @@
               <a:t>armazenar e recuperar</a:t>
             </a:r>
             <a:r>
-              <a:rPr lang="pt-BR" sz="2000" b="1" dirty="0">
+              <a:rPr lang="pt-BR" b="1" dirty="0">
                 <a:ea typeface="+mn-lt"/>
                 <a:cs typeface="+mn-lt"/>
               </a:rPr>
               <a:t> informações:</a:t>
             </a:r>
-            <a:endParaRPr lang="pt-BR" b="1" dirty="0">
-              <a:ea typeface="+mn-lt"/>
-              <a:cs typeface="+mn-lt"/>
-            </a:endParaRPr>
           </a:p>
           <a:p>
             <a:pPr algn="just">
@@ -8233,7 +8222,7 @@
               <a:buNone/>
             </a:pPr>
             <a:r>
-              <a:rPr lang="pt-BR" sz="2000" b="1" dirty="0">
+              <a:rPr lang="pt-BR" b="1" dirty="0">
                 <a:solidFill>
                   <a:srgbClr val="0070C0"/>
                 </a:solidFill>
@@ -8507,7 +8496,7 @@
               <a:buNone/>
             </a:pPr>
             <a:r>
-              <a:rPr lang="pt-BR" sz="2000" b="1" dirty="0">
+              <a:rPr lang="pt-BR" b="1" dirty="0">
                 <a:ea typeface="+mn-lt"/>
                 <a:cs typeface="+mn-lt"/>
               </a:rPr>
@@ -8778,7 +8767,7 @@
               <a:buNone/>
             </a:pPr>
             <a:r>
-              <a:rPr lang="pt-BR" sz="2000" b="1" dirty="0">
+              <a:rPr lang="pt-BR" b="1" dirty="0">
                 <a:ea typeface="+mn-lt"/>
                 <a:cs typeface="+mn-lt"/>
               </a:rPr>
@@ -9092,14 +9081,14 @@
               <a:buNone/>
             </a:pPr>
             <a:r>
-              <a:rPr lang="pt-BR" sz="2000" b="1" dirty="0">
+              <a:rPr lang="pt-BR" b="1" dirty="0">
                 <a:ea typeface="+mn-lt"/>
                 <a:cs typeface="+mn-lt"/>
               </a:rPr>
               <a:t>.1 Termo de abertura do projeto </a:t>
             </a:r>
             <a:r>
-              <a:rPr lang="pt-BR" sz="2000" dirty="0">
+              <a:rPr lang="pt-BR" dirty="0">
                 <a:ea typeface="+mn-lt"/>
                 <a:cs typeface="+mn-lt"/>
               </a:rPr>
@@ -9548,7 +9537,7 @@
         </p:spPr>
         <p:txBody>
           <a:bodyPr vert="horz" lIns="91440" tIns="45720" rIns="91440" bIns="45720" rtlCol="0" anchor="t">
-            <a:normAutofit lnSpcReduction="10000"/>
+            <a:normAutofit fontScale="92500" lnSpcReduction="10000"/>
           </a:bodyPr>
           <a:lstStyle/>
           <a:p>
@@ -9556,11 +9545,11 @@
               <a:buNone/>
             </a:pPr>
             <a:r>
-              <a:rPr lang="pt-BR" sz="2000" b="1" dirty="0">
-                <a:ea typeface="+mn-lt"/>
-                <a:cs typeface="+mn-lt"/>
-              </a:rPr>
-              <a:t>.1 Termo de abertura do projeto TAP</a:t>
+              <a:rPr lang="pt-BR" b="1" dirty="0">
+                <a:ea typeface="+mn-lt"/>
+                <a:cs typeface="+mn-lt"/>
+              </a:rPr>
+              <a:t>.1 Termo de abertura do projeto (TAP)</a:t>
             </a:r>
             <a:endParaRPr lang="pt-BR" dirty="0">
               <a:ea typeface="+mn-lt"/>

--- a/RELATORIO PROVA P2/relatorio-pmbok-capitulo4-jharbes.pptx
+++ b/RELATORIO PROVA P2/relatorio-pmbok-capitulo4-jharbes.pptx
@@ -164,6 +164,7 @@
   <p1510:revLst>
     <p1510:client id="{050E0636-B272-A9D5-2FB9-AFCB5B698113}" v="41" dt="2022-12-03T12:54:24.537"/>
     <p1510:client id="{132CBBF5-BF36-4CB1-E71F-72EFD72BC926}" v="105" dt="2022-12-03T13:11:57.276"/>
+    <p1510:client id="{14323D0F-DA49-70B3-68EE-1FFB10888608}" v="14" dt="2022-12-03T16:58:45.412"/>
     <p1510:client id="{19CB3D38-525F-8D8A-9BB3-D8A67E0DEAB8}" v="88" dt="2022-12-03T16:28:34.288"/>
     <p1510:client id="{2277FDD7-98D3-9D18-3EC7-497513D9D173}" v="44" dt="2022-12-03T15:14:36.785"/>
     <p1510:client id="{2F299B45-CC8A-1219-20CB-522822A89C56}" v="67" dt="2022-12-03T13:46:21.082"/>
@@ -9921,19 +9922,19 @@
               <a:buNone/>
             </a:pPr>
             <a:r>
-              <a:rPr lang="pt-BR" sz="2000" dirty="0">
+              <a:rPr lang="pt-BR" dirty="0">
                 <a:ea typeface="+mn-lt"/>
                 <a:cs typeface="+mn-lt"/>
               </a:rPr>
               <a:t>O plano de gerenciamento do projeto define como o projeto é executado, monitorado, controlado e encerrado. Coordena todos os demais planos subsidiários.</a:t>
             </a:r>
-            <a:endParaRPr lang="pt-BR" dirty="0"/>
+            <a:endParaRPr lang="pt-BR"/>
           </a:p>
           <a:p>
             <a:pPr algn="just">
               <a:buNone/>
             </a:pPr>
-            <a:endParaRPr lang="pt-BR" sz="2000" dirty="0">
+            <a:endParaRPr lang="pt-BR" dirty="0">
               <a:ea typeface="+mn-lt"/>
               <a:cs typeface="+mn-lt"/>
             </a:endParaRPr>
@@ -9943,19 +9944,19 @@
               <a:buNone/>
             </a:pPr>
             <a:r>
-              <a:rPr lang="pt-BR" sz="2000" dirty="0">
+              <a:rPr lang="pt-BR" dirty="0">
                 <a:ea typeface="+mn-lt"/>
                 <a:cs typeface="+mn-lt"/>
               </a:rPr>
               <a:t>Esse plano documenta o conjunto de saídas dos processos de planejamento.</a:t>
             </a:r>
-            <a:endParaRPr lang="pt-BR" dirty="0"/>
+            <a:endParaRPr lang="pt-BR"/>
           </a:p>
           <a:p>
             <a:pPr algn="just">
               <a:buNone/>
             </a:pPr>
-            <a:endParaRPr lang="pt-BR" sz="2000" dirty="0">
+            <a:endParaRPr lang="pt-BR" dirty="0">
               <a:ea typeface="+mn-lt"/>
               <a:cs typeface="+mn-lt"/>
             </a:endParaRPr>
@@ -9965,14 +9966,14 @@
               <a:buNone/>
             </a:pPr>
             <a:r>
-              <a:rPr lang="pt-BR" sz="2000" dirty="0">
+              <a:rPr lang="pt-BR" dirty="0">
                 <a:ea typeface="+mn-lt"/>
                 <a:cs typeface="+mn-lt"/>
               </a:rPr>
               <a:t>O plano de gerenciamento do projeto pode ser sumarizado ou detalhado, sendo constituído por um ou mais planos auxiliares e outros componentes obtidos das </a:t>
             </a:r>
             <a:r>
-              <a:rPr lang="pt-BR" sz="2000" b="1" dirty="0">
+              <a:rPr lang="pt-BR" b="1" dirty="0">
                 <a:solidFill>
                   <a:srgbClr val="0070C0"/>
                 </a:solidFill>
@@ -9982,16 +9983,12 @@
               <a:t>dez</a:t>
             </a:r>
             <a:r>
-              <a:rPr lang="pt-BR" sz="2000" dirty="0">
+              <a:rPr lang="pt-BR" dirty="0">
                 <a:ea typeface="+mn-lt"/>
                 <a:cs typeface="+mn-lt"/>
               </a:rPr>
               <a:t> áreas de tratamento da gerência de projetos.</a:t>
             </a:r>
-            <a:endParaRPr lang="pt-BR" dirty="0">
-              <a:ea typeface="+mn-lt"/>
-              <a:cs typeface="+mn-lt"/>
-            </a:endParaRPr>
           </a:p>
           <a:p>
             <a:pPr>
@@ -10240,7 +10237,7 @@
               <a:buNone/>
             </a:pPr>
             <a:r>
-              <a:rPr lang="pt-BR" sz="2000" b="1" dirty="0">
+              <a:rPr lang="pt-BR" b="1" dirty="0">
                 <a:ea typeface="+mn-lt"/>
                 <a:cs typeface="+mn-lt"/>
               </a:rPr>
@@ -10255,17 +10252,17 @@
             <a:pPr>
               <a:buNone/>
             </a:pPr>
-            <a:endParaRPr lang="pt-BR" sz="2000" b="1" dirty="0">
-              <a:ea typeface="+mn-lt"/>
-              <a:cs typeface="+mn-lt"/>
-            </a:endParaRPr>
-          </a:p>
-          <a:p>
-            <a:pPr>
-              <a:buNone/>
-            </a:pPr>
-            <a:r>
-              <a:rPr lang="pt-BR" sz="2000" b="1" dirty="0">
+            <a:endParaRPr lang="pt-BR" b="1" dirty="0">
+              <a:ea typeface="+mn-lt"/>
+              <a:cs typeface="+mn-lt"/>
+            </a:endParaRPr>
+          </a:p>
+          <a:p>
+            <a:pPr>
+              <a:buNone/>
+            </a:pPr>
+            <a:r>
+              <a:rPr lang="pt-BR" b="1" dirty="0">
                 <a:ea typeface="+mn-lt"/>
                 <a:cs typeface="+mn-lt"/>
               </a:rPr>
@@ -10281,7 +10278,7 @@
               <a:buNone/>
             </a:pPr>
             <a:r>
-              <a:rPr lang="pt-BR" sz="2000" b="1" dirty="0">
+              <a:rPr lang="pt-BR" b="1" dirty="0">
                 <a:ea typeface="+mn-lt"/>
                 <a:cs typeface="+mn-lt"/>
               </a:rPr>
@@ -10297,7 +10294,7 @@
               <a:buNone/>
             </a:pPr>
             <a:r>
-              <a:rPr lang="pt-BR" sz="2000" b="1" dirty="0">
+              <a:rPr lang="pt-BR" b="1" dirty="0">
                 <a:ea typeface="+mn-lt"/>
                 <a:cs typeface="+mn-lt"/>
               </a:rPr>
@@ -10310,7 +10307,7 @@
               <a:buNone/>
             </a:pPr>
             <a:r>
-              <a:rPr lang="pt-BR" sz="2000" b="1" dirty="0">
+              <a:rPr lang="pt-BR" b="1" dirty="0">
                 <a:ea typeface="+mn-lt"/>
                 <a:cs typeface="+mn-lt"/>
               </a:rPr>
@@ -10580,7 +10577,7 @@
               <a:buNone/>
             </a:pPr>
             <a:r>
-              <a:rPr lang="pt-BR" sz="2000" b="1" dirty="0">
+              <a:rPr lang="pt-BR" b="1" dirty="0">
                 <a:ea typeface="+mn-lt"/>
                 <a:cs typeface="+mn-lt"/>
               </a:rPr>
@@ -10595,17 +10592,17 @@
             <a:pPr>
               <a:buNone/>
             </a:pPr>
-            <a:endParaRPr lang="pt-BR" sz="2000" b="1" dirty="0">
-              <a:ea typeface="+mn-lt"/>
-              <a:cs typeface="+mn-lt"/>
-            </a:endParaRPr>
-          </a:p>
-          <a:p>
-            <a:pPr>
-              <a:buNone/>
-            </a:pPr>
-            <a:r>
-              <a:rPr lang="pt-BR" sz="2000" b="1" dirty="0">
+            <a:endParaRPr lang="pt-BR" b="1" dirty="0">
+              <a:ea typeface="+mn-lt"/>
+              <a:cs typeface="+mn-lt"/>
+            </a:endParaRPr>
+          </a:p>
+          <a:p>
+            <a:pPr>
+              <a:buNone/>
+            </a:pPr>
+            <a:r>
+              <a:rPr lang="pt-BR" b="1" dirty="0">
                 <a:ea typeface="+mn-lt"/>
                 <a:cs typeface="+mn-lt"/>
               </a:rPr>
@@ -10621,7 +10618,7 @@
               <a:buNone/>
             </a:pPr>
             <a:r>
-              <a:rPr lang="pt-BR" sz="2000" b="1" dirty="0">
+              <a:rPr lang="pt-BR" b="1" dirty="0">
                 <a:ea typeface="+mn-lt"/>
                 <a:cs typeface="+mn-lt"/>
               </a:rPr>
@@ -10885,7 +10882,7 @@
               <a:buNone/>
             </a:pPr>
             <a:r>
-              <a:rPr lang="pt-BR" sz="2000" b="1" dirty="0">
+              <a:rPr lang="pt-BR" b="1" dirty="0">
                 <a:ea typeface="+mn-lt"/>
                 <a:cs typeface="+mn-lt"/>
               </a:rPr>
@@ -10897,17 +10894,17 @@
             <a:pPr>
               <a:buNone/>
             </a:pPr>
-            <a:endParaRPr lang="pt-BR" sz="2000" b="1" dirty="0">
-              <a:ea typeface="+mn-lt"/>
-              <a:cs typeface="+mn-lt"/>
-            </a:endParaRPr>
-          </a:p>
-          <a:p>
-            <a:pPr>
-              <a:buNone/>
-            </a:pPr>
-            <a:r>
-              <a:rPr lang="pt-BR" sz="2000" b="1" dirty="0">
+            <a:endParaRPr lang="pt-BR" b="1" dirty="0">
+              <a:ea typeface="+mn-lt"/>
+              <a:cs typeface="+mn-lt"/>
+            </a:endParaRPr>
+          </a:p>
+          <a:p>
+            <a:pPr>
+              <a:buNone/>
+            </a:pPr>
+            <a:r>
+              <a:rPr lang="pt-BR" b="1" dirty="0">
                 <a:ea typeface="+mn-lt"/>
                 <a:cs typeface="+mn-lt"/>
               </a:rPr>
@@ -11165,19 +11162,19 @@
               <a:buNone/>
             </a:pPr>
             <a:r>
-              <a:rPr lang="pt-BR" sz="2000" dirty="0">
+              <a:rPr lang="pt-BR" dirty="0">
                 <a:ea typeface="+mn-lt"/>
                 <a:cs typeface="+mn-lt"/>
               </a:rPr>
               <a:t>Integra e consolida(rá) os planos subsidiários e suas “linhas de base ou de partida” do escopo, cronograma, custo;</a:t>
             </a:r>
-            <a:endParaRPr lang="pt-BR" dirty="0"/>
+            <a:endParaRPr lang="pt-BR"/>
           </a:p>
           <a:p>
             <a:pPr algn="just">
               <a:buNone/>
             </a:pPr>
-            <a:endParaRPr lang="pt-BR" sz="2000" dirty="0">
+            <a:endParaRPr lang="pt-BR" dirty="0">
               <a:ea typeface="+mn-lt"/>
               <a:cs typeface="+mn-lt"/>
             </a:endParaRPr>
@@ -11187,19 +11184,19 @@
               <a:buNone/>
             </a:pPr>
             <a:r>
-              <a:rPr lang="pt-BR" sz="2000" dirty="0">
+              <a:rPr lang="pt-BR" dirty="0">
                 <a:ea typeface="+mn-lt"/>
                 <a:cs typeface="+mn-lt"/>
               </a:rPr>
               <a:t>Os planos de gestão dos requisitos, da qualidade, recursos humanos, comunicações, risco, aquisições e tratamento dos patrocinadores / clientes e demais interessados.</a:t>
             </a:r>
-            <a:endParaRPr lang="pt-BR" dirty="0"/>
+            <a:endParaRPr lang="pt-BR"/>
           </a:p>
           <a:p>
             <a:pPr algn="just">
               <a:buNone/>
             </a:pPr>
-            <a:endParaRPr lang="pt-BR" sz="2000" dirty="0">
+            <a:endParaRPr lang="pt-BR" dirty="0">
               <a:ea typeface="+mn-lt"/>
               <a:cs typeface="+mn-lt"/>
             </a:endParaRPr>
@@ -11209,7 +11206,7 @@
               <a:buNone/>
             </a:pPr>
             <a:r>
-              <a:rPr lang="pt-BR" sz="2000" dirty="0">
+              <a:rPr lang="pt-BR" dirty="0">
                 <a:ea typeface="+mn-lt"/>
                 <a:cs typeface="+mn-lt"/>
               </a:rPr>
@@ -11437,12 +11434,12 @@
         <p:spPr>
           <a:xfrm>
             <a:off x="1592373" y="1452302"/>
-            <a:ext cx="10085557" cy="4566510"/>
+            <a:ext cx="10085557" cy="4767793"/>
           </a:xfrm>
         </p:spPr>
         <p:txBody>
           <a:bodyPr vert="horz" lIns="91440" tIns="45720" rIns="91440" bIns="45720" rtlCol="0" anchor="t">
-            <a:normAutofit/>
+            <a:noAutofit/>
           </a:bodyPr>
           <a:lstStyle/>
           <a:p>
@@ -11450,19 +11447,19 @@
               <a:buNone/>
             </a:pPr>
             <a:r>
-              <a:rPr lang="pt-BR" sz="2000" dirty="0">
+              <a:rPr lang="pt-BR" dirty="0">
                 <a:ea typeface="+mn-lt"/>
                 <a:cs typeface="+mn-lt"/>
               </a:rPr>
               <a:t>Levar a cabo o que foi planejado, monitorando as mudanças.</a:t>
             </a:r>
-            <a:endParaRPr lang="pt-BR" dirty="0"/>
+            <a:endParaRPr lang="pt-BR"/>
           </a:p>
           <a:p>
             <a:pPr algn="just">
               <a:buNone/>
             </a:pPr>
-            <a:endParaRPr lang="pt-BR" sz="2000" dirty="0">
+            <a:endParaRPr lang="pt-BR" dirty="0">
               <a:ea typeface="+mn-lt"/>
               <a:cs typeface="+mn-lt"/>
             </a:endParaRPr>
@@ -11472,19 +11469,19 @@
               <a:buNone/>
             </a:pPr>
             <a:r>
-              <a:rPr lang="pt-BR" sz="2000" dirty="0">
+              <a:rPr lang="pt-BR" dirty="0">
                 <a:ea typeface="+mn-lt"/>
                 <a:cs typeface="+mn-lt"/>
               </a:rPr>
               <a:t>As entregas são saídas dos processos executados para realizar o trabalho do projeto planejado e agendado no plano de gerenciamento do projeto.</a:t>
             </a:r>
-            <a:endParaRPr lang="pt-BR" dirty="0"/>
+            <a:endParaRPr lang="pt-BR"/>
           </a:p>
           <a:p>
             <a:pPr algn="just">
               <a:buNone/>
             </a:pPr>
-            <a:endParaRPr lang="pt-BR" sz="2000" dirty="0">
+            <a:endParaRPr lang="pt-BR" dirty="0">
               <a:ea typeface="+mn-lt"/>
               <a:cs typeface="+mn-lt"/>
             </a:endParaRPr>
@@ -11494,12 +11491,21 @@
               <a:buNone/>
             </a:pPr>
             <a:r>
-              <a:rPr lang="pt-BR" sz="2000" dirty="0">
+              <a:rPr lang="pt-BR" dirty="0">
                 <a:ea typeface="+mn-lt"/>
                 <a:cs typeface="+mn-lt"/>
               </a:rPr>
               <a:t>As informações sobre o desempenho do trabalho a respeito da situação atual das entregas, são coletadas como parte da execução do projeto.</a:t>
             </a:r>
+            <a:endParaRPr lang="pt-BR">
+              <a:ea typeface="+mn-lt"/>
+              <a:cs typeface="+mn-lt"/>
+            </a:endParaRPr>
+          </a:p>
+          <a:p>
+            <a:pPr algn="just">
+              <a:buNone/>
+            </a:pPr>
             <a:endParaRPr lang="pt-BR" dirty="0">
               <a:ea typeface="+mn-lt"/>
               <a:cs typeface="+mn-lt"/>
@@ -11509,17 +11515,8 @@
             <a:pPr algn="just">
               <a:buNone/>
             </a:pPr>
-            <a:endParaRPr lang="pt-BR" sz="2000" dirty="0">
-              <a:ea typeface="+mn-lt"/>
-              <a:cs typeface="+mn-lt"/>
-            </a:endParaRPr>
-          </a:p>
-          <a:p>
-            <a:pPr algn="just">
-              <a:buNone/>
-            </a:pPr>
-            <a:r>
-              <a:rPr lang="pt-BR" sz="2000" dirty="0">
+            <a:r>
+              <a:rPr lang="pt-BR" dirty="0">
                 <a:ea typeface="+mn-lt"/>
                 <a:cs typeface="+mn-lt"/>
               </a:rPr>
@@ -11752,14 +11749,14 @@
               <a:buNone/>
             </a:pPr>
             <a:r>
-              <a:rPr lang="pt-BR" sz="2000" dirty="0">
+              <a:rPr lang="pt-BR" dirty="0">
                 <a:ea typeface="+mn-lt"/>
                 <a:cs typeface="+mn-lt"/>
               </a:rPr>
               <a:t>Ações </a:t>
             </a:r>
             <a:r>
-              <a:rPr lang="pt-BR" sz="2000" b="1" dirty="0">
+              <a:rPr lang="pt-BR" b="1" dirty="0">
                 <a:solidFill>
                   <a:srgbClr val="FF0000"/>
                 </a:solidFill>
@@ -11769,12 +11766,21 @@
               <a:t>corretivas</a:t>
             </a:r>
             <a:r>
-              <a:rPr lang="pt-BR" sz="2000" dirty="0">
+              <a:rPr lang="pt-BR" dirty="0">
                 <a:ea typeface="+mn-lt"/>
                 <a:cs typeface="+mn-lt"/>
               </a:rPr>
               <a:t> - para que o desempenho do projeto fique de acordo com o plano.</a:t>
             </a:r>
+            <a:endParaRPr lang="pt-BR">
+              <a:ea typeface="+mn-lt"/>
+              <a:cs typeface="+mn-lt"/>
+            </a:endParaRPr>
+          </a:p>
+          <a:p>
+            <a:pPr algn="just">
+              <a:buNone/>
+            </a:pPr>
             <a:endParaRPr lang="pt-BR" dirty="0">
               <a:ea typeface="+mn-lt"/>
               <a:cs typeface="+mn-lt"/>
@@ -11784,24 +11790,15 @@
             <a:pPr algn="just">
               <a:buNone/>
             </a:pPr>
-            <a:endParaRPr lang="pt-BR" sz="2000" dirty="0">
-              <a:ea typeface="+mn-lt"/>
-              <a:cs typeface="+mn-lt"/>
-            </a:endParaRPr>
-          </a:p>
-          <a:p>
-            <a:pPr algn="just">
-              <a:buNone/>
-            </a:pPr>
-            <a:r>
-              <a:rPr lang="pt-BR" sz="2000" dirty="0">
+            <a:r>
+              <a:rPr lang="pt-BR" dirty="0">
                 <a:ea typeface="+mn-lt"/>
                 <a:cs typeface="+mn-lt"/>
               </a:rPr>
               <a:t>Ações </a:t>
             </a:r>
             <a:r>
-              <a:rPr lang="pt-BR" sz="2000" b="1" dirty="0">
+              <a:rPr lang="pt-BR" b="1" dirty="0">
                 <a:solidFill>
                   <a:srgbClr val="FF0000"/>
                 </a:solidFill>
@@ -11811,19 +11808,19 @@
               <a:t>preventivas</a:t>
             </a:r>
             <a:r>
-              <a:rPr lang="pt-BR" sz="2000" dirty="0">
+              <a:rPr lang="pt-BR" dirty="0">
                 <a:ea typeface="+mn-lt"/>
                 <a:cs typeface="+mn-lt"/>
               </a:rPr>
               <a:t> - reduzem a probabilidade de possíveis consequências negativas;</a:t>
             </a:r>
-            <a:endParaRPr lang="pt-BR" dirty="0"/>
+            <a:endParaRPr lang="pt-BR"/>
           </a:p>
           <a:p>
             <a:pPr algn="just">
               <a:buNone/>
             </a:pPr>
-            <a:endParaRPr lang="pt-BR" sz="2000" dirty="0">
+            <a:endParaRPr lang="pt-BR" dirty="0">
               <a:ea typeface="+mn-lt"/>
               <a:cs typeface="+mn-lt"/>
             </a:endParaRPr>
@@ -11833,14 +11830,14 @@
               <a:buNone/>
             </a:pPr>
             <a:r>
-              <a:rPr lang="pt-BR" sz="2000" dirty="0">
+              <a:rPr lang="pt-BR" dirty="0">
                 <a:ea typeface="+mn-lt"/>
                 <a:cs typeface="+mn-lt"/>
               </a:rPr>
               <a:t>Solicitações de </a:t>
             </a:r>
             <a:r>
-              <a:rPr lang="pt-BR" sz="2000" b="1" dirty="0">
+              <a:rPr lang="pt-BR" b="1" dirty="0">
                 <a:solidFill>
                   <a:srgbClr val="FF0000"/>
                 </a:solidFill>
@@ -11850,16 +11847,12 @@
               <a:t>reparo de defeito</a:t>
             </a:r>
             <a:r>
-              <a:rPr lang="pt-BR" sz="2000" dirty="0">
+              <a:rPr lang="pt-BR" dirty="0">
                 <a:ea typeface="+mn-lt"/>
                 <a:cs typeface="+mn-lt"/>
               </a:rPr>
               <a:t> - para corrigir problemas do produto encontrados pelo processo de qualidade.</a:t>
             </a:r>
-            <a:endParaRPr lang="pt-BR" dirty="0">
-              <a:ea typeface="+mn-lt"/>
-              <a:cs typeface="+mn-lt"/>
-            </a:endParaRPr>
           </a:p>
           <a:p>
             <a:pPr>
@@ -12086,7 +12079,7 @@
         </p:spPr>
         <p:txBody>
           <a:bodyPr vert="horz" lIns="91440" tIns="45720" rIns="91440" bIns="45720" rtlCol="0" anchor="t">
-            <a:normAutofit/>
+            <a:normAutofit fontScale="92500" lnSpcReduction="10000"/>
           </a:bodyPr>
           <a:lstStyle/>
           <a:p>
@@ -12094,7 +12087,7 @@
               <a:buNone/>
             </a:pPr>
             <a:r>
-              <a:rPr lang="pt-BR" sz="2000" b="1" dirty="0">
+              <a:rPr lang="pt-BR" b="1" dirty="0">
                 <a:ea typeface="+mn-lt"/>
                 <a:cs typeface="+mn-lt"/>
               </a:rPr>
@@ -12106,7 +12099,7 @@
             <a:pPr algn="just">
               <a:buNone/>
             </a:pPr>
-            <a:endParaRPr lang="pt-BR" sz="2000" b="1" dirty="0">
+            <a:endParaRPr lang="pt-BR" b="1" dirty="0">
               <a:ea typeface="+mn-lt"/>
               <a:cs typeface="+mn-lt"/>
             </a:endParaRPr>
@@ -12116,7 +12109,7 @@
               <a:buNone/>
             </a:pPr>
             <a:r>
-              <a:rPr lang="pt-BR" sz="2000" b="1" dirty="0">
+              <a:rPr lang="pt-BR" b="1" dirty="0">
                 <a:ea typeface="+mn-lt"/>
                 <a:cs typeface="+mn-lt"/>
               </a:rPr>
@@ -12131,7 +12124,7 @@
             <a:pPr algn="just">
               <a:buNone/>
             </a:pPr>
-            <a:endParaRPr lang="pt-BR" sz="2000" b="1" dirty="0">
+            <a:endParaRPr lang="pt-BR" b="1" dirty="0">
               <a:ea typeface="+mn-lt"/>
               <a:cs typeface="+mn-lt"/>
             </a:endParaRPr>
@@ -12141,7 +12134,7 @@
               <a:buNone/>
             </a:pPr>
             <a:r>
-              <a:rPr lang="pt-BR" sz="2000" b="1" dirty="0">
+              <a:rPr lang="pt-BR" b="1" dirty="0">
                 <a:ea typeface="+mn-lt"/>
                 <a:cs typeface="+mn-lt"/>
               </a:rPr>
@@ -12165,7 +12158,7 @@
               <a:buNone/>
             </a:pPr>
             <a:r>
-              <a:rPr lang="pt-BR" sz="2000" b="1" dirty="0">
+              <a:rPr lang="pt-BR" b="1" dirty="0">
                 <a:ea typeface="+mn-lt"/>
                 <a:cs typeface="+mn-lt"/>
               </a:rPr>
@@ -12180,7 +12173,7 @@
             <a:pPr algn="just">
               <a:buNone/>
             </a:pPr>
-            <a:endParaRPr lang="pt-BR" sz="2000" b="1" dirty="0">
+            <a:endParaRPr lang="pt-BR" b="1" dirty="0">
               <a:ea typeface="+mn-lt"/>
               <a:cs typeface="+mn-lt"/>
             </a:endParaRPr>
@@ -12190,7 +12183,7 @@
               <a:buNone/>
             </a:pPr>
             <a:r>
-              <a:rPr lang="pt-BR" sz="2000" b="1" dirty="0">
+              <a:rPr lang="pt-BR" b="1" dirty="0">
                 <a:ea typeface="+mn-lt"/>
                 <a:cs typeface="+mn-lt"/>
               </a:rPr>
@@ -12423,53 +12416,60 @@
               <a:buNone/>
             </a:pPr>
             <a:r>
+              <a:rPr lang="pt-BR" b="1" dirty="0">
+                <a:ea typeface="+mn-lt"/>
+                <a:cs typeface="+mn-lt"/>
+              </a:rPr>
+              <a:t>Ferramentas e técnicas.</a:t>
+            </a:r>
+          </a:p>
+          <a:p>
+            <a:pPr algn="just">
+              <a:buNone/>
+            </a:pPr>
+            <a:endParaRPr lang="pt-BR" b="1" dirty="0">
+              <a:ea typeface="+mn-lt"/>
+              <a:cs typeface="+mn-lt"/>
+            </a:endParaRPr>
+          </a:p>
+          <a:p>
+            <a:pPr algn="just">
+              <a:buNone/>
+            </a:pPr>
+            <a:r>
+              <a:rPr lang="pt-BR" b="1" dirty="0">
+                <a:ea typeface="+mn-lt"/>
+                <a:cs typeface="+mn-lt"/>
+              </a:rPr>
+              <a:t>1 Opinião especializada.</a:t>
+            </a:r>
+          </a:p>
+          <a:p>
+            <a:pPr algn="just">
+              <a:buNone/>
+            </a:pPr>
+            <a:endParaRPr lang="pt-BR" b="1" dirty="0">
+              <a:ea typeface="+mn-lt"/>
+              <a:cs typeface="+mn-lt"/>
+            </a:endParaRPr>
+          </a:p>
+          <a:p>
+            <a:pPr algn="just">
+              <a:buNone/>
+            </a:pPr>
+            <a:r>
+              <a:rPr lang="pt-BR" b="1" dirty="0">
+                <a:ea typeface="+mn-lt"/>
+                <a:cs typeface="+mn-lt"/>
+              </a:rPr>
+              <a:t>2 Sistema de informações do gerenciamento de projetos</a:t>
+            </a:r>
+            <a:r>
               <a:rPr lang="pt-BR" sz="2000" b="1" dirty="0">
                 <a:ea typeface="+mn-lt"/>
                 <a:cs typeface="+mn-lt"/>
               </a:rPr>
-              <a:t>Ferramentas e técnicas.</a:t>
-            </a:r>
-          </a:p>
-          <a:p>
-            <a:pPr algn="just">
-              <a:buNone/>
-            </a:pPr>
-            <a:endParaRPr lang="pt-BR" sz="2000" b="1" dirty="0">
-              <a:ea typeface="+mn-lt"/>
-              <a:cs typeface="+mn-lt"/>
-            </a:endParaRPr>
-          </a:p>
-          <a:p>
-            <a:pPr algn="just">
-              <a:buNone/>
-            </a:pPr>
-            <a:r>
-              <a:rPr lang="pt-BR" sz="2000" b="1" dirty="0">
-                <a:ea typeface="+mn-lt"/>
-                <a:cs typeface="+mn-lt"/>
-              </a:rPr>
-              <a:t>1 Opinião especializada.</a:t>
-            </a:r>
-          </a:p>
-          <a:p>
-            <a:pPr algn="just">
-              <a:buNone/>
-            </a:pPr>
-            <a:endParaRPr lang="pt-BR" sz="2000" b="1" dirty="0">
-              <a:ea typeface="+mn-lt"/>
-              <a:cs typeface="+mn-lt"/>
-            </a:endParaRPr>
-          </a:p>
-          <a:p>
-            <a:pPr algn="just">
-              <a:buNone/>
-            </a:pPr>
-            <a:r>
-              <a:rPr lang="pt-BR" sz="2000" b="1" dirty="0">
-                <a:ea typeface="+mn-lt"/>
-                <a:cs typeface="+mn-lt"/>
-              </a:rPr>
-              <a:t>2 Sistema de informações do gerenciamento de projetos </a:t>
+              <a:t> </a:t>
             </a:r>
             <a:endParaRPr lang="pt-BR" b="1"/>
           </a:p>
@@ -12498,7 +12498,7 @@
               </a:buClr>
               <a:buNone/>
             </a:pPr>
-            <a:endParaRPr lang="pt-BR" sz="1600" dirty="0">
+            <a:endParaRPr lang="pt-BR" sz="1800" dirty="0">
               <a:ea typeface="+mn-lt"/>
               <a:cs typeface="+mn-lt"/>
             </a:endParaRPr>
@@ -12508,7 +12508,7 @@
               <a:buNone/>
             </a:pPr>
             <a:r>
-              <a:rPr lang="pt-BR" sz="2000" b="1" dirty="0">
+              <a:rPr lang="pt-BR" b="1" dirty="0">
                 <a:ea typeface="+mn-lt"/>
                 <a:cs typeface="+mn-lt"/>
               </a:rPr>
@@ -12900,54 +12900,54 @@
               <a:buNone/>
             </a:pPr>
             <a:r>
-              <a:rPr lang="pt-BR" sz="2000" b="1" dirty="0">
+              <a:rPr lang="pt-BR" sz="2200" b="1" dirty="0">
                 <a:ea typeface="+mn-lt"/>
                 <a:cs typeface="+mn-lt"/>
               </a:rPr>
               <a:t>Saídas.</a:t>
             </a:r>
-            <a:endParaRPr lang="pt-BR" b="1">
-              <a:ea typeface="+mn-lt"/>
-              <a:cs typeface="+mn-lt"/>
-            </a:endParaRPr>
-          </a:p>
-          <a:p>
-            <a:pPr>
-              <a:buNone/>
-            </a:pPr>
-            <a:endParaRPr lang="pt-BR" sz="2000" b="1" dirty="0">
-              <a:ea typeface="+mn-lt"/>
-              <a:cs typeface="+mn-lt"/>
-            </a:endParaRPr>
-          </a:p>
-          <a:p>
-            <a:pPr>
-              <a:buNone/>
-            </a:pPr>
-            <a:r>
-              <a:rPr lang="pt-BR" sz="2000" b="1" dirty="0">
+            <a:endParaRPr lang="pt-BR" sz="2200" b="1">
+              <a:ea typeface="+mn-lt"/>
+              <a:cs typeface="+mn-lt"/>
+            </a:endParaRPr>
+          </a:p>
+          <a:p>
+            <a:pPr>
+              <a:buNone/>
+            </a:pPr>
+            <a:endParaRPr lang="pt-BR" sz="2200" b="1" dirty="0">
+              <a:ea typeface="+mn-lt"/>
+              <a:cs typeface="+mn-lt"/>
+            </a:endParaRPr>
+          </a:p>
+          <a:p>
+            <a:pPr>
+              <a:buNone/>
+            </a:pPr>
+            <a:r>
+              <a:rPr lang="pt-BR" sz="2200" b="1" dirty="0">
                 <a:ea typeface="+mn-lt"/>
                 <a:cs typeface="+mn-lt"/>
               </a:rPr>
               <a:t>1 Entregas.</a:t>
             </a:r>
-            <a:endParaRPr lang="pt-BR" b="1">
-              <a:ea typeface="+mn-lt"/>
-              <a:cs typeface="+mn-lt"/>
-            </a:endParaRPr>
-          </a:p>
-          <a:p>
-            <a:pPr>
-              <a:buNone/>
-            </a:pPr>
-            <a:r>
-              <a:rPr lang="pt-BR" sz="2000" b="1" dirty="0">
+            <a:endParaRPr lang="pt-BR" sz="2200" b="1">
+              <a:ea typeface="+mn-lt"/>
+              <a:cs typeface="+mn-lt"/>
+            </a:endParaRPr>
+          </a:p>
+          <a:p>
+            <a:pPr>
+              <a:buNone/>
+            </a:pPr>
+            <a:r>
+              <a:rPr lang="pt-BR" sz="2200" b="1" dirty="0">
                 <a:ea typeface="+mn-lt"/>
                 <a:cs typeface="+mn-lt"/>
               </a:rPr>
               <a:t>2 Informações sobre o desempenho do trabalho</a:t>
             </a:r>
-            <a:endParaRPr lang="pt-BR" b="1"/>
+            <a:endParaRPr lang="pt-BR" sz="2200" b="1"/>
           </a:p>
           <a:p>
             <a:pPr>

--- a/RELATORIO PROVA P2/relatorio-pmbok-capitulo4-jharbes.pptx
+++ b/RELATORIO PROVA P2/relatorio-pmbok-capitulo4-jharbes.pptx
@@ -176,6 +176,7 @@
     <p1510:client id="{A5D4054E-B8AF-2810-A7A4-D08347667F85}" v="23" dt="2022-12-03T16:55:12.484"/>
     <p1510:client id="{AAE71220-A1A8-A349-D335-1D78B8499119}" v="13" dt="2022-12-03T12:10:22.569"/>
     <p1510:client id="{B57F4EAB-52FE-8C54-B7C3-F9A802D0DD07}" v="70" dt="2022-12-03T15:24:17.563"/>
+    <p1510:client id="{DC01B2D6-9622-6FD0-BE5E-FC1A95170BC4}" v="35" dt="2022-12-03T17:05:23.978"/>
     <p1510:client id="{EC2252B6-C980-9952-21E4-6CF31577FECE}" v="63" dt="2022-12-03T15:57:56.140"/>
     <p1510:client id="{EC33A585-3A75-7FFE-4DB2-4ADF2EFB6800}" v="54" dt="2022-12-03T14:10:50.401"/>
   </p1510:revLst>
@@ -12892,7 +12893,7 @@
         </p:spPr>
         <p:txBody>
           <a:bodyPr vert="horz" lIns="91440" tIns="45720" rIns="91440" bIns="45720" rtlCol="0" anchor="t">
-            <a:normAutofit fontScale="92500" lnSpcReduction="10000"/>
+            <a:normAutofit fontScale="92500" lnSpcReduction="20000"/>
           </a:bodyPr>
           <a:lstStyle/>
           <a:p>
@@ -12900,54 +12901,46 @@
               <a:buNone/>
             </a:pPr>
             <a:r>
-              <a:rPr lang="pt-BR" sz="2200" b="1" dirty="0">
+              <a:rPr lang="pt-BR" sz="2600" b="1" dirty="0">
                 <a:ea typeface="+mn-lt"/>
                 <a:cs typeface="+mn-lt"/>
               </a:rPr>
               <a:t>Saídas.</a:t>
             </a:r>
-            <a:endParaRPr lang="pt-BR" sz="2200" b="1">
-              <a:ea typeface="+mn-lt"/>
-              <a:cs typeface="+mn-lt"/>
-            </a:endParaRPr>
-          </a:p>
-          <a:p>
-            <a:pPr>
-              <a:buNone/>
-            </a:pPr>
-            <a:endParaRPr lang="pt-BR" sz="2200" b="1" dirty="0">
-              <a:ea typeface="+mn-lt"/>
-              <a:cs typeface="+mn-lt"/>
-            </a:endParaRPr>
-          </a:p>
-          <a:p>
-            <a:pPr>
-              <a:buNone/>
-            </a:pPr>
-            <a:r>
-              <a:rPr lang="pt-BR" sz="2200" b="1" dirty="0">
+          </a:p>
+          <a:p>
+            <a:pPr>
+              <a:buNone/>
+            </a:pPr>
+            <a:endParaRPr lang="pt-BR" sz="2600" b="1" dirty="0">
+              <a:ea typeface="+mn-lt"/>
+              <a:cs typeface="+mn-lt"/>
+            </a:endParaRPr>
+          </a:p>
+          <a:p>
+            <a:pPr>
+              <a:buNone/>
+            </a:pPr>
+            <a:r>
+              <a:rPr lang="pt-BR" sz="2600" b="1" dirty="0">
                 <a:ea typeface="+mn-lt"/>
                 <a:cs typeface="+mn-lt"/>
               </a:rPr>
               <a:t>1 Entregas.</a:t>
             </a:r>
-            <a:endParaRPr lang="pt-BR" sz="2200" b="1">
-              <a:ea typeface="+mn-lt"/>
-              <a:cs typeface="+mn-lt"/>
-            </a:endParaRPr>
-          </a:p>
-          <a:p>
-            <a:pPr>
-              <a:buNone/>
-            </a:pPr>
-            <a:r>
-              <a:rPr lang="pt-BR" sz="2200" b="1" dirty="0">
+          </a:p>
+          <a:p>
+            <a:pPr>
+              <a:buNone/>
+            </a:pPr>
+            <a:r>
+              <a:rPr lang="pt-BR" sz="2600" b="1" dirty="0">
                 <a:ea typeface="+mn-lt"/>
                 <a:cs typeface="+mn-lt"/>
               </a:rPr>
               <a:t>2 Informações sobre o desempenho do trabalho</a:t>
             </a:r>
-            <a:endParaRPr lang="pt-BR" sz="2200" b="1"/>
+            <a:endParaRPr lang="pt-BR" sz="2600" b="1"/>
           </a:p>
           <a:p>
             <a:pPr>
@@ -13294,25 +13287,32 @@
                 <a:ea typeface="+mn-lt"/>
                 <a:cs typeface="+mn-lt"/>
               </a:rPr>
-              <a:t>Saídas. </a:t>
-            </a:r>
-            <a:endParaRPr lang="pt-BR" sz="2000" b="1" dirty="0"/>
-          </a:p>
-          <a:p>
-            <a:pPr>
-              <a:buNone/>
-            </a:pPr>
-            <a:endParaRPr lang="pt-BR" sz="2000" b="1" dirty="0">
-              <a:ea typeface="+mn-lt"/>
-              <a:cs typeface="+mn-lt"/>
-            </a:endParaRPr>
-          </a:p>
-          <a:p>
-            <a:pPr>
-              <a:buNone/>
-            </a:pPr>
-            <a:r>
-              <a:rPr lang="pt-BR" sz="2000" b="1" dirty="0">
+              <a:t>S</a:t>
+            </a:r>
+            <a:r>
+              <a:rPr lang="pt-BR" b="1" dirty="0">
+                <a:ea typeface="+mn-lt"/>
+                <a:cs typeface="+mn-lt"/>
+              </a:rPr>
+              <a:t>aídas. </a:t>
+            </a:r>
+            <a:endParaRPr lang="pt-BR" b="1"/>
+          </a:p>
+          <a:p>
+            <a:pPr>
+              <a:buNone/>
+            </a:pPr>
+            <a:endParaRPr lang="pt-BR" b="1" dirty="0">
+              <a:ea typeface="+mn-lt"/>
+              <a:cs typeface="+mn-lt"/>
+            </a:endParaRPr>
+          </a:p>
+          <a:p>
+            <a:pPr>
+              <a:buNone/>
+            </a:pPr>
+            <a:r>
+              <a:rPr lang="pt-BR" b="1" dirty="0">
                 <a:ea typeface="+mn-lt"/>
                 <a:cs typeface="+mn-lt"/>
               </a:rPr>
@@ -13355,7 +13355,7 @@
               <a:t>.</a:t>
             </a:r>
             <a:r>
-              <a:rPr lang="pt-BR" sz="2000" b="1" dirty="0">
+              <a:rPr lang="pt-BR" b="1" dirty="0">
                 <a:ea typeface="+mn-lt"/>
                 <a:cs typeface="+mn-lt"/>
               </a:rPr>
@@ -13366,32 +13366,32 @@
             <a:pPr>
               <a:buNone/>
             </a:pPr>
-            <a:endParaRPr lang="pt-BR" sz="2000" b="1" dirty="0">
-              <a:ea typeface="+mn-lt"/>
-              <a:cs typeface="+mn-lt"/>
-            </a:endParaRPr>
-          </a:p>
-          <a:p>
-            <a:pPr>
-              <a:buNone/>
-            </a:pPr>
-            <a:r>
-              <a:rPr lang="pt-BR" sz="2000" b="1" dirty="0">
+            <a:endParaRPr lang="pt-BR" b="1" dirty="0">
+              <a:ea typeface="+mn-lt"/>
+              <a:cs typeface="+mn-lt"/>
+            </a:endParaRPr>
+          </a:p>
+          <a:p>
+            <a:pPr>
+              <a:buNone/>
+            </a:pPr>
+            <a:r>
+              <a:rPr lang="pt-BR" b="1" dirty="0">
                 <a:ea typeface="+mn-lt"/>
                 <a:cs typeface="+mn-lt"/>
               </a:rPr>
               <a:t>.5 Atualizações para demais documentos.</a:t>
             </a:r>
-            <a:endParaRPr lang="pt-BR" b="1" dirty="0">
-              <a:ea typeface="+mn-lt"/>
-              <a:cs typeface="+mn-lt"/>
-            </a:endParaRPr>
-          </a:p>
-          <a:p>
-            <a:pPr>
-              <a:buNone/>
-            </a:pPr>
-            <a:endParaRPr lang="pt-BR" sz="2000" dirty="0">
+            <a:endParaRPr lang="pt-BR" b="1">
+              <a:ea typeface="+mn-lt"/>
+              <a:cs typeface="+mn-lt"/>
+            </a:endParaRPr>
+          </a:p>
+          <a:p>
+            <a:pPr>
+              <a:buNone/>
+            </a:pPr>
+            <a:endParaRPr lang="pt-BR" dirty="0">
               <a:ea typeface="+mn-lt"/>
               <a:cs typeface="+mn-lt"/>
             </a:endParaRPr>
@@ -13637,12 +13637,21 @@
               <a:buNone/>
             </a:pPr>
             <a:r>
-              <a:rPr lang="pt-BR" sz="2000" dirty="0">
+              <a:rPr lang="pt-BR" dirty="0">
                 <a:ea typeface="+mn-lt"/>
                 <a:cs typeface="+mn-lt"/>
               </a:rPr>
               <a:t>Inclui a coleta, medição e disseminação das informações sobre o desempenho e a avaliação das medições e tendências para efetuar melhorias no processo.</a:t>
             </a:r>
+            <a:endParaRPr lang="pt-BR">
+              <a:ea typeface="+mn-lt"/>
+              <a:cs typeface="+mn-lt"/>
+            </a:endParaRPr>
+          </a:p>
+          <a:p>
+            <a:pPr algn="just">
+              <a:buNone/>
+            </a:pPr>
             <a:endParaRPr lang="pt-BR" dirty="0">
               <a:ea typeface="+mn-lt"/>
               <a:cs typeface="+mn-lt"/>
@@ -13652,26 +13661,13 @@
             <a:pPr algn="just">
               <a:buNone/>
             </a:pPr>
-            <a:endParaRPr lang="pt-BR" sz="2000" dirty="0">
-              <a:ea typeface="+mn-lt"/>
-              <a:cs typeface="+mn-lt"/>
-            </a:endParaRPr>
-          </a:p>
-          <a:p>
-            <a:pPr algn="just">
-              <a:buNone/>
-            </a:pPr>
-            <a:r>
-              <a:rPr lang="pt-BR" sz="2000" dirty="0">
+            <a:r>
+              <a:rPr lang="pt-BR" dirty="0">
                 <a:ea typeface="+mn-lt"/>
                 <a:cs typeface="+mn-lt"/>
               </a:rPr>
               <a:t>O monitoramento contínuo permite que a equipe de gerenciamento de projetos tenha uma visão clara da saúde do projeto e identifica as áreas que exigem atenção especial.</a:t>
             </a:r>
-            <a:endParaRPr lang="pt-BR" dirty="0">
-              <a:ea typeface="+mn-lt"/>
-              <a:cs typeface="+mn-lt"/>
-            </a:endParaRPr>
           </a:p>
           <a:p>
             <a:pPr>
@@ -13932,38 +13928,34 @@
               <a:buNone/>
             </a:pPr>
             <a:r>
-              <a:rPr lang="pt-BR" sz="2000" dirty="0">
+              <a:rPr lang="pt-BR" dirty="0">
                 <a:ea typeface="+mn-lt"/>
                 <a:cs typeface="+mn-lt"/>
               </a:rPr>
               <a:t>Comparação do desempenho real do projeto com o plano de gerenciamento, determinando se são indicadas ações preventivas ou corretivas, e sua recomendação;</a:t>
             </a:r>
-            <a:endParaRPr lang="pt-BR" dirty="0"/>
-          </a:p>
-          <a:p>
-            <a:pPr>
-              <a:buNone/>
-            </a:pPr>
-            <a:endParaRPr lang="pt-BR" sz="2000" dirty="0">
-              <a:ea typeface="+mn-lt"/>
-              <a:cs typeface="+mn-lt"/>
-            </a:endParaRPr>
-          </a:p>
-          <a:p>
-            <a:pPr>
-              <a:buNone/>
-            </a:pPr>
-            <a:r>
-              <a:rPr lang="pt-BR" sz="2000" dirty="0">
+            <a:endParaRPr lang="pt-BR"/>
+          </a:p>
+          <a:p>
+            <a:pPr>
+              <a:buNone/>
+            </a:pPr>
+            <a:endParaRPr lang="pt-BR" dirty="0">
+              <a:ea typeface="+mn-lt"/>
+              <a:cs typeface="+mn-lt"/>
+            </a:endParaRPr>
+          </a:p>
+          <a:p>
+            <a:pPr>
+              <a:buNone/>
+            </a:pPr>
+            <a:r>
+              <a:rPr lang="pt-BR" dirty="0">
                 <a:ea typeface="+mn-lt"/>
                 <a:cs typeface="+mn-lt"/>
               </a:rPr>
               <a:t>Análise, acompanhamento e monitoramento de riscos do projeto para garantir que sejam identificados, que o andamento seja relatado e que planos de respostas a riscos adequados estejam sendo executados.</a:t>
             </a:r>
-            <a:endParaRPr lang="pt-BR" dirty="0">
-              <a:ea typeface="+mn-lt"/>
-              <a:cs typeface="+mn-lt"/>
-            </a:endParaRPr>
           </a:p>
           <a:p>
             <a:pPr>
@@ -14233,12 +14225,21 @@
               <a:buNone/>
             </a:pPr>
             <a:r>
-              <a:rPr lang="pt-BR" sz="2000" dirty="0">
+              <a:rPr lang="pt-BR" dirty="0">
                 <a:ea typeface="+mn-lt"/>
                 <a:cs typeface="+mn-lt"/>
               </a:rPr>
               <a:t>Manutenção de uma base de informações precisas e corretas relativas ao(s) produto(s) do projeto e a sua documentação associada;</a:t>
             </a:r>
+            <a:endParaRPr lang="pt-BR">
+              <a:ea typeface="+mn-lt"/>
+              <a:cs typeface="+mn-lt"/>
+            </a:endParaRPr>
+          </a:p>
+          <a:p>
+            <a:pPr algn="just">
+              <a:buNone/>
+            </a:pPr>
             <a:endParaRPr lang="pt-BR" dirty="0">
               <a:ea typeface="+mn-lt"/>
               <a:cs typeface="+mn-lt"/>
@@ -14248,7 +14249,14 @@
             <a:pPr algn="just">
               <a:buNone/>
             </a:pPr>
-            <a:endParaRPr lang="pt-BR" sz="2000" dirty="0">
+            <a:r>
+              <a:rPr lang="pt-BR" dirty="0">
+                <a:ea typeface="+mn-lt"/>
+                <a:cs typeface="+mn-lt"/>
+              </a:rPr>
+              <a:t>Fornecimento de informações para dar suporte a relatórios de andamento, medições de progresso e previsões;</a:t>
+            </a:r>
+            <a:endParaRPr lang="pt-BR">
               <a:ea typeface="+mn-lt"/>
               <a:cs typeface="+mn-lt"/>
             </a:endParaRPr>
@@ -14257,13 +14265,6 @@
             <a:pPr algn="just">
               <a:buNone/>
             </a:pPr>
-            <a:r>
-              <a:rPr lang="pt-BR" sz="2000" dirty="0">
-                <a:ea typeface="+mn-lt"/>
-                <a:cs typeface="+mn-lt"/>
-              </a:rPr>
-              <a:t>Fornecimento de informações para dar suporte a relatórios de andamento, medições de progresso e previsões;</a:t>
-            </a:r>
             <a:endParaRPr lang="pt-BR" dirty="0">
               <a:ea typeface="+mn-lt"/>
               <a:cs typeface="+mn-lt"/>
@@ -14273,50 +14274,37 @@
             <a:pPr algn="just">
               <a:buNone/>
             </a:pPr>
-            <a:endParaRPr lang="pt-BR" sz="2000" dirty="0">
-              <a:ea typeface="+mn-lt"/>
-              <a:cs typeface="+mn-lt"/>
+            <a:r>
+              <a:rPr lang="pt-BR" dirty="0">
+                <a:ea typeface="+mn-lt"/>
+                <a:cs typeface="+mn-lt"/>
+              </a:rPr>
+              <a:t>Fornecimento de previsões para atualizar o cronograma atual.</a:t>
+            </a:r>
+            <a:endParaRPr lang="pt-BR">
+              <a:cs typeface="Calibri"/>
             </a:endParaRPr>
           </a:p>
           <a:p>
             <a:pPr algn="just">
               <a:buNone/>
             </a:pPr>
-            <a:r>
-              <a:rPr lang="pt-BR" sz="2000" dirty="0">
-                <a:ea typeface="+mn-lt"/>
-                <a:cs typeface="+mn-lt"/>
-              </a:rPr>
-              <a:t>Fornecimento de previsões para atualizar o cronograma atual.</a:t>
-            </a:r>
             <a:endParaRPr lang="pt-BR" dirty="0">
-              <a:cs typeface="Calibri"/>
+              <a:ea typeface="+mn-lt"/>
+              <a:cs typeface="+mn-lt"/>
             </a:endParaRPr>
           </a:p>
           <a:p>
             <a:pPr algn="just">
               <a:buNone/>
             </a:pPr>
-            <a:endParaRPr lang="pt-BR" sz="2000" dirty="0">
-              <a:ea typeface="+mn-lt"/>
-              <a:cs typeface="+mn-lt"/>
-            </a:endParaRPr>
-          </a:p>
-          <a:p>
-            <a:pPr algn="just">
-              <a:buNone/>
-            </a:pPr>
-            <a:r>
-              <a:rPr lang="pt-BR" sz="2000" dirty="0">
+            <a:r>
+              <a:rPr lang="pt-BR" dirty="0">
                 <a:ea typeface="+mn-lt"/>
                 <a:cs typeface="+mn-lt"/>
               </a:rPr>
               <a:t>Monitoramento da implementação de mudanças aprovadas.</a:t>
             </a:r>
-            <a:endParaRPr lang="pt-BR" dirty="0">
-              <a:ea typeface="+mn-lt"/>
-              <a:cs typeface="+mn-lt"/>
-            </a:endParaRPr>
           </a:p>
           <a:p>
             <a:pPr>
@@ -14586,7 +14574,7 @@
               <a:buNone/>
             </a:pPr>
             <a:r>
-              <a:rPr lang="pt-BR" sz="2000" b="1" dirty="0">
+              <a:rPr lang="pt-BR" b="1" dirty="0">
                 <a:ea typeface="+mn-lt"/>
                 <a:cs typeface="+mn-lt"/>
               </a:rPr>
@@ -14598,7 +14586,7 @@
             <a:pPr algn="just">
               <a:buNone/>
             </a:pPr>
-            <a:endParaRPr lang="pt-BR" sz="2000" b="1" dirty="0">
+            <a:endParaRPr lang="pt-BR" b="1" dirty="0">
               <a:ea typeface="+mn-lt"/>
               <a:cs typeface="+mn-lt"/>
             </a:endParaRPr>
@@ -14608,7 +14596,7 @@
               <a:buNone/>
             </a:pPr>
             <a:r>
-              <a:rPr lang="pt-BR" sz="2000" b="1" dirty="0">
+              <a:rPr lang="pt-BR" b="1" dirty="0">
                 <a:ea typeface="+mn-lt"/>
                 <a:cs typeface="+mn-lt"/>
               </a:rPr>
@@ -14620,7 +14608,7 @@
             <a:pPr algn="just">
               <a:buNone/>
             </a:pPr>
-            <a:endParaRPr lang="pt-BR" sz="2000" b="1" dirty="0">
+            <a:endParaRPr lang="pt-BR" b="1" dirty="0">
               <a:ea typeface="+mn-lt"/>
               <a:cs typeface="+mn-lt"/>
             </a:endParaRPr>
@@ -14630,16 +14618,12 @@
               <a:buNone/>
             </a:pPr>
             <a:r>
-              <a:rPr lang="pt-BR" sz="2000" b="1" dirty="0">
+              <a:rPr lang="pt-BR" b="1" dirty="0">
                 <a:ea typeface="+mn-lt"/>
                 <a:cs typeface="+mn-lt"/>
               </a:rPr>
               <a:t>2 Previsões para término</a:t>
             </a:r>
-            <a:endParaRPr lang="pt-BR" b="1" dirty="0">
-              <a:ea typeface="+mn-lt"/>
-              <a:cs typeface="+mn-lt"/>
-            </a:endParaRPr>
           </a:p>
           <a:p>
             <a:pPr lvl="1" algn="just"/>
@@ -14659,7 +14643,7 @@
               </a:buClr>
               <a:buNone/>
             </a:pPr>
-            <a:endParaRPr lang="pt-BR" sz="1600" dirty="0">
+            <a:endParaRPr lang="pt-BR" sz="1800" dirty="0">
               <a:ea typeface="+mn-lt"/>
               <a:cs typeface="+mn-lt"/>
             </a:endParaRPr>
@@ -14669,7 +14653,7 @@
               <a:buNone/>
             </a:pPr>
             <a:r>
-              <a:rPr lang="pt-BR" sz="2000" b="1" dirty="0">
+              <a:rPr lang="pt-BR" b="1" dirty="0">
                 <a:ea typeface="+mn-lt"/>
                 <a:cs typeface="+mn-lt"/>
               </a:rPr>
@@ -14946,7 +14930,7 @@
         </p:spPr>
         <p:txBody>
           <a:bodyPr vert="horz" lIns="91440" tIns="45720" rIns="91440" bIns="45720" rtlCol="0" anchor="t">
-            <a:normAutofit/>
+            <a:normAutofit fontScale="92500" lnSpcReduction="10000"/>
           </a:bodyPr>
           <a:lstStyle/>
           <a:p>
@@ -14954,7 +14938,7 @@
               <a:buNone/>
             </a:pPr>
             <a:r>
-              <a:rPr lang="pt-BR" sz="2000" b="1" dirty="0">
+              <a:rPr lang="pt-BR" b="1" dirty="0">
                 <a:ea typeface="+mn-lt"/>
                 <a:cs typeface="+mn-lt"/>
               </a:rPr>
@@ -14965,7 +14949,7 @@
             <a:pPr algn="just">
               <a:buNone/>
             </a:pPr>
-            <a:endParaRPr lang="pt-BR" sz="2000" b="1" dirty="0">
+            <a:endParaRPr lang="pt-BR" b="1" dirty="0">
               <a:ea typeface="+mn-lt"/>
               <a:cs typeface="+mn-lt"/>
             </a:endParaRPr>
@@ -14975,7 +14959,7 @@
               <a:buNone/>
             </a:pPr>
             <a:r>
-              <a:rPr lang="pt-BR" sz="2000" b="1" dirty="0">
+              <a:rPr lang="pt-BR" b="1" dirty="0">
                 <a:ea typeface="+mn-lt"/>
                 <a:cs typeface="+mn-lt"/>
               </a:rPr>
@@ -15011,13 +14995,13 @@
               <a:buNone/>
             </a:pPr>
             <a:r>
-              <a:rPr lang="pt-BR" sz="2000" b="1" dirty="0">
+              <a:rPr lang="pt-BR" b="1" dirty="0">
                 <a:ea typeface="+mn-lt"/>
                 <a:cs typeface="+mn-lt"/>
               </a:rPr>
               <a:t>.5 Informações de Desempenho</a:t>
             </a:r>
-            <a:endParaRPr lang="pt-BR" sz="2000" b="1" dirty="0">
+            <a:endParaRPr lang="pt-BR" b="1">
               <a:cs typeface="Calibri" panose="020F0502020204030204"/>
             </a:endParaRPr>
           </a:p>
@@ -15025,7 +15009,7 @@
             <a:pPr marL="0" indent="0" algn="just">
               <a:buNone/>
             </a:pPr>
-            <a:endParaRPr lang="pt-BR" sz="2000" b="1" dirty="0">
+            <a:endParaRPr lang="pt-BR" b="1" dirty="0">
               <a:ea typeface="+mn-lt"/>
               <a:cs typeface="+mn-lt"/>
             </a:endParaRPr>
@@ -15035,13 +15019,13 @@
               <a:buNone/>
             </a:pPr>
             <a:r>
-              <a:rPr lang="pt-BR" sz="2000" b="1" dirty="0">
+              <a:rPr lang="pt-BR" b="1" dirty="0">
                 <a:ea typeface="+mn-lt"/>
                 <a:cs typeface="+mn-lt"/>
               </a:rPr>
               <a:t>.6 Fatores ambientais organizacionais.</a:t>
             </a:r>
-            <a:endParaRPr lang="pt-BR" sz="2000" b="1" dirty="0">
+            <a:endParaRPr lang="pt-BR" b="1">
               <a:cs typeface="Calibri" panose="020F0502020204030204"/>
             </a:endParaRPr>
           </a:p>
@@ -15049,7 +15033,7 @@
             <a:pPr marL="0" indent="0" algn="just">
               <a:buNone/>
             </a:pPr>
-            <a:endParaRPr lang="pt-BR" sz="2000" b="1" dirty="0">
+            <a:endParaRPr lang="pt-BR" b="1" dirty="0">
               <a:ea typeface="+mn-lt"/>
               <a:cs typeface="+mn-lt"/>
             </a:endParaRPr>
@@ -15059,7 +15043,7 @@
               <a:buNone/>
             </a:pPr>
             <a:r>
-              <a:rPr lang="pt-BR" sz="2000" b="1" dirty="0">
+              <a:rPr lang="pt-BR" b="1" dirty="0">
                 <a:ea typeface="+mn-lt"/>
                 <a:cs typeface="+mn-lt"/>
               </a:rPr>
@@ -15354,7 +15338,7 @@
               <a:buNone/>
             </a:pPr>
             <a:r>
-              <a:rPr lang="pt-BR" sz="2000" b="1" dirty="0">
+              <a:rPr lang="pt-BR" b="1" dirty="0">
                 <a:ea typeface="+mn-lt"/>
                 <a:cs typeface="+mn-lt"/>
               </a:rPr>
@@ -15369,7 +15353,7 @@
             <a:pPr>
               <a:buNone/>
             </a:pPr>
-            <a:endParaRPr lang="pt-BR" sz="2000" b="1" dirty="0">
+            <a:endParaRPr lang="pt-BR" b="1" dirty="0">
               <a:ea typeface="+mn-lt"/>
               <a:cs typeface="+mn-lt"/>
             </a:endParaRPr>
@@ -15379,7 +15363,7 @@
               <a:buNone/>
             </a:pPr>
             <a:r>
-              <a:rPr lang="pt-BR" sz="2000" b="1" dirty="0">
+              <a:rPr lang="pt-BR" b="1" dirty="0">
                 <a:ea typeface="+mn-lt"/>
                 <a:cs typeface="+mn-lt"/>
               </a:rPr>
@@ -15395,16 +15379,12 @@
               <a:buNone/>
             </a:pPr>
             <a:r>
-              <a:rPr lang="pt-BR" sz="2000" b="1" dirty="0">
+              <a:rPr lang="pt-BR" b="1" dirty="0">
                 <a:ea typeface="+mn-lt"/>
                 <a:cs typeface="+mn-lt"/>
               </a:rPr>
               <a:t>2 Técnicas analíticas</a:t>
             </a:r>
-            <a:endParaRPr lang="pt-BR" b="1" dirty="0">
-              <a:ea typeface="+mn-lt"/>
-              <a:cs typeface="+mn-lt"/>
-            </a:endParaRPr>
           </a:p>
           <a:p>
             <a:pPr lvl="1" algn="just"/>
@@ -15422,16 +15402,12 @@
               <a:buNone/>
             </a:pPr>
             <a:r>
-              <a:rPr lang="pt-BR" sz="2000" b="1" dirty="0">
+              <a:rPr lang="pt-BR" b="1" dirty="0">
                 <a:ea typeface="+mn-lt"/>
                 <a:cs typeface="+mn-lt"/>
               </a:rPr>
               <a:t>3 Sistema de informações do gerenciamento de projetos</a:t>
             </a:r>
-            <a:endParaRPr lang="pt-BR" b="1" dirty="0">
-              <a:ea typeface="+mn-lt"/>
-              <a:cs typeface="+mn-lt"/>
-            </a:endParaRPr>
           </a:p>
           <a:p>
             <a:pPr lvl="1" algn="just"/>
@@ -15452,7 +15428,7 @@
               <a:buNone/>
             </a:pPr>
             <a:r>
-              <a:rPr lang="pt-BR" sz="2000" b="1" dirty="0">
+              <a:rPr lang="pt-BR" b="1" dirty="0">
                 <a:ea typeface="+mn-lt"/>
                 <a:cs typeface="+mn-lt"/>
               </a:rPr>
@@ -15732,12 +15708,12 @@
         <p:spPr>
           <a:xfrm>
             <a:off x="1477354" y="1452302"/>
-            <a:ext cx="10157444" cy="4566510"/>
+            <a:ext cx="10157444" cy="4825302"/>
           </a:xfrm>
         </p:spPr>
         <p:txBody>
           <a:bodyPr vert="horz" lIns="91440" tIns="45720" rIns="91440" bIns="45720" rtlCol="0" anchor="t">
-            <a:normAutofit/>
+            <a:noAutofit/>
           </a:bodyPr>
           <a:lstStyle/>
           <a:p>
@@ -15745,12 +15721,21 @@
               <a:buNone/>
             </a:pPr>
             <a:r>
-              <a:rPr lang="pt-BR" sz="2000" b="1" dirty="0">
+              <a:rPr lang="pt-BR" b="1" dirty="0">
                 <a:ea typeface="+mn-lt"/>
                 <a:cs typeface="+mn-lt"/>
               </a:rPr>
               <a:t>Saídas.</a:t>
             </a:r>
+            <a:endParaRPr lang="pt-BR" b="1">
+              <a:ea typeface="+mn-lt"/>
+              <a:cs typeface="+mn-lt"/>
+            </a:endParaRPr>
+          </a:p>
+          <a:p>
+            <a:pPr>
+              <a:buNone/>
+            </a:pPr>
             <a:endParaRPr lang="pt-BR" b="1" dirty="0">
               <a:ea typeface="+mn-lt"/>
               <a:cs typeface="+mn-lt"/>
@@ -15760,22 +15745,22 @@
             <a:pPr>
               <a:buNone/>
             </a:pPr>
-            <a:endParaRPr lang="pt-BR" sz="2000" b="1" dirty="0">
-              <a:ea typeface="+mn-lt"/>
-              <a:cs typeface="+mn-lt"/>
-            </a:endParaRPr>
-          </a:p>
-          <a:p>
-            <a:pPr>
-              <a:buNone/>
-            </a:pPr>
-            <a:r>
-              <a:rPr lang="pt-BR" sz="2000" b="1" dirty="0">
+            <a:r>
+              <a:rPr lang="pt-BR" b="1" dirty="0">
                 <a:ea typeface="+mn-lt"/>
                 <a:cs typeface="+mn-lt"/>
               </a:rPr>
               <a:t>.1 Mudanças solicitadas.</a:t>
             </a:r>
+            <a:endParaRPr lang="pt-BR" b="1">
+              <a:ea typeface="+mn-lt"/>
+              <a:cs typeface="+mn-lt"/>
+            </a:endParaRPr>
+          </a:p>
+          <a:p>
+            <a:pPr>
+              <a:buNone/>
+            </a:pPr>
             <a:endParaRPr lang="pt-BR" b="1" dirty="0">
               <a:ea typeface="+mn-lt"/>
               <a:cs typeface="+mn-lt"/>
@@ -15785,46 +15770,46 @@
             <a:pPr>
               <a:buNone/>
             </a:pPr>
-            <a:endParaRPr lang="pt-BR" sz="2000" b="1" dirty="0">
-              <a:ea typeface="+mn-lt"/>
-              <a:cs typeface="+mn-lt"/>
-            </a:endParaRPr>
-          </a:p>
-          <a:p>
-            <a:pPr>
-              <a:buNone/>
-            </a:pPr>
-            <a:r>
-              <a:rPr lang="pt-BR" sz="2000" b="1" dirty="0">
+            <a:r>
+              <a:rPr lang="pt-BR" b="1" dirty="0">
                 <a:ea typeface="+mn-lt"/>
                 <a:cs typeface="+mn-lt"/>
               </a:rPr>
               <a:t>.2 Relatórios de desempenho.</a:t>
             </a:r>
+            <a:endParaRPr lang="pt-BR" b="1">
+              <a:cs typeface="Calibri"/>
+            </a:endParaRPr>
+          </a:p>
+          <a:p>
+            <a:pPr>
+              <a:buNone/>
+            </a:pPr>
             <a:endParaRPr lang="pt-BR" b="1" dirty="0">
-              <a:cs typeface="Calibri"/>
-            </a:endParaRPr>
-          </a:p>
-          <a:p>
-            <a:pPr>
-              <a:buNone/>
-            </a:pPr>
-            <a:endParaRPr lang="pt-BR" sz="2000" b="1" dirty="0">
-              <a:ea typeface="+mn-lt"/>
-              <a:cs typeface="+mn-lt"/>
-            </a:endParaRPr>
-          </a:p>
-          <a:p>
-            <a:pPr>
-              <a:buNone/>
-            </a:pPr>
-            <a:r>
-              <a:rPr lang="pt-BR" sz="2000" b="1" dirty="0">
+              <a:ea typeface="+mn-lt"/>
+              <a:cs typeface="+mn-lt"/>
+            </a:endParaRPr>
+          </a:p>
+          <a:p>
+            <a:pPr>
+              <a:buNone/>
+            </a:pPr>
+            <a:r>
+              <a:rPr lang="pt-BR" b="1" dirty="0">
                 <a:ea typeface="+mn-lt"/>
                 <a:cs typeface="+mn-lt"/>
               </a:rPr>
               <a:t>.3 Atualizações para os planos de gerenciamento.</a:t>
             </a:r>
+            <a:endParaRPr lang="pt-BR" b="1">
+              <a:ea typeface="+mn-lt"/>
+              <a:cs typeface="+mn-lt"/>
+            </a:endParaRPr>
+          </a:p>
+          <a:p>
+            <a:pPr>
+              <a:buNone/>
+            </a:pPr>
             <a:endParaRPr lang="pt-BR" b="1" dirty="0">
               <a:ea typeface="+mn-lt"/>
               <a:cs typeface="+mn-lt"/>
@@ -15834,17 +15819,8 @@
             <a:pPr>
               <a:buNone/>
             </a:pPr>
-            <a:endParaRPr lang="pt-BR" sz="2000" b="1" dirty="0">
-              <a:ea typeface="+mn-lt"/>
-              <a:cs typeface="+mn-lt"/>
-            </a:endParaRPr>
-          </a:p>
-          <a:p>
-            <a:pPr>
-              <a:buNone/>
-            </a:pPr>
-            <a:r>
-              <a:rPr lang="pt-BR" sz="2000" b="1" dirty="0">
+            <a:r>
+              <a:rPr lang="pt-BR" b="1" dirty="0">
                 <a:ea typeface="+mn-lt"/>
                 <a:cs typeface="+mn-lt"/>
               </a:rPr>
@@ -16137,12 +16113,21 @@
               <a:buNone/>
             </a:pPr>
             <a:r>
-              <a:rPr lang="pt-BR" sz="2000" dirty="0">
+              <a:rPr lang="pt-BR" dirty="0">
                 <a:ea typeface="+mn-lt"/>
                 <a:cs typeface="+mn-lt"/>
               </a:rPr>
               <a:t>É o processo de rever, aprovar ou não, programar execução das mudanças propostas.</a:t>
             </a:r>
+            <a:endParaRPr lang="pt-BR">
+              <a:ea typeface="+mn-lt"/>
+              <a:cs typeface="+mn-lt"/>
+            </a:endParaRPr>
+          </a:p>
+          <a:p>
+            <a:pPr algn="just">
+              <a:buNone/>
+            </a:pPr>
             <a:endParaRPr lang="pt-BR" dirty="0">
               <a:ea typeface="+mn-lt"/>
               <a:cs typeface="+mn-lt"/>
@@ -16152,7 +16137,14 @@
             <a:pPr algn="just">
               <a:buNone/>
             </a:pPr>
-            <a:endParaRPr lang="pt-BR" sz="2000" dirty="0">
+            <a:r>
+              <a:rPr lang="pt-BR" dirty="0">
+                <a:ea typeface="+mn-lt"/>
+                <a:cs typeface="+mn-lt"/>
+              </a:rPr>
+              <a:t>Devem ser acompanhadas de estimativas de custos, sequências de atividades do cronograma, datas do cronograma, recursos necessários e análise de alternativas de respostas a riscos, novos ou revisados.</a:t>
+            </a:r>
+            <a:endParaRPr lang="pt-BR">
               <a:ea typeface="+mn-lt"/>
               <a:cs typeface="+mn-lt"/>
             </a:endParaRPr>
@@ -16161,13 +16153,6 @@
             <a:pPr algn="just">
               <a:buNone/>
             </a:pPr>
-            <a:r>
-              <a:rPr lang="pt-BR" sz="2000" dirty="0">
-                <a:ea typeface="+mn-lt"/>
-                <a:cs typeface="+mn-lt"/>
-              </a:rPr>
-              <a:t>Devem ser acompanhadas de estimativas de custos, sequências de atividades do cronograma, datas do cronograma, recursos necessários e análise de alternativas de respostas a riscos, novos ou revisados.</a:t>
-            </a:r>
             <a:endParaRPr lang="pt-BR" dirty="0">
               <a:ea typeface="+mn-lt"/>
               <a:cs typeface="+mn-lt"/>
@@ -16177,17 +16162,8 @@
             <a:pPr algn="just">
               <a:buNone/>
             </a:pPr>
-            <a:endParaRPr lang="pt-BR" sz="2000" dirty="0">
-              <a:ea typeface="+mn-lt"/>
-              <a:cs typeface="+mn-lt"/>
-            </a:endParaRPr>
-          </a:p>
-          <a:p>
-            <a:pPr algn="just">
-              <a:buNone/>
-            </a:pPr>
-            <a:r>
-              <a:rPr lang="pt-BR" sz="2000" dirty="0">
+            <a:r>
+              <a:rPr lang="pt-BR" dirty="0">
                 <a:ea typeface="+mn-lt"/>
                 <a:cs typeface="+mn-lt"/>
               </a:rPr>
@@ -16754,12 +16730,12 @@
         <p:spPr>
           <a:xfrm>
             <a:off x="1448599" y="1452302"/>
-            <a:ext cx="10099934" cy="4566510"/>
+            <a:ext cx="10099934" cy="4796547"/>
           </a:xfrm>
         </p:spPr>
         <p:txBody>
           <a:bodyPr vert="horz" lIns="91440" tIns="45720" rIns="91440" bIns="45720" rtlCol="0" anchor="t">
-            <a:normAutofit lnSpcReduction="10000"/>
+            <a:noAutofit/>
           </a:bodyPr>
           <a:lstStyle/>
           <a:p>
@@ -16794,7 +16770,7 @@
               </a:rPr>
               <a:t>.1 Plano de gerenciamento do projeto.</a:t>
             </a:r>
-            <a:endParaRPr lang="pt-BR" sz="2000" b="1" dirty="0"/>
+            <a:endParaRPr lang="pt-BR" sz="2000" b="1"/>
           </a:p>
           <a:p>
             <a:pPr>
@@ -16816,7 +16792,7 @@
               </a:rPr>
               <a:t>.2 Informações sobre o desempenho do trabalho.</a:t>
             </a:r>
-            <a:endParaRPr lang="pt-BR" sz="2000" b="1" dirty="0"/>
+            <a:endParaRPr lang="pt-BR" sz="2000" b="1"/>
           </a:p>
           <a:p>
             <a:pPr>
@@ -16838,7 +16814,7 @@
               </a:rPr>
               <a:t>.3 Mudanças solicitadas</a:t>
             </a:r>
-            <a:endParaRPr lang="pt-BR" sz="2000" b="1" dirty="0"/>
+            <a:endParaRPr lang="pt-BR" sz="2000" b="1"/>
           </a:p>
           <a:p>
             <a:pPr>
@@ -16881,7 +16857,7 @@
               </a:rPr>
               <a:t>.5 Ativos de processos organizacionais</a:t>
             </a:r>
-            <a:endParaRPr lang="pt-BR" b="1" dirty="0"/>
+            <a:endParaRPr lang="pt-BR" sz="2000" b="1"/>
           </a:p>
           <a:p>
             <a:pPr>
@@ -17168,12 +17144,21 @@
               <a:buNone/>
             </a:pPr>
             <a:r>
-              <a:rPr lang="pt-BR" sz="2000" b="1" dirty="0">
+              <a:rPr lang="pt-BR" b="1" dirty="0">
                 <a:ea typeface="+mn-lt"/>
                 <a:cs typeface="+mn-lt"/>
               </a:rPr>
               <a:t>Ferramentas e técnicas.</a:t>
             </a:r>
+            <a:endParaRPr lang="pt-BR" b="1">
+              <a:ea typeface="+mn-lt"/>
+              <a:cs typeface="+mn-lt"/>
+            </a:endParaRPr>
+          </a:p>
+          <a:p>
+            <a:pPr algn="just">
+              <a:buNone/>
+            </a:pPr>
             <a:endParaRPr lang="pt-BR" b="1" dirty="0">
               <a:ea typeface="+mn-lt"/>
               <a:cs typeface="+mn-lt"/>
@@ -17183,7 +17168,14 @@
             <a:pPr algn="just">
               <a:buNone/>
             </a:pPr>
-            <a:endParaRPr lang="pt-BR" sz="2000" b="1" dirty="0">
+            <a:r>
+              <a:rPr lang="pt-BR" b="1" dirty="0">
+                <a:ea typeface="+mn-lt"/>
+                <a:cs typeface="+mn-lt"/>
+              </a:rPr>
+              <a:t>1 Opinião especializada.</a:t>
+            </a:r>
+            <a:endParaRPr lang="pt-BR" b="1">
               <a:ea typeface="+mn-lt"/>
               <a:cs typeface="+mn-lt"/>
             </a:endParaRPr>
@@ -17192,13 +17184,6 @@
             <a:pPr algn="just">
               <a:buNone/>
             </a:pPr>
-            <a:r>
-              <a:rPr lang="pt-BR" sz="2000" b="1" dirty="0">
-                <a:ea typeface="+mn-lt"/>
-                <a:cs typeface="+mn-lt"/>
-              </a:rPr>
-              <a:t>1 Opinião especializada.</a:t>
-            </a:r>
             <a:endParaRPr lang="pt-BR" b="1" dirty="0">
               <a:ea typeface="+mn-lt"/>
               <a:cs typeface="+mn-lt"/>
@@ -17208,7 +17193,14 @@
             <a:pPr algn="just">
               <a:buNone/>
             </a:pPr>
-            <a:endParaRPr lang="pt-BR" sz="2000" b="1" dirty="0">
+            <a:r>
+              <a:rPr lang="pt-BR" b="1" dirty="0">
+                <a:ea typeface="+mn-lt"/>
+                <a:cs typeface="+mn-lt"/>
+              </a:rPr>
+              <a:t>2 Reuniões.</a:t>
+            </a:r>
+            <a:endParaRPr lang="pt-BR" b="1">
               <a:ea typeface="+mn-lt"/>
               <a:cs typeface="+mn-lt"/>
             </a:endParaRPr>
@@ -17217,13 +17209,6 @@
             <a:pPr algn="just">
               <a:buNone/>
             </a:pPr>
-            <a:r>
-              <a:rPr lang="pt-BR" sz="2000" b="1" dirty="0">
-                <a:ea typeface="+mn-lt"/>
-                <a:cs typeface="+mn-lt"/>
-              </a:rPr>
-              <a:t>2 Reuniões.</a:t>
-            </a:r>
             <a:endParaRPr lang="pt-BR" b="1" dirty="0">
               <a:ea typeface="+mn-lt"/>
               <a:cs typeface="+mn-lt"/>
@@ -17233,26 +17218,13 @@
             <a:pPr algn="just">
               <a:buNone/>
             </a:pPr>
-            <a:endParaRPr lang="pt-BR" sz="2000" b="1" dirty="0">
-              <a:ea typeface="+mn-lt"/>
-              <a:cs typeface="+mn-lt"/>
-            </a:endParaRPr>
-          </a:p>
-          <a:p>
-            <a:pPr algn="just">
-              <a:buNone/>
-            </a:pPr>
-            <a:r>
-              <a:rPr lang="pt-BR" sz="2000" b="1" dirty="0">
+            <a:r>
+              <a:rPr lang="pt-BR" b="1" dirty="0">
                 <a:ea typeface="+mn-lt"/>
                 <a:cs typeface="+mn-lt"/>
               </a:rPr>
               <a:t>3 Ferramentas de controle de mudanças, configurações acompanhamento, auditoria e versões.</a:t>
             </a:r>
-            <a:endParaRPr lang="pt-BR" b="1" dirty="0">
-              <a:ea typeface="+mn-lt"/>
-              <a:cs typeface="+mn-lt"/>
-            </a:endParaRPr>
           </a:p>
           <a:p>
             <a:pPr>
@@ -17534,12 +17506,12 @@
         <p:spPr>
           <a:xfrm>
             <a:off x="1592373" y="1452302"/>
-            <a:ext cx="10085557" cy="4566510"/>
+            <a:ext cx="10085557" cy="4825302"/>
           </a:xfrm>
         </p:spPr>
         <p:txBody>
           <a:bodyPr vert="horz" lIns="91440" tIns="45720" rIns="91440" bIns="45720" rtlCol="0" anchor="t">
-            <a:normAutofit/>
+            <a:noAutofit/>
           </a:bodyPr>
           <a:lstStyle/>
           <a:p>
@@ -17547,7 +17519,7 @@
               <a:buNone/>
             </a:pPr>
             <a:r>
-              <a:rPr lang="pt-BR" sz="2000" b="1" dirty="0">
+              <a:rPr lang="pt-BR" b="1" dirty="0">
                 <a:ea typeface="+mn-lt"/>
                 <a:cs typeface="+mn-lt"/>
               </a:rPr>
@@ -17558,7 +17530,7 @@
             <a:pPr algn="just">
               <a:buNone/>
             </a:pPr>
-            <a:endParaRPr lang="pt-BR" sz="2000" b="1" dirty="0">
+            <a:endParaRPr lang="pt-BR" b="1" dirty="0">
               <a:ea typeface="+mn-lt"/>
               <a:cs typeface="+mn-lt"/>
             </a:endParaRPr>
@@ -17568,7 +17540,7 @@
               <a:buNone/>
             </a:pPr>
             <a:r>
-              <a:rPr lang="pt-BR" sz="2000" b="1" dirty="0">
+              <a:rPr lang="pt-BR" b="1" dirty="0">
                 <a:ea typeface="+mn-lt"/>
                 <a:cs typeface="+mn-lt"/>
               </a:rPr>
@@ -17579,7 +17551,7 @@
             <a:pPr algn="just">
               <a:buNone/>
             </a:pPr>
-            <a:endParaRPr lang="pt-BR" sz="2000" b="1" dirty="0">
+            <a:endParaRPr lang="pt-BR" b="1" dirty="0">
               <a:ea typeface="+mn-lt"/>
               <a:cs typeface="+mn-lt"/>
             </a:endParaRPr>
@@ -17589,7 +17561,7 @@
               <a:buNone/>
             </a:pPr>
             <a:r>
-              <a:rPr lang="pt-BR" sz="2000" b="1" dirty="0">
+              <a:rPr lang="pt-BR" b="1" dirty="0">
                 <a:ea typeface="+mn-lt"/>
                 <a:cs typeface="+mn-lt"/>
               </a:rPr>
@@ -17600,7 +17572,7 @@
             <a:pPr algn="just">
               <a:buNone/>
             </a:pPr>
-            <a:endParaRPr lang="pt-BR" sz="2000" b="1" dirty="0">
+            <a:endParaRPr lang="pt-BR" b="1" dirty="0">
               <a:ea typeface="+mn-lt"/>
               <a:cs typeface="+mn-lt"/>
             </a:endParaRPr>
@@ -17610,7 +17582,7 @@
               <a:buNone/>
             </a:pPr>
             <a:r>
-              <a:rPr lang="pt-BR" sz="2000" b="1" dirty="0">
+              <a:rPr lang="pt-BR" b="1" dirty="0">
                 <a:ea typeface="+mn-lt"/>
                 <a:cs typeface="+mn-lt"/>
               </a:rPr>
@@ -17621,7 +17593,7 @@
             <a:pPr algn="just">
               <a:buNone/>
             </a:pPr>
-            <a:endParaRPr lang="pt-BR" sz="2000" b="1" dirty="0">
+            <a:endParaRPr lang="pt-BR" b="1" dirty="0">
               <a:ea typeface="+mn-lt"/>
               <a:cs typeface="+mn-lt"/>
             </a:endParaRPr>
@@ -17631,7 +17603,7 @@
               <a:buNone/>
             </a:pPr>
             <a:r>
-              <a:rPr lang="pt-BR" sz="2000" b="1" dirty="0">
+              <a:rPr lang="pt-BR" b="1" dirty="0">
                 <a:ea typeface="+mn-lt"/>
                 <a:cs typeface="+mn-lt"/>
               </a:rPr>
@@ -17938,7 +17910,7 @@
               <a:buNone/>
             </a:pPr>
             <a:r>
-              <a:rPr lang="pt-BR" sz="2000" b="1" dirty="0">
+              <a:rPr lang="pt-BR" b="1" dirty="0">
                 <a:ea typeface="+mn-lt"/>
                 <a:cs typeface="+mn-lt"/>
               </a:rPr>
@@ -17949,17 +17921,17 @@
             <a:pPr>
               <a:buNone/>
             </a:pPr>
-            <a:endParaRPr lang="pt-BR" sz="2000" b="1" dirty="0">
-              <a:ea typeface="+mn-lt"/>
-              <a:cs typeface="+mn-lt"/>
-            </a:endParaRPr>
-          </a:p>
-          <a:p>
-            <a:pPr>
-              <a:buNone/>
-            </a:pPr>
-            <a:r>
-              <a:rPr lang="pt-BR" sz="2000" b="1" dirty="0">
+            <a:endParaRPr lang="pt-BR" b="1" dirty="0">
+              <a:ea typeface="+mn-lt"/>
+              <a:cs typeface="+mn-lt"/>
+            </a:endParaRPr>
+          </a:p>
+          <a:p>
+            <a:pPr>
+              <a:buNone/>
+            </a:pPr>
+            <a:r>
+              <a:rPr lang="pt-BR" b="1" dirty="0">
                 <a:ea typeface="+mn-lt"/>
                 <a:cs typeface="+mn-lt"/>
               </a:rPr>
@@ -17995,7 +17967,7 @@
               <a:buNone/>
             </a:pPr>
             <a:r>
-              <a:rPr lang="pt-BR" sz="2000" b="1" dirty="0">
+              <a:rPr lang="pt-BR" b="1" dirty="0">
                 <a:ea typeface="+mn-lt"/>
                 <a:cs typeface="+mn-lt"/>
               </a:rPr>
@@ -18006,17 +17978,17 @@
             <a:pPr>
               <a:buNone/>
             </a:pPr>
-            <a:endParaRPr lang="pt-BR" sz="2000" b="1" dirty="0">
-              <a:ea typeface="+mn-lt"/>
-              <a:cs typeface="+mn-lt"/>
-            </a:endParaRPr>
-          </a:p>
-          <a:p>
-            <a:pPr>
-              <a:buNone/>
-            </a:pPr>
-            <a:r>
-              <a:rPr lang="pt-BR" sz="2000" b="1" dirty="0">
+            <a:endParaRPr lang="pt-BR" b="1" dirty="0">
+              <a:ea typeface="+mn-lt"/>
+              <a:cs typeface="+mn-lt"/>
+            </a:endParaRPr>
+          </a:p>
+          <a:p>
+            <a:pPr>
+              <a:buNone/>
+            </a:pPr>
+            <a:r>
+              <a:rPr lang="pt-BR" b="1" dirty="0">
                 <a:ea typeface="+mn-lt"/>
                 <a:cs typeface="+mn-lt"/>
               </a:rPr>
@@ -18331,7 +18303,7 @@
               <a:buNone/>
             </a:pPr>
             <a:r>
-              <a:rPr lang="pt-BR" sz="2000" b="1" dirty="0">
+              <a:rPr lang="pt-BR" b="1" dirty="0">
                 <a:ea typeface="+mn-lt"/>
                 <a:cs typeface="+mn-lt"/>
               </a:rPr>
@@ -18342,17 +18314,17 @@
             <a:pPr>
               <a:buNone/>
             </a:pPr>
-            <a:endParaRPr lang="pt-BR" sz="2000" b="1" dirty="0">
-              <a:ea typeface="+mn-lt"/>
-              <a:cs typeface="+mn-lt"/>
-            </a:endParaRPr>
-          </a:p>
-          <a:p>
-            <a:pPr>
-              <a:buNone/>
-            </a:pPr>
-            <a:r>
-              <a:rPr lang="pt-BR" sz="2000" b="1" dirty="0">
+            <a:endParaRPr lang="pt-BR" b="1" dirty="0">
+              <a:ea typeface="+mn-lt"/>
+              <a:cs typeface="+mn-lt"/>
+            </a:endParaRPr>
+          </a:p>
+          <a:p>
+            <a:pPr>
+              <a:buNone/>
+            </a:pPr>
+            <a:r>
+              <a:rPr lang="pt-BR" b="1" dirty="0">
                 <a:ea typeface="+mn-lt"/>
                 <a:cs typeface="+mn-lt"/>
               </a:rPr>
@@ -18385,7 +18357,7 @@
               <a:buNone/>
             </a:pPr>
             <a:r>
-              <a:rPr lang="pt-BR" sz="2000" b="1" dirty="0">
+              <a:rPr lang="pt-BR" b="1" dirty="0">
                 <a:ea typeface="+mn-lt"/>
                 <a:cs typeface="+mn-lt"/>
               </a:rPr>
@@ -18396,17 +18368,17 @@
             <a:pPr>
               <a:buNone/>
             </a:pPr>
-            <a:endParaRPr lang="pt-BR" sz="2000" b="1" dirty="0">
-              <a:ea typeface="+mn-lt"/>
-              <a:cs typeface="+mn-lt"/>
-            </a:endParaRPr>
-          </a:p>
-          <a:p>
-            <a:pPr>
-              <a:buNone/>
-            </a:pPr>
-            <a:r>
-              <a:rPr lang="pt-BR" sz="2000" b="1" dirty="0">
+            <a:endParaRPr lang="pt-BR" b="1" dirty="0">
+              <a:ea typeface="+mn-lt"/>
+              <a:cs typeface="+mn-lt"/>
+            </a:endParaRPr>
+          </a:p>
+          <a:p>
+            <a:pPr>
+              <a:buNone/>
+            </a:pPr>
+            <a:r>
+              <a:rPr lang="pt-BR" b="1" dirty="0">
                 <a:ea typeface="+mn-lt"/>
                 <a:cs typeface="+mn-lt"/>
               </a:rPr>
@@ -18716,7 +18688,7 @@
         <p:spPr>
           <a:xfrm>
             <a:off x="1606750" y="1452302"/>
-            <a:ext cx="10071180" cy="4566510"/>
+            <a:ext cx="10071180" cy="4710283"/>
           </a:xfrm>
         </p:spPr>
         <p:txBody>
@@ -18729,7 +18701,7 @@
               <a:buNone/>
             </a:pPr>
             <a:r>
-              <a:rPr lang="pt-BR" sz="2000" b="1" dirty="0">
+              <a:rPr lang="pt-BR" b="1" dirty="0">
                 <a:ea typeface="+mn-lt"/>
                 <a:cs typeface="+mn-lt"/>
               </a:rPr>
@@ -18744,7 +18716,7 @@
             <a:pPr algn="just">
               <a:buNone/>
             </a:pPr>
-            <a:endParaRPr lang="pt-BR" sz="2000" b="1" dirty="0">
+            <a:endParaRPr lang="pt-BR" b="1" dirty="0">
               <a:ea typeface="+mn-lt"/>
               <a:cs typeface="+mn-lt"/>
             </a:endParaRPr>
@@ -18754,7 +18726,7 @@
               <a:buNone/>
             </a:pPr>
             <a:r>
-              <a:rPr lang="pt-BR" sz="2000" b="1" dirty="0">
+              <a:rPr lang="pt-BR" b="1" dirty="0">
                 <a:ea typeface="+mn-lt"/>
                 <a:cs typeface="+mn-lt"/>
               </a:rPr>
@@ -18779,7 +18751,7 @@
             <a:pPr algn="just">
               <a:buNone/>
             </a:pPr>
-            <a:endParaRPr lang="pt-BR" sz="2000" dirty="0">
+            <a:endParaRPr lang="pt-BR" dirty="0">
               <a:ea typeface="+mn-lt"/>
               <a:cs typeface="+mn-lt"/>
             </a:endParaRPr>
@@ -18789,7 +18761,7 @@
               <a:buNone/>
             </a:pPr>
             <a:r>
-              <a:rPr lang="pt-BR" sz="2000" b="1" dirty="0">
+              <a:rPr lang="pt-BR" b="1" dirty="0">
                 <a:ea typeface="+mn-lt"/>
                 <a:cs typeface="+mn-lt"/>
               </a:rPr>
@@ -19125,7 +19097,7 @@
               <a:buNone/>
             </a:pPr>
             <a:r>
-              <a:rPr lang="pt-BR" sz="2000" b="1" dirty="0">
+              <a:rPr lang="pt-BR" b="1" dirty="0">
                 <a:ea typeface="+mn-lt"/>
                 <a:cs typeface="+mn-lt"/>
               </a:rPr>
@@ -19140,7 +19112,7 @@
             <a:pPr algn="just">
               <a:buNone/>
             </a:pPr>
-            <a:endParaRPr lang="pt-BR" sz="2000" b="1" dirty="0">
+            <a:endParaRPr lang="pt-BR" b="1" dirty="0">
               <a:ea typeface="+mn-lt"/>
               <a:cs typeface="+mn-lt"/>
             </a:endParaRPr>
@@ -19150,7 +19122,7 @@
               <a:buNone/>
             </a:pPr>
             <a:r>
-              <a:rPr lang="pt-BR" sz="2000" b="1" dirty="0">
+              <a:rPr lang="pt-BR" b="1" dirty="0">
                 <a:ea typeface="+mn-lt"/>
                 <a:cs typeface="+mn-lt"/>
               </a:rPr>
@@ -19529,7 +19501,7 @@
               <a:buNone/>
             </a:pPr>
             <a:r>
-              <a:rPr lang="pt-BR" sz="2000" b="1" dirty="0">
+              <a:rPr lang="pt-BR" b="1" dirty="0">
                 <a:ea typeface="+mn-lt"/>
                 <a:cs typeface="+mn-lt"/>
               </a:rPr>
@@ -19540,7 +19512,7 @@
             <a:pPr algn="just">
               <a:buNone/>
             </a:pPr>
-            <a:endParaRPr lang="pt-BR" sz="2000" b="1" dirty="0">
+            <a:endParaRPr lang="pt-BR" b="1" dirty="0">
               <a:ea typeface="+mn-lt"/>
               <a:cs typeface="+mn-lt"/>
             </a:endParaRPr>
@@ -19550,7 +19522,7 @@
               <a:buNone/>
             </a:pPr>
             <a:r>
-              <a:rPr lang="pt-BR" sz="2000" b="1" dirty="0">
+              <a:rPr lang="pt-BR" b="1" dirty="0">
                 <a:ea typeface="+mn-lt"/>
                 <a:cs typeface="+mn-lt"/>
               </a:rPr>
@@ -19943,19 +19915,19 @@
               <a:buNone/>
             </a:pPr>
             <a:r>
-              <a:rPr lang="pt-BR" sz="2000" b="1" dirty="0">
+              <a:rPr lang="pt-BR" b="1" dirty="0">
                 <a:ea typeface="+mn-lt"/>
                 <a:cs typeface="+mn-lt"/>
               </a:rPr>
               <a:t>Documentação da aceitação formal.</a:t>
             </a:r>
-            <a:endParaRPr lang="pt-BR" sz="2000" b="1" dirty="0"/>
+            <a:endParaRPr lang="pt-BR" b="1"/>
           </a:p>
           <a:p>
             <a:pPr algn="just">
               <a:buNone/>
             </a:pPr>
-            <a:endParaRPr lang="pt-BR" sz="2000" b="1" dirty="0">
+            <a:endParaRPr lang="pt-BR" b="1" dirty="0">
               <a:ea typeface="+mn-lt"/>
               <a:cs typeface="+mn-lt"/>
             </a:endParaRPr>
@@ -19965,19 +19937,19 @@
               <a:buNone/>
             </a:pPr>
             <a:r>
-              <a:rPr lang="pt-BR" sz="2000" b="1" dirty="0">
+              <a:rPr lang="pt-BR" b="1" dirty="0">
                 <a:ea typeface="+mn-lt"/>
                 <a:cs typeface="+mn-lt"/>
               </a:rPr>
               <a:t>Arquivos do projeto.</a:t>
             </a:r>
-            <a:endParaRPr lang="pt-BR" sz="2000" b="1" dirty="0"/>
+            <a:endParaRPr lang="pt-BR" b="1"/>
           </a:p>
           <a:p>
             <a:pPr algn="just">
               <a:buNone/>
             </a:pPr>
-            <a:endParaRPr lang="pt-BR" sz="2000" b="1" dirty="0">
+            <a:endParaRPr lang="pt-BR" b="1" dirty="0">
               <a:ea typeface="+mn-lt"/>
               <a:cs typeface="+mn-lt"/>
             </a:endParaRPr>
@@ -19987,7 +19959,7 @@
               <a:buNone/>
             </a:pPr>
             <a:r>
-              <a:rPr lang="pt-BR" sz="2000" b="1" dirty="0">
+              <a:rPr lang="pt-BR" b="1" dirty="0">
                 <a:ea typeface="+mn-lt"/>
                 <a:cs typeface="+mn-lt"/>
               </a:rPr>
@@ -19998,7 +19970,7 @@
             <a:pPr algn="just">
               <a:buNone/>
             </a:pPr>
-            <a:endParaRPr lang="pt-BR" sz="2000" b="1" dirty="0">
+            <a:endParaRPr lang="pt-BR" b="1" dirty="0">
               <a:ea typeface="+mn-lt"/>
               <a:cs typeface="+mn-lt"/>
             </a:endParaRPr>
@@ -20008,16 +19980,12 @@
               <a:buNone/>
             </a:pPr>
             <a:r>
-              <a:rPr lang="pt-BR" sz="2000" b="1" dirty="0">
+              <a:rPr lang="pt-BR" b="1" dirty="0">
                 <a:ea typeface="+mn-lt"/>
                 <a:cs typeface="+mn-lt"/>
               </a:rPr>
               <a:t>Informações históricas.</a:t>
             </a:r>
-            <a:endParaRPr lang="pt-BR" b="1" dirty="0">
-              <a:ea typeface="+mn-lt"/>
-              <a:cs typeface="+mn-lt"/>
-            </a:endParaRPr>
           </a:p>
           <a:p>
             <a:pPr algn="just">
